--- a/software-engineering/slides/uml.pptx
+++ b/software-engineering/slides/uml.pptx
@@ -7,6 +7,11 @@
   <p:sldIdLst>
     <p:sldId id="256" r:id="rId2"/>
     <p:sldId id="257" r:id="rId3"/>
+    <p:sldId id="258" r:id="rId4"/>
+    <p:sldId id="259" r:id="rId5"/>
+    <p:sldId id="260" r:id="rId6"/>
+    <p:sldId id="261" r:id="rId7"/>
+    <p:sldId id="262" r:id="rId8"/>
   </p:sldIdLst>
   <p:sldSz cx="12192000" cy="6858000"/>
   <p:notesSz cx="6858000" cy="9144000"/>
@@ -105,6 +110,11 @@
       </a:defRPr>
     </a:lvl9pPr>
   </p:defaultTextStyle>
+  <p:extLst>
+    <p:ext uri="{EFAFB233-063F-42B5-8137-9DF3F51BA10A}">
+      <p15:sldGuideLst xmlns:p15="http://schemas.microsoft.com/office/powerpoint/2012/main"/>
+    </p:ext>
+  </p:extLst>
 </p:presentation>
 </file>
 
@@ -255,7 +265,7 @@
           <a:p>
             <a:fld id="{9B5DFB4D-25A4-4008-8635-D2632B3E843C}" type="datetimeFigureOut">
               <a:rPr lang="en-US" smtClean="0"/>
-              <a:t>1/18/2019</a:t>
+              <a:t>1/24/2019</a:t>
             </a:fld>
             <a:endParaRPr lang="en-US"/>
           </a:p>
@@ -453,7 +463,7 @@
           <a:p>
             <a:fld id="{9B5DFB4D-25A4-4008-8635-D2632B3E843C}" type="datetimeFigureOut">
               <a:rPr lang="en-US" smtClean="0"/>
-              <a:t>1/18/2019</a:t>
+              <a:t>1/24/2019</a:t>
             </a:fld>
             <a:endParaRPr lang="en-US"/>
           </a:p>
@@ -661,7 +671,7 @@
           <a:p>
             <a:fld id="{9B5DFB4D-25A4-4008-8635-D2632B3E843C}" type="datetimeFigureOut">
               <a:rPr lang="en-US" smtClean="0"/>
-              <a:t>1/18/2019</a:t>
+              <a:t>1/24/2019</a:t>
             </a:fld>
             <a:endParaRPr lang="en-US"/>
           </a:p>
@@ -859,7 +869,7 @@
           <a:p>
             <a:fld id="{9B5DFB4D-25A4-4008-8635-D2632B3E843C}" type="datetimeFigureOut">
               <a:rPr lang="en-US" smtClean="0"/>
-              <a:t>1/18/2019</a:t>
+              <a:t>1/24/2019</a:t>
             </a:fld>
             <a:endParaRPr lang="en-US"/>
           </a:p>
@@ -1134,7 +1144,7 @@
           <a:p>
             <a:fld id="{9B5DFB4D-25A4-4008-8635-D2632B3E843C}" type="datetimeFigureOut">
               <a:rPr lang="en-US" smtClean="0"/>
-              <a:t>1/18/2019</a:t>
+              <a:t>1/24/2019</a:t>
             </a:fld>
             <a:endParaRPr lang="en-US"/>
           </a:p>
@@ -1399,7 +1409,7 @@
           <a:p>
             <a:fld id="{9B5DFB4D-25A4-4008-8635-D2632B3E843C}" type="datetimeFigureOut">
               <a:rPr lang="en-US" smtClean="0"/>
-              <a:t>1/18/2019</a:t>
+              <a:t>1/24/2019</a:t>
             </a:fld>
             <a:endParaRPr lang="en-US"/>
           </a:p>
@@ -1811,7 +1821,7 @@
           <a:p>
             <a:fld id="{9B5DFB4D-25A4-4008-8635-D2632B3E843C}" type="datetimeFigureOut">
               <a:rPr lang="en-US" smtClean="0"/>
-              <a:t>1/18/2019</a:t>
+              <a:t>1/24/2019</a:t>
             </a:fld>
             <a:endParaRPr lang="en-US"/>
           </a:p>
@@ -1952,7 +1962,7 @@
           <a:p>
             <a:fld id="{9B5DFB4D-25A4-4008-8635-D2632B3E843C}" type="datetimeFigureOut">
               <a:rPr lang="en-US" smtClean="0"/>
-              <a:t>1/18/2019</a:t>
+              <a:t>1/24/2019</a:t>
             </a:fld>
             <a:endParaRPr lang="en-US"/>
           </a:p>
@@ -2065,7 +2075,7 @@
           <a:p>
             <a:fld id="{9B5DFB4D-25A4-4008-8635-D2632B3E843C}" type="datetimeFigureOut">
               <a:rPr lang="en-US" smtClean="0"/>
-              <a:t>1/18/2019</a:t>
+              <a:t>1/24/2019</a:t>
             </a:fld>
             <a:endParaRPr lang="en-US"/>
           </a:p>
@@ -2376,7 +2386,7 @@
           <a:p>
             <a:fld id="{9B5DFB4D-25A4-4008-8635-D2632B3E843C}" type="datetimeFigureOut">
               <a:rPr lang="en-US" smtClean="0"/>
-              <a:t>1/18/2019</a:t>
+              <a:t>1/24/2019</a:t>
             </a:fld>
             <a:endParaRPr lang="en-US"/>
           </a:p>
@@ -2664,7 +2674,7 @@
           <a:p>
             <a:fld id="{9B5DFB4D-25A4-4008-8635-D2632B3E843C}" type="datetimeFigureOut">
               <a:rPr lang="en-US" smtClean="0"/>
-              <a:t>1/18/2019</a:t>
+              <a:t>1/24/2019</a:t>
             </a:fld>
             <a:endParaRPr lang="en-US"/>
           </a:p>
@@ -2905,7 +2915,7 @@
           <a:p>
             <a:fld id="{9B5DFB4D-25A4-4008-8635-D2632B3E843C}" type="datetimeFigureOut">
               <a:rPr lang="en-US" smtClean="0"/>
-              <a:t>1/18/2019</a:t>
+              <a:t>1/24/2019</a:t>
             </a:fld>
             <a:endParaRPr lang="en-US"/>
           </a:p>
@@ -3377,7 +3387,7 @@
             </a:ln>
             <a:extLst>
               <a:ext uri="{909E8E84-426E-40dd-AFC4-6F175D3DCCD1}">
-                <a14:hiddenFill xmlns:a14="http://schemas.microsoft.com/office/drawing/2010/main" xmlns="">
+                <a14:hiddenFill xmlns="" xmlns:a14="http://schemas.microsoft.com/office/drawing/2010/main">
                   <a:solidFill>
                     <a:srgbClr val="FFFFFF"/>
                   </a:solidFill>
@@ -3536,7 +3546,7 @@
             </a:ln>
             <a:extLst>
               <a:ext uri="{909E8E84-426E-40dd-AFC4-6F175D3DCCD1}">
-                <a14:hiddenFill xmlns:a14="http://schemas.microsoft.com/office/drawing/2010/main" xmlns="">
+                <a14:hiddenFill xmlns="" xmlns:a14="http://schemas.microsoft.com/office/drawing/2010/main">
                   <a:noFill/>
                 </a14:hiddenFill>
               </a:ext>
@@ -3583,7 +3593,7 @@
             </a:ln>
             <a:extLst>
               <a:ext uri="{909E8E84-426E-40dd-AFC4-6F175D3DCCD1}">
-                <a14:hiddenFill xmlns:a14="http://schemas.microsoft.com/office/drawing/2010/main" xmlns="">
+                <a14:hiddenFill xmlns="" xmlns:a14="http://schemas.microsoft.com/office/drawing/2010/main">
                   <a:noFill/>
                 </a14:hiddenFill>
               </a:ext>
@@ -3630,7 +3640,7 @@
             </a:ln>
             <a:extLst>
               <a:ext uri="{909E8E84-426E-40dd-AFC4-6F175D3DCCD1}">
-                <a14:hiddenFill xmlns:a14="http://schemas.microsoft.com/office/drawing/2010/main" xmlns="">
+                <a14:hiddenFill xmlns="" xmlns:a14="http://schemas.microsoft.com/office/drawing/2010/main">
                   <a:noFill/>
                 </a14:hiddenFill>
               </a:ext>
@@ -3677,7 +3687,7 @@
             </a:ln>
             <a:extLst>
               <a:ext uri="{909E8E84-426E-40dd-AFC4-6F175D3DCCD1}">
-                <a14:hiddenFill xmlns:a14="http://schemas.microsoft.com/office/drawing/2010/main" xmlns="">
+                <a14:hiddenFill xmlns="" xmlns:a14="http://schemas.microsoft.com/office/drawing/2010/main">
                   <a:noFill/>
                 </a14:hiddenFill>
               </a:ext>
@@ -3720,14 +3730,14 @@
           </a:ln>
           <a:extLst>
             <a:ext uri="{909E8E84-426E-40dd-AFC4-6F175D3DCCD1}">
-              <a14:hiddenFill xmlns:a14="http://schemas.microsoft.com/office/drawing/2010/main" xmlns="">
+              <a14:hiddenFill xmlns="" xmlns:a14="http://schemas.microsoft.com/office/drawing/2010/main">
                 <a:solidFill>
                   <a:srgbClr val="FFFFFF"/>
                 </a:solidFill>
               </a14:hiddenFill>
             </a:ext>
             <a:ext uri="{91240B29-F687-4f45-9708-019B960494DF}">
-              <a14:hiddenLine xmlns:a14="http://schemas.microsoft.com/office/drawing/2010/main" xmlns="" w="9525">
+              <a14:hiddenLine xmlns="" xmlns:a14="http://schemas.microsoft.com/office/drawing/2010/main" w="9525">
                 <a:solidFill>
                   <a:srgbClr val="000000"/>
                 </a:solidFill>
@@ -3903,7 +3913,7 @@
           </a:ln>
           <a:extLst>
             <a:ext uri="{909E8E84-426E-40dd-AFC4-6F175D3DCCD1}">
-              <a14:hiddenFill xmlns:a14="http://schemas.microsoft.com/office/drawing/2010/main" xmlns="">
+              <a14:hiddenFill xmlns="" xmlns:a14="http://schemas.microsoft.com/office/drawing/2010/main">
                 <a:solidFill>
                   <a:srgbClr val="FFFFFF"/>
                 </a:solidFill>
@@ -4062,7 +4072,7 @@
           </a:ln>
           <a:extLst>
             <a:ext uri="{909E8E84-426E-40dd-AFC4-6F175D3DCCD1}">
-              <a14:hiddenFill xmlns:a14="http://schemas.microsoft.com/office/drawing/2010/main" xmlns="">
+              <a14:hiddenFill xmlns="" xmlns:a14="http://schemas.microsoft.com/office/drawing/2010/main">
                 <a:noFill/>
               </a14:hiddenFill>
             </a:ext>
@@ -4404,7 +4414,7 @@
           </a:ln>
           <a:extLst>
             <a:ext uri="{909E8E84-426E-40dd-AFC4-6F175D3DCCD1}">
-              <a14:hiddenFill xmlns:a14="http://schemas.microsoft.com/office/drawing/2010/main" xmlns="">
+              <a14:hiddenFill xmlns="" xmlns:a14="http://schemas.microsoft.com/office/drawing/2010/main">
                 <a:noFill/>
               </a14:hiddenFill>
             </a:ext>
@@ -4451,7 +4461,7 @@
           </a:ln>
           <a:extLst>
             <a:ext uri="{909E8E84-426E-40dd-AFC4-6F175D3DCCD1}">
-              <a14:hiddenFill xmlns:a14="http://schemas.microsoft.com/office/drawing/2010/main" xmlns="">
+              <a14:hiddenFill xmlns="" xmlns:a14="http://schemas.microsoft.com/office/drawing/2010/main">
                 <a:noFill/>
               </a14:hiddenFill>
             </a:ext>
@@ -4498,7 +4508,7 @@
           </a:ln>
           <a:extLst>
             <a:ext uri="{909E8E84-426E-40dd-AFC4-6F175D3DCCD1}">
-              <a14:hiddenFill xmlns:a14="http://schemas.microsoft.com/office/drawing/2010/main" xmlns="">
+              <a14:hiddenFill xmlns="" xmlns:a14="http://schemas.microsoft.com/office/drawing/2010/main">
                 <a:noFill/>
               </a14:hiddenFill>
             </a:ext>
@@ -4567,7 +4577,7 @@
             </a:ln>
             <a:extLst>
               <a:ext uri="{909E8E84-426E-40dd-AFC4-6F175D3DCCD1}">
-                <a14:hiddenFill xmlns:a14="http://schemas.microsoft.com/office/drawing/2010/main" xmlns="">
+                <a14:hiddenFill xmlns="" xmlns:a14="http://schemas.microsoft.com/office/drawing/2010/main">
                   <a:solidFill>
                     <a:srgbClr val="FFFFFF"/>
                   </a:solidFill>
@@ -4726,7 +4736,7 @@
             </a:ln>
             <a:extLst>
               <a:ext uri="{909E8E84-426E-40dd-AFC4-6F175D3DCCD1}">
-                <a14:hiddenFill xmlns:a14="http://schemas.microsoft.com/office/drawing/2010/main" xmlns="">
+                <a14:hiddenFill xmlns="" xmlns:a14="http://schemas.microsoft.com/office/drawing/2010/main">
                   <a:noFill/>
                 </a14:hiddenFill>
               </a:ext>
@@ -4773,7 +4783,7 @@
             </a:ln>
             <a:extLst>
               <a:ext uri="{909E8E84-426E-40dd-AFC4-6F175D3DCCD1}">
-                <a14:hiddenFill xmlns:a14="http://schemas.microsoft.com/office/drawing/2010/main" xmlns="">
+                <a14:hiddenFill xmlns="" xmlns:a14="http://schemas.microsoft.com/office/drawing/2010/main">
                   <a:noFill/>
                 </a14:hiddenFill>
               </a:ext>
@@ -4820,7 +4830,7 @@
             </a:ln>
             <a:extLst>
               <a:ext uri="{909E8E84-426E-40dd-AFC4-6F175D3DCCD1}">
-                <a14:hiddenFill xmlns:a14="http://schemas.microsoft.com/office/drawing/2010/main" xmlns="">
+                <a14:hiddenFill xmlns="" xmlns:a14="http://schemas.microsoft.com/office/drawing/2010/main">
                   <a:noFill/>
                 </a14:hiddenFill>
               </a:ext>
@@ -4867,7 +4877,7 @@
             </a:ln>
             <a:extLst>
               <a:ext uri="{909E8E84-426E-40dd-AFC4-6F175D3DCCD1}">
-                <a14:hiddenFill xmlns:a14="http://schemas.microsoft.com/office/drawing/2010/main" xmlns="">
+                <a14:hiddenFill xmlns="" xmlns:a14="http://schemas.microsoft.com/office/drawing/2010/main">
                   <a:noFill/>
                 </a14:hiddenFill>
               </a:ext>
@@ -4910,14 +4920,14 @@
           </a:ln>
           <a:extLst>
             <a:ext uri="{909E8E84-426E-40dd-AFC4-6F175D3DCCD1}">
-              <a14:hiddenFill xmlns:a14="http://schemas.microsoft.com/office/drawing/2010/main" xmlns="">
+              <a14:hiddenFill xmlns="" xmlns:a14="http://schemas.microsoft.com/office/drawing/2010/main">
                 <a:solidFill>
                   <a:srgbClr val="FFFFFF"/>
                 </a:solidFill>
               </a14:hiddenFill>
             </a:ext>
             <a:ext uri="{91240B29-F687-4f45-9708-019B960494DF}">
-              <a14:hiddenLine xmlns:a14="http://schemas.microsoft.com/office/drawing/2010/main" xmlns="" w="9525">
+              <a14:hiddenLine xmlns="" xmlns:a14="http://schemas.microsoft.com/office/drawing/2010/main" w="9525">
                 <a:solidFill>
                   <a:srgbClr val="000000"/>
                 </a:solidFill>
@@ -5093,7 +5103,7 @@
           </a:ln>
           <a:extLst>
             <a:ext uri="{909E8E84-426E-40dd-AFC4-6F175D3DCCD1}">
-              <a14:hiddenFill xmlns:a14="http://schemas.microsoft.com/office/drawing/2010/main" xmlns="">
+              <a14:hiddenFill xmlns="" xmlns:a14="http://schemas.microsoft.com/office/drawing/2010/main">
                 <a:noFill/>
               </a14:hiddenFill>
             </a:ext>
@@ -5140,7 +5150,7 @@
           </a:ln>
           <a:extLst>
             <a:ext uri="{909E8E84-426E-40dd-AFC4-6F175D3DCCD1}">
-              <a14:hiddenFill xmlns:a14="http://schemas.microsoft.com/office/drawing/2010/main" xmlns="">
+              <a14:hiddenFill xmlns="" xmlns:a14="http://schemas.microsoft.com/office/drawing/2010/main">
                 <a:noFill/>
               </a14:hiddenFill>
             </a:ext>
@@ -5187,7 +5197,7 @@
           </a:ln>
           <a:extLst>
             <a:ext uri="{909E8E84-426E-40dd-AFC4-6F175D3DCCD1}">
-              <a14:hiddenFill xmlns:a14="http://schemas.microsoft.com/office/drawing/2010/main" xmlns="">
+              <a14:hiddenFill xmlns="" xmlns:a14="http://schemas.microsoft.com/office/drawing/2010/main">
                 <a:noFill/>
               </a14:hiddenFill>
             </a:ext>
@@ -5286,7 +5296,7 @@
             </a:ln>
             <a:extLst>
               <a:ext uri="{909E8E84-426E-40dd-AFC4-6F175D3DCCD1}">
-                <a14:hiddenFill xmlns:a14="http://schemas.microsoft.com/office/drawing/2010/main" xmlns="">
+                <a14:hiddenFill xmlns="" xmlns:a14="http://schemas.microsoft.com/office/drawing/2010/main">
                   <a:solidFill>
                     <a:srgbClr val="FFFFFF"/>
                   </a:solidFill>
@@ -5445,7 +5455,7 @@
             </a:ln>
             <a:extLst>
               <a:ext uri="{909E8E84-426E-40dd-AFC4-6F175D3DCCD1}">
-                <a14:hiddenFill xmlns:a14="http://schemas.microsoft.com/office/drawing/2010/main" xmlns="">
+                <a14:hiddenFill xmlns="" xmlns:a14="http://schemas.microsoft.com/office/drawing/2010/main">
                   <a:noFill/>
                 </a14:hiddenFill>
               </a:ext>
@@ -5492,7 +5502,7 @@
             </a:ln>
             <a:extLst>
               <a:ext uri="{909E8E84-426E-40dd-AFC4-6F175D3DCCD1}">
-                <a14:hiddenFill xmlns:a14="http://schemas.microsoft.com/office/drawing/2010/main" xmlns="">
+                <a14:hiddenFill xmlns="" xmlns:a14="http://schemas.microsoft.com/office/drawing/2010/main">
                   <a:noFill/>
                 </a14:hiddenFill>
               </a:ext>
@@ -5539,7 +5549,7 @@
             </a:ln>
             <a:extLst>
               <a:ext uri="{909E8E84-426E-40dd-AFC4-6F175D3DCCD1}">
-                <a14:hiddenFill xmlns:a14="http://schemas.microsoft.com/office/drawing/2010/main" xmlns="">
+                <a14:hiddenFill xmlns="" xmlns:a14="http://schemas.microsoft.com/office/drawing/2010/main">
                   <a:noFill/>
                 </a14:hiddenFill>
               </a:ext>
@@ -5586,7 +5596,7 @@
             </a:ln>
             <a:extLst>
               <a:ext uri="{909E8E84-426E-40dd-AFC4-6F175D3DCCD1}">
-                <a14:hiddenFill xmlns:a14="http://schemas.microsoft.com/office/drawing/2010/main" xmlns="">
+                <a14:hiddenFill xmlns="" xmlns:a14="http://schemas.microsoft.com/office/drawing/2010/main">
                   <a:noFill/>
                 </a14:hiddenFill>
               </a:ext>
@@ -5629,14 +5639,14 @@
           </a:ln>
           <a:extLst>
             <a:ext uri="{909E8E84-426E-40dd-AFC4-6F175D3DCCD1}">
-              <a14:hiddenFill xmlns:a14="http://schemas.microsoft.com/office/drawing/2010/main" xmlns="">
+              <a14:hiddenFill xmlns="" xmlns:a14="http://schemas.microsoft.com/office/drawing/2010/main">
                 <a:solidFill>
                   <a:srgbClr val="FFFFFF"/>
                 </a:solidFill>
               </a14:hiddenFill>
             </a:ext>
             <a:ext uri="{91240B29-F687-4f45-9708-019B960494DF}">
-              <a14:hiddenLine xmlns:a14="http://schemas.microsoft.com/office/drawing/2010/main" xmlns="" w="9525">
+              <a14:hiddenLine xmlns="" xmlns:a14="http://schemas.microsoft.com/office/drawing/2010/main" w="9525">
                 <a:solidFill>
                   <a:srgbClr val="000000"/>
                 </a:solidFill>
@@ -5930,7 +5940,7 @@
           </a:ln>
           <a:extLst>
             <a:ext uri="{909E8E84-426E-40dd-AFC4-6F175D3DCCD1}">
-              <a14:hiddenFill xmlns:a14="http://schemas.microsoft.com/office/drawing/2010/main" xmlns="">
+              <a14:hiddenFill xmlns="" xmlns:a14="http://schemas.microsoft.com/office/drawing/2010/main">
                 <a:noFill/>
               </a14:hiddenFill>
             </a:ext>
@@ -5999,7 +6009,7 @@
             </a:ln>
             <a:extLst>
               <a:ext uri="{909E8E84-426E-40dd-AFC4-6F175D3DCCD1}">
-                <a14:hiddenFill xmlns:a14="http://schemas.microsoft.com/office/drawing/2010/main" xmlns="">
+                <a14:hiddenFill xmlns="" xmlns:a14="http://schemas.microsoft.com/office/drawing/2010/main">
                   <a:solidFill>
                     <a:srgbClr val="FFFFFF"/>
                   </a:solidFill>
@@ -6158,7 +6168,7 @@
             </a:ln>
             <a:extLst>
               <a:ext uri="{909E8E84-426E-40dd-AFC4-6F175D3DCCD1}">
-                <a14:hiddenFill xmlns:a14="http://schemas.microsoft.com/office/drawing/2010/main" xmlns="">
+                <a14:hiddenFill xmlns="" xmlns:a14="http://schemas.microsoft.com/office/drawing/2010/main">
                   <a:noFill/>
                 </a14:hiddenFill>
               </a:ext>
@@ -6205,7 +6215,7 @@
             </a:ln>
             <a:extLst>
               <a:ext uri="{909E8E84-426E-40dd-AFC4-6F175D3DCCD1}">
-                <a14:hiddenFill xmlns:a14="http://schemas.microsoft.com/office/drawing/2010/main" xmlns="">
+                <a14:hiddenFill xmlns="" xmlns:a14="http://schemas.microsoft.com/office/drawing/2010/main">
                   <a:noFill/>
                 </a14:hiddenFill>
               </a:ext>
@@ -6252,7 +6262,7 @@
             </a:ln>
             <a:extLst>
               <a:ext uri="{909E8E84-426E-40dd-AFC4-6F175D3DCCD1}">
-                <a14:hiddenFill xmlns:a14="http://schemas.microsoft.com/office/drawing/2010/main" xmlns="">
+                <a14:hiddenFill xmlns="" xmlns:a14="http://schemas.microsoft.com/office/drawing/2010/main">
                   <a:noFill/>
                 </a14:hiddenFill>
               </a:ext>
@@ -6299,7 +6309,7 @@
             </a:ln>
             <a:extLst>
               <a:ext uri="{909E8E84-426E-40dd-AFC4-6F175D3DCCD1}">
-                <a14:hiddenFill xmlns:a14="http://schemas.microsoft.com/office/drawing/2010/main" xmlns="">
+                <a14:hiddenFill xmlns="" xmlns:a14="http://schemas.microsoft.com/office/drawing/2010/main">
                   <a:noFill/>
                 </a14:hiddenFill>
               </a:ext>
@@ -6342,14 +6352,14 @@
           </a:ln>
           <a:extLst>
             <a:ext uri="{909E8E84-426E-40dd-AFC4-6F175D3DCCD1}">
-              <a14:hiddenFill xmlns:a14="http://schemas.microsoft.com/office/drawing/2010/main" xmlns="">
+              <a14:hiddenFill xmlns="" xmlns:a14="http://schemas.microsoft.com/office/drawing/2010/main">
                 <a:solidFill>
                   <a:srgbClr val="FFFFFF"/>
                 </a:solidFill>
               </a14:hiddenFill>
             </a:ext>
             <a:ext uri="{91240B29-F687-4f45-9708-019B960494DF}">
-              <a14:hiddenLine xmlns:a14="http://schemas.microsoft.com/office/drawing/2010/main" xmlns="" w="9525">
+              <a14:hiddenLine xmlns="" xmlns:a14="http://schemas.microsoft.com/office/drawing/2010/main" w="9525">
                 <a:solidFill>
                   <a:srgbClr val="000000"/>
                 </a:solidFill>
@@ -6579,7 +6589,7 @@
           </a:ln>
           <a:extLst>
             <a:ext uri="{909E8E84-426E-40dd-AFC4-6F175D3DCCD1}">
-              <a14:hiddenFill xmlns:a14="http://schemas.microsoft.com/office/drawing/2010/main" xmlns="">
+              <a14:hiddenFill xmlns="" xmlns:a14="http://schemas.microsoft.com/office/drawing/2010/main">
                 <a:noFill/>
               </a14:hiddenFill>
             </a:ext>
@@ -6799,7 +6809,7 @@
           </a:ln>
           <a:extLst>
             <a:ext uri="{909E8E84-426E-40dd-AFC4-6F175D3DCCD1}">
-              <a14:hiddenFill xmlns:a14="http://schemas.microsoft.com/office/drawing/2010/main" xmlns="">
+              <a14:hiddenFill xmlns="" xmlns:a14="http://schemas.microsoft.com/office/drawing/2010/main">
                 <a:noFill/>
               </a14:hiddenFill>
             </a:ext>
@@ -6817,6 +6827,5508 @@
     <p:extLst>
       <p:ext uri="{BB962C8B-B14F-4D97-AF65-F5344CB8AC3E}">
         <p14:creationId xmlns:p14="http://schemas.microsoft.com/office/powerpoint/2010/main" val="952341339"/>
+      </p:ext>
+    </p:extLst>
+  </p:cSld>
+  <p:clrMapOvr>
+    <a:masterClrMapping/>
+  </p:clrMapOvr>
+</p:sld>
+</file>
+
+<file path=ppt/slides/slide3.xml><?xml version="1.0" encoding="utf-8"?>
+<p:sld xmlns:a="http://schemas.openxmlformats.org/drawingml/2006/main" xmlns:r="http://schemas.openxmlformats.org/officeDocument/2006/relationships" xmlns:p="http://schemas.openxmlformats.org/presentationml/2006/main">
+  <p:cSld>
+    <p:spTree>
+      <p:nvGrpSpPr>
+        <p:cNvPr id="1" name=""/>
+        <p:cNvGrpSpPr/>
+        <p:nvPr/>
+      </p:nvGrpSpPr>
+      <p:grpSpPr>
+        <a:xfrm>
+          <a:off x="0" y="0"/>
+          <a:ext cx="0" cy="0"/>
+          <a:chOff x="0" y="0"/>
+          <a:chExt cx="0" cy="0"/>
+        </a:xfrm>
+      </p:grpSpPr>
+      <p:sp>
+        <p:nvSpPr>
+          <p:cNvPr id="22" name="Rectangle 21">
+            <a:extLst>
+              <a:ext uri="{FF2B5EF4-FFF2-40B4-BE49-F238E27FC236}">
+                <a16:creationId xmlns:a16="http://schemas.microsoft.com/office/drawing/2014/main" id="{87A2B0D0-5DE3-48A2-B1D9-9A0A7230ACA8}"/>
+              </a:ext>
+            </a:extLst>
+          </p:cNvPr>
+          <p:cNvSpPr/>
+          <p:nvPr/>
+        </p:nvSpPr>
+        <p:spPr>
+          <a:xfrm>
+            <a:off x="1910657" y="2260153"/>
+            <a:ext cx="994611" cy="375224"/>
+          </a:xfrm>
+          <a:prstGeom prst="rect">
+            <a:avLst/>
+          </a:prstGeom>
+          <a:solidFill>
+            <a:schemeClr val="bg1"/>
+          </a:solidFill>
+          <a:ln w="19050">
+            <a:solidFill>
+              <a:schemeClr val="tx1"/>
+            </a:solidFill>
+          </a:ln>
+        </p:spPr>
+        <p:style>
+          <a:lnRef idx="2">
+            <a:schemeClr val="accent1">
+              <a:shade val="50000"/>
+            </a:schemeClr>
+          </a:lnRef>
+          <a:fillRef idx="1">
+            <a:schemeClr val="accent1"/>
+          </a:fillRef>
+          <a:effectRef idx="0">
+            <a:schemeClr val="accent1"/>
+          </a:effectRef>
+          <a:fontRef idx="minor">
+            <a:schemeClr val="lt1"/>
+          </a:fontRef>
+        </p:style>
+        <p:txBody>
+          <a:bodyPr rtlCol="0" anchor="ctr"/>
+          <a:lstStyle/>
+          <a:p>
+            <a:pPr algn="ctr"/>
+            <a:r>
+              <a:rPr lang="en-US" sz="1400" dirty="0">
+                <a:solidFill>
+                  <a:schemeClr val="tx1"/>
+                </a:solidFill>
+              </a:rPr>
+              <a:t>Shape</a:t>
+            </a:r>
+          </a:p>
+        </p:txBody>
+      </p:sp>
+      <p:sp>
+        <p:nvSpPr>
+          <p:cNvPr id="23" name="Rectangle 22">
+            <a:extLst>
+              <a:ext uri="{FF2B5EF4-FFF2-40B4-BE49-F238E27FC236}">
+                <a16:creationId xmlns:a16="http://schemas.microsoft.com/office/drawing/2014/main" id="{FC94A249-DEA4-4616-9F97-76D05FA8CCBB}"/>
+              </a:ext>
+            </a:extLst>
+          </p:cNvPr>
+          <p:cNvSpPr/>
+          <p:nvPr/>
+        </p:nvSpPr>
+        <p:spPr>
+          <a:xfrm>
+            <a:off x="473243" y="3171537"/>
+            <a:ext cx="994611" cy="375224"/>
+          </a:xfrm>
+          <a:prstGeom prst="rect">
+            <a:avLst/>
+          </a:prstGeom>
+          <a:solidFill>
+            <a:schemeClr val="bg1"/>
+          </a:solidFill>
+          <a:ln w="19050">
+            <a:solidFill>
+              <a:schemeClr val="tx1"/>
+            </a:solidFill>
+          </a:ln>
+        </p:spPr>
+        <p:style>
+          <a:lnRef idx="2">
+            <a:schemeClr val="accent1">
+              <a:shade val="50000"/>
+            </a:schemeClr>
+          </a:lnRef>
+          <a:fillRef idx="1">
+            <a:schemeClr val="accent1"/>
+          </a:fillRef>
+          <a:effectRef idx="0">
+            <a:schemeClr val="accent1"/>
+          </a:effectRef>
+          <a:fontRef idx="minor">
+            <a:schemeClr val="lt1"/>
+          </a:fontRef>
+        </p:style>
+        <p:txBody>
+          <a:bodyPr rtlCol="0" anchor="ctr"/>
+          <a:lstStyle/>
+          <a:p>
+            <a:pPr algn="ctr"/>
+            <a:r>
+              <a:rPr lang="en-US" sz="1400" dirty="0">
+                <a:solidFill>
+                  <a:schemeClr val="tx1"/>
+                </a:solidFill>
+              </a:rPr>
+              <a:t>Move</a:t>
+            </a:r>
+          </a:p>
+        </p:txBody>
+      </p:sp>
+      <p:sp>
+        <p:nvSpPr>
+          <p:cNvPr id="24" name="Rectangle 23">
+            <a:extLst>
+              <a:ext uri="{FF2B5EF4-FFF2-40B4-BE49-F238E27FC236}">
+                <a16:creationId xmlns:a16="http://schemas.microsoft.com/office/drawing/2014/main" id="{83D7DBA5-337B-4834-AE3F-3E42DEBE6CD7}"/>
+              </a:ext>
+            </a:extLst>
+          </p:cNvPr>
+          <p:cNvSpPr/>
+          <p:nvPr/>
+        </p:nvSpPr>
+        <p:spPr>
+          <a:xfrm>
+            <a:off x="1919706" y="3171537"/>
+            <a:ext cx="994611" cy="375224"/>
+          </a:xfrm>
+          <a:prstGeom prst="rect">
+            <a:avLst/>
+          </a:prstGeom>
+          <a:solidFill>
+            <a:schemeClr val="bg1"/>
+          </a:solidFill>
+          <a:ln w="19050">
+            <a:solidFill>
+              <a:schemeClr val="tx1"/>
+            </a:solidFill>
+          </a:ln>
+        </p:spPr>
+        <p:style>
+          <a:lnRef idx="2">
+            <a:schemeClr val="accent1">
+              <a:shade val="50000"/>
+            </a:schemeClr>
+          </a:lnRef>
+          <a:fillRef idx="1">
+            <a:schemeClr val="accent1"/>
+          </a:fillRef>
+          <a:effectRef idx="0">
+            <a:schemeClr val="accent1"/>
+          </a:effectRef>
+          <a:fontRef idx="minor">
+            <a:schemeClr val="lt1"/>
+          </a:fontRef>
+        </p:style>
+        <p:txBody>
+          <a:bodyPr rtlCol="0" anchor="ctr"/>
+          <a:lstStyle/>
+          <a:p>
+            <a:pPr algn="ctr"/>
+            <a:r>
+              <a:rPr lang="en-US" sz="1400" dirty="0">
+                <a:solidFill>
+                  <a:schemeClr val="tx1"/>
+                </a:solidFill>
+              </a:rPr>
+              <a:t>Cube</a:t>
+            </a:r>
+          </a:p>
+        </p:txBody>
+      </p:sp>
+      <p:sp>
+        <p:nvSpPr>
+          <p:cNvPr id="25" name="Line 26">
+            <a:extLst>
+              <a:ext uri="{FF2B5EF4-FFF2-40B4-BE49-F238E27FC236}">
+                <a16:creationId xmlns:a16="http://schemas.microsoft.com/office/drawing/2014/main" id="{30D0ACF1-D9C5-424E-8439-CF795F1F84D3}"/>
+              </a:ext>
+            </a:extLst>
+          </p:cNvPr>
+          <p:cNvSpPr>
+            <a:spLocks noChangeShapeType="1"/>
+          </p:cNvSpPr>
+          <p:nvPr/>
+        </p:nvSpPr>
+        <p:spPr bwMode="auto">
+          <a:xfrm flipH="1" flipV="1">
+            <a:off x="2419272" y="2758288"/>
+            <a:ext cx="0" cy="211286"/>
+          </a:xfrm>
+          <a:prstGeom prst="line">
+            <a:avLst/>
+          </a:prstGeom>
+          <a:noFill/>
+          <a:ln w="19050">
+            <a:solidFill>
+              <a:schemeClr val="tx1"/>
+            </a:solidFill>
+            <a:round/>
+            <a:headEnd type="none"/>
+            <a:tailEnd type="none" w="lg" len="lg"/>
+          </a:ln>
+          <a:extLst>
+            <a:ext uri="{909E8E84-426E-40dd-AFC4-6F175D3DCCD1}">
+              <a14:hiddenFill xmlns="" xmlns:a14="http://schemas.microsoft.com/office/drawing/2010/main">
+                <a:noFill/>
+              </a14:hiddenFill>
+            </a:ext>
+          </a:extLst>
+        </p:spPr>
+        <p:txBody>
+          <a:bodyPr/>
+          <a:lstStyle/>
+          <a:p>
+            <a:endParaRPr lang="en-GB"/>
+          </a:p>
+        </p:txBody>
+      </p:sp>
+      <p:sp>
+        <p:nvSpPr>
+          <p:cNvPr id="26" name="Isosceles Triangle 25">
+            <a:extLst>
+              <a:ext uri="{FF2B5EF4-FFF2-40B4-BE49-F238E27FC236}">
+                <a16:creationId xmlns:a16="http://schemas.microsoft.com/office/drawing/2014/main" id="{D6C93B98-2570-4E57-A935-B780363ED46F}"/>
+              </a:ext>
+            </a:extLst>
+          </p:cNvPr>
+          <p:cNvSpPr/>
+          <p:nvPr/>
+        </p:nvSpPr>
+        <p:spPr>
+          <a:xfrm>
+            <a:off x="2332109" y="2672000"/>
+            <a:ext cx="174326" cy="163940"/>
+          </a:xfrm>
+          <a:prstGeom prst="triangle">
+            <a:avLst/>
+          </a:prstGeom>
+          <a:solidFill>
+            <a:schemeClr val="bg1"/>
+          </a:solidFill>
+          <a:ln w="19050">
+            <a:solidFill>
+              <a:schemeClr val="tx1"/>
+            </a:solidFill>
+          </a:ln>
+        </p:spPr>
+        <p:style>
+          <a:lnRef idx="2">
+            <a:schemeClr val="accent1">
+              <a:shade val="50000"/>
+            </a:schemeClr>
+          </a:lnRef>
+          <a:fillRef idx="1">
+            <a:schemeClr val="accent1"/>
+          </a:fillRef>
+          <a:effectRef idx="0">
+            <a:schemeClr val="accent1"/>
+          </a:effectRef>
+          <a:fontRef idx="minor">
+            <a:schemeClr val="lt1"/>
+          </a:fontRef>
+        </p:style>
+        <p:txBody>
+          <a:bodyPr rtlCol="0" anchor="ctr"/>
+          <a:lstStyle/>
+          <a:p>
+            <a:pPr algn="ctr"/>
+            <a:endParaRPr lang="en-US"/>
+          </a:p>
+        </p:txBody>
+      </p:sp>
+      <p:sp>
+        <p:nvSpPr>
+          <p:cNvPr id="27" name="Line 26">
+            <a:extLst>
+              <a:ext uri="{FF2B5EF4-FFF2-40B4-BE49-F238E27FC236}">
+                <a16:creationId xmlns:a16="http://schemas.microsoft.com/office/drawing/2014/main" id="{EDBC0109-53F1-4287-A96B-6569CD25B3EF}"/>
+              </a:ext>
+            </a:extLst>
+          </p:cNvPr>
+          <p:cNvSpPr>
+            <a:spLocks noChangeShapeType="1"/>
+          </p:cNvSpPr>
+          <p:nvPr/>
+        </p:nvSpPr>
+        <p:spPr bwMode="auto">
+          <a:xfrm>
+            <a:off x="970548" y="2967211"/>
+            <a:ext cx="2892522" cy="0"/>
+          </a:xfrm>
+          <a:prstGeom prst="line">
+            <a:avLst/>
+          </a:prstGeom>
+          <a:noFill/>
+          <a:ln w="19050">
+            <a:solidFill>
+              <a:schemeClr val="tx1"/>
+            </a:solidFill>
+            <a:round/>
+            <a:headEnd type="none"/>
+            <a:tailEnd type="none" w="lg" len="lg"/>
+          </a:ln>
+          <a:extLst>
+            <a:ext uri="{909E8E84-426E-40dd-AFC4-6F175D3DCCD1}">
+              <a14:hiddenFill xmlns="" xmlns:a14="http://schemas.microsoft.com/office/drawing/2010/main">
+                <a:noFill/>
+              </a14:hiddenFill>
+            </a:ext>
+          </a:extLst>
+        </p:spPr>
+        <p:txBody>
+          <a:bodyPr/>
+          <a:lstStyle/>
+          <a:p>
+            <a:endParaRPr lang="en-GB"/>
+          </a:p>
+        </p:txBody>
+      </p:sp>
+      <p:sp>
+        <p:nvSpPr>
+          <p:cNvPr id="28" name="Line 26">
+            <a:extLst>
+              <a:ext uri="{FF2B5EF4-FFF2-40B4-BE49-F238E27FC236}">
+                <a16:creationId xmlns:a16="http://schemas.microsoft.com/office/drawing/2014/main" id="{C0B56E5A-787D-426E-8ABA-C2827ACE980A}"/>
+              </a:ext>
+            </a:extLst>
+          </p:cNvPr>
+          <p:cNvSpPr>
+            <a:spLocks noChangeShapeType="1"/>
+          </p:cNvSpPr>
+          <p:nvPr/>
+        </p:nvSpPr>
+        <p:spPr bwMode="auto">
+          <a:xfrm flipH="1" flipV="1">
+            <a:off x="980072" y="2967210"/>
+            <a:ext cx="0" cy="211286"/>
+          </a:xfrm>
+          <a:prstGeom prst="line">
+            <a:avLst/>
+          </a:prstGeom>
+          <a:noFill/>
+          <a:ln w="19050">
+            <a:solidFill>
+              <a:schemeClr val="tx1"/>
+            </a:solidFill>
+            <a:round/>
+            <a:headEnd type="none"/>
+            <a:tailEnd type="none" w="lg" len="lg"/>
+          </a:ln>
+          <a:extLst>
+            <a:ext uri="{909E8E84-426E-40dd-AFC4-6F175D3DCCD1}">
+              <a14:hiddenFill xmlns="" xmlns:a14="http://schemas.microsoft.com/office/drawing/2010/main">
+                <a:noFill/>
+              </a14:hiddenFill>
+            </a:ext>
+          </a:extLst>
+        </p:spPr>
+        <p:txBody>
+          <a:bodyPr/>
+          <a:lstStyle/>
+          <a:p>
+            <a:endParaRPr lang="en-GB"/>
+          </a:p>
+        </p:txBody>
+      </p:sp>
+      <p:sp>
+        <p:nvSpPr>
+          <p:cNvPr id="29" name="Line 26">
+            <a:extLst>
+              <a:ext uri="{FF2B5EF4-FFF2-40B4-BE49-F238E27FC236}">
+                <a16:creationId xmlns:a16="http://schemas.microsoft.com/office/drawing/2014/main" id="{304D15C3-B12F-4A5E-97AD-B77382D05621}"/>
+              </a:ext>
+            </a:extLst>
+          </p:cNvPr>
+          <p:cNvSpPr>
+            <a:spLocks noChangeShapeType="1"/>
+          </p:cNvSpPr>
+          <p:nvPr/>
+        </p:nvSpPr>
+        <p:spPr bwMode="auto">
+          <a:xfrm flipH="1" flipV="1">
+            <a:off x="2417011" y="2960858"/>
+            <a:ext cx="0" cy="211286"/>
+          </a:xfrm>
+          <a:prstGeom prst="line">
+            <a:avLst/>
+          </a:prstGeom>
+          <a:noFill/>
+          <a:ln w="19050">
+            <a:solidFill>
+              <a:schemeClr val="tx1"/>
+            </a:solidFill>
+            <a:round/>
+            <a:headEnd type="none"/>
+            <a:tailEnd type="none" w="lg" len="lg"/>
+          </a:ln>
+          <a:extLst>
+            <a:ext uri="{909E8E84-426E-40dd-AFC4-6F175D3DCCD1}">
+              <a14:hiddenFill xmlns="" xmlns:a14="http://schemas.microsoft.com/office/drawing/2010/main">
+                <a:noFill/>
+              </a14:hiddenFill>
+            </a:ext>
+          </a:extLst>
+        </p:spPr>
+        <p:txBody>
+          <a:bodyPr/>
+          <a:lstStyle/>
+          <a:p>
+            <a:endParaRPr lang="en-GB"/>
+          </a:p>
+        </p:txBody>
+      </p:sp>
+      <p:sp>
+        <p:nvSpPr>
+          <p:cNvPr id="36" name="Text Box 25">
+            <a:extLst>
+              <a:ext uri="{FF2B5EF4-FFF2-40B4-BE49-F238E27FC236}">
+                <a16:creationId xmlns:a16="http://schemas.microsoft.com/office/drawing/2014/main" id="{74AA02E4-70F1-4C86-9E7B-B5320A7C4FA2}"/>
+              </a:ext>
+            </a:extLst>
+          </p:cNvPr>
+          <p:cNvSpPr txBox="1">
+            <a:spLocks noChangeArrowheads="1"/>
+          </p:cNvSpPr>
+          <p:nvPr/>
+        </p:nvSpPr>
+        <p:spPr bwMode="auto">
+          <a:xfrm>
+            <a:off x="1565285" y="2136615"/>
+            <a:ext cx="242264" cy="338554"/>
+          </a:xfrm>
+          <a:prstGeom prst="rect">
+            <a:avLst/>
+          </a:prstGeom>
+          <a:noFill/>
+          <a:ln>
+            <a:noFill/>
+          </a:ln>
+          <a:extLst>
+            <a:ext uri="{909E8E84-426E-40dd-AFC4-6F175D3DCCD1}">
+              <a14:hiddenFill xmlns="" xmlns:a14="http://schemas.microsoft.com/office/drawing/2010/main">
+                <a:solidFill>
+                  <a:srgbClr val="FFFFFF"/>
+                </a:solidFill>
+              </a14:hiddenFill>
+            </a:ext>
+            <a:ext uri="{91240B29-F687-4f45-9708-019B960494DF}">
+              <a14:hiddenLine xmlns="" xmlns:a14="http://schemas.microsoft.com/office/drawing/2010/main" w="9525">
+                <a:solidFill>
+                  <a:srgbClr val="000000"/>
+                </a:solidFill>
+                <a:miter lim="800000"/>
+                <a:headEnd/>
+                <a:tailEnd/>
+              </a14:hiddenLine>
+            </a:ext>
+          </a:extLst>
+        </p:spPr>
+        <p:txBody>
+          <a:bodyPr wrap="square">
+            <a:spAutoFit/>
+          </a:bodyPr>
+          <a:lstStyle>
+            <a:lvl1pPr>
+              <a:defRPr sz="2400">
+                <a:solidFill>
+                  <a:schemeClr val="tx1"/>
+                </a:solidFill>
+                <a:latin typeface="Times New Roman" panose="02020603050405020304" pitchFamily="18" charset="0"/>
+                <a:ea typeface="MS PGothic" panose="020B0600070205080204" pitchFamily="34" charset="-128"/>
+              </a:defRPr>
+            </a:lvl1pPr>
+            <a:lvl2pPr marL="742950" indent="-285750">
+              <a:defRPr sz="2400">
+                <a:solidFill>
+                  <a:schemeClr val="tx1"/>
+                </a:solidFill>
+                <a:latin typeface="Times New Roman" panose="02020603050405020304" pitchFamily="18" charset="0"/>
+                <a:ea typeface="MS PGothic" panose="020B0600070205080204" pitchFamily="34" charset="-128"/>
+              </a:defRPr>
+            </a:lvl2pPr>
+            <a:lvl3pPr marL="1143000" indent="-228600">
+              <a:defRPr sz="2400">
+                <a:solidFill>
+                  <a:schemeClr val="tx1"/>
+                </a:solidFill>
+                <a:latin typeface="Times New Roman" panose="02020603050405020304" pitchFamily="18" charset="0"/>
+                <a:ea typeface="MS PGothic" panose="020B0600070205080204" pitchFamily="34" charset="-128"/>
+              </a:defRPr>
+            </a:lvl3pPr>
+            <a:lvl4pPr marL="1600200" indent="-228600">
+              <a:defRPr sz="2400">
+                <a:solidFill>
+                  <a:schemeClr val="tx1"/>
+                </a:solidFill>
+                <a:latin typeface="Times New Roman" panose="02020603050405020304" pitchFamily="18" charset="0"/>
+                <a:ea typeface="MS PGothic" panose="020B0600070205080204" pitchFamily="34" charset="-128"/>
+              </a:defRPr>
+            </a:lvl4pPr>
+            <a:lvl5pPr marL="2057400" indent="-228600">
+              <a:defRPr sz="2400">
+                <a:solidFill>
+                  <a:schemeClr val="tx1"/>
+                </a:solidFill>
+                <a:latin typeface="Times New Roman" panose="02020603050405020304" pitchFamily="18" charset="0"/>
+                <a:ea typeface="MS PGothic" panose="020B0600070205080204" pitchFamily="34" charset="-128"/>
+              </a:defRPr>
+            </a:lvl5pPr>
+            <a:lvl6pPr marL="2514600" indent="-228600" algn="r" eaLnBrk="0" fontAlgn="base" hangingPunct="0">
+              <a:spcBef>
+                <a:spcPct val="0"/>
+              </a:spcBef>
+              <a:spcAft>
+                <a:spcPct val="0"/>
+              </a:spcAft>
+              <a:buChar char="•"/>
+              <a:defRPr sz="2400">
+                <a:solidFill>
+                  <a:schemeClr val="tx1"/>
+                </a:solidFill>
+                <a:latin typeface="Times New Roman" panose="02020603050405020304" pitchFamily="18" charset="0"/>
+                <a:ea typeface="MS PGothic" panose="020B0600070205080204" pitchFamily="34" charset="-128"/>
+              </a:defRPr>
+            </a:lvl6pPr>
+            <a:lvl7pPr marL="2971800" indent="-228600" algn="r" eaLnBrk="0" fontAlgn="base" hangingPunct="0">
+              <a:spcBef>
+                <a:spcPct val="0"/>
+              </a:spcBef>
+              <a:spcAft>
+                <a:spcPct val="0"/>
+              </a:spcAft>
+              <a:buChar char="•"/>
+              <a:defRPr sz="2400">
+                <a:solidFill>
+                  <a:schemeClr val="tx1"/>
+                </a:solidFill>
+                <a:latin typeface="Times New Roman" panose="02020603050405020304" pitchFamily="18" charset="0"/>
+                <a:ea typeface="MS PGothic" panose="020B0600070205080204" pitchFamily="34" charset="-128"/>
+              </a:defRPr>
+            </a:lvl7pPr>
+            <a:lvl8pPr marL="3429000" indent="-228600" algn="r" eaLnBrk="0" fontAlgn="base" hangingPunct="0">
+              <a:spcBef>
+                <a:spcPct val="0"/>
+              </a:spcBef>
+              <a:spcAft>
+                <a:spcPct val="0"/>
+              </a:spcAft>
+              <a:buChar char="•"/>
+              <a:defRPr sz="2400">
+                <a:solidFill>
+                  <a:schemeClr val="tx1"/>
+                </a:solidFill>
+                <a:latin typeface="Times New Roman" panose="02020603050405020304" pitchFamily="18" charset="0"/>
+                <a:ea typeface="MS PGothic" panose="020B0600070205080204" pitchFamily="34" charset="-128"/>
+              </a:defRPr>
+            </a:lvl8pPr>
+            <a:lvl9pPr marL="3886200" indent="-228600" algn="r" eaLnBrk="0" fontAlgn="base" hangingPunct="0">
+              <a:spcBef>
+                <a:spcPct val="0"/>
+              </a:spcBef>
+              <a:spcAft>
+                <a:spcPct val="0"/>
+              </a:spcAft>
+              <a:buChar char="•"/>
+              <a:defRPr sz="2400">
+                <a:solidFill>
+                  <a:schemeClr val="tx1"/>
+                </a:solidFill>
+                <a:latin typeface="Times New Roman" panose="02020603050405020304" pitchFamily="18" charset="0"/>
+                <a:ea typeface="MS PGothic" panose="020B0600070205080204" pitchFamily="34" charset="-128"/>
+              </a:defRPr>
+            </a:lvl9pPr>
+          </a:lstStyle>
+          <a:p>
+            <a:pPr algn="ctr" eaLnBrk="1" hangingPunct="1">
+              <a:spcBef>
+                <a:spcPct val="50000"/>
+              </a:spcBef>
+              <a:buFontTx/>
+              <a:buNone/>
+            </a:pPr>
+            <a:r>
+              <a:rPr lang="en-GB" sz="1600" dirty="0">
+                <a:latin typeface="+mn-lt"/>
+              </a:rPr>
+              <a:t>1</a:t>
+            </a:r>
+          </a:p>
+        </p:txBody>
+      </p:sp>
+      <p:sp>
+        <p:nvSpPr>
+          <p:cNvPr id="37" name="Text Box 25">
+            <a:extLst>
+              <a:ext uri="{FF2B5EF4-FFF2-40B4-BE49-F238E27FC236}">
+                <a16:creationId xmlns:a16="http://schemas.microsoft.com/office/drawing/2014/main" id="{CFBB416C-7861-498E-96C7-8DACCC9A3C85}"/>
+              </a:ext>
+            </a:extLst>
+          </p:cNvPr>
+          <p:cNvSpPr txBox="1">
+            <a:spLocks noChangeArrowheads="1"/>
+          </p:cNvSpPr>
+          <p:nvPr/>
+        </p:nvSpPr>
+        <p:spPr bwMode="auto">
+          <a:xfrm>
+            <a:off x="181496" y="3354527"/>
+            <a:ext cx="242264" cy="338554"/>
+          </a:xfrm>
+          <a:prstGeom prst="rect">
+            <a:avLst/>
+          </a:prstGeom>
+          <a:noFill/>
+          <a:ln>
+            <a:noFill/>
+          </a:ln>
+          <a:extLst>
+            <a:ext uri="{909E8E84-426E-40dd-AFC4-6F175D3DCCD1}">
+              <a14:hiddenFill xmlns="" xmlns:a14="http://schemas.microsoft.com/office/drawing/2010/main">
+                <a:solidFill>
+                  <a:srgbClr val="FFFFFF"/>
+                </a:solidFill>
+              </a14:hiddenFill>
+            </a:ext>
+            <a:ext uri="{91240B29-F687-4f45-9708-019B960494DF}">
+              <a14:hiddenLine xmlns="" xmlns:a14="http://schemas.microsoft.com/office/drawing/2010/main" w="9525">
+                <a:solidFill>
+                  <a:srgbClr val="000000"/>
+                </a:solidFill>
+                <a:miter lim="800000"/>
+                <a:headEnd/>
+                <a:tailEnd/>
+              </a14:hiddenLine>
+            </a:ext>
+          </a:extLst>
+        </p:spPr>
+        <p:txBody>
+          <a:bodyPr wrap="square">
+            <a:spAutoFit/>
+          </a:bodyPr>
+          <a:lstStyle>
+            <a:lvl1pPr>
+              <a:defRPr sz="2400">
+                <a:solidFill>
+                  <a:schemeClr val="tx1"/>
+                </a:solidFill>
+                <a:latin typeface="Times New Roman" panose="02020603050405020304" pitchFamily="18" charset="0"/>
+                <a:ea typeface="MS PGothic" panose="020B0600070205080204" pitchFamily="34" charset="-128"/>
+              </a:defRPr>
+            </a:lvl1pPr>
+            <a:lvl2pPr marL="742950" indent="-285750">
+              <a:defRPr sz="2400">
+                <a:solidFill>
+                  <a:schemeClr val="tx1"/>
+                </a:solidFill>
+                <a:latin typeface="Times New Roman" panose="02020603050405020304" pitchFamily="18" charset="0"/>
+                <a:ea typeface="MS PGothic" panose="020B0600070205080204" pitchFamily="34" charset="-128"/>
+              </a:defRPr>
+            </a:lvl2pPr>
+            <a:lvl3pPr marL="1143000" indent="-228600">
+              <a:defRPr sz="2400">
+                <a:solidFill>
+                  <a:schemeClr val="tx1"/>
+                </a:solidFill>
+                <a:latin typeface="Times New Roman" panose="02020603050405020304" pitchFamily="18" charset="0"/>
+                <a:ea typeface="MS PGothic" panose="020B0600070205080204" pitchFamily="34" charset="-128"/>
+              </a:defRPr>
+            </a:lvl3pPr>
+            <a:lvl4pPr marL="1600200" indent="-228600">
+              <a:defRPr sz="2400">
+                <a:solidFill>
+                  <a:schemeClr val="tx1"/>
+                </a:solidFill>
+                <a:latin typeface="Times New Roman" panose="02020603050405020304" pitchFamily="18" charset="0"/>
+                <a:ea typeface="MS PGothic" panose="020B0600070205080204" pitchFamily="34" charset="-128"/>
+              </a:defRPr>
+            </a:lvl4pPr>
+            <a:lvl5pPr marL="2057400" indent="-228600">
+              <a:defRPr sz="2400">
+                <a:solidFill>
+                  <a:schemeClr val="tx1"/>
+                </a:solidFill>
+                <a:latin typeface="Times New Roman" panose="02020603050405020304" pitchFamily="18" charset="0"/>
+                <a:ea typeface="MS PGothic" panose="020B0600070205080204" pitchFamily="34" charset="-128"/>
+              </a:defRPr>
+            </a:lvl5pPr>
+            <a:lvl6pPr marL="2514600" indent="-228600" algn="r" eaLnBrk="0" fontAlgn="base" hangingPunct="0">
+              <a:spcBef>
+                <a:spcPct val="0"/>
+              </a:spcBef>
+              <a:spcAft>
+                <a:spcPct val="0"/>
+              </a:spcAft>
+              <a:buChar char="•"/>
+              <a:defRPr sz="2400">
+                <a:solidFill>
+                  <a:schemeClr val="tx1"/>
+                </a:solidFill>
+                <a:latin typeface="Times New Roman" panose="02020603050405020304" pitchFamily="18" charset="0"/>
+                <a:ea typeface="MS PGothic" panose="020B0600070205080204" pitchFamily="34" charset="-128"/>
+              </a:defRPr>
+            </a:lvl6pPr>
+            <a:lvl7pPr marL="2971800" indent="-228600" algn="r" eaLnBrk="0" fontAlgn="base" hangingPunct="0">
+              <a:spcBef>
+                <a:spcPct val="0"/>
+              </a:spcBef>
+              <a:spcAft>
+                <a:spcPct val="0"/>
+              </a:spcAft>
+              <a:buChar char="•"/>
+              <a:defRPr sz="2400">
+                <a:solidFill>
+                  <a:schemeClr val="tx1"/>
+                </a:solidFill>
+                <a:latin typeface="Times New Roman" panose="02020603050405020304" pitchFamily="18" charset="0"/>
+                <a:ea typeface="MS PGothic" panose="020B0600070205080204" pitchFamily="34" charset="-128"/>
+              </a:defRPr>
+            </a:lvl7pPr>
+            <a:lvl8pPr marL="3429000" indent="-228600" algn="r" eaLnBrk="0" fontAlgn="base" hangingPunct="0">
+              <a:spcBef>
+                <a:spcPct val="0"/>
+              </a:spcBef>
+              <a:spcAft>
+                <a:spcPct val="0"/>
+              </a:spcAft>
+              <a:buChar char="•"/>
+              <a:defRPr sz="2400">
+                <a:solidFill>
+                  <a:schemeClr val="tx1"/>
+                </a:solidFill>
+                <a:latin typeface="Times New Roman" panose="02020603050405020304" pitchFamily="18" charset="0"/>
+                <a:ea typeface="MS PGothic" panose="020B0600070205080204" pitchFamily="34" charset="-128"/>
+              </a:defRPr>
+            </a:lvl8pPr>
+            <a:lvl9pPr marL="3886200" indent="-228600" algn="r" eaLnBrk="0" fontAlgn="base" hangingPunct="0">
+              <a:spcBef>
+                <a:spcPct val="0"/>
+              </a:spcBef>
+              <a:spcAft>
+                <a:spcPct val="0"/>
+              </a:spcAft>
+              <a:buChar char="•"/>
+              <a:defRPr sz="2400">
+                <a:solidFill>
+                  <a:schemeClr val="tx1"/>
+                </a:solidFill>
+                <a:latin typeface="Times New Roman" panose="02020603050405020304" pitchFamily="18" charset="0"/>
+                <a:ea typeface="MS PGothic" panose="020B0600070205080204" pitchFamily="34" charset="-128"/>
+              </a:defRPr>
+            </a:lvl9pPr>
+          </a:lstStyle>
+          <a:p>
+            <a:pPr algn="ctr" eaLnBrk="1" hangingPunct="1">
+              <a:spcBef>
+                <a:spcPct val="50000"/>
+              </a:spcBef>
+              <a:buFontTx/>
+              <a:buNone/>
+            </a:pPr>
+            <a:r>
+              <a:rPr lang="en-GB" sz="1600" dirty="0">
+                <a:latin typeface="+mn-lt"/>
+              </a:rPr>
+              <a:t>1</a:t>
+            </a:r>
+          </a:p>
+        </p:txBody>
+      </p:sp>
+      <p:sp>
+        <p:nvSpPr>
+          <p:cNvPr id="38" name="Text Box 25">
+            <a:extLst>
+              <a:ext uri="{FF2B5EF4-FFF2-40B4-BE49-F238E27FC236}">
+                <a16:creationId xmlns:a16="http://schemas.microsoft.com/office/drawing/2014/main" id="{774818FA-1D32-470D-BC60-DF5F8BF5D3C8}"/>
+              </a:ext>
+            </a:extLst>
+          </p:cNvPr>
+          <p:cNvSpPr txBox="1">
+            <a:spLocks noChangeArrowheads="1"/>
+          </p:cNvSpPr>
+          <p:nvPr/>
+        </p:nvSpPr>
+        <p:spPr bwMode="auto">
+          <a:xfrm>
+            <a:off x="4459747" y="3372862"/>
+            <a:ext cx="242264" cy="338554"/>
+          </a:xfrm>
+          <a:prstGeom prst="rect">
+            <a:avLst/>
+          </a:prstGeom>
+          <a:noFill/>
+          <a:ln>
+            <a:noFill/>
+          </a:ln>
+          <a:extLst>
+            <a:ext uri="{909E8E84-426E-40dd-AFC4-6F175D3DCCD1}">
+              <a14:hiddenFill xmlns="" xmlns:a14="http://schemas.microsoft.com/office/drawing/2010/main">
+                <a:solidFill>
+                  <a:srgbClr val="FFFFFF"/>
+                </a:solidFill>
+              </a14:hiddenFill>
+            </a:ext>
+            <a:ext uri="{91240B29-F687-4f45-9708-019B960494DF}">
+              <a14:hiddenLine xmlns="" xmlns:a14="http://schemas.microsoft.com/office/drawing/2010/main" w="9525">
+                <a:solidFill>
+                  <a:srgbClr val="000000"/>
+                </a:solidFill>
+                <a:miter lim="800000"/>
+                <a:headEnd/>
+                <a:tailEnd/>
+              </a14:hiddenLine>
+            </a:ext>
+          </a:extLst>
+        </p:spPr>
+        <p:txBody>
+          <a:bodyPr wrap="square">
+            <a:spAutoFit/>
+          </a:bodyPr>
+          <a:lstStyle>
+            <a:lvl1pPr>
+              <a:defRPr sz="2400">
+                <a:solidFill>
+                  <a:schemeClr val="tx1"/>
+                </a:solidFill>
+                <a:latin typeface="Times New Roman" panose="02020603050405020304" pitchFamily="18" charset="0"/>
+                <a:ea typeface="MS PGothic" panose="020B0600070205080204" pitchFamily="34" charset="-128"/>
+              </a:defRPr>
+            </a:lvl1pPr>
+            <a:lvl2pPr marL="742950" indent="-285750">
+              <a:defRPr sz="2400">
+                <a:solidFill>
+                  <a:schemeClr val="tx1"/>
+                </a:solidFill>
+                <a:latin typeface="Times New Roman" panose="02020603050405020304" pitchFamily="18" charset="0"/>
+                <a:ea typeface="MS PGothic" panose="020B0600070205080204" pitchFamily="34" charset="-128"/>
+              </a:defRPr>
+            </a:lvl2pPr>
+            <a:lvl3pPr marL="1143000" indent="-228600">
+              <a:defRPr sz="2400">
+                <a:solidFill>
+                  <a:schemeClr val="tx1"/>
+                </a:solidFill>
+                <a:latin typeface="Times New Roman" panose="02020603050405020304" pitchFamily="18" charset="0"/>
+                <a:ea typeface="MS PGothic" panose="020B0600070205080204" pitchFamily="34" charset="-128"/>
+              </a:defRPr>
+            </a:lvl3pPr>
+            <a:lvl4pPr marL="1600200" indent="-228600">
+              <a:defRPr sz="2400">
+                <a:solidFill>
+                  <a:schemeClr val="tx1"/>
+                </a:solidFill>
+                <a:latin typeface="Times New Roman" panose="02020603050405020304" pitchFamily="18" charset="0"/>
+                <a:ea typeface="MS PGothic" panose="020B0600070205080204" pitchFamily="34" charset="-128"/>
+              </a:defRPr>
+            </a:lvl4pPr>
+            <a:lvl5pPr marL="2057400" indent="-228600">
+              <a:defRPr sz="2400">
+                <a:solidFill>
+                  <a:schemeClr val="tx1"/>
+                </a:solidFill>
+                <a:latin typeface="Times New Roman" panose="02020603050405020304" pitchFamily="18" charset="0"/>
+                <a:ea typeface="MS PGothic" panose="020B0600070205080204" pitchFamily="34" charset="-128"/>
+              </a:defRPr>
+            </a:lvl5pPr>
+            <a:lvl6pPr marL="2514600" indent="-228600" algn="r" eaLnBrk="0" fontAlgn="base" hangingPunct="0">
+              <a:spcBef>
+                <a:spcPct val="0"/>
+              </a:spcBef>
+              <a:spcAft>
+                <a:spcPct val="0"/>
+              </a:spcAft>
+              <a:buChar char="•"/>
+              <a:defRPr sz="2400">
+                <a:solidFill>
+                  <a:schemeClr val="tx1"/>
+                </a:solidFill>
+                <a:latin typeface="Times New Roman" panose="02020603050405020304" pitchFamily="18" charset="0"/>
+                <a:ea typeface="MS PGothic" panose="020B0600070205080204" pitchFamily="34" charset="-128"/>
+              </a:defRPr>
+            </a:lvl6pPr>
+            <a:lvl7pPr marL="2971800" indent="-228600" algn="r" eaLnBrk="0" fontAlgn="base" hangingPunct="0">
+              <a:spcBef>
+                <a:spcPct val="0"/>
+              </a:spcBef>
+              <a:spcAft>
+                <a:spcPct val="0"/>
+              </a:spcAft>
+              <a:buChar char="•"/>
+              <a:defRPr sz="2400">
+                <a:solidFill>
+                  <a:schemeClr val="tx1"/>
+                </a:solidFill>
+                <a:latin typeface="Times New Roman" panose="02020603050405020304" pitchFamily="18" charset="0"/>
+                <a:ea typeface="MS PGothic" panose="020B0600070205080204" pitchFamily="34" charset="-128"/>
+              </a:defRPr>
+            </a:lvl7pPr>
+            <a:lvl8pPr marL="3429000" indent="-228600" algn="r" eaLnBrk="0" fontAlgn="base" hangingPunct="0">
+              <a:spcBef>
+                <a:spcPct val="0"/>
+              </a:spcBef>
+              <a:spcAft>
+                <a:spcPct val="0"/>
+              </a:spcAft>
+              <a:buChar char="•"/>
+              <a:defRPr sz="2400">
+                <a:solidFill>
+                  <a:schemeClr val="tx1"/>
+                </a:solidFill>
+                <a:latin typeface="Times New Roman" panose="02020603050405020304" pitchFamily="18" charset="0"/>
+                <a:ea typeface="MS PGothic" panose="020B0600070205080204" pitchFamily="34" charset="-128"/>
+              </a:defRPr>
+            </a:lvl8pPr>
+            <a:lvl9pPr marL="3886200" indent="-228600" algn="r" eaLnBrk="0" fontAlgn="base" hangingPunct="0">
+              <a:spcBef>
+                <a:spcPct val="0"/>
+              </a:spcBef>
+              <a:spcAft>
+                <a:spcPct val="0"/>
+              </a:spcAft>
+              <a:buChar char="•"/>
+              <a:defRPr sz="2400">
+                <a:solidFill>
+                  <a:schemeClr val="tx1"/>
+                </a:solidFill>
+                <a:latin typeface="Times New Roman" panose="02020603050405020304" pitchFamily="18" charset="0"/>
+                <a:ea typeface="MS PGothic" panose="020B0600070205080204" pitchFamily="34" charset="-128"/>
+              </a:defRPr>
+            </a:lvl9pPr>
+          </a:lstStyle>
+          <a:p>
+            <a:pPr algn="ctr" eaLnBrk="1" hangingPunct="1">
+              <a:spcBef>
+                <a:spcPct val="50000"/>
+              </a:spcBef>
+              <a:buFontTx/>
+              <a:buNone/>
+            </a:pPr>
+            <a:r>
+              <a:rPr lang="en-GB" sz="1600" dirty="0">
+                <a:latin typeface="+mn-lt"/>
+              </a:rPr>
+              <a:t>1</a:t>
+            </a:r>
+          </a:p>
+        </p:txBody>
+      </p:sp>
+      <p:sp>
+        <p:nvSpPr>
+          <p:cNvPr id="39" name="Text Box 25">
+            <a:extLst>
+              <a:ext uri="{FF2B5EF4-FFF2-40B4-BE49-F238E27FC236}">
+                <a16:creationId xmlns:a16="http://schemas.microsoft.com/office/drawing/2014/main" id="{E1FEC8F5-3EFE-4FF8-B804-F1C150C0F30A}"/>
+              </a:ext>
+            </a:extLst>
+          </p:cNvPr>
+          <p:cNvSpPr txBox="1">
+            <a:spLocks noChangeArrowheads="1"/>
+          </p:cNvSpPr>
+          <p:nvPr/>
+        </p:nvSpPr>
+        <p:spPr bwMode="auto">
+          <a:xfrm>
+            <a:off x="3008376" y="2184682"/>
+            <a:ext cx="242264" cy="338554"/>
+          </a:xfrm>
+          <a:prstGeom prst="rect">
+            <a:avLst/>
+          </a:prstGeom>
+          <a:noFill/>
+          <a:ln>
+            <a:noFill/>
+          </a:ln>
+          <a:extLst>
+            <a:ext uri="{909E8E84-426E-40dd-AFC4-6F175D3DCCD1}">
+              <a14:hiddenFill xmlns="" xmlns:a14="http://schemas.microsoft.com/office/drawing/2010/main">
+                <a:solidFill>
+                  <a:srgbClr val="FFFFFF"/>
+                </a:solidFill>
+              </a14:hiddenFill>
+            </a:ext>
+            <a:ext uri="{91240B29-F687-4f45-9708-019B960494DF}">
+              <a14:hiddenLine xmlns="" xmlns:a14="http://schemas.microsoft.com/office/drawing/2010/main" w="9525">
+                <a:solidFill>
+                  <a:srgbClr val="000000"/>
+                </a:solidFill>
+                <a:miter lim="800000"/>
+                <a:headEnd/>
+                <a:tailEnd/>
+              </a14:hiddenLine>
+            </a:ext>
+          </a:extLst>
+        </p:spPr>
+        <p:txBody>
+          <a:bodyPr wrap="square">
+            <a:spAutoFit/>
+          </a:bodyPr>
+          <a:lstStyle>
+            <a:lvl1pPr>
+              <a:defRPr sz="2400">
+                <a:solidFill>
+                  <a:schemeClr val="tx1"/>
+                </a:solidFill>
+                <a:latin typeface="Times New Roman" panose="02020603050405020304" pitchFamily="18" charset="0"/>
+                <a:ea typeface="MS PGothic" panose="020B0600070205080204" pitchFamily="34" charset="-128"/>
+              </a:defRPr>
+            </a:lvl1pPr>
+            <a:lvl2pPr marL="742950" indent="-285750">
+              <a:defRPr sz="2400">
+                <a:solidFill>
+                  <a:schemeClr val="tx1"/>
+                </a:solidFill>
+                <a:latin typeface="Times New Roman" panose="02020603050405020304" pitchFamily="18" charset="0"/>
+                <a:ea typeface="MS PGothic" panose="020B0600070205080204" pitchFamily="34" charset="-128"/>
+              </a:defRPr>
+            </a:lvl2pPr>
+            <a:lvl3pPr marL="1143000" indent="-228600">
+              <a:defRPr sz="2400">
+                <a:solidFill>
+                  <a:schemeClr val="tx1"/>
+                </a:solidFill>
+                <a:latin typeface="Times New Roman" panose="02020603050405020304" pitchFamily="18" charset="0"/>
+                <a:ea typeface="MS PGothic" panose="020B0600070205080204" pitchFamily="34" charset="-128"/>
+              </a:defRPr>
+            </a:lvl3pPr>
+            <a:lvl4pPr marL="1600200" indent="-228600">
+              <a:defRPr sz="2400">
+                <a:solidFill>
+                  <a:schemeClr val="tx1"/>
+                </a:solidFill>
+                <a:latin typeface="Times New Roman" panose="02020603050405020304" pitchFamily="18" charset="0"/>
+                <a:ea typeface="MS PGothic" panose="020B0600070205080204" pitchFamily="34" charset="-128"/>
+              </a:defRPr>
+            </a:lvl4pPr>
+            <a:lvl5pPr marL="2057400" indent="-228600">
+              <a:defRPr sz="2400">
+                <a:solidFill>
+                  <a:schemeClr val="tx1"/>
+                </a:solidFill>
+                <a:latin typeface="Times New Roman" panose="02020603050405020304" pitchFamily="18" charset="0"/>
+                <a:ea typeface="MS PGothic" panose="020B0600070205080204" pitchFamily="34" charset="-128"/>
+              </a:defRPr>
+            </a:lvl5pPr>
+            <a:lvl6pPr marL="2514600" indent="-228600" algn="r" eaLnBrk="0" fontAlgn="base" hangingPunct="0">
+              <a:spcBef>
+                <a:spcPct val="0"/>
+              </a:spcBef>
+              <a:spcAft>
+                <a:spcPct val="0"/>
+              </a:spcAft>
+              <a:buChar char="•"/>
+              <a:defRPr sz="2400">
+                <a:solidFill>
+                  <a:schemeClr val="tx1"/>
+                </a:solidFill>
+                <a:latin typeface="Times New Roman" panose="02020603050405020304" pitchFamily="18" charset="0"/>
+                <a:ea typeface="MS PGothic" panose="020B0600070205080204" pitchFamily="34" charset="-128"/>
+              </a:defRPr>
+            </a:lvl6pPr>
+            <a:lvl7pPr marL="2971800" indent="-228600" algn="r" eaLnBrk="0" fontAlgn="base" hangingPunct="0">
+              <a:spcBef>
+                <a:spcPct val="0"/>
+              </a:spcBef>
+              <a:spcAft>
+                <a:spcPct val="0"/>
+              </a:spcAft>
+              <a:buChar char="•"/>
+              <a:defRPr sz="2400">
+                <a:solidFill>
+                  <a:schemeClr val="tx1"/>
+                </a:solidFill>
+                <a:latin typeface="Times New Roman" panose="02020603050405020304" pitchFamily="18" charset="0"/>
+                <a:ea typeface="MS PGothic" panose="020B0600070205080204" pitchFamily="34" charset="-128"/>
+              </a:defRPr>
+            </a:lvl7pPr>
+            <a:lvl8pPr marL="3429000" indent="-228600" algn="r" eaLnBrk="0" fontAlgn="base" hangingPunct="0">
+              <a:spcBef>
+                <a:spcPct val="0"/>
+              </a:spcBef>
+              <a:spcAft>
+                <a:spcPct val="0"/>
+              </a:spcAft>
+              <a:buChar char="•"/>
+              <a:defRPr sz="2400">
+                <a:solidFill>
+                  <a:schemeClr val="tx1"/>
+                </a:solidFill>
+                <a:latin typeface="Times New Roman" panose="02020603050405020304" pitchFamily="18" charset="0"/>
+                <a:ea typeface="MS PGothic" panose="020B0600070205080204" pitchFamily="34" charset="-128"/>
+              </a:defRPr>
+            </a:lvl8pPr>
+            <a:lvl9pPr marL="3886200" indent="-228600" algn="r" eaLnBrk="0" fontAlgn="base" hangingPunct="0">
+              <a:spcBef>
+                <a:spcPct val="0"/>
+              </a:spcBef>
+              <a:spcAft>
+                <a:spcPct val="0"/>
+              </a:spcAft>
+              <a:buChar char="•"/>
+              <a:defRPr sz="2400">
+                <a:solidFill>
+                  <a:schemeClr val="tx1"/>
+                </a:solidFill>
+                <a:latin typeface="Times New Roman" panose="02020603050405020304" pitchFamily="18" charset="0"/>
+                <a:ea typeface="MS PGothic" panose="020B0600070205080204" pitchFamily="34" charset="-128"/>
+              </a:defRPr>
+            </a:lvl9pPr>
+          </a:lstStyle>
+          <a:p>
+            <a:pPr algn="ctr" eaLnBrk="1" hangingPunct="1">
+              <a:spcBef>
+                <a:spcPct val="50000"/>
+              </a:spcBef>
+              <a:buFontTx/>
+              <a:buNone/>
+            </a:pPr>
+            <a:r>
+              <a:rPr lang="en-GB" sz="1600" dirty="0">
+                <a:latin typeface="+mn-lt"/>
+              </a:rPr>
+              <a:t>*</a:t>
+            </a:r>
+          </a:p>
+        </p:txBody>
+      </p:sp>
+      <p:sp>
+        <p:nvSpPr>
+          <p:cNvPr id="40" name="Rectangle 39">
+            <a:extLst>
+              <a:ext uri="{FF2B5EF4-FFF2-40B4-BE49-F238E27FC236}">
+                <a16:creationId xmlns:a16="http://schemas.microsoft.com/office/drawing/2014/main" id="{7B6D2115-75BE-4154-AE46-BC7C1E1CEB9F}"/>
+              </a:ext>
+            </a:extLst>
+          </p:cNvPr>
+          <p:cNvSpPr/>
+          <p:nvPr/>
+        </p:nvSpPr>
+        <p:spPr>
+          <a:xfrm>
+            <a:off x="3366169" y="3166915"/>
+            <a:ext cx="994611" cy="375224"/>
+          </a:xfrm>
+          <a:prstGeom prst="rect">
+            <a:avLst/>
+          </a:prstGeom>
+          <a:solidFill>
+            <a:schemeClr val="bg1"/>
+          </a:solidFill>
+          <a:ln w="19050">
+            <a:solidFill>
+              <a:schemeClr val="tx1"/>
+            </a:solidFill>
+          </a:ln>
+        </p:spPr>
+        <p:style>
+          <a:lnRef idx="2">
+            <a:schemeClr val="accent1">
+              <a:shade val="50000"/>
+            </a:schemeClr>
+          </a:lnRef>
+          <a:fillRef idx="1">
+            <a:schemeClr val="accent1"/>
+          </a:fillRef>
+          <a:effectRef idx="0">
+            <a:schemeClr val="accent1"/>
+          </a:effectRef>
+          <a:fontRef idx="minor">
+            <a:schemeClr val="lt1"/>
+          </a:fontRef>
+        </p:style>
+        <p:txBody>
+          <a:bodyPr rtlCol="0" anchor="ctr"/>
+          <a:lstStyle/>
+          <a:p>
+            <a:pPr algn="ctr"/>
+            <a:r>
+              <a:rPr lang="en-US" sz="1400" dirty="0">
+                <a:solidFill>
+                  <a:schemeClr val="tx1"/>
+                </a:solidFill>
+              </a:rPr>
+              <a:t>Combine</a:t>
+            </a:r>
+          </a:p>
+        </p:txBody>
+      </p:sp>
+      <p:sp>
+        <p:nvSpPr>
+          <p:cNvPr id="41" name="Line 26">
+            <a:extLst>
+              <a:ext uri="{FF2B5EF4-FFF2-40B4-BE49-F238E27FC236}">
+                <a16:creationId xmlns:a16="http://schemas.microsoft.com/office/drawing/2014/main" id="{07F15D7E-BBE7-4B96-9366-3D0894F7612A}"/>
+              </a:ext>
+            </a:extLst>
+          </p:cNvPr>
+          <p:cNvSpPr>
+            <a:spLocks noChangeShapeType="1"/>
+          </p:cNvSpPr>
+          <p:nvPr/>
+        </p:nvSpPr>
+        <p:spPr bwMode="auto">
+          <a:xfrm flipH="1" flipV="1">
+            <a:off x="3863070" y="2960858"/>
+            <a:ext cx="0" cy="211286"/>
+          </a:xfrm>
+          <a:prstGeom prst="line">
+            <a:avLst/>
+          </a:prstGeom>
+          <a:noFill/>
+          <a:ln w="19050">
+            <a:solidFill>
+              <a:schemeClr val="tx1"/>
+            </a:solidFill>
+            <a:round/>
+            <a:headEnd type="none"/>
+            <a:tailEnd type="none" w="lg" len="lg"/>
+          </a:ln>
+          <a:extLst>
+            <a:ext uri="{909E8E84-426E-40dd-AFC4-6F175D3DCCD1}">
+              <a14:hiddenFill xmlns="" xmlns:a14="http://schemas.microsoft.com/office/drawing/2010/main">
+                <a:noFill/>
+              </a14:hiddenFill>
+            </a:ext>
+          </a:extLst>
+        </p:spPr>
+        <p:txBody>
+          <a:bodyPr/>
+          <a:lstStyle/>
+          <a:p>
+            <a:endParaRPr lang="en-GB"/>
+          </a:p>
+        </p:txBody>
+      </p:sp>
+      <p:cxnSp>
+        <p:nvCxnSpPr>
+          <p:cNvPr id="44" name="Connector: Elbow 43">
+            <a:extLst>
+              <a:ext uri="{FF2B5EF4-FFF2-40B4-BE49-F238E27FC236}">
+                <a16:creationId xmlns:a16="http://schemas.microsoft.com/office/drawing/2014/main" id="{F78A814F-7F08-4A74-BD74-F51FE7AD6D4F}"/>
+              </a:ext>
+            </a:extLst>
+          </p:cNvPr>
+          <p:cNvCxnSpPr>
+            <a:stCxn id="40" idx="3"/>
+            <a:endCxn id="22" idx="3"/>
+          </p:cNvCxnSpPr>
+          <p:nvPr/>
+        </p:nvCxnSpPr>
+        <p:spPr>
+          <a:xfrm flipH="1" flipV="1">
+            <a:off x="2905268" y="2447765"/>
+            <a:ext cx="1455512" cy="906762"/>
+          </a:xfrm>
+          <a:prstGeom prst="bentConnector3">
+            <a:avLst>
+              <a:gd name="adj1" fmla="val -15706"/>
+            </a:avLst>
+          </a:prstGeom>
+          <a:ln w="19050">
+            <a:solidFill>
+              <a:schemeClr val="tx1"/>
+            </a:solidFill>
+            <a:tailEnd type="arrow" w="med" len="lg"/>
+          </a:ln>
+        </p:spPr>
+        <p:style>
+          <a:lnRef idx="1">
+            <a:schemeClr val="accent1"/>
+          </a:lnRef>
+          <a:fillRef idx="0">
+            <a:schemeClr val="accent1"/>
+          </a:fillRef>
+          <a:effectRef idx="0">
+            <a:schemeClr val="accent1"/>
+          </a:effectRef>
+          <a:fontRef idx="minor">
+            <a:schemeClr val="tx1"/>
+          </a:fontRef>
+        </p:style>
+      </p:cxnSp>
+      <p:cxnSp>
+        <p:nvCxnSpPr>
+          <p:cNvPr id="45" name="Connector: Elbow 44">
+            <a:extLst>
+              <a:ext uri="{FF2B5EF4-FFF2-40B4-BE49-F238E27FC236}">
+                <a16:creationId xmlns:a16="http://schemas.microsoft.com/office/drawing/2014/main" id="{BF974F7D-CC8D-4999-AEB3-1BF99C383E92}"/>
+              </a:ext>
+            </a:extLst>
+          </p:cNvPr>
+          <p:cNvCxnSpPr>
+            <a:cxnSpLocks/>
+            <a:stCxn id="23" idx="1"/>
+            <a:endCxn id="22" idx="1"/>
+          </p:cNvCxnSpPr>
+          <p:nvPr/>
+        </p:nvCxnSpPr>
+        <p:spPr>
+          <a:xfrm rot="10800000" flipH="1">
+            <a:off x="473243" y="2447765"/>
+            <a:ext cx="1437414" cy="911384"/>
+          </a:xfrm>
+          <a:prstGeom prst="bentConnector3">
+            <a:avLst>
+              <a:gd name="adj1" fmla="val -15904"/>
+            </a:avLst>
+          </a:prstGeom>
+          <a:ln w="19050">
+            <a:solidFill>
+              <a:schemeClr val="tx1"/>
+            </a:solidFill>
+            <a:tailEnd type="arrow" w="med" len="lg"/>
+          </a:ln>
+        </p:spPr>
+        <p:style>
+          <a:lnRef idx="1">
+            <a:schemeClr val="accent1"/>
+          </a:lnRef>
+          <a:fillRef idx="0">
+            <a:schemeClr val="accent1"/>
+          </a:fillRef>
+          <a:effectRef idx="0">
+            <a:schemeClr val="accent1"/>
+          </a:effectRef>
+          <a:fontRef idx="minor">
+            <a:schemeClr val="tx1"/>
+          </a:fontRef>
+        </p:style>
+      </p:cxnSp>
+    </p:spTree>
+    <p:extLst>
+      <p:ext uri="{BB962C8B-B14F-4D97-AF65-F5344CB8AC3E}">
+        <p14:creationId xmlns:p14="http://schemas.microsoft.com/office/powerpoint/2010/main" val="614324308"/>
+      </p:ext>
+    </p:extLst>
+  </p:cSld>
+  <p:clrMapOvr>
+    <a:masterClrMapping/>
+  </p:clrMapOvr>
+</p:sld>
+</file>
+
+<file path=ppt/slides/slide4.xml><?xml version="1.0" encoding="utf-8"?>
+<p:sld xmlns:a="http://schemas.openxmlformats.org/drawingml/2006/main" xmlns:r="http://schemas.openxmlformats.org/officeDocument/2006/relationships" xmlns:p="http://schemas.openxmlformats.org/presentationml/2006/main">
+  <p:cSld>
+    <p:spTree>
+      <p:nvGrpSpPr>
+        <p:cNvPr id="1" name=""/>
+        <p:cNvGrpSpPr/>
+        <p:nvPr/>
+      </p:nvGrpSpPr>
+      <p:grpSpPr>
+        <a:xfrm>
+          <a:off x="0" y="0"/>
+          <a:ext cx="0" cy="0"/>
+          <a:chOff x="0" y="0"/>
+          <a:chExt cx="0" cy="0"/>
+        </a:xfrm>
+      </p:grpSpPr>
+      <p:sp>
+        <p:nvSpPr>
+          <p:cNvPr id="18" name="Rectangle 17">
+            <a:extLst>
+              <a:ext uri="{FF2B5EF4-FFF2-40B4-BE49-F238E27FC236}">
+                <a16:creationId xmlns:a16="http://schemas.microsoft.com/office/drawing/2014/main" id="{8E6DF3D5-F268-4315-AAD8-00E3ECC569A6}"/>
+              </a:ext>
+            </a:extLst>
+          </p:cNvPr>
+          <p:cNvSpPr/>
+          <p:nvPr/>
+        </p:nvSpPr>
+        <p:spPr>
+          <a:xfrm>
+            <a:off x="1468754" y="937842"/>
+            <a:ext cx="1424013" cy="299487"/>
+          </a:xfrm>
+          <a:prstGeom prst="rect">
+            <a:avLst/>
+          </a:prstGeom>
+          <a:solidFill>
+            <a:schemeClr val="bg1"/>
+          </a:solidFill>
+          <a:ln w="19050">
+            <a:solidFill>
+              <a:schemeClr val="tx1"/>
+            </a:solidFill>
+          </a:ln>
+        </p:spPr>
+        <p:style>
+          <a:lnRef idx="2">
+            <a:schemeClr val="accent1">
+              <a:shade val="50000"/>
+            </a:schemeClr>
+          </a:lnRef>
+          <a:fillRef idx="1">
+            <a:schemeClr val="accent1"/>
+          </a:fillRef>
+          <a:effectRef idx="0">
+            <a:schemeClr val="accent1"/>
+          </a:effectRef>
+          <a:fontRef idx="minor">
+            <a:schemeClr val="lt1"/>
+          </a:fontRef>
+        </p:style>
+        <p:txBody>
+          <a:bodyPr rtlCol="0" anchor="ctr"/>
+          <a:lstStyle/>
+          <a:p>
+            <a:pPr algn="ctr"/>
+            <a:r>
+              <a:rPr lang="en-US" sz="1400" b="1" dirty="0">
+                <a:solidFill>
+                  <a:schemeClr val="tx1"/>
+                </a:solidFill>
+              </a:rPr>
+              <a:t>User</a:t>
+            </a:r>
+          </a:p>
+        </p:txBody>
+      </p:sp>
+      <p:sp>
+        <p:nvSpPr>
+          <p:cNvPr id="19" name="Rectangle 18">
+            <a:extLst>
+              <a:ext uri="{FF2B5EF4-FFF2-40B4-BE49-F238E27FC236}">
+                <a16:creationId xmlns:a16="http://schemas.microsoft.com/office/drawing/2014/main" id="{76815F60-39D7-46CA-B37B-0C0F85CD02F2}"/>
+              </a:ext>
+            </a:extLst>
+          </p:cNvPr>
+          <p:cNvSpPr/>
+          <p:nvPr/>
+        </p:nvSpPr>
+        <p:spPr>
+          <a:xfrm>
+            <a:off x="1468753" y="1237329"/>
+            <a:ext cx="1424013" cy="550680"/>
+          </a:xfrm>
+          <a:prstGeom prst="rect">
+            <a:avLst/>
+          </a:prstGeom>
+          <a:solidFill>
+            <a:schemeClr val="bg1"/>
+          </a:solidFill>
+          <a:ln w="19050">
+            <a:solidFill>
+              <a:schemeClr val="tx1"/>
+            </a:solidFill>
+          </a:ln>
+        </p:spPr>
+        <p:style>
+          <a:lnRef idx="2">
+            <a:schemeClr val="accent1">
+              <a:shade val="50000"/>
+            </a:schemeClr>
+          </a:lnRef>
+          <a:fillRef idx="1">
+            <a:schemeClr val="accent1"/>
+          </a:fillRef>
+          <a:effectRef idx="0">
+            <a:schemeClr val="accent1"/>
+          </a:effectRef>
+          <a:fontRef idx="minor">
+            <a:schemeClr val="lt1"/>
+          </a:fontRef>
+        </p:style>
+        <p:txBody>
+          <a:bodyPr rtlCol="0" anchor="ctr"/>
+          <a:lstStyle/>
+          <a:p>
+            <a:r>
+              <a:rPr lang="en-US" sz="1200" dirty="0">
+                <a:solidFill>
+                  <a:schemeClr val="tx1"/>
+                </a:solidFill>
+              </a:rPr>
+              <a:t>login: String</a:t>
+            </a:r>
+          </a:p>
+          <a:p>
+            <a:r>
+              <a:rPr lang="en-US" sz="1200" dirty="0">
+                <a:solidFill>
+                  <a:schemeClr val="tx1"/>
+                </a:solidFill>
+              </a:rPr>
+              <a:t>password: String</a:t>
+            </a:r>
+          </a:p>
+        </p:txBody>
+      </p:sp>
+      <p:sp>
+        <p:nvSpPr>
+          <p:cNvPr id="20" name="Rectangle 19">
+            <a:extLst>
+              <a:ext uri="{FF2B5EF4-FFF2-40B4-BE49-F238E27FC236}">
+                <a16:creationId xmlns:a16="http://schemas.microsoft.com/office/drawing/2014/main" id="{1CA72DB0-A06A-4366-935E-C4D77962FE77}"/>
+              </a:ext>
+            </a:extLst>
+          </p:cNvPr>
+          <p:cNvSpPr/>
+          <p:nvPr/>
+        </p:nvSpPr>
+        <p:spPr>
+          <a:xfrm>
+            <a:off x="1468753" y="1770446"/>
+            <a:ext cx="1424013" cy="360888"/>
+          </a:xfrm>
+          <a:prstGeom prst="rect">
+            <a:avLst/>
+          </a:prstGeom>
+          <a:solidFill>
+            <a:schemeClr val="bg1"/>
+          </a:solidFill>
+          <a:ln w="19050">
+            <a:solidFill>
+              <a:schemeClr val="tx1"/>
+            </a:solidFill>
+          </a:ln>
+        </p:spPr>
+        <p:style>
+          <a:lnRef idx="2">
+            <a:schemeClr val="accent1">
+              <a:shade val="50000"/>
+            </a:schemeClr>
+          </a:lnRef>
+          <a:fillRef idx="1">
+            <a:schemeClr val="accent1"/>
+          </a:fillRef>
+          <a:effectRef idx="0">
+            <a:schemeClr val="accent1"/>
+          </a:effectRef>
+          <a:fontRef idx="minor">
+            <a:schemeClr val="lt1"/>
+          </a:fontRef>
+        </p:style>
+        <p:txBody>
+          <a:bodyPr rtlCol="0" anchor="ctr"/>
+          <a:lstStyle/>
+          <a:p>
+            <a:r>
+              <a:rPr lang="en-US" sz="1200" dirty="0">
+                <a:solidFill>
+                  <a:schemeClr val="tx1"/>
+                </a:solidFill>
+              </a:rPr>
+              <a:t>enroll(Module)</a:t>
+            </a:r>
+          </a:p>
+        </p:txBody>
+      </p:sp>
+      <p:sp>
+        <p:nvSpPr>
+          <p:cNvPr id="21" name="Rectangle 20">
+            <a:extLst>
+              <a:ext uri="{FF2B5EF4-FFF2-40B4-BE49-F238E27FC236}">
+                <a16:creationId xmlns:a16="http://schemas.microsoft.com/office/drawing/2014/main" id="{2C2116B3-3490-4393-9F92-B81D9BA3E98E}"/>
+              </a:ext>
+            </a:extLst>
+          </p:cNvPr>
+          <p:cNvSpPr/>
+          <p:nvPr/>
+        </p:nvSpPr>
+        <p:spPr>
+          <a:xfrm>
+            <a:off x="1468754" y="2715086"/>
+            <a:ext cx="1424013" cy="299487"/>
+          </a:xfrm>
+          <a:prstGeom prst="rect">
+            <a:avLst/>
+          </a:prstGeom>
+          <a:solidFill>
+            <a:schemeClr val="bg1"/>
+          </a:solidFill>
+          <a:ln w="19050">
+            <a:solidFill>
+              <a:schemeClr val="tx1"/>
+            </a:solidFill>
+          </a:ln>
+        </p:spPr>
+        <p:style>
+          <a:lnRef idx="2">
+            <a:schemeClr val="accent1">
+              <a:shade val="50000"/>
+            </a:schemeClr>
+          </a:lnRef>
+          <a:fillRef idx="1">
+            <a:schemeClr val="accent1"/>
+          </a:fillRef>
+          <a:effectRef idx="0">
+            <a:schemeClr val="accent1"/>
+          </a:effectRef>
+          <a:fontRef idx="minor">
+            <a:schemeClr val="lt1"/>
+          </a:fontRef>
+        </p:style>
+        <p:txBody>
+          <a:bodyPr rtlCol="0" anchor="ctr"/>
+          <a:lstStyle/>
+          <a:p>
+            <a:pPr algn="ctr"/>
+            <a:r>
+              <a:rPr lang="en-US" sz="1400" b="1" dirty="0">
+                <a:solidFill>
+                  <a:schemeClr val="tx1"/>
+                </a:solidFill>
+              </a:rPr>
+              <a:t>Module</a:t>
+            </a:r>
+          </a:p>
+        </p:txBody>
+      </p:sp>
+      <p:sp>
+        <p:nvSpPr>
+          <p:cNvPr id="30" name="Rectangle 29">
+            <a:extLst>
+              <a:ext uri="{FF2B5EF4-FFF2-40B4-BE49-F238E27FC236}">
+                <a16:creationId xmlns:a16="http://schemas.microsoft.com/office/drawing/2014/main" id="{EAB37EA8-7D14-4852-BE98-0711911C66CC}"/>
+              </a:ext>
+            </a:extLst>
+          </p:cNvPr>
+          <p:cNvSpPr/>
+          <p:nvPr/>
+        </p:nvSpPr>
+        <p:spPr>
+          <a:xfrm>
+            <a:off x="1468753" y="3014573"/>
+            <a:ext cx="1424013" cy="295737"/>
+          </a:xfrm>
+          <a:prstGeom prst="rect">
+            <a:avLst/>
+          </a:prstGeom>
+          <a:solidFill>
+            <a:schemeClr val="bg1"/>
+          </a:solidFill>
+          <a:ln w="19050">
+            <a:solidFill>
+              <a:schemeClr val="tx1"/>
+            </a:solidFill>
+          </a:ln>
+        </p:spPr>
+        <p:style>
+          <a:lnRef idx="2">
+            <a:schemeClr val="accent1">
+              <a:shade val="50000"/>
+            </a:schemeClr>
+          </a:lnRef>
+          <a:fillRef idx="1">
+            <a:schemeClr val="accent1"/>
+          </a:fillRef>
+          <a:effectRef idx="0">
+            <a:schemeClr val="accent1"/>
+          </a:effectRef>
+          <a:fontRef idx="minor">
+            <a:schemeClr val="lt1"/>
+          </a:fontRef>
+        </p:style>
+        <p:txBody>
+          <a:bodyPr rtlCol="0" anchor="ctr"/>
+          <a:lstStyle/>
+          <a:p>
+            <a:r>
+              <a:rPr lang="en-US" sz="1200" dirty="0">
+                <a:solidFill>
+                  <a:schemeClr val="tx1"/>
+                </a:solidFill>
+              </a:rPr>
+              <a:t>id: String</a:t>
+            </a:r>
+          </a:p>
+        </p:txBody>
+      </p:sp>
+      <p:sp>
+        <p:nvSpPr>
+          <p:cNvPr id="31" name="Rectangle 30">
+            <a:extLst>
+              <a:ext uri="{FF2B5EF4-FFF2-40B4-BE49-F238E27FC236}">
+                <a16:creationId xmlns:a16="http://schemas.microsoft.com/office/drawing/2014/main" id="{81FEBD31-9FC2-47B8-A1D4-FC6FC886E352}"/>
+              </a:ext>
+            </a:extLst>
+          </p:cNvPr>
+          <p:cNvSpPr/>
+          <p:nvPr/>
+        </p:nvSpPr>
+        <p:spPr>
+          <a:xfrm>
+            <a:off x="1468753" y="3310310"/>
+            <a:ext cx="1424013" cy="598268"/>
+          </a:xfrm>
+          <a:prstGeom prst="rect">
+            <a:avLst/>
+          </a:prstGeom>
+          <a:solidFill>
+            <a:schemeClr val="bg1"/>
+          </a:solidFill>
+          <a:ln w="19050">
+            <a:solidFill>
+              <a:schemeClr val="tx1"/>
+            </a:solidFill>
+          </a:ln>
+        </p:spPr>
+        <p:style>
+          <a:lnRef idx="2">
+            <a:schemeClr val="accent1">
+              <a:shade val="50000"/>
+            </a:schemeClr>
+          </a:lnRef>
+          <a:fillRef idx="1">
+            <a:schemeClr val="accent1"/>
+          </a:fillRef>
+          <a:effectRef idx="0">
+            <a:schemeClr val="accent1"/>
+          </a:effectRef>
+          <a:fontRef idx="minor">
+            <a:schemeClr val="lt1"/>
+          </a:fontRef>
+        </p:style>
+        <p:txBody>
+          <a:bodyPr rtlCol="0" anchor="ctr"/>
+          <a:lstStyle/>
+          <a:p>
+            <a:r>
+              <a:rPr lang="en-US" sz="1200" dirty="0" err="1">
+                <a:solidFill>
+                  <a:schemeClr val="tx1"/>
+                </a:solidFill>
+              </a:rPr>
+              <a:t>getMaterials</a:t>
+            </a:r>
+            <a:r>
+              <a:rPr lang="en-US" sz="1200" dirty="0">
+                <a:solidFill>
+                  <a:schemeClr val="tx1"/>
+                </a:solidFill>
+              </a:rPr>
+              <a:t>() </a:t>
+            </a:r>
+            <a:br>
+              <a:rPr lang="en-US" sz="1200" dirty="0">
+                <a:solidFill>
+                  <a:schemeClr val="tx1"/>
+                </a:solidFill>
+              </a:rPr>
+            </a:br>
+            <a:r>
+              <a:rPr lang="en-US" sz="1200" dirty="0" err="1">
+                <a:solidFill>
+                  <a:schemeClr val="tx1"/>
+                </a:solidFill>
+              </a:rPr>
+              <a:t>archiveModule</a:t>
+            </a:r>
+            <a:r>
+              <a:rPr lang="en-US" sz="1200" dirty="0">
+                <a:solidFill>
+                  <a:schemeClr val="tx1"/>
+                </a:solidFill>
+              </a:rPr>
+              <a:t>()</a:t>
+            </a:r>
+          </a:p>
+        </p:txBody>
+      </p:sp>
+    </p:spTree>
+    <p:extLst>
+      <p:ext uri="{BB962C8B-B14F-4D97-AF65-F5344CB8AC3E}">
+        <p14:creationId xmlns:p14="http://schemas.microsoft.com/office/powerpoint/2010/main" val="590582236"/>
+      </p:ext>
+    </p:extLst>
+  </p:cSld>
+  <p:clrMapOvr>
+    <a:masterClrMapping/>
+  </p:clrMapOvr>
+</p:sld>
+</file>
+
+<file path=ppt/slides/slide5.xml><?xml version="1.0" encoding="utf-8"?>
+<p:sld xmlns:a="http://schemas.openxmlformats.org/drawingml/2006/main" xmlns:r="http://schemas.openxmlformats.org/officeDocument/2006/relationships" xmlns:p="http://schemas.openxmlformats.org/presentationml/2006/main">
+  <p:cSld>
+    <p:spTree>
+      <p:nvGrpSpPr>
+        <p:cNvPr id="1" name=""/>
+        <p:cNvGrpSpPr/>
+        <p:nvPr/>
+      </p:nvGrpSpPr>
+      <p:grpSpPr>
+        <a:xfrm>
+          <a:off x="0" y="0"/>
+          <a:ext cx="0" cy="0"/>
+          <a:chOff x="0" y="0"/>
+          <a:chExt cx="0" cy="0"/>
+        </a:xfrm>
+      </p:grpSpPr>
+      <p:sp>
+        <p:nvSpPr>
+          <p:cNvPr id="18" name="Rectangle 17">
+            <a:extLst>
+              <a:ext uri="{FF2B5EF4-FFF2-40B4-BE49-F238E27FC236}">
+                <a16:creationId xmlns:a16="http://schemas.microsoft.com/office/drawing/2014/main" id="{8E6DF3D5-F268-4315-AAD8-00E3ECC569A6}"/>
+              </a:ext>
+            </a:extLst>
+          </p:cNvPr>
+          <p:cNvSpPr/>
+          <p:nvPr/>
+        </p:nvSpPr>
+        <p:spPr>
+          <a:xfrm>
+            <a:off x="1468754" y="937842"/>
+            <a:ext cx="1424013" cy="299487"/>
+          </a:xfrm>
+          <a:prstGeom prst="rect">
+            <a:avLst/>
+          </a:prstGeom>
+          <a:solidFill>
+            <a:schemeClr val="bg1"/>
+          </a:solidFill>
+          <a:ln w="19050">
+            <a:solidFill>
+              <a:schemeClr val="tx1"/>
+            </a:solidFill>
+          </a:ln>
+        </p:spPr>
+        <p:style>
+          <a:lnRef idx="2">
+            <a:schemeClr val="accent1">
+              <a:shade val="50000"/>
+            </a:schemeClr>
+          </a:lnRef>
+          <a:fillRef idx="1">
+            <a:schemeClr val="accent1"/>
+          </a:fillRef>
+          <a:effectRef idx="0">
+            <a:schemeClr val="accent1"/>
+          </a:effectRef>
+          <a:fontRef idx="minor">
+            <a:schemeClr val="lt1"/>
+          </a:fontRef>
+        </p:style>
+        <p:txBody>
+          <a:bodyPr rtlCol="0" anchor="ctr"/>
+          <a:lstStyle/>
+          <a:p>
+            <a:pPr algn="ctr"/>
+            <a:r>
+              <a:rPr lang="en-US" sz="1400" b="1" dirty="0">
+                <a:solidFill>
+                  <a:schemeClr val="tx1"/>
+                </a:solidFill>
+              </a:rPr>
+              <a:t>User</a:t>
+            </a:r>
+          </a:p>
+        </p:txBody>
+      </p:sp>
+      <p:sp>
+        <p:nvSpPr>
+          <p:cNvPr id="19" name="Rectangle 18">
+            <a:extLst>
+              <a:ext uri="{FF2B5EF4-FFF2-40B4-BE49-F238E27FC236}">
+                <a16:creationId xmlns:a16="http://schemas.microsoft.com/office/drawing/2014/main" id="{76815F60-39D7-46CA-B37B-0C0F85CD02F2}"/>
+              </a:ext>
+            </a:extLst>
+          </p:cNvPr>
+          <p:cNvSpPr/>
+          <p:nvPr/>
+        </p:nvSpPr>
+        <p:spPr>
+          <a:xfrm>
+            <a:off x="1468753" y="1237329"/>
+            <a:ext cx="1424013" cy="550680"/>
+          </a:xfrm>
+          <a:prstGeom prst="rect">
+            <a:avLst/>
+          </a:prstGeom>
+          <a:solidFill>
+            <a:schemeClr val="bg1"/>
+          </a:solidFill>
+          <a:ln w="19050">
+            <a:solidFill>
+              <a:schemeClr val="tx1"/>
+            </a:solidFill>
+          </a:ln>
+        </p:spPr>
+        <p:style>
+          <a:lnRef idx="2">
+            <a:schemeClr val="accent1">
+              <a:shade val="50000"/>
+            </a:schemeClr>
+          </a:lnRef>
+          <a:fillRef idx="1">
+            <a:schemeClr val="accent1"/>
+          </a:fillRef>
+          <a:effectRef idx="0">
+            <a:schemeClr val="accent1"/>
+          </a:effectRef>
+          <a:fontRef idx="minor">
+            <a:schemeClr val="lt1"/>
+          </a:fontRef>
+        </p:style>
+        <p:txBody>
+          <a:bodyPr rtlCol="0" anchor="ctr"/>
+          <a:lstStyle/>
+          <a:p>
+            <a:r>
+              <a:rPr lang="en-US" sz="1200" dirty="0">
+                <a:solidFill>
+                  <a:schemeClr val="tx1"/>
+                </a:solidFill>
+              </a:rPr>
+              <a:t>login: String</a:t>
+            </a:r>
+          </a:p>
+          <a:p>
+            <a:r>
+              <a:rPr lang="en-US" sz="1200" dirty="0">
+                <a:solidFill>
+                  <a:schemeClr val="tx1"/>
+                </a:solidFill>
+              </a:rPr>
+              <a:t>password: String</a:t>
+            </a:r>
+          </a:p>
+        </p:txBody>
+      </p:sp>
+      <p:sp>
+        <p:nvSpPr>
+          <p:cNvPr id="20" name="Rectangle 19">
+            <a:extLst>
+              <a:ext uri="{FF2B5EF4-FFF2-40B4-BE49-F238E27FC236}">
+                <a16:creationId xmlns:a16="http://schemas.microsoft.com/office/drawing/2014/main" id="{1CA72DB0-A06A-4366-935E-C4D77962FE77}"/>
+              </a:ext>
+            </a:extLst>
+          </p:cNvPr>
+          <p:cNvSpPr/>
+          <p:nvPr/>
+        </p:nvSpPr>
+        <p:spPr>
+          <a:xfrm>
+            <a:off x="1468753" y="1770446"/>
+            <a:ext cx="1424013" cy="360888"/>
+          </a:xfrm>
+          <a:prstGeom prst="rect">
+            <a:avLst/>
+          </a:prstGeom>
+          <a:solidFill>
+            <a:schemeClr val="bg1"/>
+          </a:solidFill>
+          <a:ln w="19050">
+            <a:solidFill>
+              <a:schemeClr val="tx1"/>
+            </a:solidFill>
+          </a:ln>
+        </p:spPr>
+        <p:style>
+          <a:lnRef idx="2">
+            <a:schemeClr val="accent1">
+              <a:shade val="50000"/>
+            </a:schemeClr>
+          </a:lnRef>
+          <a:fillRef idx="1">
+            <a:schemeClr val="accent1"/>
+          </a:fillRef>
+          <a:effectRef idx="0">
+            <a:schemeClr val="accent1"/>
+          </a:effectRef>
+          <a:fontRef idx="minor">
+            <a:schemeClr val="lt1"/>
+          </a:fontRef>
+        </p:style>
+        <p:txBody>
+          <a:bodyPr rtlCol="0" anchor="ctr"/>
+          <a:lstStyle/>
+          <a:p>
+            <a:r>
+              <a:rPr lang="en-US" sz="1200" dirty="0">
+                <a:solidFill>
+                  <a:schemeClr val="tx1"/>
+                </a:solidFill>
+              </a:rPr>
+              <a:t>enroll(Module)</a:t>
+            </a:r>
+          </a:p>
+        </p:txBody>
+      </p:sp>
+      <p:sp>
+        <p:nvSpPr>
+          <p:cNvPr id="21" name="Rectangle 20">
+            <a:extLst>
+              <a:ext uri="{FF2B5EF4-FFF2-40B4-BE49-F238E27FC236}">
+                <a16:creationId xmlns:a16="http://schemas.microsoft.com/office/drawing/2014/main" id="{2C2116B3-3490-4393-9F92-B81D9BA3E98E}"/>
+              </a:ext>
+            </a:extLst>
+          </p:cNvPr>
+          <p:cNvSpPr/>
+          <p:nvPr/>
+        </p:nvSpPr>
+        <p:spPr>
+          <a:xfrm>
+            <a:off x="1468754" y="2715086"/>
+            <a:ext cx="1424013" cy="299487"/>
+          </a:xfrm>
+          <a:prstGeom prst="rect">
+            <a:avLst/>
+          </a:prstGeom>
+          <a:solidFill>
+            <a:schemeClr val="bg1"/>
+          </a:solidFill>
+          <a:ln w="19050">
+            <a:solidFill>
+              <a:schemeClr val="tx1"/>
+            </a:solidFill>
+          </a:ln>
+        </p:spPr>
+        <p:style>
+          <a:lnRef idx="2">
+            <a:schemeClr val="accent1">
+              <a:shade val="50000"/>
+            </a:schemeClr>
+          </a:lnRef>
+          <a:fillRef idx="1">
+            <a:schemeClr val="accent1"/>
+          </a:fillRef>
+          <a:effectRef idx="0">
+            <a:schemeClr val="accent1"/>
+          </a:effectRef>
+          <a:fontRef idx="minor">
+            <a:schemeClr val="lt1"/>
+          </a:fontRef>
+        </p:style>
+        <p:txBody>
+          <a:bodyPr rtlCol="0" anchor="ctr"/>
+          <a:lstStyle/>
+          <a:p>
+            <a:pPr algn="ctr"/>
+            <a:r>
+              <a:rPr lang="en-US" sz="1400" b="1" dirty="0">
+                <a:solidFill>
+                  <a:schemeClr val="tx1"/>
+                </a:solidFill>
+              </a:rPr>
+              <a:t>Module</a:t>
+            </a:r>
+          </a:p>
+        </p:txBody>
+      </p:sp>
+      <p:sp>
+        <p:nvSpPr>
+          <p:cNvPr id="30" name="Rectangle 29">
+            <a:extLst>
+              <a:ext uri="{FF2B5EF4-FFF2-40B4-BE49-F238E27FC236}">
+                <a16:creationId xmlns:a16="http://schemas.microsoft.com/office/drawing/2014/main" id="{EAB37EA8-7D14-4852-BE98-0711911C66CC}"/>
+              </a:ext>
+            </a:extLst>
+          </p:cNvPr>
+          <p:cNvSpPr/>
+          <p:nvPr/>
+        </p:nvSpPr>
+        <p:spPr>
+          <a:xfrm>
+            <a:off x="1468753" y="3014573"/>
+            <a:ext cx="1424013" cy="295737"/>
+          </a:xfrm>
+          <a:prstGeom prst="rect">
+            <a:avLst/>
+          </a:prstGeom>
+          <a:solidFill>
+            <a:schemeClr val="bg1"/>
+          </a:solidFill>
+          <a:ln w="19050">
+            <a:solidFill>
+              <a:schemeClr val="tx1"/>
+            </a:solidFill>
+          </a:ln>
+        </p:spPr>
+        <p:style>
+          <a:lnRef idx="2">
+            <a:schemeClr val="accent1">
+              <a:shade val="50000"/>
+            </a:schemeClr>
+          </a:lnRef>
+          <a:fillRef idx="1">
+            <a:schemeClr val="accent1"/>
+          </a:fillRef>
+          <a:effectRef idx="0">
+            <a:schemeClr val="accent1"/>
+          </a:effectRef>
+          <a:fontRef idx="minor">
+            <a:schemeClr val="lt1"/>
+          </a:fontRef>
+        </p:style>
+        <p:txBody>
+          <a:bodyPr rtlCol="0" anchor="ctr"/>
+          <a:lstStyle/>
+          <a:p>
+            <a:r>
+              <a:rPr lang="en-US" sz="1200" dirty="0">
+                <a:solidFill>
+                  <a:schemeClr val="tx1"/>
+                </a:solidFill>
+              </a:rPr>
+              <a:t>id: String</a:t>
+            </a:r>
+          </a:p>
+        </p:txBody>
+      </p:sp>
+      <p:sp>
+        <p:nvSpPr>
+          <p:cNvPr id="31" name="Rectangle 30">
+            <a:extLst>
+              <a:ext uri="{FF2B5EF4-FFF2-40B4-BE49-F238E27FC236}">
+                <a16:creationId xmlns:a16="http://schemas.microsoft.com/office/drawing/2014/main" id="{81FEBD31-9FC2-47B8-A1D4-FC6FC886E352}"/>
+              </a:ext>
+            </a:extLst>
+          </p:cNvPr>
+          <p:cNvSpPr/>
+          <p:nvPr/>
+        </p:nvSpPr>
+        <p:spPr>
+          <a:xfrm>
+            <a:off x="1468753" y="3310310"/>
+            <a:ext cx="1424013" cy="598268"/>
+          </a:xfrm>
+          <a:prstGeom prst="rect">
+            <a:avLst/>
+          </a:prstGeom>
+          <a:solidFill>
+            <a:schemeClr val="bg1"/>
+          </a:solidFill>
+          <a:ln w="19050">
+            <a:solidFill>
+              <a:schemeClr val="tx1"/>
+            </a:solidFill>
+          </a:ln>
+        </p:spPr>
+        <p:style>
+          <a:lnRef idx="2">
+            <a:schemeClr val="accent1">
+              <a:shade val="50000"/>
+            </a:schemeClr>
+          </a:lnRef>
+          <a:fillRef idx="1">
+            <a:schemeClr val="accent1"/>
+          </a:fillRef>
+          <a:effectRef idx="0">
+            <a:schemeClr val="accent1"/>
+          </a:effectRef>
+          <a:fontRef idx="minor">
+            <a:schemeClr val="lt1"/>
+          </a:fontRef>
+        </p:style>
+        <p:txBody>
+          <a:bodyPr rtlCol="0" anchor="ctr"/>
+          <a:lstStyle/>
+          <a:p>
+            <a:r>
+              <a:rPr lang="en-US" sz="1200" dirty="0" err="1">
+                <a:solidFill>
+                  <a:schemeClr val="tx1"/>
+                </a:solidFill>
+              </a:rPr>
+              <a:t>getMaterials</a:t>
+            </a:r>
+            <a:r>
+              <a:rPr lang="en-US" sz="1200" dirty="0">
+                <a:solidFill>
+                  <a:schemeClr val="tx1"/>
+                </a:solidFill>
+              </a:rPr>
+              <a:t>() </a:t>
+            </a:r>
+            <a:br>
+              <a:rPr lang="en-US" sz="1200" dirty="0">
+                <a:solidFill>
+                  <a:schemeClr val="tx1"/>
+                </a:solidFill>
+              </a:rPr>
+            </a:br>
+            <a:r>
+              <a:rPr lang="en-US" sz="1200" dirty="0" err="1">
+                <a:solidFill>
+                  <a:schemeClr val="tx1"/>
+                </a:solidFill>
+              </a:rPr>
+              <a:t>archiveModule</a:t>
+            </a:r>
+            <a:r>
+              <a:rPr lang="en-US" sz="1200" dirty="0">
+                <a:solidFill>
+                  <a:schemeClr val="tx1"/>
+                </a:solidFill>
+              </a:rPr>
+              <a:t>()</a:t>
+            </a:r>
+          </a:p>
+        </p:txBody>
+      </p:sp>
+      <p:cxnSp>
+        <p:nvCxnSpPr>
+          <p:cNvPr id="3" name="Straight Connector 2">
+            <a:extLst>
+              <a:ext uri="{FF2B5EF4-FFF2-40B4-BE49-F238E27FC236}">
+                <a16:creationId xmlns:a16="http://schemas.microsoft.com/office/drawing/2014/main" id="{01642227-B48B-475C-B57C-CABE929B555D}"/>
+              </a:ext>
+            </a:extLst>
+          </p:cNvPr>
+          <p:cNvCxnSpPr>
+            <a:stCxn id="21" idx="0"/>
+            <a:endCxn id="20" idx="2"/>
+          </p:cNvCxnSpPr>
+          <p:nvPr/>
+        </p:nvCxnSpPr>
+        <p:spPr>
+          <a:xfrm flipH="1" flipV="1">
+            <a:off x="2180760" y="2131334"/>
+            <a:ext cx="1" cy="583752"/>
+          </a:xfrm>
+          <a:prstGeom prst="line">
+            <a:avLst/>
+          </a:prstGeom>
+          <a:ln w="19050">
+            <a:solidFill>
+              <a:schemeClr val="tx1"/>
+            </a:solidFill>
+            <a:headEnd type="arrow" w="med" len="lg"/>
+          </a:ln>
+        </p:spPr>
+        <p:style>
+          <a:lnRef idx="1">
+            <a:schemeClr val="accent1"/>
+          </a:lnRef>
+          <a:fillRef idx="0">
+            <a:schemeClr val="accent1"/>
+          </a:fillRef>
+          <a:effectRef idx="0">
+            <a:schemeClr val="accent1"/>
+          </a:effectRef>
+          <a:fontRef idx="minor">
+            <a:schemeClr val="tx1"/>
+          </a:fontRef>
+        </p:style>
+      </p:cxnSp>
+      <p:sp>
+        <p:nvSpPr>
+          <p:cNvPr id="10" name="Rectangle 9">
+            <a:extLst>
+              <a:ext uri="{FF2B5EF4-FFF2-40B4-BE49-F238E27FC236}">
+                <a16:creationId xmlns:a16="http://schemas.microsoft.com/office/drawing/2014/main" id="{0F106B22-FF1D-4604-AA52-922EFEE4A904}"/>
+              </a:ext>
+            </a:extLst>
+          </p:cNvPr>
+          <p:cNvSpPr/>
+          <p:nvPr/>
+        </p:nvSpPr>
+        <p:spPr>
+          <a:xfrm>
+            <a:off x="3568754" y="937842"/>
+            <a:ext cx="1424013" cy="299487"/>
+          </a:xfrm>
+          <a:prstGeom prst="rect">
+            <a:avLst/>
+          </a:prstGeom>
+          <a:solidFill>
+            <a:schemeClr val="bg1"/>
+          </a:solidFill>
+          <a:ln w="19050">
+            <a:solidFill>
+              <a:schemeClr val="tx1"/>
+            </a:solidFill>
+          </a:ln>
+        </p:spPr>
+        <p:style>
+          <a:lnRef idx="2">
+            <a:schemeClr val="accent1">
+              <a:shade val="50000"/>
+            </a:schemeClr>
+          </a:lnRef>
+          <a:fillRef idx="1">
+            <a:schemeClr val="accent1"/>
+          </a:fillRef>
+          <a:effectRef idx="0">
+            <a:schemeClr val="accent1"/>
+          </a:effectRef>
+          <a:fontRef idx="minor">
+            <a:schemeClr val="lt1"/>
+          </a:fontRef>
+        </p:style>
+        <p:txBody>
+          <a:bodyPr rtlCol="0" anchor="ctr"/>
+          <a:lstStyle/>
+          <a:p>
+            <a:pPr algn="ctr"/>
+            <a:r>
+              <a:rPr lang="en-US" sz="1400" b="1" dirty="0">
+                <a:solidFill>
+                  <a:schemeClr val="tx1"/>
+                </a:solidFill>
+              </a:rPr>
+              <a:t>User</a:t>
+            </a:r>
+          </a:p>
+        </p:txBody>
+      </p:sp>
+      <p:sp>
+        <p:nvSpPr>
+          <p:cNvPr id="11" name="Rectangle 10">
+            <a:extLst>
+              <a:ext uri="{FF2B5EF4-FFF2-40B4-BE49-F238E27FC236}">
+                <a16:creationId xmlns:a16="http://schemas.microsoft.com/office/drawing/2014/main" id="{BC61453A-1871-4A35-89AB-A12FDB184C1E}"/>
+              </a:ext>
+            </a:extLst>
+          </p:cNvPr>
+          <p:cNvSpPr/>
+          <p:nvPr/>
+        </p:nvSpPr>
+        <p:spPr>
+          <a:xfrm>
+            <a:off x="3568753" y="1237329"/>
+            <a:ext cx="1424013" cy="550680"/>
+          </a:xfrm>
+          <a:prstGeom prst="rect">
+            <a:avLst/>
+          </a:prstGeom>
+          <a:solidFill>
+            <a:schemeClr val="bg1"/>
+          </a:solidFill>
+          <a:ln w="19050">
+            <a:solidFill>
+              <a:schemeClr val="tx1"/>
+            </a:solidFill>
+          </a:ln>
+        </p:spPr>
+        <p:style>
+          <a:lnRef idx="2">
+            <a:schemeClr val="accent1">
+              <a:shade val="50000"/>
+            </a:schemeClr>
+          </a:lnRef>
+          <a:fillRef idx="1">
+            <a:schemeClr val="accent1"/>
+          </a:fillRef>
+          <a:effectRef idx="0">
+            <a:schemeClr val="accent1"/>
+          </a:effectRef>
+          <a:fontRef idx="minor">
+            <a:schemeClr val="lt1"/>
+          </a:fontRef>
+        </p:style>
+        <p:txBody>
+          <a:bodyPr rtlCol="0" anchor="ctr"/>
+          <a:lstStyle/>
+          <a:p>
+            <a:r>
+              <a:rPr lang="en-US" sz="1200" dirty="0">
+                <a:solidFill>
+                  <a:schemeClr val="tx1"/>
+                </a:solidFill>
+              </a:rPr>
+              <a:t>login: String</a:t>
+            </a:r>
+          </a:p>
+          <a:p>
+            <a:r>
+              <a:rPr lang="en-US" sz="1200" dirty="0">
+                <a:solidFill>
+                  <a:schemeClr val="tx1"/>
+                </a:solidFill>
+              </a:rPr>
+              <a:t>password: String</a:t>
+            </a:r>
+          </a:p>
+        </p:txBody>
+      </p:sp>
+      <p:sp>
+        <p:nvSpPr>
+          <p:cNvPr id="12" name="Rectangle 11">
+            <a:extLst>
+              <a:ext uri="{FF2B5EF4-FFF2-40B4-BE49-F238E27FC236}">
+                <a16:creationId xmlns:a16="http://schemas.microsoft.com/office/drawing/2014/main" id="{72AA1166-E097-46CC-B1C4-0CAF2104C339}"/>
+              </a:ext>
+            </a:extLst>
+          </p:cNvPr>
+          <p:cNvSpPr/>
+          <p:nvPr/>
+        </p:nvSpPr>
+        <p:spPr>
+          <a:xfrm>
+            <a:off x="3568753" y="1770446"/>
+            <a:ext cx="1424013" cy="360888"/>
+          </a:xfrm>
+          <a:prstGeom prst="rect">
+            <a:avLst/>
+          </a:prstGeom>
+          <a:solidFill>
+            <a:schemeClr val="bg1"/>
+          </a:solidFill>
+          <a:ln w="19050">
+            <a:solidFill>
+              <a:schemeClr val="tx1"/>
+            </a:solidFill>
+          </a:ln>
+        </p:spPr>
+        <p:style>
+          <a:lnRef idx="2">
+            <a:schemeClr val="accent1">
+              <a:shade val="50000"/>
+            </a:schemeClr>
+          </a:lnRef>
+          <a:fillRef idx="1">
+            <a:schemeClr val="accent1"/>
+          </a:fillRef>
+          <a:effectRef idx="0">
+            <a:schemeClr val="accent1"/>
+          </a:effectRef>
+          <a:fontRef idx="minor">
+            <a:schemeClr val="lt1"/>
+          </a:fontRef>
+        </p:style>
+        <p:txBody>
+          <a:bodyPr rtlCol="0" anchor="ctr"/>
+          <a:lstStyle/>
+          <a:p>
+            <a:r>
+              <a:rPr lang="en-US" sz="1200" dirty="0">
+                <a:solidFill>
+                  <a:schemeClr val="tx1"/>
+                </a:solidFill>
+              </a:rPr>
+              <a:t>enroll(Module)</a:t>
+            </a:r>
+          </a:p>
+        </p:txBody>
+      </p:sp>
+      <p:sp>
+        <p:nvSpPr>
+          <p:cNvPr id="13" name="Rectangle 12">
+            <a:extLst>
+              <a:ext uri="{FF2B5EF4-FFF2-40B4-BE49-F238E27FC236}">
+                <a16:creationId xmlns:a16="http://schemas.microsoft.com/office/drawing/2014/main" id="{A09A5A6C-78C6-4333-B786-EBEBA51719FD}"/>
+              </a:ext>
+            </a:extLst>
+          </p:cNvPr>
+          <p:cNvSpPr/>
+          <p:nvPr/>
+        </p:nvSpPr>
+        <p:spPr>
+          <a:xfrm>
+            <a:off x="3568754" y="2715086"/>
+            <a:ext cx="1424013" cy="299487"/>
+          </a:xfrm>
+          <a:prstGeom prst="rect">
+            <a:avLst/>
+          </a:prstGeom>
+          <a:solidFill>
+            <a:schemeClr val="bg1"/>
+          </a:solidFill>
+          <a:ln w="19050">
+            <a:solidFill>
+              <a:schemeClr val="tx1"/>
+            </a:solidFill>
+          </a:ln>
+        </p:spPr>
+        <p:style>
+          <a:lnRef idx="2">
+            <a:schemeClr val="accent1">
+              <a:shade val="50000"/>
+            </a:schemeClr>
+          </a:lnRef>
+          <a:fillRef idx="1">
+            <a:schemeClr val="accent1"/>
+          </a:fillRef>
+          <a:effectRef idx="0">
+            <a:schemeClr val="accent1"/>
+          </a:effectRef>
+          <a:fontRef idx="minor">
+            <a:schemeClr val="lt1"/>
+          </a:fontRef>
+        </p:style>
+        <p:txBody>
+          <a:bodyPr rtlCol="0" anchor="ctr"/>
+          <a:lstStyle/>
+          <a:p>
+            <a:pPr algn="ctr"/>
+            <a:r>
+              <a:rPr lang="en-US" sz="1400" b="1" dirty="0">
+                <a:solidFill>
+                  <a:schemeClr val="tx1"/>
+                </a:solidFill>
+              </a:rPr>
+              <a:t>Student</a:t>
+            </a:r>
+          </a:p>
+        </p:txBody>
+      </p:sp>
+      <p:sp>
+        <p:nvSpPr>
+          <p:cNvPr id="14" name="Rectangle 13">
+            <a:extLst>
+              <a:ext uri="{FF2B5EF4-FFF2-40B4-BE49-F238E27FC236}">
+                <a16:creationId xmlns:a16="http://schemas.microsoft.com/office/drawing/2014/main" id="{871A80CD-598C-4B15-AC6F-FD1053AA6BB7}"/>
+              </a:ext>
+            </a:extLst>
+          </p:cNvPr>
+          <p:cNvSpPr/>
+          <p:nvPr/>
+        </p:nvSpPr>
+        <p:spPr>
+          <a:xfrm>
+            <a:off x="3568753" y="3014573"/>
+            <a:ext cx="1424013" cy="295737"/>
+          </a:xfrm>
+          <a:prstGeom prst="rect">
+            <a:avLst/>
+          </a:prstGeom>
+          <a:solidFill>
+            <a:schemeClr val="bg1"/>
+          </a:solidFill>
+          <a:ln w="19050">
+            <a:solidFill>
+              <a:schemeClr val="tx1"/>
+            </a:solidFill>
+          </a:ln>
+        </p:spPr>
+        <p:style>
+          <a:lnRef idx="2">
+            <a:schemeClr val="accent1">
+              <a:shade val="50000"/>
+            </a:schemeClr>
+          </a:lnRef>
+          <a:fillRef idx="1">
+            <a:schemeClr val="accent1"/>
+          </a:fillRef>
+          <a:effectRef idx="0">
+            <a:schemeClr val="accent1"/>
+          </a:effectRef>
+          <a:fontRef idx="minor">
+            <a:schemeClr val="lt1"/>
+          </a:fontRef>
+        </p:style>
+        <p:txBody>
+          <a:bodyPr rtlCol="0" anchor="ctr"/>
+          <a:lstStyle/>
+          <a:p>
+            <a:r>
+              <a:rPr lang="en-US" sz="1200" dirty="0">
+                <a:solidFill>
+                  <a:schemeClr val="tx1"/>
+                </a:solidFill>
+              </a:rPr>
+              <a:t>year: Int</a:t>
+            </a:r>
+          </a:p>
+        </p:txBody>
+      </p:sp>
+      <p:sp>
+        <p:nvSpPr>
+          <p:cNvPr id="15" name="Rectangle 14">
+            <a:extLst>
+              <a:ext uri="{FF2B5EF4-FFF2-40B4-BE49-F238E27FC236}">
+                <a16:creationId xmlns:a16="http://schemas.microsoft.com/office/drawing/2014/main" id="{5A4B01FE-F1D2-4408-8901-575F4CC35E48}"/>
+              </a:ext>
+            </a:extLst>
+          </p:cNvPr>
+          <p:cNvSpPr/>
+          <p:nvPr/>
+        </p:nvSpPr>
+        <p:spPr>
+          <a:xfrm>
+            <a:off x="3568753" y="3310310"/>
+            <a:ext cx="1424013" cy="598268"/>
+          </a:xfrm>
+          <a:prstGeom prst="rect">
+            <a:avLst/>
+          </a:prstGeom>
+          <a:solidFill>
+            <a:schemeClr val="bg1"/>
+          </a:solidFill>
+          <a:ln w="19050">
+            <a:solidFill>
+              <a:schemeClr val="tx1"/>
+            </a:solidFill>
+          </a:ln>
+        </p:spPr>
+        <p:style>
+          <a:lnRef idx="2">
+            <a:schemeClr val="accent1">
+              <a:shade val="50000"/>
+            </a:schemeClr>
+          </a:lnRef>
+          <a:fillRef idx="1">
+            <a:schemeClr val="accent1"/>
+          </a:fillRef>
+          <a:effectRef idx="0">
+            <a:schemeClr val="accent1"/>
+          </a:effectRef>
+          <a:fontRef idx="minor">
+            <a:schemeClr val="lt1"/>
+          </a:fontRef>
+        </p:style>
+        <p:txBody>
+          <a:bodyPr rtlCol="0" anchor="ctr"/>
+          <a:lstStyle/>
+          <a:p>
+            <a:r>
+              <a:rPr lang="en-US" sz="1200" dirty="0" err="1">
+                <a:solidFill>
+                  <a:schemeClr val="tx1"/>
+                </a:solidFill>
+              </a:rPr>
+              <a:t>getAssignments</a:t>
+            </a:r>
+            <a:r>
+              <a:rPr lang="en-US" sz="1200" dirty="0">
+                <a:solidFill>
+                  <a:schemeClr val="tx1"/>
+                </a:solidFill>
+              </a:rPr>
+              <a:t>() </a:t>
+            </a:r>
+            <a:br>
+              <a:rPr lang="en-US" sz="1200" dirty="0">
+                <a:solidFill>
+                  <a:schemeClr val="tx1"/>
+                </a:solidFill>
+              </a:rPr>
+            </a:br>
+            <a:r>
+              <a:rPr lang="en-US" sz="1200" dirty="0">
+                <a:solidFill>
+                  <a:schemeClr val="tx1"/>
+                </a:solidFill>
+              </a:rPr>
+              <a:t>graduate(Mark)</a:t>
+            </a:r>
+          </a:p>
+        </p:txBody>
+      </p:sp>
+      <p:cxnSp>
+        <p:nvCxnSpPr>
+          <p:cNvPr id="16" name="Straight Connector 15">
+            <a:extLst>
+              <a:ext uri="{FF2B5EF4-FFF2-40B4-BE49-F238E27FC236}">
+                <a16:creationId xmlns:a16="http://schemas.microsoft.com/office/drawing/2014/main" id="{D639B3E4-4B72-4348-A7D3-C59ADA26A6EE}"/>
+              </a:ext>
+            </a:extLst>
+          </p:cNvPr>
+          <p:cNvCxnSpPr>
+            <a:stCxn id="13" idx="0"/>
+            <a:endCxn id="12" idx="2"/>
+          </p:cNvCxnSpPr>
+          <p:nvPr/>
+        </p:nvCxnSpPr>
+        <p:spPr>
+          <a:xfrm flipH="1" flipV="1">
+            <a:off x="4280760" y="2131334"/>
+            <a:ext cx="1" cy="583752"/>
+          </a:xfrm>
+          <a:prstGeom prst="line">
+            <a:avLst/>
+          </a:prstGeom>
+          <a:ln w="19050">
+            <a:solidFill>
+              <a:schemeClr val="tx1"/>
+            </a:solidFill>
+          </a:ln>
+        </p:spPr>
+        <p:style>
+          <a:lnRef idx="1">
+            <a:schemeClr val="accent1"/>
+          </a:lnRef>
+          <a:fillRef idx="0">
+            <a:schemeClr val="accent1"/>
+          </a:fillRef>
+          <a:effectRef idx="0">
+            <a:schemeClr val="accent1"/>
+          </a:effectRef>
+          <a:fontRef idx="minor">
+            <a:schemeClr val="tx1"/>
+          </a:fontRef>
+        </p:style>
+      </p:cxnSp>
+      <p:sp>
+        <p:nvSpPr>
+          <p:cNvPr id="17" name="Isosceles Triangle 16">
+            <a:extLst>
+              <a:ext uri="{FF2B5EF4-FFF2-40B4-BE49-F238E27FC236}">
+                <a16:creationId xmlns:a16="http://schemas.microsoft.com/office/drawing/2014/main" id="{D0DBBEA0-CA35-47CC-8D7F-2A12C885BE15}"/>
+              </a:ext>
+            </a:extLst>
+          </p:cNvPr>
+          <p:cNvSpPr/>
+          <p:nvPr/>
+        </p:nvSpPr>
+        <p:spPr>
+          <a:xfrm>
+            <a:off x="4193596" y="2147658"/>
+            <a:ext cx="174326" cy="163940"/>
+          </a:xfrm>
+          <a:prstGeom prst="triangle">
+            <a:avLst/>
+          </a:prstGeom>
+          <a:solidFill>
+            <a:schemeClr val="bg1"/>
+          </a:solidFill>
+          <a:ln w="19050">
+            <a:solidFill>
+              <a:schemeClr val="tx1"/>
+            </a:solidFill>
+          </a:ln>
+        </p:spPr>
+        <p:style>
+          <a:lnRef idx="2">
+            <a:schemeClr val="accent1">
+              <a:shade val="50000"/>
+            </a:schemeClr>
+          </a:lnRef>
+          <a:fillRef idx="1">
+            <a:schemeClr val="accent1"/>
+          </a:fillRef>
+          <a:effectRef idx="0">
+            <a:schemeClr val="accent1"/>
+          </a:effectRef>
+          <a:fontRef idx="minor">
+            <a:schemeClr val="lt1"/>
+          </a:fontRef>
+        </p:style>
+        <p:txBody>
+          <a:bodyPr rtlCol="0" anchor="ctr"/>
+          <a:lstStyle/>
+          <a:p>
+            <a:pPr algn="ctr"/>
+            <a:endParaRPr lang="en-US"/>
+          </a:p>
+        </p:txBody>
+      </p:sp>
+      <p:sp>
+        <p:nvSpPr>
+          <p:cNvPr id="22" name="Text Box 25">
+            <a:extLst>
+              <a:ext uri="{FF2B5EF4-FFF2-40B4-BE49-F238E27FC236}">
+                <a16:creationId xmlns:a16="http://schemas.microsoft.com/office/drawing/2014/main" id="{ED8A34AA-B978-425E-A54F-EE55DAE64568}"/>
+              </a:ext>
+            </a:extLst>
+          </p:cNvPr>
+          <p:cNvSpPr txBox="1">
+            <a:spLocks noChangeArrowheads="1"/>
+          </p:cNvSpPr>
+          <p:nvPr/>
+        </p:nvSpPr>
+        <p:spPr bwMode="auto">
+          <a:xfrm>
+            <a:off x="1931456" y="2123845"/>
+            <a:ext cx="242264" cy="338554"/>
+          </a:xfrm>
+          <a:prstGeom prst="rect">
+            <a:avLst/>
+          </a:prstGeom>
+          <a:noFill/>
+          <a:ln>
+            <a:noFill/>
+          </a:ln>
+          <a:extLst>
+            <a:ext uri="{909E8E84-426E-40dd-AFC4-6F175D3DCCD1}">
+              <a14:hiddenFill xmlns="" xmlns:a14="http://schemas.microsoft.com/office/drawing/2010/main">
+                <a:solidFill>
+                  <a:srgbClr val="FFFFFF"/>
+                </a:solidFill>
+              </a14:hiddenFill>
+            </a:ext>
+            <a:ext uri="{91240B29-F687-4f45-9708-019B960494DF}">
+              <a14:hiddenLine xmlns="" xmlns:a14="http://schemas.microsoft.com/office/drawing/2010/main" w="9525">
+                <a:solidFill>
+                  <a:srgbClr val="000000"/>
+                </a:solidFill>
+                <a:miter lim="800000"/>
+                <a:headEnd/>
+                <a:tailEnd/>
+              </a14:hiddenLine>
+            </a:ext>
+          </a:extLst>
+        </p:spPr>
+        <p:txBody>
+          <a:bodyPr wrap="square">
+            <a:spAutoFit/>
+          </a:bodyPr>
+          <a:lstStyle>
+            <a:lvl1pPr>
+              <a:defRPr sz="2400">
+                <a:solidFill>
+                  <a:schemeClr val="tx1"/>
+                </a:solidFill>
+                <a:latin typeface="Times New Roman" panose="02020603050405020304" pitchFamily="18" charset="0"/>
+                <a:ea typeface="MS PGothic" panose="020B0600070205080204" pitchFamily="34" charset="-128"/>
+              </a:defRPr>
+            </a:lvl1pPr>
+            <a:lvl2pPr marL="742950" indent="-285750">
+              <a:defRPr sz="2400">
+                <a:solidFill>
+                  <a:schemeClr val="tx1"/>
+                </a:solidFill>
+                <a:latin typeface="Times New Roman" panose="02020603050405020304" pitchFamily="18" charset="0"/>
+                <a:ea typeface="MS PGothic" panose="020B0600070205080204" pitchFamily="34" charset="-128"/>
+              </a:defRPr>
+            </a:lvl2pPr>
+            <a:lvl3pPr marL="1143000" indent="-228600">
+              <a:defRPr sz="2400">
+                <a:solidFill>
+                  <a:schemeClr val="tx1"/>
+                </a:solidFill>
+                <a:latin typeface="Times New Roman" panose="02020603050405020304" pitchFamily="18" charset="0"/>
+                <a:ea typeface="MS PGothic" panose="020B0600070205080204" pitchFamily="34" charset="-128"/>
+              </a:defRPr>
+            </a:lvl3pPr>
+            <a:lvl4pPr marL="1600200" indent="-228600">
+              <a:defRPr sz="2400">
+                <a:solidFill>
+                  <a:schemeClr val="tx1"/>
+                </a:solidFill>
+                <a:latin typeface="Times New Roman" panose="02020603050405020304" pitchFamily="18" charset="0"/>
+                <a:ea typeface="MS PGothic" panose="020B0600070205080204" pitchFamily="34" charset="-128"/>
+              </a:defRPr>
+            </a:lvl4pPr>
+            <a:lvl5pPr marL="2057400" indent="-228600">
+              <a:defRPr sz="2400">
+                <a:solidFill>
+                  <a:schemeClr val="tx1"/>
+                </a:solidFill>
+                <a:latin typeface="Times New Roman" panose="02020603050405020304" pitchFamily="18" charset="0"/>
+                <a:ea typeface="MS PGothic" panose="020B0600070205080204" pitchFamily="34" charset="-128"/>
+              </a:defRPr>
+            </a:lvl5pPr>
+            <a:lvl6pPr marL="2514600" indent="-228600" algn="r" eaLnBrk="0" fontAlgn="base" hangingPunct="0">
+              <a:spcBef>
+                <a:spcPct val="0"/>
+              </a:spcBef>
+              <a:spcAft>
+                <a:spcPct val="0"/>
+              </a:spcAft>
+              <a:buChar char="•"/>
+              <a:defRPr sz="2400">
+                <a:solidFill>
+                  <a:schemeClr val="tx1"/>
+                </a:solidFill>
+                <a:latin typeface="Times New Roman" panose="02020603050405020304" pitchFamily="18" charset="0"/>
+                <a:ea typeface="MS PGothic" panose="020B0600070205080204" pitchFamily="34" charset="-128"/>
+              </a:defRPr>
+            </a:lvl6pPr>
+            <a:lvl7pPr marL="2971800" indent="-228600" algn="r" eaLnBrk="0" fontAlgn="base" hangingPunct="0">
+              <a:spcBef>
+                <a:spcPct val="0"/>
+              </a:spcBef>
+              <a:spcAft>
+                <a:spcPct val="0"/>
+              </a:spcAft>
+              <a:buChar char="•"/>
+              <a:defRPr sz="2400">
+                <a:solidFill>
+                  <a:schemeClr val="tx1"/>
+                </a:solidFill>
+                <a:latin typeface="Times New Roman" panose="02020603050405020304" pitchFamily="18" charset="0"/>
+                <a:ea typeface="MS PGothic" panose="020B0600070205080204" pitchFamily="34" charset="-128"/>
+              </a:defRPr>
+            </a:lvl7pPr>
+            <a:lvl8pPr marL="3429000" indent="-228600" algn="r" eaLnBrk="0" fontAlgn="base" hangingPunct="0">
+              <a:spcBef>
+                <a:spcPct val="0"/>
+              </a:spcBef>
+              <a:spcAft>
+                <a:spcPct val="0"/>
+              </a:spcAft>
+              <a:buChar char="•"/>
+              <a:defRPr sz="2400">
+                <a:solidFill>
+                  <a:schemeClr val="tx1"/>
+                </a:solidFill>
+                <a:latin typeface="Times New Roman" panose="02020603050405020304" pitchFamily="18" charset="0"/>
+                <a:ea typeface="MS PGothic" panose="020B0600070205080204" pitchFamily="34" charset="-128"/>
+              </a:defRPr>
+            </a:lvl8pPr>
+            <a:lvl9pPr marL="3886200" indent="-228600" algn="r" eaLnBrk="0" fontAlgn="base" hangingPunct="0">
+              <a:spcBef>
+                <a:spcPct val="0"/>
+              </a:spcBef>
+              <a:spcAft>
+                <a:spcPct val="0"/>
+              </a:spcAft>
+              <a:buChar char="•"/>
+              <a:defRPr sz="2400">
+                <a:solidFill>
+                  <a:schemeClr val="tx1"/>
+                </a:solidFill>
+                <a:latin typeface="Times New Roman" panose="02020603050405020304" pitchFamily="18" charset="0"/>
+                <a:ea typeface="MS PGothic" panose="020B0600070205080204" pitchFamily="34" charset="-128"/>
+              </a:defRPr>
+            </a:lvl9pPr>
+          </a:lstStyle>
+          <a:p>
+            <a:pPr algn="ctr" eaLnBrk="1" hangingPunct="1">
+              <a:spcBef>
+                <a:spcPct val="50000"/>
+              </a:spcBef>
+              <a:buFontTx/>
+              <a:buNone/>
+            </a:pPr>
+            <a:r>
+              <a:rPr lang="en-GB" sz="1600" dirty="0">
+                <a:latin typeface="+mn-lt"/>
+              </a:rPr>
+              <a:t>1</a:t>
+            </a:r>
+          </a:p>
+        </p:txBody>
+      </p:sp>
+      <p:sp>
+        <p:nvSpPr>
+          <p:cNvPr id="23" name="Text Box 25">
+            <a:extLst>
+              <a:ext uri="{FF2B5EF4-FFF2-40B4-BE49-F238E27FC236}">
+                <a16:creationId xmlns:a16="http://schemas.microsoft.com/office/drawing/2014/main" id="{051707BE-AD77-4B74-BDD2-8C466EDB1D51}"/>
+              </a:ext>
+            </a:extLst>
+          </p:cNvPr>
+          <p:cNvSpPr txBox="1">
+            <a:spLocks noChangeArrowheads="1"/>
+          </p:cNvSpPr>
+          <p:nvPr/>
+        </p:nvSpPr>
+        <p:spPr bwMode="auto">
+          <a:xfrm>
+            <a:off x="2262133" y="2430821"/>
+            <a:ext cx="242264" cy="338554"/>
+          </a:xfrm>
+          <a:prstGeom prst="rect">
+            <a:avLst/>
+          </a:prstGeom>
+          <a:noFill/>
+          <a:ln>
+            <a:noFill/>
+          </a:ln>
+          <a:extLst>
+            <a:ext uri="{909E8E84-426E-40dd-AFC4-6F175D3DCCD1}">
+              <a14:hiddenFill xmlns="" xmlns:a14="http://schemas.microsoft.com/office/drawing/2010/main">
+                <a:solidFill>
+                  <a:srgbClr val="FFFFFF"/>
+                </a:solidFill>
+              </a14:hiddenFill>
+            </a:ext>
+            <a:ext uri="{91240B29-F687-4f45-9708-019B960494DF}">
+              <a14:hiddenLine xmlns="" xmlns:a14="http://schemas.microsoft.com/office/drawing/2010/main" w="9525">
+                <a:solidFill>
+                  <a:srgbClr val="000000"/>
+                </a:solidFill>
+                <a:miter lim="800000"/>
+                <a:headEnd/>
+                <a:tailEnd/>
+              </a14:hiddenLine>
+            </a:ext>
+          </a:extLst>
+        </p:spPr>
+        <p:txBody>
+          <a:bodyPr wrap="square">
+            <a:spAutoFit/>
+          </a:bodyPr>
+          <a:lstStyle>
+            <a:lvl1pPr>
+              <a:defRPr sz="2400">
+                <a:solidFill>
+                  <a:schemeClr val="tx1"/>
+                </a:solidFill>
+                <a:latin typeface="Times New Roman" panose="02020603050405020304" pitchFamily="18" charset="0"/>
+                <a:ea typeface="MS PGothic" panose="020B0600070205080204" pitchFamily="34" charset="-128"/>
+              </a:defRPr>
+            </a:lvl1pPr>
+            <a:lvl2pPr marL="742950" indent="-285750">
+              <a:defRPr sz="2400">
+                <a:solidFill>
+                  <a:schemeClr val="tx1"/>
+                </a:solidFill>
+                <a:latin typeface="Times New Roman" panose="02020603050405020304" pitchFamily="18" charset="0"/>
+                <a:ea typeface="MS PGothic" panose="020B0600070205080204" pitchFamily="34" charset="-128"/>
+              </a:defRPr>
+            </a:lvl2pPr>
+            <a:lvl3pPr marL="1143000" indent="-228600">
+              <a:defRPr sz="2400">
+                <a:solidFill>
+                  <a:schemeClr val="tx1"/>
+                </a:solidFill>
+                <a:latin typeface="Times New Roman" panose="02020603050405020304" pitchFamily="18" charset="0"/>
+                <a:ea typeface="MS PGothic" panose="020B0600070205080204" pitchFamily="34" charset="-128"/>
+              </a:defRPr>
+            </a:lvl3pPr>
+            <a:lvl4pPr marL="1600200" indent="-228600">
+              <a:defRPr sz="2400">
+                <a:solidFill>
+                  <a:schemeClr val="tx1"/>
+                </a:solidFill>
+                <a:latin typeface="Times New Roman" panose="02020603050405020304" pitchFamily="18" charset="0"/>
+                <a:ea typeface="MS PGothic" panose="020B0600070205080204" pitchFamily="34" charset="-128"/>
+              </a:defRPr>
+            </a:lvl4pPr>
+            <a:lvl5pPr marL="2057400" indent="-228600">
+              <a:defRPr sz="2400">
+                <a:solidFill>
+                  <a:schemeClr val="tx1"/>
+                </a:solidFill>
+                <a:latin typeface="Times New Roman" panose="02020603050405020304" pitchFamily="18" charset="0"/>
+                <a:ea typeface="MS PGothic" panose="020B0600070205080204" pitchFamily="34" charset="-128"/>
+              </a:defRPr>
+            </a:lvl5pPr>
+            <a:lvl6pPr marL="2514600" indent="-228600" algn="r" eaLnBrk="0" fontAlgn="base" hangingPunct="0">
+              <a:spcBef>
+                <a:spcPct val="0"/>
+              </a:spcBef>
+              <a:spcAft>
+                <a:spcPct val="0"/>
+              </a:spcAft>
+              <a:buChar char="•"/>
+              <a:defRPr sz="2400">
+                <a:solidFill>
+                  <a:schemeClr val="tx1"/>
+                </a:solidFill>
+                <a:latin typeface="Times New Roman" panose="02020603050405020304" pitchFamily="18" charset="0"/>
+                <a:ea typeface="MS PGothic" panose="020B0600070205080204" pitchFamily="34" charset="-128"/>
+              </a:defRPr>
+            </a:lvl6pPr>
+            <a:lvl7pPr marL="2971800" indent="-228600" algn="r" eaLnBrk="0" fontAlgn="base" hangingPunct="0">
+              <a:spcBef>
+                <a:spcPct val="0"/>
+              </a:spcBef>
+              <a:spcAft>
+                <a:spcPct val="0"/>
+              </a:spcAft>
+              <a:buChar char="•"/>
+              <a:defRPr sz="2400">
+                <a:solidFill>
+                  <a:schemeClr val="tx1"/>
+                </a:solidFill>
+                <a:latin typeface="Times New Roman" panose="02020603050405020304" pitchFamily="18" charset="0"/>
+                <a:ea typeface="MS PGothic" panose="020B0600070205080204" pitchFamily="34" charset="-128"/>
+              </a:defRPr>
+            </a:lvl7pPr>
+            <a:lvl8pPr marL="3429000" indent="-228600" algn="r" eaLnBrk="0" fontAlgn="base" hangingPunct="0">
+              <a:spcBef>
+                <a:spcPct val="0"/>
+              </a:spcBef>
+              <a:spcAft>
+                <a:spcPct val="0"/>
+              </a:spcAft>
+              <a:buChar char="•"/>
+              <a:defRPr sz="2400">
+                <a:solidFill>
+                  <a:schemeClr val="tx1"/>
+                </a:solidFill>
+                <a:latin typeface="Times New Roman" panose="02020603050405020304" pitchFamily="18" charset="0"/>
+                <a:ea typeface="MS PGothic" panose="020B0600070205080204" pitchFamily="34" charset="-128"/>
+              </a:defRPr>
+            </a:lvl8pPr>
+            <a:lvl9pPr marL="3886200" indent="-228600" algn="r" eaLnBrk="0" fontAlgn="base" hangingPunct="0">
+              <a:spcBef>
+                <a:spcPct val="0"/>
+              </a:spcBef>
+              <a:spcAft>
+                <a:spcPct val="0"/>
+              </a:spcAft>
+              <a:buChar char="•"/>
+              <a:defRPr sz="2400">
+                <a:solidFill>
+                  <a:schemeClr val="tx1"/>
+                </a:solidFill>
+                <a:latin typeface="Times New Roman" panose="02020603050405020304" pitchFamily="18" charset="0"/>
+                <a:ea typeface="MS PGothic" panose="020B0600070205080204" pitchFamily="34" charset="-128"/>
+              </a:defRPr>
+            </a:lvl9pPr>
+          </a:lstStyle>
+          <a:p>
+            <a:pPr algn="ctr" eaLnBrk="1" hangingPunct="1">
+              <a:spcBef>
+                <a:spcPct val="50000"/>
+              </a:spcBef>
+              <a:buFontTx/>
+              <a:buNone/>
+            </a:pPr>
+            <a:r>
+              <a:rPr lang="en-GB" sz="1600" dirty="0">
+                <a:latin typeface="+mn-lt"/>
+              </a:rPr>
+              <a:t>*</a:t>
+            </a:r>
+          </a:p>
+        </p:txBody>
+      </p:sp>
+      <p:sp>
+        <p:nvSpPr>
+          <p:cNvPr id="24" name="Rectangle 23">
+            <a:extLst>
+              <a:ext uri="{FF2B5EF4-FFF2-40B4-BE49-F238E27FC236}">
+                <a16:creationId xmlns:a16="http://schemas.microsoft.com/office/drawing/2014/main" id="{7D465EA1-8DEB-409A-B0BE-F303C4CA8C52}"/>
+              </a:ext>
+            </a:extLst>
+          </p:cNvPr>
+          <p:cNvSpPr/>
+          <p:nvPr/>
+        </p:nvSpPr>
+        <p:spPr>
+          <a:xfrm>
+            <a:off x="5755916" y="937842"/>
+            <a:ext cx="1424013" cy="299487"/>
+          </a:xfrm>
+          <a:prstGeom prst="rect">
+            <a:avLst/>
+          </a:prstGeom>
+          <a:solidFill>
+            <a:schemeClr val="bg1"/>
+          </a:solidFill>
+          <a:ln w="19050">
+            <a:solidFill>
+              <a:schemeClr val="tx1"/>
+            </a:solidFill>
+          </a:ln>
+        </p:spPr>
+        <p:style>
+          <a:lnRef idx="2">
+            <a:schemeClr val="accent1">
+              <a:shade val="50000"/>
+            </a:schemeClr>
+          </a:lnRef>
+          <a:fillRef idx="1">
+            <a:schemeClr val="accent1"/>
+          </a:fillRef>
+          <a:effectRef idx="0">
+            <a:schemeClr val="accent1"/>
+          </a:effectRef>
+          <a:fontRef idx="minor">
+            <a:schemeClr val="lt1"/>
+          </a:fontRef>
+        </p:style>
+        <p:txBody>
+          <a:bodyPr rtlCol="0" anchor="ctr"/>
+          <a:lstStyle/>
+          <a:p>
+            <a:pPr algn="ctr"/>
+            <a:r>
+              <a:rPr lang="en-US" sz="1400" b="1" dirty="0">
+                <a:solidFill>
+                  <a:schemeClr val="tx1"/>
+                </a:solidFill>
+              </a:rPr>
+              <a:t>Student</a:t>
+            </a:r>
+          </a:p>
+        </p:txBody>
+      </p:sp>
+      <p:sp>
+        <p:nvSpPr>
+          <p:cNvPr id="27" name="Rectangle 26">
+            <a:extLst>
+              <a:ext uri="{FF2B5EF4-FFF2-40B4-BE49-F238E27FC236}">
+                <a16:creationId xmlns:a16="http://schemas.microsoft.com/office/drawing/2014/main" id="{349A706E-AE1E-45D3-82F2-4DF2D49987FF}"/>
+              </a:ext>
+            </a:extLst>
+          </p:cNvPr>
+          <p:cNvSpPr/>
+          <p:nvPr/>
+        </p:nvSpPr>
+        <p:spPr>
+          <a:xfrm>
+            <a:off x="5755916" y="2715086"/>
+            <a:ext cx="1424013" cy="299487"/>
+          </a:xfrm>
+          <a:prstGeom prst="rect">
+            <a:avLst/>
+          </a:prstGeom>
+          <a:solidFill>
+            <a:schemeClr val="bg1"/>
+          </a:solidFill>
+          <a:ln w="19050">
+            <a:solidFill>
+              <a:schemeClr val="tx1"/>
+            </a:solidFill>
+          </a:ln>
+        </p:spPr>
+        <p:style>
+          <a:lnRef idx="2">
+            <a:schemeClr val="accent1">
+              <a:shade val="50000"/>
+            </a:schemeClr>
+          </a:lnRef>
+          <a:fillRef idx="1">
+            <a:schemeClr val="accent1"/>
+          </a:fillRef>
+          <a:effectRef idx="0">
+            <a:schemeClr val="accent1"/>
+          </a:effectRef>
+          <a:fontRef idx="minor">
+            <a:schemeClr val="lt1"/>
+          </a:fontRef>
+        </p:style>
+        <p:txBody>
+          <a:bodyPr rtlCol="0" anchor="ctr"/>
+          <a:lstStyle/>
+          <a:p>
+            <a:pPr algn="ctr"/>
+            <a:r>
+              <a:rPr lang="en-US" sz="1400" b="1" dirty="0">
+                <a:solidFill>
+                  <a:schemeClr val="tx1"/>
+                </a:solidFill>
+              </a:rPr>
+              <a:t>Printer</a:t>
+            </a:r>
+          </a:p>
+        </p:txBody>
+      </p:sp>
+      <p:sp>
+        <p:nvSpPr>
+          <p:cNvPr id="28" name="Rectangle 27">
+            <a:extLst>
+              <a:ext uri="{FF2B5EF4-FFF2-40B4-BE49-F238E27FC236}">
+                <a16:creationId xmlns:a16="http://schemas.microsoft.com/office/drawing/2014/main" id="{D8C901C6-5439-4BBC-A88D-C791B433D549}"/>
+              </a:ext>
+            </a:extLst>
+          </p:cNvPr>
+          <p:cNvSpPr/>
+          <p:nvPr/>
+        </p:nvSpPr>
+        <p:spPr>
+          <a:xfrm>
+            <a:off x="5755915" y="3014573"/>
+            <a:ext cx="1424013" cy="295737"/>
+          </a:xfrm>
+          <a:prstGeom prst="rect">
+            <a:avLst/>
+          </a:prstGeom>
+          <a:solidFill>
+            <a:schemeClr val="bg1"/>
+          </a:solidFill>
+          <a:ln w="19050">
+            <a:solidFill>
+              <a:schemeClr val="tx1"/>
+            </a:solidFill>
+          </a:ln>
+        </p:spPr>
+        <p:style>
+          <a:lnRef idx="2">
+            <a:schemeClr val="accent1">
+              <a:shade val="50000"/>
+            </a:schemeClr>
+          </a:lnRef>
+          <a:fillRef idx="1">
+            <a:schemeClr val="accent1"/>
+          </a:fillRef>
+          <a:effectRef idx="0">
+            <a:schemeClr val="accent1"/>
+          </a:effectRef>
+          <a:fontRef idx="minor">
+            <a:schemeClr val="lt1"/>
+          </a:fontRef>
+        </p:style>
+        <p:txBody>
+          <a:bodyPr rtlCol="0" anchor="ctr"/>
+          <a:lstStyle/>
+          <a:p>
+            <a:r>
+              <a:rPr lang="en-US" sz="1200" dirty="0">
+                <a:solidFill>
+                  <a:schemeClr val="tx1"/>
+                </a:solidFill>
+              </a:rPr>
+              <a:t>location: String</a:t>
+            </a:r>
+          </a:p>
+        </p:txBody>
+      </p:sp>
+      <p:sp>
+        <p:nvSpPr>
+          <p:cNvPr id="29" name="Rectangle 28">
+            <a:extLst>
+              <a:ext uri="{FF2B5EF4-FFF2-40B4-BE49-F238E27FC236}">
+                <a16:creationId xmlns:a16="http://schemas.microsoft.com/office/drawing/2014/main" id="{32FB673C-7FB9-47F0-9CAC-66C9A659EEED}"/>
+              </a:ext>
+            </a:extLst>
+          </p:cNvPr>
+          <p:cNvSpPr/>
+          <p:nvPr/>
+        </p:nvSpPr>
+        <p:spPr>
+          <a:xfrm>
+            <a:off x="5755915" y="3310310"/>
+            <a:ext cx="1424013" cy="598268"/>
+          </a:xfrm>
+          <a:prstGeom prst="rect">
+            <a:avLst/>
+          </a:prstGeom>
+          <a:solidFill>
+            <a:schemeClr val="bg1"/>
+          </a:solidFill>
+          <a:ln w="19050">
+            <a:solidFill>
+              <a:schemeClr val="tx1"/>
+            </a:solidFill>
+          </a:ln>
+        </p:spPr>
+        <p:style>
+          <a:lnRef idx="2">
+            <a:schemeClr val="accent1">
+              <a:shade val="50000"/>
+            </a:schemeClr>
+          </a:lnRef>
+          <a:fillRef idx="1">
+            <a:schemeClr val="accent1"/>
+          </a:fillRef>
+          <a:effectRef idx="0">
+            <a:schemeClr val="accent1"/>
+          </a:effectRef>
+          <a:fontRef idx="minor">
+            <a:schemeClr val="lt1"/>
+          </a:fontRef>
+        </p:style>
+        <p:txBody>
+          <a:bodyPr rtlCol="0" anchor="ctr"/>
+          <a:lstStyle/>
+          <a:p>
+            <a:r>
+              <a:rPr lang="en-US" sz="1200" dirty="0" err="1">
+                <a:solidFill>
+                  <a:schemeClr val="tx1"/>
+                </a:solidFill>
+              </a:rPr>
+              <a:t>printDegree</a:t>
+            </a:r>
+            <a:r>
+              <a:rPr lang="en-US" sz="1200" dirty="0">
+                <a:solidFill>
+                  <a:schemeClr val="tx1"/>
+                </a:solidFill>
+              </a:rPr>
+              <a:t>(Mark) </a:t>
+            </a:r>
+            <a:br>
+              <a:rPr lang="en-US" sz="1200" dirty="0">
+                <a:solidFill>
+                  <a:schemeClr val="tx1"/>
+                </a:solidFill>
+              </a:rPr>
+            </a:br>
+            <a:r>
+              <a:rPr lang="en-US" sz="1200" dirty="0" err="1">
+                <a:solidFill>
+                  <a:schemeClr val="tx1"/>
+                </a:solidFill>
+              </a:rPr>
+              <a:t>printExams</a:t>
+            </a:r>
+            <a:r>
+              <a:rPr lang="en-US" sz="1200" dirty="0">
+                <a:solidFill>
+                  <a:schemeClr val="tx1"/>
+                </a:solidFill>
+              </a:rPr>
+              <a:t>()</a:t>
+            </a:r>
+          </a:p>
+        </p:txBody>
+      </p:sp>
+      <p:cxnSp>
+        <p:nvCxnSpPr>
+          <p:cNvPr id="33" name="Straight Connector 32">
+            <a:extLst>
+              <a:ext uri="{FF2B5EF4-FFF2-40B4-BE49-F238E27FC236}">
+                <a16:creationId xmlns:a16="http://schemas.microsoft.com/office/drawing/2014/main" id="{9760B996-F8E8-46EF-8B3C-AE75E08D94B1}"/>
+              </a:ext>
+            </a:extLst>
+          </p:cNvPr>
+          <p:cNvCxnSpPr>
+            <a:cxnSpLocks/>
+            <a:stCxn id="27" idx="0"/>
+          </p:cNvCxnSpPr>
+          <p:nvPr/>
+        </p:nvCxnSpPr>
+        <p:spPr>
+          <a:xfrm flipH="1" flipV="1">
+            <a:off x="6467922" y="2131334"/>
+            <a:ext cx="1" cy="583752"/>
+          </a:xfrm>
+          <a:prstGeom prst="line">
+            <a:avLst/>
+          </a:prstGeom>
+          <a:ln w="19050">
+            <a:solidFill>
+              <a:schemeClr val="tx1"/>
+            </a:solidFill>
+            <a:prstDash val="sysDash"/>
+            <a:headEnd type="arrow" w="med" len="lg"/>
+          </a:ln>
+        </p:spPr>
+        <p:style>
+          <a:lnRef idx="1">
+            <a:schemeClr val="accent1"/>
+          </a:lnRef>
+          <a:fillRef idx="0">
+            <a:schemeClr val="accent1"/>
+          </a:fillRef>
+          <a:effectRef idx="0">
+            <a:schemeClr val="accent1"/>
+          </a:effectRef>
+          <a:fontRef idx="minor">
+            <a:schemeClr val="tx1"/>
+          </a:fontRef>
+        </p:style>
+      </p:cxnSp>
+      <p:sp>
+        <p:nvSpPr>
+          <p:cNvPr id="35" name="Rectangle 34">
+            <a:extLst>
+              <a:ext uri="{FF2B5EF4-FFF2-40B4-BE49-F238E27FC236}">
+                <a16:creationId xmlns:a16="http://schemas.microsoft.com/office/drawing/2014/main" id="{BF766564-A7E5-4DF8-93FC-93163C805901}"/>
+              </a:ext>
+            </a:extLst>
+          </p:cNvPr>
+          <p:cNvSpPr/>
+          <p:nvPr/>
+        </p:nvSpPr>
+        <p:spPr>
+          <a:xfrm>
+            <a:off x="5755915" y="1233313"/>
+            <a:ext cx="1424013" cy="295737"/>
+          </a:xfrm>
+          <a:prstGeom prst="rect">
+            <a:avLst/>
+          </a:prstGeom>
+          <a:solidFill>
+            <a:schemeClr val="bg1"/>
+          </a:solidFill>
+          <a:ln w="19050">
+            <a:solidFill>
+              <a:schemeClr val="tx1"/>
+            </a:solidFill>
+          </a:ln>
+        </p:spPr>
+        <p:style>
+          <a:lnRef idx="2">
+            <a:schemeClr val="accent1">
+              <a:shade val="50000"/>
+            </a:schemeClr>
+          </a:lnRef>
+          <a:fillRef idx="1">
+            <a:schemeClr val="accent1"/>
+          </a:fillRef>
+          <a:effectRef idx="0">
+            <a:schemeClr val="accent1"/>
+          </a:effectRef>
+          <a:fontRef idx="minor">
+            <a:schemeClr val="lt1"/>
+          </a:fontRef>
+        </p:style>
+        <p:txBody>
+          <a:bodyPr rtlCol="0" anchor="ctr"/>
+          <a:lstStyle/>
+          <a:p>
+            <a:r>
+              <a:rPr lang="en-US" sz="1200" dirty="0">
+                <a:solidFill>
+                  <a:schemeClr val="tx1"/>
+                </a:solidFill>
+              </a:rPr>
+              <a:t>year: Int</a:t>
+            </a:r>
+          </a:p>
+        </p:txBody>
+      </p:sp>
+      <p:sp>
+        <p:nvSpPr>
+          <p:cNvPr id="36" name="Rectangle 35">
+            <a:extLst>
+              <a:ext uri="{FF2B5EF4-FFF2-40B4-BE49-F238E27FC236}">
+                <a16:creationId xmlns:a16="http://schemas.microsoft.com/office/drawing/2014/main" id="{2D371938-AD8B-46DB-BD0B-DD7D7857251C}"/>
+              </a:ext>
+            </a:extLst>
+          </p:cNvPr>
+          <p:cNvSpPr/>
+          <p:nvPr/>
+        </p:nvSpPr>
+        <p:spPr>
+          <a:xfrm>
+            <a:off x="5755915" y="1529050"/>
+            <a:ext cx="1424013" cy="598268"/>
+          </a:xfrm>
+          <a:prstGeom prst="rect">
+            <a:avLst/>
+          </a:prstGeom>
+          <a:solidFill>
+            <a:schemeClr val="bg1"/>
+          </a:solidFill>
+          <a:ln w="19050">
+            <a:solidFill>
+              <a:schemeClr val="tx1"/>
+            </a:solidFill>
+          </a:ln>
+        </p:spPr>
+        <p:style>
+          <a:lnRef idx="2">
+            <a:schemeClr val="accent1">
+              <a:shade val="50000"/>
+            </a:schemeClr>
+          </a:lnRef>
+          <a:fillRef idx="1">
+            <a:schemeClr val="accent1"/>
+          </a:fillRef>
+          <a:effectRef idx="0">
+            <a:schemeClr val="accent1"/>
+          </a:effectRef>
+          <a:fontRef idx="minor">
+            <a:schemeClr val="lt1"/>
+          </a:fontRef>
+        </p:style>
+        <p:txBody>
+          <a:bodyPr rtlCol="0" anchor="ctr"/>
+          <a:lstStyle/>
+          <a:p>
+            <a:r>
+              <a:rPr lang="en-US" sz="1200" dirty="0" err="1">
+                <a:solidFill>
+                  <a:schemeClr val="tx1"/>
+                </a:solidFill>
+              </a:rPr>
+              <a:t>getAssignments</a:t>
+            </a:r>
+            <a:r>
+              <a:rPr lang="en-US" sz="1200" dirty="0">
+                <a:solidFill>
+                  <a:schemeClr val="tx1"/>
+                </a:solidFill>
+              </a:rPr>
+              <a:t>() </a:t>
+            </a:r>
+            <a:br>
+              <a:rPr lang="en-US" sz="1200" dirty="0">
+                <a:solidFill>
+                  <a:schemeClr val="tx1"/>
+                </a:solidFill>
+              </a:rPr>
+            </a:br>
+            <a:r>
+              <a:rPr lang="en-US" sz="1200" dirty="0">
+                <a:solidFill>
+                  <a:schemeClr val="tx1"/>
+                </a:solidFill>
+              </a:rPr>
+              <a:t>graduate(Mark)</a:t>
+            </a:r>
+          </a:p>
+        </p:txBody>
+      </p:sp>
+    </p:spTree>
+    <p:extLst>
+      <p:ext uri="{BB962C8B-B14F-4D97-AF65-F5344CB8AC3E}">
+        <p14:creationId xmlns:p14="http://schemas.microsoft.com/office/powerpoint/2010/main" val="1855992301"/>
+      </p:ext>
+    </p:extLst>
+  </p:cSld>
+  <p:clrMapOvr>
+    <a:masterClrMapping/>
+  </p:clrMapOvr>
+</p:sld>
+</file>
+
+<file path=ppt/slides/slide6.xml><?xml version="1.0" encoding="utf-8"?>
+<p:sld xmlns:a="http://schemas.openxmlformats.org/drawingml/2006/main" xmlns:r="http://schemas.openxmlformats.org/officeDocument/2006/relationships" xmlns:p="http://schemas.openxmlformats.org/presentationml/2006/main">
+  <p:cSld>
+    <p:spTree>
+      <p:nvGrpSpPr>
+        <p:cNvPr id="1" name=""/>
+        <p:cNvGrpSpPr/>
+        <p:nvPr/>
+      </p:nvGrpSpPr>
+      <p:grpSpPr>
+        <a:xfrm>
+          <a:off x="0" y="0"/>
+          <a:ext cx="0" cy="0"/>
+          <a:chOff x="0" y="0"/>
+          <a:chExt cx="0" cy="0"/>
+        </a:xfrm>
+      </p:grpSpPr>
+      <p:sp>
+        <p:nvSpPr>
+          <p:cNvPr id="22" name="Rectangle 21">
+            <a:extLst>
+              <a:ext uri="{FF2B5EF4-FFF2-40B4-BE49-F238E27FC236}">
+                <a16:creationId xmlns:a16="http://schemas.microsoft.com/office/drawing/2014/main" id="{87A2B0D0-5DE3-48A2-B1D9-9A0A7230ACA8}"/>
+              </a:ext>
+            </a:extLst>
+          </p:cNvPr>
+          <p:cNvSpPr/>
+          <p:nvPr/>
+        </p:nvSpPr>
+        <p:spPr>
+          <a:xfrm>
+            <a:off x="1910657" y="2260153"/>
+            <a:ext cx="994611" cy="375224"/>
+          </a:xfrm>
+          <a:prstGeom prst="rect">
+            <a:avLst/>
+          </a:prstGeom>
+          <a:solidFill>
+            <a:schemeClr val="bg1"/>
+          </a:solidFill>
+          <a:ln w="19050">
+            <a:solidFill>
+              <a:schemeClr val="tx1"/>
+            </a:solidFill>
+          </a:ln>
+        </p:spPr>
+        <p:style>
+          <a:lnRef idx="2">
+            <a:schemeClr val="accent1">
+              <a:shade val="50000"/>
+            </a:schemeClr>
+          </a:lnRef>
+          <a:fillRef idx="1">
+            <a:schemeClr val="accent1"/>
+          </a:fillRef>
+          <a:effectRef idx="0">
+            <a:schemeClr val="accent1"/>
+          </a:effectRef>
+          <a:fontRef idx="minor">
+            <a:schemeClr val="lt1"/>
+          </a:fontRef>
+        </p:style>
+        <p:txBody>
+          <a:bodyPr rtlCol="0" anchor="ctr"/>
+          <a:lstStyle/>
+          <a:p>
+            <a:pPr algn="ctr"/>
+            <a:r>
+              <a:rPr lang="en-US" sz="1400" dirty="0">
+                <a:solidFill>
+                  <a:schemeClr val="tx1"/>
+                </a:solidFill>
+              </a:rPr>
+              <a:t>Post</a:t>
+            </a:r>
+          </a:p>
+        </p:txBody>
+      </p:sp>
+      <p:sp>
+        <p:nvSpPr>
+          <p:cNvPr id="23" name="Rectangle 22">
+            <a:extLst>
+              <a:ext uri="{FF2B5EF4-FFF2-40B4-BE49-F238E27FC236}">
+                <a16:creationId xmlns:a16="http://schemas.microsoft.com/office/drawing/2014/main" id="{FC94A249-DEA4-4616-9F97-76D05FA8CCBB}"/>
+              </a:ext>
+            </a:extLst>
+          </p:cNvPr>
+          <p:cNvSpPr/>
+          <p:nvPr/>
+        </p:nvSpPr>
+        <p:spPr>
+          <a:xfrm>
+            <a:off x="473243" y="3171537"/>
+            <a:ext cx="994611" cy="375224"/>
+          </a:xfrm>
+          <a:prstGeom prst="rect">
+            <a:avLst/>
+          </a:prstGeom>
+          <a:solidFill>
+            <a:schemeClr val="bg1"/>
+          </a:solidFill>
+          <a:ln w="19050">
+            <a:solidFill>
+              <a:schemeClr val="tx1"/>
+            </a:solidFill>
+          </a:ln>
+        </p:spPr>
+        <p:style>
+          <a:lnRef idx="2">
+            <a:schemeClr val="accent1">
+              <a:shade val="50000"/>
+            </a:schemeClr>
+          </a:lnRef>
+          <a:fillRef idx="1">
+            <a:schemeClr val="accent1"/>
+          </a:fillRef>
+          <a:effectRef idx="0">
+            <a:schemeClr val="accent1"/>
+          </a:effectRef>
+          <a:fontRef idx="minor">
+            <a:schemeClr val="lt1"/>
+          </a:fontRef>
+        </p:style>
+        <p:txBody>
+          <a:bodyPr rtlCol="0" anchor="ctr"/>
+          <a:lstStyle/>
+          <a:p>
+            <a:pPr algn="ctr"/>
+            <a:r>
+              <a:rPr lang="en-US" sz="1400" dirty="0">
+                <a:solidFill>
+                  <a:schemeClr val="tx1"/>
+                </a:solidFill>
+              </a:rPr>
+              <a:t>Plain</a:t>
+            </a:r>
+          </a:p>
+        </p:txBody>
+      </p:sp>
+      <p:sp>
+        <p:nvSpPr>
+          <p:cNvPr id="24" name="Rectangle 23">
+            <a:extLst>
+              <a:ext uri="{FF2B5EF4-FFF2-40B4-BE49-F238E27FC236}">
+                <a16:creationId xmlns:a16="http://schemas.microsoft.com/office/drawing/2014/main" id="{83D7DBA5-337B-4834-AE3F-3E42DEBE6CD7}"/>
+              </a:ext>
+            </a:extLst>
+          </p:cNvPr>
+          <p:cNvSpPr/>
+          <p:nvPr/>
+        </p:nvSpPr>
+        <p:spPr>
+          <a:xfrm>
+            <a:off x="1919706" y="3171537"/>
+            <a:ext cx="994611" cy="375224"/>
+          </a:xfrm>
+          <a:prstGeom prst="rect">
+            <a:avLst/>
+          </a:prstGeom>
+          <a:solidFill>
+            <a:schemeClr val="bg1"/>
+          </a:solidFill>
+          <a:ln w="19050">
+            <a:solidFill>
+              <a:schemeClr val="tx1"/>
+            </a:solidFill>
+          </a:ln>
+        </p:spPr>
+        <p:style>
+          <a:lnRef idx="2">
+            <a:schemeClr val="accent1">
+              <a:shade val="50000"/>
+            </a:schemeClr>
+          </a:lnRef>
+          <a:fillRef idx="1">
+            <a:schemeClr val="accent1"/>
+          </a:fillRef>
+          <a:effectRef idx="0">
+            <a:schemeClr val="accent1"/>
+          </a:effectRef>
+          <a:fontRef idx="minor">
+            <a:schemeClr val="lt1"/>
+          </a:fontRef>
+        </p:style>
+        <p:txBody>
+          <a:bodyPr rtlCol="0" anchor="ctr"/>
+          <a:lstStyle/>
+          <a:p>
+            <a:pPr algn="ctr"/>
+            <a:r>
+              <a:rPr lang="en-US" sz="1400" dirty="0">
+                <a:solidFill>
+                  <a:schemeClr val="tx1"/>
+                </a:solidFill>
+              </a:rPr>
+              <a:t>Image</a:t>
+            </a:r>
+          </a:p>
+        </p:txBody>
+      </p:sp>
+      <p:sp>
+        <p:nvSpPr>
+          <p:cNvPr id="25" name="Line 26">
+            <a:extLst>
+              <a:ext uri="{FF2B5EF4-FFF2-40B4-BE49-F238E27FC236}">
+                <a16:creationId xmlns:a16="http://schemas.microsoft.com/office/drawing/2014/main" id="{30D0ACF1-D9C5-424E-8439-CF795F1F84D3}"/>
+              </a:ext>
+            </a:extLst>
+          </p:cNvPr>
+          <p:cNvSpPr>
+            <a:spLocks noChangeShapeType="1"/>
+          </p:cNvSpPr>
+          <p:nvPr/>
+        </p:nvSpPr>
+        <p:spPr bwMode="auto">
+          <a:xfrm flipH="1" flipV="1">
+            <a:off x="2419272" y="2758288"/>
+            <a:ext cx="0" cy="211286"/>
+          </a:xfrm>
+          <a:prstGeom prst="line">
+            <a:avLst/>
+          </a:prstGeom>
+          <a:noFill/>
+          <a:ln w="19050">
+            <a:solidFill>
+              <a:schemeClr val="tx1"/>
+            </a:solidFill>
+            <a:round/>
+            <a:headEnd type="none"/>
+            <a:tailEnd type="none" w="lg" len="lg"/>
+          </a:ln>
+          <a:extLst>
+            <a:ext uri="{909E8E84-426E-40dd-AFC4-6F175D3DCCD1}">
+              <a14:hiddenFill xmlns="" xmlns:a14="http://schemas.microsoft.com/office/drawing/2010/main">
+                <a:noFill/>
+              </a14:hiddenFill>
+            </a:ext>
+          </a:extLst>
+        </p:spPr>
+        <p:txBody>
+          <a:bodyPr/>
+          <a:lstStyle/>
+          <a:p>
+            <a:endParaRPr lang="en-GB"/>
+          </a:p>
+        </p:txBody>
+      </p:sp>
+      <p:sp>
+        <p:nvSpPr>
+          <p:cNvPr id="26" name="Isosceles Triangle 25">
+            <a:extLst>
+              <a:ext uri="{FF2B5EF4-FFF2-40B4-BE49-F238E27FC236}">
+                <a16:creationId xmlns:a16="http://schemas.microsoft.com/office/drawing/2014/main" id="{D6C93B98-2570-4E57-A935-B780363ED46F}"/>
+              </a:ext>
+            </a:extLst>
+          </p:cNvPr>
+          <p:cNvSpPr/>
+          <p:nvPr/>
+        </p:nvSpPr>
+        <p:spPr>
+          <a:xfrm>
+            <a:off x="2332109" y="2672000"/>
+            <a:ext cx="174326" cy="163940"/>
+          </a:xfrm>
+          <a:prstGeom prst="triangle">
+            <a:avLst/>
+          </a:prstGeom>
+          <a:solidFill>
+            <a:schemeClr val="bg1"/>
+          </a:solidFill>
+          <a:ln w="19050">
+            <a:solidFill>
+              <a:schemeClr val="tx1"/>
+            </a:solidFill>
+          </a:ln>
+        </p:spPr>
+        <p:style>
+          <a:lnRef idx="2">
+            <a:schemeClr val="accent1">
+              <a:shade val="50000"/>
+            </a:schemeClr>
+          </a:lnRef>
+          <a:fillRef idx="1">
+            <a:schemeClr val="accent1"/>
+          </a:fillRef>
+          <a:effectRef idx="0">
+            <a:schemeClr val="accent1"/>
+          </a:effectRef>
+          <a:fontRef idx="minor">
+            <a:schemeClr val="lt1"/>
+          </a:fontRef>
+        </p:style>
+        <p:txBody>
+          <a:bodyPr rtlCol="0" anchor="ctr"/>
+          <a:lstStyle/>
+          <a:p>
+            <a:pPr algn="ctr"/>
+            <a:endParaRPr lang="en-US"/>
+          </a:p>
+        </p:txBody>
+      </p:sp>
+      <p:sp>
+        <p:nvSpPr>
+          <p:cNvPr id="27" name="Line 26">
+            <a:extLst>
+              <a:ext uri="{FF2B5EF4-FFF2-40B4-BE49-F238E27FC236}">
+                <a16:creationId xmlns:a16="http://schemas.microsoft.com/office/drawing/2014/main" id="{EDBC0109-53F1-4287-A96B-6569CD25B3EF}"/>
+              </a:ext>
+            </a:extLst>
+          </p:cNvPr>
+          <p:cNvSpPr>
+            <a:spLocks noChangeShapeType="1"/>
+          </p:cNvSpPr>
+          <p:nvPr/>
+        </p:nvSpPr>
+        <p:spPr bwMode="auto">
+          <a:xfrm>
+            <a:off x="970548" y="2967211"/>
+            <a:ext cx="2892522" cy="0"/>
+          </a:xfrm>
+          <a:prstGeom prst="line">
+            <a:avLst/>
+          </a:prstGeom>
+          <a:noFill/>
+          <a:ln w="19050">
+            <a:solidFill>
+              <a:schemeClr val="tx1"/>
+            </a:solidFill>
+            <a:round/>
+            <a:headEnd type="none"/>
+            <a:tailEnd type="none" w="lg" len="lg"/>
+          </a:ln>
+          <a:extLst>
+            <a:ext uri="{909E8E84-426E-40dd-AFC4-6F175D3DCCD1}">
+              <a14:hiddenFill xmlns="" xmlns:a14="http://schemas.microsoft.com/office/drawing/2010/main">
+                <a:noFill/>
+              </a14:hiddenFill>
+            </a:ext>
+          </a:extLst>
+        </p:spPr>
+        <p:txBody>
+          <a:bodyPr/>
+          <a:lstStyle/>
+          <a:p>
+            <a:endParaRPr lang="en-GB"/>
+          </a:p>
+        </p:txBody>
+      </p:sp>
+      <p:sp>
+        <p:nvSpPr>
+          <p:cNvPr id="28" name="Line 26">
+            <a:extLst>
+              <a:ext uri="{FF2B5EF4-FFF2-40B4-BE49-F238E27FC236}">
+                <a16:creationId xmlns:a16="http://schemas.microsoft.com/office/drawing/2014/main" id="{C0B56E5A-787D-426E-8ABA-C2827ACE980A}"/>
+              </a:ext>
+            </a:extLst>
+          </p:cNvPr>
+          <p:cNvSpPr>
+            <a:spLocks noChangeShapeType="1"/>
+          </p:cNvSpPr>
+          <p:nvPr/>
+        </p:nvSpPr>
+        <p:spPr bwMode="auto">
+          <a:xfrm flipH="1" flipV="1">
+            <a:off x="980072" y="2967210"/>
+            <a:ext cx="0" cy="211286"/>
+          </a:xfrm>
+          <a:prstGeom prst="line">
+            <a:avLst/>
+          </a:prstGeom>
+          <a:noFill/>
+          <a:ln w="19050">
+            <a:solidFill>
+              <a:schemeClr val="tx1"/>
+            </a:solidFill>
+            <a:round/>
+            <a:headEnd type="none"/>
+            <a:tailEnd type="none" w="lg" len="lg"/>
+          </a:ln>
+          <a:extLst>
+            <a:ext uri="{909E8E84-426E-40dd-AFC4-6F175D3DCCD1}">
+              <a14:hiddenFill xmlns="" xmlns:a14="http://schemas.microsoft.com/office/drawing/2010/main">
+                <a:noFill/>
+              </a14:hiddenFill>
+            </a:ext>
+          </a:extLst>
+        </p:spPr>
+        <p:txBody>
+          <a:bodyPr/>
+          <a:lstStyle/>
+          <a:p>
+            <a:endParaRPr lang="en-GB"/>
+          </a:p>
+        </p:txBody>
+      </p:sp>
+      <p:sp>
+        <p:nvSpPr>
+          <p:cNvPr id="29" name="Line 26">
+            <a:extLst>
+              <a:ext uri="{FF2B5EF4-FFF2-40B4-BE49-F238E27FC236}">
+                <a16:creationId xmlns:a16="http://schemas.microsoft.com/office/drawing/2014/main" id="{304D15C3-B12F-4A5E-97AD-B77382D05621}"/>
+              </a:ext>
+            </a:extLst>
+          </p:cNvPr>
+          <p:cNvSpPr>
+            <a:spLocks noChangeShapeType="1"/>
+          </p:cNvSpPr>
+          <p:nvPr/>
+        </p:nvSpPr>
+        <p:spPr bwMode="auto">
+          <a:xfrm flipH="1" flipV="1">
+            <a:off x="2417011" y="2960858"/>
+            <a:ext cx="0" cy="211286"/>
+          </a:xfrm>
+          <a:prstGeom prst="line">
+            <a:avLst/>
+          </a:prstGeom>
+          <a:noFill/>
+          <a:ln w="19050">
+            <a:solidFill>
+              <a:schemeClr val="tx1"/>
+            </a:solidFill>
+            <a:round/>
+            <a:headEnd type="none"/>
+            <a:tailEnd type="none" w="lg" len="lg"/>
+          </a:ln>
+          <a:extLst>
+            <a:ext uri="{909E8E84-426E-40dd-AFC4-6F175D3DCCD1}">
+              <a14:hiddenFill xmlns="" xmlns:a14="http://schemas.microsoft.com/office/drawing/2010/main">
+                <a:noFill/>
+              </a14:hiddenFill>
+            </a:ext>
+          </a:extLst>
+        </p:spPr>
+        <p:txBody>
+          <a:bodyPr/>
+          <a:lstStyle/>
+          <a:p>
+            <a:endParaRPr lang="en-GB"/>
+          </a:p>
+        </p:txBody>
+      </p:sp>
+      <p:sp>
+        <p:nvSpPr>
+          <p:cNvPr id="40" name="Rectangle 39">
+            <a:extLst>
+              <a:ext uri="{FF2B5EF4-FFF2-40B4-BE49-F238E27FC236}">
+                <a16:creationId xmlns:a16="http://schemas.microsoft.com/office/drawing/2014/main" id="{7B6D2115-75BE-4154-AE46-BC7C1E1CEB9F}"/>
+              </a:ext>
+            </a:extLst>
+          </p:cNvPr>
+          <p:cNvSpPr/>
+          <p:nvPr/>
+        </p:nvSpPr>
+        <p:spPr>
+          <a:xfrm>
+            <a:off x="3366169" y="3166915"/>
+            <a:ext cx="994611" cy="375224"/>
+          </a:xfrm>
+          <a:prstGeom prst="rect">
+            <a:avLst/>
+          </a:prstGeom>
+          <a:solidFill>
+            <a:schemeClr val="bg1"/>
+          </a:solidFill>
+          <a:ln w="19050">
+            <a:solidFill>
+              <a:schemeClr val="tx1"/>
+            </a:solidFill>
+          </a:ln>
+        </p:spPr>
+        <p:style>
+          <a:lnRef idx="2">
+            <a:schemeClr val="accent1">
+              <a:shade val="50000"/>
+            </a:schemeClr>
+          </a:lnRef>
+          <a:fillRef idx="1">
+            <a:schemeClr val="accent1"/>
+          </a:fillRef>
+          <a:effectRef idx="0">
+            <a:schemeClr val="accent1"/>
+          </a:effectRef>
+          <a:fontRef idx="minor">
+            <a:schemeClr val="lt1"/>
+          </a:fontRef>
+        </p:style>
+        <p:txBody>
+          <a:bodyPr rtlCol="0" anchor="ctr"/>
+          <a:lstStyle/>
+          <a:p>
+            <a:pPr algn="ctr"/>
+            <a:r>
+              <a:rPr lang="en-US" sz="1400" dirty="0">
+                <a:solidFill>
+                  <a:schemeClr val="tx1"/>
+                </a:solidFill>
+              </a:rPr>
+              <a:t>Link</a:t>
+            </a:r>
+          </a:p>
+        </p:txBody>
+      </p:sp>
+      <p:sp>
+        <p:nvSpPr>
+          <p:cNvPr id="41" name="Line 26">
+            <a:extLst>
+              <a:ext uri="{FF2B5EF4-FFF2-40B4-BE49-F238E27FC236}">
+                <a16:creationId xmlns:a16="http://schemas.microsoft.com/office/drawing/2014/main" id="{07F15D7E-BBE7-4B96-9366-3D0894F7612A}"/>
+              </a:ext>
+            </a:extLst>
+          </p:cNvPr>
+          <p:cNvSpPr>
+            <a:spLocks noChangeShapeType="1"/>
+          </p:cNvSpPr>
+          <p:nvPr/>
+        </p:nvSpPr>
+        <p:spPr bwMode="auto">
+          <a:xfrm flipH="1" flipV="1">
+            <a:off x="3863070" y="2960858"/>
+            <a:ext cx="0" cy="211286"/>
+          </a:xfrm>
+          <a:prstGeom prst="line">
+            <a:avLst/>
+          </a:prstGeom>
+          <a:noFill/>
+          <a:ln w="19050">
+            <a:solidFill>
+              <a:schemeClr val="tx1"/>
+            </a:solidFill>
+            <a:round/>
+            <a:headEnd type="none"/>
+            <a:tailEnd type="none" w="lg" len="lg"/>
+          </a:ln>
+          <a:extLst>
+            <a:ext uri="{909E8E84-426E-40dd-AFC4-6F175D3DCCD1}">
+              <a14:hiddenFill xmlns="" xmlns:a14="http://schemas.microsoft.com/office/drawing/2010/main">
+                <a:noFill/>
+              </a14:hiddenFill>
+            </a:ext>
+          </a:extLst>
+        </p:spPr>
+        <p:txBody>
+          <a:bodyPr/>
+          <a:lstStyle/>
+          <a:p>
+            <a:endParaRPr lang="en-GB"/>
+          </a:p>
+        </p:txBody>
+      </p:sp>
+      <p:sp>
+        <p:nvSpPr>
+          <p:cNvPr id="18" name="Rectangle 17">
+            <a:extLst>
+              <a:ext uri="{FF2B5EF4-FFF2-40B4-BE49-F238E27FC236}">
+                <a16:creationId xmlns:a16="http://schemas.microsoft.com/office/drawing/2014/main" id="{7C4F3E5A-BAC6-4C53-9062-D63F68B53B01}"/>
+              </a:ext>
+            </a:extLst>
+          </p:cNvPr>
+          <p:cNvSpPr/>
+          <p:nvPr/>
+        </p:nvSpPr>
+        <p:spPr>
+          <a:xfrm>
+            <a:off x="3365764" y="2260153"/>
+            <a:ext cx="994611" cy="375224"/>
+          </a:xfrm>
+          <a:prstGeom prst="rect">
+            <a:avLst/>
+          </a:prstGeom>
+          <a:solidFill>
+            <a:schemeClr val="bg1"/>
+          </a:solidFill>
+          <a:ln w="19050">
+            <a:solidFill>
+              <a:schemeClr val="tx1"/>
+            </a:solidFill>
+          </a:ln>
+        </p:spPr>
+        <p:style>
+          <a:lnRef idx="2">
+            <a:schemeClr val="accent1">
+              <a:shade val="50000"/>
+            </a:schemeClr>
+          </a:lnRef>
+          <a:fillRef idx="1">
+            <a:schemeClr val="accent1"/>
+          </a:fillRef>
+          <a:effectRef idx="0">
+            <a:schemeClr val="accent1"/>
+          </a:effectRef>
+          <a:fontRef idx="minor">
+            <a:schemeClr val="lt1"/>
+          </a:fontRef>
+        </p:style>
+        <p:txBody>
+          <a:bodyPr rtlCol="0" anchor="ctr"/>
+          <a:lstStyle/>
+          <a:p>
+            <a:pPr algn="ctr"/>
+            <a:r>
+              <a:rPr lang="en-US" sz="1400" dirty="0">
+                <a:solidFill>
+                  <a:schemeClr val="tx1"/>
+                </a:solidFill>
+              </a:rPr>
+              <a:t>Cache</a:t>
+            </a:r>
+          </a:p>
+        </p:txBody>
+      </p:sp>
+    </p:spTree>
+    <p:extLst>
+      <p:ext uri="{BB962C8B-B14F-4D97-AF65-F5344CB8AC3E}">
+        <p14:creationId xmlns:p14="http://schemas.microsoft.com/office/powerpoint/2010/main" val="4273280268"/>
+      </p:ext>
+    </p:extLst>
+  </p:cSld>
+  <p:clrMapOvr>
+    <a:masterClrMapping/>
+  </p:clrMapOvr>
+</p:sld>
+</file>
+
+<file path=ppt/slides/slide7.xml><?xml version="1.0" encoding="utf-8"?>
+<p:sld xmlns:a="http://schemas.openxmlformats.org/drawingml/2006/main" xmlns:r="http://schemas.openxmlformats.org/officeDocument/2006/relationships" xmlns:p="http://schemas.openxmlformats.org/presentationml/2006/main">
+  <p:cSld>
+    <p:spTree>
+      <p:nvGrpSpPr>
+        <p:cNvPr id="1" name=""/>
+        <p:cNvGrpSpPr/>
+        <p:nvPr/>
+      </p:nvGrpSpPr>
+      <p:grpSpPr>
+        <a:xfrm>
+          <a:off x="0" y="0"/>
+          <a:ext cx="0" cy="0"/>
+          <a:chOff x="0" y="0"/>
+          <a:chExt cx="0" cy="0"/>
+        </a:xfrm>
+      </p:grpSpPr>
+      <p:sp>
+        <p:nvSpPr>
+          <p:cNvPr id="22" name="Rectangle 21">
+            <a:extLst>
+              <a:ext uri="{FF2B5EF4-FFF2-40B4-BE49-F238E27FC236}">
+                <a16:creationId xmlns:a16="http://schemas.microsoft.com/office/drawing/2014/main" id="{87A2B0D0-5DE3-48A2-B1D9-9A0A7230ACA8}"/>
+              </a:ext>
+            </a:extLst>
+          </p:cNvPr>
+          <p:cNvSpPr/>
+          <p:nvPr/>
+        </p:nvSpPr>
+        <p:spPr>
+          <a:xfrm>
+            <a:off x="1910657" y="2260153"/>
+            <a:ext cx="994611" cy="375224"/>
+          </a:xfrm>
+          <a:prstGeom prst="rect">
+            <a:avLst/>
+          </a:prstGeom>
+          <a:solidFill>
+            <a:schemeClr val="bg1"/>
+          </a:solidFill>
+          <a:ln w="19050">
+            <a:solidFill>
+              <a:schemeClr val="tx1"/>
+            </a:solidFill>
+          </a:ln>
+        </p:spPr>
+        <p:style>
+          <a:lnRef idx="2">
+            <a:schemeClr val="accent1">
+              <a:shade val="50000"/>
+            </a:schemeClr>
+          </a:lnRef>
+          <a:fillRef idx="1">
+            <a:schemeClr val="accent1"/>
+          </a:fillRef>
+          <a:effectRef idx="0">
+            <a:schemeClr val="accent1"/>
+          </a:effectRef>
+          <a:fontRef idx="minor">
+            <a:schemeClr val="lt1"/>
+          </a:fontRef>
+        </p:style>
+        <p:txBody>
+          <a:bodyPr rtlCol="0" anchor="ctr"/>
+          <a:lstStyle/>
+          <a:p>
+            <a:pPr algn="ctr"/>
+            <a:r>
+              <a:rPr lang="en-US" sz="1400" dirty="0">
+                <a:solidFill>
+                  <a:schemeClr val="tx1"/>
+                </a:solidFill>
+              </a:rPr>
+              <a:t>Post</a:t>
+            </a:r>
+          </a:p>
+        </p:txBody>
+      </p:sp>
+      <p:sp>
+        <p:nvSpPr>
+          <p:cNvPr id="23" name="Rectangle 22">
+            <a:extLst>
+              <a:ext uri="{FF2B5EF4-FFF2-40B4-BE49-F238E27FC236}">
+                <a16:creationId xmlns:a16="http://schemas.microsoft.com/office/drawing/2014/main" id="{FC94A249-DEA4-4616-9F97-76D05FA8CCBB}"/>
+              </a:ext>
+            </a:extLst>
+          </p:cNvPr>
+          <p:cNvSpPr/>
+          <p:nvPr/>
+        </p:nvSpPr>
+        <p:spPr>
+          <a:xfrm>
+            <a:off x="473243" y="3171537"/>
+            <a:ext cx="994611" cy="375224"/>
+          </a:xfrm>
+          <a:prstGeom prst="rect">
+            <a:avLst/>
+          </a:prstGeom>
+          <a:solidFill>
+            <a:schemeClr val="bg1"/>
+          </a:solidFill>
+          <a:ln w="19050">
+            <a:solidFill>
+              <a:schemeClr val="tx1"/>
+            </a:solidFill>
+          </a:ln>
+        </p:spPr>
+        <p:style>
+          <a:lnRef idx="2">
+            <a:schemeClr val="accent1">
+              <a:shade val="50000"/>
+            </a:schemeClr>
+          </a:lnRef>
+          <a:fillRef idx="1">
+            <a:schemeClr val="accent1"/>
+          </a:fillRef>
+          <a:effectRef idx="0">
+            <a:schemeClr val="accent1"/>
+          </a:effectRef>
+          <a:fontRef idx="minor">
+            <a:schemeClr val="lt1"/>
+          </a:fontRef>
+        </p:style>
+        <p:txBody>
+          <a:bodyPr rtlCol="0" anchor="ctr"/>
+          <a:lstStyle/>
+          <a:p>
+            <a:pPr algn="ctr"/>
+            <a:r>
+              <a:rPr lang="en-US" sz="1400" dirty="0">
+                <a:solidFill>
+                  <a:schemeClr val="tx1"/>
+                </a:solidFill>
+              </a:rPr>
+              <a:t>Plain</a:t>
+            </a:r>
+          </a:p>
+        </p:txBody>
+      </p:sp>
+      <p:sp>
+        <p:nvSpPr>
+          <p:cNvPr id="24" name="Rectangle 23">
+            <a:extLst>
+              <a:ext uri="{FF2B5EF4-FFF2-40B4-BE49-F238E27FC236}">
+                <a16:creationId xmlns:a16="http://schemas.microsoft.com/office/drawing/2014/main" id="{83D7DBA5-337B-4834-AE3F-3E42DEBE6CD7}"/>
+              </a:ext>
+            </a:extLst>
+          </p:cNvPr>
+          <p:cNvSpPr/>
+          <p:nvPr/>
+        </p:nvSpPr>
+        <p:spPr>
+          <a:xfrm>
+            <a:off x="1842461" y="4081998"/>
+            <a:ext cx="994611" cy="375224"/>
+          </a:xfrm>
+          <a:prstGeom prst="rect">
+            <a:avLst/>
+          </a:prstGeom>
+          <a:solidFill>
+            <a:schemeClr val="bg1"/>
+          </a:solidFill>
+          <a:ln w="19050">
+            <a:solidFill>
+              <a:schemeClr val="tx1"/>
+            </a:solidFill>
+          </a:ln>
+        </p:spPr>
+        <p:style>
+          <a:lnRef idx="2">
+            <a:schemeClr val="accent1">
+              <a:shade val="50000"/>
+            </a:schemeClr>
+          </a:lnRef>
+          <a:fillRef idx="1">
+            <a:schemeClr val="accent1"/>
+          </a:fillRef>
+          <a:effectRef idx="0">
+            <a:schemeClr val="accent1"/>
+          </a:effectRef>
+          <a:fontRef idx="minor">
+            <a:schemeClr val="lt1"/>
+          </a:fontRef>
+        </p:style>
+        <p:txBody>
+          <a:bodyPr rtlCol="0" anchor="ctr"/>
+          <a:lstStyle/>
+          <a:p>
+            <a:pPr algn="ctr"/>
+            <a:r>
+              <a:rPr lang="en-US" sz="1400" dirty="0">
+                <a:solidFill>
+                  <a:schemeClr val="tx1"/>
+                </a:solidFill>
+              </a:rPr>
+              <a:t>Image</a:t>
+            </a:r>
+          </a:p>
+        </p:txBody>
+      </p:sp>
+      <p:sp>
+        <p:nvSpPr>
+          <p:cNvPr id="25" name="Line 26">
+            <a:extLst>
+              <a:ext uri="{FF2B5EF4-FFF2-40B4-BE49-F238E27FC236}">
+                <a16:creationId xmlns:a16="http://schemas.microsoft.com/office/drawing/2014/main" id="{30D0ACF1-D9C5-424E-8439-CF795F1F84D3}"/>
+              </a:ext>
+            </a:extLst>
+          </p:cNvPr>
+          <p:cNvSpPr>
+            <a:spLocks noChangeShapeType="1"/>
+          </p:cNvSpPr>
+          <p:nvPr/>
+        </p:nvSpPr>
+        <p:spPr bwMode="auto">
+          <a:xfrm flipH="1" flipV="1">
+            <a:off x="2419272" y="2758288"/>
+            <a:ext cx="0" cy="211286"/>
+          </a:xfrm>
+          <a:prstGeom prst="line">
+            <a:avLst/>
+          </a:prstGeom>
+          <a:noFill/>
+          <a:ln w="19050">
+            <a:solidFill>
+              <a:schemeClr val="tx1"/>
+            </a:solidFill>
+            <a:round/>
+            <a:headEnd type="none"/>
+            <a:tailEnd type="none" w="lg" len="lg"/>
+          </a:ln>
+          <a:extLst>
+            <a:ext uri="{909E8E84-426E-40dd-AFC4-6F175D3DCCD1}">
+              <a14:hiddenFill xmlns="" xmlns:a14="http://schemas.microsoft.com/office/drawing/2010/main">
+                <a:noFill/>
+              </a14:hiddenFill>
+            </a:ext>
+          </a:extLst>
+        </p:spPr>
+        <p:txBody>
+          <a:bodyPr/>
+          <a:lstStyle/>
+          <a:p>
+            <a:endParaRPr lang="en-GB"/>
+          </a:p>
+        </p:txBody>
+      </p:sp>
+      <p:sp>
+        <p:nvSpPr>
+          <p:cNvPr id="26" name="Isosceles Triangle 25">
+            <a:extLst>
+              <a:ext uri="{FF2B5EF4-FFF2-40B4-BE49-F238E27FC236}">
+                <a16:creationId xmlns:a16="http://schemas.microsoft.com/office/drawing/2014/main" id="{D6C93B98-2570-4E57-A935-B780363ED46F}"/>
+              </a:ext>
+            </a:extLst>
+          </p:cNvPr>
+          <p:cNvSpPr/>
+          <p:nvPr/>
+        </p:nvSpPr>
+        <p:spPr>
+          <a:xfrm>
+            <a:off x="2332109" y="2672000"/>
+            <a:ext cx="174326" cy="163940"/>
+          </a:xfrm>
+          <a:prstGeom prst="triangle">
+            <a:avLst/>
+          </a:prstGeom>
+          <a:solidFill>
+            <a:schemeClr val="bg1"/>
+          </a:solidFill>
+          <a:ln w="19050">
+            <a:solidFill>
+              <a:schemeClr val="tx1"/>
+            </a:solidFill>
+          </a:ln>
+        </p:spPr>
+        <p:style>
+          <a:lnRef idx="2">
+            <a:schemeClr val="accent1">
+              <a:shade val="50000"/>
+            </a:schemeClr>
+          </a:lnRef>
+          <a:fillRef idx="1">
+            <a:schemeClr val="accent1"/>
+          </a:fillRef>
+          <a:effectRef idx="0">
+            <a:schemeClr val="accent1"/>
+          </a:effectRef>
+          <a:fontRef idx="minor">
+            <a:schemeClr val="lt1"/>
+          </a:fontRef>
+        </p:style>
+        <p:txBody>
+          <a:bodyPr rtlCol="0" anchor="ctr"/>
+          <a:lstStyle/>
+          <a:p>
+            <a:pPr algn="ctr"/>
+            <a:endParaRPr lang="en-US"/>
+          </a:p>
+        </p:txBody>
+      </p:sp>
+      <p:sp>
+        <p:nvSpPr>
+          <p:cNvPr id="27" name="Line 26">
+            <a:extLst>
+              <a:ext uri="{FF2B5EF4-FFF2-40B4-BE49-F238E27FC236}">
+                <a16:creationId xmlns:a16="http://schemas.microsoft.com/office/drawing/2014/main" id="{EDBC0109-53F1-4287-A96B-6569CD25B3EF}"/>
+              </a:ext>
+            </a:extLst>
+          </p:cNvPr>
+          <p:cNvSpPr>
+            <a:spLocks noChangeShapeType="1"/>
+          </p:cNvSpPr>
+          <p:nvPr/>
+        </p:nvSpPr>
+        <p:spPr bwMode="auto">
+          <a:xfrm>
+            <a:off x="970548" y="2967211"/>
+            <a:ext cx="2145931" cy="0"/>
+          </a:xfrm>
+          <a:prstGeom prst="line">
+            <a:avLst/>
+          </a:prstGeom>
+          <a:noFill/>
+          <a:ln w="19050">
+            <a:solidFill>
+              <a:schemeClr val="tx1"/>
+            </a:solidFill>
+            <a:round/>
+            <a:headEnd type="none"/>
+            <a:tailEnd type="none" w="lg" len="lg"/>
+          </a:ln>
+          <a:extLst>
+            <a:ext uri="{909E8E84-426E-40dd-AFC4-6F175D3DCCD1}">
+              <a14:hiddenFill xmlns="" xmlns:a14="http://schemas.microsoft.com/office/drawing/2010/main">
+                <a:noFill/>
+              </a14:hiddenFill>
+            </a:ext>
+          </a:extLst>
+        </p:spPr>
+        <p:txBody>
+          <a:bodyPr/>
+          <a:lstStyle/>
+          <a:p>
+            <a:endParaRPr lang="en-GB"/>
+          </a:p>
+        </p:txBody>
+      </p:sp>
+      <p:sp>
+        <p:nvSpPr>
+          <p:cNvPr id="28" name="Line 26">
+            <a:extLst>
+              <a:ext uri="{FF2B5EF4-FFF2-40B4-BE49-F238E27FC236}">
+                <a16:creationId xmlns:a16="http://schemas.microsoft.com/office/drawing/2014/main" id="{C0B56E5A-787D-426E-8ABA-C2827ACE980A}"/>
+              </a:ext>
+            </a:extLst>
+          </p:cNvPr>
+          <p:cNvSpPr>
+            <a:spLocks noChangeShapeType="1"/>
+          </p:cNvSpPr>
+          <p:nvPr/>
+        </p:nvSpPr>
+        <p:spPr bwMode="auto">
+          <a:xfrm flipH="1" flipV="1">
+            <a:off x="980072" y="2967210"/>
+            <a:ext cx="0" cy="211286"/>
+          </a:xfrm>
+          <a:prstGeom prst="line">
+            <a:avLst/>
+          </a:prstGeom>
+          <a:noFill/>
+          <a:ln w="19050">
+            <a:solidFill>
+              <a:schemeClr val="tx1"/>
+            </a:solidFill>
+            <a:round/>
+            <a:headEnd type="none"/>
+            <a:tailEnd type="none" w="lg" len="lg"/>
+          </a:ln>
+          <a:extLst>
+            <a:ext uri="{909E8E84-426E-40dd-AFC4-6F175D3DCCD1}">
+              <a14:hiddenFill xmlns="" xmlns:a14="http://schemas.microsoft.com/office/drawing/2010/main">
+                <a:noFill/>
+              </a14:hiddenFill>
+            </a:ext>
+          </a:extLst>
+        </p:spPr>
+        <p:txBody>
+          <a:bodyPr/>
+          <a:lstStyle/>
+          <a:p>
+            <a:endParaRPr lang="en-GB"/>
+          </a:p>
+        </p:txBody>
+      </p:sp>
+      <p:sp>
+        <p:nvSpPr>
+          <p:cNvPr id="29" name="Line 26">
+            <a:extLst>
+              <a:ext uri="{FF2B5EF4-FFF2-40B4-BE49-F238E27FC236}">
+                <a16:creationId xmlns:a16="http://schemas.microsoft.com/office/drawing/2014/main" id="{304D15C3-B12F-4A5E-97AD-B77382D05621}"/>
+              </a:ext>
+            </a:extLst>
+          </p:cNvPr>
+          <p:cNvSpPr>
+            <a:spLocks noChangeShapeType="1"/>
+          </p:cNvSpPr>
+          <p:nvPr/>
+        </p:nvSpPr>
+        <p:spPr bwMode="auto">
+          <a:xfrm flipH="1" flipV="1">
+            <a:off x="2339766" y="3871319"/>
+            <a:ext cx="0" cy="211286"/>
+          </a:xfrm>
+          <a:prstGeom prst="line">
+            <a:avLst/>
+          </a:prstGeom>
+          <a:noFill/>
+          <a:ln w="19050">
+            <a:solidFill>
+              <a:schemeClr val="tx1"/>
+            </a:solidFill>
+            <a:round/>
+            <a:headEnd type="none"/>
+            <a:tailEnd type="none" w="lg" len="lg"/>
+          </a:ln>
+          <a:extLst>
+            <a:ext uri="{909E8E84-426E-40dd-AFC4-6F175D3DCCD1}">
+              <a14:hiddenFill xmlns="" xmlns:a14="http://schemas.microsoft.com/office/drawing/2010/main">
+                <a:noFill/>
+              </a14:hiddenFill>
+            </a:ext>
+          </a:extLst>
+        </p:spPr>
+        <p:txBody>
+          <a:bodyPr/>
+          <a:lstStyle/>
+          <a:p>
+            <a:endParaRPr lang="en-GB"/>
+          </a:p>
+        </p:txBody>
+      </p:sp>
+      <p:sp>
+        <p:nvSpPr>
+          <p:cNvPr id="40" name="Rectangle 39">
+            <a:extLst>
+              <a:ext uri="{FF2B5EF4-FFF2-40B4-BE49-F238E27FC236}">
+                <a16:creationId xmlns:a16="http://schemas.microsoft.com/office/drawing/2014/main" id="{7B6D2115-75BE-4154-AE46-BC7C1E1CEB9F}"/>
+              </a:ext>
+            </a:extLst>
+          </p:cNvPr>
+          <p:cNvSpPr/>
+          <p:nvPr/>
+        </p:nvSpPr>
+        <p:spPr>
+          <a:xfrm>
+            <a:off x="3288924" y="4077376"/>
+            <a:ext cx="994611" cy="375224"/>
+          </a:xfrm>
+          <a:prstGeom prst="rect">
+            <a:avLst/>
+          </a:prstGeom>
+          <a:solidFill>
+            <a:schemeClr val="bg1"/>
+          </a:solidFill>
+          <a:ln w="19050">
+            <a:solidFill>
+              <a:schemeClr val="tx1"/>
+            </a:solidFill>
+          </a:ln>
+        </p:spPr>
+        <p:style>
+          <a:lnRef idx="2">
+            <a:schemeClr val="accent1">
+              <a:shade val="50000"/>
+            </a:schemeClr>
+          </a:lnRef>
+          <a:fillRef idx="1">
+            <a:schemeClr val="accent1"/>
+          </a:fillRef>
+          <a:effectRef idx="0">
+            <a:schemeClr val="accent1"/>
+          </a:effectRef>
+          <a:fontRef idx="minor">
+            <a:schemeClr val="lt1"/>
+          </a:fontRef>
+        </p:style>
+        <p:txBody>
+          <a:bodyPr rtlCol="0" anchor="ctr"/>
+          <a:lstStyle/>
+          <a:p>
+            <a:pPr algn="ctr"/>
+            <a:r>
+              <a:rPr lang="en-US" sz="1400" dirty="0">
+                <a:solidFill>
+                  <a:schemeClr val="tx1"/>
+                </a:solidFill>
+              </a:rPr>
+              <a:t>Link</a:t>
+            </a:r>
+          </a:p>
+        </p:txBody>
+      </p:sp>
+      <p:sp>
+        <p:nvSpPr>
+          <p:cNvPr id="41" name="Line 26">
+            <a:extLst>
+              <a:ext uri="{FF2B5EF4-FFF2-40B4-BE49-F238E27FC236}">
+                <a16:creationId xmlns:a16="http://schemas.microsoft.com/office/drawing/2014/main" id="{07F15D7E-BBE7-4B96-9366-3D0894F7612A}"/>
+              </a:ext>
+            </a:extLst>
+          </p:cNvPr>
+          <p:cNvSpPr>
+            <a:spLocks noChangeShapeType="1"/>
+          </p:cNvSpPr>
+          <p:nvPr/>
+        </p:nvSpPr>
+        <p:spPr bwMode="auto">
+          <a:xfrm flipH="1" flipV="1">
+            <a:off x="3785825" y="3871319"/>
+            <a:ext cx="0" cy="211286"/>
+          </a:xfrm>
+          <a:prstGeom prst="line">
+            <a:avLst/>
+          </a:prstGeom>
+          <a:noFill/>
+          <a:ln w="19050">
+            <a:solidFill>
+              <a:schemeClr val="tx1"/>
+            </a:solidFill>
+            <a:round/>
+            <a:headEnd type="none"/>
+            <a:tailEnd type="none" w="lg" len="lg"/>
+          </a:ln>
+          <a:extLst>
+            <a:ext uri="{909E8E84-426E-40dd-AFC4-6F175D3DCCD1}">
+              <a14:hiddenFill xmlns="" xmlns:a14="http://schemas.microsoft.com/office/drawing/2010/main">
+                <a:noFill/>
+              </a14:hiddenFill>
+            </a:ext>
+          </a:extLst>
+        </p:spPr>
+        <p:txBody>
+          <a:bodyPr/>
+          <a:lstStyle/>
+          <a:p>
+            <a:endParaRPr lang="en-GB"/>
+          </a:p>
+        </p:txBody>
+      </p:sp>
+      <p:sp>
+        <p:nvSpPr>
+          <p:cNvPr id="18" name="Rectangle 17">
+            <a:extLst>
+              <a:ext uri="{FF2B5EF4-FFF2-40B4-BE49-F238E27FC236}">
+                <a16:creationId xmlns:a16="http://schemas.microsoft.com/office/drawing/2014/main" id="{7C4F3E5A-BAC6-4C53-9062-D63F68B53B01}"/>
+              </a:ext>
+            </a:extLst>
+          </p:cNvPr>
+          <p:cNvSpPr/>
+          <p:nvPr/>
+        </p:nvSpPr>
+        <p:spPr>
+          <a:xfrm>
+            <a:off x="3365764" y="2260153"/>
+            <a:ext cx="994611" cy="375224"/>
+          </a:xfrm>
+          <a:prstGeom prst="rect">
+            <a:avLst/>
+          </a:prstGeom>
+          <a:solidFill>
+            <a:schemeClr val="bg1"/>
+          </a:solidFill>
+          <a:ln w="19050">
+            <a:solidFill>
+              <a:schemeClr val="tx1"/>
+            </a:solidFill>
+          </a:ln>
+        </p:spPr>
+        <p:style>
+          <a:lnRef idx="2">
+            <a:schemeClr val="accent1">
+              <a:shade val="50000"/>
+            </a:schemeClr>
+          </a:lnRef>
+          <a:fillRef idx="1">
+            <a:schemeClr val="accent1"/>
+          </a:fillRef>
+          <a:effectRef idx="0">
+            <a:schemeClr val="accent1"/>
+          </a:effectRef>
+          <a:fontRef idx="minor">
+            <a:schemeClr val="lt1"/>
+          </a:fontRef>
+        </p:style>
+        <p:txBody>
+          <a:bodyPr rtlCol="0" anchor="ctr"/>
+          <a:lstStyle/>
+          <a:p>
+            <a:pPr algn="ctr"/>
+            <a:r>
+              <a:rPr lang="en-US" sz="1400" dirty="0">
+                <a:solidFill>
+                  <a:schemeClr val="tx1"/>
+                </a:solidFill>
+              </a:rPr>
+              <a:t>Cache</a:t>
+            </a:r>
+          </a:p>
+        </p:txBody>
+      </p:sp>
+      <p:sp>
+        <p:nvSpPr>
+          <p:cNvPr id="13" name="Rectangle 12">
+            <a:extLst>
+              <a:ext uri="{FF2B5EF4-FFF2-40B4-BE49-F238E27FC236}">
+                <a16:creationId xmlns:a16="http://schemas.microsoft.com/office/drawing/2014/main" id="{DEC7387B-32B8-444E-82DB-F419D0C95653}"/>
+              </a:ext>
+            </a:extLst>
+          </p:cNvPr>
+          <p:cNvSpPr/>
+          <p:nvPr/>
+        </p:nvSpPr>
+        <p:spPr>
+          <a:xfrm>
+            <a:off x="2607864" y="3171537"/>
+            <a:ext cx="994611" cy="375224"/>
+          </a:xfrm>
+          <a:prstGeom prst="rect">
+            <a:avLst/>
+          </a:prstGeom>
+          <a:solidFill>
+            <a:schemeClr val="bg1"/>
+          </a:solidFill>
+          <a:ln w="19050">
+            <a:solidFill>
+              <a:schemeClr val="tx1"/>
+            </a:solidFill>
+          </a:ln>
+        </p:spPr>
+        <p:style>
+          <a:lnRef idx="2">
+            <a:schemeClr val="accent1">
+              <a:shade val="50000"/>
+            </a:schemeClr>
+          </a:lnRef>
+          <a:fillRef idx="1">
+            <a:schemeClr val="accent1"/>
+          </a:fillRef>
+          <a:effectRef idx="0">
+            <a:schemeClr val="accent1"/>
+          </a:effectRef>
+          <a:fontRef idx="minor">
+            <a:schemeClr val="lt1"/>
+          </a:fontRef>
+        </p:style>
+        <p:txBody>
+          <a:bodyPr rtlCol="0" anchor="ctr"/>
+          <a:lstStyle/>
+          <a:p>
+            <a:pPr algn="ctr"/>
+            <a:r>
+              <a:rPr lang="en-US" sz="1400" dirty="0" err="1">
+                <a:solidFill>
+                  <a:schemeClr val="tx1"/>
+                </a:solidFill>
+              </a:rPr>
+              <a:t>MediaPost</a:t>
+            </a:r>
+            <a:endParaRPr lang="en-US" sz="1400" dirty="0">
+              <a:solidFill>
+                <a:schemeClr val="tx1"/>
+              </a:solidFill>
+            </a:endParaRPr>
+          </a:p>
+        </p:txBody>
+      </p:sp>
+      <p:sp>
+        <p:nvSpPr>
+          <p:cNvPr id="14" name="Line 26">
+            <a:extLst>
+              <a:ext uri="{FF2B5EF4-FFF2-40B4-BE49-F238E27FC236}">
+                <a16:creationId xmlns:a16="http://schemas.microsoft.com/office/drawing/2014/main" id="{D0CB5952-C26B-4B17-A8EE-5DB571175D00}"/>
+              </a:ext>
+            </a:extLst>
+          </p:cNvPr>
+          <p:cNvSpPr>
+            <a:spLocks noChangeShapeType="1"/>
+          </p:cNvSpPr>
+          <p:nvPr/>
+        </p:nvSpPr>
+        <p:spPr bwMode="auto">
+          <a:xfrm flipH="1" flipV="1">
+            <a:off x="3116479" y="3669672"/>
+            <a:ext cx="0" cy="211286"/>
+          </a:xfrm>
+          <a:prstGeom prst="line">
+            <a:avLst/>
+          </a:prstGeom>
+          <a:noFill/>
+          <a:ln w="19050">
+            <a:solidFill>
+              <a:schemeClr val="tx1"/>
+            </a:solidFill>
+            <a:round/>
+            <a:headEnd type="none"/>
+            <a:tailEnd type="none" w="lg" len="lg"/>
+          </a:ln>
+          <a:extLst>
+            <a:ext uri="{909E8E84-426E-40dd-AFC4-6F175D3DCCD1}">
+              <a14:hiddenFill xmlns="" xmlns:a14="http://schemas.microsoft.com/office/drawing/2010/main">
+                <a:noFill/>
+              </a14:hiddenFill>
+            </a:ext>
+          </a:extLst>
+        </p:spPr>
+        <p:txBody>
+          <a:bodyPr/>
+          <a:lstStyle/>
+          <a:p>
+            <a:endParaRPr lang="en-GB"/>
+          </a:p>
+        </p:txBody>
+      </p:sp>
+      <p:sp>
+        <p:nvSpPr>
+          <p:cNvPr id="15" name="Isosceles Triangle 14">
+            <a:extLst>
+              <a:ext uri="{FF2B5EF4-FFF2-40B4-BE49-F238E27FC236}">
+                <a16:creationId xmlns:a16="http://schemas.microsoft.com/office/drawing/2014/main" id="{1645C621-79F0-4F14-A1B4-BF7EF9D45157}"/>
+              </a:ext>
+            </a:extLst>
+          </p:cNvPr>
+          <p:cNvSpPr/>
+          <p:nvPr/>
+        </p:nvSpPr>
+        <p:spPr>
+          <a:xfrm>
+            <a:off x="3029316" y="3583384"/>
+            <a:ext cx="174326" cy="163940"/>
+          </a:xfrm>
+          <a:prstGeom prst="triangle">
+            <a:avLst/>
+          </a:prstGeom>
+          <a:solidFill>
+            <a:schemeClr val="bg1"/>
+          </a:solidFill>
+          <a:ln w="19050">
+            <a:solidFill>
+              <a:schemeClr val="tx1"/>
+            </a:solidFill>
+          </a:ln>
+        </p:spPr>
+        <p:style>
+          <a:lnRef idx="2">
+            <a:schemeClr val="accent1">
+              <a:shade val="50000"/>
+            </a:schemeClr>
+          </a:lnRef>
+          <a:fillRef idx="1">
+            <a:schemeClr val="accent1"/>
+          </a:fillRef>
+          <a:effectRef idx="0">
+            <a:schemeClr val="accent1"/>
+          </a:effectRef>
+          <a:fontRef idx="minor">
+            <a:schemeClr val="lt1"/>
+          </a:fontRef>
+        </p:style>
+        <p:txBody>
+          <a:bodyPr rtlCol="0" anchor="ctr"/>
+          <a:lstStyle/>
+          <a:p>
+            <a:pPr algn="ctr"/>
+            <a:endParaRPr lang="en-US"/>
+          </a:p>
+        </p:txBody>
+      </p:sp>
+      <p:sp>
+        <p:nvSpPr>
+          <p:cNvPr id="16" name="Line 26">
+            <a:extLst>
+              <a:ext uri="{FF2B5EF4-FFF2-40B4-BE49-F238E27FC236}">
+                <a16:creationId xmlns:a16="http://schemas.microsoft.com/office/drawing/2014/main" id="{1CCE3CA8-D7C6-4DAE-8685-F8F81127A233}"/>
+              </a:ext>
+            </a:extLst>
+          </p:cNvPr>
+          <p:cNvSpPr>
+            <a:spLocks noChangeShapeType="1"/>
+          </p:cNvSpPr>
+          <p:nvPr/>
+        </p:nvSpPr>
+        <p:spPr bwMode="auto">
+          <a:xfrm>
+            <a:off x="2339765" y="3880570"/>
+            <a:ext cx="1446059" cy="0"/>
+          </a:xfrm>
+          <a:prstGeom prst="line">
+            <a:avLst/>
+          </a:prstGeom>
+          <a:noFill/>
+          <a:ln w="19050">
+            <a:solidFill>
+              <a:schemeClr val="tx1"/>
+            </a:solidFill>
+            <a:round/>
+            <a:headEnd type="none"/>
+            <a:tailEnd type="none" w="lg" len="lg"/>
+          </a:ln>
+          <a:extLst>
+            <a:ext uri="{909E8E84-426E-40dd-AFC4-6F175D3DCCD1}">
+              <a14:hiddenFill xmlns="" xmlns:a14="http://schemas.microsoft.com/office/drawing/2010/main">
+                <a:noFill/>
+              </a14:hiddenFill>
+            </a:ext>
+          </a:extLst>
+        </p:spPr>
+        <p:txBody>
+          <a:bodyPr/>
+          <a:lstStyle/>
+          <a:p>
+            <a:endParaRPr lang="en-GB"/>
+          </a:p>
+        </p:txBody>
+      </p:sp>
+      <p:sp>
+        <p:nvSpPr>
+          <p:cNvPr id="17" name="Line 26">
+            <a:extLst>
+              <a:ext uri="{FF2B5EF4-FFF2-40B4-BE49-F238E27FC236}">
+                <a16:creationId xmlns:a16="http://schemas.microsoft.com/office/drawing/2014/main" id="{13129BCC-2859-4F2F-B9ED-D9A1307F9159}"/>
+              </a:ext>
+            </a:extLst>
+          </p:cNvPr>
+          <p:cNvSpPr>
+            <a:spLocks noChangeShapeType="1"/>
+          </p:cNvSpPr>
+          <p:nvPr/>
+        </p:nvSpPr>
+        <p:spPr bwMode="auto">
+          <a:xfrm flipH="1" flipV="1">
+            <a:off x="3119644" y="2957690"/>
+            <a:ext cx="0" cy="211286"/>
+          </a:xfrm>
+          <a:prstGeom prst="line">
+            <a:avLst/>
+          </a:prstGeom>
+          <a:noFill/>
+          <a:ln w="19050">
+            <a:solidFill>
+              <a:schemeClr val="tx1"/>
+            </a:solidFill>
+            <a:round/>
+            <a:headEnd type="none"/>
+            <a:tailEnd type="none" w="lg" len="lg"/>
+          </a:ln>
+          <a:extLst>
+            <a:ext uri="{909E8E84-426E-40dd-AFC4-6F175D3DCCD1}">
+              <a14:hiddenFill xmlns="" xmlns:a14="http://schemas.microsoft.com/office/drawing/2010/main">
+                <a:noFill/>
+              </a14:hiddenFill>
+            </a:ext>
+          </a:extLst>
+        </p:spPr>
+        <p:txBody>
+          <a:bodyPr/>
+          <a:lstStyle/>
+          <a:p>
+            <a:endParaRPr lang="en-GB"/>
+          </a:p>
+        </p:txBody>
+      </p:sp>
+      <p:cxnSp>
+        <p:nvCxnSpPr>
+          <p:cNvPr id="3" name="Connector: Elbow 2">
+            <a:extLst>
+              <a:ext uri="{FF2B5EF4-FFF2-40B4-BE49-F238E27FC236}">
+                <a16:creationId xmlns:a16="http://schemas.microsoft.com/office/drawing/2014/main" id="{59FD829A-57C1-44A6-A512-AA0B2A178C92}"/>
+              </a:ext>
+            </a:extLst>
+          </p:cNvPr>
+          <p:cNvCxnSpPr>
+            <a:stCxn id="18" idx="2"/>
+            <a:endCxn id="13" idx="3"/>
+          </p:cNvCxnSpPr>
+          <p:nvPr/>
+        </p:nvCxnSpPr>
+        <p:spPr>
+          <a:xfrm rot="5400000">
+            <a:off x="3370887" y="2866966"/>
+            <a:ext cx="723772" cy="260595"/>
+          </a:xfrm>
+          <a:prstGeom prst="bentConnector2">
+            <a:avLst/>
+          </a:prstGeom>
+          <a:ln w="19050">
+            <a:solidFill>
+              <a:schemeClr val="tx1"/>
+            </a:solidFill>
+            <a:tailEnd type="arrow" w="med" len="lg"/>
+          </a:ln>
+        </p:spPr>
+        <p:style>
+          <a:lnRef idx="1">
+            <a:schemeClr val="accent1"/>
+          </a:lnRef>
+          <a:fillRef idx="0">
+            <a:schemeClr val="accent1"/>
+          </a:fillRef>
+          <a:effectRef idx="0">
+            <a:schemeClr val="accent1"/>
+          </a:effectRef>
+          <a:fontRef idx="minor">
+            <a:schemeClr val="tx1"/>
+          </a:fontRef>
+        </p:style>
+      </p:cxnSp>
+      <p:sp>
+        <p:nvSpPr>
+          <p:cNvPr id="20" name="Text Box 25">
+            <a:extLst>
+              <a:ext uri="{FF2B5EF4-FFF2-40B4-BE49-F238E27FC236}">
+                <a16:creationId xmlns:a16="http://schemas.microsoft.com/office/drawing/2014/main" id="{36178C68-C469-4A5B-BE82-5E2BABE4DCF3}"/>
+              </a:ext>
+            </a:extLst>
+          </p:cNvPr>
+          <p:cNvSpPr txBox="1">
+            <a:spLocks noChangeArrowheads="1"/>
+          </p:cNvSpPr>
+          <p:nvPr/>
+        </p:nvSpPr>
+        <p:spPr bwMode="auto">
+          <a:xfrm>
+            <a:off x="3617517" y="2599346"/>
+            <a:ext cx="242264" cy="338554"/>
+          </a:xfrm>
+          <a:prstGeom prst="rect">
+            <a:avLst/>
+          </a:prstGeom>
+          <a:noFill/>
+          <a:ln>
+            <a:noFill/>
+          </a:ln>
+          <a:extLst>
+            <a:ext uri="{909E8E84-426E-40dd-AFC4-6F175D3DCCD1}">
+              <a14:hiddenFill xmlns="" xmlns:a14="http://schemas.microsoft.com/office/drawing/2010/main">
+                <a:solidFill>
+                  <a:srgbClr val="FFFFFF"/>
+                </a:solidFill>
+              </a14:hiddenFill>
+            </a:ext>
+            <a:ext uri="{91240B29-F687-4f45-9708-019B960494DF}">
+              <a14:hiddenLine xmlns="" xmlns:a14="http://schemas.microsoft.com/office/drawing/2010/main" w="9525">
+                <a:solidFill>
+                  <a:srgbClr val="000000"/>
+                </a:solidFill>
+                <a:miter lim="800000"/>
+                <a:headEnd/>
+                <a:tailEnd/>
+              </a14:hiddenLine>
+            </a:ext>
+          </a:extLst>
+        </p:spPr>
+        <p:txBody>
+          <a:bodyPr wrap="square">
+            <a:spAutoFit/>
+          </a:bodyPr>
+          <a:lstStyle>
+            <a:lvl1pPr>
+              <a:defRPr sz="2400">
+                <a:solidFill>
+                  <a:schemeClr val="tx1"/>
+                </a:solidFill>
+                <a:latin typeface="Times New Roman" panose="02020603050405020304" pitchFamily="18" charset="0"/>
+                <a:ea typeface="MS PGothic" panose="020B0600070205080204" pitchFamily="34" charset="-128"/>
+              </a:defRPr>
+            </a:lvl1pPr>
+            <a:lvl2pPr marL="742950" indent="-285750">
+              <a:defRPr sz="2400">
+                <a:solidFill>
+                  <a:schemeClr val="tx1"/>
+                </a:solidFill>
+                <a:latin typeface="Times New Roman" panose="02020603050405020304" pitchFamily="18" charset="0"/>
+                <a:ea typeface="MS PGothic" panose="020B0600070205080204" pitchFamily="34" charset="-128"/>
+              </a:defRPr>
+            </a:lvl2pPr>
+            <a:lvl3pPr marL="1143000" indent="-228600">
+              <a:defRPr sz="2400">
+                <a:solidFill>
+                  <a:schemeClr val="tx1"/>
+                </a:solidFill>
+                <a:latin typeface="Times New Roman" panose="02020603050405020304" pitchFamily="18" charset="0"/>
+                <a:ea typeface="MS PGothic" panose="020B0600070205080204" pitchFamily="34" charset="-128"/>
+              </a:defRPr>
+            </a:lvl3pPr>
+            <a:lvl4pPr marL="1600200" indent="-228600">
+              <a:defRPr sz="2400">
+                <a:solidFill>
+                  <a:schemeClr val="tx1"/>
+                </a:solidFill>
+                <a:latin typeface="Times New Roman" panose="02020603050405020304" pitchFamily="18" charset="0"/>
+                <a:ea typeface="MS PGothic" panose="020B0600070205080204" pitchFamily="34" charset="-128"/>
+              </a:defRPr>
+            </a:lvl4pPr>
+            <a:lvl5pPr marL="2057400" indent="-228600">
+              <a:defRPr sz="2400">
+                <a:solidFill>
+                  <a:schemeClr val="tx1"/>
+                </a:solidFill>
+                <a:latin typeface="Times New Roman" panose="02020603050405020304" pitchFamily="18" charset="0"/>
+                <a:ea typeface="MS PGothic" panose="020B0600070205080204" pitchFamily="34" charset="-128"/>
+              </a:defRPr>
+            </a:lvl5pPr>
+            <a:lvl6pPr marL="2514600" indent="-228600" algn="r" eaLnBrk="0" fontAlgn="base" hangingPunct="0">
+              <a:spcBef>
+                <a:spcPct val="0"/>
+              </a:spcBef>
+              <a:spcAft>
+                <a:spcPct val="0"/>
+              </a:spcAft>
+              <a:buChar char="•"/>
+              <a:defRPr sz="2400">
+                <a:solidFill>
+                  <a:schemeClr val="tx1"/>
+                </a:solidFill>
+                <a:latin typeface="Times New Roman" panose="02020603050405020304" pitchFamily="18" charset="0"/>
+                <a:ea typeface="MS PGothic" panose="020B0600070205080204" pitchFamily="34" charset="-128"/>
+              </a:defRPr>
+            </a:lvl6pPr>
+            <a:lvl7pPr marL="2971800" indent="-228600" algn="r" eaLnBrk="0" fontAlgn="base" hangingPunct="0">
+              <a:spcBef>
+                <a:spcPct val="0"/>
+              </a:spcBef>
+              <a:spcAft>
+                <a:spcPct val="0"/>
+              </a:spcAft>
+              <a:buChar char="•"/>
+              <a:defRPr sz="2400">
+                <a:solidFill>
+                  <a:schemeClr val="tx1"/>
+                </a:solidFill>
+                <a:latin typeface="Times New Roman" panose="02020603050405020304" pitchFamily="18" charset="0"/>
+                <a:ea typeface="MS PGothic" panose="020B0600070205080204" pitchFamily="34" charset="-128"/>
+              </a:defRPr>
+            </a:lvl7pPr>
+            <a:lvl8pPr marL="3429000" indent="-228600" algn="r" eaLnBrk="0" fontAlgn="base" hangingPunct="0">
+              <a:spcBef>
+                <a:spcPct val="0"/>
+              </a:spcBef>
+              <a:spcAft>
+                <a:spcPct val="0"/>
+              </a:spcAft>
+              <a:buChar char="•"/>
+              <a:defRPr sz="2400">
+                <a:solidFill>
+                  <a:schemeClr val="tx1"/>
+                </a:solidFill>
+                <a:latin typeface="Times New Roman" panose="02020603050405020304" pitchFamily="18" charset="0"/>
+                <a:ea typeface="MS PGothic" panose="020B0600070205080204" pitchFamily="34" charset="-128"/>
+              </a:defRPr>
+            </a:lvl8pPr>
+            <a:lvl9pPr marL="3886200" indent="-228600" algn="r" eaLnBrk="0" fontAlgn="base" hangingPunct="0">
+              <a:spcBef>
+                <a:spcPct val="0"/>
+              </a:spcBef>
+              <a:spcAft>
+                <a:spcPct val="0"/>
+              </a:spcAft>
+              <a:buChar char="•"/>
+              <a:defRPr sz="2400">
+                <a:solidFill>
+                  <a:schemeClr val="tx1"/>
+                </a:solidFill>
+                <a:latin typeface="Times New Roman" panose="02020603050405020304" pitchFamily="18" charset="0"/>
+                <a:ea typeface="MS PGothic" panose="020B0600070205080204" pitchFamily="34" charset="-128"/>
+              </a:defRPr>
+            </a:lvl9pPr>
+          </a:lstStyle>
+          <a:p>
+            <a:pPr algn="ctr" eaLnBrk="1" hangingPunct="1">
+              <a:spcBef>
+                <a:spcPct val="50000"/>
+              </a:spcBef>
+              <a:buFontTx/>
+              <a:buNone/>
+            </a:pPr>
+            <a:r>
+              <a:rPr lang="en-GB" sz="1600" dirty="0">
+                <a:latin typeface="+mn-lt"/>
+              </a:rPr>
+              <a:t>1</a:t>
+            </a:r>
+          </a:p>
+        </p:txBody>
+      </p:sp>
+      <p:sp>
+        <p:nvSpPr>
+          <p:cNvPr id="21" name="Text Box 25">
+            <a:extLst>
+              <a:ext uri="{FF2B5EF4-FFF2-40B4-BE49-F238E27FC236}">
+                <a16:creationId xmlns:a16="http://schemas.microsoft.com/office/drawing/2014/main" id="{A663D71C-3984-493D-A832-2732B2F90E08}"/>
+              </a:ext>
+            </a:extLst>
+          </p:cNvPr>
+          <p:cNvSpPr txBox="1">
+            <a:spLocks noChangeArrowheads="1"/>
+          </p:cNvSpPr>
+          <p:nvPr/>
+        </p:nvSpPr>
+        <p:spPr bwMode="auto">
+          <a:xfrm>
+            <a:off x="3686549" y="3374870"/>
+            <a:ext cx="242264" cy="338554"/>
+          </a:xfrm>
+          <a:prstGeom prst="rect">
+            <a:avLst/>
+          </a:prstGeom>
+          <a:noFill/>
+          <a:ln>
+            <a:noFill/>
+          </a:ln>
+          <a:extLst>
+            <a:ext uri="{909E8E84-426E-40dd-AFC4-6F175D3DCCD1}">
+              <a14:hiddenFill xmlns="" xmlns:a14="http://schemas.microsoft.com/office/drawing/2010/main">
+                <a:solidFill>
+                  <a:srgbClr val="FFFFFF"/>
+                </a:solidFill>
+              </a14:hiddenFill>
+            </a:ext>
+            <a:ext uri="{91240B29-F687-4f45-9708-019B960494DF}">
+              <a14:hiddenLine xmlns="" xmlns:a14="http://schemas.microsoft.com/office/drawing/2010/main" w="9525">
+                <a:solidFill>
+                  <a:srgbClr val="000000"/>
+                </a:solidFill>
+                <a:miter lim="800000"/>
+                <a:headEnd/>
+                <a:tailEnd/>
+              </a14:hiddenLine>
+            </a:ext>
+          </a:extLst>
+        </p:spPr>
+        <p:txBody>
+          <a:bodyPr wrap="square">
+            <a:spAutoFit/>
+          </a:bodyPr>
+          <a:lstStyle>
+            <a:lvl1pPr>
+              <a:defRPr sz="2400">
+                <a:solidFill>
+                  <a:schemeClr val="tx1"/>
+                </a:solidFill>
+                <a:latin typeface="Times New Roman" panose="02020603050405020304" pitchFamily="18" charset="0"/>
+                <a:ea typeface="MS PGothic" panose="020B0600070205080204" pitchFamily="34" charset="-128"/>
+              </a:defRPr>
+            </a:lvl1pPr>
+            <a:lvl2pPr marL="742950" indent="-285750">
+              <a:defRPr sz="2400">
+                <a:solidFill>
+                  <a:schemeClr val="tx1"/>
+                </a:solidFill>
+                <a:latin typeface="Times New Roman" panose="02020603050405020304" pitchFamily="18" charset="0"/>
+                <a:ea typeface="MS PGothic" panose="020B0600070205080204" pitchFamily="34" charset="-128"/>
+              </a:defRPr>
+            </a:lvl2pPr>
+            <a:lvl3pPr marL="1143000" indent="-228600">
+              <a:defRPr sz="2400">
+                <a:solidFill>
+                  <a:schemeClr val="tx1"/>
+                </a:solidFill>
+                <a:latin typeface="Times New Roman" panose="02020603050405020304" pitchFamily="18" charset="0"/>
+                <a:ea typeface="MS PGothic" panose="020B0600070205080204" pitchFamily="34" charset="-128"/>
+              </a:defRPr>
+            </a:lvl3pPr>
+            <a:lvl4pPr marL="1600200" indent="-228600">
+              <a:defRPr sz="2400">
+                <a:solidFill>
+                  <a:schemeClr val="tx1"/>
+                </a:solidFill>
+                <a:latin typeface="Times New Roman" panose="02020603050405020304" pitchFamily="18" charset="0"/>
+                <a:ea typeface="MS PGothic" panose="020B0600070205080204" pitchFamily="34" charset="-128"/>
+              </a:defRPr>
+            </a:lvl4pPr>
+            <a:lvl5pPr marL="2057400" indent="-228600">
+              <a:defRPr sz="2400">
+                <a:solidFill>
+                  <a:schemeClr val="tx1"/>
+                </a:solidFill>
+                <a:latin typeface="Times New Roman" panose="02020603050405020304" pitchFamily="18" charset="0"/>
+                <a:ea typeface="MS PGothic" panose="020B0600070205080204" pitchFamily="34" charset="-128"/>
+              </a:defRPr>
+            </a:lvl5pPr>
+            <a:lvl6pPr marL="2514600" indent="-228600" algn="r" eaLnBrk="0" fontAlgn="base" hangingPunct="0">
+              <a:spcBef>
+                <a:spcPct val="0"/>
+              </a:spcBef>
+              <a:spcAft>
+                <a:spcPct val="0"/>
+              </a:spcAft>
+              <a:buChar char="•"/>
+              <a:defRPr sz="2400">
+                <a:solidFill>
+                  <a:schemeClr val="tx1"/>
+                </a:solidFill>
+                <a:latin typeface="Times New Roman" panose="02020603050405020304" pitchFamily="18" charset="0"/>
+                <a:ea typeface="MS PGothic" panose="020B0600070205080204" pitchFamily="34" charset="-128"/>
+              </a:defRPr>
+            </a:lvl6pPr>
+            <a:lvl7pPr marL="2971800" indent="-228600" algn="r" eaLnBrk="0" fontAlgn="base" hangingPunct="0">
+              <a:spcBef>
+                <a:spcPct val="0"/>
+              </a:spcBef>
+              <a:spcAft>
+                <a:spcPct val="0"/>
+              </a:spcAft>
+              <a:buChar char="•"/>
+              <a:defRPr sz="2400">
+                <a:solidFill>
+                  <a:schemeClr val="tx1"/>
+                </a:solidFill>
+                <a:latin typeface="Times New Roman" panose="02020603050405020304" pitchFamily="18" charset="0"/>
+                <a:ea typeface="MS PGothic" panose="020B0600070205080204" pitchFamily="34" charset="-128"/>
+              </a:defRPr>
+            </a:lvl7pPr>
+            <a:lvl8pPr marL="3429000" indent="-228600" algn="r" eaLnBrk="0" fontAlgn="base" hangingPunct="0">
+              <a:spcBef>
+                <a:spcPct val="0"/>
+              </a:spcBef>
+              <a:spcAft>
+                <a:spcPct val="0"/>
+              </a:spcAft>
+              <a:buChar char="•"/>
+              <a:defRPr sz="2400">
+                <a:solidFill>
+                  <a:schemeClr val="tx1"/>
+                </a:solidFill>
+                <a:latin typeface="Times New Roman" panose="02020603050405020304" pitchFamily="18" charset="0"/>
+                <a:ea typeface="MS PGothic" panose="020B0600070205080204" pitchFamily="34" charset="-128"/>
+              </a:defRPr>
+            </a:lvl8pPr>
+            <a:lvl9pPr marL="3886200" indent="-228600" algn="r" eaLnBrk="0" fontAlgn="base" hangingPunct="0">
+              <a:spcBef>
+                <a:spcPct val="0"/>
+              </a:spcBef>
+              <a:spcAft>
+                <a:spcPct val="0"/>
+              </a:spcAft>
+              <a:buChar char="•"/>
+              <a:defRPr sz="2400">
+                <a:solidFill>
+                  <a:schemeClr val="tx1"/>
+                </a:solidFill>
+                <a:latin typeface="Times New Roman" panose="02020603050405020304" pitchFamily="18" charset="0"/>
+                <a:ea typeface="MS PGothic" panose="020B0600070205080204" pitchFamily="34" charset="-128"/>
+              </a:defRPr>
+            </a:lvl9pPr>
+          </a:lstStyle>
+          <a:p>
+            <a:pPr algn="ctr" eaLnBrk="1" hangingPunct="1">
+              <a:spcBef>
+                <a:spcPct val="50000"/>
+              </a:spcBef>
+              <a:buFontTx/>
+              <a:buNone/>
+            </a:pPr>
+            <a:r>
+              <a:rPr lang="en-GB" sz="1600" dirty="0">
+                <a:latin typeface="+mn-lt"/>
+              </a:rPr>
+              <a:t>*</a:t>
+            </a:r>
+          </a:p>
+        </p:txBody>
+      </p:sp>
+    </p:spTree>
+    <p:extLst>
+      <p:ext uri="{BB962C8B-B14F-4D97-AF65-F5344CB8AC3E}">
+        <p14:creationId xmlns:p14="http://schemas.microsoft.com/office/powerpoint/2010/main" val="921603702"/>
       </p:ext>
     </p:extLst>
   </p:cSld>

--- a/software-engineering/slides/uml.pptx
+++ b/software-engineering/slides/uml.pptx
@@ -12,6 +12,8 @@
     <p:sldId id="260" r:id="rId6"/>
     <p:sldId id="261" r:id="rId7"/>
     <p:sldId id="262" r:id="rId8"/>
+    <p:sldId id="263" r:id="rId9"/>
+    <p:sldId id="264" r:id="rId10"/>
   </p:sldIdLst>
   <p:sldSz cx="12192000" cy="6858000"/>
   <p:notesSz cx="6858000" cy="9144000"/>
@@ -265,7 +267,7 @@
           <a:p>
             <a:fld id="{9B5DFB4D-25A4-4008-8635-D2632B3E843C}" type="datetimeFigureOut">
               <a:rPr lang="en-US" smtClean="0"/>
-              <a:t>1/24/2019</a:t>
+              <a:t>1/31/2019</a:t>
             </a:fld>
             <a:endParaRPr lang="en-US"/>
           </a:p>
@@ -463,7 +465,7 @@
           <a:p>
             <a:fld id="{9B5DFB4D-25A4-4008-8635-D2632B3E843C}" type="datetimeFigureOut">
               <a:rPr lang="en-US" smtClean="0"/>
-              <a:t>1/24/2019</a:t>
+              <a:t>1/31/2019</a:t>
             </a:fld>
             <a:endParaRPr lang="en-US"/>
           </a:p>
@@ -671,7 +673,7 @@
           <a:p>
             <a:fld id="{9B5DFB4D-25A4-4008-8635-D2632B3E843C}" type="datetimeFigureOut">
               <a:rPr lang="en-US" smtClean="0"/>
-              <a:t>1/24/2019</a:t>
+              <a:t>1/31/2019</a:t>
             </a:fld>
             <a:endParaRPr lang="en-US"/>
           </a:p>
@@ -869,7 +871,7 @@
           <a:p>
             <a:fld id="{9B5DFB4D-25A4-4008-8635-D2632B3E843C}" type="datetimeFigureOut">
               <a:rPr lang="en-US" smtClean="0"/>
-              <a:t>1/24/2019</a:t>
+              <a:t>1/31/2019</a:t>
             </a:fld>
             <a:endParaRPr lang="en-US"/>
           </a:p>
@@ -1144,7 +1146,7 @@
           <a:p>
             <a:fld id="{9B5DFB4D-25A4-4008-8635-D2632B3E843C}" type="datetimeFigureOut">
               <a:rPr lang="en-US" smtClean="0"/>
-              <a:t>1/24/2019</a:t>
+              <a:t>1/31/2019</a:t>
             </a:fld>
             <a:endParaRPr lang="en-US"/>
           </a:p>
@@ -1409,7 +1411,7 @@
           <a:p>
             <a:fld id="{9B5DFB4D-25A4-4008-8635-D2632B3E843C}" type="datetimeFigureOut">
               <a:rPr lang="en-US" smtClean="0"/>
-              <a:t>1/24/2019</a:t>
+              <a:t>1/31/2019</a:t>
             </a:fld>
             <a:endParaRPr lang="en-US"/>
           </a:p>
@@ -1821,7 +1823,7 @@
           <a:p>
             <a:fld id="{9B5DFB4D-25A4-4008-8635-D2632B3E843C}" type="datetimeFigureOut">
               <a:rPr lang="en-US" smtClean="0"/>
-              <a:t>1/24/2019</a:t>
+              <a:t>1/31/2019</a:t>
             </a:fld>
             <a:endParaRPr lang="en-US"/>
           </a:p>
@@ -1962,7 +1964,7 @@
           <a:p>
             <a:fld id="{9B5DFB4D-25A4-4008-8635-D2632B3E843C}" type="datetimeFigureOut">
               <a:rPr lang="en-US" smtClean="0"/>
-              <a:t>1/24/2019</a:t>
+              <a:t>1/31/2019</a:t>
             </a:fld>
             <a:endParaRPr lang="en-US"/>
           </a:p>
@@ -2075,7 +2077,7 @@
           <a:p>
             <a:fld id="{9B5DFB4D-25A4-4008-8635-D2632B3E843C}" type="datetimeFigureOut">
               <a:rPr lang="en-US" smtClean="0"/>
-              <a:t>1/24/2019</a:t>
+              <a:t>1/31/2019</a:t>
             </a:fld>
             <a:endParaRPr lang="en-US"/>
           </a:p>
@@ -2386,7 +2388,7 @@
           <a:p>
             <a:fld id="{9B5DFB4D-25A4-4008-8635-D2632B3E843C}" type="datetimeFigureOut">
               <a:rPr lang="en-US" smtClean="0"/>
-              <a:t>1/24/2019</a:t>
+              <a:t>1/31/2019</a:t>
             </a:fld>
             <a:endParaRPr lang="en-US"/>
           </a:p>
@@ -2674,7 +2676,7 @@
           <a:p>
             <a:fld id="{9B5DFB4D-25A4-4008-8635-D2632B3E843C}" type="datetimeFigureOut">
               <a:rPr lang="en-US" smtClean="0"/>
-              <a:t>1/24/2019</a:t>
+              <a:t>1/31/2019</a:t>
             </a:fld>
             <a:endParaRPr lang="en-US"/>
           </a:p>
@@ -2915,7 +2917,7 @@
           <a:p>
             <a:fld id="{9B5DFB4D-25A4-4008-8635-D2632B3E843C}" type="datetimeFigureOut">
               <a:rPr lang="en-US" smtClean="0"/>
-              <a:t>1/24/2019</a:t>
+              <a:t>1/31/2019</a:t>
             </a:fld>
             <a:endParaRPr lang="en-US"/>
           </a:p>
@@ -3387,7 +3389,7 @@
             </a:ln>
             <a:extLst>
               <a:ext uri="{909E8E84-426E-40dd-AFC4-6F175D3DCCD1}">
-                <a14:hiddenFill xmlns="" xmlns:a14="http://schemas.microsoft.com/office/drawing/2010/main">
+                <a14:hiddenFill xmlns:a14="http://schemas.microsoft.com/office/drawing/2010/main" xmlns="">
                   <a:solidFill>
                     <a:srgbClr val="FFFFFF"/>
                   </a:solidFill>
@@ -3546,7 +3548,7 @@
             </a:ln>
             <a:extLst>
               <a:ext uri="{909E8E84-426E-40dd-AFC4-6F175D3DCCD1}">
-                <a14:hiddenFill xmlns="" xmlns:a14="http://schemas.microsoft.com/office/drawing/2010/main">
+                <a14:hiddenFill xmlns:a14="http://schemas.microsoft.com/office/drawing/2010/main" xmlns="">
                   <a:noFill/>
                 </a14:hiddenFill>
               </a:ext>
@@ -3593,7 +3595,7 @@
             </a:ln>
             <a:extLst>
               <a:ext uri="{909E8E84-426E-40dd-AFC4-6F175D3DCCD1}">
-                <a14:hiddenFill xmlns="" xmlns:a14="http://schemas.microsoft.com/office/drawing/2010/main">
+                <a14:hiddenFill xmlns:a14="http://schemas.microsoft.com/office/drawing/2010/main" xmlns="">
                   <a:noFill/>
                 </a14:hiddenFill>
               </a:ext>
@@ -3640,7 +3642,7 @@
             </a:ln>
             <a:extLst>
               <a:ext uri="{909E8E84-426E-40dd-AFC4-6F175D3DCCD1}">
-                <a14:hiddenFill xmlns="" xmlns:a14="http://schemas.microsoft.com/office/drawing/2010/main">
+                <a14:hiddenFill xmlns:a14="http://schemas.microsoft.com/office/drawing/2010/main" xmlns="">
                   <a:noFill/>
                 </a14:hiddenFill>
               </a:ext>
@@ -3687,7 +3689,7 @@
             </a:ln>
             <a:extLst>
               <a:ext uri="{909E8E84-426E-40dd-AFC4-6F175D3DCCD1}">
-                <a14:hiddenFill xmlns="" xmlns:a14="http://schemas.microsoft.com/office/drawing/2010/main">
+                <a14:hiddenFill xmlns:a14="http://schemas.microsoft.com/office/drawing/2010/main" xmlns="">
                   <a:noFill/>
                 </a14:hiddenFill>
               </a:ext>
@@ -3730,14 +3732,14 @@
           </a:ln>
           <a:extLst>
             <a:ext uri="{909E8E84-426E-40dd-AFC4-6F175D3DCCD1}">
-              <a14:hiddenFill xmlns="" xmlns:a14="http://schemas.microsoft.com/office/drawing/2010/main">
+              <a14:hiddenFill xmlns:a14="http://schemas.microsoft.com/office/drawing/2010/main" xmlns="">
                 <a:solidFill>
                   <a:srgbClr val="FFFFFF"/>
                 </a:solidFill>
               </a14:hiddenFill>
             </a:ext>
             <a:ext uri="{91240B29-F687-4f45-9708-019B960494DF}">
-              <a14:hiddenLine xmlns="" xmlns:a14="http://schemas.microsoft.com/office/drawing/2010/main" w="9525">
+              <a14:hiddenLine xmlns:a14="http://schemas.microsoft.com/office/drawing/2010/main" xmlns="" w="9525">
                 <a:solidFill>
                   <a:srgbClr val="000000"/>
                 </a:solidFill>
@@ -3913,7 +3915,7 @@
           </a:ln>
           <a:extLst>
             <a:ext uri="{909E8E84-426E-40dd-AFC4-6F175D3DCCD1}">
-              <a14:hiddenFill xmlns="" xmlns:a14="http://schemas.microsoft.com/office/drawing/2010/main">
+              <a14:hiddenFill xmlns:a14="http://schemas.microsoft.com/office/drawing/2010/main" xmlns="">
                 <a:solidFill>
                   <a:srgbClr val="FFFFFF"/>
                 </a:solidFill>
@@ -4072,7 +4074,7 @@
           </a:ln>
           <a:extLst>
             <a:ext uri="{909E8E84-426E-40dd-AFC4-6F175D3DCCD1}">
-              <a14:hiddenFill xmlns="" xmlns:a14="http://schemas.microsoft.com/office/drawing/2010/main">
+              <a14:hiddenFill xmlns:a14="http://schemas.microsoft.com/office/drawing/2010/main" xmlns="">
                 <a:noFill/>
               </a14:hiddenFill>
             </a:ext>
@@ -4414,7 +4416,7 @@
           </a:ln>
           <a:extLst>
             <a:ext uri="{909E8E84-426E-40dd-AFC4-6F175D3DCCD1}">
-              <a14:hiddenFill xmlns="" xmlns:a14="http://schemas.microsoft.com/office/drawing/2010/main">
+              <a14:hiddenFill xmlns:a14="http://schemas.microsoft.com/office/drawing/2010/main" xmlns="">
                 <a:noFill/>
               </a14:hiddenFill>
             </a:ext>
@@ -4461,7 +4463,7 @@
           </a:ln>
           <a:extLst>
             <a:ext uri="{909E8E84-426E-40dd-AFC4-6F175D3DCCD1}">
-              <a14:hiddenFill xmlns="" xmlns:a14="http://schemas.microsoft.com/office/drawing/2010/main">
+              <a14:hiddenFill xmlns:a14="http://schemas.microsoft.com/office/drawing/2010/main" xmlns="">
                 <a:noFill/>
               </a14:hiddenFill>
             </a:ext>
@@ -4508,7 +4510,7 @@
           </a:ln>
           <a:extLst>
             <a:ext uri="{909E8E84-426E-40dd-AFC4-6F175D3DCCD1}">
-              <a14:hiddenFill xmlns="" xmlns:a14="http://schemas.microsoft.com/office/drawing/2010/main">
+              <a14:hiddenFill xmlns:a14="http://schemas.microsoft.com/office/drawing/2010/main" xmlns="">
                 <a:noFill/>
               </a14:hiddenFill>
             </a:ext>
@@ -4577,7 +4579,7 @@
             </a:ln>
             <a:extLst>
               <a:ext uri="{909E8E84-426E-40dd-AFC4-6F175D3DCCD1}">
-                <a14:hiddenFill xmlns="" xmlns:a14="http://schemas.microsoft.com/office/drawing/2010/main">
+                <a14:hiddenFill xmlns:a14="http://schemas.microsoft.com/office/drawing/2010/main" xmlns="">
                   <a:solidFill>
                     <a:srgbClr val="FFFFFF"/>
                   </a:solidFill>
@@ -4736,7 +4738,7 @@
             </a:ln>
             <a:extLst>
               <a:ext uri="{909E8E84-426E-40dd-AFC4-6F175D3DCCD1}">
-                <a14:hiddenFill xmlns="" xmlns:a14="http://schemas.microsoft.com/office/drawing/2010/main">
+                <a14:hiddenFill xmlns:a14="http://schemas.microsoft.com/office/drawing/2010/main" xmlns="">
                   <a:noFill/>
                 </a14:hiddenFill>
               </a:ext>
@@ -4783,7 +4785,7 @@
             </a:ln>
             <a:extLst>
               <a:ext uri="{909E8E84-426E-40dd-AFC4-6F175D3DCCD1}">
-                <a14:hiddenFill xmlns="" xmlns:a14="http://schemas.microsoft.com/office/drawing/2010/main">
+                <a14:hiddenFill xmlns:a14="http://schemas.microsoft.com/office/drawing/2010/main" xmlns="">
                   <a:noFill/>
                 </a14:hiddenFill>
               </a:ext>
@@ -4830,7 +4832,7 @@
             </a:ln>
             <a:extLst>
               <a:ext uri="{909E8E84-426E-40dd-AFC4-6F175D3DCCD1}">
-                <a14:hiddenFill xmlns="" xmlns:a14="http://schemas.microsoft.com/office/drawing/2010/main">
+                <a14:hiddenFill xmlns:a14="http://schemas.microsoft.com/office/drawing/2010/main" xmlns="">
                   <a:noFill/>
                 </a14:hiddenFill>
               </a:ext>
@@ -4877,7 +4879,7 @@
             </a:ln>
             <a:extLst>
               <a:ext uri="{909E8E84-426E-40dd-AFC4-6F175D3DCCD1}">
-                <a14:hiddenFill xmlns="" xmlns:a14="http://schemas.microsoft.com/office/drawing/2010/main">
+                <a14:hiddenFill xmlns:a14="http://schemas.microsoft.com/office/drawing/2010/main" xmlns="">
                   <a:noFill/>
                 </a14:hiddenFill>
               </a:ext>
@@ -4920,14 +4922,14 @@
           </a:ln>
           <a:extLst>
             <a:ext uri="{909E8E84-426E-40dd-AFC4-6F175D3DCCD1}">
-              <a14:hiddenFill xmlns="" xmlns:a14="http://schemas.microsoft.com/office/drawing/2010/main">
+              <a14:hiddenFill xmlns:a14="http://schemas.microsoft.com/office/drawing/2010/main" xmlns="">
                 <a:solidFill>
                   <a:srgbClr val="FFFFFF"/>
                 </a:solidFill>
               </a14:hiddenFill>
             </a:ext>
             <a:ext uri="{91240B29-F687-4f45-9708-019B960494DF}">
-              <a14:hiddenLine xmlns="" xmlns:a14="http://schemas.microsoft.com/office/drawing/2010/main" w="9525">
+              <a14:hiddenLine xmlns:a14="http://schemas.microsoft.com/office/drawing/2010/main" xmlns="" w="9525">
                 <a:solidFill>
                   <a:srgbClr val="000000"/>
                 </a:solidFill>
@@ -5103,7 +5105,7 @@
           </a:ln>
           <a:extLst>
             <a:ext uri="{909E8E84-426E-40dd-AFC4-6F175D3DCCD1}">
-              <a14:hiddenFill xmlns="" xmlns:a14="http://schemas.microsoft.com/office/drawing/2010/main">
+              <a14:hiddenFill xmlns:a14="http://schemas.microsoft.com/office/drawing/2010/main" xmlns="">
                 <a:noFill/>
               </a14:hiddenFill>
             </a:ext>
@@ -5150,7 +5152,7 @@
           </a:ln>
           <a:extLst>
             <a:ext uri="{909E8E84-426E-40dd-AFC4-6F175D3DCCD1}">
-              <a14:hiddenFill xmlns="" xmlns:a14="http://schemas.microsoft.com/office/drawing/2010/main">
+              <a14:hiddenFill xmlns:a14="http://schemas.microsoft.com/office/drawing/2010/main" xmlns="">
                 <a:noFill/>
               </a14:hiddenFill>
             </a:ext>
@@ -5197,7 +5199,7 @@
           </a:ln>
           <a:extLst>
             <a:ext uri="{909E8E84-426E-40dd-AFC4-6F175D3DCCD1}">
-              <a14:hiddenFill xmlns="" xmlns:a14="http://schemas.microsoft.com/office/drawing/2010/main">
+              <a14:hiddenFill xmlns:a14="http://schemas.microsoft.com/office/drawing/2010/main" xmlns="">
                 <a:noFill/>
               </a14:hiddenFill>
             </a:ext>
@@ -5296,7 +5298,7 @@
             </a:ln>
             <a:extLst>
               <a:ext uri="{909E8E84-426E-40dd-AFC4-6F175D3DCCD1}">
-                <a14:hiddenFill xmlns="" xmlns:a14="http://schemas.microsoft.com/office/drawing/2010/main">
+                <a14:hiddenFill xmlns:a14="http://schemas.microsoft.com/office/drawing/2010/main" xmlns="">
                   <a:solidFill>
                     <a:srgbClr val="FFFFFF"/>
                   </a:solidFill>
@@ -5455,7 +5457,7 @@
             </a:ln>
             <a:extLst>
               <a:ext uri="{909E8E84-426E-40dd-AFC4-6F175D3DCCD1}">
-                <a14:hiddenFill xmlns="" xmlns:a14="http://schemas.microsoft.com/office/drawing/2010/main">
+                <a14:hiddenFill xmlns:a14="http://schemas.microsoft.com/office/drawing/2010/main" xmlns="">
                   <a:noFill/>
                 </a14:hiddenFill>
               </a:ext>
@@ -5502,7 +5504,7 @@
             </a:ln>
             <a:extLst>
               <a:ext uri="{909E8E84-426E-40dd-AFC4-6F175D3DCCD1}">
-                <a14:hiddenFill xmlns="" xmlns:a14="http://schemas.microsoft.com/office/drawing/2010/main">
+                <a14:hiddenFill xmlns:a14="http://schemas.microsoft.com/office/drawing/2010/main" xmlns="">
                   <a:noFill/>
                 </a14:hiddenFill>
               </a:ext>
@@ -5549,7 +5551,7 @@
             </a:ln>
             <a:extLst>
               <a:ext uri="{909E8E84-426E-40dd-AFC4-6F175D3DCCD1}">
-                <a14:hiddenFill xmlns="" xmlns:a14="http://schemas.microsoft.com/office/drawing/2010/main">
+                <a14:hiddenFill xmlns:a14="http://schemas.microsoft.com/office/drawing/2010/main" xmlns="">
                   <a:noFill/>
                 </a14:hiddenFill>
               </a:ext>
@@ -5596,7 +5598,7 @@
             </a:ln>
             <a:extLst>
               <a:ext uri="{909E8E84-426E-40dd-AFC4-6F175D3DCCD1}">
-                <a14:hiddenFill xmlns="" xmlns:a14="http://schemas.microsoft.com/office/drawing/2010/main">
+                <a14:hiddenFill xmlns:a14="http://schemas.microsoft.com/office/drawing/2010/main" xmlns="">
                   <a:noFill/>
                 </a14:hiddenFill>
               </a:ext>
@@ -5639,14 +5641,14 @@
           </a:ln>
           <a:extLst>
             <a:ext uri="{909E8E84-426E-40dd-AFC4-6F175D3DCCD1}">
-              <a14:hiddenFill xmlns="" xmlns:a14="http://schemas.microsoft.com/office/drawing/2010/main">
+              <a14:hiddenFill xmlns:a14="http://schemas.microsoft.com/office/drawing/2010/main" xmlns="">
                 <a:solidFill>
                   <a:srgbClr val="FFFFFF"/>
                 </a:solidFill>
               </a14:hiddenFill>
             </a:ext>
             <a:ext uri="{91240B29-F687-4f45-9708-019B960494DF}">
-              <a14:hiddenLine xmlns="" xmlns:a14="http://schemas.microsoft.com/office/drawing/2010/main" w="9525">
+              <a14:hiddenLine xmlns:a14="http://schemas.microsoft.com/office/drawing/2010/main" xmlns="" w="9525">
                 <a:solidFill>
                   <a:srgbClr val="000000"/>
                 </a:solidFill>
@@ -5940,7 +5942,7 @@
           </a:ln>
           <a:extLst>
             <a:ext uri="{909E8E84-426E-40dd-AFC4-6F175D3DCCD1}">
-              <a14:hiddenFill xmlns="" xmlns:a14="http://schemas.microsoft.com/office/drawing/2010/main">
+              <a14:hiddenFill xmlns:a14="http://schemas.microsoft.com/office/drawing/2010/main" xmlns="">
                 <a:noFill/>
               </a14:hiddenFill>
             </a:ext>
@@ -6009,7 +6011,7 @@
             </a:ln>
             <a:extLst>
               <a:ext uri="{909E8E84-426E-40dd-AFC4-6F175D3DCCD1}">
-                <a14:hiddenFill xmlns="" xmlns:a14="http://schemas.microsoft.com/office/drawing/2010/main">
+                <a14:hiddenFill xmlns:a14="http://schemas.microsoft.com/office/drawing/2010/main" xmlns="">
                   <a:solidFill>
                     <a:srgbClr val="FFFFFF"/>
                   </a:solidFill>
@@ -6168,7 +6170,7 @@
             </a:ln>
             <a:extLst>
               <a:ext uri="{909E8E84-426E-40dd-AFC4-6F175D3DCCD1}">
-                <a14:hiddenFill xmlns="" xmlns:a14="http://schemas.microsoft.com/office/drawing/2010/main">
+                <a14:hiddenFill xmlns:a14="http://schemas.microsoft.com/office/drawing/2010/main" xmlns="">
                   <a:noFill/>
                 </a14:hiddenFill>
               </a:ext>
@@ -6215,7 +6217,7 @@
             </a:ln>
             <a:extLst>
               <a:ext uri="{909E8E84-426E-40dd-AFC4-6F175D3DCCD1}">
-                <a14:hiddenFill xmlns="" xmlns:a14="http://schemas.microsoft.com/office/drawing/2010/main">
+                <a14:hiddenFill xmlns:a14="http://schemas.microsoft.com/office/drawing/2010/main" xmlns="">
                   <a:noFill/>
                 </a14:hiddenFill>
               </a:ext>
@@ -6262,7 +6264,7 @@
             </a:ln>
             <a:extLst>
               <a:ext uri="{909E8E84-426E-40dd-AFC4-6F175D3DCCD1}">
-                <a14:hiddenFill xmlns="" xmlns:a14="http://schemas.microsoft.com/office/drawing/2010/main">
+                <a14:hiddenFill xmlns:a14="http://schemas.microsoft.com/office/drawing/2010/main" xmlns="">
                   <a:noFill/>
                 </a14:hiddenFill>
               </a:ext>
@@ -6309,7 +6311,7 @@
             </a:ln>
             <a:extLst>
               <a:ext uri="{909E8E84-426E-40dd-AFC4-6F175D3DCCD1}">
-                <a14:hiddenFill xmlns="" xmlns:a14="http://schemas.microsoft.com/office/drawing/2010/main">
+                <a14:hiddenFill xmlns:a14="http://schemas.microsoft.com/office/drawing/2010/main" xmlns="">
                   <a:noFill/>
                 </a14:hiddenFill>
               </a:ext>
@@ -6352,14 +6354,14 @@
           </a:ln>
           <a:extLst>
             <a:ext uri="{909E8E84-426E-40dd-AFC4-6F175D3DCCD1}">
-              <a14:hiddenFill xmlns="" xmlns:a14="http://schemas.microsoft.com/office/drawing/2010/main">
+              <a14:hiddenFill xmlns:a14="http://schemas.microsoft.com/office/drawing/2010/main" xmlns="">
                 <a:solidFill>
                   <a:srgbClr val="FFFFFF"/>
                 </a:solidFill>
               </a14:hiddenFill>
             </a:ext>
             <a:ext uri="{91240B29-F687-4f45-9708-019B960494DF}">
-              <a14:hiddenLine xmlns="" xmlns:a14="http://schemas.microsoft.com/office/drawing/2010/main" w="9525">
+              <a14:hiddenLine xmlns:a14="http://schemas.microsoft.com/office/drawing/2010/main" xmlns="" w="9525">
                 <a:solidFill>
                   <a:srgbClr val="000000"/>
                 </a:solidFill>
@@ -6589,7 +6591,7 @@
           </a:ln>
           <a:extLst>
             <a:ext uri="{909E8E84-426E-40dd-AFC4-6F175D3DCCD1}">
-              <a14:hiddenFill xmlns="" xmlns:a14="http://schemas.microsoft.com/office/drawing/2010/main">
+              <a14:hiddenFill xmlns:a14="http://schemas.microsoft.com/office/drawing/2010/main" xmlns="">
                 <a:noFill/>
               </a14:hiddenFill>
             </a:ext>
@@ -6809,7 +6811,7 @@
           </a:ln>
           <a:extLst>
             <a:ext uri="{909E8E84-426E-40dd-AFC4-6F175D3DCCD1}">
-              <a14:hiddenFill xmlns="" xmlns:a14="http://schemas.microsoft.com/office/drawing/2010/main">
+              <a14:hiddenFill xmlns:a14="http://schemas.microsoft.com/office/drawing/2010/main" xmlns="">
                 <a:noFill/>
               </a14:hiddenFill>
             </a:ext>
@@ -7069,7 +7071,7 @@
           </a:ln>
           <a:extLst>
             <a:ext uri="{909E8E84-426E-40dd-AFC4-6F175D3DCCD1}">
-              <a14:hiddenFill xmlns="" xmlns:a14="http://schemas.microsoft.com/office/drawing/2010/main">
+              <a14:hiddenFill xmlns:a14="http://schemas.microsoft.com/office/drawing/2010/main" xmlns="">
                 <a:noFill/>
               </a14:hiddenFill>
             </a:ext>
@@ -7170,7 +7172,7 @@
           </a:ln>
           <a:extLst>
             <a:ext uri="{909E8E84-426E-40dd-AFC4-6F175D3DCCD1}">
-              <a14:hiddenFill xmlns="" xmlns:a14="http://schemas.microsoft.com/office/drawing/2010/main">
+              <a14:hiddenFill xmlns:a14="http://schemas.microsoft.com/office/drawing/2010/main" xmlns="">
                 <a:noFill/>
               </a14:hiddenFill>
             </a:ext>
@@ -7217,7 +7219,7 @@
           </a:ln>
           <a:extLst>
             <a:ext uri="{909E8E84-426E-40dd-AFC4-6F175D3DCCD1}">
-              <a14:hiddenFill xmlns="" xmlns:a14="http://schemas.microsoft.com/office/drawing/2010/main">
+              <a14:hiddenFill xmlns:a14="http://schemas.microsoft.com/office/drawing/2010/main" xmlns="">
                 <a:noFill/>
               </a14:hiddenFill>
             </a:ext>
@@ -7264,7 +7266,7 @@
           </a:ln>
           <a:extLst>
             <a:ext uri="{909E8E84-426E-40dd-AFC4-6F175D3DCCD1}">
-              <a14:hiddenFill xmlns="" xmlns:a14="http://schemas.microsoft.com/office/drawing/2010/main">
+              <a14:hiddenFill xmlns:a14="http://schemas.microsoft.com/office/drawing/2010/main" xmlns="">
                 <a:noFill/>
               </a14:hiddenFill>
             </a:ext>
@@ -7306,14 +7308,14 @@
           </a:ln>
           <a:extLst>
             <a:ext uri="{909E8E84-426E-40dd-AFC4-6F175D3DCCD1}">
-              <a14:hiddenFill xmlns="" xmlns:a14="http://schemas.microsoft.com/office/drawing/2010/main">
+              <a14:hiddenFill xmlns:a14="http://schemas.microsoft.com/office/drawing/2010/main" xmlns="">
                 <a:solidFill>
                   <a:srgbClr val="FFFFFF"/>
                 </a:solidFill>
               </a14:hiddenFill>
             </a:ext>
             <a:ext uri="{91240B29-F687-4f45-9708-019B960494DF}">
-              <a14:hiddenLine xmlns="" xmlns:a14="http://schemas.microsoft.com/office/drawing/2010/main" w="9525">
+              <a14:hiddenLine xmlns:a14="http://schemas.microsoft.com/office/drawing/2010/main" xmlns="" w="9525">
                 <a:solidFill>
                   <a:srgbClr val="000000"/>
                 </a:solidFill>
@@ -7484,14 +7486,14 @@
           </a:ln>
           <a:extLst>
             <a:ext uri="{909E8E84-426E-40dd-AFC4-6F175D3DCCD1}">
-              <a14:hiddenFill xmlns="" xmlns:a14="http://schemas.microsoft.com/office/drawing/2010/main">
+              <a14:hiddenFill xmlns:a14="http://schemas.microsoft.com/office/drawing/2010/main" xmlns="">
                 <a:solidFill>
                   <a:srgbClr val="FFFFFF"/>
                 </a:solidFill>
               </a14:hiddenFill>
             </a:ext>
             <a:ext uri="{91240B29-F687-4f45-9708-019B960494DF}">
-              <a14:hiddenLine xmlns="" xmlns:a14="http://schemas.microsoft.com/office/drawing/2010/main" w="9525">
+              <a14:hiddenLine xmlns:a14="http://schemas.microsoft.com/office/drawing/2010/main" xmlns="" w="9525">
                 <a:solidFill>
                   <a:srgbClr val="000000"/>
                 </a:solidFill>
@@ -7662,14 +7664,14 @@
           </a:ln>
           <a:extLst>
             <a:ext uri="{909E8E84-426E-40dd-AFC4-6F175D3DCCD1}">
-              <a14:hiddenFill xmlns="" xmlns:a14="http://schemas.microsoft.com/office/drawing/2010/main">
+              <a14:hiddenFill xmlns:a14="http://schemas.microsoft.com/office/drawing/2010/main" xmlns="">
                 <a:solidFill>
                   <a:srgbClr val="FFFFFF"/>
                 </a:solidFill>
               </a14:hiddenFill>
             </a:ext>
             <a:ext uri="{91240B29-F687-4f45-9708-019B960494DF}">
-              <a14:hiddenLine xmlns="" xmlns:a14="http://schemas.microsoft.com/office/drawing/2010/main" w="9525">
+              <a14:hiddenLine xmlns:a14="http://schemas.microsoft.com/office/drawing/2010/main" xmlns="" w="9525">
                 <a:solidFill>
                   <a:srgbClr val="000000"/>
                 </a:solidFill>
@@ -7840,14 +7842,14 @@
           </a:ln>
           <a:extLst>
             <a:ext uri="{909E8E84-426E-40dd-AFC4-6F175D3DCCD1}">
-              <a14:hiddenFill xmlns="" xmlns:a14="http://schemas.microsoft.com/office/drawing/2010/main">
+              <a14:hiddenFill xmlns:a14="http://schemas.microsoft.com/office/drawing/2010/main" xmlns="">
                 <a:solidFill>
                   <a:srgbClr val="FFFFFF"/>
                 </a:solidFill>
               </a14:hiddenFill>
             </a:ext>
             <a:ext uri="{91240B29-F687-4f45-9708-019B960494DF}">
-              <a14:hiddenLine xmlns="" xmlns:a14="http://schemas.microsoft.com/office/drawing/2010/main" w="9525">
+              <a14:hiddenLine xmlns:a14="http://schemas.microsoft.com/office/drawing/2010/main" xmlns="" w="9525">
                 <a:solidFill>
                   <a:srgbClr val="000000"/>
                 </a:solidFill>
@@ -8084,7 +8086,7 @@
           </a:ln>
           <a:extLst>
             <a:ext uri="{909E8E84-426E-40dd-AFC4-6F175D3DCCD1}">
-              <a14:hiddenFill xmlns="" xmlns:a14="http://schemas.microsoft.com/office/drawing/2010/main">
+              <a14:hiddenFill xmlns:a14="http://schemas.microsoft.com/office/drawing/2010/main" xmlns="">
                 <a:noFill/>
               </a14:hiddenFill>
             </a:ext>
@@ -9625,14 +9627,14 @@
           </a:ln>
           <a:extLst>
             <a:ext uri="{909E8E84-426E-40dd-AFC4-6F175D3DCCD1}">
-              <a14:hiddenFill xmlns="" xmlns:a14="http://schemas.microsoft.com/office/drawing/2010/main">
+              <a14:hiddenFill xmlns:a14="http://schemas.microsoft.com/office/drawing/2010/main" xmlns="">
                 <a:solidFill>
                   <a:srgbClr val="FFFFFF"/>
                 </a:solidFill>
               </a14:hiddenFill>
             </a:ext>
             <a:ext uri="{91240B29-F687-4f45-9708-019B960494DF}">
-              <a14:hiddenLine xmlns="" xmlns:a14="http://schemas.microsoft.com/office/drawing/2010/main" w="9525">
+              <a14:hiddenLine xmlns:a14="http://schemas.microsoft.com/office/drawing/2010/main" xmlns="" w="9525">
                 <a:solidFill>
                   <a:srgbClr val="000000"/>
                 </a:solidFill>
@@ -9803,14 +9805,14 @@
           </a:ln>
           <a:extLst>
             <a:ext uri="{909E8E84-426E-40dd-AFC4-6F175D3DCCD1}">
-              <a14:hiddenFill xmlns="" xmlns:a14="http://schemas.microsoft.com/office/drawing/2010/main">
+              <a14:hiddenFill xmlns:a14="http://schemas.microsoft.com/office/drawing/2010/main" xmlns="">
                 <a:solidFill>
                   <a:srgbClr val="FFFFFF"/>
                 </a:solidFill>
               </a14:hiddenFill>
             </a:ext>
             <a:ext uri="{91240B29-F687-4f45-9708-019B960494DF}">
-              <a14:hiddenLine xmlns="" xmlns:a14="http://schemas.microsoft.com/office/drawing/2010/main" w="9525">
+              <a14:hiddenLine xmlns:a14="http://schemas.microsoft.com/office/drawing/2010/main" xmlns="" w="9525">
                 <a:solidFill>
                   <a:srgbClr val="000000"/>
                 </a:solidFill>
@@ -10661,7 +10663,7 @@
           </a:ln>
           <a:extLst>
             <a:ext uri="{909E8E84-426E-40dd-AFC4-6F175D3DCCD1}">
-              <a14:hiddenFill xmlns="" xmlns:a14="http://schemas.microsoft.com/office/drawing/2010/main">
+              <a14:hiddenFill xmlns:a14="http://schemas.microsoft.com/office/drawing/2010/main" xmlns="">
                 <a:noFill/>
               </a14:hiddenFill>
             </a:ext>
@@ -10762,7 +10764,7 @@
           </a:ln>
           <a:extLst>
             <a:ext uri="{909E8E84-426E-40dd-AFC4-6F175D3DCCD1}">
-              <a14:hiddenFill xmlns="" xmlns:a14="http://schemas.microsoft.com/office/drawing/2010/main">
+              <a14:hiddenFill xmlns:a14="http://schemas.microsoft.com/office/drawing/2010/main" xmlns="">
                 <a:noFill/>
               </a14:hiddenFill>
             </a:ext>
@@ -10809,7 +10811,7 @@
           </a:ln>
           <a:extLst>
             <a:ext uri="{909E8E84-426E-40dd-AFC4-6F175D3DCCD1}">
-              <a14:hiddenFill xmlns="" xmlns:a14="http://schemas.microsoft.com/office/drawing/2010/main">
+              <a14:hiddenFill xmlns:a14="http://schemas.microsoft.com/office/drawing/2010/main" xmlns="">
                 <a:noFill/>
               </a14:hiddenFill>
             </a:ext>
@@ -10856,7 +10858,7 @@
           </a:ln>
           <a:extLst>
             <a:ext uri="{909E8E84-426E-40dd-AFC4-6F175D3DCCD1}">
-              <a14:hiddenFill xmlns="" xmlns:a14="http://schemas.microsoft.com/office/drawing/2010/main">
+              <a14:hiddenFill xmlns:a14="http://schemas.microsoft.com/office/drawing/2010/main" xmlns="">
                 <a:noFill/>
               </a14:hiddenFill>
             </a:ext>
@@ -10964,7 +10966,7 @@
           </a:ln>
           <a:extLst>
             <a:ext uri="{909E8E84-426E-40dd-AFC4-6F175D3DCCD1}">
-              <a14:hiddenFill xmlns="" xmlns:a14="http://schemas.microsoft.com/office/drawing/2010/main">
+              <a14:hiddenFill xmlns:a14="http://schemas.microsoft.com/office/drawing/2010/main" xmlns="">
                 <a:noFill/>
               </a14:hiddenFill>
             </a:ext>
@@ -11285,7 +11287,7 @@
           </a:ln>
           <a:extLst>
             <a:ext uri="{909E8E84-426E-40dd-AFC4-6F175D3DCCD1}">
-              <a14:hiddenFill xmlns="" xmlns:a14="http://schemas.microsoft.com/office/drawing/2010/main">
+              <a14:hiddenFill xmlns:a14="http://schemas.microsoft.com/office/drawing/2010/main" xmlns="">
                 <a:noFill/>
               </a14:hiddenFill>
             </a:ext>
@@ -11386,7 +11388,7 @@
           </a:ln>
           <a:extLst>
             <a:ext uri="{909E8E84-426E-40dd-AFC4-6F175D3DCCD1}">
-              <a14:hiddenFill xmlns="" xmlns:a14="http://schemas.microsoft.com/office/drawing/2010/main">
+              <a14:hiddenFill xmlns:a14="http://schemas.microsoft.com/office/drawing/2010/main" xmlns="">
                 <a:noFill/>
               </a14:hiddenFill>
             </a:ext>
@@ -11433,7 +11435,7 @@
           </a:ln>
           <a:extLst>
             <a:ext uri="{909E8E84-426E-40dd-AFC4-6F175D3DCCD1}">
-              <a14:hiddenFill xmlns="" xmlns:a14="http://schemas.microsoft.com/office/drawing/2010/main">
+              <a14:hiddenFill xmlns:a14="http://schemas.microsoft.com/office/drawing/2010/main" xmlns="">
                 <a:noFill/>
               </a14:hiddenFill>
             </a:ext>
@@ -11480,7 +11482,7 @@
           </a:ln>
           <a:extLst>
             <a:ext uri="{909E8E84-426E-40dd-AFC4-6F175D3DCCD1}">
-              <a14:hiddenFill xmlns="" xmlns:a14="http://schemas.microsoft.com/office/drawing/2010/main">
+              <a14:hiddenFill xmlns:a14="http://schemas.microsoft.com/office/drawing/2010/main" xmlns="">
                 <a:noFill/>
               </a14:hiddenFill>
             </a:ext>
@@ -11588,7 +11590,7 @@
           </a:ln>
           <a:extLst>
             <a:ext uri="{909E8E84-426E-40dd-AFC4-6F175D3DCCD1}">
-              <a14:hiddenFill xmlns="" xmlns:a14="http://schemas.microsoft.com/office/drawing/2010/main">
+              <a14:hiddenFill xmlns:a14="http://schemas.microsoft.com/office/drawing/2010/main" xmlns="">
                 <a:noFill/>
               </a14:hiddenFill>
             </a:ext>
@@ -11762,7 +11764,7 @@
           </a:ln>
           <a:extLst>
             <a:ext uri="{909E8E84-426E-40dd-AFC4-6F175D3DCCD1}">
-              <a14:hiddenFill xmlns="" xmlns:a14="http://schemas.microsoft.com/office/drawing/2010/main">
+              <a14:hiddenFill xmlns:a14="http://schemas.microsoft.com/office/drawing/2010/main" xmlns="">
                 <a:noFill/>
               </a14:hiddenFill>
             </a:ext>
@@ -11863,7 +11865,7 @@
           </a:ln>
           <a:extLst>
             <a:ext uri="{909E8E84-426E-40dd-AFC4-6F175D3DCCD1}">
-              <a14:hiddenFill xmlns="" xmlns:a14="http://schemas.microsoft.com/office/drawing/2010/main">
+              <a14:hiddenFill xmlns:a14="http://schemas.microsoft.com/office/drawing/2010/main" xmlns="">
                 <a:noFill/>
               </a14:hiddenFill>
             </a:ext>
@@ -11910,7 +11912,7 @@
           </a:ln>
           <a:extLst>
             <a:ext uri="{909E8E84-426E-40dd-AFC4-6F175D3DCCD1}">
-              <a14:hiddenFill xmlns="" xmlns:a14="http://schemas.microsoft.com/office/drawing/2010/main">
+              <a14:hiddenFill xmlns:a14="http://schemas.microsoft.com/office/drawing/2010/main" xmlns="">
                 <a:noFill/>
               </a14:hiddenFill>
             </a:ext>
@@ -11997,14 +11999,14 @@
           </a:ln>
           <a:extLst>
             <a:ext uri="{909E8E84-426E-40dd-AFC4-6F175D3DCCD1}">
-              <a14:hiddenFill xmlns="" xmlns:a14="http://schemas.microsoft.com/office/drawing/2010/main">
+              <a14:hiddenFill xmlns:a14="http://schemas.microsoft.com/office/drawing/2010/main" xmlns="">
                 <a:solidFill>
                   <a:srgbClr val="FFFFFF"/>
                 </a:solidFill>
               </a14:hiddenFill>
             </a:ext>
             <a:ext uri="{91240B29-F687-4f45-9708-019B960494DF}">
-              <a14:hiddenLine xmlns="" xmlns:a14="http://schemas.microsoft.com/office/drawing/2010/main" w="9525">
+              <a14:hiddenLine xmlns:a14="http://schemas.microsoft.com/office/drawing/2010/main" xmlns="" w="9525">
                 <a:solidFill>
                   <a:srgbClr val="000000"/>
                 </a:solidFill>
@@ -12175,14 +12177,14 @@
           </a:ln>
           <a:extLst>
             <a:ext uri="{909E8E84-426E-40dd-AFC4-6F175D3DCCD1}">
-              <a14:hiddenFill xmlns="" xmlns:a14="http://schemas.microsoft.com/office/drawing/2010/main">
+              <a14:hiddenFill xmlns:a14="http://schemas.microsoft.com/office/drawing/2010/main" xmlns="">
                 <a:solidFill>
                   <a:srgbClr val="FFFFFF"/>
                 </a:solidFill>
               </a14:hiddenFill>
             </a:ext>
             <a:ext uri="{91240B29-F687-4f45-9708-019B960494DF}">
-              <a14:hiddenLine xmlns="" xmlns:a14="http://schemas.microsoft.com/office/drawing/2010/main" w="9525">
+              <a14:hiddenLine xmlns:a14="http://schemas.microsoft.com/office/drawing/2010/main" xmlns="" w="9525">
                 <a:solidFill>
                   <a:srgbClr val="000000"/>
                 </a:solidFill>
@@ -12329,6 +12331,4524 @@
     <p:extLst>
       <p:ext uri="{BB962C8B-B14F-4D97-AF65-F5344CB8AC3E}">
         <p14:creationId xmlns:p14="http://schemas.microsoft.com/office/powerpoint/2010/main" val="921603702"/>
+      </p:ext>
+    </p:extLst>
+  </p:cSld>
+  <p:clrMapOvr>
+    <a:masterClrMapping/>
+  </p:clrMapOvr>
+</p:sld>
+</file>
+
+<file path=ppt/slides/slide8.xml><?xml version="1.0" encoding="utf-8"?>
+<p:sld xmlns:a="http://schemas.openxmlformats.org/drawingml/2006/main" xmlns:r="http://schemas.openxmlformats.org/officeDocument/2006/relationships" xmlns:p="http://schemas.openxmlformats.org/presentationml/2006/main">
+  <p:cSld>
+    <p:spTree>
+      <p:nvGrpSpPr>
+        <p:cNvPr id="1" name=""/>
+        <p:cNvGrpSpPr/>
+        <p:nvPr/>
+      </p:nvGrpSpPr>
+      <p:grpSpPr>
+        <a:xfrm>
+          <a:off x="0" y="0"/>
+          <a:ext cx="0" cy="0"/>
+          <a:chOff x="0" y="0"/>
+          <a:chExt cx="0" cy="0"/>
+        </a:xfrm>
+      </p:grpSpPr>
+      <p:sp>
+        <p:nvSpPr>
+          <p:cNvPr id="4" name="Rectangle 3">
+            <a:extLst>
+              <a:ext uri="{FF2B5EF4-FFF2-40B4-BE49-F238E27FC236}">
+                <a16:creationId xmlns:a16="http://schemas.microsoft.com/office/drawing/2014/main" id="{11E9AAF6-9F01-4516-AEF6-483A0222BFC4}"/>
+              </a:ext>
+            </a:extLst>
+          </p:cNvPr>
+          <p:cNvSpPr/>
+          <p:nvPr/>
+        </p:nvSpPr>
+        <p:spPr>
+          <a:xfrm>
+            <a:off x="2492629" y="1357771"/>
+            <a:ext cx="1274266" cy="375224"/>
+          </a:xfrm>
+          <a:prstGeom prst="rect">
+            <a:avLst/>
+          </a:prstGeom>
+          <a:solidFill>
+            <a:schemeClr val="bg1"/>
+          </a:solidFill>
+          <a:ln w="19050">
+            <a:solidFill>
+              <a:schemeClr val="tx1"/>
+            </a:solidFill>
+          </a:ln>
+        </p:spPr>
+        <p:style>
+          <a:lnRef idx="2">
+            <a:schemeClr val="accent1">
+              <a:shade val="50000"/>
+            </a:schemeClr>
+          </a:lnRef>
+          <a:fillRef idx="1">
+            <a:schemeClr val="accent1"/>
+          </a:fillRef>
+          <a:effectRef idx="0">
+            <a:schemeClr val="accent1"/>
+          </a:effectRef>
+          <a:fontRef idx="minor">
+            <a:schemeClr val="lt1"/>
+          </a:fontRef>
+        </p:style>
+        <p:txBody>
+          <a:bodyPr rtlCol="0" anchor="ctr"/>
+          <a:lstStyle/>
+          <a:p>
+            <a:pPr algn="ctr"/>
+            <a:r>
+              <a:rPr lang="en-US" sz="1400" dirty="0">
+                <a:solidFill>
+                  <a:schemeClr val="tx1"/>
+                </a:solidFill>
+              </a:rPr>
+              <a:t>System</a:t>
+            </a:r>
+          </a:p>
+        </p:txBody>
+      </p:sp>
+      <p:grpSp>
+        <p:nvGrpSpPr>
+          <p:cNvPr id="6" name="Group 19">
+            <a:extLst>
+              <a:ext uri="{FF2B5EF4-FFF2-40B4-BE49-F238E27FC236}">
+                <a16:creationId xmlns:a16="http://schemas.microsoft.com/office/drawing/2014/main" id="{24C2873A-7093-4998-9C01-61A0814EFDEC}"/>
+              </a:ext>
+            </a:extLst>
+          </p:cNvPr>
+          <p:cNvGrpSpPr>
+            <a:grpSpLocks/>
+          </p:cNvGrpSpPr>
+          <p:nvPr/>
+        </p:nvGrpSpPr>
+        <p:grpSpPr bwMode="auto">
+          <a:xfrm>
+            <a:off x="1196929" y="1152437"/>
+            <a:ext cx="417512" cy="725438"/>
+            <a:chOff x="480" y="2640"/>
+            <a:chExt cx="288" cy="576"/>
+          </a:xfrm>
+        </p:grpSpPr>
+        <p:sp>
+          <p:nvSpPr>
+            <p:cNvPr id="7" name="Oval 20">
+              <a:extLst>
+                <a:ext uri="{FF2B5EF4-FFF2-40B4-BE49-F238E27FC236}">
+                  <a16:creationId xmlns:a16="http://schemas.microsoft.com/office/drawing/2014/main" id="{4A0AA3E1-A80D-49D0-83A9-C491F36B5573}"/>
+                </a:ext>
+              </a:extLst>
+            </p:cNvPr>
+            <p:cNvSpPr>
+              <a:spLocks noChangeArrowheads="1"/>
+            </p:cNvSpPr>
+            <p:nvPr/>
+          </p:nvSpPr>
+          <p:spPr bwMode="auto">
+            <a:xfrm>
+              <a:off x="528" y="2640"/>
+              <a:ext cx="192" cy="192"/>
+            </a:xfrm>
+            <a:prstGeom prst="ellipse">
+              <a:avLst/>
+            </a:prstGeom>
+            <a:noFill/>
+            <a:ln w="28575">
+              <a:solidFill>
+                <a:schemeClr val="tx1"/>
+              </a:solidFill>
+              <a:round/>
+              <a:headEnd/>
+              <a:tailEnd/>
+            </a:ln>
+            <a:extLst>
+              <a:ext uri="{909E8E84-426E-40dd-AFC4-6F175D3DCCD1}">
+                <a14:hiddenFill xmlns:a14="http://schemas.microsoft.com/office/drawing/2010/main" xmlns="">
+                  <a:solidFill>
+                    <a:srgbClr val="FFFFFF"/>
+                  </a:solidFill>
+                </a14:hiddenFill>
+              </a:ext>
+            </a:extLst>
+          </p:spPr>
+          <p:txBody>
+            <a:bodyPr wrap="none" anchor="ctr"/>
+            <a:lstStyle>
+              <a:lvl1pPr>
+                <a:defRPr sz="2400">
+                  <a:solidFill>
+                    <a:schemeClr val="tx1"/>
+                  </a:solidFill>
+                  <a:latin typeface="Times New Roman" panose="02020603050405020304" pitchFamily="18" charset="0"/>
+                  <a:ea typeface="MS PGothic" panose="020B0600070205080204" pitchFamily="34" charset="-128"/>
+                </a:defRPr>
+              </a:lvl1pPr>
+              <a:lvl2pPr marL="742950" indent="-285750">
+                <a:defRPr sz="2400">
+                  <a:solidFill>
+                    <a:schemeClr val="tx1"/>
+                  </a:solidFill>
+                  <a:latin typeface="Times New Roman" panose="02020603050405020304" pitchFamily="18" charset="0"/>
+                  <a:ea typeface="MS PGothic" panose="020B0600070205080204" pitchFamily="34" charset="-128"/>
+                </a:defRPr>
+              </a:lvl2pPr>
+              <a:lvl3pPr marL="1143000" indent="-228600">
+                <a:defRPr sz="2400">
+                  <a:solidFill>
+                    <a:schemeClr val="tx1"/>
+                  </a:solidFill>
+                  <a:latin typeface="Times New Roman" panose="02020603050405020304" pitchFamily="18" charset="0"/>
+                  <a:ea typeface="MS PGothic" panose="020B0600070205080204" pitchFamily="34" charset="-128"/>
+                </a:defRPr>
+              </a:lvl3pPr>
+              <a:lvl4pPr marL="1600200" indent="-228600">
+                <a:defRPr sz="2400">
+                  <a:solidFill>
+                    <a:schemeClr val="tx1"/>
+                  </a:solidFill>
+                  <a:latin typeface="Times New Roman" panose="02020603050405020304" pitchFamily="18" charset="0"/>
+                  <a:ea typeface="MS PGothic" panose="020B0600070205080204" pitchFamily="34" charset="-128"/>
+                </a:defRPr>
+              </a:lvl4pPr>
+              <a:lvl5pPr marL="2057400" indent="-228600">
+                <a:defRPr sz="2400">
+                  <a:solidFill>
+                    <a:schemeClr val="tx1"/>
+                  </a:solidFill>
+                  <a:latin typeface="Times New Roman" panose="02020603050405020304" pitchFamily="18" charset="0"/>
+                  <a:ea typeface="MS PGothic" panose="020B0600070205080204" pitchFamily="34" charset="-128"/>
+                </a:defRPr>
+              </a:lvl5pPr>
+              <a:lvl6pPr marL="2514600" indent="-228600" algn="r" eaLnBrk="0" fontAlgn="base" hangingPunct="0">
+                <a:spcBef>
+                  <a:spcPct val="0"/>
+                </a:spcBef>
+                <a:spcAft>
+                  <a:spcPct val="0"/>
+                </a:spcAft>
+                <a:buChar char="•"/>
+                <a:defRPr sz="2400">
+                  <a:solidFill>
+                    <a:schemeClr val="tx1"/>
+                  </a:solidFill>
+                  <a:latin typeface="Times New Roman" panose="02020603050405020304" pitchFamily="18" charset="0"/>
+                  <a:ea typeface="MS PGothic" panose="020B0600070205080204" pitchFamily="34" charset="-128"/>
+                </a:defRPr>
+              </a:lvl6pPr>
+              <a:lvl7pPr marL="2971800" indent="-228600" algn="r" eaLnBrk="0" fontAlgn="base" hangingPunct="0">
+                <a:spcBef>
+                  <a:spcPct val="0"/>
+                </a:spcBef>
+                <a:spcAft>
+                  <a:spcPct val="0"/>
+                </a:spcAft>
+                <a:buChar char="•"/>
+                <a:defRPr sz="2400">
+                  <a:solidFill>
+                    <a:schemeClr val="tx1"/>
+                  </a:solidFill>
+                  <a:latin typeface="Times New Roman" panose="02020603050405020304" pitchFamily="18" charset="0"/>
+                  <a:ea typeface="MS PGothic" panose="020B0600070205080204" pitchFamily="34" charset="-128"/>
+                </a:defRPr>
+              </a:lvl7pPr>
+              <a:lvl8pPr marL="3429000" indent="-228600" algn="r" eaLnBrk="0" fontAlgn="base" hangingPunct="0">
+                <a:spcBef>
+                  <a:spcPct val="0"/>
+                </a:spcBef>
+                <a:spcAft>
+                  <a:spcPct val="0"/>
+                </a:spcAft>
+                <a:buChar char="•"/>
+                <a:defRPr sz="2400">
+                  <a:solidFill>
+                    <a:schemeClr val="tx1"/>
+                  </a:solidFill>
+                  <a:latin typeface="Times New Roman" panose="02020603050405020304" pitchFamily="18" charset="0"/>
+                  <a:ea typeface="MS PGothic" panose="020B0600070205080204" pitchFamily="34" charset="-128"/>
+                </a:defRPr>
+              </a:lvl8pPr>
+              <a:lvl9pPr marL="3886200" indent="-228600" algn="r" eaLnBrk="0" fontAlgn="base" hangingPunct="0">
+                <a:spcBef>
+                  <a:spcPct val="0"/>
+                </a:spcBef>
+                <a:spcAft>
+                  <a:spcPct val="0"/>
+                </a:spcAft>
+                <a:buChar char="•"/>
+                <a:defRPr sz="2400">
+                  <a:solidFill>
+                    <a:schemeClr val="tx1"/>
+                  </a:solidFill>
+                  <a:latin typeface="Times New Roman" panose="02020603050405020304" pitchFamily="18" charset="0"/>
+                  <a:ea typeface="MS PGothic" panose="020B0600070205080204" pitchFamily="34" charset="-128"/>
+                </a:defRPr>
+              </a:lvl9pPr>
+            </a:lstStyle>
+            <a:p>
+              <a:endParaRPr lang="en-US"/>
+            </a:p>
+          </p:txBody>
+        </p:sp>
+        <p:sp>
+          <p:nvSpPr>
+            <p:cNvPr id="8" name="Line 21">
+              <a:extLst>
+                <a:ext uri="{FF2B5EF4-FFF2-40B4-BE49-F238E27FC236}">
+                  <a16:creationId xmlns:a16="http://schemas.microsoft.com/office/drawing/2014/main" id="{A7EEE984-4A98-41A5-B71D-160615E1BF64}"/>
+                </a:ext>
+              </a:extLst>
+            </p:cNvPr>
+            <p:cNvSpPr>
+              <a:spLocks noChangeShapeType="1"/>
+            </p:cNvSpPr>
+            <p:nvPr/>
+          </p:nvSpPr>
+          <p:spPr bwMode="auto">
+            <a:xfrm>
+              <a:off x="624" y="2832"/>
+              <a:ext cx="0" cy="240"/>
+            </a:xfrm>
+            <a:prstGeom prst="line">
+              <a:avLst/>
+            </a:prstGeom>
+            <a:noFill/>
+            <a:ln w="28575">
+              <a:solidFill>
+                <a:schemeClr val="tx1"/>
+              </a:solidFill>
+              <a:round/>
+              <a:headEnd/>
+              <a:tailEnd/>
+            </a:ln>
+            <a:extLst>
+              <a:ext uri="{909E8E84-426E-40dd-AFC4-6F175D3DCCD1}">
+                <a14:hiddenFill xmlns:a14="http://schemas.microsoft.com/office/drawing/2010/main" xmlns="">
+                  <a:noFill/>
+                </a14:hiddenFill>
+              </a:ext>
+            </a:extLst>
+          </p:spPr>
+          <p:txBody>
+            <a:bodyPr/>
+            <a:lstStyle/>
+            <a:p>
+              <a:endParaRPr lang="en-GB"/>
+            </a:p>
+          </p:txBody>
+        </p:sp>
+        <p:sp>
+          <p:nvSpPr>
+            <p:cNvPr id="9" name="Line 22">
+              <a:extLst>
+                <a:ext uri="{FF2B5EF4-FFF2-40B4-BE49-F238E27FC236}">
+                  <a16:creationId xmlns:a16="http://schemas.microsoft.com/office/drawing/2014/main" id="{3A8A3E4F-3C85-496A-9DCE-5F03324660F4}"/>
+                </a:ext>
+              </a:extLst>
+            </p:cNvPr>
+            <p:cNvSpPr>
+              <a:spLocks noChangeShapeType="1"/>
+            </p:cNvSpPr>
+            <p:nvPr/>
+          </p:nvSpPr>
+          <p:spPr bwMode="auto">
+            <a:xfrm flipV="1">
+              <a:off x="480" y="2928"/>
+              <a:ext cx="288" cy="0"/>
+            </a:xfrm>
+            <a:prstGeom prst="line">
+              <a:avLst/>
+            </a:prstGeom>
+            <a:noFill/>
+            <a:ln w="28575">
+              <a:solidFill>
+                <a:schemeClr val="tx1"/>
+              </a:solidFill>
+              <a:round/>
+              <a:headEnd/>
+              <a:tailEnd/>
+            </a:ln>
+            <a:extLst>
+              <a:ext uri="{909E8E84-426E-40dd-AFC4-6F175D3DCCD1}">
+                <a14:hiddenFill xmlns:a14="http://schemas.microsoft.com/office/drawing/2010/main" xmlns="">
+                  <a:noFill/>
+                </a14:hiddenFill>
+              </a:ext>
+            </a:extLst>
+          </p:spPr>
+          <p:txBody>
+            <a:bodyPr/>
+            <a:lstStyle/>
+            <a:p>
+              <a:endParaRPr lang="en-GB"/>
+            </a:p>
+          </p:txBody>
+        </p:sp>
+        <p:sp>
+          <p:nvSpPr>
+            <p:cNvPr id="10" name="Line 23">
+              <a:extLst>
+                <a:ext uri="{FF2B5EF4-FFF2-40B4-BE49-F238E27FC236}">
+                  <a16:creationId xmlns:a16="http://schemas.microsoft.com/office/drawing/2014/main" id="{7CBB13B2-C570-4675-9AC4-78C71327BD19}"/>
+                </a:ext>
+              </a:extLst>
+            </p:cNvPr>
+            <p:cNvSpPr>
+              <a:spLocks noChangeShapeType="1"/>
+            </p:cNvSpPr>
+            <p:nvPr/>
+          </p:nvSpPr>
+          <p:spPr bwMode="auto">
+            <a:xfrm flipH="1">
+              <a:off x="480" y="3072"/>
+              <a:ext cx="144" cy="144"/>
+            </a:xfrm>
+            <a:prstGeom prst="line">
+              <a:avLst/>
+            </a:prstGeom>
+            <a:noFill/>
+            <a:ln w="28575">
+              <a:solidFill>
+                <a:schemeClr val="tx1"/>
+              </a:solidFill>
+              <a:round/>
+              <a:headEnd/>
+              <a:tailEnd/>
+            </a:ln>
+            <a:extLst>
+              <a:ext uri="{909E8E84-426E-40dd-AFC4-6F175D3DCCD1}">
+                <a14:hiddenFill xmlns:a14="http://schemas.microsoft.com/office/drawing/2010/main" xmlns="">
+                  <a:noFill/>
+                </a14:hiddenFill>
+              </a:ext>
+            </a:extLst>
+          </p:spPr>
+          <p:txBody>
+            <a:bodyPr/>
+            <a:lstStyle/>
+            <a:p>
+              <a:endParaRPr lang="en-GB"/>
+            </a:p>
+          </p:txBody>
+        </p:sp>
+        <p:sp>
+          <p:nvSpPr>
+            <p:cNvPr id="11" name="Line 24">
+              <a:extLst>
+                <a:ext uri="{FF2B5EF4-FFF2-40B4-BE49-F238E27FC236}">
+                  <a16:creationId xmlns:a16="http://schemas.microsoft.com/office/drawing/2014/main" id="{FF99A59A-3568-4A10-B054-6096AD68682D}"/>
+                </a:ext>
+              </a:extLst>
+            </p:cNvPr>
+            <p:cNvSpPr>
+              <a:spLocks noChangeShapeType="1"/>
+            </p:cNvSpPr>
+            <p:nvPr/>
+          </p:nvSpPr>
+          <p:spPr bwMode="auto">
+            <a:xfrm>
+              <a:off x="624" y="3072"/>
+              <a:ext cx="144" cy="144"/>
+            </a:xfrm>
+            <a:prstGeom prst="line">
+              <a:avLst/>
+            </a:prstGeom>
+            <a:noFill/>
+            <a:ln w="28575">
+              <a:solidFill>
+                <a:schemeClr val="tx1"/>
+              </a:solidFill>
+              <a:round/>
+              <a:headEnd/>
+              <a:tailEnd/>
+            </a:ln>
+            <a:extLst>
+              <a:ext uri="{909E8E84-426E-40dd-AFC4-6F175D3DCCD1}">
+                <a14:hiddenFill xmlns:a14="http://schemas.microsoft.com/office/drawing/2010/main" xmlns="">
+                  <a:noFill/>
+                </a14:hiddenFill>
+              </a:ext>
+            </a:extLst>
+          </p:spPr>
+          <p:txBody>
+            <a:bodyPr/>
+            <a:lstStyle/>
+            <a:p>
+              <a:endParaRPr lang="en-GB"/>
+            </a:p>
+          </p:txBody>
+        </p:sp>
+      </p:grpSp>
+      <p:sp>
+        <p:nvSpPr>
+          <p:cNvPr id="12" name="Text Box 25">
+            <a:extLst>
+              <a:ext uri="{FF2B5EF4-FFF2-40B4-BE49-F238E27FC236}">
+                <a16:creationId xmlns:a16="http://schemas.microsoft.com/office/drawing/2014/main" id="{358EF6AB-D2E6-47E5-8EE7-5A2A6DB8FA9B}"/>
+              </a:ext>
+            </a:extLst>
+          </p:cNvPr>
+          <p:cNvSpPr txBox="1">
+            <a:spLocks noChangeArrowheads="1"/>
+          </p:cNvSpPr>
+          <p:nvPr/>
+        </p:nvSpPr>
+        <p:spPr bwMode="auto">
+          <a:xfrm>
+            <a:off x="779415" y="1915460"/>
+            <a:ext cx="1252537" cy="338554"/>
+          </a:xfrm>
+          <a:prstGeom prst="rect">
+            <a:avLst/>
+          </a:prstGeom>
+          <a:noFill/>
+          <a:ln>
+            <a:noFill/>
+          </a:ln>
+          <a:extLst>
+            <a:ext uri="{909E8E84-426E-40dd-AFC4-6F175D3DCCD1}">
+              <a14:hiddenFill xmlns:a14="http://schemas.microsoft.com/office/drawing/2010/main" xmlns="">
+                <a:solidFill>
+                  <a:srgbClr val="FFFFFF"/>
+                </a:solidFill>
+              </a14:hiddenFill>
+            </a:ext>
+            <a:ext uri="{91240B29-F687-4f45-9708-019B960494DF}">
+              <a14:hiddenLine xmlns:a14="http://schemas.microsoft.com/office/drawing/2010/main" xmlns="" w="9525">
+                <a:solidFill>
+                  <a:srgbClr val="000000"/>
+                </a:solidFill>
+                <a:miter lim="800000"/>
+                <a:headEnd/>
+                <a:tailEnd/>
+              </a14:hiddenLine>
+            </a:ext>
+          </a:extLst>
+        </p:spPr>
+        <p:txBody>
+          <a:bodyPr>
+            <a:spAutoFit/>
+          </a:bodyPr>
+          <a:lstStyle>
+            <a:lvl1pPr>
+              <a:defRPr sz="2400">
+                <a:solidFill>
+                  <a:schemeClr val="tx1"/>
+                </a:solidFill>
+                <a:latin typeface="Times New Roman" panose="02020603050405020304" pitchFamily="18" charset="0"/>
+                <a:ea typeface="MS PGothic" panose="020B0600070205080204" pitchFamily="34" charset="-128"/>
+              </a:defRPr>
+            </a:lvl1pPr>
+            <a:lvl2pPr marL="742950" indent="-285750">
+              <a:defRPr sz="2400">
+                <a:solidFill>
+                  <a:schemeClr val="tx1"/>
+                </a:solidFill>
+                <a:latin typeface="Times New Roman" panose="02020603050405020304" pitchFamily="18" charset="0"/>
+                <a:ea typeface="MS PGothic" panose="020B0600070205080204" pitchFamily="34" charset="-128"/>
+              </a:defRPr>
+            </a:lvl2pPr>
+            <a:lvl3pPr marL="1143000" indent="-228600">
+              <a:defRPr sz="2400">
+                <a:solidFill>
+                  <a:schemeClr val="tx1"/>
+                </a:solidFill>
+                <a:latin typeface="Times New Roman" panose="02020603050405020304" pitchFamily="18" charset="0"/>
+                <a:ea typeface="MS PGothic" panose="020B0600070205080204" pitchFamily="34" charset="-128"/>
+              </a:defRPr>
+            </a:lvl3pPr>
+            <a:lvl4pPr marL="1600200" indent="-228600">
+              <a:defRPr sz="2400">
+                <a:solidFill>
+                  <a:schemeClr val="tx1"/>
+                </a:solidFill>
+                <a:latin typeface="Times New Roman" panose="02020603050405020304" pitchFamily="18" charset="0"/>
+                <a:ea typeface="MS PGothic" panose="020B0600070205080204" pitchFamily="34" charset="-128"/>
+              </a:defRPr>
+            </a:lvl4pPr>
+            <a:lvl5pPr marL="2057400" indent="-228600">
+              <a:defRPr sz="2400">
+                <a:solidFill>
+                  <a:schemeClr val="tx1"/>
+                </a:solidFill>
+                <a:latin typeface="Times New Roman" panose="02020603050405020304" pitchFamily="18" charset="0"/>
+                <a:ea typeface="MS PGothic" panose="020B0600070205080204" pitchFamily="34" charset="-128"/>
+              </a:defRPr>
+            </a:lvl5pPr>
+            <a:lvl6pPr marL="2514600" indent="-228600" algn="r" eaLnBrk="0" fontAlgn="base" hangingPunct="0">
+              <a:spcBef>
+                <a:spcPct val="0"/>
+              </a:spcBef>
+              <a:spcAft>
+                <a:spcPct val="0"/>
+              </a:spcAft>
+              <a:buChar char="•"/>
+              <a:defRPr sz="2400">
+                <a:solidFill>
+                  <a:schemeClr val="tx1"/>
+                </a:solidFill>
+                <a:latin typeface="Times New Roman" panose="02020603050405020304" pitchFamily="18" charset="0"/>
+                <a:ea typeface="MS PGothic" panose="020B0600070205080204" pitchFamily="34" charset="-128"/>
+              </a:defRPr>
+            </a:lvl6pPr>
+            <a:lvl7pPr marL="2971800" indent="-228600" algn="r" eaLnBrk="0" fontAlgn="base" hangingPunct="0">
+              <a:spcBef>
+                <a:spcPct val="0"/>
+              </a:spcBef>
+              <a:spcAft>
+                <a:spcPct val="0"/>
+              </a:spcAft>
+              <a:buChar char="•"/>
+              <a:defRPr sz="2400">
+                <a:solidFill>
+                  <a:schemeClr val="tx1"/>
+                </a:solidFill>
+                <a:latin typeface="Times New Roman" panose="02020603050405020304" pitchFamily="18" charset="0"/>
+                <a:ea typeface="MS PGothic" panose="020B0600070205080204" pitchFamily="34" charset="-128"/>
+              </a:defRPr>
+            </a:lvl7pPr>
+            <a:lvl8pPr marL="3429000" indent="-228600" algn="r" eaLnBrk="0" fontAlgn="base" hangingPunct="0">
+              <a:spcBef>
+                <a:spcPct val="0"/>
+              </a:spcBef>
+              <a:spcAft>
+                <a:spcPct val="0"/>
+              </a:spcAft>
+              <a:buChar char="•"/>
+              <a:defRPr sz="2400">
+                <a:solidFill>
+                  <a:schemeClr val="tx1"/>
+                </a:solidFill>
+                <a:latin typeface="Times New Roman" panose="02020603050405020304" pitchFamily="18" charset="0"/>
+                <a:ea typeface="MS PGothic" panose="020B0600070205080204" pitchFamily="34" charset="-128"/>
+              </a:defRPr>
+            </a:lvl8pPr>
+            <a:lvl9pPr marL="3886200" indent="-228600" algn="r" eaLnBrk="0" fontAlgn="base" hangingPunct="0">
+              <a:spcBef>
+                <a:spcPct val="0"/>
+              </a:spcBef>
+              <a:spcAft>
+                <a:spcPct val="0"/>
+              </a:spcAft>
+              <a:buChar char="•"/>
+              <a:defRPr sz="2400">
+                <a:solidFill>
+                  <a:schemeClr val="tx1"/>
+                </a:solidFill>
+                <a:latin typeface="Times New Roman" panose="02020603050405020304" pitchFamily="18" charset="0"/>
+                <a:ea typeface="MS PGothic" panose="020B0600070205080204" pitchFamily="34" charset="-128"/>
+              </a:defRPr>
+            </a:lvl9pPr>
+          </a:lstStyle>
+          <a:p>
+            <a:pPr algn="ctr" eaLnBrk="1" hangingPunct="1">
+              <a:spcBef>
+                <a:spcPct val="50000"/>
+              </a:spcBef>
+              <a:buFontTx/>
+              <a:buNone/>
+            </a:pPr>
+            <a:r>
+              <a:rPr lang="en-GB" sz="1600" dirty="0">
+                <a:latin typeface="+mn-lt"/>
+              </a:rPr>
+              <a:t>User</a:t>
+            </a:r>
+          </a:p>
+        </p:txBody>
+      </p:sp>
+      <p:cxnSp>
+        <p:nvCxnSpPr>
+          <p:cNvPr id="16" name="Straight Connector 15">
+            <a:extLst>
+              <a:ext uri="{FF2B5EF4-FFF2-40B4-BE49-F238E27FC236}">
+                <a16:creationId xmlns:a16="http://schemas.microsoft.com/office/drawing/2014/main" id="{B4839711-E601-43BB-8E5A-6C1B6E7F9B18}"/>
+              </a:ext>
+            </a:extLst>
+          </p:cNvPr>
+          <p:cNvCxnSpPr>
+            <a:cxnSpLocks/>
+            <a:stCxn id="4" idx="2"/>
+          </p:cNvCxnSpPr>
+          <p:nvPr/>
+        </p:nvCxnSpPr>
+        <p:spPr>
+          <a:xfrm>
+            <a:off x="3129762" y="1732995"/>
+            <a:ext cx="26425" cy="3128372"/>
+          </a:xfrm>
+          <a:prstGeom prst="line">
+            <a:avLst/>
+          </a:prstGeom>
+          <a:ln w="19050">
+            <a:solidFill>
+              <a:schemeClr val="tx1"/>
+            </a:solidFill>
+            <a:prstDash val="dash"/>
+          </a:ln>
+        </p:spPr>
+        <p:style>
+          <a:lnRef idx="1">
+            <a:schemeClr val="accent1"/>
+          </a:lnRef>
+          <a:fillRef idx="0">
+            <a:schemeClr val="accent1"/>
+          </a:fillRef>
+          <a:effectRef idx="0">
+            <a:schemeClr val="accent1"/>
+          </a:effectRef>
+          <a:fontRef idx="minor">
+            <a:schemeClr val="tx1"/>
+          </a:fontRef>
+        </p:style>
+      </p:cxnSp>
+      <p:sp>
+        <p:nvSpPr>
+          <p:cNvPr id="19" name="Rectangle 18">
+            <a:extLst>
+              <a:ext uri="{FF2B5EF4-FFF2-40B4-BE49-F238E27FC236}">
+                <a16:creationId xmlns:a16="http://schemas.microsoft.com/office/drawing/2014/main" id="{7A098C06-7DEE-4E5B-A66B-B23E143E1740}"/>
+              </a:ext>
+            </a:extLst>
+          </p:cNvPr>
+          <p:cNvSpPr/>
+          <p:nvPr/>
+        </p:nvSpPr>
+        <p:spPr>
+          <a:xfrm>
+            <a:off x="3052417" y="2297044"/>
+            <a:ext cx="189948" cy="1356139"/>
+          </a:xfrm>
+          <a:prstGeom prst="rect">
+            <a:avLst/>
+          </a:prstGeom>
+          <a:solidFill>
+            <a:schemeClr val="bg1"/>
+          </a:solidFill>
+          <a:ln w="19050">
+            <a:solidFill>
+              <a:schemeClr val="tx1"/>
+            </a:solidFill>
+          </a:ln>
+        </p:spPr>
+        <p:style>
+          <a:lnRef idx="2">
+            <a:schemeClr val="accent1">
+              <a:shade val="50000"/>
+            </a:schemeClr>
+          </a:lnRef>
+          <a:fillRef idx="1">
+            <a:schemeClr val="accent1"/>
+          </a:fillRef>
+          <a:effectRef idx="0">
+            <a:schemeClr val="accent1"/>
+          </a:effectRef>
+          <a:fontRef idx="minor">
+            <a:schemeClr val="lt1"/>
+          </a:fontRef>
+        </p:style>
+        <p:txBody>
+          <a:bodyPr rtlCol="0" anchor="ctr"/>
+          <a:lstStyle/>
+          <a:p>
+            <a:pPr algn="ctr"/>
+            <a:endParaRPr lang="en-US"/>
+          </a:p>
+        </p:txBody>
+      </p:sp>
+      <p:cxnSp>
+        <p:nvCxnSpPr>
+          <p:cNvPr id="23" name="Straight Arrow Connector 22">
+            <a:extLst>
+              <a:ext uri="{FF2B5EF4-FFF2-40B4-BE49-F238E27FC236}">
+                <a16:creationId xmlns:a16="http://schemas.microsoft.com/office/drawing/2014/main" id="{A1C424A4-02EB-4D61-B2C2-2D03D62E7338}"/>
+              </a:ext>
+            </a:extLst>
+          </p:cNvPr>
+          <p:cNvCxnSpPr>
+            <a:cxnSpLocks/>
+          </p:cNvCxnSpPr>
+          <p:nvPr/>
+        </p:nvCxnSpPr>
+        <p:spPr>
+          <a:xfrm>
+            <a:off x="1405683" y="2305879"/>
+            <a:ext cx="1646734" cy="0"/>
+          </a:xfrm>
+          <a:prstGeom prst="straightConnector1">
+            <a:avLst/>
+          </a:prstGeom>
+          <a:ln w="19050">
+            <a:solidFill>
+              <a:schemeClr val="tx1"/>
+            </a:solidFill>
+            <a:tailEnd type="triangle" w="lg" len="lg"/>
+          </a:ln>
+        </p:spPr>
+        <p:style>
+          <a:lnRef idx="1">
+            <a:schemeClr val="accent1"/>
+          </a:lnRef>
+          <a:fillRef idx="0">
+            <a:schemeClr val="accent1"/>
+          </a:fillRef>
+          <a:effectRef idx="0">
+            <a:schemeClr val="accent1"/>
+          </a:effectRef>
+          <a:fontRef idx="minor">
+            <a:schemeClr val="tx1"/>
+          </a:fontRef>
+        </p:style>
+      </p:cxnSp>
+      <p:cxnSp>
+        <p:nvCxnSpPr>
+          <p:cNvPr id="24" name="Straight Connector 23">
+            <a:extLst>
+              <a:ext uri="{FF2B5EF4-FFF2-40B4-BE49-F238E27FC236}">
+                <a16:creationId xmlns:a16="http://schemas.microsoft.com/office/drawing/2014/main" id="{EF32A924-8336-4662-87FC-EF4F2B48232C}"/>
+              </a:ext>
+            </a:extLst>
+          </p:cNvPr>
+          <p:cNvCxnSpPr>
+            <a:cxnSpLocks/>
+            <a:stCxn id="12" idx="2"/>
+          </p:cNvCxnSpPr>
+          <p:nvPr/>
+        </p:nvCxnSpPr>
+        <p:spPr>
+          <a:xfrm>
+            <a:off x="1405684" y="2254014"/>
+            <a:ext cx="35113" cy="2607353"/>
+          </a:xfrm>
+          <a:prstGeom prst="line">
+            <a:avLst/>
+          </a:prstGeom>
+          <a:ln w="19050">
+            <a:solidFill>
+              <a:schemeClr val="tx1"/>
+            </a:solidFill>
+            <a:prstDash val="dash"/>
+          </a:ln>
+        </p:spPr>
+        <p:style>
+          <a:lnRef idx="1">
+            <a:schemeClr val="accent1"/>
+          </a:lnRef>
+          <a:fillRef idx="0">
+            <a:schemeClr val="accent1"/>
+          </a:fillRef>
+          <a:effectRef idx="0">
+            <a:schemeClr val="accent1"/>
+          </a:effectRef>
+          <a:fontRef idx="minor">
+            <a:schemeClr val="tx1"/>
+          </a:fontRef>
+        </p:style>
+      </p:cxnSp>
+      <p:sp>
+        <p:nvSpPr>
+          <p:cNvPr id="28" name="Rectangle 27">
+            <a:extLst>
+              <a:ext uri="{FF2B5EF4-FFF2-40B4-BE49-F238E27FC236}">
+                <a16:creationId xmlns:a16="http://schemas.microsoft.com/office/drawing/2014/main" id="{8FFD5C20-FB0B-48F1-81FC-6A02C76EEDC2}"/>
+              </a:ext>
+            </a:extLst>
+          </p:cNvPr>
+          <p:cNvSpPr/>
+          <p:nvPr/>
+        </p:nvSpPr>
+        <p:spPr>
+          <a:xfrm>
+            <a:off x="3052417" y="2305879"/>
+            <a:ext cx="189948" cy="1920182"/>
+          </a:xfrm>
+          <a:prstGeom prst="rect">
+            <a:avLst/>
+          </a:prstGeom>
+          <a:solidFill>
+            <a:schemeClr val="bg1"/>
+          </a:solidFill>
+          <a:ln w="19050">
+            <a:solidFill>
+              <a:schemeClr val="tx1"/>
+            </a:solidFill>
+          </a:ln>
+        </p:spPr>
+        <p:style>
+          <a:lnRef idx="2">
+            <a:schemeClr val="accent1">
+              <a:shade val="50000"/>
+            </a:schemeClr>
+          </a:lnRef>
+          <a:fillRef idx="1">
+            <a:schemeClr val="accent1"/>
+          </a:fillRef>
+          <a:effectRef idx="0">
+            <a:schemeClr val="accent1"/>
+          </a:effectRef>
+          <a:fontRef idx="minor">
+            <a:schemeClr val="lt1"/>
+          </a:fontRef>
+        </p:style>
+        <p:txBody>
+          <a:bodyPr rtlCol="0" anchor="ctr"/>
+          <a:lstStyle/>
+          <a:p>
+            <a:pPr algn="ctr"/>
+            <a:endParaRPr lang="en-US"/>
+          </a:p>
+        </p:txBody>
+      </p:sp>
+      <p:cxnSp>
+        <p:nvCxnSpPr>
+          <p:cNvPr id="43" name="Straight Arrow Connector 42">
+            <a:extLst>
+              <a:ext uri="{FF2B5EF4-FFF2-40B4-BE49-F238E27FC236}">
+                <a16:creationId xmlns:a16="http://schemas.microsoft.com/office/drawing/2014/main" id="{5203D1B4-81CA-4E04-BCA2-0200E6F70E7F}"/>
+              </a:ext>
+            </a:extLst>
+          </p:cNvPr>
+          <p:cNvCxnSpPr>
+            <a:cxnSpLocks/>
+          </p:cNvCxnSpPr>
+          <p:nvPr/>
+        </p:nvCxnSpPr>
+        <p:spPr>
+          <a:xfrm flipH="1">
+            <a:off x="1440797" y="4226061"/>
+            <a:ext cx="1593568" cy="0"/>
+          </a:xfrm>
+          <a:prstGeom prst="straightConnector1">
+            <a:avLst/>
+          </a:prstGeom>
+          <a:ln w="19050">
+            <a:solidFill>
+              <a:schemeClr val="tx1"/>
+            </a:solidFill>
+            <a:prstDash val="sysDash"/>
+            <a:tailEnd type="arrow" w="lg" len="lg"/>
+          </a:ln>
+        </p:spPr>
+        <p:style>
+          <a:lnRef idx="1">
+            <a:schemeClr val="accent1"/>
+          </a:lnRef>
+          <a:fillRef idx="0">
+            <a:schemeClr val="accent1"/>
+          </a:fillRef>
+          <a:effectRef idx="0">
+            <a:schemeClr val="accent1"/>
+          </a:effectRef>
+          <a:fontRef idx="minor">
+            <a:schemeClr val="tx1"/>
+          </a:fontRef>
+        </p:style>
+      </p:cxnSp>
+      <p:sp>
+        <p:nvSpPr>
+          <p:cNvPr id="45" name="Text Box 25">
+            <a:extLst>
+              <a:ext uri="{FF2B5EF4-FFF2-40B4-BE49-F238E27FC236}">
+                <a16:creationId xmlns:a16="http://schemas.microsoft.com/office/drawing/2014/main" id="{A1D86571-7651-4810-A1AA-661C8ACB419C}"/>
+              </a:ext>
+            </a:extLst>
+          </p:cNvPr>
+          <p:cNvSpPr txBox="1">
+            <a:spLocks noChangeArrowheads="1"/>
+          </p:cNvSpPr>
+          <p:nvPr/>
+        </p:nvSpPr>
+        <p:spPr bwMode="auto">
+          <a:xfrm>
+            <a:off x="1562070" y="2305879"/>
+            <a:ext cx="1252537" cy="276999"/>
+          </a:xfrm>
+          <a:prstGeom prst="rect">
+            <a:avLst/>
+          </a:prstGeom>
+          <a:noFill/>
+          <a:ln>
+            <a:noFill/>
+          </a:ln>
+          <a:extLst>
+            <a:ext uri="{909E8E84-426E-40dd-AFC4-6F175D3DCCD1}">
+              <a14:hiddenFill xmlns:a14="http://schemas.microsoft.com/office/drawing/2010/main" xmlns="">
+                <a:solidFill>
+                  <a:srgbClr val="FFFFFF"/>
+                </a:solidFill>
+              </a14:hiddenFill>
+            </a:ext>
+            <a:ext uri="{91240B29-F687-4f45-9708-019B960494DF}">
+              <a14:hiddenLine xmlns:a14="http://schemas.microsoft.com/office/drawing/2010/main" xmlns="" w="9525">
+                <a:solidFill>
+                  <a:srgbClr val="000000"/>
+                </a:solidFill>
+                <a:miter lim="800000"/>
+                <a:headEnd/>
+                <a:tailEnd/>
+              </a14:hiddenLine>
+            </a:ext>
+          </a:extLst>
+        </p:spPr>
+        <p:txBody>
+          <a:bodyPr>
+            <a:spAutoFit/>
+          </a:bodyPr>
+          <a:lstStyle>
+            <a:lvl1pPr>
+              <a:defRPr sz="2400">
+                <a:solidFill>
+                  <a:schemeClr val="tx1"/>
+                </a:solidFill>
+                <a:latin typeface="Times New Roman" panose="02020603050405020304" pitchFamily="18" charset="0"/>
+                <a:ea typeface="MS PGothic" panose="020B0600070205080204" pitchFamily="34" charset="-128"/>
+              </a:defRPr>
+            </a:lvl1pPr>
+            <a:lvl2pPr marL="742950" indent="-285750">
+              <a:defRPr sz="2400">
+                <a:solidFill>
+                  <a:schemeClr val="tx1"/>
+                </a:solidFill>
+                <a:latin typeface="Times New Roman" panose="02020603050405020304" pitchFamily="18" charset="0"/>
+                <a:ea typeface="MS PGothic" panose="020B0600070205080204" pitchFamily="34" charset="-128"/>
+              </a:defRPr>
+            </a:lvl2pPr>
+            <a:lvl3pPr marL="1143000" indent="-228600">
+              <a:defRPr sz="2400">
+                <a:solidFill>
+                  <a:schemeClr val="tx1"/>
+                </a:solidFill>
+                <a:latin typeface="Times New Roman" panose="02020603050405020304" pitchFamily="18" charset="0"/>
+                <a:ea typeface="MS PGothic" panose="020B0600070205080204" pitchFamily="34" charset="-128"/>
+              </a:defRPr>
+            </a:lvl3pPr>
+            <a:lvl4pPr marL="1600200" indent="-228600">
+              <a:defRPr sz="2400">
+                <a:solidFill>
+                  <a:schemeClr val="tx1"/>
+                </a:solidFill>
+                <a:latin typeface="Times New Roman" panose="02020603050405020304" pitchFamily="18" charset="0"/>
+                <a:ea typeface="MS PGothic" panose="020B0600070205080204" pitchFamily="34" charset="-128"/>
+              </a:defRPr>
+            </a:lvl4pPr>
+            <a:lvl5pPr marL="2057400" indent="-228600">
+              <a:defRPr sz="2400">
+                <a:solidFill>
+                  <a:schemeClr val="tx1"/>
+                </a:solidFill>
+                <a:latin typeface="Times New Roman" panose="02020603050405020304" pitchFamily="18" charset="0"/>
+                <a:ea typeface="MS PGothic" panose="020B0600070205080204" pitchFamily="34" charset="-128"/>
+              </a:defRPr>
+            </a:lvl5pPr>
+            <a:lvl6pPr marL="2514600" indent="-228600" algn="r" eaLnBrk="0" fontAlgn="base" hangingPunct="0">
+              <a:spcBef>
+                <a:spcPct val="0"/>
+              </a:spcBef>
+              <a:spcAft>
+                <a:spcPct val="0"/>
+              </a:spcAft>
+              <a:buChar char="•"/>
+              <a:defRPr sz="2400">
+                <a:solidFill>
+                  <a:schemeClr val="tx1"/>
+                </a:solidFill>
+                <a:latin typeface="Times New Roman" panose="02020603050405020304" pitchFamily="18" charset="0"/>
+                <a:ea typeface="MS PGothic" panose="020B0600070205080204" pitchFamily="34" charset="-128"/>
+              </a:defRPr>
+            </a:lvl6pPr>
+            <a:lvl7pPr marL="2971800" indent="-228600" algn="r" eaLnBrk="0" fontAlgn="base" hangingPunct="0">
+              <a:spcBef>
+                <a:spcPct val="0"/>
+              </a:spcBef>
+              <a:spcAft>
+                <a:spcPct val="0"/>
+              </a:spcAft>
+              <a:buChar char="•"/>
+              <a:defRPr sz="2400">
+                <a:solidFill>
+                  <a:schemeClr val="tx1"/>
+                </a:solidFill>
+                <a:latin typeface="Times New Roman" panose="02020603050405020304" pitchFamily="18" charset="0"/>
+                <a:ea typeface="MS PGothic" panose="020B0600070205080204" pitchFamily="34" charset="-128"/>
+              </a:defRPr>
+            </a:lvl7pPr>
+            <a:lvl8pPr marL="3429000" indent="-228600" algn="r" eaLnBrk="0" fontAlgn="base" hangingPunct="0">
+              <a:spcBef>
+                <a:spcPct val="0"/>
+              </a:spcBef>
+              <a:spcAft>
+                <a:spcPct val="0"/>
+              </a:spcAft>
+              <a:buChar char="•"/>
+              <a:defRPr sz="2400">
+                <a:solidFill>
+                  <a:schemeClr val="tx1"/>
+                </a:solidFill>
+                <a:latin typeface="Times New Roman" panose="02020603050405020304" pitchFamily="18" charset="0"/>
+                <a:ea typeface="MS PGothic" panose="020B0600070205080204" pitchFamily="34" charset="-128"/>
+              </a:defRPr>
+            </a:lvl8pPr>
+            <a:lvl9pPr marL="3886200" indent="-228600" algn="r" eaLnBrk="0" fontAlgn="base" hangingPunct="0">
+              <a:spcBef>
+                <a:spcPct val="0"/>
+              </a:spcBef>
+              <a:spcAft>
+                <a:spcPct val="0"/>
+              </a:spcAft>
+              <a:buChar char="•"/>
+              <a:defRPr sz="2400">
+                <a:solidFill>
+                  <a:schemeClr val="tx1"/>
+                </a:solidFill>
+                <a:latin typeface="Times New Roman" panose="02020603050405020304" pitchFamily="18" charset="0"/>
+                <a:ea typeface="MS PGothic" panose="020B0600070205080204" pitchFamily="34" charset="-128"/>
+              </a:defRPr>
+            </a:lvl9pPr>
+          </a:lstStyle>
+          <a:p>
+            <a:pPr algn="ctr" eaLnBrk="1" hangingPunct="1">
+              <a:spcBef>
+                <a:spcPct val="50000"/>
+              </a:spcBef>
+              <a:buFontTx/>
+              <a:buNone/>
+            </a:pPr>
+            <a:r>
+              <a:rPr lang="en-GB" sz="1200" dirty="0">
+                <a:latin typeface="+mn-lt"/>
+              </a:rPr>
+              <a:t>request()</a:t>
+            </a:r>
+          </a:p>
+        </p:txBody>
+      </p:sp>
+      <p:sp>
+        <p:nvSpPr>
+          <p:cNvPr id="50" name="Text Box 25">
+            <a:extLst>
+              <a:ext uri="{FF2B5EF4-FFF2-40B4-BE49-F238E27FC236}">
+                <a16:creationId xmlns:a16="http://schemas.microsoft.com/office/drawing/2014/main" id="{89B84F98-AEF2-40F0-A23A-11BA519A79CC}"/>
+              </a:ext>
+            </a:extLst>
+          </p:cNvPr>
+          <p:cNvSpPr txBox="1">
+            <a:spLocks noChangeArrowheads="1"/>
+          </p:cNvSpPr>
+          <p:nvPr/>
+        </p:nvSpPr>
+        <p:spPr bwMode="auto">
+          <a:xfrm>
+            <a:off x="1617669" y="4269014"/>
+            <a:ext cx="1543166" cy="276999"/>
+          </a:xfrm>
+          <a:prstGeom prst="rect">
+            <a:avLst/>
+          </a:prstGeom>
+          <a:noFill/>
+          <a:ln>
+            <a:noFill/>
+          </a:ln>
+          <a:extLst>
+            <a:ext uri="{909E8E84-426E-40dd-AFC4-6F175D3DCCD1}">
+              <a14:hiddenFill xmlns:a14="http://schemas.microsoft.com/office/drawing/2010/main" xmlns="">
+                <a:solidFill>
+                  <a:srgbClr val="FFFFFF"/>
+                </a:solidFill>
+              </a14:hiddenFill>
+            </a:ext>
+            <a:ext uri="{91240B29-F687-4f45-9708-019B960494DF}">
+              <a14:hiddenLine xmlns:a14="http://schemas.microsoft.com/office/drawing/2010/main" xmlns="" w="9525">
+                <a:solidFill>
+                  <a:srgbClr val="000000"/>
+                </a:solidFill>
+                <a:miter lim="800000"/>
+                <a:headEnd/>
+                <a:tailEnd/>
+              </a14:hiddenLine>
+            </a:ext>
+          </a:extLst>
+        </p:spPr>
+        <p:txBody>
+          <a:bodyPr wrap="square">
+            <a:spAutoFit/>
+          </a:bodyPr>
+          <a:lstStyle>
+            <a:lvl1pPr>
+              <a:defRPr sz="2400">
+                <a:solidFill>
+                  <a:schemeClr val="tx1"/>
+                </a:solidFill>
+                <a:latin typeface="Times New Roman" panose="02020603050405020304" pitchFamily="18" charset="0"/>
+                <a:ea typeface="MS PGothic" panose="020B0600070205080204" pitchFamily="34" charset="-128"/>
+              </a:defRPr>
+            </a:lvl1pPr>
+            <a:lvl2pPr marL="742950" indent="-285750">
+              <a:defRPr sz="2400">
+                <a:solidFill>
+                  <a:schemeClr val="tx1"/>
+                </a:solidFill>
+                <a:latin typeface="Times New Roman" panose="02020603050405020304" pitchFamily="18" charset="0"/>
+                <a:ea typeface="MS PGothic" panose="020B0600070205080204" pitchFamily="34" charset="-128"/>
+              </a:defRPr>
+            </a:lvl2pPr>
+            <a:lvl3pPr marL="1143000" indent="-228600">
+              <a:defRPr sz="2400">
+                <a:solidFill>
+                  <a:schemeClr val="tx1"/>
+                </a:solidFill>
+                <a:latin typeface="Times New Roman" panose="02020603050405020304" pitchFamily="18" charset="0"/>
+                <a:ea typeface="MS PGothic" panose="020B0600070205080204" pitchFamily="34" charset="-128"/>
+              </a:defRPr>
+            </a:lvl3pPr>
+            <a:lvl4pPr marL="1600200" indent="-228600">
+              <a:defRPr sz="2400">
+                <a:solidFill>
+                  <a:schemeClr val="tx1"/>
+                </a:solidFill>
+                <a:latin typeface="Times New Roman" panose="02020603050405020304" pitchFamily="18" charset="0"/>
+                <a:ea typeface="MS PGothic" panose="020B0600070205080204" pitchFamily="34" charset="-128"/>
+              </a:defRPr>
+            </a:lvl4pPr>
+            <a:lvl5pPr marL="2057400" indent="-228600">
+              <a:defRPr sz="2400">
+                <a:solidFill>
+                  <a:schemeClr val="tx1"/>
+                </a:solidFill>
+                <a:latin typeface="Times New Roman" panose="02020603050405020304" pitchFamily="18" charset="0"/>
+                <a:ea typeface="MS PGothic" panose="020B0600070205080204" pitchFamily="34" charset="-128"/>
+              </a:defRPr>
+            </a:lvl5pPr>
+            <a:lvl6pPr marL="2514600" indent="-228600" algn="r" eaLnBrk="0" fontAlgn="base" hangingPunct="0">
+              <a:spcBef>
+                <a:spcPct val="0"/>
+              </a:spcBef>
+              <a:spcAft>
+                <a:spcPct val="0"/>
+              </a:spcAft>
+              <a:buChar char="•"/>
+              <a:defRPr sz="2400">
+                <a:solidFill>
+                  <a:schemeClr val="tx1"/>
+                </a:solidFill>
+                <a:latin typeface="Times New Roman" panose="02020603050405020304" pitchFamily="18" charset="0"/>
+                <a:ea typeface="MS PGothic" panose="020B0600070205080204" pitchFamily="34" charset="-128"/>
+              </a:defRPr>
+            </a:lvl6pPr>
+            <a:lvl7pPr marL="2971800" indent="-228600" algn="r" eaLnBrk="0" fontAlgn="base" hangingPunct="0">
+              <a:spcBef>
+                <a:spcPct val="0"/>
+              </a:spcBef>
+              <a:spcAft>
+                <a:spcPct val="0"/>
+              </a:spcAft>
+              <a:buChar char="•"/>
+              <a:defRPr sz="2400">
+                <a:solidFill>
+                  <a:schemeClr val="tx1"/>
+                </a:solidFill>
+                <a:latin typeface="Times New Roman" panose="02020603050405020304" pitchFamily="18" charset="0"/>
+                <a:ea typeface="MS PGothic" panose="020B0600070205080204" pitchFamily="34" charset="-128"/>
+              </a:defRPr>
+            </a:lvl7pPr>
+            <a:lvl8pPr marL="3429000" indent="-228600" algn="r" eaLnBrk="0" fontAlgn="base" hangingPunct="0">
+              <a:spcBef>
+                <a:spcPct val="0"/>
+              </a:spcBef>
+              <a:spcAft>
+                <a:spcPct val="0"/>
+              </a:spcAft>
+              <a:buChar char="•"/>
+              <a:defRPr sz="2400">
+                <a:solidFill>
+                  <a:schemeClr val="tx1"/>
+                </a:solidFill>
+                <a:latin typeface="Times New Roman" panose="02020603050405020304" pitchFamily="18" charset="0"/>
+                <a:ea typeface="MS PGothic" panose="020B0600070205080204" pitchFamily="34" charset="-128"/>
+              </a:defRPr>
+            </a:lvl8pPr>
+            <a:lvl9pPr marL="3886200" indent="-228600" algn="r" eaLnBrk="0" fontAlgn="base" hangingPunct="0">
+              <a:spcBef>
+                <a:spcPct val="0"/>
+              </a:spcBef>
+              <a:spcAft>
+                <a:spcPct val="0"/>
+              </a:spcAft>
+              <a:buChar char="•"/>
+              <a:defRPr sz="2400">
+                <a:solidFill>
+                  <a:schemeClr val="tx1"/>
+                </a:solidFill>
+                <a:latin typeface="Times New Roman" panose="02020603050405020304" pitchFamily="18" charset="0"/>
+                <a:ea typeface="MS PGothic" panose="020B0600070205080204" pitchFamily="34" charset="-128"/>
+              </a:defRPr>
+            </a:lvl9pPr>
+          </a:lstStyle>
+          <a:p>
+            <a:pPr algn="ctr" eaLnBrk="1" hangingPunct="1">
+              <a:spcBef>
+                <a:spcPct val="50000"/>
+              </a:spcBef>
+              <a:buFontTx/>
+              <a:buNone/>
+            </a:pPr>
+            <a:r>
+              <a:rPr lang="en-GB" sz="1200" dirty="0">
+                <a:latin typeface="+mn-lt"/>
+              </a:rPr>
+              <a:t>response</a:t>
+            </a:r>
+          </a:p>
+        </p:txBody>
+      </p:sp>
+      <p:cxnSp>
+        <p:nvCxnSpPr>
+          <p:cNvPr id="55" name="Straight Arrow Connector 54">
+            <a:extLst>
+              <a:ext uri="{FF2B5EF4-FFF2-40B4-BE49-F238E27FC236}">
+                <a16:creationId xmlns:a16="http://schemas.microsoft.com/office/drawing/2014/main" id="{15D62CD8-7E76-407E-8CEF-24BB7A34A4A0}"/>
+              </a:ext>
+            </a:extLst>
+          </p:cNvPr>
+          <p:cNvCxnSpPr>
+            <a:cxnSpLocks/>
+          </p:cNvCxnSpPr>
+          <p:nvPr/>
+        </p:nvCxnSpPr>
+        <p:spPr>
+          <a:xfrm>
+            <a:off x="6540984" y="1915460"/>
+            <a:ext cx="1543933" cy="0"/>
+          </a:xfrm>
+          <a:prstGeom prst="straightConnector1">
+            <a:avLst/>
+          </a:prstGeom>
+          <a:ln w="19050">
+            <a:solidFill>
+              <a:schemeClr val="tx1"/>
+            </a:solidFill>
+            <a:tailEnd type="triangle" w="lg" len="lg"/>
+          </a:ln>
+        </p:spPr>
+        <p:style>
+          <a:lnRef idx="1">
+            <a:schemeClr val="accent1"/>
+          </a:lnRef>
+          <a:fillRef idx="0">
+            <a:schemeClr val="accent1"/>
+          </a:fillRef>
+          <a:effectRef idx="0">
+            <a:schemeClr val="accent1"/>
+          </a:effectRef>
+          <a:fontRef idx="minor">
+            <a:schemeClr val="tx1"/>
+          </a:fontRef>
+        </p:style>
+      </p:cxnSp>
+      <p:sp>
+        <p:nvSpPr>
+          <p:cNvPr id="57" name="Text Box 25">
+            <a:extLst>
+              <a:ext uri="{FF2B5EF4-FFF2-40B4-BE49-F238E27FC236}">
+                <a16:creationId xmlns:a16="http://schemas.microsoft.com/office/drawing/2014/main" id="{E6400CC8-A8AB-45B2-9E7E-09078066F5D2}"/>
+              </a:ext>
+            </a:extLst>
+          </p:cNvPr>
+          <p:cNvSpPr txBox="1">
+            <a:spLocks noChangeArrowheads="1"/>
+          </p:cNvSpPr>
+          <p:nvPr/>
+        </p:nvSpPr>
+        <p:spPr bwMode="auto">
+          <a:xfrm>
+            <a:off x="6687696" y="1638461"/>
+            <a:ext cx="1252537" cy="276999"/>
+          </a:xfrm>
+          <a:prstGeom prst="rect">
+            <a:avLst/>
+          </a:prstGeom>
+          <a:noFill/>
+          <a:ln>
+            <a:noFill/>
+          </a:ln>
+          <a:extLst>
+            <a:ext uri="{909E8E84-426E-40dd-AFC4-6F175D3DCCD1}">
+              <a14:hiddenFill xmlns:a14="http://schemas.microsoft.com/office/drawing/2010/main" xmlns="">
+                <a:solidFill>
+                  <a:srgbClr val="FFFFFF"/>
+                </a:solidFill>
+              </a14:hiddenFill>
+            </a:ext>
+            <a:ext uri="{91240B29-F687-4f45-9708-019B960494DF}">
+              <a14:hiddenLine xmlns:a14="http://schemas.microsoft.com/office/drawing/2010/main" xmlns="" w="9525">
+                <a:solidFill>
+                  <a:srgbClr val="000000"/>
+                </a:solidFill>
+                <a:miter lim="800000"/>
+                <a:headEnd/>
+                <a:tailEnd/>
+              </a14:hiddenLine>
+            </a:ext>
+          </a:extLst>
+        </p:spPr>
+        <p:txBody>
+          <a:bodyPr>
+            <a:spAutoFit/>
+          </a:bodyPr>
+          <a:lstStyle>
+            <a:lvl1pPr>
+              <a:defRPr sz="2400">
+                <a:solidFill>
+                  <a:schemeClr val="tx1"/>
+                </a:solidFill>
+                <a:latin typeface="Times New Roman" panose="02020603050405020304" pitchFamily="18" charset="0"/>
+                <a:ea typeface="MS PGothic" panose="020B0600070205080204" pitchFamily="34" charset="-128"/>
+              </a:defRPr>
+            </a:lvl1pPr>
+            <a:lvl2pPr marL="742950" indent="-285750">
+              <a:defRPr sz="2400">
+                <a:solidFill>
+                  <a:schemeClr val="tx1"/>
+                </a:solidFill>
+                <a:latin typeface="Times New Roman" panose="02020603050405020304" pitchFamily="18" charset="0"/>
+                <a:ea typeface="MS PGothic" panose="020B0600070205080204" pitchFamily="34" charset="-128"/>
+              </a:defRPr>
+            </a:lvl2pPr>
+            <a:lvl3pPr marL="1143000" indent="-228600">
+              <a:defRPr sz="2400">
+                <a:solidFill>
+                  <a:schemeClr val="tx1"/>
+                </a:solidFill>
+                <a:latin typeface="Times New Roman" panose="02020603050405020304" pitchFamily="18" charset="0"/>
+                <a:ea typeface="MS PGothic" panose="020B0600070205080204" pitchFamily="34" charset="-128"/>
+              </a:defRPr>
+            </a:lvl3pPr>
+            <a:lvl4pPr marL="1600200" indent="-228600">
+              <a:defRPr sz="2400">
+                <a:solidFill>
+                  <a:schemeClr val="tx1"/>
+                </a:solidFill>
+                <a:latin typeface="Times New Roman" panose="02020603050405020304" pitchFamily="18" charset="0"/>
+                <a:ea typeface="MS PGothic" panose="020B0600070205080204" pitchFamily="34" charset="-128"/>
+              </a:defRPr>
+            </a:lvl4pPr>
+            <a:lvl5pPr marL="2057400" indent="-228600">
+              <a:defRPr sz="2400">
+                <a:solidFill>
+                  <a:schemeClr val="tx1"/>
+                </a:solidFill>
+                <a:latin typeface="Times New Roman" panose="02020603050405020304" pitchFamily="18" charset="0"/>
+                <a:ea typeface="MS PGothic" panose="020B0600070205080204" pitchFamily="34" charset="-128"/>
+              </a:defRPr>
+            </a:lvl5pPr>
+            <a:lvl6pPr marL="2514600" indent="-228600" algn="r" eaLnBrk="0" fontAlgn="base" hangingPunct="0">
+              <a:spcBef>
+                <a:spcPct val="0"/>
+              </a:spcBef>
+              <a:spcAft>
+                <a:spcPct val="0"/>
+              </a:spcAft>
+              <a:buChar char="•"/>
+              <a:defRPr sz="2400">
+                <a:solidFill>
+                  <a:schemeClr val="tx1"/>
+                </a:solidFill>
+                <a:latin typeface="Times New Roman" panose="02020603050405020304" pitchFamily="18" charset="0"/>
+                <a:ea typeface="MS PGothic" panose="020B0600070205080204" pitchFamily="34" charset="-128"/>
+              </a:defRPr>
+            </a:lvl6pPr>
+            <a:lvl7pPr marL="2971800" indent="-228600" algn="r" eaLnBrk="0" fontAlgn="base" hangingPunct="0">
+              <a:spcBef>
+                <a:spcPct val="0"/>
+              </a:spcBef>
+              <a:spcAft>
+                <a:spcPct val="0"/>
+              </a:spcAft>
+              <a:buChar char="•"/>
+              <a:defRPr sz="2400">
+                <a:solidFill>
+                  <a:schemeClr val="tx1"/>
+                </a:solidFill>
+                <a:latin typeface="Times New Roman" panose="02020603050405020304" pitchFamily="18" charset="0"/>
+                <a:ea typeface="MS PGothic" panose="020B0600070205080204" pitchFamily="34" charset="-128"/>
+              </a:defRPr>
+            </a:lvl7pPr>
+            <a:lvl8pPr marL="3429000" indent="-228600" algn="r" eaLnBrk="0" fontAlgn="base" hangingPunct="0">
+              <a:spcBef>
+                <a:spcPct val="0"/>
+              </a:spcBef>
+              <a:spcAft>
+                <a:spcPct val="0"/>
+              </a:spcAft>
+              <a:buChar char="•"/>
+              <a:defRPr sz="2400">
+                <a:solidFill>
+                  <a:schemeClr val="tx1"/>
+                </a:solidFill>
+                <a:latin typeface="Times New Roman" panose="02020603050405020304" pitchFamily="18" charset="0"/>
+                <a:ea typeface="MS PGothic" panose="020B0600070205080204" pitchFamily="34" charset="-128"/>
+              </a:defRPr>
+            </a:lvl8pPr>
+            <a:lvl9pPr marL="3886200" indent="-228600" algn="r" eaLnBrk="0" fontAlgn="base" hangingPunct="0">
+              <a:spcBef>
+                <a:spcPct val="0"/>
+              </a:spcBef>
+              <a:spcAft>
+                <a:spcPct val="0"/>
+              </a:spcAft>
+              <a:buChar char="•"/>
+              <a:defRPr sz="2400">
+                <a:solidFill>
+                  <a:schemeClr val="tx1"/>
+                </a:solidFill>
+                <a:latin typeface="Times New Roman" panose="02020603050405020304" pitchFamily="18" charset="0"/>
+                <a:ea typeface="MS PGothic" panose="020B0600070205080204" pitchFamily="34" charset="-128"/>
+              </a:defRPr>
+            </a:lvl9pPr>
+          </a:lstStyle>
+          <a:p>
+            <a:pPr algn="ctr" eaLnBrk="1" hangingPunct="1">
+              <a:spcBef>
+                <a:spcPct val="50000"/>
+              </a:spcBef>
+              <a:buFontTx/>
+              <a:buNone/>
+            </a:pPr>
+            <a:r>
+              <a:rPr lang="en-GB" sz="1200" dirty="0">
+                <a:latin typeface="+mn-lt"/>
+              </a:rPr>
+              <a:t>synchronous()</a:t>
+            </a:r>
+          </a:p>
+        </p:txBody>
+      </p:sp>
+      <p:cxnSp>
+        <p:nvCxnSpPr>
+          <p:cNvPr id="59" name="Straight Arrow Connector 58">
+            <a:extLst>
+              <a:ext uri="{FF2B5EF4-FFF2-40B4-BE49-F238E27FC236}">
+                <a16:creationId xmlns:a16="http://schemas.microsoft.com/office/drawing/2014/main" id="{29E336E8-3ED5-4CF0-A304-C6C05FE0F084}"/>
+              </a:ext>
+            </a:extLst>
+          </p:cNvPr>
+          <p:cNvCxnSpPr>
+            <a:cxnSpLocks/>
+          </p:cNvCxnSpPr>
+          <p:nvPr/>
+        </p:nvCxnSpPr>
+        <p:spPr>
+          <a:xfrm>
+            <a:off x="6540984" y="2721377"/>
+            <a:ext cx="1543933" cy="0"/>
+          </a:xfrm>
+          <a:prstGeom prst="straightConnector1">
+            <a:avLst/>
+          </a:prstGeom>
+          <a:ln w="19050">
+            <a:solidFill>
+              <a:schemeClr val="tx1"/>
+            </a:solidFill>
+            <a:tailEnd type="arrow" w="lg" len="lg"/>
+          </a:ln>
+        </p:spPr>
+        <p:style>
+          <a:lnRef idx="1">
+            <a:schemeClr val="accent1"/>
+          </a:lnRef>
+          <a:fillRef idx="0">
+            <a:schemeClr val="accent1"/>
+          </a:fillRef>
+          <a:effectRef idx="0">
+            <a:schemeClr val="accent1"/>
+          </a:effectRef>
+          <a:fontRef idx="minor">
+            <a:schemeClr val="tx1"/>
+          </a:fontRef>
+        </p:style>
+      </p:cxnSp>
+      <p:sp>
+        <p:nvSpPr>
+          <p:cNvPr id="60" name="Text Box 25">
+            <a:extLst>
+              <a:ext uri="{FF2B5EF4-FFF2-40B4-BE49-F238E27FC236}">
+                <a16:creationId xmlns:a16="http://schemas.microsoft.com/office/drawing/2014/main" id="{EA4D34E1-EB66-4EB4-A886-81121FD66204}"/>
+              </a:ext>
+            </a:extLst>
+          </p:cNvPr>
+          <p:cNvSpPr txBox="1">
+            <a:spLocks noChangeArrowheads="1"/>
+          </p:cNvSpPr>
+          <p:nvPr/>
+        </p:nvSpPr>
+        <p:spPr bwMode="auto">
+          <a:xfrm>
+            <a:off x="6687696" y="2444378"/>
+            <a:ext cx="1252537" cy="276999"/>
+          </a:xfrm>
+          <a:prstGeom prst="rect">
+            <a:avLst/>
+          </a:prstGeom>
+          <a:noFill/>
+          <a:ln>
+            <a:noFill/>
+          </a:ln>
+          <a:extLst>
+            <a:ext uri="{909E8E84-426E-40dd-AFC4-6F175D3DCCD1}">
+              <a14:hiddenFill xmlns:a14="http://schemas.microsoft.com/office/drawing/2010/main" xmlns="">
+                <a:solidFill>
+                  <a:srgbClr val="FFFFFF"/>
+                </a:solidFill>
+              </a14:hiddenFill>
+            </a:ext>
+            <a:ext uri="{91240B29-F687-4f45-9708-019B960494DF}">
+              <a14:hiddenLine xmlns:a14="http://schemas.microsoft.com/office/drawing/2010/main" xmlns="" w="9525">
+                <a:solidFill>
+                  <a:srgbClr val="000000"/>
+                </a:solidFill>
+                <a:miter lim="800000"/>
+                <a:headEnd/>
+                <a:tailEnd/>
+              </a14:hiddenLine>
+            </a:ext>
+          </a:extLst>
+        </p:spPr>
+        <p:txBody>
+          <a:bodyPr>
+            <a:spAutoFit/>
+          </a:bodyPr>
+          <a:lstStyle>
+            <a:lvl1pPr>
+              <a:defRPr sz="2400">
+                <a:solidFill>
+                  <a:schemeClr val="tx1"/>
+                </a:solidFill>
+                <a:latin typeface="Times New Roman" panose="02020603050405020304" pitchFamily="18" charset="0"/>
+                <a:ea typeface="MS PGothic" panose="020B0600070205080204" pitchFamily="34" charset="-128"/>
+              </a:defRPr>
+            </a:lvl1pPr>
+            <a:lvl2pPr marL="742950" indent="-285750">
+              <a:defRPr sz="2400">
+                <a:solidFill>
+                  <a:schemeClr val="tx1"/>
+                </a:solidFill>
+                <a:latin typeface="Times New Roman" panose="02020603050405020304" pitchFamily="18" charset="0"/>
+                <a:ea typeface="MS PGothic" panose="020B0600070205080204" pitchFamily="34" charset="-128"/>
+              </a:defRPr>
+            </a:lvl2pPr>
+            <a:lvl3pPr marL="1143000" indent="-228600">
+              <a:defRPr sz="2400">
+                <a:solidFill>
+                  <a:schemeClr val="tx1"/>
+                </a:solidFill>
+                <a:latin typeface="Times New Roman" panose="02020603050405020304" pitchFamily="18" charset="0"/>
+                <a:ea typeface="MS PGothic" panose="020B0600070205080204" pitchFamily="34" charset="-128"/>
+              </a:defRPr>
+            </a:lvl3pPr>
+            <a:lvl4pPr marL="1600200" indent="-228600">
+              <a:defRPr sz="2400">
+                <a:solidFill>
+                  <a:schemeClr val="tx1"/>
+                </a:solidFill>
+                <a:latin typeface="Times New Roman" panose="02020603050405020304" pitchFamily="18" charset="0"/>
+                <a:ea typeface="MS PGothic" panose="020B0600070205080204" pitchFamily="34" charset="-128"/>
+              </a:defRPr>
+            </a:lvl4pPr>
+            <a:lvl5pPr marL="2057400" indent="-228600">
+              <a:defRPr sz="2400">
+                <a:solidFill>
+                  <a:schemeClr val="tx1"/>
+                </a:solidFill>
+                <a:latin typeface="Times New Roman" panose="02020603050405020304" pitchFamily="18" charset="0"/>
+                <a:ea typeface="MS PGothic" panose="020B0600070205080204" pitchFamily="34" charset="-128"/>
+              </a:defRPr>
+            </a:lvl5pPr>
+            <a:lvl6pPr marL="2514600" indent="-228600" algn="r" eaLnBrk="0" fontAlgn="base" hangingPunct="0">
+              <a:spcBef>
+                <a:spcPct val="0"/>
+              </a:spcBef>
+              <a:spcAft>
+                <a:spcPct val="0"/>
+              </a:spcAft>
+              <a:buChar char="•"/>
+              <a:defRPr sz="2400">
+                <a:solidFill>
+                  <a:schemeClr val="tx1"/>
+                </a:solidFill>
+                <a:latin typeface="Times New Roman" panose="02020603050405020304" pitchFamily="18" charset="0"/>
+                <a:ea typeface="MS PGothic" panose="020B0600070205080204" pitchFamily="34" charset="-128"/>
+              </a:defRPr>
+            </a:lvl6pPr>
+            <a:lvl7pPr marL="2971800" indent="-228600" algn="r" eaLnBrk="0" fontAlgn="base" hangingPunct="0">
+              <a:spcBef>
+                <a:spcPct val="0"/>
+              </a:spcBef>
+              <a:spcAft>
+                <a:spcPct val="0"/>
+              </a:spcAft>
+              <a:buChar char="•"/>
+              <a:defRPr sz="2400">
+                <a:solidFill>
+                  <a:schemeClr val="tx1"/>
+                </a:solidFill>
+                <a:latin typeface="Times New Roman" panose="02020603050405020304" pitchFamily="18" charset="0"/>
+                <a:ea typeface="MS PGothic" panose="020B0600070205080204" pitchFamily="34" charset="-128"/>
+              </a:defRPr>
+            </a:lvl7pPr>
+            <a:lvl8pPr marL="3429000" indent="-228600" algn="r" eaLnBrk="0" fontAlgn="base" hangingPunct="0">
+              <a:spcBef>
+                <a:spcPct val="0"/>
+              </a:spcBef>
+              <a:spcAft>
+                <a:spcPct val="0"/>
+              </a:spcAft>
+              <a:buChar char="•"/>
+              <a:defRPr sz="2400">
+                <a:solidFill>
+                  <a:schemeClr val="tx1"/>
+                </a:solidFill>
+                <a:latin typeface="Times New Roman" panose="02020603050405020304" pitchFamily="18" charset="0"/>
+                <a:ea typeface="MS PGothic" panose="020B0600070205080204" pitchFamily="34" charset="-128"/>
+              </a:defRPr>
+            </a:lvl8pPr>
+            <a:lvl9pPr marL="3886200" indent="-228600" algn="r" eaLnBrk="0" fontAlgn="base" hangingPunct="0">
+              <a:spcBef>
+                <a:spcPct val="0"/>
+              </a:spcBef>
+              <a:spcAft>
+                <a:spcPct val="0"/>
+              </a:spcAft>
+              <a:buChar char="•"/>
+              <a:defRPr sz="2400">
+                <a:solidFill>
+                  <a:schemeClr val="tx1"/>
+                </a:solidFill>
+                <a:latin typeface="Times New Roman" panose="02020603050405020304" pitchFamily="18" charset="0"/>
+                <a:ea typeface="MS PGothic" panose="020B0600070205080204" pitchFamily="34" charset="-128"/>
+              </a:defRPr>
+            </a:lvl9pPr>
+          </a:lstStyle>
+          <a:p>
+            <a:pPr algn="ctr" eaLnBrk="1" hangingPunct="1">
+              <a:spcBef>
+                <a:spcPct val="50000"/>
+              </a:spcBef>
+              <a:buFontTx/>
+              <a:buNone/>
+            </a:pPr>
+            <a:r>
+              <a:rPr lang="en-GB" sz="1200" dirty="0">
+                <a:latin typeface="+mn-lt"/>
+              </a:rPr>
+              <a:t>asynchronous()</a:t>
+            </a:r>
+          </a:p>
+        </p:txBody>
+      </p:sp>
+      <p:cxnSp>
+        <p:nvCxnSpPr>
+          <p:cNvPr id="61" name="Straight Arrow Connector 60">
+            <a:extLst>
+              <a:ext uri="{FF2B5EF4-FFF2-40B4-BE49-F238E27FC236}">
+                <a16:creationId xmlns:a16="http://schemas.microsoft.com/office/drawing/2014/main" id="{87BF7C9C-D3E2-4CF1-8E33-0EBB7606AA84}"/>
+              </a:ext>
+            </a:extLst>
+          </p:cNvPr>
+          <p:cNvCxnSpPr>
+            <a:cxnSpLocks/>
+          </p:cNvCxnSpPr>
+          <p:nvPr/>
+        </p:nvCxnSpPr>
+        <p:spPr>
+          <a:xfrm>
+            <a:off x="6540984" y="3567499"/>
+            <a:ext cx="1543933" cy="0"/>
+          </a:xfrm>
+          <a:prstGeom prst="straightConnector1">
+            <a:avLst/>
+          </a:prstGeom>
+          <a:ln w="19050">
+            <a:solidFill>
+              <a:schemeClr val="tx1"/>
+            </a:solidFill>
+            <a:prstDash val="dash"/>
+            <a:headEnd type="arrow" w="lg" len="lg"/>
+            <a:tailEnd type="none" w="lg" len="lg"/>
+          </a:ln>
+        </p:spPr>
+        <p:style>
+          <a:lnRef idx="1">
+            <a:schemeClr val="accent1"/>
+          </a:lnRef>
+          <a:fillRef idx="0">
+            <a:schemeClr val="accent1"/>
+          </a:fillRef>
+          <a:effectRef idx="0">
+            <a:schemeClr val="accent1"/>
+          </a:effectRef>
+          <a:fontRef idx="minor">
+            <a:schemeClr val="tx1"/>
+          </a:fontRef>
+        </p:style>
+      </p:cxnSp>
+      <p:sp>
+        <p:nvSpPr>
+          <p:cNvPr id="62" name="Text Box 25">
+            <a:extLst>
+              <a:ext uri="{FF2B5EF4-FFF2-40B4-BE49-F238E27FC236}">
+                <a16:creationId xmlns:a16="http://schemas.microsoft.com/office/drawing/2014/main" id="{1F45B615-1357-44E4-A8AE-299568087A13}"/>
+              </a:ext>
+            </a:extLst>
+          </p:cNvPr>
+          <p:cNvSpPr txBox="1">
+            <a:spLocks noChangeArrowheads="1"/>
+          </p:cNvSpPr>
+          <p:nvPr/>
+        </p:nvSpPr>
+        <p:spPr bwMode="auto">
+          <a:xfrm>
+            <a:off x="6687696" y="3290500"/>
+            <a:ext cx="1252537" cy="276999"/>
+          </a:xfrm>
+          <a:prstGeom prst="rect">
+            <a:avLst/>
+          </a:prstGeom>
+          <a:noFill/>
+          <a:ln>
+            <a:noFill/>
+          </a:ln>
+          <a:extLst>
+            <a:ext uri="{909E8E84-426E-40dd-AFC4-6F175D3DCCD1}">
+              <a14:hiddenFill xmlns:a14="http://schemas.microsoft.com/office/drawing/2010/main" xmlns="">
+                <a:solidFill>
+                  <a:srgbClr val="FFFFFF"/>
+                </a:solidFill>
+              </a14:hiddenFill>
+            </a:ext>
+            <a:ext uri="{91240B29-F687-4f45-9708-019B960494DF}">
+              <a14:hiddenLine xmlns:a14="http://schemas.microsoft.com/office/drawing/2010/main" xmlns="" w="9525">
+                <a:solidFill>
+                  <a:srgbClr val="000000"/>
+                </a:solidFill>
+                <a:miter lim="800000"/>
+                <a:headEnd/>
+                <a:tailEnd/>
+              </a14:hiddenLine>
+            </a:ext>
+          </a:extLst>
+        </p:spPr>
+        <p:txBody>
+          <a:bodyPr>
+            <a:spAutoFit/>
+          </a:bodyPr>
+          <a:lstStyle>
+            <a:lvl1pPr>
+              <a:defRPr sz="2400">
+                <a:solidFill>
+                  <a:schemeClr val="tx1"/>
+                </a:solidFill>
+                <a:latin typeface="Times New Roman" panose="02020603050405020304" pitchFamily="18" charset="0"/>
+                <a:ea typeface="MS PGothic" panose="020B0600070205080204" pitchFamily="34" charset="-128"/>
+              </a:defRPr>
+            </a:lvl1pPr>
+            <a:lvl2pPr marL="742950" indent="-285750">
+              <a:defRPr sz="2400">
+                <a:solidFill>
+                  <a:schemeClr val="tx1"/>
+                </a:solidFill>
+                <a:latin typeface="Times New Roman" panose="02020603050405020304" pitchFamily="18" charset="0"/>
+                <a:ea typeface="MS PGothic" panose="020B0600070205080204" pitchFamily="34" charset="-128"/>
+              </a:defRPr>
+            </a:lvl2pPr>
+            <a:lvl3pPr marL="1143000" indent="-228600">
+              <a:defRPr sz="2400">
+                <a:solidFill>
+                  <a:schemeClr val="tx1"/>
+                </a:solidFill>
+                <a:latin typeface="Times New Roman" panose="02020603050405020304" pitchFamily="18" charset="0"/>
+                <a:ea typeface="MS PGothic" panose="020B0600070205080204" pitchFamily="34" charset="-128"/>
+              </a:defRPr>
+            </a:lvl3pPr>
+            <a:lvl4pPr marL="1600200" indent="-228600">
+              <a:defRPr sz="2400">
+                <a:solidFill>
+                  <a:schemeClr val="tx1"/>
+                </a:solidFill>
+                <a:latin typeface="Times New Roman" panose="02020603050405020304" pitchFamily="18" charset="0"/>
+                <a:ea typeface="MS PGothic" panose="020B0600070205080204" pitchFamily="34" charset="-128"/>
+              </a:defRPr>
+            </a:lvl4pPr>
+            <a:lvl5pPr marL="2057400" indent="-228600">
+              <a:defRPr sz="2400">
+                <a:solidFill>
+                  <a:schemeClr val="tx1"/>
+                </a:solidFill>
+                <a:latin typeface="Times New Roman" panose="02020603050405020304" pitchFamily="18" charset="0"/>
+                <a:ea typeface="MS PGothic" panose="020B0600070205080204" pitchFamily="34" charset="-128"/>
+              </a:defRPr>
+            </a:lvl5pPr>
+            <a:lvl6pPr marL="2514600" indent="-228600" algn="r" eaLnBrk="0" fontAlgn="base" hangingPunct="0">
+              <a:spcBef>
+                <a:spcPct val="0"/>
+              </a:spcBef>
+              <a:spcAft>
+                <a:spcPct val="0"/>
+              </a:spcAft>
+              <a:buChar char="•"/>
+              <a:defRPr sz="2400">
+                <a:solidFill>
+                  <a:schemeClr val="tx1"/>
+                </a:solidFill>
+                <a:latin typeface="Times New Roman" panose="02020603050405020304" pitchFamily="18" charset="0"/>
+                <a:ea typeface="MS PGothic" panose="020B0600070205080204" pitchFamily="34" charset="-128"/>
+              </a:defRPr>
+            </a:lvl6pPr>
+            <a:lvl7pPr marL="2971800" indent="-228600" algn="r" eaLnBrk="0" fontAlgn="base" hangingPunct="0">
+              <a:spcBef>
+                <a:spcPct val="0"/>
+              </a:spcBef>
+              <a:spcAft>
+                <a:spcPct val="0"/>
+              </a:spcAft>
+              <a:buChar char="•"/>
+              <a:defRPr sz="2400">
+                <a:solidFill>
+                  <a:schemeClr val="tx1"/>
+                </a:solidFill>
+                <a:latin typeface="Times New Roman" panose="02020603050405020304" pitchFamily="18" charset="0"/>
+                <a:ea typeface="MS PGothic" panose="020B0600070205080204" pitchFamily="34" charset="-128"/>
+              </a:defRPr>
+            </a:lvl7pPr>
+            <a:lvl8pPr marL="3429000" indent="-228600" algn="r" eaLnBrk="0" fontAlgn="base" hangingPunct="0">
+              <a:spcBef>
+                <a:spcPct val="0"/>
+              </a:spcBef>
+              <a:spcAft>
+                <a:spcPct val="0"/>
+              </a:spcAft>
+              <a:buChar char="•"/>
+              <a:defRPr sz="2400">
+                <a:solidFill>
+                  <a:schemeClr val="tx1"/>
+                </a:solidFill>
+                <a:latin typeface="Times New Roman" panose="02020603050405020304" pitchFamily="18" charset="0"/>
+                <a:ea typeface="MS PGothic" panose="020B0600070205080204" pitchFamily="34" charset="-128"/>
+              </a:defRPr>
+            </a:lvl8pPr>
+            <a:lvl9pPr marL="3886200" indent="-228600" algn="r" eaLnBrk="0" fontAlgn="base" hangingPunct="0">
+              <a:spcBef>
+                <a:spcPct val="0"/>
+              </a:spcBef>
+              <a:spcAft>
+                <a:spcPct val="0"/>
+              </a:spcAft>
+              <a:buChar char="•"/>
+              <a:defRPr sz="2400">
+                <a:solidFill>
+                  <a:schemeClr val="tx1"/>
+                </a:solidFill>
+                <a:latin typeface="Times New Roman" panose="02020603050405020304" pitchFamily="18" charset="0"/>
+                <a:ea typeface="MS PGothic" panose="020B0600070205080204" pitchFamily="34" charset="-128"/>
+              </a:defRPr>
+            </a:lvl9pPr>
+          </a:lstStyle>
+          <a:p>
+            <a:pPr algn="ctr" eaLnBrk="1" hangingPunct="1">
+              <a:spcBef>
+                <a:spcPct val="50000"/>
+              </a:spcBef>
+              <a:buFontTx/>
+              <a:buNone/>
+            </a:pPr>
+            <a:r>
+              <a:rPr lang="en-GB" sz="1200" dirty="0">
+                <a:latin typeface="+mn-lt"/>
+              </a:rPr>
+              <a:t>response</a:t>
+            </a:r>
+          </a:p>
+        </p:txBody>
+      </p:sp>
+    </p:spTree>
+    <p:extLst>
+      <p:ext uri="{BB962C8B-B14F-4D97-AF65-F5344CB8AC3E}">
+        <p14:creationId xmlns:p14="http://schemas.microsoft.com/office/powerpoint/2010/main" val="1730581912"/>
+      </p:ext>
+    </p:extLst>
+  </p:cSld>
+  <p:clrMapOvr>
+    <a:masterClrMapping/>
+  </p:clrMapOvr>
+</p:sld>
+</file>
+
+<file path=ppt/slides/slide9.xml><?xml version="1.0" encoding="utf-8"?>
+<p:sld xmlns:a="http://schemas.openxmlformats.org/drawingml/2006/main" xmlns:r="http://schemas.openxmlformats.org/officeDocument/2006/relationships" xmlns:p="http://schemas.openxmlformats.org/presentationml/2006/main">
+  <p:cSld>
+    <p:spTree>
+      <p:nvGrpSpPr>
+        <p:cNvPr id="1" name=""/>
+        <p:cNvGrpSpPr/>
+        <p:nvPr/>
+      </p:nvGrpSpPr>
+      <p:grpSpPr>
+        <a:xfrm>
+          <a:off x="0" y="0"/>
+          <a:ext cx="0" cy="0"/>
+          <a:chOff x="0" y="0"/>
+          <a:chExt cx="0" cy="0"/>
+        </a:xfrm>
+      </p:grpSpPr>
+      <p:sp>
+        <p:nvSpPr>
+          <p:cNvPr id="4" name="Rectangle 3">
+            <a:extLst>
+              <a:ext uri="{FF2B5EF4-FFF2-40B4-BE49-F238E27FC236}">
+                <a16:creationId xmlns:a16="http://schemas.microsoft.com/office/drawing/2014/main" id="{11E9AAF6-9F01-4516-AEF6-483A0222BFC4}"/>
+              </a:ext>
+            </a:extLst>
+          </p:cNvPr>
+          <p:cNvSpPr/>
+          <p:nvPr/>
+        </p:nvSpPr>
+        <p:spPr>
+          <a:xfrm>
+            <a:off x="2492629" y="1357771"/>
+            <a:ext cx="1274266" cy="375224"/>
+          </a:xfrm>
+          <a:prstGeom prst="rect">
+            <a:avLst/>
+          </a:prstGeom>
+          <a:solidFill>
+            <a:schemeClr val="bg1"/>
+          </a:solidFill>
+          <a:ln w="19050">
+            <a:solidFill>
+              <a:schemeClr val="tx1"/>
+            </a:solidFill>
+          </a:ln>
+        </p:spPr>
+        <p:style>
+          <a:lnRef idx="2">
+            <a:schemeClr val="accent1">
+              <a:shade val="50000"/>
+            </a:schemeClr>
+          </a:lnRef>
+          <a:fillRef idx="1">
+            <a:schemeClr val="accent1"/>
+          </a:fillRef>
+          <a:effectRef idx="0">
+            <a:schemeClr val="accent1"/>
+          </a:effectRef>
+          <a:fontRef idx="minor">
+            <a:schemeClr val="lt1"/>
+          </a:fontRef>
+        </p:style>
+        <p:txBody>
+          <a:bodyPr rtlCol="0" anchor="ctr"/>
+          <a:lstStyle/>
+          <a:p>
+            <a:pPr algn="ctr"/>
+            <a:r>
+              <a:rPr lang="en-US" sz="1400" dirty="0">
+                <a:solidFill>
+                  <a:schemeClr val="tx1"/>
+                </a:solidFill>
+              </a:rPr>
+              <a:t>Web Server</a:t>
+            </a:r>
+          </a:p>
+        </p:txBody>
+      </p:sp>
+      <p:grpSp>
+        <p:nvGrpSpPr>
+          <p:cNvPr id="6" name="Group 19">
+            <a:extLst>
+              <a:ext uri="{FF2B5EF4-FFF2-40B4-BE49-F238E27FC236}">
+                <a16:creationId xmlns:a16="http://schemas.microsoft.com/office/drawing/2014/main" id="{24C2873A-7093-4998-9C01-61A0814EFDEC}"/>
+              </a:ext>
+            </a:extLst>
+          </p:cNvPr>
+          <p:cNvGrpSpPr>
+            <a:grpSpLocks/>
+          </p:cNvGrpSpPr>
+          <p:nvPr/>
+        </p:nvGrpSpPr>
+        <p:grpSpPr bwMode="auto">
+          <a:xfrm>
+            <a:off x="1196929" y="1152437"/>
+            <a:ext cx="417512" cy="725438"/>
+            <a:chOff x="480" y="2640"/>
+            <a:chExt cx="288" cy="576"/>
+          </a:xfrm>
+        </p:grpSpPr>
+        <p:sp>
+          <p:nvSpPr>
+            <p:cNvPr id="7" name="Oval 20">
+              <a:extLst>
+                <a:ext uri="{FF2B5EF4-FFF2-40B4-BE49-F238E27FC236}">
+                  <a16:creationId xmlns:a16="http://schemas.microsoft.com/office/drawing/2014/main" id="{4A0AA3E1-A80D-49D0-83A9-C491F36B5573}"/>
+                </a:ext>
+              </a:extLst>
+            </p:cNvPr>
+            <p:cNvSpPr>
+              <a:spLocks noChangeArrowheads="1"/>
+            </p:cNvSpPr>
+            <p:nvPr/>
+          </p:nvSpPr>
+          <p:spPr bwMode="auto">
+            <a:xfrm>
+              <a:off x="528" y="2640"/>
+              <a:ext cx="192" cy="192"/>
+            </a:xfrm>
+            <a:prstGeom prst="ellipse">
+              <a:avLst/>
+            </a:prstGeom>
+            <a:noFill/>
+            <a:ln w="28575">
+              <a:solidFill>
+                <a:schemeClr val="tx1"/>
+              </a:solidFill>
+              <a:round/>
+              <a:headEnd/>
+              <a:tailEnd/>
+            </a:ln>
+            <a:extLst>
+              <a:ext uri="{909E8E84-426E-40dd-AFC4-6F175D3DCCD1}">
+                <a14:hiddenFill xmlns:a14="http://schemas.microsoft.com/office/drawing/2010/main" xmlns="">
+                  <a:solidFill>
+                    <a:srgbClr val="FFFFFF"/>
+                  </a:solidFill>
+                </a14:hiddenFill>
+              </a:ext>
+            </a:extLst>
+          </p:spPr>
+          <p:txBody>
+            <a:bodyPr wrap="none" anchor="ctr"/>
+            <a:lstStyle>
+              <a:lvl1pPr>
+                <a:defRPr sz="2400">
+                  <a:solidFill>
+                    <a:schemeClr val="tx1"/>
+                  </a:solidFill>
+                  <a:latin typeface="Times New Roman" panose="02020603050405020304" pitchFamily="18" charset="0"/>
+                  <a:ea typeface="MS PGothic" panose="020B0600070205080204" pitchFamily="34" charset="-128"/>
+                </a:defRPr>
+              </a:lvl1pPr>
+              <a:lvl2pPr marL="742950" indent="-285750">
+                <a:defRPr sz="2400">
+                  <a:solidFill>
+                    <a:schemeClr val="tx1"/>
+                  </a:solidFill>
+                  <a:latin typeface="Times New Roman" panose="02020603050405020304" pitchFamily="18" charset="0"/>
+                  <a:ea typeface="MS PGothic" panose="020B0600070205080204" pitchFamily="34" charset="-128"/>
+                </a:defRPr>
+              </a:lvl2pPr>
+              <a:lvl3pPr marL="1143000" indent="-228600">
+                <a:defRPr sz="2400">
+                  <a:solidFill>
+                    <a:schemeClr val="tx1"/>
+                  </a:solidFill>
+                  <a:latin typeface="Times New Roman" panose="02020603050405020304" pitchFamily="18" charset="0"/>
+                  <a:ea typeface="MS PGothic" panose="020B0600070205080204" pitchFamily="34" charset="-128"/>
+                </a:defRPr>
+              </a:lvl3pPr>
+              <a:lvl4pPr marL="1600200" indent="-228600">
+                <a:defRPr sz="2400">
+                  <a:solidFill>
+                    <a:schemeClr val="tx1"/>
+                  </a:solidFill>
+                  <a:latin typeface="Times New Roman" panose="02020603050405020304" pitchFamily="18" charset="0"/>
+                  <a:ea typeface="MS PGothic" panose="020B0600070205080204" pitchFamily="34" charset="-128"/>
+                </a:defRPr>
+              </a:lvl4pPr>
+              <a:lvl5pPr marL="2057400" indent="-228600">
+                <a:defRPr sz="2400">
+                  <a:solidFill>
+                    <a:schemeClr val="tx1"/>
+                  </a:solidFill>
+                  <a:latin typeface="Times New Roman" panose="02020603050405020304" pitchFamily="18" charset="0"/>
+                  <a:ea typeface="MS PGothic" panose="020B0600070205080204" pitchFamily="34" charset="-128"/>
+                </a:defRPr>
+              </a:lvl5pPr>
+              <a:lvl6pPr marL="2514600" indent="-228600" algn="r" eaLnBrk="0" fontAlgn="base" hangingPunct="0">
+                <a:spcBef>
+                  <a:spcPct val="0"/>
+                </a:spcBef>
+                <a:spcAft>
+                  <a:spcPct val="0"/>
+                </a:spcAft>
+                <a:buChar char="•"/>
+                <a:defRPr sz="2400">
+                  <a:solidFill>
+                    <a:schemeClr val="tx1"/>
+                  </a:solidFill>
+                  <a:latin typeface="Times New Roman" panose="02020603050405020304" pitchFamily="18" charset="0"/>
+                  <a:ea typeface="MS PGothic" panose="020B0600070205080204" pitchFamily="34" charset="-128"/>
+                </a:defRPr>
+              </a:lvl6pPr>
+              <a:lvl7pPr marL="2971800" indent="-228600" algn="r" eaLnBrk="0" fontAlgn="base" hangingPunct="0">
+                <a:spcBef>
+                  <a:spcPct val="0"/>
+                </a:spcBef>
+                <a:spcAft>
+                  <a:spcPct val="0"/>
+                </a:spcAft>
+                <a:buChar char="•"/>
+                <a:defRPr sz="2400">
+                  <a:solidFill>
+                    <a:schemeClr val="tx1"/>
+                  </a:solidFill>
+                  <a:latin typeface="Times New Roman" panose="02020603050405020304" pitchFamily="18" charset="0"/>
+                  <a:ea typeface="MS PGothic" panose="020B0600070205080204" pitchFamily="34" charset="-128"/>
+                </a:defRPr>
+              </a:lvl7pPr>
+              <a:lvl8pPr marL="3429000" indent="-228600" algn="r" eaLnBrk="0" fontAlgn="base" hangingPunct="0">
+                <a:spcBef>
+                  <a:spcPct val="0"/>
+                </a:spcBef>
+                <a:spcAft>
+                  <a:spcPct val="0"/>
+                </a:spcAft>
+                <a:buChar char="•"/>
+                <a:defRPr sz="2400">
+                  <a:solidFill>
+                    <a:schemeClr val="tx1"/>
+                  </a:solidFill>
+                  <a:latin typeface="Times New Roman" panose="02020603050405020304" pitchFamily="18" charset="0"/>
+                  <a:ea typeface="MS PGothic" panose="020B0600070205080204" pitchFamily="34" charset="-128"/>
+                </a:defRPr>
+              </a:lvl8pPr>
+              <a:lvl9pPr marL="3886200" indent="-228600" algn="r" eaLnBrk="0" fontAlgn="base" hangingPunct="0">
+                <a:spcBef>
+                  <a:spcPct val="0"/>
+                </a:spcBef>
+                <a:spcAft>
+                  <a:spcPct val="0"/>
+                </a:spcAft>
+                <a:buChar char="•"/>
+                <a:defRPr sz="2400">
+                  <a:solidFill>
+                    <a:schemeClr val="tx1"/>
+                  </a:solidFill>
+                  <a:latin typeface="Times New Roman" panose="02020603050405020304" pitchFamily="18" charset="0"/>
+                  <a:ea typeface="MS PGothic" panose="020B0600070205080204" pitchFamily="34" charset="-128"/>
+                </a:defRPr>
+              </a:lvl9pPr>
+            </a:lstStyle>
+            <a:p>
+              <a:endParaRPr lang="en-US"/>
+            </a:p>
+          </p:txBody>
+        </p:sp>
+        <p:sp>
+          <p:nvSpPr>
+            <p:cNvPr id="8" name="Line 21">
+              <a:extLst>
+                <a:ext uri="{FF2B5EF4-FFF2-40B4-BE49-F238E27FC236}">
+                  <a16:creationId xmlns:a16="http://schemas.microsoft.com/office/drawing/2014/main" id="{A7EEE984-4A98-41A5-B71D-160615E1BF64}"/>
+                </a:ext>
+              </a:extLst>
+            </p:cNvPr>
+            <p:cNvSpPr>
+              <a:spLocks noChangeShapeType="1"/>
+            </p:cNvSpPr>
+            <p:nvPr/>
+          </p:nvSpPr>
+          <p:spPr bwMode="auto">
+            <a:xfrm>
+              <a:off x="624" y="2832"/>
+              <a:ext cx="0" cy="240"/>
+            </a:xfrm>
+            <a:prstGeom prst="line">
+              <a:avLst/>
+            </a:prstGeom>
+            <a:noFill/>
+            <a:ln w="28575">
+              <a:solidFill>
+                <a:schemeClr val="tx1"/>
+              </a:solidFill>
+              <a:round/>
+              <a:headEnd/>
+              <a:tailEnd/>
+            </a:ln>
+            <a:extLst>
+              <a:ext uri="{909E8E84-426E-40dd-AFC4-6F175D3DCCD1}">
+                <a14:hiddenFill xmlns:a14="http://schemas.microsoft.com/office/drawing/2010/main" xmlns="">
+                  <a:noFill/>
+                </a14:hiddenFill>
+              </a:ext>
+            </a:extLst>
+          </p:spPr>
+          <p:txBody>
+            <a:bodyPr/>
+            <a:lstStyle/>
+            <a:p>
+              <a:endParaRPr lang="en-GB"/>
+            </a:p>
+          </p:txBody>
+        </p:sp>
+        <p:sp>
+          <p:nvSpPr>
+            <p:cNvPr id="9" name="Line 22">
+              <a:extLst>
+                <a:ext uri="{FF2B5EF4-FFF2-40B4-BE49-F238E27FC236}">
+                  <a16:creationId xmlns:a16="http://schemas.microsoft.com/office/drawing/2014/main" id="{3A8A3E4F-3C85-496A-9DCE-5F03324660F4}"/>
+                </a:ext>
+              </a:extLst>
+            </p:cNvPr>
+            <p:cNvSpPr>
+              <a:spLocks noChangeShapeType="1"/>
+            </p:cNvSpPr>
+            <p:nvPr/>
+          </p:nvSpPr>
+          <p:spPr bwMode="auto">
+            <a:xfrm flipV="1">
+              <a:off x="480" y="2928"/>
+              <a:ext cx="288" cy="0"/>
+            </a:xfrm>
+            <a:prstGeom prst="line">
+              <a:avLst/>
+            </a:prstGeom>
+            <a:noFill/>
+            <a:ln w="28575">
+              <a:solidFill>
+                <a:schemeClr val="tx1"/>
+              </a:solidFill>
+              <a:round/>
+              <a:headEnd/>
+              <a:tailEnd/>
+            </a:ln>
+            <a:extLst>
+              <a:ext uri="{909E8E84-426E-40dd-AFC4-6F175D3DCCD1}">
+                <a14:hiddenFill xmlns:a14="http://schemas.microsoft.com/office/drawing/2010/main" xmlns="">
+                  <a:noFill/>
+                </a14:hiddenFill>
+              </a:ext>
+            </a:extLst>
+          </p:spPr>
+          <p:txBody>
+            <a:bodyPr/>
+            <a:lstStyle/>
+            <a:p>
+              <a:endParaRPr lang="en-GB"/>
+            </a:p>
+          </p:txBody>
+        </p:sp>
+        <p:sp>
+          <p:nvSpPr>
+            <p:cNvPr id="10" name="Line 23">
+              <a:extLst>
+                <a:ext uri="{FF2B5EF4-FFF2-40B4-BE49-F238E27FC236}">
+                  <a16:creationId xmlns:a16="http://schemas.microsoft.com/office/drawing/2014/main" id="{7CBB13B2-C570-4675-9AC4-78C71327BD19}"/>
+                </a:ext>
+              </a:extLst>
+            </p:cNvPr>
+            <p:cNvSpPr>
+              <a:spLocks noChangeShapeType="1"/>
+            </p:cNvSpPr>
+            <p:nvPr/>
+          </p:nvSpPr>
+          <p:spPr bwMode="auto">
+            <a:xfrm flipH="1">
+              <a:off x="480" y="3072"/>
+              <a:ext cx="144" cy="144"/>
+            </a:xfrm>
+            <a:prstGeom prst="line">
+              <a:avLst/>
+            </a:prstGeom>
+            <a:noFill/>
+            <a:ln w="28575">
+              <a:solidFill>
+                <a:schemeClr val="tx1"/>
+              </a:solidFill>
+              <a:round/>
+              <a:headEnd/>
+              <a:tailEnd/>
+            </a:ln>
+            <a:extLst>
+              <a:ext uri="{909E8E84-426E-40dd-AFC4-6F175D3DCCD1}">
+                <a14:hiddenFill xmlns:a14="http://schemas.microsoft.com/office/drawing/2010/main" xmlns="">
+                  <a:noFill/>
+                </a14:hiddenFill>
+              </a:ext>
+            </a:extLst>
+          </p:spPr>
+          <p:txBody>
+            <a:bodyPr/>
+            <a:lstStyle/>
+            <a:p>
+              <a:endParaRPr lang="en-GB"/>
+            </a:p>
+          </p:txBody>
+        </p:sp>
+        <p:sp>
+          <p:nvSpPr>
+            <p:cNvPr id="11" name="Line 24">
+              <a:extLst>
+                <a:ext uri="{FF2B5EF4-FFF2-40B4-BE49-F238E27FC236}">
+                  <a16:creationId xmlns:a16="http://schemas.microsoft.com/office/drawing/2014/main" id="{FF99A59A-3568-4A10-B054-6096AD68682D}"/>
+                </a:ext>
+              </a:extLst>
+            </p:cNvPr>
+            <p:cNvSpPr>
+              <a:spLocks noChangeShapeType="1"/>
+            </p:cNvSpPr>
+            <p:nvPr/>
+          </p:nvSpPr>
+          <p:spPr bwMode="auto">
+            <a:xfrm>
+              <a:off x="624" y="3072"/>
+              <a:ext cx="144" cy="144"/>
+            </a:xfrm>
+            <a:prstGeom prst="line">
+              <a:avLst/>
+            </a:prstGeom>
+            <a:noFill/>
+            <a:ln w="28575">
+              <a:solidFill>
+                <a:schemeClr val="tx1"/>
+              </a:solidFill>
+              <a:round/>
+              <a:headEnd/>
+              <a:tailEnd/>
+            </a:ln>
+            <a:extLst>
+              <a:ext uri="{909E8E84-426E-40dd-AFC4-6F175D3DCCD1}">
+                <a14:hiddenFill xmlns:a14="http://schemas.microsoft.com/office/drawing/2010/main" xmlns="">
+                  <a:noFill/>
+                </a14:hiddenFill>
+              </a:ext>
+            </a:extLst>
+          </p:spPr>
+          <p:txBody>
+            <a:bodyPr/>
+            <a:lstStyle/>
+            <a:p>
+              <a:endParaRPr lang="en-GB"/>
+            </a:p>
+          </p:txBody>
+        </p:sp>
+      </p:grpSp>
+      <p:sp>
+        <p:nvSpPr>
+          <p:cNvPr id="12" name="Text Box 25">
+            <a:extLst>
+              <a:ext uri="{FF2B5EF4-FFF2-40B4-BE49-F238E27FC236}">
+                <a16:creationId xmlns:a16="http://schemas.microsoft.com/office/drawing/2014/main" id="{358EF6AB-D2E6-47E5-8EE7-5A2A6DB8FA9B}"/>
+              </a:ext>
+            </a:extLst>
+          </p:cNvPr>
+          <p:cNvSpPr txBox="1">
+            <a:spLocks noChangeArrowheads="1"/>
+          </p:cNvSpPr>
+          <p:nvPr/>
+        </p:nvSpPr>
+        <p:spPr bwMode="auto">
+          <a:xfrm>
+            <a:off x="779415" y="1915460"/>
+            <a:ext cx="1252537" cy="338554"/>
+          </a:xfrm>
+          <a:prstGeom prst="rect">
+            <a:avLst/>
+          </a:prstGeom>
+          <a:noFill/>
+          <a:ln>
+            <a:noFill/>
+          </a:ln>
+          <a:extLst>
+            <a:ext uri="{909E8E84-426E-40dd-AFC4-6F175D3DCCD1}">
+              <a14:hiddenFill xmlns:a14="http://schemas.microsoft.com/office/drawing/2010/main" xmlns="">
+                <a:solidFill>
+                  <a:srgbClr val="FFFFFF"/>
+                </a:solidFill>
+              </a14:hiddenFill>
+            </a:ext>
+            <a:ext uri="{91240B29-F687-4f45-9708-019B960494DF}">
+              <a14:hiddenLine xmlns:a14="http://schemas.microsoft.com/office/drawing/2010/main" xmlns="" w="9525">
+                <a:solidFill>
+                  <a:srgbClr val="000000"/>
+                </a:solidFill>
+                <a:miter lim="800000"/>
+                <a:headEnd/>
+                <a:tailEnd/>
+              </a14:hiddenLine>
+            </a:ext>
+          </a:extLst>
+        </p:spPr>
+        <p:txBody>
+          <a:bodyPr>
+            <a:spAutoFit/>
+          </a:bodyPr>
+          <a:lstStyle>
+            <a:lvl1pPr>
+              <a:defRPr sz="2400">
+                <a:solidFill>
+                  <a:schemeClr val="tx1"/>
+                </a:solidFill>
+                <a:latin typeface="Times New Roman" panose="02020603050405020304" pitchFamily="18" charset="0"/>
+                <a:ea typeface="MS PGothic" panose="020B0600070205080204" pitchFamily="34" charset="-128"/>
+              </a:defRPr>
+            </a:lvl1pPr>
+            <a:lvl2pPr marL="742950" indent="-285750">
+              <a:defRPr sz="2400">
+                <a:solidFill>
+                  <a:schemeClr val="tx1"/>
+                </a:solidFill>
+                <a:latin typeface="Times New Roman" panose="02020603050405020304" pitchFamily="18" charset="0"/>
+                <a:ea typeface="MS PGothic" panose="020B0600070205080204" pitchFamily="34" charset="-128"/>
+              </a:defRPr>
+            </a:lvl2pPr>
+            <a:lvl3pPr marL="1143000" indent="-228600">
+              <a:defRPr sz="2400">
+                <a:solidFill>
+                  <a:schemeClr val="tx1"/>
+                </a:solidFill>
+                <a:latin typeface="Times New Roman" panose="02020603050405020304" pitchFamily="18" charset="0"/>
+                <a:ea typeface="MS PGothic" panose="020B0600070205080204" pitchFamily="34" charset="-128"/>
+              </a:defRPr>
+            </a:lvl3pPr>
+            <a:lvl4pPr marL="1600200" indent="-228600">
+              <a:defRPr sz="2400">
+                <a:solidFill>
+                  <a:schemeClr val="tx1"/>
+                </a:solidFill>
+                <a:latin typeface="Times New Roman" panose="02020603050405020304" pitchFamily="18" charset="0"/>
+                <a:ea typeface="MS PGothic" panose="020B0600070205080204" pitchFamily="34" charset="-128"/>
+              </a:defRPr>
+            </a:lvl4pPr>
+            <a:lvl5pPr marL="2057400" indent="-228600">
+              <a:defRPr sz="2400">
+                <a:solidFill>
+                  <a:schemeClr val="tx1"/>
+                </a:solidFill>
+                <a:latin typeface="Times New Roman" panose="02020603050405020304" pitchFamily="18" charset="0"/>
+                <a:ea typeface="MS PGothic" panose="020B0600070205080204" pitchFamily="34" charset="-128"/>
+              </a:defRPr>
+            </a:lvl5pPr>
+            <a:lvl6pPr marL="2514600" indent="-228600" algn="r" eaLnBrk="0" fontAlgn="base" hangingPunct="0">
+              <a:spcBef>
+                <a:spcPct val="0"/>
+              </a:spcBef>
+              <a:spcAft>
+                <a:spcPct val="0"/>
+              </a:spcAft>
+              <a:buChar char="•"/>
+              <a:defRPr sz="2400">
+                <a:solidFill>
+                  <a:schemeClr val="tx1"/>
+                </a:solidFill>
+                <a:latin typeface="Times New Roman" panose="02020603050405020304" pitchFamily="18" charset="0"/>
+                <a:ea typeface="MS PGothic" panose="020B0600070205080204" pitchFamily="34" charset="-128"/>
+              </a:defRPr>
+            </a:lvl6pPr>
+            <a:lvl7pPr marL="2971800" indent="-228600" algn="r" eaLnBrk="0" fontAlgn="base" hangingPunct="0">
+              <a:spcBef>
+                <a:spcPct val="0"/>
+              </a:spcBef>
+              <a:spcAft>
+                <a:spcPct val="0"/>
+              </a:spcAft>
+              <a:buChar char="•"/>
+              <a:defRPr sz="2400">
+                <a:solidFill>
+                  <a:schemeClr val="tx1"/>
+                </a:solidFill>
+                <a:latin typeface="Times New Roman" panose="02020603050405020304" pitchFamily="18" charset="0"/>
+                <a:ea typeface="MS PGothic" panose="020B0600070205080204" pitchFamily="34" charset="-128"/>
+              </a:defRPr>
+            </a:lvl7pPr>
+            <a:lvl8pPr marL="3429000" indent="-228600" algn="r" eaLnBrk="0" fontAlgn="base" hangingPunct="0">
+              <a:spcBef>
+                <a:spcPct val="0"/>
+              </a:spcBef>
+              <a:spcAft>
+                <a:spcPct val="0"/>
+              </a:spcAft>
+              <a:buChar char="•"/>
+              <a:defRPr sz="2400">
+                <a:solidFill>
+                  <a:schemeClr val="tx1"/>
+                </a:solidFill>
+                <a:latin typeface="Times New Roman" panose="02020603050405020304" pitchFamily="18" charset="0"/>
+                <a:ea typeface="MS PGothic" panose="020B0600070205080204" pitchFamily="34" charset="-128"/>
+              </a:defRPr>
+            </a:lvl8pPr>
+            <a:lvl9pPr marL="3886200" indent="-228600" algn="r" eaLnBrk="0" fontAlgn="base" hangingPunct="0">
+              <a:spcBef>
+                <a:spcPct val="0"/>
+              </a:spcBef>
+              <a:spcAft>
+                <a:spcPct val="0"/>
+              </a:spcAft>
+              <a:buChar char="•"/>
+              <a:defRPr sz="2400">
+                <a:solidFill>
+                  <a:schemeClr val="tx1"/>
+                </a:solidFill>
+                <a:latin typeface="Times New Roman" panose="02020603050405020304" pitchFamily="18" charset="0"/>
+                <a:ea typeface="MS PGothic" panose="020B0600070205080204" pitchFamily="34" charset="-128"/>
+              </a:defRPr>
+            </a:lvl9pPr>
+          </a:lstStyle>
+          <a:p>
+            <a:pPr algn="ctr" eaLnBrk="1" hangingPunct="1">
+              <a:spcBef>
+                <a:spcPct val="50000"/>
+              </a:spcBef>
+              <a:buFontTx/>
+              <a:buNone/>
+            </a:pPr>
+            <a:r>
+              <a:rPr lang="en-GB" sz="1600" dirty="0">
+                <a:latin typeface="+mn-lt"/>
+              </a:rPr>
+              <a:t>User</a:t>
+            </a:r>
+          </a:p>
+        </p:txBody>
+      </p:sp>
+      <p:sp>
+        <p:nvSpPr>
+          <p:cNvPr id="13" name="Rectangle 12">
+            <a:extLst>
+              <a:ext uri="{FF2B5EF4-FFF2-40B4-BE49-F238E27FC236}">
+                <a16:creationId xmlns:a16="http://schemas.microsoft.com/office/drawing/2014/main" id="{A22EF3E5-9C70-42B3-B4D7-A8CB0DD02CF6}"/>
+              </a:ext>
+            </a:extLst>
+          </p:cNvPr>
+          <p:cNvSpPr/>
+          <p:nvPr/>
+        </p:nvSpPr>
+        <p:spPr>
+          <a:xfrm>
+            <a:off x="4714669" y="1357771"/>
+            <a:ext cx="1274266" cy="375224"/>
+          </a:xfrm>
+          <a:prstGeom prst="rect">
+            <a:avLst/>
+          </a:prstGeom>
+          <a:solidFill>
+            <a:schemeClr val="bg1"/>
+          </a:solidFill>
+          <a:ln w="19050">
+            <a:solidFill>
+              <a:schemeClr val="tx1"/>
+            </a:solidFill>
+          </a:ln>
+        </p:spPr>
+        <p:style>
+          <a:lnRef idx="2">
+            <a:schemeClr val="accent1">
+              <a:shade val="50000"/>
+            </a:schemeClr>
+          </a:lnRef>
+          <a:fillRef idx="1">
+            <a:schemeClr val="accent1"/>
+          </a:fillRef>
+          <a:effectRef idx="0">
+            <a:schemeClr val="accent1"/>
+          </a:effectRef>
+          <a:fontRef idx="minor">
+            <a:schemeClr val="lt1"/>
+          </a:fontRef>
+        </p:style>
+        <p:txBody>
+          <a:bodyPr rtlCol="0" anchor="ctr"/>
+          <a:lstStyle/>
+          <a:p>
+            <a:pPr algn="ctr"/>
+            <a:r>
+              <a:rPr lang="en-US" sz="1400" dirty="0">
+                <a:solidFill>
+                  <a:schemeClr val="tx1"/>
+                </a:solidFill>
+              </a:rPr>
+              <a:t>Database</a:t>
+            </a:r>
+          </a:p>
+        </p:txBody>
+      </p:sp>
+      <p:sp>
+        <p:nvSpPr>
+          <p:cNvPr id="14" name="Rectangle 13">
+            <a:extLst>
+              <a:ext uri="{FF2B5EF4-FFF2-40B4-BE49-F238E27FC236}">
+                <a16:creationId xmlns:a16="http://schemas.microsoft.com/office/drawing/2014/main" id="{AFF09BCA-454E-4402-9C02-662CCD177387}"/>
+              </a:ext>
+            </a:extLst>
+          </p:cNvPr>
+          <p:cNvSpPr/>
+          <p:nvPr/>
+        </p:nvSpPr>
+        <p:spPr>
+          <a:xfrm>
+            <a:off x="6936709" y="1357771"/>
+            <a:ext cx="1274266" cy="375224"/>
+          </a:xfrm>
+          <a:prstGeom prst="rect">
+            <a:avLst/>
+          </a:prstGeom>
+          <a:solidFill>
+            <a:schemeClr val="bg1"/>
+          </a:solidFill>
+          <a:ln w="19050">
+            <a:solidFill>
+              <a:schemeClr val="tx1"/>
+            </a:solidFill>
+          </a:ln>
+        </p:spPr>
+        <p:style>
+          <a:lnRef idx="2">
+            <a:schemeClr val="accent1">
+              <a:shade val="50000"/>
+            </a:schemeClr>
+          </a:lnRef>
+          <a:fillRef idx="1">
+            <a:schemeClr val="accent1"/>
+          </a:fillRef>
+          <a:effectRef idx="0">
+            <a:schemeClr val="accent1"/>
+          </a:effectRef>
+          <a:fontRef idx="minor">
+            <a:schemeClr val="lt1"/>
+          </a:fontRef>
+        </p:style>
+        <p:txBody>
+          <a:bodyPr rtlCol="0" anchor="ctr"/>
+          <a:lstStyle/>
+          <a:p>
+            <a:pPr algn="ctr"/>
+            <a:r>
+              <a:rPr lang="en-US" sz="1400" dirty="0">
+                <a:solidFill>
+                  <a:schemeClr val="tx1"/>
+                </a:solidFill>
+              </a:rPr>
+              <a:t>Logger</a:t>
+            </a:r>
+          </a:p>
+        </p:txBody>
+      </p:sp>
+      <p:cxnSp>
+        <p:nvCxnSpPr>
+          <p:cNvPr id="16" name="Straight Connector 15">
+            <a:extLst>
+              <a:ext uri="{FF2B5EF4-FFF2-40B4-BE49-F238E27FC236}">
+                <a16:creationId xmlns:a16="http://schemas.microsoft.com/office/drawing/2014/main" id="{B4839711-E601-43BB-8E5A-6C1B6E7F9B18}"/>
+              </a:ext>
+            </a:extLst>
+          </p:cNvPr>
+          <p:cNvCxnSpPr>
+            <a:stCxn id="4" idx="2"/>
+          </p:cNvCxnSpPr>
+          <p:nvPr/>
+        </p:nvCxnSpPr>
+        <p:spPr>
+          <a:xfrm>
+            <a:off x="3129762" y="1732995"/>
+            <a:ext cx="31073" cy="3678670"/>
+          </a:xfrm>
+          <a:prstGeom prst="line">
+            <a:avLst/>
+          </a:prstGeom>
+          <a:ln w="19050">
+            <a:solidFill>
+              <a:schemeClr val="tx1"/>
+            </a:solidFill>
+            <a:prstDash val="dash"/>
+          </a:ln>
+        </p:spPr>
+        <p:style>
+          <a:lnRef idx="1">
+            <a:schemeClr val="accent1"/>
+          </a:lnRef>
+          <a:fillRef idx="0">
+            <a:schemeClr val="accent1"/>
+          </a:fillRef>
+          <a:effectRef idx="0">
+            <a:schemeClr val="accent1"/>
+          </a:effectRef>
+          <a:fontRef idx="minor">
+            <a:schemeClr val="tx1"/>
+          </a:fontRef>
+        </p:style>
+      </p:cxnSp>
+      <p:cxnSp>
+        <p:nvCxnSpPr>
+          <p:cNvPr id="17" name="Straight Connector 16">
+            <a:extLst>
+              <a:ext uri="{FF2B5EF4-FFF2-40B4-BE49-F238E27FC236}">
+                <a16:creationId xmlns:a16="http://schemas.microsoft.com/office/drawing/2014/main" id="{AC35957E-9CA9-4BA1-B2B5-EB1BA0C1B3E1}"/>
+              </a:ext>
+            </a:extLst>
+          </p:cNvPr>
+          <p:cNvCxnSpPr/>
+          <p:nvPr/>
+        </p:nvCxnSpPr>
+        <p:spPr>
+          <a:xfrm>
+            <a:off x="5351802" y="1732995"/>
+            <a:ext cx="31073" cy="3678670"/>
+          </a:xfrm>
+          <a:prstGeom prst="line">
+            <a:avLst/>
+          </a:prstGeom>
+          <a:ln w="19050">
+            <a:solidFill>
+              <a:schemeClr val="tx1"/>
+            </a:solidFill>
+            <a:prstDash val="dash"/>
+          </a:ln>
+        </p:spPr>
+        <p:style>
+          <a:lnRef idx="1">
+            <a:schemeClr val="accent1"/>
+          </a:lnRef>
+          <a:fillRef idx="0">
+            <a:schemeClr val="accent1"/>
+          </a:fillRef>
+          <a:effectRef idx="0">
+            <a:schemeClr val="accent1"/>
+          </a:effectRef>
+          <a:fontRef idx="minor">
+            <a:schemeClr val="tx1"/>
+          </a:fontRef>
+        </p:style>
+      </p:cxnSp>
+      <p:cxnSp>
+        <p:nvCxnSpPr>
+          <p:cNvPr id="18" name="Straight Connector 17">
+            <a:extLst>
+              <a:ext uri="{FF2B5EF4-FFF2-40B4-BE49-F238E27FC236}">
+                <a16:creationId xmlns:a16="http://schemas.microsoft.com/office/drawing/2014/main" id="{4B0C2FD1-AFB1-4C81-9B61-A32781C9AA5E}"/>
+              </a:ext>
+            </a:extLst>
+          </p:cNvPr>
+          <p:cNvCxnSpPr/>
+          <p:nvPr/>
+        </p:nvCxnSpPr>
+        <p:spPr>
+          <a:xfrm>
+            <a:off x="7573842" y="1732995"/>
+            <a:ext cx="31073" cy="3678670"/>
+          </a:xfrm>
+          <a:prstGeom prst="line">
+            <a:avLst/>
+          </a:prstGeom>
+          <a:ln w="19050">
+            <a:solidFill>
+              <a:schemeClr val="tx1"/>
+            </a:solidFill>
+            <a:prstDash val="dash"/>
+          </a:ln>
+        </p:spPr>
+        <p:style>
+          <a:lnRef idx="1">
+            <a:schemeClr val="accent1"/>
+          </a:lnRef>
+          <a:fillRef idx="0">
+            <a:schemeClr val="accent1"/>
+          </a:fillRef>
+          <a:effectRef idx="0">
+            <a:schemeClr val="accent1"/>
+          </a:effectRef>
+          <a:fontRef idx="minor">
+            <a:schemeClr val="tx1"/>
+          </a:fontRef>
+        </p:style>
+      </p:cxnSp>
+      <p:sp>
+        <p:nvSpPr>
+          <p:cNvPr id="19" name="Rectangle 18">
+            <a:extLst>
+              <a:ext uri="{FF2B5EF4-FFF2-40B4-BE49-F238E27FC236}">
+                <a16:creationId xmlns:a16="http://schemas.microsoft.com/office/drawing/2014/main" id="{7A098C06-7DEE-4E5B-A66B-B23E143E1740}"/>
+              </a:ext>
+            </a:extLst>
+          </p:cNvPr>
+          <p:cNvSpPr/>
+          <p:nvPr/>
+        </p:nvSpPr>
+        <p:spPr>
+          <a:xfrm>
+            <a:off x="3052417" y="2297044"/>
+            <a:ext cx="189948" cy="1356139"/>
+          </a:xfrm>
+          <a:prstGeom prst="rect">
+            <a:avLst/>
+          </a:prstGeom>
+          <a:solidFill>
+            <a:schemeClr val="bg1"/>
+          </a:solidFill>
+          <a:ln w="19050">
+            <a:solidFill>
+              <a:schemeClr val="tx1"/>
+            </a:solidFill>
+          </a:ln>
+        </p:spPr>
+        <p:style>
+          <a:lnRef idx="2">
+            <a:schemeClr val="accent1">
+              <a:shade val="50000"/>
+            </a:schemeClr>
+          </a:lnRef>
+          <a:fillRef idx="1">
+            <a:schemeClr val="accent1"/>
+          </a:fillRef>
+          <a:effectRef idx="0">
+            <a:schemeClr val="accent1"/>
+          </a:effectRef>
+          <a:fontRef idx="minor">
+            <a:schemeClr val="lt1"/>
+          </a:fontRef>
+        </p:style>
+        <p:txBody>
+          <a:bodyPr rtlCol="0" anchor="ctr"/>
+          <a:lstStyle/>
+          <a:p>
+            <a:pPr algn="ctr"/>
+            <a:endParaRPr lang="en-US"/>
+          </a:p>
+        </p:txBody>
+      </p:sp>
+      <p:cxnSp>
+        <p:nvCxnSpPr>
+          <p:cNvPr id="23" name="Straight Arrow Connector 22">
+            <a:extLst>
+              <a:ext uri="{FF2B5EF4-FFF2-40B4-BE49-F238E27FC236}">
+                <a16:creationId xmlns:a16="http://schemas.microsoft.com/office/drawing/2014/main" id="{A1C424A4-02EB-4D61-B2C2-2D03D62E7338}"/>
+              </a:ext>
+            </a:extLst>
+          </p:cNvPr>
+          <p:cNvCxnSpPr>
+            <a:cxnSpLocks/>
+          </p:cNvCxnSpPr>
+          <p:nvPr/>
+        </p:nvCxnSpPr>
+        <p:spPr>
+          <a:xfrm>
+            <a:off x="1405683" y="2305879"/>
+            <a:ext cx="1646734" cy="0"/>
+          </a:xfrm>
+          <a:prstGeom prst="straightConnector1">
+            <a:avLst/>
+          </a:prstGeom>
+          <a:ln w="19050">
+            <a:solidFill>
+              <a:schemeClr val="tx1"/>
+            </a:solidFill>
+            <a:tailEnd type="triangle" w="lg" len="lg"/>
+          </a:ln>
+        </p:spPr>
+        <p:style>
+          <a:lnRef idx="1">
+            <a:schemeClr val="accent1"/>
+          </a:lnRef>
+          <a:fillRef idx="0">
+            <a:schemeClr val="accent1"/>
+          </a:fillRef>
+          <a:effectRef idx="0">
+            <a:schemeClr val="accent1"/>
+          </a:effectRef>
+          <a:fontRef idx="minor">
+            <a:schemeClr val="tx1"/>
+          </a:fontRef>
+        </p:style>
+      </p:cxnSp>
+      <p:cxnSp>
+        <p:nvCxnSpPr>
+          <p:cNvPr id="24" name="Straight Connector 23">
+            <a:extLst>
+              <a:ext uri="{FF2B5EF4-FFF2-40B4-BE49-F238E27FC236}">
+                <a16:creationId xmlns:a16="http://schemas.microsoft.com/office/drawing/2014/main" id="{EF32A924-8336-4662-87FC-EF4F2B48232C}"/>
+              </a:ext>
+            </a:extLst>
+          </p:cNvPr>
+          <p:cNvCxnSpPr>
+            <a:cxnSpLocks/>
+            <a:stCxn id="12" idx="2"/>
+          </p:cNvCxnSpPr>
+          <p:nvPr/>
+        </p:nvCxnSpPr>
+        <p:spPr>
+          <a:xfrm>
+            <a:off x="1405684" y="2254014"/>
+            <a:ext cx="35113" cy="3121172"/>
+          </a:xfrm>
+          <a:prstGeom prst="line">
+            <a:avLst/>
+          </a:prstGeom>
+          <a:ln w="19050">
+            <a:solidFill>
+              <a:schemeClr val="tx1"/>
+            </a:solidFill>
+            <a:prstDash val="dash"/>
+          </a:ln>
+        </p:spPr>
+        <p:style>
+          <a:lnRef idx="1">
+            <a:schemeClr val="accent1"/>
+          </a:lnRef>
+          <a:fillRef idx="0">
+            <a:schemeClr val="accent1"/>
+          </a:fillRef>
+          <a:effectRef idx="0">
+            <a:schemeClr val="accent1"/>
+          </a:effectRef>
+          <a:fontRef idx="minor">
+            <a:schemeClr val="tx1"/>
+          </a:fontRef>
+        </p:style>
+      </p:cxnSp>
+      <p:cxnSp>
+        <p:nvCxnSpPr>
+          <p:cNvPr id="27" name="Straight Arrow Connector 26">
+            <a:extLst>
+              <a:ext uri="{FF2B5EF4-FFF2-40B4-BE49-F238E27FC236}">
+                <a16:creationId xmlns:a16="http://schemas.microsoft.com/office/drawing/2014/main" id="{DFD64014-A4C9-4A85-AE9C-79E409918201}"/>
+              </a:ext>
+            </a:extLst>
+          </p:cNvPr>
+          <p:cNvCxnSpPr>
+            <a:cxnSpLocks/>
+          </p:cNvCxnSpPr>
+          <p:nvPr/>
+        </p:nvCxnSpPr>
+        <p:spPr>
+          <a:xfrm>
+            <a:off x="3249799" y="2458279"/>
+            <a:ext cx="4231861" cy="0"/>
+          </a:xfrm>
+          <a:prstGeom prst="straightConnector1">
+            <a:avLst/>
+          </a:prstGeom>
+          <a:ln w="19050">
+            <a:solidFill>
+              <a:schemeClr val="tx1"/>
+            </a:solidFill>
+            <a:tailEnd type="arrow" w="lg" len="lg"/>
+          </a:ln>
+        </p:spPr>
+        <p:style>
+          <a:lnRef idx="1">
+            <a:schemeClr val="accent1"/>
+          </a:lnRef>
+          <a:fillRef idx="0">
+            <a:schemeClr val="accent1"/>
+          </a:fillRef>
+          <a:effectRef idx="0">
+            <a:schemeClr val="accent1"/>
+          </a:effectRef>
+          <a:fontRef idx="minor">
+            <a:schemeClr val="tx1"/>
+          </a:fontRef>
+        </p:style>
+      </p:cxnSp>
+      <p:sp>
+        <p:nvSpPr>
+          <p:cNvPr id="28" name="Rectangle 27">
+            <a:extLst>
+              <a:ext uri="{FF2B5EF4-FFF2-40B4-BE49-F238E27FC236}">
+                <a16:creationId xmlns:a16="http://schemas.microsoft.com/office/drawing/2014/main" id="{8FFD5C20-FB0B-48F1-81FC-6A02C76EEDC2}"/>
+              </a:ext>
+            </a:extLst>
+          </p:cNvPr>
+          <p:cNvSpPr/>
+          <p:nvPr/>
+        </p:nvSpPr>
+        <p:spPr>
+          <a:xfrm>
+            <a:off x="3052417" y="2305879"/>
+            <a:ext cx="189948" cy="1920182"/>
+          </a:xfrm>
+          <a:prstGeom prst="rect">
+            <a:avLst/>
+          </a:prstGeom>
+          <a:solidFill>
+            <a:schemeClr val="bg1"/>
+          </a:solidFill>
+          <a:ln w="19050">
+            <a:solidFill>
+              <a:schemeClr val="tx1"/>
+            </a:solidFill>
+          </a:ln>
+        </p:spPr>
+        <p:style>
+          <a:lnRef idx="2">
+            <a:schemeClr val="accent1">
+              <a:shade val="50000"/>
+            </a:schemeClr>
+          </a:lnRef>
+          <a:fillRef idx="1">
+            <a:schemeClr val="accent1"/>
+          </a:fillRef>
+          <a:effectRef idx="0">
+            <a:schemeClr val="accent1"/>
+          </a:effectRef>
+          <a:fontRef idx="minor">
+            <a:schemeClr val="lt1"/>
+          </a:fontRef>
+        </p:style>
+        <p:txBody>
+          <a:bodyPr rtlCol="0" anchor="ctr"/>
+          <a:lstStyle/>
+          <a:p>
+            <a:pPr algn="ctr"/>
+            <a:endParaRPr lang="en-US"/>
+          </a:p>
+        </p:txBody>
+      </p:sp>
+      <p:sp>
+        <p:nvSpPr>
+          <p:cNvPr id="29" name="Rectangle 28">
+            <a:extLst>
+              <a:ext uri="{FF2B5EF4-FFF2-40B4-BE49-F238E27FC236}">
+                <a16:creationId xmlns:a16="http://schemas.microsoft.com/office/drawing/2014/main" id="{A03E4211-6546-455E-9B61-6F28985DCE01}"/>
+              </a:ext>
+            </a:extLst>
+          </p:cNvPr>
+          <p:cNvSpPr/>
+          <p:nvPr/>
+        </p:nvSpPr>
+        <p:spPr>
+          <a:xfrm>
+            <a:off x="5272364" y="2802837"/>
+            <a:ext cx="189948" cy="1049128"/>
+          </a:xfrm>
+          <a:prstGeom prst="rect">
+            <a:avLst/>
+          </a:prstGeom>
+          <a:solidFill>
+            <a:schemeClr val="bg1"/>
+          </a:solidFill>
+          <a:ln w="19050">
+            <a:solidFill>
+              <a:schemeClr val="tx1"/>
+            </a:solidFill>
+          </a:ln>
+        </p:spPr>
+        <p:style>
+          <a:lnRef idx="2">
+            <a:schemeClr val="accent1">
+              <a:shade val="50000"/>
+            </a:schemeClr>
+          </a:lnRef>
+          <a:fillRef idx="1">
+            <a:schemeClr val="accent1"/>
+          </a:fillRef>
+          <a:effectRef idx="0">
+            <a:schemeClr val="accent1"/>
+          </a:effectRef>
+          <a:fontRef idx="minor">
+            <a:schemeClr val="lt1"/>
+          </a:fontRef>
+        </p:style>
+        <p:txBody>
+          <a:bodyPr rtlCol="0" anchor="ctr"/>
+          <a:lstStyle/>
+          <a:p>
+            <a:pPr algn="ctr"/>
+            <a:endParaRPr lang="en-US"/>
+          </a:p>
+        </p:txBody>
+      </p:sp>
+      <p:sp>
+        <p:nvSpPr>
+          <p:cNvPr id="30" name="Rectangle 29">
+            <a:extLst>
+              <a:ext uri="{FF2B5EF4-FFF2-40B4-BE49-F238E27FC236}">
+                <a16:creationId xmlns:a16="http://schemas.microsoft.com/office/drawing/2014/main" id="{3D69BB56-94D3-47E1-8998-C9997603EC6E}"/>
+              </a:ext>
+            </a:extLst>
+          </p:cNvPr>
+          <p:cNvSpPr/>
+          <p:nvPr/>
+        </p:nvSpPr>
+        <p:spPr>
+          <a:xfrm>
+            <a:off x="7494404" y="2458279"/>
+            <a:ext cx="189948" cy="413025"/>
+          </a:xfrm>
+          <a:prstGeom prst="rect">
+            <a:avLst/>
+          </a:prstGeom>
+          <a:solidFill>
+            <a:schemeClr val="bg1"/>
+          </a:solidFill>
+          <a:ln w="19050">
+            <a:solidFill>
+              <a:schemeClr val="tx1"/>
+            </a:solidFill>
+          </a:ln>
+        </p:spPr>
+        <p:style>
+          <a:lnRef idx="2">
+            <a:schemeClr val="accent1">
+              <a:shade val="50000"/>
+            </a:schemeClr>
+          </a:lnRef>
+          <a:fillRef idx="1">
+            <a:schemeClr val="accent1"/>
+          </a:fillRef>
+          <a:effectRef idx="0">
+            <a:schemeClr val="accent1"/>
+          </a:effectRef>
+          <a:fontRef idx="minor">
+            <a:schemeClr val="lt1"/>
+          </a:fontRef>
+        </p:style>
+        <p:txBody>
+          <a:bodyPr rtlCol="0" anchor="ctr"/>
+          <a:lstStyle/>
+          <a:p>
+            <a:pPr algn="ctr"/>
+            <a:endParaRPr lang="en-US"/>
+          </a:p>
+        </p:txBody>
+      </p:sp>
+      <p:cxnSp>
+        <p:nvCxnSpPr>
+          <p:cNvPr id="31" name="Straight Arrow Connector 30">
+            <a:extLst>
+              <a:ext uri="{FF2B5EF4-FFF2-40B4-BE49-F238E27FC236}">
+                <a16:creationId xmlns:a16="http://schemas.microsoft.com/office/drawing/2014/main" id="{60F6BE26-8E54-4323-9066-35D04417F9C3}"/>
+              </a:ext>
+            </a:extLst>
+          </p:cNvPr>
+          <p:cNvCxnSpPr>
+            <a:cxnSpLocks/>
+          </p:cNvCxnSpPr>
+          <p:nvPr/>
+        </p:nvCxnSpPr>
+        <p:spPr>
+          <a:xfrm>
+            <a:off x="3242365" y="2802837"/>
+            <a:ext cx="2029999" cy="0"/>
+          </a:xfrm>
+          <a:prstGeom prst="straightConnector1">
+            <a:avLst/>
+          </a:prstGeom>
+          <a:ln w="19050">
+            <a:solidFill>
+              <a:schemeClr val="tx1"/>
+            </a:solidFill>
+            <a:tailEnd type="triangle" w="lg" len="lg"/>
+          </a:ln>
+        </p:spPr>
+        <p:style>
+          <a:lnRef idx="1">
+            <a:schemeClr val="accent1"/>
+          </a:lnRef>
+          <a:fillRef idx="0">
+            <a:schemeClr val="accent1"/>
+          </a:fillRef>
+          <a:effectRef idx="0">
+            <a:schemeClr val="accent1"/>
+          </a:effectRef>
+          <a:fontRef idx="minor">
+            <a:schemeClr val="tx1"/>
+          </a:fontRef>
+        </p:style>
+      </p:cxnSp>
+      <p:cxnSp>
+        <p:nvCxnSpPr>
+          <p:cNvPr id="37" name="Straight Arrow Connector 36">
+            <a:extLst>
+              <a:ext uri="{FF2B5EF4-FFF2-40B4-BE49-F238E27FC236}">
+                <a16:creationId xmlns:a16="http://schemas.microsoft.com/office/drawing/2014/main" id="{AC325F1A-5D21-4F99-9B4E-097C96AA0FDB}"/>
+              </a:ext>
+            </a:extLst>
+          </p:cNvPr>
+          <p:cNvCxnSpPr>
+            <a:cxnSpLocks/>
+          </p:cNvCxnSpPr>
+          <p:nvPr/>
+        </p:nvCxnSpPr>
+        <p:spPr>
+          <a:xfrm>
+            <a:off x="5462312" y="3183564"/>
+            <a:ext cx="2019348" cy="0"/>
+          </a:xfrm>
+          <a:prstGeom prst="straightConnector1">
+            <a:avLst/>
+          </a:prstGeom>
+          <a:ln w="19050">
+            <a:solidFill>
+              <a:schemeClr val="tx1"/>
+            </a:solidFill>
+            <a:tailEnd type="arrow" w="lg" len="lg"/>
+          </a:ln>
+        </p:spPr>
+        <p:style>
+          <a:lnRef idx="1">
+            <a:schemeClr val="accent1"/>
+          </a:lnRef>
+          <a:fillRef idx="0">
+            <a:schemeClr val="accent1"/>
+          </a:fillRef>
+          <a:effectRef idx="0">
+            <a:schemeClr val="accent1"/>
+          </a:effectRef>
+          <a:fontRef idx="minor">
+            <a:schemeClr val="tx1"/>
+          </a:fontRef>
+        </p:style>
+      </p:cxnSp>
+      <p:sp>
+        <p:nvSpPr>
+          <p:cNvPr id="38" name="Rectangle 37">
+            <a:extLst>
+              <a:ext uri="{FF2B5EF4-FFF2-40B4-BE49-F238E27FC236}">
+                <a16:creationId xmlns:a16="http://schemas.microsoft.com/office/drawing/2014/main" id="{832B2D49-2C13-40B1-80E2-0463304B476C}"/>
+              </a:ext>
+            </a:extLst>
+          </p:cNvPr>
+          <p:cNvSpPr/>
+          <p:nvPr/>
+        </p:nvSpPr>
+        <p:spPr>
+          <a:xfrm>
+            <a:off x="7494404" y="3183564"/>
+            <a:ext cx="189948" cy="413025"/>
+          </a:xfrm>
+          <a:prstGeom prst="rect">
+            <a:avLst/>
+          </a:prstGeom>
+          <a:solidFill>
+            <a:schemeClr val="bg1"/>
+          </a:solidFill>
+          <a:ln w="19050">
+            <a:solidFill>
+              <a:schemeClr val="tx1"/>
+            </a:solidFill>
+          </a:ln>
+        </p:spPr>
+        <p:style>
+          <a:lnRef idx="2">
+            <a:schemeClr val="accent1">
+              <a:shade val="50000"/>
+            </a:schemeClr>
+          </a:lnRef>
+          <a:fillRef idx="1">
+            <a:schemeClr val="accent1"/>
+          </a:fillRef>
+          <a:effectRef idx="0">
+            <a:schemeClr val="accent1"/>
+          </a:effectRef>
+          <a:fontRef idx="minor">
+            <a:schemeClr val="lt1"/>
+          </a:fontRef>
+        </p:style>
+        <p:txBody>
+          <a:bodyPr rtlCol="0" anchor="ctr"/>
+          <a:lstStyle/>
+          <a:p>
+            <a:pPr algn="ctr"/>
+            <a:endParaRPr lang="en-US"/>
+          </a:p>
+        </p:txBody>
+      </p:sp>
+      <p:cxnSp>
+        <p:nvCxnSpPr>
+          <p:cNvPr id="40" name="Straight Arrow Connector 39">
+            <a:extLst>
+              <a:ext uri="{FF2B5EF4-FFF2-40B4-BE49-F238E27FC236}">
+                <a16:creationId xmlns:a16="http://schemas.microsoft.com/office/drawing/2014/main" id="{68E3008E-5D2A-4CB8-AD6D-E5D23699B221}"/>
+              </a:ext>
+            </a:extLst>
+          </p:cNvPr>
+          <p:cNvCxnSpPr>
+            <a:cxnSpLocks/>
+          </p:cNvCxnSpPr>
+          <p:nvPr/>
+        </p:nvCxnSpPr>
+        <p:spPr>
+          <a:xfrm flipH="1">
+            <a:off x="3242365" y="3851965"/>
+            <a:ext cx="2030000" cy="0"/>
+          </a:xfrm>
+          <a:prstGeom prst="straightConnector1">
+            <a:avLst/>
+          </a:prstGeom>
+          <a:ln w="19050">
+            <a:solidFill>
+              <a:schemeClr val="tx1"/>
+            </a:solidFill>
+            <a:prstDash val="sysDash"/>
+            <a:tailEnd type="arrow" w="lg" len="lg"/>
+          </a:ln>
+        </p:spPr>
+        <p:style>
+          <a:lnRef idx="1">
+            <a:schemeClr val="accent1"/>
+          </a:lnRef>
+          <a:fillRef idx="0">
+            <a:schemeClr val="accent1"/>
+          </a:fillRef>
+          <a:effectRef idx="0">
+            <a:schemeClr val="accent1"/>
+          </a:effectRef>
+          <a:fontRef idx="minor">
+            <a:schemeClr val="tx1"/>
+          </a:fontRef>
+        </p:style>
+      </p:cxnSp>
+      <p:cxnSp>
+        <p:nvCxnSpPr>
+          <p:cNvPr id="43" name="Straight Arrow Connector 42">
+            <a:extLst>
+              <a:ext uri="{FF2B5EF4-FFF2-40B4-BE49-F238E27FC236}">
+                <a16:creationId xmlns:a16="http://schemas.microsoft.com/office/drawing/2014/main" id="{5203D1B4-81CA-4E04-BCA2-0200E6F70E7F}"/>
+              </a:ext>
+            </a:extLst>
+          </p:cNvPr>
+          <p:cNvCxnSpPr>
+            <a:cxnSpLocks/>
+          </p:cNvCxnSpPr>
+          <p:nvPr/>
+        </p:nvCxnSpPr>
+        <p:spPr>
+          <a:xfrm flipH="1">
+            <a:off x="1440797" y="4226061"/>
+            <a:ext cx="1593568" cy="0"/>
+          </a:xfrm>
+          <a:prstGeom prst="straightConnector1">
+            <a:avLst/>
+          </a:prstGeom>
+          <a:ln w="19050">
+            <a:solidFill>
+              <a:schemeClr val="tx1"/>
+            </a:solidFill>
+            <a:prstDash val="sysDash"/>
+            <a:tailEnd type="arrow" w="lg" len="lg"/>
+          </a:ln>
+        </p:spPr>
+        <p:style>
+          <a:lnRef idx="1">
+            <a:schemeClr val="accent1"/>
+          </a:lnRef>
+          <a:fillRef idx="0">
+            <a:schemeClr val="accent1"/>
+          </a:fillRef>
+          <a:effectRef idx="0">
+            <a:schemeClr val="accent1"/>
+          </a:effectRef>
+          <a:fontRef idx="minor">
+            <a:schemeClr val="tx1"/>
+          </a:fontRef>
+        </p:style>
+      </p:cxnSp>
+      <p:sp>
+        <p:nvSpPr>
+          <p:cNvPr id="45" name="Text Box 25">
+            <a:extLst>
+              <a:ext uri="{FF2B5EF4-FFF2-40B4-BE49-F238E27FC236}">
+                <a16:creationId xmlns:a16="http://schemas.microsoft.com/office/drawing/2014/main" id="{A1D86571-7651-4810-A1AA-661C8ACB419C}"/>
+              </a:ext>
+            </a:extLst>
+          </p:cNvPr>
+          <p:cNvSpPr txBox="1">
+            <a:spLocks noChangeArrowheads="1"/>
+          </p:cNvSpPr>
+          <p:nvPr/>
+        </p:nvSpPr>
+        <p:spPr bwMode="auto">
+          <a:xfrm>
+            <a:off x="1562070" y="2305879"/>
+            <a:ext cx="1252537" cy="276999"/>
+          </a:xfrm>
+          <a:prstGeom prst="rect">
+            <a:avLst/>
+          </a:prstGeom>
+          <a:noFill/>
+          <a:ln>
+            <a:noFill/>
+          </a:ln>
+          <a:extLst>
+            <a:ext uri="{909E8E84-426E-40dd-AFC4-6F175D3DCCD1}">
+              <a14:hiddenFill xmlns:a14="http://schemas.microsoft.com/office/drawing/2010/main" xmlns="">
+                <a:solidFill>
+                  <a:srgbClr val="FFFFFF"/>
+                </a:solidFill>
+              </a14:hiddenFill>
+            </a:ext>
+            <a:ext uri="{91240B29-F687-4f45-9708-019B960494DF}">
+              <a14:hiddenLine xmlns:a14="http://schemas.microsoft.com/office/drawing/2010/main" xmlns="" w="9525">
+                <a:solidFill>
+                  <a:srgbClr val="000000"/>
+                </a:solidFill>
+                <a:miter lim="800000"/>
+                <a:headEnd/>
+                <a:tailEnd/>
+              </a14:hiddenLine>
+            </a:ext>
+          </a:extLst>
+        </p:spPr>
+        <p:txBody>
+          <a:bodyPr>
+            <a:spAutoFit/>
+          </a:bodyPr>
+          <a:lstStyle>
+            <a:lvl1pPr>
+              <a:defRPr sz="2400">
+                <a:solidFill>
+                  <a:schemeClr val="tx1"/>
+                </a:solidFill>
+                <a:latin typeface="Times New Roman" panose="02020603050405020304" pitchFamily="18" charset="0"/>
+                <a:ea typeface="MS PGothic" panose="020B0600070205080204" pitchFamily="34" charset="-128"/>
+              </a:defRPr>
+            </a:lvl1pPr>
+            <a:lvl2pPr marL="742950" indent="-285750">
+              <a:defRPr sz="2400">
+                <a:solidFill>
+                  <a:schemeClr val="tx1"/>
+                </a:solidFill>
+                <a:latin typeface="Times New Roman" panose="02020603050405020304" pitchFamily="18" charset="0"/>
+                <a:ea typeface="MS PGothic" panose="020B0600070205080204" pitchFamily="34" charset="-128"/>
+              </a:defRPr>
+            </a:lvl2pPr>
+            <a:lvl3pPr marL="1143000" indent="-228600">
+              <a:defRPr sz="2400">
+                <a:solidFill>
+                  <a:schemeClr val="tx1"/>
+                </a:solidFill>
+                <a:latin typeface="Times New Roman" panose="02020603050405020304" pitchFamily="18" charset="0"/>
+                <a:ea typeface="MS PGothic" panose="020B0600070205080204" pitchFamily="34" charset="-128"/>
+              </a:defRPr>
+            </a:lvl3pPr>
+            <a:lvl4pPr marL="1600200" indent="-228600">
+              <a:defRPr sz="2400">
+                <a:solidFill>
+                  <a:schemeClr val="tx1"/>
+                </a:solidFill>
+                <a:latin typeface="Times New Roman" panose="02020603050405020304" pitchFamily="18" charset="0"/>
+                <a:ea typeface="MS PGothic" panose="020B0600070205080204" pitchFamily="34" charset="-128"/>
+              </a:defRPr>
+            </a:lvl4pPr>
+            <a:lvl5pPr marL="2057400" indent="-228600">
+              <a:defRPr sz="2400">
+                <a:solidFill>
+                  <a:schemeClr val="tx1"/>
+                </a:solidFill>
+                <a:latin typeface="Times New Roman" panose="02020603050405020304" pitchFamily="18" charset="0"/>
+                <a:ea typeface="MS PGothic" panose="020B0600070205080204" pitchFamily="34" charset="-128"/>
+              </a:defRPr>
+            </a:lvl5pPr>
+            <a:lvl6pPr marL="2514600" indent="-228600" algn="r" eaLnBrk="0" fontAlgn="base" hangingPunct="0">
+              <a:spcBef>
+                <a:spcPct val="0"/>
+              </a:spcBef>
+              <a:spcAft>
+                <a:spcPct val="0"/>
+              </a:spcAft>
+              <a:buChar char="•"/>
+              <a:defRPr sz="2400">
+                <a:solidFill>
+                  <a:schemeClr val="tx1"/>
+                </a:solidFill>
+                <a:latin typeface="Times New Roman" panose="02020603050405020304" pitchFamily="18" charset="0"/>
+                <a:ea typeface="MS PGothic" panose="020B0600070205080204" pitchFamily="34" charset="-128"/>
+              </a:defRPr>
+            </a:lvl6pPr>
+            <a:lvl7pPr marL="2971800" indent="-228600" algn="r" eaLnBrk="0" fontAlgn="base" hangingPunct="0">
+              <a:spcBef>
+                <a:spcPct val="0"/>
+              </a:spcBef>
+              <a:spcAft>
+                <a:spcPct val="0"/>
+              </a:spcAft>
+              <a:buChar char="•"/>
+              <a:defRPr sz="2400">
+                <a:solidFill>
+                  <a:schemeClr val="tx1"/>
+                </a:solidFill>
+                <a:latin typeface="Times New Roman" panose="02020603050405020304" pitchFamily="18" charset="0"/>
+                <a:ea typeface="MS PGothic" panose="020B0600070205080204" pitchFamily="34" charset="-128"/>
+              </a:defRPr>
+            </a:lvl7pPr>
+            <a:lvl8pPr marL="3429000" indent="-228600" algn="r" eaLnBrk="0" fontAlgn="base" hangingPunct="0">
+              <a:spcBef>
+                <a:spcPct val="0"/>
+              </a:spcBef>
+              <a:spcAft>
+                <a:spcPct val="0"/>
+              </a:spcAft>
+              <a:buChar char="•"/>
+              <a:defRPr sz="2400">
+                <a:solidFill>
+                  <a:schemeClr val="tx1"/>
+                </a:solidFill>
+                <a:latin typeface="Times New Roman" panose="02020603050405020304" pitchFamily="18" charset="0"/>
+                <a:ea typeface="MS PGothic" panose="020B0600070205080204" pitchFamily="34" charset="-128"/>
+              </a:defRPr>
+            </a:lvl8pPr>
+            <a:lvl9pPr marL="3886200" indent="-228600" algn="r" eaLnBrk="0" fontAlgn="base" hangingPunct="0">
+              <a:spcBef>
+                <a:spcPct val="0"/>
+              </a:spcBef>
+              <a:spcAft>
+                <a:spcPct val="0"/>
+              </a:spcAft>
+              <a:buChar char="•"/>
+              <a:defRPr sz="2400">
+                <a:solidFill>
+                  <a:schemeClr val="tx1"/>
+                </a:solidFill>
+                <a:latin typeface="Times New Roman" panose="02020603050405020304" pitchFamily="18" charset="0"/>
+                <a:ea typeface="MS PGothic" panose="020B0600070205080204" pitchFamily="34" charset="-128"/>
+              </a:defRPr>
+            </a:lvl9pPr>
+          </a:lstStyle>
+          <a:p>
+            <a:pPr algn="ctr" eaLnBrk="1" hangingPunct="1">
+              <a:spcBef>
+                <a:spcPct val="50000"/>
+              </a:spcBef>
+              <a:buFontTx/>
+              <a:buNone/>
+            </a:pPr>
+            <a:r>
+              <a:rPr lang="en-GB" sz="1200" dirty="0" err="1">
+                <a:latin typeface="+mn-lt"/>
+              </a:rPr>
+              <a:t>viewEmails</a:t>
+            </a:r>
+            <a:r>
+              <a:rPr lang="en-GB" sz="1200" dirty="0">
+                <a:latin typeface="+mn-lt"/>
+              </a:rPr>
+              <a:t>()</a:t>
+            </a:r>
+          </a:p>
+        </p:txBody>
+      </p:sp>
+      <p:sp>
+        <p:nvSpPr>
+          <p:cNvPr id="46" name="Text Box 25">
+            <a:extLst>
+              <a:ext uri="{FF2B5EF4-FFF2-40B4-BE49-F238E27FC236}">
+                <a16:creationId xmlns:a16="http://schemas.microsoft.com/office/drawing/2014/main" id="{D5AD02F9-A619-4C4B-A7C1-0B23196A33D1}"/>
+              </a:ext>
+            </a:extLst>
+          </p:cNvPr>
+          <p:cNvSpPr txBox="1">
+            <a:spLocks noChangeArrowheads="1"/>
+          </p:cNvSpPr>
+          <p:nvPr/>
+        </p:nvSpPr>
+        <p:spPr bwMode="auto">
+          <a:xfrm>
+            <a:off x="3773245" y="2167379"/>
+            <a:ext cx="1252537" cy="276999"/>
+          </a:xfrm>
+          <a:prstGeom prst="rect">
+            <a:avLst/>
+          </a:prstGeom>
+          <a:noFill/>
+          <a:ln>
+            <a:noFill/>
+          </a:ln>
+          <a:extLst>
+            <a:ext uri="{909E8E84-426E-40dd-AFC4-6F175D3DCCD1}">
+              <a14:hiddenFill xmlns:a14="http://schemas.microsoft.com/office/drawing/2010/main" xmlns="">
+                <a:solidFill>
+                  <a:srgbClr val="FFFFFF"/>
+                </a:solidFill>
+              </a14:hiddenFill>
+            </a:ext>
+            <a:ext uri="{91240B29-F687-4f45-9708-019B960494DF}">
+              <a14:hiddenLine xmlns:a14="http://schemas.microsoft.com/office/drawing/2010/main" xmlns="" w="9525">
+                <a:solidFill>
+                  <a:srgbClr val="000000"/>
+                </a:solidFill>
+                <a:miter lim="800000"/>
+                <a:headEnd/>
+                <a:tailEnd/>
+              </a14:hiddenLine>
+            </a:ext>
+          </a:extLst>
+        </p:spPr>
+        <p:txBody>
+          <a:bodyPr>
+            <a:spAutoFit/>
+          </a:bodyPr>
+          <a:lstStyle>
+            <a:lvl1pPr>
+              <a:defRPr sz="2400">
+                <a:solidFill>
+                  <a:schemeClr val="tx1"/>
+                </a:solidFill>
+                <a:latin typeface="Times New Roman" panose="02020603050405020304" pitchFamily="18" charset="0"/>
+                <a:ea typeface="MS PGothic" panose="020B0600070205080204" pitchFamily="34" charset="-128"/>
+              </a:defRPr>
+            </a:lvl1pPr>
+            <a:lvl2pPr marL="742950" indent="-285750">
+              <a:defRPr sz="2400">
+                <a:solidFill>
+                  <a:schemeClr val="tx1"/>
+                </a:solidFill>
+                <a:latin typeface="Times New Roman" panose="02020603050405020304" pitchFamily="18" charset="0"/>
+                <a:ea typeface="MS PGothic" panose="020B0600070205080204" pitchFamily="34" charset="-128"/>
+              </a:defRPr>
+            </a:lvl2pPr>
+            <a:lvl3pPr marL="1143000" indent="-228600">
+              <a:defRPr sz="2400">
+                <a:solidFill>
+                  <a:schemeClr val="tx1"/>
+                </a:solidFill>
+                <a:latin typeface="Times New Roman" panose="02020603050405020304" pitchFamily="18" charset="0"/>
+                <a:ea typeface="MS PGothic" panose="020B0600070205080204" pitchFamily="34" charset="-128"/>
+              </a:defRPr>
+            </a:lvl3pPr>
+            <a:lvl4pPr marL="1600200" indent="-228600">
+              <a:defRPr sz="2400">
+                <a:solidFill>
+                  <a:schemeClr val="tx1"/>
+                </a:solidFill>
+                <a:latin typeface="Times New Roman" panose="02020603050405020304" pitchFamily="18" charset="0"/>
+                <a:ea typeface="MS PGothic" panose="020B0600070205080204" pitchFamily="34" charset="-128"/>
+              </a:defRPr>
+            </a:lvl4pPr>
+            <a:lvl5pPr marL="2057400" indent="-228600">
+              <a:defRPr sz="2400">
+                <a:solidFill>
+                  <a:schemeClr val="tx1"/>
+                </a:solidFill>
+                <a:latin typeface="Times New Roman" panose="02020603050405020304" pitchFamily="18" charset="0"/>
+                <a:ea typeface="MS PGothic" panose="020B0600070205080204" pitchFamily="34" charset="-128"/>
+              </a:defRPr>
+            </a:lvl5pPr>
+            <a:lvl6pPr marL="2514600" indent="-228600" algn="r" eaLnBrk="0" fontAlgn="base" hangingPunct="0">
+              <a:spcBef>
+                <a:spcPct val="0"/>
+              </a:spcBef>
+              <a:spcAft>
+                <a:spcPct val="0"/>
+              </a:spcAft>
+              <a:buChar char="•"/>
+              <a:defRPr sz="2400">
+                <a:solidFill>
+                  <a:schemeClr val="tx1"/>
+                </a:solidFill>
+                <a:latin typeface="Times New Roman" panose="02020603050405020304" pitchFamily="18" charset="0"/>
+                <a:ea typeface="MS PGothic" panose="020B0600070205080204" pitchFamily="34" charset="-128"/>
+              </a:defRPr>
+            </a:lvl6pPr>
+            <a:lvl7pPr marL="2971800" indent="-228600" algn="r" eaLnBrk="0" fontAlgn="base" hangingPunct="0">
+              <a:spcBef>
+                <a:spcPct val="0"/>
+              </a:spcBef>
+              <a:spcAft>
+                <a:spcPct val="0"/>
+              </a:spcAft>
+              <a:buChar char="•"/>
+              <a:defRPr sz="2400">
+                <a:solidFill>
+                  <a:schemeClr val="tx1"/>
+                </a:solidFill>
+                <a:latin typeface="Times New Roman" panose="02020603050405020304" pitchFamily="18" charset="0"/>
+                <a:ea typeface="MS PGothic" panose="020B0600070205080204" pitchFamily="34" charset="-128"/>
+              </a:defRPr>
+            </a:lvl7pPr>
+            <a:lvl8pPr marL="3429000" indent="-228600" algn="r" eaLnBrk="0" fontAlgn="base" hangingPunct="0">
+              <a:spcBef>
+                <a:spcPct val="0"/>
+              </a:spcBef>
+              <a:spcAft>
+                <a:spcPct val="0"/>
+              </a:spcAft>
+              <a:buChar char="•"/>
+              <a:defRPr sz="2400">
+                <a:solidFill>
+                  <a:schemeClr val="tx1"/>
+                </a:solidFill>
+                <a:latin typeface="Times New Roman" panose="02020603050405020304" pitchFamily="18" charset="0"/>
+                <a:ea typeface="MS PGothic" panose="020B0600070205080204" pitchFamily="34" charset="-128"/>
+              </a:defRPr>
+            </a:lvl8pPr>
+            <a:lvl9pPr marL="3886200" indent="-228600" algn="r" eaLnBrk="0" fontAlgn="base" hangingPunct="0">
+              <a:spcBef>
+                <a:spcPct val="0"/>
+              </a:spcBef>
+              <a:spcAft>
+                <a:spcPct val="0"/>
+              </a:spcAft>
+              <a:buChar char="•"/>
+              <a:defRPr sz="2400">
+                <a:solidFill>
+                  <a:schemeClr val="tx1"/>
+                </a:solidFill>
+                <a:latin typeface="Times New Roman" panose="02020603050405020304" pitchFamily="18" charset="0"/>
+                <a:ea typeface="MS PGothic" panose="020B0600070205080204" pitchFamily="34" charset="-128"/>
+              </a:defRPr>
+            </a:lvl9pPr>
+          </a:lstStyle>
+          <a:p>
+            <a:pPr algn="ctr" eaLnBrk="1" hangingPunct="1">
+              <a:spcBef>
+                <a:spcPct val="50000"/>
+              </a:spcBef>
+              <a:buFontTx/>
+              <a:buNone/>
+            </a:pPr>
+            <a:r>
+              <a:rPr lang="en-GB" sz="1200" dirty="0" err="1">
+                <a:latin typeface="+mn-lt"/>
+              </a:rPr>
+              <a:t>logWebRequest</a:t>
+            </a:r>
+            <a:r>
+              <a:rPr lang="en-GB" sz="1200" dirty="0">
+                <a:latin typeface="+mn-lt"/>
+              </a:rPr>
+              <a:t>()</a:t>
+            </a:r>
+          </a:p>
+        </p:txBody>
+      </p:sp>
+      <p:sp>
+        <p:nvSpPr>
+          <p:cNvPr id="47" name="Text Box 25">
+            <a:extLst>
+              <a:ext uri="{FF2B5EF4-FFF2-40B4-BE49-F238E27FC236}">
+                <a16:creationId xmlns:a16="http://schemas.microsoft.com/office/drawing/2014/main" id="{0C6F729F-64AC-4E40-A515-5795109E136C}"/>
+              </a:ext>
+            </a:extLst>
+          </p:cNvPr>
+          <p:cNvSpPr txBox="1">
+            <a:spLocks noChangeArrowheads="1"/>
+          </p:cNvSpPr>
+          <p:nvPr/>
+        </p:nvSpPr>
+        <p:spPr bwMode="auto">
+          <a:xfrm>
+            <a:off x="5672633" y="2906565"/>
+            <a:ext cx="1543166" cy="276999"/>
+          </a:xfrm>
+          <a:prstGeom prst="rect">
+            <a:avLst/>
+          </a:prstGeom>
+          <a:noFill/>
+          <a:ln>
+            <a:noFill/>
+          </a:ln>
+          <a:extLst>
+            <a:ext uri="{909E8E84-426E-40dd-AFC4-6F175D3DCCD1}">
+              <a14:hiddenFill xmlns:a14="http://schemas.microsoft.com/office/drawing/2010/main" xmlns="">
+                <a:solidFill>
+                  <a:srgbClr val="FFFFFF"/>
+                </a:solidFill>
+              </a14:hiddenFill>
+            </a:ext>
+            <a:ext uri="{91240B29-F687-4f45-9708-019B960494DF}">
+              <a14:hiddenLine xmlns:a14="http://schemas.microsoft.com/office/drawing/2010/main" xmlns="" w="9525">
+                <a:solidFill>
+                  <a:srgbClr val="000000"/>
+                </a:solidFill>
+                <a:miter lim="800000"/>
+                <a:headEnd/>
+                <a:tailEnd/>
+              </a14:hiddenLine>
+            </a:ext>
+          </a:extLst>
+        </p:spPr>
+        <p:txBody>
+          <a:bodyPr wrap="square">
+            <a:spAutoFit/>
+          </a:bodyPr>
+          <a:lstStyle>
+            <a:lvl1pPr>
+              <a:defRPr sz="2400">
+                <a:solidFill>
+                  <a:schemeClr val="tx1"/>
+                </a:solidFill>
+                <a:latin typeface="Times New Roman" panose="02020603050405020304" pitchFamily="18" charset="0"/>
+                <a:ea typeface="MS PGothic" panose="020B0600070205080204" pitchFamily="34" charset="-128"/>
+              </a:defRPr>
+            </a:lvl1pPr>
+            <a:lvl2pPr marL="742950" indent="-285750">
+              <a:defRPr sz="2400">
+                <a:solidFill>
+                  <a:schemeClr val="tx1"/>
+                </a:solidFill>
+                <a:latin typeface="Times New Roman" panose="02020603050405020304" pitchFamily="18" charset="0"/>
+                <a:ea typeface="MS PGothic" panose="020B0600070205080204" pitchFamily="34" charset="-128"/>
+              </a:defRPr>
+            </a:lvl2pPr>
+            <a:lvl3pPr marL="1143000" indent="-228600">
+              <a:defRPr sz="2400">
+                <a:solidFill>
+                  <a:schemeClr val="tx1"/>
+                </a:solidFill>
+                <a:latin typeface="Times New Roman" panose="02020603050405020304" pitchFamily="18" charset="0"/>
+                <a:ea typeface="MS PGothic" panose="020B0600070205080204" pitchFamily="34" charset="-128"/>
+              </a:defRPr>
+            </a:lvl3pPr>
+            <a:lvl4pPr marL="1600200" indent="-228600">
+              <a:defRPr sz="2400">
+                <a:solidFill>
+                  <a:schemeClr val="tx1"/>
+                </a:solidFill>
+                <a:latin typeface="Times New Roman" panose="02020603050405020304" pitchFamily="18" charset="0"/>
+                <a:ea typeface="MS PGothic" panose="020B0600070205080204" pitchFamily="34" charset="-128"/>
+              </a:defRPr>
+            </a:lvl4pPr>
+            <a:lvl5pPr marL="2057400" indent="-228600">
+              <a:defRPr sz="2400">
+                <a:solidFill>
+                  <a:schemeClr val="tx1"/>
+                </a:solidFill>
+                <a:latin typeface="Times New Roman" panose="02020603050405020304" pitchFamily="18" charset="0"/>
+                <a:ea typeface="MS PGothic" panose="020B0600070205080204" pitchFamily="34" charset="-128"/>
+              </a:defRPr>
+            </a:lvl5pPr>
+            <a:lvl6pPr marL="2514600" indent="-228600" algn="r" eaLnBrk="0" fontAlgn="base" hangingPunct="0">
+              <a:spcBef>
+                <a:spcPct val="0"/>
+              </a:spcBef>
+              <a:spcAft>
+                <a:spcPct val="0"/>
+              </a:spcAft>
+              <a:buChar char="•"/>
+              <a:defRPr sz="2400">
+                <a:solidFill>
+                  <a:schemeClr val="tx1"/>
+                </a:solidFill>
+                <a:latin typeface="Times New Roman" panose="02020603050405020304" pitchFamily="18" charset="0"/>
+                <a:ea typeface="MS PGothic" panose="020B0600070205080204" pitchFamily="34" charset="-128"/>
+              </a:defRPr>
+            </a:lvl6pPr>
+            <a:lvl7pPr marL="2971800" indent="-228600" algn="r" eaLnBrk="0" fontAlgn="base" hangingPunct="0">
+              <a:spcBef>
+                <a:spcPct val="0"/>
+              </a:spcBef>
+              <a:spcAft>
+                <a:spcPct val="0"/>
+              </a:spcAft>
+              <a:buChar char="•"/>
+              <a:defRPr sz="2400">
+                <a:solidFill>
+                  <a:schemeClr val="tx1"/>
+                </a:solidFill>
+                <a:latin typeface="Times New Roman" panose="02020603050405020304" pitchFamily="18" charset="0"/>
+                <a:ea typeface="MS PGothic" panose="020B0600070205080204" pitchFamily="34" charset="-128"/>
+              </a:defRPr>
+            </a:lvl7pPr>
+            <a:lvl8pPr marL="3429000" indent="-228600" algn="r" eaLnBrk="0" fontAlgn="base" hangingPunct="0">
+              <a:spcBef>
+                <a:spcPct val="0"/>
+              </a:spcBef>
+              <a:spcAft>
+                <a:spcPct val="0"/>
+              </a:spcAft>
+              <a:buChar char="•"/>
+              <a:defRPr sz="2400">
+                <a:solidFill>
+                  <a:schemeClr val="tx1"/>
+                </a:solidFill>
+                <a:latin typeface="Times New Roman" panose="02020603050405020304" pitchFamily="18" charset="0"/>
+                <a:ea typeface="MS PGothic" panose="020B0600070205080204" pitchFamily="34" charset="-128"/>
+              </a:defRPr>
+            </a:lvl8pPr>
+            <a:lvl9pPr marL="3886200" indent="-228600" algn="r" eaLnBrk="0" fontAlgn="base" hangingPunct="0">
+              <a:spcBef>
+                <a:spcPct val="0"/>
+              </a:spcBef>
+              <a:spcAft>
+                <a:spcPct val="0"/>
+              </a:spcAft>
+              <a:buChar char="•"/>
+              <a:defRPr sz="2400">
+                <a:solidFill>
+                  <a:schemeClr val="tx1"/>
+                </a:solidFill>
+                <a:latin typeface="Times New Roman" panose="02020603050405020304" pitchFamily="18" charset="0"/>
+                <a:ea typeface="MS PGothic" panose="020B0600070205080204" pitchFamily="34" charset="-128"/>
+              </a:defRPr>
+            </a:lvl9pPr>
+          </a:lstStyle>
+          <a:p>
+            <a:pPr algn="ctr" eaLnBrk="1" hangingPunct="1">
+              <a:spcBef>
+                <a:spcPct val="50000"/>
+              </a:spcBef>
+              <a:buFontTx/>
+              <a:buNone/>
+            </a:pPr>
+            <a:r>
+              <a:rPr lang="en-GB" sz="1200" dirty="0" err="1">
+                <a:latin typeface="+mn-lt"/>
+              </a:rPr>
+              <a:t>logDatabaseAccess</a:t>
+            </a:r>
+            <a:r>
+              <a:rPr lang="en-GB" sz="1200" dirty="0">
+                <a:latin typeface="+mn-lt"/>
+              </a:rPr>
+              <a:t>()</a:t>
+            </a:r>
+          </a:p>
+        </p:txBody>
+      </p:sp>
+      <p:sp>
+        <p:nvSpPr>
+          <p:cNvPr id="48" name="Text Box 25">
+            <a:extLst>
+              <a:ext uri="{FF2B5EF4-FFF2-40B4-BE49-F238E27FC236}">
+                <a16:creationId xmlns:a16="http://schemas.microsoft.com/office/drawing/2014/main" id="{DECA6048-DC98-4458-9FD7-0F0322276A64}"/>
+              </a:ext>
+            </a:extLst>
+          </p:cNvPr>
+          <p:cNvSpPr txBox="1">
+            <a:spLocks noChangeArrowheads="1"/>
+          </p:cNvSpPr>
+          <p:nvPr/>
+        </p:nvSpPr>
+        <p:spPr bwMode="auto">
+          <a:xfrm>
+            <a:off x="3463337" y="2830796"/>
+            <a:ext cx="1543166" cy="276999"/>
+          </a:xfrm>
+          <a:prstGeom prst="rect">
+            <a:avLst/>
+          </a:prstGeom>
+          <a:noFill/>
+          <a:ln>
+            <a:noFill/>
+          </a:ln>
+          <a:extLst>
+            <a:ext uri="{909E8E84-426E-40dd-AFC4-6F175D3DCCD1}">
+              <a14:hiddenFill xmlns:a14="http://schemas.microsoft.com/office/drawing/2010/main" xmlns="">
+                <a:solidFill>
+                  <a:srgbClr val="FFFFFF"/>
+                </a:solidFill>
+              </a14:hiddenFill>
+            </a:ext>
+            <a:ext uri="{91240B29-F687-4f45-9708-019B960494DF}">
+              <a14:hiddenLine xmlns:a14="http://schemas.microsoft.com/office/drawing/2010/main" xmlns="" w="9525">
+                <a:solidFill>
+                  <a:srgbClr val="000000"/>
+                </a:solidFill>
+                <a:miter lim="800000"/>
+                <a:headEnd/>
+                <a:tailEnd/>
+              </a14:hiddenLine>
+            </a:ext>
+          </a:extLst>
+        </p:spPr>
+        <p:txBody>
+          <a:bodyPr wrap="square">
+            <a:spAutoFit/>
+          </a:bodyPr>
+          <a:lstStyle>
+            <a:lvl1pPr>
+              <a:defRPr sz="2400">
+                <a:solidFill>
+                  <a:schemeClr val="tx1"/>
+                </a:solidFill>
+                <a:latin typeface="Times New Roman" panose="02020603050405020304" pitchFamily="18" charset="0"/>
+                <a:ea typeface="MS PGothic" panose="020B0600070205080204" pitchFamily="34" charset="-128"/>
+              </a:defRPr>
+            </a:lvl1pPr>
+            <a:lvl2pPr marL="742950" indent="-285750">
+              <a:defRPr sz="2400">
+                <a:solidFill>
+                  <a:schemeClr val="tx1"/>
+                </a:solidFill>
+                <a:latin typeface="Times New Roman" panose="02020603050405020304" pitchFamily="18" charset="0"/>
+                <a:ea typeface="MS PGothic" panose="020B0600070205080204" pitchFamily="34" charset="-128"/>
+              </a:defRPr>
+            </a:lvl2pPr>
+            <a:lvl3pPr marL="1143000" indent="-228600">
+              <a:defRPr sz="2400">
+                <a:solidFill>
+                  <a:schemeClr val="tx1"/>
+                </a:solidFill>
+                <a:latin typeface="Times New Roman" panose="02020603050405020304" pitchFamily="18" charset="0"/>
+                <a:ea typeface="MS PGothic" panose="020B0600070205080204" pitchFamily="34" charset="-128"/>
+              </a:defRPr>
+            </a:lvl3pPr>
+            <a:lvl4pPr marL="1600200" indent="-228600">
+              <a:defRPr sz="2400">
+                <a:solidFill>
+                  <a:schemeClr val="tx1"/>
+                </a:solidFill>
+                <a:latin typeface="Times New Roman" panose="02020603050405020304" pitchFamily="18" charset="0"/>
+                <a:ea typeface="MS PGothic" panose="020B0600070205080204" pitchFamily="34" charset="-128"/>
+              </a:defRPr>
+            </a:lvl4pPr>
+            <a:lvl5pPr marL="2057400" indent="-228600">
+              <a:defRPr sz="2400">
+                <a:solidFill>
+                  <a:schemeClr val="tx1"/>
+                </a:solidFill>
+                <a:latin typeface="Times New Roman" panose="02020603050405020304" pitchFamily="18" charset="0"/>
+                <a:ea typeface="MS PGothic" panose="020B0600070205080204" pitchFamily="34" charset="-128"/>
+              </a:defRPr>
+            </a:lvl5pPr>
+            <a:lvl6pPr marL="2514600" indent="-228600" algn="r" eaLnBrk="0" fontAlgn="base" hangingPunct="0">
+              <a:spcBef>
+                <a:spcPct val="0"/>
+              </a:spcBef>
+              <a:spcAft>
+                <a:spcPct val="0"/>
+              </a:spcAft>
+              <a:buChar char="•"/>
+              <a:defRPr sz="2400">
+                <a:solidFill>
+                  <a:schemeClr val="tx1"/>
+                </a:solidFill>
+                <a:latin typeface="Times New Roman" panose="02020603050405020304" pitchFamily="18" charset="0"/>
+                <a:ea typeface="MS PGothic" panose="020B0600070205080204" pitchFamily="34" charset="-128"/>
+              </a:defRPr>
+            </a:lvl6pPr>
+            <a:lvl7pPr marL="2971800" indent="-228600" algn="r" eaLnBrk="0" fontAlgn="base" hangingPunct="0">
+              <a:spcBef>
+                <a:spcPct val="0"/>
+              </a:spcBef>
+              <a:spcAft>
+                <a:spcPct val="0"/>
+              </a:spcAft>
+              <a:buChar char="•"/>
+              <a:defRPr sz="2400">
+                <a:solidFill>
+                  <a:schemeClr val="tx1"/>
+                </a:solidFill>
+                <a:latin typeface="Times New Roman" panose="02020603050405020304" pitchFamily="18" charset="0"/>
+                <a:ea typeface="MS PGothic" panose="020B0600070205080204" pitchFamily="34" charset="-128"/>
+              </a:defRPr>
+            </a:lvl7pPr>
+            <a:lvl8pPr marL="3429000" indent="-228600" algn="r" eaLnBrk="0" fontAlgn="base" hangingPunct="0">
+              <a:spcBef>
+                <a:spcPct val="0"/>
+              </a:spcBef>
+              <a:spcAft>
+                <a:spcPct val="0"/>
+              </a:spcAft>
+              <a:buChar char="•"/>
+              <a:defRPr sz="2400">
+                <a:solidFill>
+                  <a:schemeClr val="tx1"/>
+                </a:solidFill>
+                <a:latin typeface="Times New Roman" panose="02020603050405020304" pitchFamily="18" charset="0"/>
+                <a:ea typeface="MS PGothic" panose="020B0600070205080204" pitchFamily="34" charset="-128"/>
+              </a:defRPr>
+            </a:lvl8pPr>
+            <a:lvl9pPr marL="3886200" indent="-228600" algn="r" eaLnBrk="0" fontAlgn="base" hangingPunct="0">
+              <a:spcBef>
+                <a:spcPct val="0"/>
+              </a:spcBef>
+              <a:spcAft>
+                <a:spcPct val="0"/>
+              </a:spcAft>
+              <a:buChar char="•"/>
+              <a:defRPr sz="2400">
+                <a:solidFill>
+                  <a:schemeClr val="tx1"/>
+                </a:solidFill>
+                <a:latin typeface="Times New Roman" panose="02020603050405020304" pitchFamily="18" charset="0"/>
+                <a:ea typeface="MS PGothic" panose="020B0600070205080204" pitchFamily="34" charset="-128"/>
+              </a:defRPr>
+            </a:lvl9pPr>
+          </a:lstStyle>
+          <a:p>
+            <a:pPr algn="ctr" eaLnBrk="1" hangingPunct="1">
+              <a:spcBef>
+                <a:spcPct val="50000"/>
+              </a:spcBef>
+              <a:buFontTx/>
+              <a:buNone/>
+            </a:pPr>
+            <a:r>
+              <a:rPr lang="en-GB" sz="1200" dirty="0" err="1">
+                <a:latin typeface="+mn-lt"/>
+              </a:rPr>
+              <a:t>selectEmails</a:t>
+            </a:r>
+            <a:r>
+              <a:rPr lang="en-GB" sz="1200" dirty="0">
+                <a:latin typeface="+mn-lt"/>
+              </a:rPr>
+              <a:t>()</a:t>
+            </a:r>
+          </a:p>
+        </p:txBody>
+      </p:sp>
+      <p:sp>
+        <p:nvSpPr>
+          <p:cNvPr id="49" name="Text Box 25">
+            <a:extLst>
+              <a:ext uri="{FF2B5EF4-FFF2-40B4-BE49-F238E27FC236}">
+                <a16:creationId xmlns:a16="http://schemas.microsoft.com/office/drawing/2014/main" id="{DA5EDEE3-2476-446A-A849-1FDF8389CBFC}"/>
+              </a:ext>
+            </a:extLst>
+          </p:cNvPr>
+          <p:cNvSpPr txBox="1">
+            <a:spLocks noChangeArrowheads="1"/>
+          </p:cNvSpPr>
+          <p:nvPr/>
+        </p:nvSpPr>
+        <p:spPr bwMode="auto">
+          <a:xfrm>
+            <a:off x="3525500" y="3843423"/>
+            <a:ext cx="1543166" cy="276999"/>
+          </a:xfrm>
+          <a:prstGeom prst="rect">
+            <a:avLst/>
+          </a:prstGeom>
+          <a:noFill/>
+          <a:ln>
+            <a:noFill/>
+          </a:ln>
+          <a:extLst>
+            <a:ext uri="{909E8E84-426E-40dd-AFC4-6F175D3DCCD1}">
+              <a14:hiddenFill xmlns:a14="http://schemas.microsoft.com/office/drawing/2010/main" xmlns="">
+                <a:solidFill>
+                  <a:srgbClr val="FFFFFF"/>
+                </a:solidFill>
+              </a14:hiddenFill>
+            </a:ext>
+            <a:ext uri="{91240B29-F687-4f45-9708-019B960494DF}">
+              <a14:hiddenLine xmlns:a14="http://schemas.microsoft.com/office/drawing/2010/main" xmlns="" w="9525">
+                <a:solidFill>
+                  <a:srgbClr val="000000"/>
+                </a:solidFill>
+                <a:miter lim="800000"/>
+                <a:headEnd/>
+                <a:tailEnd/>
+              </a14:hiddenLine>
+            </a:ext>
+          </a:extLst>
+        </p:spPr>
+        <p:txBody>
+          <a:bodyPr wrap="square">
+            <a:spAutoFit/>
+          </a:bodyPr>
+          <a:lstStyle>
+            <a:lvl1pPr>
+              <a:defRPr sz="2400">
+                <a:solidFill>
+                  <a:schemeClr val="tx1"/>
+                </a:solidFill>
+                <a:latin typeface="Times New Roman" panose="02020603050405020304" pitchFamily="18" charset="0"/>
+                <a:ea typeface="MS PGothic" panose="020B0600070205080204" pitchFamily="34" charset="-128"/>
+              </a:defRPr>
+            </a:lvl1pPr>
+            <a:lvl2pPr marL="742950" indent="-285750">
+              <a:defRPr sz="2400">
+                <a:solidFill>
+                  <a:schemeClr val="tx1"/>
+                </a:solidFill>
+                <a:latin typeface="Times New Roman" panose="02020603050405020304" pitchFamily="18" charset="0"/>
+                <a:ea typeface="MS PGothic" panose="020B0600070205080204" pitchFamily="34" charset="-128"/>
+              </a:defRPr>
+            </a:lvl2pPr>
+            <a:lvl3pPr marL="1143000" indent="-228600">
+              <a:defRPr sz="2400">
+                <a:solidFill>
+                  <a:schemeClr val="tx1"/>
+                </a:solidFill>
+                <a:latin typeface="Times New Roman" panose="02020603050405020304" pitchFamily="18" charset="0"/>
+                <a:ea typeface="MS PGothic" panose="020B0600070205080204" pitchFamily="34" charset="-128"/>
+              </a:defRPr>
+            </a:lvl3pPr>
+            <a:lvl4pPr marL="1600200" indent="-228600">
+              <a:defRPr sz="2400">
+                <a:solidFill>
+                  <a:schemeClr val="tx1"/>
+                </a:solidFill>
+                <a:latin typeface="Times New Roman" panose="02020603050405020304" pitchFamily="18" charset="0"/>
+                <a:ea typeface="MS PGothic" panose="020B0600070205080204" pitchFamily="34" charset="-128"/>
+              </a:defRPr>
+            </a:lvl4pPr>
+            <a:lvl5pPr marL="2057400" indent="-228600">
+              <a:defRPr sz="2400">
+                <a:solidFill>
+                  <a:schemeClr val="tx1"/>
+                </a:solidFill>
+                <a:latin typeface="Times New Roman" panose="02020603050405020304" pitchFamily="18" charset="0"/>
+                <a:ea typeface="MS PGothic" panose="020B0600070205080204" pitchFamily="34" charset="-128"/>
+              </a:defRPr>
+            </a:lvl5pPr>
+            <a:lvl6pPr marL="2514600" indent="-228600" algn="r" eaLnBrk="0" fontAlgn="base" hangingPunct="0">
+              <a:spcBef>
+                <a:spcPct val="0"/>
+              </a:spcBef>
+              <a:spcAft>
+                <a:spcPct val="0"/>
+              </a:spcAft>
+              <a:buChar char="•"/>
+              <a:defRPr sz="2400">
+                <a:solidFill>
+                  <a:schemeClr val="tx1"/>
+                </a:solidFill>
+                <a:latin typeface="Times New Roman" panose="02020603050405020304" pitchFamily="18" charset="0"/>
+                <a:ea typeface="MS PGothic" panose="020B0600070205080204" pitchFamily="34" charset="-128"/>
+              </a:defRPr>
+            </a:lvl6pPr>
+            <a:lvl7pPr marL="2971800" indent="-228600" algn="r" eaLnBrk="0" fontAlgn="base" hangingPunct="0">
+              <a:spcBef>
+                <a:spcPct val="0"/>
+              </a:spcBef>
+              <a:spcAft>
+                <a:spcPct val="0"/>
+              </a:spcAft>
+              <a:buChar char="•"/>
+              <a:defRPr sz="2400">
+                <a:solidFill>
+                  <a:schemeClr val="tx1"/>
+                </a:solidFill>
+                <a:latin typeface="Times New Roman" panose="02020603050405020304" pitchFamily="18" charset="0"/>
+                <a:ea typeface="MS PGothic" panose="020B0600070205080204" pitchFamily="34" charset="-128"/>
+              </a:defRPr>
+            </a:lvl7pPr>
+            <a:lvl8pPr marL="3429000" indent="-228600" algn="r" eaLnBrk="0" fontAlgn="base" hangingPunct="0">
+              <a:spcBef>
+                <a:spcPct val="0"/>
+              </a:spcBef>
+              <a:spcAft>
+                <a:spcPct val="0"/>
+              </a:spcAft>
+              <a:buChar char="•"/>
+              <a:defRPr sz="2400">
+                <a:solidFill>
+                  <a:schemeClr val="tx1"/>
+                </a:solidFill>
+                <a:latin typeface="Times New Roman" panose="02020603050405020304" pitchFamily="18" charset="0"/>
+                <a:ea typeface="MS PGothic" panose="020B0600070205080204" pitchFamily="34" charset="-128"/>
+              </a:defRPr>
+            </a:lvl8pPr>
+            <a:lvl9pPr marL="3886200" indent="-228600" algn="r" eaLnBrk="0" fontAlgn="base" hangingPunct="0">
+              <a:spcBef>
+                <a:spcPct val="0"/>
+              </a:spcBef>
+              <a:spcAft>
+                <a:spcPct val="0"/>
+              </a:spcAft>
+              <a:buChar char="•"/>
+              <a:defRPr sz="2400">
+                <a:solidFill>
+                  <a:schemeClr val="tx1"/>
+                </a:solidFill>
+                <a:latin typeface="Times New Roman" panose="02020603050405020304" pitchFamily="18" charset="0"/>
+                <a:ea typeface="MS PGothic" panose="020B0600070205080204" pitchFamily="34" charset="-128"/>
+              </a:defRPr>
+            </a:lvl9pPr>
+          </a:lstStyle>
+          <a:p>
+            <a:pPr algn="ctr" eaLnBrk="1" hangingPunct="1">
+              <a:spcBef>
+                <a:spcPct val="50000"/>
+              </a:spcBef>
+              <a:buFontTx/>
+              <a:buNone/>
+            </a:pPr>
+            <a:r>
+              <a:rPr lang="en-GB" sz="1200" dirty="0" err="1">
+                <a:latin typeface="+mn-lt"/>
+              </a:rPr>
+              <a:t>emailList</a:t>
+            </a:r>
+            <a:endParaRPr lang="en-GB" sz="1200" dirty="0">
+              <a:latin typeface="+mn-lt"/>
+            </a:endParaRPr>
+          </a:p>
+        </p:txBody>
+      </p:sp>
+      <p:sp>
+        <p:nvSpPr>
+          <p:cNvPr id="50" name="Text Box 25">
+            <a:extLst>
+              <a:ext uri="{FF2B5EF4-FFF2-40B4-BE49-F238E27FC236}">
+                <a16:creationId xmlns:a16="http://schemas.microsoft.com/office/drawing/2014/main" id="{89B84F98-AEF2-40F0-A23A-11BA519A79CC}"/>
+              </a:ext>
+            </a:extLst>
+          </p:cNvPr>
+          <p:cNvSpPr txBox="1">
+            <a:spLocks noChangeArrowheads="1"/>
+          </p:cNvSpPr>
+          <p:nvPr/>
+        </p:nvSpPr>
+        <p:spPr bwMode="auto">
+          <a:xfrm>
+            <a:off x="1617669" y="4269014"/>
+            <a:ext cx="1543166" cy="276999"/>
+          </a:xfrm>
+          <a:prstGeom prst="rect">
+            <a:avLst/>
+          </a:prstGeom>
+          <a:noFill/>
+          <a:ln>
+            <a:noFill/>
+          </a:ln>
+          <a:extLst>
+            <a:ext uri="{909E8E84-426E-40dd-AFC4-6F175D3DCCD1}">
+              <a14:hiddenFill xmlns:a14="http://schemas.microsoft.com/office/drawing/2010/main" xmlns="">
+                <a:solidFill>
+                  <a:srgbClr val="FFFFFF"/>
+                </a:solidFill>
+              </a14:hiddenFill>
+            </a:ext>
+            <a:ext uri="{91240B29-F687-4f45-9708-019B960494DF}">
+              <a14:hiddenLine xmlns:a14="http://schemas.microsoft.com/office/drawing/2010/main" xmlns="" w="9525">
+                <a:solidFill>
+                  <a:srgbClr val="000000"/>
+                </a:solidFill>
+                <a:miter lim="800000"/>
+                <a:headEnd/>
+                <a:tailEnd/>
+              </a14:hiddenLine>
+            </a:ext>
+          </a:extLst>
+        </p:spPr>
+        <p:txBody>
+          <a:bodyPr wrap="square">
+            <a:spAutoFit/>
+          </a:bodyPr>
+          <a:lstStyle>
+            <a:lvl1pPr>
+              <a:defRPr sz="2400">
+                <a:solidFill>
+                  <a:schemeClr val="tx1"/>
+                </a:solidFill>
+                <a:latin typeface="Times New Roman" panose="02020603050405020304" pitchFamily="18" charset="0"/>
+                <a:ea typeface="MS PGothic" panose="020B0600070205080204" pitchFamily="34" charset="-128"/>
+              </a:defRPr>
+            </a:lvl1pPr>
+            <a:lvl2pPr marL="742950" indent="-285750">
+              <a:defRPr sz="2400">
+                <a:solidFill>
+                  <a:schemeClr val="tx1"/>
+                </a:solidFill>
+                <a:latin typeface="Times New Roman" panose="02020603050405020304" pitchFamily="18" charset="0"/>
+                <a:ea typeface="MS PGothic" panose="020B0600070205080204" pitchFamily="34" charset="-128"/>
+              </a:defRPr>
+            </a:lvl2pPr>
+            <a:lvl3pPr marL="1143000" indent="-228600">
+              <a:defRPr sz="2400">
+                <a:solidFill>
+                  <a:schemeClr val="tx1"/>
+                </a:solidFill>
+                <a:latin typeface="Times New Roman" panose="02020603050405020304" pitchFamily="18" charset="0"/>
+                <a:ea typeface="MS PGothic" panose="020B0600070205080204" pitchFamily="34" charset="-128"/>
+              </a:defRPr>
+            </a:lvl3pPr>
+            <a:lvl4pPr marL="1600200" indent="-228600">
+              <a:defRPr sz="2400">
+                <a:solidFill>
+                  <a:schemeClr val="tx1"/>
+                </a:solidFill>
+                <a:latin typeface="Times New Roman" panose="02020603050405020304" pitchFamily="18" charset="0"/>
+                <a:ea typeface="MS PGothic" panose="020B0600070205080204" pitchFamily="34" charset="-128"/>
+              </a:defRPr>
+            </a:lvl4pPr>
+            <a:lvl5pPr marL="2057400" indent="-228600">
+              <a:defRPr sz="2400">
+                <a:solidFill>
+                  <a:schemeClr val="tx1"/>
+                </a:solidFill>
+                <a:latin typeface="Times New Roman" panose="02020603050405020304" pitchFamily="18" charset="0"/>
+                <a:ea typeface="MS PGothic" panose="020B0600070205080204" pitchFamily="34" charset="-128"/>
+              </a:defRPr>
+            </a:lvl5pPr>
+            <a:lvl6pPr marL="2514600" indent="-228600" algn="r" eaLnBrk="0" fontAlgn="base" hangingPunct="0">
+              <a:spcBef>
+                <a:spcPct val="0"/>
+              </a:spcBef>
+              <a:spcAft>
+                <a:spcPct val="0"/>
+              </a:spcAft>
+              <a:buChar char="•"/>
+              <a:defRPr sz="2400">
+                <a:solidFill>
+                  <a:schemeClr val="tx1"/>
+                </a:solidFill>
+                <a:latin typeface="Times New Roman" panose="02020603050405020304" pitchFamily="18" charset="0"/>
+                <a:ea typeface="MS PGothic" panose="020B0600070205080204" pitchFamily="34" charset="-128"/>
+              </a:defRPr>
+            </a:lvl6pPr>
+            <a:lvl7pPr marL="2971800" indent="-228600" algn="r" eaLnBrk="0" fontAlgn="base" hangingPunct="0">
+              <a:spcBef>
+                <a:spcPct val="0"/>
+              </a:spcBef>
+              <a:spcAft>
+                <a:spcPct val="0"/>
+              </a:spcAft>
+              <a:buChar char="•"/>
+              <a:defRPr sz="2400">
+                <a:solidFill>
+                  <a:schemeClr val="tx1"/>
+                </a:solidFill>
+                <a:latin typeface="Times New Roman" panose="02020603050405020304" pitchFamily="18" charset="0"/>
+                <a:ea typeface="MS PGothic" panose="020B0600070205080204" pitchFamily="34" charset="-128"/>
+              </a:defRPr>
+            </a:lvl7pPr>
+            <a:lvl8pPr marL="3429000" indent="-228600" algn="r" eaLnBrk="0" fontAlgn="base" hangingPunct="0">
+              <a:spcBef>
+                <a:spcPct val="0"/>
+              </a:spcBef>
+              <a:spcAft>
+                <a:spcPct val="0"/>
+              </a:spcAft>
+              <a:buChar char="•"/>
+              <a:defRPr sz="2400">
+                <a:solidFill>
+                  <a:schemeClr val="tx1"/>
+                </a:solidFill>
+                <a:latin typeface="Times New Roman" panose="02020603050405020304" pitchFamily="18" charset="0"/>
+                <a:ea typeface="MS PGothic" panose="020B0600070205080204" pitchFamily="34" charset="-128"/>
+              </a:defRPr>
+            </a:lvl8pPr>
+            <a:lvl9pPr marL="3886200" indent="-228600" algn="r" eaLnBrk="0" fontAlgn="base" hangingPunct="0">
+              <a:spcBef>
+                <a:spcPct val="0"/>
+              </a:spcBef>
+              <a:spcAft>
+                <a:spcPct val="0"/>
+              </a:spcAft>
+              <a:buChar char="•"/>
+              <a:defRPr sz="2400">
+                <a:solidFill>
+                  <a:schemeClr val="tx1"/>
+                </a:solidFill>
+                <a:latin typeface="Times New Roman" panose="02020603050405020304" pitchFamily="18" charset="0"/>
+                <a:ea typeface="MS PGothic" panose="020B0600070205080204" pitchFamily="34" charset="-128"/>
+              </a:defRPr>
+            </a:lvl9pPr>
+          </a:lstStyle>
+          <a:p>
+            <a:pPr algn="ctr" eaLnBrk="1" hangingPunct="1">
+              <a:spcBef>
+                <a:spcPct val="50000"/>
+              </a:spcBef>
+              <a:buFontTx/>
+              <a:buNone/>
+            </a:pPr>
+            <a:r>
+              <a:rPr lang="en-GB" sz="1200" dirty="0" err="1">
+                <a:latin typeface="+mn-lt"/>
+              </a:rPr>
+              <a:t>emailListPage</a:t>
+            </a:r>
+            <a:endParaRPr lang="en-GB" sz="1200" dirty="0">
+              <a:latin typeface="+mn-lt"/>
+            </a:endParaRPr>
+          </a:p>
+        </p:txBody>
+      </p:sp>
+    </p:spTree>
+    <p:extLst>
+      <p:ext uri="{BB962C8B-B14F-4D97-AF65-F5344CB8AC3E}">
+        <p14:creationId xmlns:p14="http://schemas.microsoft.com/office/powerpoint/2010/main" val="1537801598"/>
       </p:ext>
     </p:extLst>
   </p:cSld>

--- a/software-engineering/slides/uml.pptx
+++ b/software-engineering/slides/uml.pptx
@@ -14,6 +14,9 @@
     <p:sldId id="262" r:id="rId8"/>
     <p:sldId id="263" r:id="rId9"/>
     <p:sldId id="264" r:id="rId10"/>
+    <p:sldId id="265" r:id="rId11"/>
+    <p:sldId id="266" r:id="rId12"/>
+    <p:sldId id="267" r:id="rId13"/>
   </p:sldIdLst>
   <p:sldSz cx="12192000" cy="6858000"/>
   <p:notesSz cx="6858000" cy="9144000"/>
@@ -267,7 +270,7 @@
           <a:p>
             <a:fld id="{9B5DFB4D-25A4-4008-8635-D2632B3E843C}" type="datetimeFigureOut">
               <a:rPr lang="en-US" smtClean="0"/>
-              <a:t>1/31/2019</a:t>
+              <a:t>2/3/2019</a:t>
             </a:fld>
             <a:endParaRPr lang="en-US"/>
           </a:p>
@@ -465,7 +468,7 @@
           <a:p>
             <a:fld id="{9B5DFB4D-25A4-4008-8635-D2632B3E843C}" type="datetimeFigureOut">
               <a:rPr lang="en-US" smtClean="0"/>
-              <a:t>1/31/2019</a:t>
+              <a:t>2/3/2019</a:t>
             </a:fld>
             <a:endParaRPr lang="en-US"/>
           </a:p>
@@ -673,7 +676,7 @@
           <a:p>
             <a:fld id="{9B5DFB4D-25A4-4008-8635-D2632B3E843C}" type="datetimeFigureOut">
               <a:rPr lang="en-US" smtClean="0"/>
-              <a:t>1/31/2019</a:t>
+              <a:t>2/3/2019</a:t>
             </a:fld>
             <a:endParaRPr lang="en-US"/>
           </a:p>
@@ -871,7 +874,7 @@
           <a:p>
             <a:fld id="{9B5DFB4D-25A4-4008-8635-D2632B3E843C}" type="datetimeFigureOut">
               <a:rPr lang="en-US" smtClean="0"/>
-              <a:t>1/31/2019</a:t>
+              <a:t>2/3/2019</a:t>
             </a:fld>
             <a:endParaRPr lang="en-US"/>
           </a:p>
@@ -1146,7 +1149,7 @@
           <a:p>
             <a:fld id="{9B5DFB4D-25A4-4008-8635-D2632B3E843C}" type="datetimeFigureOut">
               <a:rPr lang="en-US" smtClean="0"/>
-              <a:t>1/31/2019</a:t>
+              <a:t>2/3/2019</a:t>
             </a:fld>
             <a:endParaRPr lang="en-US"/>
           </a:p>
@@ -1411,7 +1414,7 @@
           <a:p>
             <a:fld id="{9B5DFB4D-25A4-4008-8635-D2632B3E843C}" type="datetimeFigureOut">
               <a:rPr lang="en-US" smtClean="0"/>
-              <a:t>1/31/2019</a:t>
+              <a:t>2/3/2019</a:t>
             </a:fld>
             <a:endParaRPr lang="en-US"/>
           </a:p>
@@ -1823,7 +1826,7 @@
           <a:p>
             <a:fld id="{9B5DFB4D-25A4-4008-8635-D2632B3E843C}" type="datetimeFigureOut">
               <a:rPr lang="en-US" smtClean="0"/>
-              <a:t>1/31/2019</a:t>
+              <a:t>2/3/2019</a:t>
             </a:fld>
             <a:endParaRPr lang="en-US"/>
           </a:p>
@@ -1964,7 +1967,7 @@
           <a:p>
             <a:fld id="{9B5DFB4D-25A4-4008-8635-D2632B3E843C}" type="datetimeFigureOut">
               <a:rPr lang="en-US" smtClean="0"/>
-              <a:t>1/31/2019</a:t>
+              <a:t>2/3/2019</a:t>
             </a:fld>
             <a:endParaRPr lang="en-US"/>
           </a:p>
@@ -2077,7 +2080,7 @@
           <a:p>
             <a:fld id="{9B5DFB4D-25A4-4008-8635-D2632B3E843C}" type="datetimeFigureOut">
               <a:rPr lang="en-US" smtClean="0"/>
-              <a:t>1/31/2019</a:t>
+              <a:t>2/3/2019</a:t>
             </a:fld>
             <a:endParaRPr lang="en-US"/>
           </a:p>
@@ -2388,7 +2391,7 @@
           <a:p>
             <a:fld id="{9B5DFB4D-25A4-4008-8635-D2632B3E843C}" type="datetimeFigureOut">
               <a:rPr lang="en-US" smtClean="0"/>
-              <a:t>1/31/2019</a:t>
+              <a:t>2/3/2019</a:t>
             </a:fld>
             <a:endParaRPr lang="en-US"/>
           </a:p>
@@ -2676,7 +2679,7 @@
           <a:p>
             <a:fld id="{9B5DFB4D-25A4-4008-8635-D2632B3E843C}" type="datetimeFigureOut">
               <a:rPr lang="en-US" smtClean="0"/>
-              <a:t>1/31/2019</a:t>
+              <a:t>2/3/2019</a:t>
             </a:fld>
             <a:endParaRPr lang="en-US"/>
           </a:p>
@@ -2917,7 +2920,7 @@
           <a:p>
             <a:fld id="{9B5DFB4D-25A4-4008-8635-D2632B3E843C}" type="datetimeFigureOut">
               <a:rPr lang="en-US" smtClean="0"/>
-              <a:t>1/31/2019</a:t>
+              <a:t>2/3/2019</a:t>
             </a:fld>
             <a:endParaRPr lang="en-US"/>
           </a:p>
@@ -3389,7 +3392,7 @@
             </a:ln>
             <a:extLst>
               <a:ext uri="{909E8E84-426E-40dd-AFC4-6F175D3DCCD1}">
-                <a14:hiddenFill xmlns:a14="http://schemas.microsoft.com/office/drawing/2010/main" xmlns="">
+                <a14:hiddenFill xmlns="" xmlns:a14="http://schemas.microsoft.com/office/drawing/2010/main">
                   <a:solidFill>
                     <a:srgbClr val="FFFFFF"/>
                   </a:solidFill>
@@ -3548,7 +3551,7 @@
             </a:ln>
             <a:extLst>
               <a:ext uri="{909E8E84-426E-40dd-AFC4-6F175D3DCCD1}">
-                <a14:hiddenFill xmlns:a14="http://schemas.microsoft.com/office/drawing/2010/main" xmlns="">
+                <a14:hiddenFill xmlns="" xmlns:a14="http://schemas.microsoft.com/office/drawing/2010/main">
                   <a:noFill/>
                 </a14:hiddenFill>
               </a:ext>
@@ -3595,7 +3598,7 @@
             </a:ln>
             <a:extLst>
               <a:ext uri="{909E8E84-426E-40dd-AFC4-6F175D3DCCD1}">
-                <a14:hiddenFill xmlns:a14="http://schemas.microsoft.com/office/drawing/2010/main" xmlns="">
+                <a14:hiddenFill xmlns="" xmlns:a14="http://schemas.microsoft.com/office/drawing/2010/main">
                   <a:noFill/>
                 </a14:hiddenFill>
               </a:ext>
@@ -3642,7 +3645,7 @@
             </a:ln>
             <a:extLst>
               <a:ext uri="{909E8E84-426E-40dd-AFC4-6F175D3DCCD1}">
-                <a14:hiddenFill xmlns:a14="http://schemas.microsoft.com/office/drawing/2010/main" xmlns="">
+                <a14:hiddenFill xmlns="" xmlns:a14="http://schemas.microsoft.com/office/drawing/2010/main">
                   <a:noFill/>
                 </a14:hiddenFill>
               </a:ext>
@@ -3689,7 +3692,7 @@
             </a:ln>
             <a:extLst>
               <a:ext uri="{909E8E84-426E-40dd-AFC4-6F175D3DCCD1}">
-                <a14:hiddenFill xmlns:a14="http://schemas.microsoft.com/office/drawing/2010/main" xmlns="">
+                <a14:hiddenFill xmlns="" xmlns:a14="http://schemas.microsoft.com/office/drawing/2010/main">
                   <a:noFill/>
                 </a14:hiddenFill>
               </a:ext>
@@ -3732,14 +3735,14 @@
           </a:ln>
           <a:extLst>
             <a:ext uri="{909E8E84-426E-40dd-AFC4-6F175D3DCCD1}">
-              <a14:hiddenFill xmlns:a14="http://schemas.microsoft.com/office/drawing/2010/main" xmlns="">
+              <a14:hiddenFill xmlns="" xmlns:a14="http://schemas.microsoft.com/office/drawing/2010/main">
                 <a:solidFill>
                   <a:srgbClr val="FFFFFF"/>
                 </a:solidFill>
               </a14:hiddenFill>
             </a:ext>
             <a:ext uri="{91240B29-F687-4f45-9708-019B960494DF}">
-              <a14:hiddenLine xmlns:a14="http://schemas.microsoft.com/office/drawing/2010/main" xmlns="" w="9525">
+              <a14:hiddenLine xmlns="" xmlns:a14="http://schemas.microsoft.com/office/drawing/2010/main" w="9525">
                 <a:solidFill>
                   <a:srgbClr val="000000"/>
                 </a:solidFill>
@@ -3915,7 +3918,7 @@
           </a:ln>
           <a:extLst>
             <a:ext uri="{909E8E84-426E-40dd-AFC4-6F175D3DCCD1}">
-              <a14:hiddenFill xmlns:a14="http://schemas.microsoft.com/office/drawing/2010/main" xmlns="">
+              <a14:hiddenFill xmlns="" xmlns:a14="http://schemas.microsoft.com/office/drawing/2010/main">
                 <a:solidFill>
                   <a:srgbClr val="FFFFFF"/>
                 </a:solidFill>
@@ -4074,7 +4077,7 @@
           </a:ln>
           <a:extLst>
             <a:ext uri="{909E8E84-426E-40dd-AFC4-6F175D3DCCD1}">
-              <a14:hiddenFill xmlns:a14="http://schemas.microsoft.com/office/drawing/2010/main" xmlns="">
+              <a14:hiddenFill xmlns="" xmlns:a14="http://schemas.microsoft.com/office/drawing/2010/main">
                 <a:noFill/>
               </a14:hiddenFill>
             </a:ext>
@@ -4416,7 +4419,7 @@
           </a:ln>
           <a:extLst>
             <a:ext uri="{909E8E84-426E-40dd-AFC4-6F175D3DCCD1}">
-              <a14:hiddenFill xmlns:a14="http://schemas.microsoft.com/office/drawing/2010/main" xmlns="">
+              <a14:hiddenFill xmlns="" xmlns:a14="http://schemas.microsoft.com/office/drawing/2010/main">
                 <a:noFill/>
               </a14:hiddenFill>
             </a:ext>
@@ -4463,7 +4466,7 @@
           </a:ln>
           <a:extLst>
             <a:ext uri="{909E8E84-426E-40dd-AFC4-6F175D3DCCD1}">
-              <a14:hiddenFill xmlns:a14="http://schemas.microsoft.com/office/drawing/2010/main" xmlns="">
+              <a14:hiddenFill xmlns="" xmlns:a14="http://schemas.microsoft.com/office/drawing/2010/main">
                 <a:noFill/>
               </a14:hiddenFill>
             </a:ext>
@@ -4510,7 +4513,7 @@
           </a:ln>
           <a:extLst>
             <a:ext uri="{909E8E84-426E-40dd-AFC4-6F175D3DCCD1}">
-              <a14:hiddenFill xmlns:a14="http://schemas.microsoft.com/office/drawing/2010/main" xmlns="">
+              <a14:hiddenFill xmlns="" xmlns:a14="http://schemas.microsoft.com/office/drawing/2010/main">
                 <a:noFill/>
               </a14:hiddenFill>
             </a:ext>
@@ -4579,7 +4582,7 @@
             </a:ln>
             <a:extLst>
               <a:ext uri="{909E8E84-426E-40dd-AFC4-6F175D3DCCD1}">
-                <a14:hiddenFill xmlns:a14="http://schemas.microsoft.com/office/drawing/2010/main" xmlns="">
+                <a14:hiddenFill xmlns="" xmlns:a14="http://schemas.microsoft.com/office/drawing/2010/main">
                   <a:solidFill>
                     <a:srgbClr val="FFFFFF"/>
                   </a:solidFill>
@@ -4738,7 +4741,7 @@
             </a:ln>
             <a:extLst>
               <a:ext uri="{909E8E84-426E-40dd-AFC4-6F175D3DCCD1}">
-                <a14:hiddenFill xmlns:a14="http://schemas.microsoft.com/office/drawing/2010/main" xmlns="">
+                <a14:hiddenFill xmlns="" xmlns:a14="http://schemas.microsoft.com/office/drawing/2010/main">
                   <a:noFill/>
                 </a14:hiddenFill>
               </a:ext>
@@ -4785,7 +4788,7 @@
             </a:ln>
             <a:extLst>
               <a:ext uri="{909E8E84-426E-40dd-AFC4-6F175D3DCCD1}">
-                <a14:hiddenFill xmlns:a14="http://schemas.microsoft.com/office/drawing/2010/main" xmlns="">
+                <a14:hiddenFill xmlns="" xmlns:a14="http://schemas.microsoft.com/office/drawing/2010/main">
                   <a:noFill/>
                 </a14:hiddenFill>
               </a:ext>
@@ -4832,7 +4835,7 @@
             </a:ln>
             <a:extLst>
               <a:ext uri="{909E8E84-426E-40dd-AFC4-6F175D3DCCD1}">
-                <a14:hiddenFill xmlns:a14="http://schemas.microsoft.com/office/drawing/2010/main" xmlns="">
+                <a14:hiddenFill xmlns="" xmlns:a14="http://schemas.microsoft.com/office/drawing/2010/main">
                   <a:noFill/>
                 </a14:hiddenFill>
               </a:ext>
@@ -4879,7 +4882,7 @@
             </a:ln>
             <a:extLst>
               <a:ext uri="{909E8E84-426E-40dd-AFC4-6F175D3DCCD1}">
-                <a14:hiddenFill xmlns:a14="http://schemas.microsoft.com/office/drawing/2010/main" xmlns="">
+                <a14:hiddenFill xmlns="" xmlns:a14="http://schemas.microsoft.com/office/drawing/2010/main">
                   <a:noFill/>
                 </a14:hiddenFill>
               </a:ext>
@@ -4922,14 +4925,14 @@
           </a:ln>
           <a:extLst>
             <a:ext uri="{909E8E84-426E-40dd-AFC4-6F175D3DCCD1}">
-              <a14:hiddenFill xmlns:a14="http://schemas.microsoft.com/office/drawing/2010/main" xmlns="">
+              <a14:hiddenFill xmlns="" xmlns:a14="http://schemas.microsoft.com/office/drawing/2010/main">
                 <a:solidFill>
                   <a:srgbClr val="FFFFFF"/>
                 </a:solidFill>
               </a14:hiddenFill>
             </a:ext>
             <a:ext uri="{91240B29-F687-4f45-9708-019B960494DF}">
-              <a14:hiddenLine xmlns:a14="http://schemas.microsoft.com/office/drawing/2010/main" xmlns="" w="9525">
+              <a14:hiddenLine xmlns="" xmlns:a14="http://schemas.microsoft.com/office/drawing/2010/main" w="9525">
                 <a:solidFill>
                   <a:srgbClr val="000000"/>
                 </a:solidFill>
@@ -5105,7 +5108,7 @@
           </a:ln>
           <a:extLst>
             <a:ext uri="{909E8E84-426E-40dd-AFC4-6F175D3DCCD1}">
-              <a14:hiddenFill xmlns:a14="http://schemas.microsoft.com/office/drawing/2010/main" xmlns="">
+              <a14:hiddenFill xmlns="" xmlns:a14="http://schemas.microsoft.com/office/drawing/2010/main">
                 <a:noFill/>
               </a14:hiddenFill>
             </a:ext>
@@ -5152,7 +5155,7 @@
           </a:ln>
           <a:extLst>
             <a:ext uri="{909E8E84-426E-40dd-AFC4-6F175D3DCCD1}">
-              <a14:hiddenFill xmlns:a14="http://schemas.microsoft.com/office/drawing/2010/main" xmlns="">
+              <a14:hiddenFill xmlns="" xmlns:a14="http://schemas.microsoft.com/office/drawing/2010/main">
                 <a:noFill/>
               </a14:hiddenFill>
             </a:ext>
@@ -5199,7 +5202,7 @@
           </a:ln>
           <a:extLst>
             <a:ext uri="{909E8E84-426E-40dd-AFC4-6F175D3DCCD1}">
-              <a14:hiddenFill xmlns:a14="http://schemas.microsoft.com/office/drawing/2010/main" xmlns="">
+              <a14:hiddenFill xmlns="" xmlns:a14="http://schemas.microsoft.com/office/drawing/2010/main">
                 <a:noFill/>
               </a14:hiddenFill>
             </a:ext>
@@ -5217,6 +5220,7254 @@
     <p:extLst>
       <p:ext uri="{BB962C8B-B14F-4D97-AF65-F5344CB8AC3E}">
         <p14:creationId xmlns:p14="http://schemas.microsoft.com/office/powerpoint/2010/main" val="3891466472"/>
+      </p:ext>
+    </p:extLst>
+  </p:cSld>
+  <p:clrMapOvr>
+    <a:masterClrMapping/>
+  </p:clrMapOvr>
+</p:sld>
+</file>
+
+<file path=ppt/slides/slide10.xml><?xml version="1.0" encoding="utf-8"?>
+<p:sld xmlns:a="http://schemas.openxmlformats.org/drawingml/2006/main" xmlns:r="http://schemas.openxmlformats.org/officeDocument/2006/relationships" xmlns:p="http://schemas.openxmlformats.org/presentationml/2006/main">
+  <p:cSld>
+    <p:spTree>
+      <p:nvGrpSpPr>
+        <p:cNvPr id="1" name=""/>
+        <p:cNvGrpSpPr/>
+        <p:nvPr/>
+      </p:nvGrpSpPr>
+      <p:grpSpPr>
+        <a:xfrm>
+          <a:off x="0" y="0"/>
+          <a:ext cx="0" cy="0"/>
+          <a:chOff x="0" y="0"/>
+          <a:chExt cx="0" cy="0"/>
+        </a:xfrm>
+      </p:grpSpPr>
+      <p:sp>
+        <p:nvSpPr>
+          <p:cNvPr id="4" name="Rectangle 3">
+            <a:extLst>
+              <a:ext uri="{FF2B5EF4-FFF2-40B4-BE49-F238E27FC236}">
+                <a16:creationId xmlns:a16="http://schemas.microsoft.com/office/drawing/2014/main" id="{11E9AAF6-9F01-4516-AEF6-483A0222BFC4}"/>
+              </a:ext>
+            </a:extLst>
+          </p:cNvPr>
+          <p:cNvSpPr/>
+          <p:nvPr/>
+        </p:nvSpPr>
+        <p:spPr>
+          <a:xfrm>
+            <a:off x="2492629" y="1357771"/>
+            <a:ext cx="1274266" cy="375224"/>
+          </a:xfrm>
+          <a:prstGeom prst="rect">
+            <a:avLst/>
+          </a:prstGeom>
+          <a:solidFill>
+            <a:schemeClr val="bg1"/>
+          </a:solidFill>
+          <a:ln w="19050">
+            <a:solidFill>
+              <a:schemeClr val="tx1"/>
+            </a:solidFill>
+          </a:ln>
+        </p:spPr>
+        <p:style>
+          <a:lnRef idx="2">
+            <a:schemeClr val="accent1">
+              <a:shade val="50000"/>
+            </a:schemeClr>
+          </a:lnRef>
+          <a:fillRef idx="1">
+            <a:schemeClr val="accent1"/>
+          </a:fillRef>
+          <a:effectRef idx="0">
+            <a:schemeClr val="accent1"/>
+          </a:effectRef>
+          <a:fontRef idx="minor">
+            <a:schemeClr val="lt1"/>
+          </a:fontRef>
+        </p:style>
+        <p:txBody>
+          <a:bodyPr rtlCol="0" anchor="ctr"/>
+          <a:lstStyle/>
+          <a:p>
+            <a:pPr algn="ctr"/>
+            <a:r>
+              <a:rPr lang="en-US" sz="1400" dirty="0">
+                <a:solidFill>
+                  <a:schemeClr val="tx1"/>
+                </a:solidFill>
+              </a:rPr>
+              <a:t>???</a:t>
+            </a:r>
+          </a:p>
+        </p:txBody>
+      </p:sp>
+      <p:grpSp>
+        <p:nvGrpSpPr>
+          <p:cNvPr id="6" name="Group 19">
+            <a:extLst>
+              <a:ext uri="{FF2B5EF4-FFF2-40B4-BE49-F238E27FC236}">
+                <a16:creationId xmlns:a16="http://schemas.microsoft.com/office/drawing/2014/main" id="{24C2873A-7093-4998-9C01-61A0814EFDEC}"/>
+              </a:ext>
+            </a:extLst>
+          </p:cNvPr>
+          <p:cNvGrpSpPr>
+            <a:grpSpLocks/>
+          </p:cNvGrpSpPr>
+          <p:nvPr/>
+        </p:nvGrpSpPr>
+        <p:grpSpPr bwMode="auto">
+          <a:xfrm>
+            <a:off x="1196929" y="1152437"/>
+            <a:ext cx="417512" cy="725438"/>
+            <a:chOff x="480" y="2640"/>
+            <a:chExt cx="288" cy="576"/>
+          </a:xfrm>
+        </p:grpSpPr>
+        <p:sp>
+          <p:nvSpPr>
+            <p:cNvPr id="7" name="Oval 20">
+              <a:extLst>
+                <a:ext uri="{FF2B5EF4-FFF2-40B4-BE49-F238E27FC236}">
+                  <a16:creationId xmlns:a16="http://schemas.microsoft.com/office/drawing/2014/main" id="{4A0AA3E1-A80D-49D0-83A9-C491F36B5573}"/>
+                </a:ext>
+              </a:extLst>
+            </p:cNvPr>
+            <p:cNvSpPr>
+              <a:spLocks noChangeArrowheads="1"/>
+            </p:cNvSpPr>
+            <p:nvPr/>
+          </p:nvSpPr>
+          <p:spPr bwMode="auto">
+            <a:xfrm>
+              <a:off x="528" y="2640"/>
+              <a:ext cx="192" cy="192"/>
+            </a:xfrm>
+            <a:prstGeom prst="ellipse">
+              <a:avLst/>
+            </a:prstGeom>
+            <a:noFill/>
+            <a:ln w="28575">
+              <a:solidFill>
+                <a:schemeClr val="tx1"/>
+              </a:solidFill>
+              <a:round/>
+              <a:headEnd/>
+              <a:tailEnd/>
+            </a:ln>
+            <a:extLst>
+              <a:ext uri="{909E8E84-426E-40dd-AFC4-6F175D3DCCD1}">
+                <a14:hiddenFill xmlns="" xmlns:a14="http://schemas.microsoft.com/office/drawing/2010/main">
+                  <a:solidFill>
+                    <a:srgbClr val="FFFFFF"/>
+                  </a:solidFill>
+                </a14:hiddenFill>
+              </a:ext>
+            </a:extLst>
+          </p:spPr>
+          <p:txBody>
+            <a:bodyPr wrap="none" anchor="ctr"/>
+            <a:lstStyle>
+              <a:lvl1pPr>
+                <a:defRPr sz="2400">
+                  <a:solidFill>
+                    <a:schemeClr val="tx1"/>
+                  </a:solidFill>
+                  <a:latin typeface="Times New Roman" panose="02020603050405020304" pitchFamily="18" charset="0"/>
+                  <a:ea typeface="MS PGothic" panose="020B0600070205080204" pitchFamily="34" charset="-128"/>
+                </a:defRPr>
+              </a:lvl1pPr>
+              <a:lvl2pPr marL="742950" indent="-285750">
+                <a:defRPr sz="2400">
+                  <a:solidFill>
+                    <a:schemeClr val="tx1"/>
+                  </a:solidFill>
+                  <a:latin typeface="Times New Roman" panose="02020603050405020304" pitchFamily="18" charset="0"/>
+                  <a:ea typeface="MS PGothic" panose="020B0600070205080204" pitchFamily="34" charset="-128"/>
+                </a:defRPr>
+              </a:lvl2pPr>
+              <a:lvl3pPr marL="1143000" indent="-228600">
+                <a:defRPr sz="2400">
+                  <a:solidFill>
+                    <a:schemeClr val="tx1"/>
+                  </a:solidFill>
+                  <a:latin typeface="Times New Roman" panose="02020603050405020304" pitchFamily="18" charset="0"/>
+                  <a:ea typeface="MS PGothic" panose="020B0600070205080204" pitchFamily="34" charset="-128"/>
+                </a:defRPr>
+              </a:lvl3pPr>
+              <a:lvl4pPr marL="1600200" indent="-228600">
+                <a:defRPr sz="2400">
+                  <a:solidFill>
+                    <a:schemeClr val="tx1"/>
+                  </a:solidFill>
+                  <a:latin typeface="Times New Roman" panose="02020603050405020304" pitchFamily="18" charset="0"/>
+                  <a:ea typeface="MS PGothic" panose="020B0600070205080204" pitchFamily="34" charset="-128"/>
+                </a:defRPr>
+              </a:lvl4pPr>
+              <a:lvl5pPr marL="2057400" indent="-228600">
+                <a:defRPr sz="2400">
+                  <a:solidFill>
+                    <a:schemeClr val="tx1"/>
+                  </a:solidFill>
+                  <a:latin typeface="Times New Roman" panose="02020603050405020304" pitchFamily="18" charset="0"/>
+                  <a:ea typeface="MS PGothic" panose="020B0600070205080204" pitchFamily="34" charset="-128"/>
+                </a:defRPr>
+              </a:lvl5pPr>
+              <a:lvl6pPr marL="2514600" indent="-228600" algn="r" eaLnBrk="0" fontAlgn="base" hangingPunct="0">
+                <a:spcBef>
+                  <a:spcPct val="0"/>
+                </a:spcBef>
+                <a:spcAft>
+                  <a:spcPct val="0"/>
+                </a:spcAft>
+                <a:buChar char="•"/>
+                <a:defRPr sz="2400">
+                  <a:solidFill>
+                    <a:schemeClr val="tx1"/>
+                  </a:solidFill>
+                  <a:latin typeface="Times New Roman" panose="02020603050405020304" pitchFamily="18" charset="0"/>
+                  <a:ea typeface="MS PGothic" panose="020B0600070205080204" pitchFamily="34" charset="-128"/>
+                </a:defRPr>
+              </a:lvl6pPr>
+              <a:lvl7pPr marL="2971800" indent="-228600" algn="r" eaLnBrk="0" fontAlgn="base" hangingPunct="0">
+                <a:spcBef>
+                  <a:spcPct val="0"/>
+                </a:spcBef>
+                <a:spcAft>
+                  <a:spcPct val="0"/>
+                </a:spcAft>
+                <a:buChar char="•"/>
+                <a:defRPr sz="2400">
+                  <a:solidFill>
+                    <a:schemeClr val="tx1"/>
+                  </a:solidFill>
+                  <a:latin typeface="Times New Roman" panose="02020603050405020304" pitchFamily="18" charset="0"/>
+                  <a:ea typeface="MS PGothic" panose="020B0600070205080204" pitchFamily="34" charset="-128"/>
+                </a:defRPr>
+              </a:lvl7pPr>
+              <a:lvl8pPr marL="3429000" indent="-228600" algn="r" eaLnBrk="0" fontAlgn="base" hangingPunct="0">
+                <a:spcBef>
+                  <a:spcPct val="0"/>
+                </a:spcBef>
+                <a:spcAft>
+                  <a:spcPct val="0"/>
+                </a:spcAft>
+                <a:buChar char="•"/>
+                <a:defRPr sz="2400">
+                  <a:solidFill>
+                    <a:schemeClr val="tx1"/>
+                  </a:solidFill>
+                  <a:latin typeface="Times New Roman" panose="02020603050405020304" pitchFamily="18" charset="0"/>
+                  <a:ea typeface="MS PGothic" panose="020B0600070205080204" pitchFamily="34" charset="-128"/>
+                </a:defRPr>
+              </a:lvl8pPr>
+              <a:lvl9pPr marL="3886200" indent="-228600" algn="r" eaLnBrk="0" fontAlgn="base" hangingPunct="0">
+                <a:spcBef>
+                  <a:spcPct val="0"/>
+                </a:spcBef>
+                <a:spcAft>
+                  <a:spcPct val="0"/>
+                </a:spcAft>
+                <a:buChar char="•"/>
+                <a:defRPr sz="2400">
+                  <a:solidFill>
+                    <a:schemeClr val="tx1"/>
+                  </a:solidFill>
+                  <a:latin typeface="Times New Roman" panose="02020603050405020304" pitchFamily="18" charset="0"/>
+                  <a:ea typeface="MS PGothic" panose="020B0600070205080204" pitchFamily="34" charset="-128"/>
+                </a:defRPr>
+              </a:lvl9pPr>
+            </a:lstStyle>
+            <a:p>
+              <a:endParaRPr lang="en-US"/>
+            </a:p>
+          </p:txBody>
+        </p:sp>
+        <p:sp>
+          <p:nvSpPr>
+            <p:cNvPr id="8" name="Line 21">
+              <a:extLst>
+                <a:ext uri="{FF2B5EF4-FFF2-40B4-BE49-F238E27FC236}">
+                  <a16:creationId xmlns:a16="http://schemas.microsoft.com/office/drawing/2014/main" id="{A7EEE984-4A98-41A5-B71D-160615E1BF64}"/>
+                </a:ext>
+              </a:extLst>
+            </p:cNvPr>
+            <p:cNvSpPr>
+              <a:spLocks noChangeShapeType="1"/>
+            </p:cNvSpPr>
+            <p:nvPr/>
+          </p:nvSpPr>
+          <p:spPr bwMode="auto">
+            <a:xfrm>
+              <a:off x="624" y="2832"/>
+              <a:ext cx="0" cy="240"/>
+            </a:xfrm>
+            <a:prstGeom prst="line">
+              <a:avLst/>
+            </a:prstGeom>
+            <a:noFill/>
+            <a:ln w="28575">
+              <a:solidFill>
+                <a:schemeClr val="tx1"/>
+              </a:solidFill>
+              <a:round/>
+              <a:headEnd/>
+              <a:tailEnd/>
+            </a:ln>
+            <a:extLst>
+              <a:ext uri="{909E8E84-426E-40dd-AFC4-6F175D3DCCD1}">
+                <a14:hiddenFill xmlns="" xmlns:a14="http://schemas.microsoft.com/office/drawing/2010/main">
+                  <a:noFill/>
+                </a14:hiddenFill>
+              </a:ext>
+            </a:extLst>
+          </p:spPr>
+          <p:txBody>
+            <a:bodyPr/>
+            <a:lstStyle/>
+            <a:p>
+              <a:endParaRPr lang="en-GB"/>
+            </a:p>
+          </p:txBody>
+        </p:sp>
+        <p:sp>
+          <p:nvSpPr>
+            <p:cNvPr id="9" name="Line 22">
+              <a:extLst>
+                <a:ext uri="{FF2B5EF4-FFF2-40B4-BE49-F238E27FC236}">
+                  <a16:creationId xmlns:a16="http://schemas.microsoft.com/office/drawing/2014/main" id="{3A8A3E4F-3C85-496A-9DCE-5F03324660F4}"/>
+                </a:ext>
+              </a:extLst>
+            </p:cNvPr>
+            <p:cNvSpPr>
+              <a:spLocks noChangeShapeType="1"/>
+            </p:cNvSpPr>
+            <p:nvPr/>
+          </p:nvSpPr>
+          <p:spPr bwMode="auto">
+            <a:xfrm flipV="1">
+              <a:off x="480" y="2928"/>
+              <a:ext cx="288" cy="0"/>
+            </a:xfrm>
+            <a:prstGeom prst="line">
+              <a:avLst/>
+            </a:prstGeom>
+            <a:noFill/>
+            <a:ln w="28575">
+              <a:solidFill>
+                <a:schemeClr val="tx1"/>
+              </a:solidFill>
+              <a:round/>
+              <a:headEnd/>
+              <a:tailEnd/>
+            </a:ln>
+            <a:extLst>
+              <a:ext uri="{909E8E84-426E-40dd-AFC4-6F175D3DCCD1}">
+                <a14:hiddenFill xmlns="" xmlns:a14="http://schemas.microsoft.com/office/drawing/2010/main">
+                  <a:noFill/>
+                </a14:hiddenFill>
+              </a:ext>
+            </a:extLst>
+          </p:spPr>
+          <p:txBody>
+            <a:bodyPr/>
+            <a:lstStyle/>
+            <a:p>
+              <a:endParaRPr lang="en-GB"/>
+            </a:p>
+          </p:txBody>
+        </p:sp>
+        <p:sp>
+          <p:nvSpPr>
+            <p:cNvPr id="10" name="Line 23">
+              <a:extLst>
+                <a:ext uri="{FF2B5EF4-FFF2-40B4-BE49-F238E27FC236}">
+                  <a16:creationId xmlns:a16="http://schemas.microsoft.com/office/drawing/2014/main" id="{7CBB13B2-C570-4675-9AC4-78C71327BD19}"/>
+                </a:ext>
+              </a:extLst>
+            </p:cNvPr>
+            <p:cNvSpPr>
+              <a:spLocks noChangeShapeType="1"/>
+            </p:cNvSpPr>
+            <p:nvPr/>
+          </p:nvSpPr>
+          <p:spPr bwMode="auto">
+            <a:xfrm flipH="1">
+              <a:off x="480" y="3072"/>
+              <a:ext cx="144" cy="144"/>
+            </a:xfrm>
+            <a:prstGeom prst="line">
+              <a:avLst/>
+            </a:prstGeom>
+            <a:noFill/>
+            <a:ln w="28575">
+              <a:solidFill>
+                <a:schemeClr val="tx1"/>
+              </a:solidFill>
+              <a:round/>
+              <a:headEnd/>
+              <a:tailEnd/>
+            </a:ln>
+            <a:extLst>
+              <a:ext uri="{909E8E84-426E-40dd-AFC4-6F175D3DCCD1}">
+                <a14:hiddenFill xmlns="" xmlns:a14="http://schemas.microsoft.com/office/drawing/2010/main">
+                  <a:noFill/>
+                </a14:hiddenFill>
+              </a:ext>
+            </a:extLst>
+          </p:spPr>
+          <p:txBody>
+            <a:bodyPr/>
+            <a:lstStyle/>
+            <a:p>
+              <a:endParaRPr lang="en-GB"/>
+            </a:p>
+          </p:txBody>
+        </p:sp>
+        <p:sp>
+          <p:nvSpPr>
+            <p:cNvPr id="11" name="Line 24">
+              <a:extLst>
+                <a:ext uri="{FF2B5EF4-FFF2-40B4-BE49-F238E27FC236}">
+                  <a16:creationId xmlns:a16="http://schemas.microsoft.com/office/drawing/2014/main" id="{FF99A59A-3568-4A10-B054-6096AD68682D}"/>
+                </a:ext>
+              </a:extLst>
+            </p:cNvPr>
+            <p:cNvSpPr>
+              <a:spLocks noChangeShapeType="1"/>
+            </p:cNvSpPr>
+            <p:nvPr/>
+          </p:nvSpPr>
+          <p:spPr bwMode="auto">
+            <a:xfrm>
+              <a:off x="624" y="3072"/>
+              <a:ext cx="144" cy="144"/>
+            </a:xfrm>
+            <a:prstGeom prst="line">
+              <a:avLst/>
+            </a:prstGeom>
+            <a:noFill/>
+            <a:ln w="28575">
+              <a:solidFill>
+                <a:schemeClr val="tx1"/>
+              </a:solidFill>
+              <a:round/>
+              <a:headEnd/>
+              <a:tailEnd/>
+            </a:ln>
+            <a:extLst>
+              <a:ext uri="{909E8E84-426E-40dd-AFC4-6F175D3DCCD1}">
+                <a14:hiddenFill xmlns="" xmlns:a14="http://schemas.microsoft.com/office/drawing/2010/main">
+                  <a:noFill/>
+                </a14:hiddenFill>
+              </a:ext>
+            </a:extLst>
+          </p:spPr>
+          <p:txBody>
+            <a:bodyPr/>
+            <a:lstStyle/>
+            <a:p>
+              <a:endParaRPr lang="en-GB"/>
+            </a:p>
+          </p:txBody>
+        </p:sp>
+      </p:grpSp>
+      <p:sp>
+        <p:nvSpPr>
+          <p:cNvPr id="12" name="Text Box 25">
+            <a:extLst>
+              <a:ext uri="{FF2B5EF4-FFF2-40B4-BE49-F238E27FC236}">
+                <a16:creationId xmlns:a16="http://schemas.microsoft.com/office/drawing/2014/main" id="{358EF6AB-D2E6-47E5-8EE7-5A2A6DB8FA9B}"/>
+              </a:ext>
+            </a:extLst>
+          </p:cNvPr>
+          <p:cNvSpPr txBox="1">
+            <a:spLocks noChangeArrowheads="1"/>
+          </p:cNvSpPr>
+          <p:nvPr/>
+        </p:nvSpPr>
+        <p:spPr bwMode="auto">
+          <a:xfrm>
+            <a:off x="779415" y="1915460"/>
+            <a:ext cx="1252537" cy="338554"/>
+          </a:xfrm>
+          <a:prstGeom prst="rect">
+            <a:avLst/>
+          </a:prstGeom>
+          <a:noFill/>
+          <a:ln>
+            <a:noFill/>
+          </a:ln>
+          <a:extLst>
+            <a:ext uri="{909E8E84-426E-40dd-AFC4-6F175D3DCCD1}">
+              <a14:hiddenFill xmlns="" xmlns:a14="http://schemas.microsoft.com/office/drawing/2010/main">
+                <a:solidFill>
+                  <a:srgbClr val="FFFFFF"/>
+                </a:solidFill>
+              </a14:hiddenFill>
+            </a:ext>
+            <a:ext uri="{91240B29-F687-4f45-9708-019B960494DF}">
+              <a14:hiddenLine xmlns="" xmlns:a14="http://schemas.microsoft.com/office/drawing/2010/main" w="9525">
+                <a:solidFill>
+                  <a:srgbClr val="000000"/>
+                </a:solidFill>
+                <a:miter lim="800000"/>
+                <a:headEnd/>
+                <a:tailEnd/>
+              </a14:hiddenLine>
+            </a:ext>
+          </a:extLst>
+        </p:spPr>
+        <p:txBody>
+          <a:bodyPr>
+            <a:spAutoFit/>
+          </a:bodyPr>
+          <a:lstStyle>
+            <a:lvl1pPr>
+              <a:defRPr sz="2400">
+                <a:solidFill>
+                  <a:schemeClr val="tx1"/>
+                </a:solidFill>
+                <a:latin typeface="Times New Roman" panose="02020603050405020304" pitchFamily="18" charset="0"/>
+                <a:ea typeface="MS PGothic" panose="020B0600070205080204" pitchFamily="34" charset="-128"/>
+              </a:defRPr>
+            </a:lvl1pPr>
+            <a:lvl2pPr marL="742950" indent="-285750">
+              <a:defRPr sz="2400">
+                <a:solidFill>
+                  <a:schemeClr val="tx1"/>
+                </a:solidFill>
+                <a:latin typeface="Times New Roman" panose="02020603050405020304" pitchFamily="18" charset="0"/>
+                <a:ea typeface="MS PGothic" panose="020B0600070205080204" pitchFamily="34" charset="-128"/>
+              </a:defRPr>
+            </a:lvl2pPr>
+            <a:lvl3pPr marL="1143000" indent="-228600">
+              <a:defRPr sz="2400">
+                <a:solidFill>
+                  <a:schemeClr val="tx1"/>
+                </a:solidFill>
+                <a:latin typeface="Times New Roman" panose="02020603050405020304" pitchFamily="18" charset="0"/>
+                <a:ea typeface="MS PGothic" panose="020B0600070205080204" pitchFamily="34" charset="-128"/>
+              </a:defRPr>
+            </a:lvl3pPr>
+            <a:lvl4pPr marL="1600200" indent="-228600">
+              <a:defRPr sz="2400">
+                <a:solidFill>
+                  <a:schemeClr val="tx1"/>
+                </a:solidFill>
+                <a:latin typeface="Times New Roman" panose="02020603050405020304" pitchFamily="18" charset="0"/>
+                <a:ea typeface="MS PGothic" panose="020B0600070205080204" pitchFamily="34" charset="-128"/>
+              </a:defRPr>
+            </a:lvl4pPr>
+            <a:lvl5pPr marL="2057400" indent="-228600">
+              <a:defRPr sz="2400">
+                <a:solidFill>
+                  <a:schemeClr val="tx1"/>
+                </a:solidFill>
+                <a:latin typeface="Times New Roman" panose="02020603050405020304" pitchFamily="18" charset="0"/>
+                <a:ea typeface="MS PGothic" panose="020B0600070205080204" pitchFamily="34" charset="-128"/>
+              </a:defRPr>
+            </a:lvl5pPr>
+            <a:lvl6pPr marL="2514600" indent="-228600" algn="r" eaLnBrk="0" fontAlgn="base" hangingPunct="0">
+              <a:spcBef>
+                <a:spcPct val="0"/>
+              </a:spcBef>
+              <a:spcAft>
+                <a:spcPct val="0"/>
+              </a:spcAft>
+              <a:buChar char="•"/>
+              <a:defRPr sz="2400">
+                <a:solidFill>
+                  <a:schemeClr val="tx1"/>
+                </a:solidFill>
+                <a:latin typeface="Times New Roman" panose="02020603050405020304" pitchFamily="18" charset="0"/>
+                <a:ea typeface="MS PGothic" panose="020B0600070205080204" pitchFamily="34" charset="-128"/>
+              </a:defRPr>
+            </a:lvl6pPr>
+            <a:lvl7pPr marL="2971800" indent="-228600" algn="r" eaLnBrk="0" fontAlgn="base" hangingPunct="0">
+              <a:spcBef>
+                <a:spcPct val="0"/>
+              </a:spcBef>
+              <a:spcAft>
+                <a:spcPct val="0"/>
+              </a:spcAft>
+              <a:buChar char="•"/>
+              <a:defRPr sz="2400">
+                <a:solidFill>
+                  <a:schemeClr val="tx1"/>
+                </a:solidFill>
+                <a:latin typeface="Times New Roman" panose="02020603050405020304" pitchFamily="18" charset="0"/>
+                <a:ea typeface="MS PGothic" panose="020B0600070205080204" pitchFamily="34" charset="-128"/>
+              </a:defRPr>
+            </a:lvl7pPr>
+            <a:lvl8pPr marL="3429000" indent="-228600" algn="r" eaLnBrk="0" fontAlgn="base" hangingPunct="0">
+              <a:spcBef>
+                <a:spcPct val="0"/>
+              </a:spcBef>
+              <a:spcAft>
+                <a:spcPct val="0"/>
+              </a:spcAft>
+              <a:buChar char="•"/>
+              <a:defRPr sz="2400">
+                <a:solidFill>
+                  <a:schemeClr val="tx1"/>
+                </a:solidFill>
+                <a:latin typeface="Times New Roman" panose="02020603050405020304" pitchFamily="18" charset="0"/>
+                <a:ea typeface="MS PGothic" panose="020B0600070205080204" pitchFamily="34" charset="-128"/>
+              </a:defRPr>
+            </a:lvl8pPr>
+            <a:lvl9pPr marL="3886200" indent="-228600" algn="r" eaLnBrk="0" fontAlgn="base" hangingPunct="0">
+              <a:spcBef>
+                <a:spcPct val="0"/>
+              </a:spcBef>
+              <a:spcAft>
+                <a:spcPct val="0"/>
+              </a:spcAft>
+              <a:buChar char="•"/>
+              <a:defRPr sz="2400">
+                <a:solidFill>
+                  <a:schemeClr val="tx1"/>
+                </a:solidFill>
+                <a:latin typeface="Times New Roman" panose="02020603050405020304" pitchFamily="18" charset="0"/>
+                <a:ea typeface="MS PGothic" panose="020B0600070205080204" pitchFamily="34" charset="-128"/>
+              </a:defRPr>
+            </a:lvl9pPr>
+          </a:lstStyle>
+          <a:p>
+            <a:pPr algn="ctr" eaLnBrk="1" hangingPunct="1">
+              <a:spcBef>
+                <a:spcPct val="50000"/>
+              </a:spcBef>
+              <a:buFontTx/>
+              <a:buNone/>
+            </a:pPr>
+            <a:r>
+              <a:rPr lang="en-GB" sz="1600" dirty="0">
+                <a:latin typeface="+mn-lt"/>
+              </a:rPr>
+              <a:t>User</a:t>
+            </a:r>
+          </a:p>
+        </p:txBody>
+      </p:sp>
+      <p:sp>
+        <p:nvSpPr>
+          <p:cNvPr id="13" name="Rectangle 12">
+            <a:extLst>
+              <a:ext uri="{FF2B5EF4-FFF2-40B4-BE49-F238E27FC236}">
+                <a16:creationId xmlns:a16="http://schemas.microsoft.com/office/drawing/2014/main" id="{A22EF3E5-9C70-42B3-B4D7-A8CB0DD02CF6}"/>
+              </a:ext>
+            </a:extLst>
+          </p:cNvPr>
+          <p:cNvSpPr/>
+          <p:nvPr/>
+        </p:nvSpPr>
+        <p:spPr>
+          <a:xfrm>
+            <a:off x="4714669" y="1357771"/>
+            <a:ext cx="1274266" cy="375224"/>
+          </a:xfrm>
+          <a:prstGeom prst="rect">
+            <a:avLst/>
+          </a:prstGeom>
+          <a:solidFill>
+            <a:schemeClr val="bg1"/>
+          </a:solidFill>
+          <a:ln w="19050">
+            <a:solidFill>
+              <a:schemeClr val="tx1"/>
+            </a:solidFill>
+          </a:ln>
+        </p:spPr>
+        <p:style>
+          <a:lnRef idx="2">
+            <a:schemeClr val="accent1">
+              <a:shade val="50000"/>
+            </a:schemeClr>
+          </a:lnRef>
+          <a:fillRef idx="1">
+            <a:schemeClr val="accent1"/>
+          </a:fillRef>
+          <a:effectRef idx="0">
+            <a:schemeClr val="accent1"/>
+          </a:effectRef>
+          <a:fontRef idx="minor">
+            <a:schemeClr val="lt1"/>
+          </a:fontRef>
+        </p:style>
+        <p:txBody>
+          <a:bodyPr rtlCol="0" anchor="ctr"/>
+          <a:lstStyle/>
+          <a:p>
+            <a:pPr algn="ctr"/>
+            <a:r>
+              <a:rPr lang="en-US" sz="1400" dirty="0">
+                <a:solidFill>
+                  <a:schemeClr val="tx1"/>
+                </a:solidFill>
+              </a:rPr>
+              <a:t>???</a:t>
+            </a:r>
+          </a:p>
+        </p:txBody>
+      </p:sp>
+      <p:sp>
+        <p:nvSpPr>
+          <p:cNvPr id="14" name="Rectangle 13">
+            <a:extLst>
+              <a:ext uri="{FF2B5EF4-FFF2-40B4-BE49-F238E27FC236}">
+                <a16:creationId xmlns:a16="http://schemas.microsoft.com/office/drawing/2014/main" id="{AFF09BCA-454E-4402-9C02-662CCD177387}"/>
+              </a:ext>
+            </a:extLst>
+          </p:cNvPr>
+          <p:cNvSpPr/>
+          <p:nvPr/>
+        </p:nvSpPr>
+        <p:spPr>
+          <a:xfrm>
+            <a:off x="6936709" y="1357771"/>
+            <a:ext cx="1274266" cy="375224"/>
+          </a:xfrm>
+          <a:prstGeom prst="rect">
+            <a:avLst/>
+          </a:prstGeom>
+          <a:solidFill>
+            <a:schemeClr val="bg1"/>
+          </a:solidFill>
+          <a:ln w="19050">
+            <a:solidFill>
+              <a:schemeClr val="tx1"/>
+            </a:solidFill>
+          </a:ln>
+        </p:spPr>
+        <p:style>
+          <a:lnRef idx="2">
+            <a:schemeClr val="accent1">
+              <a:shade val="50000"/>
+            </a:schemeClr>
+          </a:lnRef>
+          <a:fillRef idx="1">
+            <a:schemeClr val="accent1"/>
+          </a:fillRef>
+          <a:effectRef idx="0">
+            <a:schemeClr val="accent1"/>
+          </a:effectRef>
+          <a:fontRef idx="minor">
+            <a:schemeClr val="lt1"/>
+          </a:fontRef>
+        </p:style>
+        <p:txBody>
+          <a:bodyPr rtlCol="0" anchor="ctr"/>
+          <a:lstStyle/>
+          <a:p>
+            <a:pPr algn="ctr"/>
+            <a:r>
+              <a:rPr lang="en-US" sz="1400" dirty="0">
+                <a:solidFill>
+                  <a:schemeClr val="tx1"/>
+                </a:solidFill>
+              </a:rPr>
+              <a:t>???</a:t>
+            </a:r>
+          </a:p>
+        </p:txBody>
+      </p:sp>
+      <p:cxnSp>
+        <p:nvCxnSpPr>
+          <p:cNvPr id="16" name="Straight Connector 15">
+            <a:extLst>
+              <a:ext uri="{FF2B5EF4-FFF2-40B4-BE49-F238E27FC236}">
+                <a16:creationId xmlns:a16="http://schemas.microsoft.com/office/drawing/2014/main" id="{B4839711-E601-43BB-8E5A-6C1B6E7F9B18}"/>
+              </a:ext>
+            </a:extLst>
+          </p:cNvPr>
+          <p:cNvCxnSpPr>
+            <a:stCxn id="4" idx="2"/>
+          </p:cNvCxnSpPr>
+          <p:nvPr/>
+        </p:nvCxnSpPr>
+        <p:spPr>
+          <a:xfrm>
+            <a:off x="3129762" y="1732995"/>
+            <a:ext cx="31073" cy="3678670"/>
+          </a:xfrm>
+          <a:prstGeom prst="line">
+            <a:avLst/>
+          </a:prstGeom>
+          <a:ln w="19050">
+            <a:solidFill>
+              <a:schemeClr val="tx1"/>
+            </a:solidFill>
+            <a:prstDash val="dash"/>
+          </a:ln>
+        </p:spPr>
+        <p:style>
+          <a:lnRef idx="1">
+            <a:schemeClr val="accent1"/>
+          </a:lnRef>
+          <a:fillRef idx="0">
+            <a:schemeClr val="accent1"/>
+          </a:fillRef>
+          <a:effectRef idx="0">
+            <a:schemeClr val="accent1"/>
+          </a:effectRef>
+          <a:fontRef idx="minor">
+            <a:schemeClr val="tx1"/>
+          </a:fontRef>
+        </p:style>
+      </p:cxnSp>
+      <p:cxnSp>
+        <p:nvCxnSpPr>
+          <p:cNvPr id="17" name="Straight Connector 16">
+            <a:extLst>
+              <a:ext uri="{FF2B5EF4-FFF2-40B4-BE49-F238E27FC236}">
+                <a16:creationId xmlns:a16="http://schemas.microsoft.com/office/drawing/2014/main" id="{AC35957E-9CA9-4BA1-B2B5-EB1BA0C1B3E1}"/>
+              </a:ext>
+            </a:extLst>
+          </p:cNvPr>
+          <p:cNvCxnSpPr/>
+          <p:nvPr/>
+        </p:nvCxnSpPr>
+        <p:spPr>
+          <a:xfrm>
+            <a:off x="5351802" y="1732995"/>
+            <a:ext cx="31073" cy="3678670"/>
+          </a:xfrm>
+          <a:prstGeom prst="line">
+            <a:avLst/>
+          </a:prstGeom>
+          <a:ln w="19050">
+            <a:solidFill>
+              <a:schemeClr val="tx1"/>
+            </a:solidFill>
+            <a:prstDash val="dash"/>
+          </a:ln>
+        </p:spPr>
+        <p:style>
+          <a:lnRef idx="1">
+            <a:schemeClr val="accent1"/>
+          </a:lnRef>
+          <a:fillRef idx="0">
+            <a:schemeClr val="accent1"/>
+          </a:fillRef>
+          <a:effectRef idx="0">
+            <a:schemeClr val="accent1"/>
+          </a:effectRef>
+          <a:fontRef idx="minor">
+            <a:schemeClr val="tx1"/>
+          </a:fontRef>
+        </p:style>
+      </p:cxnSp>
+      <p:cxnSp>
+        <p:nvCxnSpPr>
+          <p:cNvPr id="18" name="Straight Connector 17">
+            <a:extLst>
+              <a:ext uri="{FF2B5EF4-FFF2-40B4-BE49-F238E27FC236}">
+                <a16:creationId xmlns:a16="http://schemas.microsoft.com/office/drawing/2014/main" id="{4B0C2FD1-AFB1-4C81-9B61-A32781C9AA5E}"/>
+              </a:ext>
+            </a:extLst>
+          </p:cNvPr>
+          <p:cNvCxnSpPr/>
+          <p:nvPr/>
+        </p:nvCxnSpPr>
+        <p:spPr>
+          <a:xfrm>
+            <a:off x="7573842" y="1732995"/>
+            <a:ext cx="31073" cy="3678670"/>
+          </a:xfrm>
+          <a:prstGeom prst="line">
+            <a:avLst/>
+          </a:prstGeom>
+          <a:ln w="19050">
+            <a:solidFill>
+              <a:schemeClr val="tx1"/>
+            </a:solidFill>
+            <a:prstDash val="dash"/>
+          </a:ln>
+        </p:spPr>
+        <p:style>
+          <a:lnRef idx="1">
+            <a:schemeClr val="accent1"/>
+          </a:lnRef>
+          <a:fillRef idx="0">
+            <a:schemeClr val="accent1"/>
+          </a:fillRef>
+          <a:effectRef idx="0">
+            <a:schemeClr val="accent1"/>
+          </a:effectRef>
+          <a:fontRef idx="minor">
+            <a:schemeClr val="tx1"/>
+          </a:fontRef>
+        </p:style>
+      </p:cxnSp>
+      <p:sp>
+        <p:nvSpPr>
+          <p:cNvPr id="19" name="Rectangle 18">
+            <a:extLst>
+              <a:ext uri="{FF2B5EF4-FFF2-40B4-BE49-F238E27FC236}">
+                <a16:creationId xmlns:a16="http://schemas.microsoft.com/office/drawing/2014/main" id="{7A098C06-7DEE-4E5B-A66B-B23E143E1740}"/>
+              </a:ext>
+            </a:extLst>
+          </p:cNvPr>
+          <p:cNvSpPr/>
+          <p:nvPr/>
+        </p:nvSpPr>
+        <p:spPr>
+          <a:xfrm>
+            <a:off x="3052417" y="2297044"/>
+            <a:ext cx="189948" cy="1356139"/>
+          </a:xfrm>
+          <a:prstGeom prst="rect">
+            <a:avLst/>
+          </a:prstGeom>
+          <a:solidFill>
+            <a:schemeClr val="bg1"/>
+          </a:solidFill>
+          <a:ln w="19050">
+            <a:solidFill>
+              <a:schemeClr val="tx1"/>
+            </a:solidFill>
+          </a:ln>
+        </p:spPr>
+        <p:style>
+          <a:lnRef idx="2">
+            <a:schemeClr val="accent1">
+              <a:shade val="50000"/>
+            </a:schemeClr>
+          </a:lnRef>
+          <a:fillRef idx="1">
+            <a:schemeClr val="accent1"/>
+          </a:fillRef>
+          <a:effectRef idx="0">
+            <a:schemeClr val="accent1"/>
+          </a:effectRef>
+          <a:fontRef idx="minor">
+            <a:schemeClr val="lt1"/>
+          </a:fontRef>
+        </p:style>
+        <p:txBody>
+          <a:bodyPr rtlCol="0" anchor="ctr"/>
+          <a:lstStyle/>
+          <a:p>
+            <a:pPr algn="ctr"/>
+            <a:endParaRPr lang="en-US"/>
+          </a:p>
+        </p:txBody>
+      </p:sp>
+      <p:cxnSp>
+        <p:nvCxnSpPr>
+          <p:cNvPr id="23" name="Straight Arrow Connector 22">
+            <a:extLst>
+              <a:ext uri="{FF2B5EF4-FFF2-40B4-BE49-F238E27FC236}">
+                <a16:creationId xmlns:a16="http://schemas.microsoft.com/office/drawing/2014/main" id="{A1C424A4-02EB-4D61-B2C2-2D03D62E7338}"/>
+              </a:ext>
+            </a:extLst>
+          </p:cNvPr>
+          <p:cNvCxnSpPr>
+            <a:cxnSpLocks/>
+          </p:cNvCxnSpPr>
+          <p:nvPr/>
+        </p:nvCxnSpPr>
+        <p:spPr>
+          <a:xfrm>
+            <a:off x="1405683" y="2305879"/>
+            <a:ext cx="1646734" cy="0"/>
+          </a:xfrm>
+          <a:prstGeom prst="straightConnector1">
+            <a:avLst/>
+          </a:prstGeom>
+          <a:ln w="19050">
+            <a:solidFill>
+              <a:schemeClr val="tx1"/>
+            </a:solidFill>
+            <a:tailEnd type="triangle" w="lg" len="lg"/>
+          </a:ln>
+        </p:spPr>
+        <p:style>
+          <a:lnRef idx="1">
+            <a:schemeClr val="accent1"/>
+          </a:lnRef>
+          <a:fillRef idx="0">
+            <a:schemeClr val="accent1"/>
+          </a:fillRef>
+          <a:effectRef idx="0">
+            <a:schemeClr val="accent1"/>
+          </a:effectRef>
+          <a:fontRef idx="minor">
+            <a:schemeClr val="tx1"/>
+          </a:fontRef>
+        </p:style>
+      </p:cxnSp>
+      <p:cxnSp>
+        <p:nvCxnSpPr>
+          <p:cNvPr id="24" name="Straight Connector 23">
+            <a:extLst>
+              <a:ext uri="{FF2B5EF4-FFF2-40B4-BE49-F238E27FC236}">
+                <a16:creationId xmlns:a16="http://schemas.microsoft.com/office/drawing/2014/main" id="{EF32A924-8336-4662-87FC-EF4F2B48232C}"/>
+              </a:ext>
+            </a:extLst>
+          </p:cNvPr>
+          <p:cNvCxnSpPr>
+            <a:cxnSpLocks/>
+            <a:stCxn id="12" idx="2"/>
+          </p:cNvCxnSpPr>
+          <p:nvPr/>
+        </p:nvCxnSpPr>
+        <p:spPr>
+          <a:xfrm>
+            <a:off x="1405684" y="2254014"/>
+            <a:ext cx="35113" cy="3121172"/>
+          </a:xfrm>
+          <a:prstGeom prst="line">
+            <a:avLst/>
+          </a:prstGeom>
+          <a:ln w="19050">
+            <a:solidFill>
+              <a:schemeClr val="tx1"/>
+            </a:solidFill>
+            <a:prstDash val="dash"/>
+          </a:ln>
+        </p:spPr>
+        <p:style>
+          <a:lnRef idx="1">
+            <a:schemeClr val="accent1"/>
+          </a:lnRef>
+          <a:fillRef idx="0">
+            <a:schemeClr val="accent1"/>
+          </a:fillRef>
+          <a:effectRef idx="0">
+            <a:schemeClr val="accent1"/>
+          </a:effectRef>
+          <a:fontRef idx="minor">
+            <a:schemeClr val="tx1"/>
+          </a:fontRef>
+        </p:style>
+      </p:cxnSp>
+      <p:cxnSp>
+        <p:nvCxnSpPr>
+          <p:cNvPr id="27" name="Straight Arrow Connector 26">
+            <a:extLst>
+              <a:ext uri="{FF2B5EF4-FFF2-40B4-BE49-F238E27FC236}">
+                <a16:creationId xmlns:a16="http://schemas.microsoft.com/office/drawing/2014/main" id="{DFD64014-A4C9-4A85-AE9C-79E409918201}"/>
+              </a:ext>
+            </a:extLst>
+          </p:cNvPr>
+          <p:cNvCxnSpPr>
+            <a:cxnSpLocks/>
+          </p:cNvCxnSpPr>
+          <p:nvPr/>
+        </p:nvCxnSpPr>
+        <p:spPr>
+          <a:xfrm>
+            <a:off x="3249799" y="2458279"/>
+            <a:ext cx="4231861" cy="0"/>
+          </a:xfrm>
+          <a:prstGeom prst="straightConnector1">
+            <a:avLst/>
+          </a:prstGeom>
+          <a:ln w="19050">
+            <a:solidFill>
+              <a:schemeClr val="tx1"/>
+            </a:solidFill>
+            <a:tailEnd type="arrow" w="lg" len="lg"/>
+          </a:ln>
+        </p:spPr>
+        <p:style>
+          <a:lnRef idx="1">
+            <a:schemeClr val="accent1"/>
+          </a:lnRef>
+          <a:fillRef idx="0">
+            <a:schemeClr val="accent1"/>
+          </a:fillRef>
+          <a:effectRef idx="0">
+            <a:schemeClr val="accent1"/>
+          </a:effectRef>
+          <a:fontRef idx="minor">
+            <a:schemeClr val="tx1"/>
+          </a:fontRef>
+        </p:style>
+      </p:cxnSp>
+      <p:sp>
+        <p:nvSpPr>
+          <p:cNvPr id="28" name="Rectangle 27">
+            <a:extLst>
+              <a:ext uri="{FF2B5EF4-FFF2-40B4-BE49-F238E27FC236}">
+                <a16:creationId xmlns:a16="http://schemas.microsoft.com/office/drawing/2014/main" id="{8FFD5C20-FB0B-48F1-81FC-6A02C76EEDC2}"/>
+              </a:ext>
+            </a:extLst>
+          </p:cNvPr>
+          <p:cNvSpPr/>
+          <p:nvPr/>
+        </p:nvSpPr>
+        <p:spPr>
+          <a:xfrm>
+            <a:off x="3052417" y="2305879"/>
+            <a:ext cx="189948" cy="1920182"/>
+          </a:xfrm>
+          <a:prstGeom prst="rect">
+            <a:avLst/>
+          </a:prstGeom>
+          <a:solidFill>
+            <a:schemeClr val="bg1"/>
+          </a:solidFill>
+          <a:ln w="19050">
+            <a:solidFill>
+              <a:schemeClr val="tx1"/>
+            </a:solidFill>
+          </a:ln>
+        </p:spPr>
+        <p:style>
+          <a:lnRef idx="2">
+            <a:schemeClr val="accent1">
+              <a:shade val="50000"/>
+            </a:schemeClr>
+          </a:lnRef>
+          <a:fillRef idx="1">
+            <a:schemeClr val="accent1"/>
+          </a:fillRef>
+          <a:effectRef idx="0">
+            <a:schemeClr val="accent1"/>
+          </a:effectRef>
+          <a:fontRef idx="minor">
+            <a:schemeClr val="lt1"/>
+          </a:fontRef>
+        </p:style>
+        <p:txBody>
+          <a:bodyPr rtlCol="0" anchor="ctr"/>
+          <a:lstStyle/>
+          <a:p>
+            <a:pPr algn="ctr"/>
+            <a:endParaRPr lang="en-US"/>
+          </a:p>
+        </p:txBody>
+      </p:sp>
+      <p:sp>
+        <p:nvSpPr>
+          <p:cNvPr id="29" name="Rectangle 28">
+            <a:extLst>
+              <a:ext uri="{FF2B5EF4-FFF2-40B4-BE49-F238E27FC236}">
+                <a16:creationId xmlns:a16="http://schemas.microsoft.com/office/drawing/2014/main" id="{A03E4211-6546-455E-9B61-6F28985DCE01}"/>
+              </a:ext>
+            </a:extLst>
+          </p:cNvPr>
+          <p:cNvSpPr/>
+          <p:nvPr/>
+        </p:nvSpPr>
+        <p:spPr>
+          <a:xfrm>
+            <a:off x="5272364" y="2802837"/>
+            <a:ext cx="189948" cy="1049128"/>
+          </a:xfrm>
+          <a:prstGeom prst="rect">
+            <a:avLst/>
+          </a:prstGeom>
+          <a:solidFill>
+            <a:schemeClr val="bg1"/>
+          </a:solidFill>
+          <a:ln w="19050">
+            <a:solidFill>
+              <a:schemeClr val="tx1"/>
+            </a:solidFill>
+          </a:ln>
+        </p:spPr>
+        <p:style>
+          <a:lnRef idx="2">
+            <a:schemeClr val="accent1">
+              <a:shade val="50000"/>
+            </a:schemeClr>
+          </a:lnRef>
+          <a:fillRef idx="1">
+            <a:schemeClr val="accent1"/>
+          </a:fillRef>
+          <a:effectRef idx="0">
+            <a:schemeClr val="accent1"/>
+          </a:effectRef>
+          <a:fontRef idx="minor">
+            <a:schemeClr val="lt1"/>
+          </a:fontRef>
+        </p:style>
+        <p:txBody>
+          <a:bodyPr rtlCol="0" anchor="ctr"/>
+          <a:lstStyle/>
+          <a:p>
+            <a:pPr algn="ctr"/>
+            <a:endParaRPr lang="en-US"/>
+          </a:p>
+        </p:txBody>
+      </p:sp>
+      <p:sp>
+        <p:nvSpPr>
+          <p:cNvPr id="30" name="Rectangle 29">
+            <a:extLst>
+              <a:ext uri="{FF2B5EF4-FFF2-40B4-BE49-F238E27FC236}">
+                <a16:creationId xmlns:a16="http://schemas.microsoft.com/office/drawing/2014/main" id="{3D69BB56-94D3-47E1-8998-C9997603EC6E}"/>
+              </a:ext>
+            </a:extLst>
+          </p:cNvPr>
+          <p:cNvSpPr/>
+          <p:nvPr/>
+        </p:nvSpPr>
+        <p:spPr>
+          <a:xfrm>
+            <a:off x="7494404" y="2458279"/>
+            <a:ext cx="189948" cy="413025"/>
+          </a:xfrm>
+          <a:prstGeom prst="rect">
+            <a:avLst/>
+          </a:prstGeom>
+          <a:solidFill>
+            <a:schemeClr val="bg1"/>
+          </a:solidFill>
+          <a:ln w="19050">
+            <a:solidFill>
+              <a:schemeClr val="tx1"/>
+            </a:solidFill>
+          </a:ln>
+        </p:spPr>
+        <p:style>
+          <a:lnRef idx="2">
+            <a:schemeClr val="accent1">
+              <a:shade val="50000"/>
+            </a:schemeClr>
+          </a:lnRef>
+          <a:fillRef idx="1">
+            <a:schemeClr val="accent1"/>
+          </a:fillRef>
+          <a:effectRef idx="0">
+            <a:schemeClr val="accent1"/>
+          </a:effectRef>
+          <a:fontRef idx="minor">
+            <a:schemeClr val="lt1"/>
+          </a:fontRef>
+        </p:style>
+        <p:txBody>
+          <a:bodyPr rtlCol="0" anchor="ctr"/>
+          <a:lstStyle/>
+          <a:p>
+            <a:pPr algn="ctr"/>
+            <a:endParaRPr lang="en-US"/>
+          </a:p>
+        </p:txBody>
+      </p:sp>
+      <p:cxnSp>
+        <p:nvCxnSpPr>
+          <p:cNvPr id="31" name="Straight Arrow Connector 30">
+            <a:extLst>
+              <a:ext uri="{FF2B5EF4-FFF2-40B4-BE49-F238E27FC236}">
+                <a16:creationId xmlns:a16="http://schemas.microsoft.com/office/drawing/2014/main" id="{60F6BE26-8E54-4323-9066-35D04417F9C3}"/>
+              </a:ext>
+            </a:extLst>
+          </p:cNvPr>
+          <p:cNvCxnSpPr>
+            <a:cxnSpLocks/>
+          </p:cNvCxnSpPr>
+          <p:nvPr/>
+        </p:nvCxnSpPr>
+        <p:spPr>
+          <a:xfrm>
+            <a:off x="3242365" y="2802837"/>
+            <a:ext cx="2029999" cy="0"/>
+          </a:xfrm>
+          <a:prstGeom prst="straightConnector1">
+            <a:avLst/>
+          </a:prstGeom>
+          <a:ln w="19050">
+            <a:solidFill>
+              <a:schemeClr val="tx1"/>
+            </a:solidFill>
+            <a:tailEnd type="triangle" w="lg" len="lg"/>
+          </a:ln>
+        </p:spPr>
+        <p:style>
+          <a:lnRef idx="1">
+            <a:schemeClr val="accent1"/>
+          </a:lnRef>
+          <a:fillRef idx="0">
+            <a:schemeClr val="accent1"/>
+          </a:fillRef>
+          <a:effectRef idx="0">
+            <a:schemeClr val="accent1"/>
+          </a:effectRef>
+          <a:fontRef idx="minor">
+            <a:schemeClr val="tx1"/>
+          </a:fontRef>
+        </p:style>
+      </p:cxnSp>
+      <p:cxnSp>
+        <p:nvCxnSpPr>
+          <p:cNvPr id="37" name="Straight Arrow Connector 36">
+            <a:extLst>
+              <a:ext uri="{FF2B5EF4-FFF2-40B4-BE49-F238E27FC236}">
+                <a16:creationId xmlns:a16="http://schemas.microsoft.com/office/drawing/2014/main" id="{AC325F1A-5D21-4F99-9B4E-097C96AA0FDB}"/>
+              </a:ext>
+            </a:extLst>
+          </p:cNvPr>
+          <p:cNvCxnSpPr>
+            <a:cxnSpLocks/>
+          </p:cNvCxnSpPr>
+          <p:nvPr/>
+        </p:nvCxnSpPr>
+        <p:spPr>
+          <a:xfrm>
+            <a:off x="5462312" y="3183564"/>
+            <a:ext cx="2019348" cy="0"/>
+          </a:xfrm>
+          <a:prstGeom prst="straightConnector1">
+            <a:avLst/>
+          </a:prstGeom>
+          <a:ln w="19050">
+            <a:solidFill>
+              <a:schemeClr val="tx1"/>
+            </a:solidFill>
+            <a:tailEnd type="arrow" w="lg" len="lg"/>
+          </a:ln>
+        </p:spPr>
+        <p:style>
+          <a:lnRef idx="1">
+            <a:schemeClr val="accent1"/>
+          </a:lnRef>
+          <a:fillRef idx="0">
+            <a:schemeClr val="accent1"/>
+          </a:fillRef>
+          <a:effectRef idx="0">
+            <a:schemeClr val="accent1"/>
+          </a:effectRef>
+          <a:fontRef idx="minor">
+            <a:schemeClr val="tx1"/>
+          </a:fontRef>
+        </p:style>
+      </p:cxnSp>
+      <p:sp>
+        <p:nvSpPr>
+          <p:cNvPr id="38" name="Rectangle 37">
+            <a:extLst>
+              <a:ext uri="{FF2B5EF4-FFF2-40B4-BE49-F238E27FC236}">
+                <a16:creationId xmlns:a16="http://schemas.microsoft.com/office/drawing/2014/main" id="{832B2D49-2C13-40B1-80E2-0463304B476C}"/>
+              </a:ext>
+            </a:extLst>
+          </p:cNvPr>
+          <p:cNvSpPr/>
+          <p:nvPr/>
+        </p:nvSpPr>
+        <p:spPr>
+          <a:xfrm>
+            <a:off x="7494404" y="3183564"/>
+            <a:ext cx="189948" cy="413025"/>
+          </a:xfrm>
+          <a:prstGeom prst="rect">
+            <a:avLst/>
+          </a:prstGeom>
+          <a:solidFill>
+            <a:schemeClr val="bg1"/>
+          </a:solidFill>
+          <a:ln w="19050">
+            <a:solidFill>
+              <a:schemeClr val="tx1"/>
+            </a:solidFill>
+          </a:ln>
+        </p:spPr>
+        <p:style>
+          <a:lnRef idx="2">
+            <a:schemeClr val="accent1">
+              <a:shade val="50000"/>
+            </a:schemeClr>
+          </a:lnRef>
+          <a:fillRef idx="1">
+            <a:schemeClr val="accent1"/>
+          </a:fillRef>
+          <a:effectRef idx="0">
+            <a:schemeClr val="accent1"/>
+          </a:effectRef>
+          <a:fontRef idx="minor">
+            <a:schemeClr val="lt1"/>
+          </a:fontRef>
+        </p:style>
+        <p:txBody>
+          <a:bodyPr rtlCol="0" anchor="ctr"/>
+          <a:lstStyle/>
+          <a:p>
+            <a:pPr algn="ctr"/>
+            <a:endParaRPr lang="en-US"/>
+          </a:p>
+        </p:txBody>
+      </p:sp>
+      <p:cxnSp>
+        <p:nvCxnSpPr>
+          <p:cNvPr id="40" name="Straight Arrow Connector 39">
+            <a:extLst>
+              <a:ext uri="{FF2B5EF4-FFF2-40B4-BE49-F238E27FC236}">
+                <a16:creationId xmlns:a16="http://schemas.microsoft.com/office/drawing/2014/main" id="{68E3008E-5D2A-4CB8-AD6D-E5D23699B221}"/>
+              </a:ext>
+            </a:extLst>
+          </p:cNvPr>
+          <p:cNvCxnSpPr>
+            <a:cxnSpLocks/>
+          </p:cNvCxnSpPr>
+          <p:nvPr/>
+        </p:nvCxnSpPr>
+        <p:spPr>
+          <a:xfrm flipH="1">
+            <a:off x="3242365" y="3851965"/>
+            <a:ext cx="2030000" cy="0"/>
+          </a:xfrm>
+          <a:prstGeom prst="straightConnector1">
+            <a:avLst/>
+          </a:prstGeom>
+          <a:ln w="19050">
+            <a:solidFill>
+              <a:schemeClr val="tx1"/>
+            </a:solidFill>
+            <a:prstDash val="sysDash"/>
+            <a:tailEnd type="arrow" w="lg" len="lg"/>
+          </a:ln>
+        </p:spPr>
+        <p:style>
+          <a:lnRef idx="1">
+            <a:schemeClr val="accent1"/>
+          </a:lnRef>
+          <a:fillRef idx="0">
+            <a:schemeClr val="accent1"/>
+          </a:fillRef>
+          <a:effectRef idx="0">
+            <a:schemeClr val="accent1"/>
+          </a:effectRef>
+          <a:fontRef idx="minor">
+            <a:schemeClr val="tx1"/>
+          </a:fontRef>
+        </p:style>
+      </p:cxnSp>
+      <p:cxnSp>
+        <p:nvCxnSpPr>
+          <p:cNvPr id="43" name="Straight Arrow Connector 42">
+            <a:extLst>
+              <a:ext uri="{FF2B5EF4-FFF2-40B4-BE49-F238E27FC236}">
+                <a16:creationId xmlns:a16="http://schemas.microsoft.com/office/drawing/2014/main" id="{5203D1B4-81CA-4E04-BCA2-0200E6F70E7F}"/>
+              </a:ext>
+            </a:extLst>
+          </p:cNvPr>
+          <p:cNvCxnSpPr>
+            <a:cxnSpLocks/>
+          </p:cNvCxnSpPr>
+          <p:nvPr/>
+        </p:nvCxnSpPr>
+        <p:spPr>
+          <a:xfrm flipH="1">
+            <a:off x="1440797" y="4226061"/>
+            <a:ext cx="1593568" cy="0"/>
+          </a:xfrm>
+          <a:prstGeom prst="straightConnector1">
+            <a:avLst/>
+          </a:prstGeom>
+          <a:ln w="19050">
+            <a:solidFill>
+              <a:schemeClr val="tx1"/>
+            </a:solidFill>
+            <a:prstDash val="sysDash"/>
+            <a:tailEnd type="arrow" w="lg" len="lg"/>
+          </a:ln>
+        </p:spPr>
+        <p:style>
+          <a:lnRef idx="1">
+            <a:schemeClr val="accent1"/>
+          </a:lnRef>
+          <a:fillRef idx="0">
+            <a:schemeClr val="accent1"/>
+          </a:fillRef>
+          <a:effectRef idx="0">
+            <a:schemeClr val="accent1"/>
+          </a:effectRef>
+          <a:fontRef idx="minor">
+            <a:schemeClr val="tx1"/>
+          </a:fontRef>
+        </p:style>
+      </p:cxnSp>
+      <p:sp>
+        <p:nvSpPr>
+          <p:cNvPr id="45" name="Text Box 25">
+            <a:extLst>
+              <a:ext uri="{FF2B5EF4-FFF2-40B4-BE49-F238E27FC236}">
+                <a16:creationId xmlns:a16="http://schemas.microsoft.com/office/drawing/2014/main" id="{A1D86571-7651-4810-A1AA-661C8ACB419C}"/>
+              </a:ext>
+            </a:extLst>
+          </p:cNvPr>
+          <p:cNvSpPr txBox="1">
+            <a:spLocks noChangeArrowheads="1"/>
+          </p:cNvSpPr>
+          <p:nvPr/>
+        </p:nvSpPr>
+        <p:spPr bwMode="auto">
+          <a:xfrm>
+            <a:off x="1562070" y="2305879"/>
+            <a:ext cx="1252537" cy="276999"/>
+          </a:xfrm>
+          <a:prstGeom prst="rect">
+            <a:avLst/>
+          </a:prstGeom>
+          <a:noFill/>
+          <a:ln>
+            <a:noFill/>
+          </a:ln>
+          <a:extLst>
+            <a:ext uri="{909E8E84-426E-40dd-AFC4-6F175D3DCCD1}">
+              <a14:hiddenFill xmlns="" xmlns:a14="http://schemas.microsoft.com/office/drawing/2010/main">
+                <a:solidFill>
+                  <a:srgbClr val="FFFFFF"/>
+                </a:solidFill>
+              </a14:hiddenFill>
+            </a:ext>
+            <a:ext uri="{91240B29-F687-4f45-9708-019B960494DF}">
+              <a14:hiddenLine xmlns="" xmlns:a14="http://schemas.microsoft.com/office/drawing/2010/main" w="9525">
+                <a:solidFill>
+                  <a:srgbClr val="000000"/>
+                </a:solidFill>
+                <a:miter lim="800000"/>
+                <a:headEnd/>
+                <a:tailEnd/>
+              </a14:hiddenLine>
+            </a:ext>
+          </a:extLst>
+        </p:spPr>
+        <p:txBody>
+          <a:bodyPr>
+            <a:spAutoFit/>
+          </a:bodyPr>
+          <a:lstStyle>
+            <a:lvl1pPr>
+              <a:defRPr sz="2400">
+                <a:solidFill>
+                  <a:schemeClr val="tx1"/>
+                </a:solidFill>
+                <a:latin typeface="Times New Roman" panose="02020603050405020304" pitchFamily="18" charset="0"/>
+                <a:ea typeface="MS PGothic" panose="020B0600070205080204" pitchFamily="34" charset="-128"/>
+              </a:defRPr>
+            </a:lvl1pPr>
+            <a:lvl2pPr marL="742950" indent="-285750">
+              <a:defRPr sz="2400">
+                <a:solidFill>
+                  <a:schemeClr val="tx1"/>
+                </a:solidFill>
+                <a:latin typeface="Times New Roman" panose="02020603050405020304" pitchFamily="18" charset="0"/>
+                <a:ea typeface="MS PGothic" panose="020B0600070205080204" pitchFamily="34" charset="-128"/>
+              </a:defRPr>
+            </a:lvl2pPr>
+            <a:lvl3pPr marL="1143000" indent="-228600">
+              <a:defRPr sz="2400">
+                <a:solidFill>
+                  <a:schemeClr val="tx1"/>
+                </a:solidFill>
+                <a:latin typeface="Times New Roman" panose="02020603050405020304" pitchFamily="18" charset="0"/>
+                <a:ea typeface="MS PGothic" panose="020B0600070205080204" pitchFamily="34" charset="-128"/>
+              </a:defRPr>
+            </a:lvl3pPr>
+            <a:lvl4pPr marL="1600200" indent="-228600">
+              <a:defRPr sz="2400">
+                <a:solidFill>
+                  <a:schemeClr val="tx1"/>
+                </a:solidFill>
+                <a:latin typeface="Times New Roman" panose="02020603050405020304" pitchFamily="18" charset="0"/>
+                <a:ea typeface="MS PGothic" panose="020B0600070205080204" pitchFamily="34" charset="-128"/>
+              </a:defRPr>
+            </a:lvl4pPr>
+            <a:lvl5pPr marL="2057400" indent="-228600">
+              <a:defRPr sz="2400">
+                <a:solidFill>
+                  <a:schemeClr val="tx1"/>
+                </a:solidFill>
+                <a:latin typeface="Times New Roman" panose="02020603050405020304" pitchFamily="18" charset="0"/>
+                <a:ea typeface="MS PGothic" panose="020B0600070205080204" pitchFamily="34" charset="-128"/>
+              </a:defRPr>
+            </a:lvl5pPr>
+            <a:lvl6pPr marL="2514600" indent="-228600" algn="r" eaLnBrk="0" fontAlgn="base" hangingPunct="0">
+              <a:spcBef>
+                <a:spcPct val="0"/>
+              </a:spcBef>
+              <a:spcAft>
+                <a:spcPct val="0"/>
+              </a:spcAft>
+              <a:buChar char="•"/>
+              <a:defRPr sz="2400">
+                <a:solidFill>
+                  <a:schemeClr val="tx1"/>
+                </a:solidFill>
+                <a:latin typeface="Times New Roman" panose="02020603050405020304" pitchFamily="18" charset="0"/>
+                <a:ea typeface="MS PGothic" panose="020B0600070205080204" pitchFamily="34" charset="-128"/>
+              </a:defRPr>
+            </a:lvl6pPr>
+            <a:lvl7pPr marL="2971800" indent="-228600" algn="r" eaLnBrk="0" fontAlgn="base" hangingPunct="0">
+              <a:spcBef>
+                <a:spcPct val="0"/>
+              </a:spcBef>
+              <a:spcAft>
+                <a:spcPct val="0"/>
+              </a:spcAft>
+              <a:buChar char="•"/>
+              <a:defRPr sz="2400">
+                <a:solidFill>
+                  <a:schemeClr val="tx1"/>
+                </a:solidFill>
+                <a:latin typeface="Times New Roman" panose="02020603050405020304" pitchFamily="18" charset="0"/>
+                <a:ea typeface="MS PGothic" panose="020B0600070205080204" pitchFamily="34" charset="-128"/>
+              </a:defRPr>
+            </a:lvl7pPr>
+            <a:lvl8pPr marL="3429000" indent="-228600" algn="r" eaLnBrk="0" fontAlgn="base" hangingPunct="0">
+              <a:spcBef>
+                <a:spcPct val="0"/>
+              </a:spcBef>
+              <a:spcAft>
+                <a:spcPct val="0"/>
+              </a:spcAft>
+              <a:buChar char="•"/>
+              <a:defRPr sz="2400">
+                <a:solidFill>
+                  <a:schemeClr val="tx1"/>
+                </a:solidFill>
+                <a:latin typeface="Times New Roman" panose="02020603050405020304" pitchFamily="18" charset="0"/>
+                <a:ea typeface="MS PGothic" panose="020B0600070205080204" pitchFamily="34" charset="-128"/>
+              </a:defRPr>
+            </a:lvl8pPr>
+            <a:lvl9pPr marL="3886200" indent="-228600" algn="r" eaLnBrk="0" fontAlgn="base" hangingPunct="0">
+              <a:spcBef>
+                <a:spcPct val="0"/>
+              </a:spcBef>
+              <a:spcAft>
+                <a:spcPct val="0"/>
+              </a:spcAft>
+              <a:buChar char="•"/>
+              <a:defRPr sz="2400">
+                <a:solidFill>
+                  <a:schemeClr val="tx1"/>
+                </a:solidFill>
+                <a:latin typeface="Times New Roman" panose="02020603050405020304" pitchFamily="18" charset="0"/>
+                <a:ea typeface="MS PGothic" panose="020B0600070205080204" pitchFamily="34" charset="-128"/>
+              </a:defRPr>
+            </a:lvl9pPr>
+          </a:lstStyle>
+          <a:p>
+            <a:pPr algn="ctr" eaLnBrk="1" hangingPunct="1">
+              <a:spcBef>
+                <a:spcPct val="50000"/>
+              </a:spcBef>
+              <a:buFontTx/>
+              <a:buNone/>
+            </a:pPr>
+            <a:r>
+              <a:rPr lang="en-GB" sz="1200" dirty="0" err="1">
+                <a:latin typeface="+mn-lt"/>
+              </a:rPr>
+              <a:t>viewEmails</a:t>
+            </a:r>
+            <a:r>
+              <a:rPr lang="en-GB" sz="1200" dirty="0">
+                <a:latin typeface="+mn-lt"/>
+              </a:rPr>
+              <a:t>()</a:t>
+            </a:r>
+          </a:p>
+        </p:txBody>
+      </p:sp>
+      <p:sp>
+        <p:nvSpPr>
+          <p:cNvPr id="46" name="Text Box 25">
+            <a:extLst>
+              <a:ext uri="{FF2B5EF4-FFF2-40B4-BE49-F238E27FC236}">
+                <a16:creationId xmlns:a16="http://schemas.microsoft.com/office/drawing/2014/main" id="{D5AD02F9-A619-4C4B-A7C1-0B23196A33D1}"/>
+              </a:ext>
+            </a:extLst>
+          </p:cNvPr>
+          <p:cNvSpPr txBox="1">
+            <a:spLocks noChangeArrowheads="1"/>
+          </p:cNvSpPr>
+          <p:nvPr/>
+        </p:nvSpPr>
+        <p:spPr bwMode="auto">
+          <a:xfrm>
+            <a:off x="3773245" y="2167379"/>
+            <a:ext cx="1252537" cy="276999"/>
+          </a:xfrm>
+          <a:prstGeom prst="rect">
+            <a:avLst/>
+          </a:prstGeom>
+          <a:noFill/>
+          <a:ln>
+            <a:noFill/>
+          </a:ln>
+          <a:extLst>
+            <a:ext uri="{909E8E84-426E-40dd-AFC4-6F175D3DCCD1}">
+              <a14:hiddenFill xmlns="" xmlns:a14="http://schemas.microsoft.com/office/drawing/2010/main">
+                <a:solidFill>
+                  <a:srgbClr val="FFFFFF"/>
+                </a:solidFill>
+              </a14:hiddenFill>
+            </a:ext>
+            <a:ext uri="{91240B29-F687-4f45-9708-019B960494DF}">
+              <a14:hiddenLine xmlns="" xmlns:a14="http://schemas.microsoft.com/office/drawing/2010/main" w="9525">
+                <a:solidFill>
+                  <a:srgbClr val="000000"/>
+                </a:solidFill>
+                <a:miter lim="800000"/>
+                <a:headEnd/>
+                <a:tailEnd/>
+              </a14:hiddenLine>
+            </a:ext>
+          </a:extLst>
+        </p:spPr>
+        <p:txBody>
+          <a:bodyPr>
+            <a:spAutoFit/>
+          </a:bodyPr>
+          <a:lstStyle>
+            <a:lvl1pPr>
+              <a:defRPr sz="2400">
+                <a:solidFill>
+                  <a:schemeClr val="tx1"/>
+                </a:solidFill>
+                <a:latin typeface="Times New Roman" panose="02020603050405020304" pitchFamily="18" charset="0"/>
+                <a:ea typeface="MS PGothic" panose="020B0600070205080204" pitchFamily="34" charset="-128"/>
+              </a:defRPr>
+            </a:lvl1pPr>
+            <a:lvl2pPr marL="742950" indent="-285750">
+              <a:defRPr sz="2400">
+                <a:solidFill>
+                  <a:schemeClr val="tx1"/>
+                </a:solidFill>
+                <a:latin typeface="Times New Roman" panose="02020603050405020304" pitchFamily="18" charset="0"/>
+                <a:ea typeface="MS PGothic" panose="020B0600070205080204" pitchFamily="34" charset="-128"/>
+              </a:defRPr>
+            </a:lvl2pPr>
+            <a:lvl3pPr marL="1143000" indent="-228600">
+              <a:defRPr sz="2400">
+                <a:solidFill>
+                  <a:schemeClr val="tx1"/>
+                </a:solidFill>
+                <a:latin typeface="Times New Roman" panose="02020603050405020304" pitchFamily="18" charset="0"/>
+                <a:ea typeface="MS PGothic" panose="020B0600070205080204" pitchFamily="34" charset="-128"/>
+              </a:defRPr>
+            </a:lvl3pPr>
+            <a:lvl4pPr marL="1600200" indent="-228600">
+              <a:defRPr sz="2400">
+                <a:solidFill>
+                  <a:schemeClr val="tx1"/>
+                </a:solidFill>
+                <a:latin typeface="Times New Roman" panose="02020603050405020304" pitchFamily="18" charset="0"/>
+                <a:ea typeface="MS PGothic" panose="020B0600070205080204" pitchFamily="34" charset="-128"/>
+              </a:defRPr>
+            </a:lvl4pPr>
+            <a:lvl5pPr marL="2057400" indent="-228600">
+              <a:defRPr sz="2400">
+                <a:solidFill>
+                  <a:schemeClr val="tx1"/>
+                </a:solidFill>
+                <a:latin typeface="Times New Roman" panose="02020603050405020304" pitchFamily="18" charset="0"/>
+                <a:ea typeface="MS PGothic" panose="020B0600070205080204" pitchFamily="34" charset="-128"/>
+              </a:defRPr>
+            </a:lvl5pPr>
+            <a:lvl6pPr marL="2514600" indent="-228600" algn="r" eaLnBrk="0" fontAlgn="base" hangingPunct="0">
+              <a:spcBef>
+                <a:spcPct val="0"/>
+              </a:spcBef>
+              <a:spcAft>
+                <a:spcPct val="0"/>
+              </a:spcAft>
+              <a:buChar char="•"/>
+              <a:defRPr sz="2400">
+                <a:solidFill>
+                  <a:schemeClr val="tx1"/>
+                </a:solidFill>
+                <a:latin typeface="Times New Roman" panose="02020603050405020304" pitchFamily="18" charset="0"/>
+                <a:ea typeface="MS PGothic" panose="020B0600070205080204" pitchFamily="34" charset="-128"/>
+              </a:defRPr>
+            </a:lvl6pPr>
+            <a:lvl7pPr marL="2971800" indent="-228600" algn="r" eaLnBrk="0" fontAlgn="base" hangingPunct="0">
+              <a:spcBef>
+                <a:spcPct val="0"/>
+              </a:spcBef>
+              <a:spcAft>
+                <a:spcPct val="0"/>
+              </a:spcAft>
+              <a:buChar char="•"/>
+              <a:defRPr sz="2400">
+                <a:solidFill>
+                  <a:schemeClr val="tx1"/>
+                </a:solidFill>
+                <a:latin typeface="Times New Roman" panose="02020603050405020304" pitchFamily="18" charset="0"/>
+                <a:ea typeface="MS PGothic" panose="020B0600070205080204" pitchFamily="34" charset="-128"/>
+              </a:defRPr>
+            </a:lvl7pPr>
+            <a:lvl8pPr marL="3429000" indent="-228600" algn="r" eaLnBrk="0" fontAlgn="base" hangingPunct="0">
+              <a:spcBef>
+                <a:spcPct val="0"/>
+              </a:spcBef>
+              <a:spcAft>
+                <a:spcPct val="0"/>
+              </a:spcAft>
+              <a:buChar char="•"/>
+              <a:defRPr sz="2400">
+                <a:solidFill>
+                  <a:schemeClr val="tx1"/>
+                </a:solidFill>
+                <a:latin typeface="Times New Roman" panose="02020603050405020304" pitchFamily="18" charset="0"/>
+                <a:ea typeface="MS PGothic" panose="020B0600070205080204" pitchFamily="34" charset="-128"/>
+              </a:defRPr>
+            </a:lvl8pPr>
+            <a:lvl9pPr marL="3886200" indent="-228600" algn="r" eaLnBrk="0" fontAlgn="base" hangingPunct="0">
+              <a:spcBef>
+                <a:spcPct val="0"/>
+              </a:spcBef>
+              <a:spcAft>
+                <a:spcPct val="0"/>
+              </a:spcAft>
+              <a:buChar char="•"/>
+              <a:defRPr sz="2400">
+                <a:solidFill>
+                  <a:schemeClr val="tx1"/>
+                </a:solidFill>
+                <a:latin typeface="Times New Roman" panose="02020603050405020304" pitchFamily="18" charset="0"/>
+                <a:ea typeface="MS PGothic" panose="020B0600070205080204" pitchFamily="34" charset="-128"/>
+              </a:defRPr>
+            </a:lvl9pPr>
+          </a:lstStyle>
+          <a:p>
+            <a:pPr algn="ctr" eaLnBrk="1" hangingPunct="1">
+              <a:spcBef>
+                <a:spcPct val="50000"/>
+              </a:spcBef>
+              <a:buFontTx/>
+              <a:buNone/>
+            </a:pPr>
+            <a:r>
+              <a:rPr lang="en-GB" sz="1200" dirty="0" err="1">
+                <a:latin typeface="+mn-lt"/>
+              </a:rPr>
+              <a:t>logWebRequest</a:t>
+            </a:r>
+            <a:r>
+              <a:rPr lang="en-GB" sz="1200" dirty="0">
+                <a:latin typeface="+mn-lt"/>
+              </a:rPr>
+              <a:t>()</a:t>
+            </a:r>
+          </a:p>
+        </p:txBody>
+      </p:sp>
+      <p:sp>
+        <p:nvSpPr>
+          <p:cNvPr id="47" name="Text Box 25">
+            <a:extLst>
+              <a:ext uri="{FF2B5EF4-FFF2-40B4-BE49-F238E27FC236}">
+                <a16:creationId xmlns:a16="http://schemas.microsoft.com/office/drawing/2014/main" id="{0C6F729F-64AC-4E40-A515-5795109E136C}"/>
+              </a:ext>
+            </a:extLst>
+          </p:cNvPr>
+          <p:cNvSpPr txBox="1">
+            <a:spLocks noChangeArrowheads="1"/>
+          </p:cNvSpPr>
+          <p:nvPr/>
+        </p:nvSpPr>
+        <p:spPr bwMode="auto">
+          <a:xfrm>
+            <a:off x="5672633" y="2906565"/>
+            <a:ext cx="1543166" cy="276999"/>
+          </a:xfrm>
+          <a:prstGeom prst="rect">
+            <a:avLst/>
+          </a:prstGeom>
+          <a:noFill/>
+          <a:ln>
+            <a:noFill/>
+          </a:ln>
+          <a:extLst>
+            <a:ext uri="{909E8E84-426E-40dd-AFC4-6F175D3DCCD1}">
+              <a14:hiddenFill xmlns="" xmlns:a14="http://schemas.microsoft.com/office/drawing/2010/main">
+                <a:solidFill>
+                  <a:srgbClr val="FFFFFF"/>
+                </a:solidFill>
+              </a14:hiddenFill>
+            </a:ext>
+            <a:ext uri="{91240B29-F687-4f45-9708-019B960494DF}">
+              <a14:hiddenLine xmlns="" xmlns:a14="http://schemas.microsoft.com/office/drawing/2010/main" w="9525">
+                <a:solidFill>
+                  <a:srgbClr val="000000"/>
+                </a:solidFill>
+                <a:miter lim="800000"/>
+                <a:headEnd/>
+                <a:tailEnd/>
+              </a14:hiddenLine>
+            </a:ext>
+          </a:extLst>
+        </p:spPr>
+        <p:txBody>
+          <a:bodyPr wrap="square">
+            <a:spAutoFit/>
+          </a:bodyPr>
+          <a:lstStyle>
+            <a:lvl1pPr>
+              <a:defRPr sz="2400">
+                <a:solidFill>
+                  <a:schemeClr val="tx1"/>
+                </a:solidFill>
+                <a:latin typeface="Times New Roman" panose="02020603050405020304" pitchFamily="18" charset="0"/>
+                <a:ea typeface="MS PGothic" panose="020B0600070205080204" pitchFamily="34" charset="-128"/>
+              </a:defRPr>
+            </a:lvl1pPr>
+            <a:lvl2pPr marL="742950" indent="-285750">
+              <a:defRPr sz="2400">
+                <a:solidFill>
+                  <a:schemeClr val="tx1"/>
+                </a:solidFill>
+                <a:latin typeface="Times New Roman" panose="02020603050405020304" pitchFamily="18" charset="0"/>
+                <a:ea typeface="MS PGothic" panose="020B0600070205080204" pitchFamily="34" charset="-128"/>
+              </a:defRPr>
+            </a:lvl2pPr>
+            <a:lvl3pPr marL="1143000" indent="-228600">
+              <a:defRPr sz="2400">
+                <a:solidFill>
+                  <a:schemeClr val="tx1"/>
+                </a:solidFill>
+                <a:latin typeface="Times New Roman" panose="02020603050405020304" pitchFamily="18" charset="0"/>
+                <a:ea typeface="MS PGothic" panose="020B0600070205080204" pitchFamily="34" charset="-128"/>
+              </a:defRPr>
+            </a:lvl3pPr>
+            <a:lvl4pPr marL="1600200" indent="-228600">
+              <a:defRPr sz="2400">
+                <a:solidFill>
+                  <a:schemeClr val="tx1"/>
+                </a:solidFill>
+                <a:latin typeface="Times New Roman" panose="02020603050405020304" pitchFamily="18" charset="0"/>
+                <a:ea typeface="MS PGothic" panose="020B0600070205080204" pitchFamily="34" charset="-128"/>
+              </a:defRPr>
+            </a:lvl4pPr>
+            <a:lvl5pPr marL="2057400" indent="-228600">
+              <a:defRPr sz="2400">
+                <a:solidFill>
+                  <a:schemeClr val="tx1"/>
+                </a:solidFill>
+                <a:latin typeface="Times New Roman" panose="02020603050405020304" pitchFamily="18" charset="0"/>
+                <a:ea typeface="MS PGothic" panose="020B0600070205080204" pitchFamily="34" charset="-128"/>
+              </a:defRPr>
+            </a:lvl5pPr>
+            <a:lvl6pPr marL="2514600" indent="-228600" algn="r" eaLnBrk="0" fontAlgn="base" hangingPunct="0">
+              <a:spcBef>
+                <a:spcPct val="0"/>
+              </a:spcBef>
+              <a:spcAft>
+                <a:spcPct val="0"/>
+              </a:spcAft>
+              <a:buChar char="•"/>
+              <a:defRPr sz="2400">
+                <a:solidFill>
+                  <a:schemeClr val="tx1"/>
+                </a:solidFill>
+                <a:latin typeface="Times New Roman" panose="02020603050405020304" pitchFamily="18" charset="0"/>
+                <a:ea typeface="MS PGothic" panose="020B0600070205080204" pitchFamily="34" charset="-128"/>
+              </a:defRPr>
+            </a:lvl6pPr>
+            <a:lvl7pPr marL="2971800" indent="-228600" algn="r" eaLnBrk="0" fontAlgn="base" hangingPunct="0">
+              <a:spcBef>
+                <a:spcPct val="0"/>
+              </a:spcBef>
+              <a:spcAft>
+                <a:spcPct val="0"/>
+              </a:spcAft>
+              <a:buChar char="•"/>
+              <a:defRPr sz="2400">
+                <a:solidFill>
+                  <a:schemeClr val="tx1"/>
+                </a:solidFill>
+                <a:latin typeface="Times New Roman" panose="02020603050405020304" pitchFamily="18" charset="0"/>
+                <a:ea typeface="MS PGothic" panose="020B0600070205080204" pitchFamily="34" charset="-128"/>
+              </a:defRPr>
+            </a:lvl7pPr>
+            <a:lvl8pPr marL="3429000" indent="-228600" algn="r" eaLnBrk="0" fontAlgn="base" hangingPunct="0">
+              <a:spcBef>
+                <a:spcPct val="0"/>
+              </a:spcBef>
+              <a:spcAft>
+                <a:spcPct val="0"/>
+              </a:spcAft>
+              <a:buChar char="•"/>
+              <a:defRPr sz="2400">
+                <a:solidFill>
+                  <a:schemeClr val="tx1"/>
+                </a:solidFill>
+                <a:latin typeface="Times New Roman" panose="02020603050405020304" pitchFamily="18" charset="0"/>
+                <a:ea typeface="MS PGothic" panose="020B0600070205080204" pitchFamily="34" charset="-128"/>
+              </a:defRPr>
+            </a:lvl8pPr>
+            <a:lvl9pPr marL="3886200" indent="-228600" algn="r" eaLnBrk="0" fontAlgn="base" hangingPunct="0">
+              <a:spcBef>
+                <a:spcPct val="0"/>
+              </a:spcBef>
+              <a:spcAft>
+                <a:spcPct val="0"/>
+              </a:spcAft>
+              <a:buChar char="•"/>
+              <a:defRPr sz="2400">
+                <a:solidFill>
+                  <a:schemeClr val="tx1"/>
+                </a:solidFill>
+                <a:latin typeface="Times New Roman" panose="02020603050405020304" pitchFamily="18" charset="0"/>
+                <a:ea typeface="MS PGothic" panose="020B0600070205080204" pitchFamily="34" charset="-128"/>
+              </a:defRPr>
+            </a:lvl9pPr>
+          </a:lstStyle>
+          <a:p>
+            <a:pPr algn="ctr" eaLnBrk="1" hangingPunct="1">
+              <a:spcBef>
+                <a:spcPct val="50000"/>
+              </a:spcBef>
+              <a:buFontTx/>
+              <a:buNone/>
+            </a:pPr>
+            <a:r>
+              <a:rPr lang="en-GB" sz="1200" dirty="0" err="1">
+                <a:latin typeface="+mn-lt"/>
+              </a:rPr>
+              <a:t>logDatabaseAccess</a:t>
+            </a:r>
+            <a:r>
+              <a:rPr lang="en-GB" sz="1200" dirty="0">
+                <a:latin typeface="+mn-lt"/>
+              </a:rPr>
+              <a:t>()</a:t>
+            </a:r>
+          </a:p>
+        </p:txBody>
+      </p:sp>
+      <p:sp>
+        <p:nvSpPr>
+          <p:cNvPr id="48" name="Text Box 25">
+            <a:extLst>
+              <a:ext uri="{FF2B5EF4-FFF2-40B4-BE49-F238E27FC236}">
+                <a16:creationId xmlns:a16="http://schemas.microsoft.com/office/drawing/2014/main" id="{DECA6048-DC98-4458-9FD7-0F0322276A64}"/>
+              </a:ext>
+            </a:extLst>
+          </p:cNvPr>
+          <p:cNvSpPr txBox="1">
+            <a:spLocks noChangeArrowheads="1"/>
+          </p:cNvSpPr>
+          <p:nvPr/>
+        </p:nvSpPr>
+        <p:spPr bwMode="auto">
+          <a:xfrm>
+            <a:off x="3463337" y="2830796"/>
+            <a:ext cx="1543166" cy="276999"/>
+          </a:xfrm>
+          <a:prstGeom prst="rect">
+            <a:avLst/>
+          </a:prstGeom>
+          <a:noFill/>
+          <a:ln>
+            <a:noFill/>
+          </a:ln>
+          <a:extLst>
+            <a:ext uri="{909E8E84-426E-40dd-AFC4-6F175D3DCCD1}">
+              <a14:hiddenFill xmlns="" xmlns:a14="http://schemas.microsoft.com/office/drawing/2010/main">
+                <a:solidFill>
+                  <a:srgbClr val="FFFFFF"/>
+                </a:solidFill>
+              </a14:hiddenFill>
+            </a:ext>
+            <a:ext uri="{91240B29-F687-4f45-9708-019B960494DF}">
+              <a14:hiddenLine xmlns="" xmlns:a14="http://schemas.microsoft.com/office/drawing/2010/main" w="9525">
+                <a:solidFill>
+                  <a:srgbClr val="000000"/>
+                </a:solidFill>
+                <a:miter lim="800000"/>
+                <a:headEnd/>
+                <a:tailEnd/>
+              </a14:hiddenLine>
+            </a:ext>
+          </a:extLst>
+        </p:spPr>
+        <p:txBody>
+          <a:bodyPr wrap="square">
+            <a:spAutoFit/>
+          </a:bodyPr>
+          <a:lstStyle>
+            <a:lvl1pPr>
+              <a:defRPr sz="2400">
+                <a:solidFill>
+                  <a:schemeClr val="tx1"/>
+                </a:solidFill>
+                <a:latin typeface="Times New Roman" panose="02020603050405020304" pitchFamily="18" charset="0"/>
+                <a:ea typeface="MS PGothic" panose="020B0600070205080204" pitchFamily="34" charset="-128"/>
+              </a:defRPr>
+            </a:lvl1pPr>
+            <a:lvl2pPr marL="742950" indent="-285750">
+              <a:defRPr sz="2400">
+                <a:solidFill>
+                  <a:schemeClr val="tx1"/>
+                </a:solidFill>
+                <a:latin typeface="Times New Roman" panose="02020603050405020304" pitchFamily="18" charset="0"/>
+                <a:ea typeface="MS PGothic" panose="020B0600070205080204" pitchFamily="34" charset="-128"/>
+              </a:defRPr>
+            </a:lvl2pPr>
+            <a:lvl3pPr marL="1143000" indent="-228600">
+              <a:defRPr sz="2400">
+                <a:solidFill>
+                  <a:schemeClr val="tx1"/>
+                </a:solidFill>
+                <a:latin typeface="Times New Roman" panose="02020603050405020304" pitchFamily="18" charset="0"/>
+                <a:ea typeface="MS PGothic" panose="020B0600070205080204" pitchFamily="34" charset="-128"/>
+              </a:defRPr>
+            </a:lvl3pPr>
+            <a:lvl4pPr marL="1600200" indent="-228600">
+              <a:defRPr sz="2400">
+                <a:solidFill>
+                  <a:schemeClr val="tx1"/>
+                </a:solidFill>
+                <a:latin typeface="Times New Roman" panose="02020603050405020304" pitchFamily="18" charset="0"/>
+                <a:ea typeface="MS PGothic" panose="020B0600070205080204" pitchFamily="34" charset="-128"/>
+              </a:defRPr>
+            </a:lvl4pPr>
+            <a:lvl5pPr marL="2057400" indent="-228600">
+              <a:defRPr sz="2400">
+                <a:solidFill>
+                  <a:schemeClr val="tx1"/>
+                </a:solidFill>
+                <a:latin typeface="Times New Roman" panose="02020603050405020304" pitchFamily="18" charset="0"/>
+                <a:ea typeface="MS PGothic" panose="020B0600070205080204" pitchFamily="34" charset="-128"/>
+              </a:defRPr>
+            </a:lvl5pPr>
+            <a:lvl6pPr marL="2514600" indent="-228600" algn="r" eaLnBrk="0" fontAlgn="base" hangingPunct="0">
+              <a:spcBef>
+                <a:spcPct val="0"/>
+              </a:spcBef>
+              <a:spcAft>
+                <a:spcPct val="0"/>
+              </a:spcAft>
+              <a:buChar char="•"/>
+              <a:defRPr sz="2400">
+                <a:solidFill>
+                  <a:schemeClr val="tx1"/>
+                </a:solidFill>
+                <a:latin typeface="Times New Roman" panose="02020603050405020304" pitchFamily="18" charset="0"/>
+                <a:ea typeface="MS PGothic" panose="020B0600070205080204" pitchFamily="34" charset="-128"/>
+              </a:defRPr>
+            </a:lvl6pPr>
+            <a:lvl7pPr marL="2971800" indent="-228600" algn="r" eaLnBrk="0" fontAlgn="base" hangingPunct="0">
+              <a:spcBef>
+                <a:spcPct val="0"/>
+              </a:spcBef>
+              <a:spcAft>
+                <a:spcPct val="0"/>
+              </a:spcAft>
+              <a:buChar char="•"/>
+              <a:defRPr sz="2400">
+                <a:solidFill>
+                  <a:schemeClr val="tx1"/>
+                </a:solidFill>
+                <a:latin typeface="Times New Roman" panose="02020603050405020304" pitchFamily="18" charset="0"/>
+                <a:ea typeface="MS PGothic" panose="020B0600070205080204" pitchFamily="34" charset="-128"/>
+              </a:defRPr>
+            </a:lvl7pPr>
+            <a:lvl8pPr marL="3429000" indent="-228600" algn="r" eaLnBrk="0" fontAlgn="base" hangingPunct="0">
+              <a:spcBef>
+                <a:spcPct val="0"/>
+              </a:spcBef>
+              <a:spcAft>
+                <a:spcPct val="0"/>
+              </a:spcAft>
+              <a:buChar char="•"/>
+              <a:defRPr sz="2400">
+                <a:solidFill>
+                  <a:schemeClr val="tx1"/>
+                </a:solidFill>
+                <a:latin typeface="Times New Roman" panose="02020603050405020304" pitchFamily="18" charset="0"/>
+                <a:ea typeface="MS PGothic" panose="020B0600070205080204" pitchFamily="34" charset="-128"/>
+              </a:defRPr>
+            </a:lvl8pPr>
+            <a:lvl9pPr marL="3886200" indent="-228600" algn="r" eaLnBrk="0" fontAlgn="base" hangingPunct="0">
+              <a:spcBef>
+                <a:spcPct val="0"/>
+              </a:spcBef>
+              <a:spcAft>
+                <a:spcPct val="0"/>
+              </a:spcAft>
+              <a:buChar char="•"/>
+              <a:defRPr sz="2400">
+                <a:solidFill>
+                  <a:schemeClr val="tx1"/>
+                </a:solidFill>
+                <a:latin typeface="Times New Roman" panose="02020603050405020304" pitchFamily="18" charset="0"/>
+                <a:ea typeface="MS PGothic" panose="020B0600070205080204" pitchFamily="34" charset="-128"/>
+              </a:defRPr>
+            </a:lvl9pPr>
+          </a:lstStyle>
+          <a:p>
+            <a:pPr algn="ctr" eaLnBrk="1" hangingPunct="1">
+              <a:spcBef>
+                <a:spcPct val="50000"/>
+              </a:spcBef>
+              <a:buFontTx/>
+              <a:buNone/>
+            </a:pPr>
+            <a:r>
+              <a:rPr lang="en-GB" sz="1200" dirty="0" err="1">
+                <a:latin typeface="+mn-lt"/>
+              </a:rPr>
+              <a:t>selectEmails</a:t>
+            </a:r>
+            <a:r>
+              <a:rPr lang="en-GB" sz="1200" dirty="0">
+                <a:latin typeface="+mn-lt"/>
+              </a:rPr>
+              <a:t>()</a:t>
+            </a:r>
+          </a:p>
+        </p:txBody>
+      </p:sp>
+      <p:sp>
+        <p:nvSpPr>
+          <p:cNvPr id="49" name="Text Box 25">
+            <a:extLst>
+              <a:ext uri="{FF2B5EF4-FFF2-40B4-BE49-F238E27FC236}">
+                <a16:creationId xmlns:a16="http://schemas.microsoft.com/office/drawing/2014/main" id="{DA5EDEE3-2476-446A-A849-1FDF8389CBFC}"/>
+              </a:ext>
+            </a:extLst>
+          </p:cNvPr>
+          <p:cNvSpPr txBox="1">
+            <a:spLocks noChangeArrowheads="1"/>
+          </p:cNvSpPr>
+          <p:nvPr/>
+        </p:nvSpPr>
+        <p:spPr bwMode="auto">
+          <a:xfrm>
+            <a:off x="3525500" y="3843423"/>
+            <a:ext cx="1543166" cy="276999"/>
+          </a:xfrm>
+          <a:prstGeom prst="rect">
+            <a:avLst/>
+          </a:prstGeom>
+          <a:noFill/>
+          <a:ln>
+            <a:noFill/>
+          </a:ln>
+          <a:extLst>
+            <a:ext uri="{909E8E84-426E-40dd-AFC4-6F175D3DCCD1}">
+              <a14:hiddenFill xmlns="" xmlns:a14="http://schemas.microsoft.com/office/drawing/2010/main">
+                <a:solidFill>
+                  <a:srgbClr val="FFFFFF"/>
+                </a:solidFill>
+              </a14:hiddenFill>
+            </a:ext>
+            <a:ext uri="{91240B29-F687-4f45-9708-019B960494DF}">
+              <a14:hiddenLine xmlns="" xmlns:a14="http://schemas.microsoft.com/office/drawing/2010/main" w="9525">
+                <a:solidFill>
+                  <a:srgbClr val="000000"/>
+                </a:solidFill>
+                <a:miter lim="800000"/>
+                <a:headEnd/>
+                <a:tailEnd/>
+              </a14:hiddenLine>
+            </a:ext>
+          </a:extLst>
+        </p:spPr>
+        <p:txBody>
+          <a:bodyPr wrap="square">
+            <a:spAutoFit/>
+          </a:bodyPr>
+          <a:lstStyle>
+            <a:lvl1pPr>
+              <a:defRPr sz="2400">
+                <a:solidFill>
+                  <a:schemeClr val="tx1"/>
+                </a:solidFill>
+                <a:latin typeface="Times New Roman" panose="02020603050405020304" pitchFamily="18" charset="0"/>
+                <a:ea typeface="MS PGothic" panose="020B0600070205080204" pitchFamily="34" charset="-128"/>
+              </a:defRPr>
+            </a:lvl1pPr>
+            <a:lvl2pPr marL="742950" indent="-285750">
+              <a:defRPr sz="2400">
+                <a:solidFill>
+                  <a:schemeClr val="tx1"/>
+                </a:solidFill>
+                <a:latin typeface="Times New Roman" panose="02020603050405020304" pitchFamily="18" charset="0"/>
+                <a:ea typeface="MS PGothic" panose="020B0600070205080204" pitchFamily="34" charset="-128"/>
+              </a:defRPr>
+            </a:lvl2pPr>
+            <a:lvl3pPr marL="1143000" indent="-228600">
+              <a:defRPr sz="2400">
+                <a:solidFill>
+                  <a:schemeClr val="tx1"/>
+                </a:solidFill>
+                <a:latin typeface="Times New Roman" panose="02020603050405020304" pitchFamily="18" charset="0"/>
+                <a:ea typeface="MS PGothic" panose="020B0600070205080204" pitchFamily="34" charset="-128"/>
+              </a:defRPr>
+            </a:lvl3pPr>
+            <a:lvl4pPr marL="1600200" indent="-228600">
+              <a:defRPr sz="2400">
+                <a:solidFill>
+                  <a:schemeClr val="tx1"/>
+                </a:solidFill>
+                <a:latin typeface="Times New Roman" panose="02020603050405020304" pitchFamily="18" charset="0"/>
+                <a:ea typeface="MS PGothic" panose="020B0600070205080204" pitchFamily="34" charset="-128"/>
+              </a:defRPr>
+            </a:lvl4pPr>
+            <a:lvl5pPr marL="2057400" indent="-228600">
+              <a:defRPr sz="2400">
+                <a:solidFill>
+                  <a:schemeClr val="tx1"/>
+                </a:solidFill>
+                <a:latin typeface="Times New Roman" panose="02020603050405020304" pitchFamily="18" charset="0"/>
+                <a:ea typeface="MS PGothic" panose="020B0600070205080204" pitchFamily="34" charset="-128"/>
+              </a:defRPr>
+            </a:lvl5pPr>
+            <a:lvl6pPr marL="2514600" indent="-228600" algn="r" eaLnBrk="0" fontAlgn="base" hangingPunct="0">
+              <a:spcBef>
+                <a:spcPct val="0"/>
+              </a:spcBef>
+              <a:spcAft>
+                <a:spcPct val="0"/>
+              </a:spcAft>
+              <a:buChar char="•"/>
+              <a:defRPr sz="2400">
+                <a:solidFill>
+                  <a:schemeClr val="tx1"/>
+                </a:solidFill>
+                <a:latin typeface="Times New Roman" panose="02020603050405020304" pitchFamily="18" charset="0"/>
+                <a:ea typeface="MS PGothic" panose="020B0600070205080204" pitchFamily="34" charset="-128"/>
+              </a:defRPr>
+            </a:lvl6pPr>
+            <a:lvl7pPr marL="2971800" indent="-228600" algn="r" eaLnBrk="0" fontAlgn="base" hangingPunct="0">
+              <a:spcBef>
+                <a:spcPct val="0"/>
+              </a:spcBef>
+              <a:spcAft>
+                <a:spcPct val="0"/>
+              </a:spcAft>
+              <a:buChar char="•"/>
+              <a:defRPr sz="2400">
+                <a:solidFill>
+                  <a:schemeClr val="tx1"/>
+                </a:solidFill>
+                <a:latin typeface="Times New Roman" panose="02020603050405020304" pitchFamily="18" charset="0"/>
+                <a:ea typeface="MS PGothic" panose="020B0600070205080204" pitchFamily="34" charset="-128"/>
+              </a:defRPr>
+            </a:lvl7pPr>
+            <a:lvl8pPr marL="3429000" indent="-228600" algn="r" eaLnBrk="0" fontAlgn="base" hangingPunct="0">
+              <a:spcBef>
+                <a:spcPct val="0"/>
+              </a:spcBef>
+              <a:spcAft>
+                <a:spcPct val="0"/>
+              </a:spcAft>
+              <a:buChar char="•"/>
+              <a:defRPr sz="2400">
+                <a:solidFill>
+                  <a:schemeClr val="tx1"/>
+                </a:solidFill>
+                <a:latin typeface="Times New Roman" panose="02020603050405020304" pitchFamily="18" charset="0"/>
+                <a:ea typeface="MS PGothic" panose="020B0600070205080204" pitchFamily="34" charset="-128"/>
+              </a:defRPr>
+            </a:lvl8pPr>
+            <a:lvl9pPr marL="3886200" indent="-228600" algn="r" eaLnBrk="0" fontAlgn="base" hangingPunct="0">
+              <a:spcBef>
+                <a:spcPct val="0"/>
+              </a:spcBef>
+              <a:spcAft>
+                <a:spcPct val="0"/>
+              </a:spcAft>
+              <a:buChar char="•"/>
+              <a:defRPr sz="2400">
+                <a:solidFill>
+                  <a:schemeClr val="tx1"/>
+                </a:solidFill>
+                <a:latin typeface="Times New Roman" panose="02020603050405020304" pitchFamily="18" charset="0"/>
+                <a:ea typeface="MS PGothic" panose="020B0600070205080204" pitchFamily="34" charset="-128"/>
+              </a:defRPr>
+            </a:lvl9pPr>
+          </a:lstStyle>
+          <a:p>
+            <a:pPr algn="ctr" eaLnBrk="1" hangingPunct="1">
+              <a:spcBef>
+                <a:spcPct val="50000"/>
+              </a:spcBef>
+              <a:buFontTx/>
+              <a:buNone/>
+            </a:pPr>
+            <a:r>
+              <a:rPr lang="en-GB" sz="1200" dirty="0" err="1">
+                <a:latin typeface="+mn-lt"/>
+              </a:rPr>
+              <a:t>emailList</a:t>
+            </a:r>
+            <a:endParaRPr lang="en-GB" sz="1200" dirty="0">
+              <a:latin typeface="+mn-lt"/>
+            </a:endParaRPr>
+          </a:p>
+        </p:txBody>
+      </p:sp>
+      <p:sp>
+        <p:nvSpPr>
+          <p:cNvPr id="50" name="Text Box 25">
+            <a:extLst>
+              <a:ext uri="{FF2B5EF4-FFF2-40B4-BE49-F238E27FC236}">
+                <a16:creationId xmlns:a16="http://schemas.microsoft.com/office/drawing/2014/main" id="{89B84F98-AEF2-40F0-A23A-11BA519A79CC}"/>
+              </a:ext>
+            </a:extLst>
+          </p:cNvPr>
+          <p:cNvSpPr txBox="1">
+            <a:spLocks noChangeArrowheads="1"/>
+          </p:cNvSpPr>
+          <p:nvPr/>
+        </p:nvSpPr>
+        <p:spPr bwMode="auto">
+          <a:xfrm>
+            <a:off x="1617669" y="4269014"/>
+            <a:ext cx="1543166" cy="276999"/>
+          </a:xfrm>
+          <a:prstGeom prst="rect">
+            <a:avLst/>
+          </a:prstGeom>
+          <a:noFill/>
+          <a:ln>
+            <a:noFill/>
+          </a:ln>
+          <a:extLst>
+            <a:ext uri="{909E8E84-426E-40dd-AFC4-6F175D3DCCD1}">
+              <a14:hiddenFill xmlns="" xmlns:a14="http://schemas.microsoft.com/office/drawing/2010/main">
+                <a:solidFill>
+                  <a:srgbClr val="FFFFFF"/>
+                </a:solidFill>
+              </a14:hiddenFill>
+            </a:ext>
+            <a:ext uri="{91240B29-F687-4f45-9708-019B960494DF}">
+              <a14:hiddenLine xmlns="" xmlns:a14="http://schemas.microsoft.com/office/drawing/2010/main" w="9525">
+                <a:solidFill>
+                  <a:srgbClr val="000000"/>
+                </a:solidFill>
+                <a:miter lim="800000"/>
+                <a:headEnd/>
+                <a:tailEnd/>
+              </a14:hiddenLine>
+            </a:ext>
+          </a:extLst>
+        </p:spPr>
+        <p:txBody>
+          <a:bodyPr wrap="square">
+            <a:spAutoFit/>
+          </a:bodyPr>
+          <a:lstStyle>
+            <a:lvl1pPr>
+              <a:defRPr sz="2400">
+                <a:solidFill>
+                  <a:schemeClr val="tx1"/>
+                </a:solidFill>
+                <a:latin typeface="Times New Roman" panose="02020603050405020304" pitchFamily="18" charset="0"/>
+                <a:ea typeface="MS PGothic" panose="020B0600070205080204" pitchFamily="34" charset="-128"/>
+              </a:defRPr>
+            </a:lvl1pPr>
+            <a:lvl2pPr marL="742950" indent="-285750">
+              <a:defRPr sz="2400">
+                <a:solidFill>
+                  <a:schemeClr val="tx1"/>
+                </a:solidFill>
+                <a:latin typeface="Times New Roman" panose="02020603050405020304" pitchFamily="18" charset="0"/>
+                <a:ea typeface="MS PGothic" panose="020B0600070205080204" pitchFamily="34" charset="-128"/>
+              </a:defRPr>
+            </a:lvl2pPr>
+            <a:lvl3pPr marL="1143000" indent="-228600">
+              <a:defRPr sz="2400">
+                <a:solidFill>
+                  <a:schemeClr val="tx1"/>
+                </a:solidFill>
+                <a:latin typeface="Times New Roman" panose="02020603050405020304" pitchFamily="18" charset="0"/>
+                <a:ea typeface="MS PGothic" panose="020B0600070205080204" pitchFamily="34" charset="-128"/>
+              </a:defRPr>
+            </a:lvl3pPr>
+            <a:lvl4pPr marL="1600200" indent="-228600">
+              <a:defRPr sz="2400">
+                <a:solidFill>
+                  <a:schemeClr val="tx1"/>
+                </a:solidFill>
+                <a:latin typeface="Times New Roman" panose="02020603050405020304" pitchFamily="18" charset="0"/>
+                <a:ea typeface="MS PGothic" panose="020B0600070205080204" pitchFamily="34" charset="-128"/>
+              </a:defRPr>
+            </a:lvl4pPr>
+            <a:lvl5pPr marL="2057400" indent="-228600">
+              <a:defRPr sz="2400">
+                <a:solidFill>
+                  <a:schemeClr val="tx1"/>
+                </a:solidFill>
+                <a:latin typeface="Times New Roman" panose="02020603050405020304" pitchFamily="18" charset="0"/>
+                <a:ea typeface="MS PGothic" panose="020B0600070205080204" pitchFamily="34" charset="-128"/>
+              </a:defRPr>
+            </a:lvl5pPr>
+            <a:lvl6pPr marL="2514600" indent="-228600" algn="r" eaLnBrk="0" fontAlgn="base" hangingPunct="0">
+              <a:spcBef>
+                <a:spcPct val="0"/>
+              </a:spcBef>
+              <a:spcAft>
+                <a:spcPct val="0"/>
+              </a:spcAft>
+              <a:buChar char="•"/>
+              <a:defRPr sz="2400">
+                <a:solidFill>
+                  <a:schemeClr val="tx1"/>
+                </a:solidFill>
+                <a:latin typeface="Times New Roman" panose="02020603050405020304" pitchFamily="18" charset="0"/>
+                <a:ea typeface="MS PGothic" panose="020B0600070205080204" pitchFamily="34" charset="-128"/>
+              </a:defRPr>
+            </a:lvl6pPr>
+            <a:lvl7pPr marL="2971800" indent="-228600" algn="r" eaLnBrk="0" fontAlgn="base" hangingPunct="0">
+              <a:spcBef>
+                <a:spcPct val="0"/>
+              </a:spcBef>
+              <a:spcAft>
+                <a:spcPct val="0"/>
+              </a:spcAft>
+              <a:buChar char="•"/>
+              <a:defRPr sz="2400">
+                <a:solidFill>
+                  <a:schemeClr val="tx1"/>
+                </a:solidFill>
+                <a:latin typeface="Times New Roman" panose="02020603050405020304" pitchFamily="18" charset="0"/>
+                <a:ea typeface="MS PGothic" panose="020B0600070205080204" pitchFamily="34" charset="-128"/>
+              </a:defRPr>
+            </a:lvl7pPr>
+            <a:lvl8pPr marL="3429000" indent="-228600" algn="r" eaLnBrk="0" fontAlgn="base" hangingPunct="0">
+              <a:spcBef>
+                <a:spcPct val="0"/>
+              </a:spcBef>
+              <a:spcAft>
+                <a:spcPct val="0"/>
+              </a:spcAft>
+              <a:buChar char="•"/>
+              <a:defRPr sz="2400">
+                <a:solidFill>
+                  <a:schemeClr val="tx1"/>
+                </a:solidFill>
+                <a:latin typeface="Times New Roman" panose="02020603050405020304" pitchFamily="18" charset="0"/>
+                <a:ea typeface="MS PGothic" panose="020B0600070205080204" pitchFamily="34" charset="-128"/>
+              </a:defRPr>
+            </a:lvl8pPr>
+            <a:lvl9pPr marL="3886200" indent="-228600" algn="r" eaLnBrk="0" fontAlgn="base" hangingPunct="0">
+              <a:spcBef>
+                <a:spcPct val="0"/>
+              </a:spcBef>
+              <a:spcAft>
+                <a:spcPct val="0"/>
+              </a:spcAft>
+              <a:buChar char="•"/>
+              <a:defRPr sz="2400">
+                <a:solidFill>
+                  <a:schemeClr val="tx1"/>
+                </a:solidFill>
+                <a:latin typeface="Times New Roman" panose="02020603050405020304" pitchFamily="18" charset="0"/>
+                <a:ea typeface="MS PGothic" panose="020B0600070205080204" pitchFamily="34" charset="-128"/>
+              </a:defRPr>
+            </a:lvl9pPr>
+          </a:lstStyle>
+          <a:p>
+            <a:pPr algn="ctr" eaLnBrk="1" hangingPunct="1">
+              <a:spcBef>
+                <a:spcPct val="50000"/>
+              </a:spcBef>
+              <a:buFontTx/>
+              <a:buNone/>
+            </a:pPr>
+            <a:r>
+              <a:rPr lang="en-GB" sz="1200" dirty="0" err="1">
+                <a:latin typeface="+mn-lt"/>
+              </a:rPr>
+              <a:t>emailListPage</a:t>
+            </a:r>
+            <a:endParaRPr lang="en-GB" sz="1200" dirty="0">
+              <a:latin typeface="+mn-lt"/>
+            </a:endParaRPr>
+          </a:p>
+        </p:txBody>
+      </p:sp>
+    </p:spTree>
+    <p:extLst>
+      <p:ext uri="{BB962C8B-B14F-4D97-AF65-F5344CB8AC3E}">
+        <p14:creationId xmlns:p14="http://schemas.microsoft.com/office/powerpoint/2010/main" val="3861638248"/>
+      </p:ext>
+    </p:extLst>
+  </p:cSld>
+  <p:clrMapOvr>
+    <a:masterClrMapping/>
+  </p:clrMapOvr>
+</p:sld>
+</file>
+
+<file path=ppt/slides/slide11.xml><?xml version="1.0" encoding="utf-8"?>
+<p:sld xmlns:a="http://schemas.openxmlformats.org/drawingml/2006/main" xmlns:r="http://schemas.openxmlformats.org/officeDocument/2006/relationships" xmlns:p="http://schemas.openxmlformats.org/presentationml/2006/main">
+  <p:cSld>
+    <p:spTree>
+      <p:nvGrpSpPr>
+        <p:cNvPr id="1" name=""/>
+        <p:cNvGrpSpPr/>
+        <p:nvPr/>
+      </p:nvGrpSpPr>
+      <p:grpSpPr>
+        <a:xfrm>
+          <a:off x="0" y="0"/>
+          <a:ext cx="0" cy="0"/>
+          <a:chOff x="0" y="0"/>
+          <a:chExt cx="0" cy="0"/>
+        </a:xfrm>
+      </p:grpSpPr>
+      <p:sp>
+        <p:nvSpPr>
+          <p:cNvPr id="4" name="Rectangle: Rounded Corners 3">
+            <a:extLst>
+              <a:ext uri="{FF2B5EF4-FFF2-40B4-BE49-F238E27FC236}">
+                <a16:creationId xmlns:a16="http://schemas.microsoft.com/office/drawing/2014/main" id="{158EF7FA-4100-48F4-8BA8-FA797D67CCB4}"/>
+              </a:ext>
+            </a:extLst>
+          </p:cNvPr>
+          <p:cNvSpPr/>
+          <p:nvPr/>
+        </p:nvSpPr>
+        <p:spPr>
+          <a:xfrm>
+            <a:off x="1666051" y="2991950"/>
+            <a:ext cx="1211597" cy="487532"/>
+          </a:xfrm>
+          <a:prstGeom prst="roundRect">
+            <a:avLst>
+              <a:gd name="adj" fmla="val 45098"/>
+            </a:avLst>
+          </a:prstGeom>
+          <a:solidFill>
+            <a:schemeClr val="bg1"/>
+          </a:solidFill>
+          <a:ln w="19050">
+            <a:solidFill>
+              <a:schemeClr val="tx1"/>
+            </a:solidFill>
+          </a:ln>
+        </p:spPr>
+        <p:style>
+          <a:lnRef idx="2">
+            <a:schemeClr val="accent1">
+              <a:shade val="50000"/>
+            </a:schemeClr>
+          </a:lnRef>
+          <a:fillRef idx="1">
+            <a:schemeClr val="accent1"/>
+          </a:fillRef>
+          <a:effectRef idx="0">
+            <a:schemeClr val="accent1"/>
+          </a:effectRef>
+          <a:fontRef idx="minor">
+            <a:schemeClr val="lt1"/>
+          </a:fontRef>
+        </p:style>
+        <p:txBody>
+          <a:bodyPr rtlCol="0" anchor="ctr"/>
+          <a:lstStyle/>
+          <a:p>
+            <a:pPr algn="ctr"/>
+            <a:r>
+              <a:rPr lang="en-US" sz="1400" dirty="0">
+                <a:solidFill>
+                  <a:schemeClr val="tx1"/>
+                </a:solidFill>
+              </a:rPr>
+              <a:t>created</a:t>
+            </a:r>
+          </a:p>
+        </p:txBody>
+      </p:sp>
+      <p:sp>
+        <p:nvSpPr>
+          <p:cNvPr id="5" name="Rectangle: Rounded Corners 4">
+            <a:extLst>
+              <a:ext uri="{FF2B5EF4-FFF2-40B4-BE49-F238E27FC236}">
+                <a16:creationId xmlns:a16="http://schemas.microsoft.com/office/drawing/2014/main" id="{2C701584-7A70-4977-A8C1-CE75C2F9D8B3}"/>
+              </a:ext>
+            </a:extLst>
+          </p:cNvPr>
+          <p:cNvSpPr/>
+          <p:nvPr/>
+        </p:nvSpPr>
+        <p:spPr>
+          <a:xfrm>
+            <a:off x="3517263" y="2991950"/>
+            <a:ext cx="1211597" cy="487532"/>
+          </a:xfrm>
+          <a:prstGeom prst="roundRect">
+            <a:avLst>
+              <a:gd name="adj" fmla="val 45098"/>
+            </a:avLst>
+          </a:prstGeom>
+          <a:solidFill>
+            <a:schemeClr val="bg1"/>
+          </a:solidFill>
+          <a:ln w="19050">
+            <a:solidFill>
+              <a:schemeClr val="tx1"/>
+            </a:solidFill>
+          </a:ln>
+        </p:spPr>
+        <p:style>
+          <a:lnRef idx="2">
+            <a:schemeClr val="accent1">
+              <a:shade val="50000"/>
+            </a:schemeClr>
+          </a:lnRef>
+          <a:fillRef idx="1">
+            <a:schemeClr val="accent1"/>
+          </a:fillRef>
+          <a:effectRef idx="0">
+            <a:schemeClr val="accent1"/>
+          </a:effectRef>
+          <a:fontRef idx="minor">
+            <a:schemeClr val="lt1"/>
+          </a:fontRef>
+        </p:style>
+        <p:txBody>
+          <a:bodyPr rtlCol="0" anchor="ctr"/>
+          <a:lstStyle/>
+          <a:p>
+            <a:pPr algn="ctr"/>
+            <a:r>
+              <a:rPr lang="en-US" sz="1400" dirty="0">
+                <a:solidFill>
+                  <a:schemeClr val="tx1"/>
+                </a:solidFill>
+              </a:rPr>
+              <a:t>confirmed</a:t>
+            </a:r>
+          </a:p>
+        </p:txBody>
+      </p:sp>
+      <p:sp>
+        <p:nvSpPr>
+          <p:cNvPr id="6" name="Rectangle: Rounded Corners 5">
+            <a:extLst>
+              <a:ext uri="{FF2B5EF4-FFF2-40B4-BE49-F238E27FC236}">
+                <a16:creationId xmlns:a16="http://schemas.microsoft.com/office/drawing/2014/main" id="{C9C2E517-6DF8-4739-BD03-6E36EFCEECCD}"/>
+              </a:ext>
+            </a:extLst>
+          </p:cNvPr>
+          <p:cNvSpPr/>
+          <p:nvPr/>
+        </p:nvSpPr>
+        <p:spPr>
+          <a:xfrm>
+            <a:off x="5368475" y="2991950"/>
+            <a:ext cx="1211597" cy="487532"/>
+          </a:xfrm>
+          <a:prstGeom prst="roundRect">
+            <a:avLst>
+              <a:gd name="adj" fmla="val 45098"/>
+            </a:avLst>
+          </a:prstGeom>
+          <a:solidFill>
+            <a:schemeClr val="bg1"/>
+          </a:solidFill>
+          <a:ln w="19050">
+            <a:solidFill>
+              <a:schemeClr val="tx1"/>
+            </a:solidFill>
+          </a:ln>
+        </p:spPr>
+        <p:style>
+          <a:lnRef idx="2">
+            <a:schemeClr val="accent1">
+              <a:shade val="50000"/>
+            </a:schemeClr>
+          </a:lnRef>
+          <a:fillRef idx="1">
+            <a:schemeClr val="accent1"/>
+          </a:fillRef>
+          <a:effectRef idx="0">
+            <a:schemeClr val="accent1"/>
+          </a:effectRef>
+          <a:fontRef idx="minor">
+            <a:schemeClr val="lt1"/>
+          </a:fontRef>
+        </p:style>
+        <p:txBody>
+          <a:bodyPr rtlCol="0" anchor="ctr"/>
+          <a:lstStyle/>
+          <a:p>
+            <a:pPr algn="ctr"/>
+            <a:r>
+              <a:rPr lang="en-US" sz="1400" dirty="0">
+                <a:solidFill>
+                  <a:schemeClr val="tx1"/>
+                </a:solidFill>
+              </a:rPr>
+              <a:t>paid</a:t>
+            </a:r>
+          </a:p>
+        </p:txBody>
+      </p:sp>
+      <p:sp>
+        <p:nvSpPr>
+          <p:cNvPr id="7" name="Rectangle: Rounded Corners 6">
+            <a:extLst>
+              <a:ext uri="{FF2B5EF4-FFF2-40B4-BE49-F238E27FC236}">
+                <a16:creationId xmlns:a16="http://schemas.microsoft.com/office/drawing/2014/main" id="{9D343ECC-A002-4228-ABC0-277FDA59B2FD}"/>
+              </a:ext>
+            </a:extLst>
+          </p:cNvPr>
+          <p:cNvSpPr/>
+          <p:nvPr/>
+        </p:nvSpPr>
+        <p:spPr>
+          <a:xfrm>
+            <a:off x="7219687" y="2991950"/>
+            <a:ext cx="1211597" cy="487532"/>
+          </a:xfrm>
+          <a:prstGeom prst="roundRect">
+            <a:avLst>
+              <a:gd name="adj" fmla="val 45098"/>
+            </a:avLst>
+          </a:prstGeom>
+          <a:solidFill>
+            <a:schemeClr val="bg1"/>
+          </a:solidFill>
+          <a:ln w="19050">
+            <a:solidFill>
+              <a:schemeClr val="tx1"/>
+            </a:solidFill>
+          </a:ln>
+        </p:spPr>
+        <p:style>
+          <a:lnRef idx="2">
+            <a:schemeClr val="accent1">
+              <a:shade val="50000"/>
+            </a:schemeClr>
+          </a:lnRef>
+          <a:fillRef idx="1">
+            <a:schemeClr val="accent1"/>
+          </a:fillRef>
+          <a:effectRef idx="0">
+            <a:schemeClr val="accent1"/>
+          </a:effectRef>
+          <a:fontRef idx="minor">
+            <a:schemeClr val="lt1"/>
+          </a:fontRef>
+        </p:style>
+        <p:txBody>
+          <a:bodyPr rtlCol="0" anchor="ctr"/>
+          <a:lstStyle/>
+          <a:p>
+            <a:pPr algn="ctr"/>
+            <a:r>
+              <a:rPr lang="en-US" sz="1400" dirty="0">
+                <a:solidFill>
+                  <a:schemeClr val="tx1"/>
+                </a:solidFill>
+              </a:rPr>
+              <a:t>dispatched</a:t>
+            </a:r>
+          </a:p>
+        </p:txBody>
+      </p:sp>
+      <p:sp>
+        <p:nvSpPr>
+          <p:cNvPr id="8" name="Rectangle: Rounded Corners 7">
+            <a:extLst>
+              <a:ext uri="{FF2B5EF4-FFF2-40B4-BE49-F238E27FC236}">
+                <a16:creationId xmlns:a16="http://schemas.microsoft.com/office/drawing/2014/main" id="{CF5E709A-CF4A-4FD7-A728-332139C9BE49}"/>
+              </a:ext>
+            </a:extLst>
+          </p:cNvPr>
+          <p:cNvSpPr/>
+          <p:nvPr/>
+        </p:nvSpPr>
+        <p:spPr>
+          <a:xfrm>
+            <a:off x="7215205" y="4300797"/>
+            <a:ext cx="1211597" cy="487532"/>
+          </a:xfrm>
+          <a:prstGeom prst="roundRect">
+            <a:avLst>
+              <a:gd name="adj" fmla="val 45098"/>
+            </a:avLst>
+          </a:prstGeom>
+          <a:solidFill>
+            <a:schemeClr val="bg1"/>
+          </a:solidFill>
+          <a:ln w="19050">
+            <a:solidFill>
+              <a:schemeClr val="tx1"/>
+            </a:solidFill>
+          </a:ln>
+        </p:spPr>
+        <p:style>
+          <a:lnRef idx="2">
+            <a:schemeClr val="accent1">
+              <a:shade val="50000"/>
+            </a:schemeClr>
+          </a:lnRef>
+          <a:fillRef idx="1">
+            <a:schemeClr val="accent1"/>
+          </a:fillRef>
+          <a:effectRef idx="0">
+            <a:schemeClr val="accent1"/>
+          </a:effectRef>
+          <a:fontRef idx="minor">
+            <a:schemeClr val="lt1"/>
+          </a:fontRef>
+        </p:style>
+        <p:txBody>
+          <a:bodyPr rtlCol="0" anchor="ctr"/>
+          <a:lstStyle/>
+          <a:p>
+            <a:pPr algn="ctr"/>
+            <a:r>
+              <a:rPr lang="en-US" sz="1400" dirty="0">
+                <a:solidFill>
+                  <a:schemeClr val="tx1"/>
+                </a:solidFill>
+              </a:rPr>
+              <a:t>lost</a:t>
+            </a:r>
+          </a:p>
+        </p:txBody>
+      </p:sp>
+      <p:sp>
+        <p:nvSpPr>
+          <p:cNvPr id="9" name="Rectangle: Rounded Corners 8">
+            <a:extLst>
+              <a:ext uri="{FF2B5EF4-FFF2-40B4-BE49-F238E27FC236}">
+                <a16:creationId xmlns:a16="http://schemas.microsoft.com/office/drawing/2014/main" id="{B7FBAB08-1202-4130-886F-7D2783443893}"/>
+              </a:ext>
+            </a:extLst>
+          </p:cNvPr>
+          <p:cNvSpPr/>
+          <p:nvPr/>
+        </p:nvSpPr>
+        <p:spPr>
+          <a:xfrm>
+            <a:off x="5363992" y="4300797"/>
+            <a:ext cx="1211597" cy="487532"/>
+          </a:xfrm>
+          <a:prstGeom prst="roundRect">
+            <a:avLst>
+              <a:gd name="adj" fmla="val 45098"/>
+            </a:avLst>
+          </a:prstGeom>
+          <a:solidFill>
+            <a:schemeClr val="bg1"/>
+          </a:solidFill>
+          <a:ln w="19050">
+            <a:solidFill>
+              <a:schemeClr val="tx1"/>
+            </a:solidFill>
+          </a:ln>
+        </p:spPr>
+        <p:style>
+          <a:lnRef idx="2">
+            <a:schemeClr val="accent1">
+              <a:shade val="50000"/>
+            </a:schemeClr>
+          </a:lnRef>
+          <a:fillRef idx="1">
+            <a:schemeClr val="accent1"/>
+          </a:fillRef>
+          <a:effectRef idx="0">
+            <a:schemeClr val="accent1"/>
+          </a:effectRef>
+          <a:fontRef idx="minor">
+            <a:schemeClr val="lt1"/>
+          </a:fontRef>
+        </p:style>
+        <p:txBody>
+          <a:bodyPr rtlCol="0" anchor="ctr"/>
+          <a:lstStyle/>
+          <a:p>
+            <a:pPr algn="ctr"/>
+            <a:r>
+              <a:rPr lang="en-US" sz="1400" dirty="0">
+                <a:solidFill>
+                  <a:schemeClr val="tx1"/>
+                </a:solidFill>
+              </a:rPr>
+              <a:t>delivered</a:t>
+            </a:r>
+          </a:p>
+        </p:txBody>
+      </p:sp>
+      <p:sp>
+        <p:nvSpPr>
+          <p:cNvPr id="10" name="Rectangle: Rounded Corners 9">
+            <a:extLst>
+              <a:ext uri="{FF2B5EF4-FFF2-40B4-BE49-F238E27FC236}">
+                <a16:creationId xmlns:a16="http://schemas.microsoft.com/office/drawing/2014/main" id="{AF96CB78-7EA9-4E71-999F-3529304D0D3A}"/>
+              </a:ext>
+            </a:extLst>
+          </p:cNvPr>
+          <p:cNvSpPr/>
+          <p:nvPr/>
+        </p:nvSpPr>
+        <p:spPr>
+          <a:xfrm>
+            <a:off x="3512779" y="4300797"/>
+            <a:ext cx="1211597" cy="487532"/>
+          </a:xfrm>
+          <a:prstGeom prst="roundRect">
+            <a:avLst>
+              <a:gd name="adj" fmla="val 45098"/>
+            </a:avLst>
+          </a:prstGeom>
+          <a:solidFill>
+            <a:schemeClr val="bg1"/>
+          </a:solidFill>
+          <a:ln w="19050">
+            <a:solidFill>
+              <a:schemeClr val="tx1"/>
+            </a:solidFill>
+          </a:ln>
+        </p:spPr>
+        <p:style>
+          <a:lnRef idx="2">
+            <a:schemeClr val="accent1">
+              <a:shade val="50000"/>
+            </a:schemeClr>
+          </a:lnRef>
+          <a:fillRef idx="1">
+            <a:schemeClr val="accent1"/>
+          </a:fillRef>
+          <a:effectRef idx="0">
+            <a:schemeClr val="accent1"/>
+          </a:effectRef>
+          <a:fontRef idx="minor">
+            <a:schemeClr val="lt1"/>
+          </a:fontRef>
+        </p:style>
+        <p:txBody>
+          <a:bodyPr rtlCol="0" anchor="ctr"/>
+          <a:lstStyle/>
+          <a:p>
+            <a:pPr algn="ctr"/>
+            <a:r>
+              <a:rPr lang="en-US" sz="1400" dirty="0">
+                <a:solidFill>
+                  <a:schemeClr val="tx1"/>
+                </a:solidFill>
+              </a:rPr>
+              <a:t>canceled</a:t>
+            </a:r>
+          </a:p>
+        </p:txBody>
+      </p:sp>
+      <p:sp>
+        <p:nvSpPr>
+          <p:cNvPr id="11" name="Oval 10">
+            <a:extLst>
+              <a:ext uri="{FF2B5EF4-FFF2-40B4-BE49-F238E27FC236}">
+                <a16:creationId xmlns:a16="http://schemas.microsoft.com/office/drawing/2014/main" id="{3AEEEB6D-B5C2-4E81-BE46-C01481DC2DC9}"/>
+              </a:ext>
+            </a:extLst>
+          </p:cNvPr>
+          <p:cNvSpPr/>
+          <p:nvPr/>
+        </p:nvSpPr>
+        <p:spPr>
+          <a:xfrm>
+            <a:off x="2191166" y="2311763"/>
+            <a:ext cx="161365" cy="161365"/>
+          </a:xfrm>
+          <a:prstGeom prst="ellipse">
+            <a:avLst/>
+          </a:prstGeom>
+          <a:solidFill>
+            <a:schemeClr val="tx1"/>
+          </a:solidFill>
+          <a:ln>
+            <a:noFill/>
+          </a:ln>
+        </p:spPr>
+        <p:style>
+          <a:lnRef idx="2">
+            <a:schemeClr val="accent1">
+              <a:shade val="50000"/>
+            </a:schemeClr>
+          </a:lnRef>
+          <a:fillRef idx="1">
+            <a:schemeClr val="accent1"/>
+          </a:fillRef>
+          <a:effectRef idx="0">
+            <a:schemeClr val="accent1"/>
+          </a:effectRef>
+          <a:fontRef idx="minor">
+            <a:schemeClr val="lt1"/>
+          </a:fontRef>
+        </p:style>
+        <p:txBody>
+          <a:bodyPr rtlCol="0" anchor="ctr"/>
+          <a:lstStyle/>
+          <a:p>
+            <a:pPr algn="ctr"/>
+            <a:endParaRPr lang="en-US"/>
+          </a:p>
+        </p:txBody>
+      </p:sp>
+      <p:sp>
+        <p:nvSpPr>
+          <p:cNvPr id="12" name="Oval 11">
+            <a:extLst>
+              <a:ext uri="{FF2B5EF4-FFF2-40B4-BE49-F238E27FC236}">
+                <a16:creationId xmlns:a16="http://schemas.microsoft.com/office/drawing/2014/main" id="{5C8CE119-84CD-4654-963E-84EE404153A4}"/>
+              </a:ext>
+            </a:extLst>
+          </p:cNvPr>
+          <p:cNvSpPr/>
+          <p:nvPr/>
+        </p:nvSpPr>
+        <p:spPr>
+          <a:xfrm>
+            <a:off x="5849050" y="5368727"/>
+            <a:ext cx="240917" cy="240917"/>
+          </a:xfrm>
+          <a:prstGeom prst="ellipse">
+            <a:avLst/>
+          </a:prstGeom>
+          <a:solidFill>
+            <a:schemeClr val="tx1"/>
+          </a:solidFill>
+          <a:ln>
+            <a:noFill/>
+          </a:ln>
+        </p:spPr>
+        <p:style>
+          <a:lnRef idx="2">
+            <a:schemeClr val="accent1">
+              <a:shade val="50000"/>
+            </a:schemeClr>
+          </a:lnRef>
+          <a:fillRef idx="1">
+            <a:schemeClr val="accent1"/>
+          </a:fillRef>
+          <a:effectRef idx="0">
+            <a:schemeClr val="accent1"/>
+          </a:effectRef>
+          <a:fontRef idx="minor">
+            <a:schemeClr val="lt1"/>
+          </a:fontRef>
+        </p:style>
+        <p:txBody>
+          <a:bodyPr rtlCol="0" anchor="ctr"/>
+          <a:lstStyle/>
+          <a:p>
+            <a:pPr algn="ctr"/>
+            <a:endParaRPr lang="en-US"/>
+          </a:p>
+        </p:txBody>
+      </p:sp>
+      <p:sp>
+        <p:nvSpPr>
+          <p:cNvPr id="13" name="Oval 12">
+            <a:extLst>
+              <a:ext uri="{FF2B5EF4-FFF2-40B4-BE49-F238E27FC236}">
+                <a16:creationId xmlns:a16="http://schemas.microsoft.com/office/drawing/2014/main" id="{5B96933B-1460-449D-A20A-80EA41BC0C55}"/>
+              </a:ext>
+            </a:extLst>
+          </p:cNvPr>
+          <p:cNvSpPr/>
+          <p:nvPr/>
+        </p:nvSpPr>
+        <p:spPr>
+          <a:xfrm>
+            <a:off x="5888825" y="5408502"/>
+            <a:ext cx="161365" cy="161365"/>
+          </a:xfrm>
+          <a:prstGeom prst="ellipse">
+            <a:avLst/>
+          </a:prstGeom>
+          <a:solidFill>
+            <a:schemeClr val="tx1"/>
+          </a:solidFill>
+          <a:ln w="25400">
+            <a:solidFill>
+              <a:schemeClr val="bg1"/>
+            </a:solidFill>
+          </a:ln>
+        </p:spPr>
+        <p:style>
+          <a:lnRef idx="2">
+            <a:schemeClr val="accent1">
+              <a:shade val="50000"/>
+            </a:schemeClr>
+          </a:lnRef>
+          <a:fillRef idx="1">
+            <a:schemeClr val="accent1"/>
+          </a:fillRef>
+          <a:effectRef idx="0">
+            <a:schemeClr val="accent1"/>
+          </a:effectRef>
+          <a:fontRef idx="minor">
+            <a:schemeClr val="lt1"/>
+          </a:fontRef>
+        </p:style>
+        <p:txBody>
+          <a:bodyPr rtlCol="0" anchor="ctr"/>
+          <a:lstStyle/>
+          <a:p>
+            <a:pPr algn="ctr"/>
+            <a:endParaRPr lang="en-US"/>
+          </a:p>
+        </p:txBody>
+      </p:sp>
+      <p:cxnSp>
+        <p:nvCxnSpPr>
+          <p:cNvPr id="15" name="Straight Arrow Connector 14">
+            <a:extLst>
+              <a:ext uri="{FF2B5EF4-FFF2-40B4-BE49-F238E27FC236}">
+                <a16:creationId xmlns:a16="http://schemas.microsoft.com/office/drawing/2014/main" id="{5C0AAD09-3121-4D83-8A18-B91D51B7E02C}"/>
+              </a:ext>
+            </a:extLst>
+          </p:cNvPr>
+          <p:cNvCxnSpPr>
+            <a:cxnSpLocks/>
+            <a:stCxn id="11" idx="4"/>
+            <a:endCxn id="4" idx="0"/>
+          </p:cNvCxnSpPr>
+          <p:nvPr/>
+        </p:nvCxnSpPr>
+        <p:spPr>
+          <a:xfrm>
+            <a:off x="2271849" y="2473128"/>
+            <a:ext cx="1" cy="518822"/>
+          </a:xfrm>
+          <a:prstGeom prst="straightConnector1">
+            <a:avLst/>
+          </a:prstGeom>
+          <a:ln w="19050">
+            <a:solidFill>
+              <a:schemeClr val="tx1"/>
+            </a:solidFill>
+            <a:tailEnd type="arrow"/>
+          </a:ln>
+        </p:spPr>
+        <p:style>
+          <a:lnRef idx="1">
+            <a:schemeClr val="accent1"/>
+          </a:lnRef>
+          <a:fillRef idx="0">
+            <a:schemeClr val="accent1"/>
+          </a:fillRef>
+          <a:effectRef idx="0">
+            <a:schemeClr val="accent1"/>
+          </a:effectRef>
+          <a:fontRef idx="minor">
+            <a:schemeClr val="tx1"/>
+          </a:fontRef>
+        </p:style>
+      </p:cxnSp>
+      <p:cxnSp>
+        <p:nvCxnSpPr>
+          <p:cNvPr id="18" name="Straight Arrow Connector 17">
+            <a:extLst>
+              <a:ext uri="{FF2B5EF4-FFF2-40B4-BE49-F238E27FC236}">
+                <a16:creationId xmlns:a16="http://schemas.microsoft.com/office/drawing/2014/main" id="{B9D365E0-C226-4195-AFA4-DC2122CEEAA2}"/>
+              </a:ext>
+            </a:extLst>
+          </p:cNvPr>
+          <p:cNvCxnSpPr>
+            <a:cxnSpLocks/>
+            <a:stCxn id="4" idx="3"/>
+            <a:endCxn id="5" idx="1"/>
+          </p:cNvCxnSpPr>
+          <p:nvPr/>
+        </p:nvCxnSpPr>
+        <p:spPr>
+          <a:xfrm>
+            <a:off x="2877648" y="3235716"/>
+            <a:ext cx="639615" cy="0"/>
+          </a:xfrm>
+          <a:prstGeom prst="straightConnector1">
+            <a:avLst/>
+          </a:prstGeom>
+          <a:ln w="19050">
+            <a:solidFill>
+              <a:schemeClr val="tx1"/>
+            </a:solidFill>
+            <a:tailEnd type="arrow"/>
+          </a:ln>
+        </p:spPr>
+        <p:style>
+          <a:lnRef idx="1">
+            <a:schemeClr val="accent1"/>
+          </a:lnRef>
+          <a:fillRef idx="0">
+            <a:schemeClr val="accent1"/>
+          </a:fillRef>
+          <a:effectRef idx="0">
+            <a:schemeClr val="accent1"/>
+          </a:effectRef>
+          <a:fontRef idx="minor">
+            <a:schemeClr val="tx1"/>
+          </a:fontRef>
+        </p:style>
+      </p:cxnSp>
+      <p:cxnSp>
+        <p:nvCxnSpPr>
+          <p:cNvPr id="21" name="Straight Arrow Connector 20">
+            <a:extLst>
+              <a:ext uri="{FF2B5EF4-FFF2-40B4-BE49-F238E27FC236}">
+                <a16:creationId xmlns:a16="http://schemas.microsoft.com/office/drawing/2014/main" id="{A3956617-56F8-471D-B33F-C99EB1AE2535}"/>
+              </a:ext>
+            </a:extLst>
+          </p:cNvPr>
+          <p:cNvCxnSpPr>
+            <a:cxnSpLocks/>
+          </p:cNvCxnSpPr>
+          <p:nvPr/>
+        </p:nvCxnSpPr>
+        <p:spPr>
+          <a:xfrm>
+            <a:off x="4724377" y="3235716"/>
+            <a:ext cx="639615" cy="0"/>
+          </a:xfrm>
+          <a:prstGeom prst="straightConnector1">
+            <a:avLst/>
+          </a:prstGeom>
+          <a:ln w="19050">
+            <a:solidFill>
+              <a:schemeClr val="tx1"/>
+            </a:solidFill>
+            <a:tailEnd type="arrow"/>
+          </a:ln>
+        </p:spPr>
+        <p:style>
+          <a:lnRef idx="1">
+            <a:schemeClr val="accent1"/>
+          </a:lnRef>
+          <a:fillRef idx="0">
+            <a:schemeClr val="accent1"/>
+          </a:fillRef>
+          <a:effectRef idx="0">
+            <a:schemeClr val="accent1"/>
+          </a:effectRef>
+          <a:fontRef idx="minor">
+            <a:schemeClr val="tx1"/>
+          </a:fontRef>
+        </p:style>
+      </p:cxnSp>
+      <p:cxnSp>
+        <p:nvCxnSpPr>
+          <p:cNvPr id="22" name="Straight Arrow Connector 21">
+            <a:extLst>
+              <a:ext uri="{FF2B5EF4-FFF2-40B4-BE49-F238E27FC236}">
+                <a16:creationId xmlns:a16="http://schemas.microsoft.com/office/drawing/2014/main" id="{AA603566-A491-4823-B1B2-C52984CF6CA5}"/>
+              </a:ext>
+            </a:extLst>
+          </p:cNvPr>
+          <p:cNvCxnSpPr>
+            <a:cxnSpLocks/>
+          </p:cNvCxnSpPr>
+          <p:nvPr/>
+        </p:nvCxnSpPr>
+        <p:spPr>
+          <a:xfrm>
+            <a:off x="6575589" y="3235716"/>
+            <a:ext cx="639615" cy="0"/>
+          </a:xfrm>
+          <a:prstGeom prst="straightConnector1">
+            <a:avLst/>
+          </a:prstGeom>
+          <a:ln w="19050">
+            <a:solidFill>
+              <a:schemeClr val="tx1"/>
+            </a:solidFill>
+            <a:tailEnd type="arrow"/>
+          </a:ln>
+        </p:spPr>
+        <p:style>
+          <a:lnRef idx="1">
+            <a:schemeClr val="accent1"/>
+          </a:lnRef>
+          <a:fillRef idx="0">
+            <a:schemeClr val="accent1"/>
+          </a:fillRef>
+          <a:effectRef idx="0">
+            <a:schemeClr val="accent1"/>
+          </a:effectRef>
+          <a:fontRef idx="minor">
+            <a:schemeClr val="tx1"/>
+          </a:fontRef>
+        </p:style>
+      </p:cxnSp>
+      <p:cxnSp>
+        <p:nvCxnSpPr>
+          <p:cNvPr id="23" name="Straight Arrow Connector 22">
+            <a:extLst>
+              <a:ext uri="{FF2B5EF4-FFF2-40B4-BE49-F238E27FC236}">
+                <a16:creationId xmlns:a16="http://schemas.microsoft.com/office/drawing/2014/main" id="{29BFBFE9-E6F3-476B-958B-3665C3DB284C}"/>
+              </a:ext>
+            </a:extLst>
+          </p:cNvPr>
+          <p:cNvCxnSpPr>
+            <a:cxnSpLocks/>
+            <a:stCxn id="5" idx="2"/>
+            <a:endCxn id="10" idx="0"/>
+          </p:cNvCxnSpPr>
+          <p:nvPr/>
+        </p:nvCxnSpPr>
+        <p:spPr>
+          <a:xfrm flipH="1">
+            <a:off x="4118578" y="3479482"/>
+            <a:ext cx="4484" cy="821315"/>
+          </a:xfrm>
+          <a:prstGeom prst="straightConnector1">
+            <a:avLst/>
+          </a:prstGeom>
+          <a:ln w="19050">
+            <a:solidFill>
+              <a:schemeClr val="tx1"/>
+            </a:solidFill>
+            <a:tailEnd type="arrow"/>
+          </a:ln>
+        </p:spPr>
+        <p:style>
+          <a:lnRef idx="1">
+            <a:schemeClr val="accent1"/>
+          </a:lnRef>
+          <a:fillRef idx="0">
+            <a:schemeClr val="accent1"/>
+          </a:fillRef>
+          <a:effectRef idx="0">
+            <a:schemeClr val="accent1"/>
+          </a:effectRef>
+          <a:fontRef idx="minor">
+            <a:schemeClr val="tx1"/>
+          </a:fontRef>
+        </p:style>
+      </p:cxnSp>
+      <p:cxnSp>
+        <p:nvCxnSpPr>
+          <p:cNvPr id="32" name="Connector: Elbow 31">
+            <a:extLst>
+              <a:ext uri="{FF2B5EF4-FFF2-40B4-BE49-F238E27FC236}">
+                <a16:creationId xmlns:a16="http://schemas.microsoft.com/office/drawing/2014/main" id="{E574A6E3-4442-473D-A57D-3E08AD64EBEB}"/>
+              </a:ext>
+            </a:extLst>
+          </p:cNvPr>
+          <p:cNvCxnSpPr>
+            <a:cxnSpLocks/>
+          </p:cNvCxnSpPr>
+          <p:nvPr/>
+        </p:nvCxnSpPr>
+        <p:spPr>
+          <a:xfrm rot="16200000" flipH="1">
+            <a:off x="2784558" y="2966776"/>
+            <a:ext cx="821315" cy="1846728"/>
+          </a:xfrm>
+          <a:prstGeom prst="bentConnector3">
+            <a:avLst>
+              <a:gd name="adj1" fmla="val 33628"/>
+            </a:avLst>
+          </a:prstGeom>
+          <a:ln w="19050">
+            <a:solidFill>
+              <a:schemeClr val="tx1"/>
+            </a:solidFill>
+          </a:ln>
+        </p:spPr>
+        <p:style>
+          <a:lnRef idx="1">
+            <a:schemeClr val="accent1"/>
+          </a:lnRef>
+          <a:fillRef idx="0">
+            <a:schemeClr val="accent1"/>
+          </a:fillRef>
+          <a:effectRef idx="0">
+            <a:schemeClr val="accent1"/>
+          </a:effectRef>
+          <a:fontRef idx="minor">
+            <a:schemeClr val="tx1"/>
+          </a:fontRef>
+        </p:style>
+      </p:cxnSp>
+      <p:cxnSp>
+        <p:nvCxnSpPr>
+          <p:cNvPr id="33" name="Connector: Elbow 32">
+            <a:extLst>
+              <a:ext uri="{FF2B5EF4-FFF2-40B4-BE49-F238E27FC236}">
+                <a16:creationId xmlns:a16="http://schemas.microsoft.com/office/drawing/2014/main" id="{97B4E047-4B93-4272-8EC7-4CCF84ABA734}"/>
+              </a:ext>
+            </a:extLst>
+          </p:cNvPr>
+          <p:cNvCxnSpPr>
+            <a:cxnSpLocks/>
+          </p:cNvCxnSpPr>
+          <p:nvPr/>
+        </p:nvCxnSpPr>
+        <p:spPr>
+          <a:xfrm rot="5400000">
+            <a:off x="4635769" y="2962292"/>
+            <a:ext cx="821315" cy="1855696"/>
+          </a:xfrm>
+          <a:prstGeom prst="bentConnector3">
+            <a:avLst>
+              <a:gd name="adj1" fmla="val 33627"/>
+            </a:avLst>
+          </a:prstGeom>
+          <a:ln w="19050">
+            <a:solidFill>
+              <a:schemeClr val="tx1"/>
+            </a:solidFill>
+          </a:ln>
+        </p:spPr>
+        <p:style>
+          <a:lnRef idx="1">
+            <a:schemeClr val="accent1"/>
+          </a:lnRef>
+          <a:fillRef idx="0">
+            <a:schemeClr val="accent1"/>
+          </a:fillRef>
+          <a:effectRef idx="0">
+            <a:schemeClr val="accent1"/>
+          </a:effectRef>
+          <a:fontRef idx="minor">
+            <a:schemeClr val="tx1"/>
+          </a:fontRef>
+        </p:style>
+      </p:cxnSp>
+      <p:cxnSp>
+        <p:nvCxnSpPr>
+          <p:cNvPr id="39" name="Straight Arrow Connector 38">
+            <a:extLst>
+              <a:ext uri="{FF2B5EF4-FFF2-40B4-BE49-F238E27FC236}">
+                <a16:creationId xmlns:a16="http://schemas.microsoft.com/office/drawing/2014/main" id="{D8AE3EBB-DF2D-44D2-B8F8-722132FF6DD2}"/>
+              </a:ext>
+            </a:extLst>
+          </p:cNvPr>
+          <p:cNvCxnSpPr>
+            <a:cxnSpLocks/>
+            <a:stCxn id="7" idx="2"/>
+            <a:endCxn id="8" idx="0"/>
+          </p:cNvCxnSpPr>
+          <p:nvPr/>
+        </p:nvCxnSpPr>
+        <p:spPr>
+          <a:xfrm flipH="1">
+            <a:off x="7821004" y="3479482"/>
+            <a:ext cx="4482" cy="821315"/>
+          </a:xfrm>
+          <a:prstGeom prst="straightConnector1">
+            <a:avLst/>
+          </a:prstGeom>
+          <a:ln w="19050">
+            <a:solidFill>
+              <a:schemeClr val="tx1"/>
+            </a:solidFill>
+            <a:tailEnd type="arrow"/>
+          </a:ln>
+        </p:spPr>
+        <p:style>
+          <a:lnRef idx="1">
+            <a:schemeClr val="accent1"/>
+          </a:lnRef>
+          <a:fillRef idx="0">
+            <a:schemeClr val="accent1"/>
+          </a:fillRef>
+          <a:effectRef idx="0">
+            <a:schemeClr val="accent1"/>
+          </a:effectRef>
+          <a:fontRef idx="minor">
+            <a:schemeClr val="tx1"/>
+          </a:fontRef>
+        </p:style>
+      </p:cxnSp>
+      <p:cxnSp>
+        <p:nvCxnSpPr>
+          <p:cNvPr id="42" name="Connector: Elbow 41">
+            <a:extLst>
+              <a:ext uri="{FF2B5EF4-FFF2-40B4-BE49-F238E27FC236}">
+                <a16:creationId xmlns:a16="http://schemas.microsoft.com/office/drawing/2014/main" id="{A0D3672E-A6CB-406F-A50B-7F9D10CB1B84}"/>
+              </a:ext>
+            </a:extLst>
+          </p:cNvPr>
+          <p:cNvCxnSpPr>
+            <a:cxnSpLocks/>
+            <a:stCxn id="7" idx="2"/>
+            <a:endCxn id="9" idx="0"/>
+          </p:cNvCxnSpPr>
+          <p:nvPr/>
+        </p:nvCxnSpPr>
+        <p:spPr>
+          <a:xfrm rot="5400000">
+            <a:off x="6486982" y="2962292"/>
+            <a:ext cx="821315" cy="1855695"/>
+          </a:xfrm>
+          <a:prstGeom prst="bentConnector3">
+            <a:avLst>
+              <a:gd name="adj1" fmla="val 69101"/>
+            </a:avLst>
+          </a:prstGeom>
+          <a:ln w="19050">
+            <a:solidFill>
+              <a:schemeClr val="tx1"/>
+            </a:solidFill>
+            <a:tailEnd type="arrow"/>
+          </a:ln>
+        </p:spPr>
+        <p:style>
+          <a:lnRef idx="1">
+            <a:schemeClr val="accent1"/>
+          </a:lnRef>
+          <a:fillRef idx="0">
+            <a:schemeClr val="accent1"/>
+          </a:fillRef>
+          <a:effectRef idx="0">
+            <a:schemeClr val="accent1"/>
+          </a:effectRef>
+          <a:fontRef idx="minor">
+            <a:schemeClr val="tx1"/>
+          </a:fontRef>
+        </p:style>
+      </p:cxnSp>
+      <p:cxnSp>
+        <p:nvCxnSpPr>
+          <p:cNvPr id="48" name="Connector: Elbow 47">
+            <a:extLst>
+              <a:ext uri="{FF2B5EF4-FFF2-40B4-BE49-F238E27FC236}">
+                <a16:creationId xmlns:a16="http://schemas.microsoft.com/office/drawing/2014/main" id="{5A850E5D-0329-49CA-86BF-A1157104DE9F}"/>
+              </a:ext>
+            </a:extLst>
+          </p:cNvPr>
+          <p:cNvCxnSpPr>
+            <a:cxnSpLocks/>
+            <a:stCxn id="9" idx="2"/>
+            <a:endCxn id="12" idx="0"/>
+          </p:cNvCxnSpPr>
+          <p:nvPr/>
+        </p:nvCxnSpPr>
+        <p:spPr>
+          <a:xfrm rot="5400000">
+            <a:off x="5679451" y="5078387"/>
+            <a:ext cx="580398" cy="282"/>
+          </a:xfrm>
+          <a:prstGeom prst="bentConnector3">
+            <a:avLst>
+              <a:gd name="adj1" fmla="val 50000"/>
+            </a:avLst>
+          </a:prstGeom>
+          <a:ln w="19050">
+            <a:solidFill>
+              <a:schemeClr val="tx1"/>
+            </a:solidFill>
+            <a:tailEnd type="arrow"/>
+          </a:ln>
+        </p:spPr>
+        <p:style>
+          <a:lnRef idx="1">
+            <a:schemeClr val="accent1"/>
+          </a:lnRef>
+          <a:fillRef idx="0">
+            <a:schemeClr val="accent1"/>
+          </a:fillRef>
+          <a:effectRef idx="0">
+            <a:schemeClr val="accent1"/>
+          </a:effectRef>
+          <a:fontRef idx="minor">
+            <a:schemeClr val="tx1"/>
+          </a:fontRef>
+        </p:style>
+      </p:cxnSp>
+      <p:cxnSp>
+        <p:nvCxnSpPr>
+          <p:cNvPr id="52" name="Connector: Elbow 51">
+            <a:extLst>
+              <a:ext uri="{FF2B5EF4-FFF2-40B4-BE49-F238E27FC236}">
+                <a16:creationId xmlns:a16="http://schemas.microsoft.com/office/drawing/2014/main" id="{C7D80569-7F32-443A-ABD9-9AA3830E3B49}"/>
+              </a:ext>
+            </a:extLst>
+          </p:cNvPr>
+          <p:cNvCxnSpPr>
+            <a:cxnSpLocks/>
+            <a:stCxn id="10" idx="2"/>
+            <a:endCxn id="12" idx="0"/>
+          </p:cNvCxnSpPr>
+          <p:nvPr/>
+        </p:nvCxnSpPr>
+        <p:spPr>
+          <a:xfrm rot="16200000" flipH="1">
+            <a:off x="4753844" y="4153062"/>
+            <a:ext cx="580398" cy="1850931"/>
+          </a:xfrm>
+          <a:prstGeom prst="bentConnector3">
+            <a:avLst>
+              <a:gd name="adj1" fmla="val 50000"/>
+            </a:avLst>
+          </a:prstGeom>
+          <a:ln w="19050">
+            <a:solidFill>
+              <a:schemeClr val="tx1"/>
+            </a:solidFill>
+            <a:tailEnd type="arrow"/>
+          </a:ln>
+        </p:spPr>
+        <p:style>
+          <a:lnRef idx="1">
+            <a:schemeClr val="accent1"/>
+          </a:lnRef>
+          <a:fillRef idx="0">
+            <a:schemeClr val="accent1"/>
+          </a:fillRef>
+          <a:effectRef idx="0">
+            <a:schemeClr val="accent1"/>
+          </a:effectRef>
+          <a:fontRef idx="minor">
+            <a:schemeClr val="tx1"/>
+          </a:fontRef>
+        </p:style>
+      </p:cxnSp>
+      <p:cxnSp>
+        <p:nvCxnSpPr>
+          <p:cNvPr id="57" name="Connector: Elbow 56">
+            <a:extLst>
+              <a:ext uri="{FF2B5EF4-FFF2-40B4-BE49-F238E27FC236}">
+                <a16:creationId xmlns:a16="http://schemas.microsoft.com/office/drawing/2014/main" id="{F14E2283-C534-4920-AD14-B8A06A8F1563}"/>
+              </a:ext>
+            </a:extLst>
+          </p:cNvPr>
+          <p:cNvCxnSpPr>
+            <a:cxnSpLocks/>
+            <a:stCxn id="8" idx="2"/>
+            <a:endCxn id="12" idx="0"/>
+          </p:cNvCxnSpPr>
+          <p:nvPr/>
+        </p:nvCxnSpPr>
+        <p:spPr>
+          <a:xfrm rot="5400000">
+            <a:off x="6605058" y="4152781"/>
+            <a:ext cx="580398" cy="1851495"/>
+          </a:xfrm>
+          <a:prstGeom prst="bentConnector3">
+            <a:avLst>
+              <a:gd name="adj1" fmla="val 50000"/>
+            </a:avLst>
+          </a:prstGeom>
+          <a:ln w="19050">
+            <a:solidFill>
+              <a:schemeClr val="tx1"/>
+            </a:solidFill>
+            <a:tailEnd type="arrow"/>
+          </a:ln>
+        </p:spPr>
+        <p:style>
+          <a:lnRef idx="1">
+            <a:schemeClr val="accent1"/>
+          </a:lnRef>
+          <a:fillRef idx="0">
+            <a:schemeClr val="accent1"/>
+          </a:fillRef>
+          <a:effectRef idx="0">
+            <a:schemeClr val="accent1"/>
+          </a:effectRef>
+          <a:fontRef idx="minor">
+            <a:schemeClr val="tx1"/>
+          </a:fontRef>
+        </p:style>
+      </p:cxnSp>
+      <p:sp>
+        <p:nvSpPr>
+          <p:cNvPr id="60" name="Text Box 25">
+            <a:extLst>
+              <a:ext uri="{FF2B5EF4-FFF2-40B4-BE49-F238E27FC236}">
+                <a16:creationId xmlns:a16="http://schemas.microsoft.com/office/drawing/2014/main" id="{0E87ABC0-1DD8-4DA6-9704-817D0ECC9741}"/>
+              </a:ext>
+            </a:extLst>
+          </p:cNvPr>
+          <p:cNvSpPr txBox="1">
+            <a:spLocks noChangeArrowheads="1"/>
+          </p:cNvSpPr>
+          <p:nvPr/>
+        </p:nvSpPr>
+        <p:spPr bwMode="auto">
+          <a:xfrm>
+            <a:off x="2547155" y="2853451"/>
+            <a:ext cx="1252537" cy="276999"/>
+          </a:xfrm>
+          <a:prstGeom prst="rect">
+            <a:avLst/>
+          </a:prstGeom>
+          <a:noFill/>
+          <a:ln>
+            <a:noFill/>
+          </a:ln>
+          <a:extLst>
+            <a:ext uri="{909E8E84-426E-40dd-AFC4-6F175D3DCCD1}">
+              <a14:hiddenFill xmlns="" xmlns:a14="http://schemas.microsoft.com/office/drawing/2010/main">
+                <a:solidFill>
+                  <a:srgbClr val="FFFFFF"/>
+                </a:solidFill>
+              </a14:hiddenFill>
+            </a:ext>
+            <a:ext uri="{91240B29-F687-4f45-9708-019B960494DF}">
+              <a14:hiddenLine xmlns="" xmlns:a14="http://schemas.microsoft.com/office/drawing/2010/main" w="9525">
+                <a:solidFill>
+                  <a:srgbClr val="000000"/>
+                </a:solidFill>
+                <a:miter lim="800000"/>
+                <a:headEnd/>
+                <a:tailEnd/>
+              </a14:hiddenLine>
+            </a:ext>
+          </a:extLst>
+        </p:spPr>
+        <p:txBody>
+          <a:bodyPr>
+            <a:spAutoFit/>
+          </a:bodyPr>
+          <a:lstStyle>
+            <a:lvl1pPr>
+              <a:defRPr sz="2400">
+                <a:solidFill>
+                  <a:schemeClr val="tx1"/>
+                </a:solidFill>
+                <a:latin typeface="Times New Roman" panose="02020603050405020304" pitchFamily="18" charset="0"/>
+                <a:ea typeface="MS PGothic" panose="020B0600070205080204" pitchFamily="34" charset="-128"/>
+              </a:defRPr>
+            </a:lvl1pPr>
+            <a:lvl2pPr marL="742950" indent="-285750">
+              <a:defRPr sz="2400">
+                <a:solidFill>
+                  <a:schemeClr val="tx1"/>
+                </a:solidFill>
+                <a:latin typeface="Times New Roman" panose="02020603050405020304" pitchFamily="18" charset="0"/>
+                <a:ea typeface="MS PGothic" panose="020B0600070205080204" pitchFamily="34" charset="-128"/>
+              </a:defRPr>
+            </a:lvl2pPr>
+            <a:lvl3pPr marL="1143000" indent="-228600">
+              <a:defRPr sz="2400">
+                <a:solidFill>
+                  <a:schemeClr val="tx1"/>
+                </a:solidFill>
+                <a:latin typeface="Times New Roman" panose="02020603050405020304" pitchFamily="18" charset="0"/>
+                <a:ea typeface="MS PGothic" panose="020B0600070205080204" pitchFamily="34" charset="-128"/>
+              </a:defRPr>
+            </a:lvl3pPr>
+            <a:lvl4pPr marL="1600200" indent="-228600">
+              <a:defRPr sz="2400">
+                <a:solidFill>
+                  <a:schemeClr val="tx1"/>
+                </a:solidFill>
+                <a:latin typeface="Times New Roman" panose="02020603050405020304" pitchFamily="18" charset="0"/>
+                <a:ea typeface="MS PGothic" panose="020B0600070205080204" pitchFamily="34" charset="-128"/>
+              </a:defRPr>
+            </a:lvl4pPr>
+            <a:lvl5pPr marL="2057400" indent="-228600">
+              <a:defRPr sz="2400">
+                <a:solidFill>
+                  <a:schemeClr val="tx1"/>
+                </a:solidFill>
+                <a:latin typeface="Times New Roman" panose="02020603050405020304" pitchFamily="18" charset="0"/>
+                <a:ea typeface="MS PGothic" panose="020B0600070205080204" pitchFamily="34" charset="-128"/>
+              </a:defRPr>
+            </a:lvl5pPr>
+            <a:lvl6pPr marL="2514600" indent="-228600" algn="r" eaLnBrk="0" fontAlgn="base" hangingPunct="0">
+              <a:spcBef>
+                <a:spcPct val="0"/>
+              </a:spcBef>
+              <a:spcAft>
+                <a:spcPct val="0"/>
+              </a:spcAft>
+              <a:buChar char="•"/>
+              <a:defRPr sz="2400">
+                <a:solidFill>
+                  <a:schemeClr val="tx1"/>
+                </a:solidFill>
+                <a:latin typeface="Times New Roman" panose="02020603050405020304" pitchFamily="18" charset="0"/>
+                <a:ea typeface="MS PGothic" panose="020B0600070205080204" pitchFamily="34" charset="-128"/>
+              </a:defRPr>
+            </a:lvl6pPr>
+            <a:lvl7pPr marL="2971800" indent="-228600" algn="r" eaLnBrk="0" fontAlgn="base" hangingPunct="0">
+              <a:spcBef>
+                <a:spcPct val="0"/>
+              </a:spcBef>
+              <a:spcAft>
+                <a:spcPct val="0"/>
+              </a:spcAft>
+              <a:buChar char="•"/>
+              <a:defRPr sz="2400">
+                <a:solidFill>
+                  <a:schemeClr val="tx1"/>
+                </a:solidFill>
+                <a:latin typeface="Times New Roman" panose="02020603050405020304" pitchFamily="18" charset="0"/>
+                <a:ea typeface="MS PGothic" panose="020B0600070205080204" pitchFamily="34" charset="-128"/>
+              </a:defRPr>
+            </a:lvl7pPr>
+            <a:lvl8pPr marL="3429000" indent="-228600" algn="r" eaLnBrk="0" fontAlgn="base" hangingPunct="0">
+              <a:spcBef>
+                <a:spcPct val="0"/>
+              </a:spcBef>
+              <a:spcAft>
+                <a:spcPct val="0"/>
+              </a:spcAft>
+              <a:buChar char="•"/>
+              <a:defRPr sz="2400">
+                <a:solidFill>
+                  <a:schemeClr val="tx1"/>
+                </a:solidFill>
+                <a:latin typeface="Times New Roman" panose="02020603050405020304" pitchFamily="18" charset="0"/>
+                <a:ea typeface="MS PGothic" panose="020B0600070205080204" pitchFamily="34" charset="-128"/>
+              </a:defRPr>
+            </a:lvl8pPr>
+            <a:lvl9pPr marL="3886200" indent="-228600" algn="r" eaLnBrk="0" fontAlgn="base" hangingPunct="0">
+              <a:spcBef>
+                <a:spcPct val="0"/>
+              </a:spcBef>
+              <a:spcAft>
+                <a:spcPct val="0"/>
+              </a:spcAft>
+              <a:buChar char="•"/>
+              <a:defRPr sz="2400">
+                <a:solidFill>
+                  <a:schemeClr val="tx1"/>
+                </a:solidFill>
+                <a:latin typeface="Times New Roman" panose="02020603050405020304" pitchFamily="18" charset="0"/>
+                <a:ea typeface="MS PGothic" panose="020B0600070205080204" pitchFamily="34" charset="-128"/>
+              </a:defRPr>
+            </a:lvl9pPr>
+          </a:lstStyle>
+          <a:p>
+            <a:pPr algn="ctr" eaLnBrk="1" hangingPunct="1">
+              <a:spcBef>
+                <a:spcPct val="50000"/>
+              </a:spcBef>
+              <a:buFontTx/>
+              <a:buNone/>
+            </a:pPr>
+            <a:r>
+              <a:rPr lang="en-GB" sz="1200" dirty="0">
+                <a:latin typeface="+mn-lt"/>
+              </a:rPr>
+              <a:t>confirm</a:t>
+            </a:r>
+          </a:p>
+        </p:txBody>
+      </p:sp>
+      <p:sp>
+        <p:nvSpPr>
+          <p:cNvPr id="61" name="Text Box 25">
+            <a:extLst>
+              <a:ext uri="{FF2B5EF4-FFF2-40B4-BE49-F238E27FC236}">
+                <a16:creationId xmlns:a16="http://schemas.microsoft.com/office/drawing/2014/main" id="{9545CB48-04DA-412D-8549-C1E5CCBC85BB}"/>
+              </a:ext>
+            </a:extLst>
+          </p:cNvPr>
+          <p:cNvSpPr txBox="1">
+            <a:spLocks noChangeArrowheads="1"/>
+          </p:cNvSpPr>
+          <p:nvPr/>
+        </p:nvSpPr>
+        <p:spPr bwMode="auto">
+          <a:xfrm>
+            <a:off x="4439307" y="2853449"/>
+            <a:ext cx="1252537" cy="276999"/>
+          </a:xfrm>
+          <a:prstGeom prst="rect">
+            <a:avLst/>
+          </a:prstGeom>
+          <a:noFill/>
+          <a:ln>
+            <a:noFill/>
+          </a:ln>
+          <a:extLst>
+            <a:ext uri="{909E8E84-426E-40dd-AFC4-6F175D3DCCD1}">
+              <a14:hiddenFill xmlns="" xmlns:a14="http://schemas.microsoft.com/office/drawing/2010/main">
+                <a:solidFill>
+                  <a:srgbClr val="FFFFFF"/>
+                </a:solidFill>
+              </a14:hiddenFill>
+            </a:ext>
+            <a:ext uri="{91240B29-F687-4f45-9708-019B960494DF}">
+              <a14:hiddenLine xmlns="" xmlns:a14="http://schemas.microsoft.com/office/drawing/2010/main" w="9525">
+                <a:solidFill>
+                  <a:srgbClr val="000000"/>
+                </a:solidFill>
+                <a:miter lim="800000"/>
+                <a:headEnd/>
+                <a:tailEnd/>
+              </a14:hiddenLine>
+            </a:ext>
+          </a:extLst>
+        </p:spPr>
+        <p:txBody>
+          <a:bodyPr>
+            <a:spAutoFit/>
+          </a:bodyPr>
+          <a:lstStyle>
+            <a:lvl1pPr>
+              <a:defRPr sz="2400">
+                <a:solidFill>
+                  <a:schemeClr val="tx1"/>
+                </a:solidFill>
+                <a:latin typeface="Times New Roman" panose="02020603050405020304" pitchFamily="18" charset="0"/>
+                <a:ea typeface="MS PGothic" panose="020B0600070205080204" pitchFamily="34" charset="-128"/>
+              </a:defRPr>
+            </a:lvl1pPr>
+            <a:lvl2pPr marL="742950" indent="-285750">
+              <a:defRPr sz="2400">
+                <a:solidFill>
+                  <a:schemeClr val="tx1"/>
+                </a:solidFill>
+                <a:latin typeface="Times New Roman" panose="02020603050405020304" pitchFamily="18" charset="0"/>
+                <a:ea typeface="MS PGothic" panose="020B0600070205080204" pitchFamily="34" charset="-128"/>
+              </a:defRPr>
+            </a:lvl2pPr>
+            <a:lvl3pPr marL="1143000" indent="-228600">
+              <a:defRPr sz="2400">
+                <a:solidFill>
+                  <a:schemeClr val="tx1"/>
+                </a:solidFill>
+                <a:latin typeface="Times New Roman" panose="02020603050405020304" pitchFamily="18" charset="0"/>
+                <a:ea typeface="MS PGothic" panose="020B0600070205080204" pitchFamily="34" charset="-128"/>
+              </a:defRPr>
+            </a:lvl3pPr>
+            <a:lvl4pPr marL="1600200" indent="-228600">
+              <a:defRPr sz="2400">
+                <a:solidFill>
+                  <a:schemeClr val="tx1"/>
+                </a:solidFill>
+                <a:latin typeface="Times New Roman" panose="02020603050405020304" pitchFamily="18" charset="0"/>
+                <a:ea typeface="MS PGothic" panose="020B0600070205080204" pitchFamily="34" charset="-128"/>
+              </a:defRPr>
+            </a:lvl4pPr>
+            <a:lvl5pPr marL="2057400" indent="-228600">
+              <a:defRPr sz="2400">
+                <a:solidFill>
+                  <a:schemeClr val="tx1"/>
+                </a:solidFill>
+                <a:latin typeface="Times New Roman" panose="02020603050405020304" pitchFamily="18" charset="0"/>
+                <a:ea typeface="MS PGothic" panose="020B0600070205080204" pitchFamily="34" charset="-128"/>
+              </a:defRPr>
+            </a:lvl5pPr>
+            <a:lvl6pPr marL="2514600" indent="-228600" algn="r" eaLnBrk="0" fontAlgn="base" hangingPunct="0">
+              <a:spcBef>
+                <a:spcPct val="0"/>
+              </a:spcBef>
+              <a:spcAft>
+                <a:spcPct val="0"/>
+              </a:spcAft>
+              <a:buChar char="•"/>
+              <a:defRPr sz="2400">
+                <a:solidFill>
+                  <a:schemeClr val="tx1"/>
+                </a:solidFill>
+                <a:latin typeface="Times New Roman" panose="02020603050405020304" pitchFamily="18" charset="0"/>
+                <a:ea typeface="MS PGothic" panose="020B0600070205080204" pitchFamily="34" charset="-128"/>
+              </a:defRPr>
+            </a:lvl6pPr>
+            <a:lvl7pPr marL="2971800" indent="-228600" algn="r" eaLnBrk="0" fontAlgn="base" hangingPunct="0">
+              <a:spcBef>
+                <a:spcPct val="0"/>
+              </a:spcBef>
+              <a:spcAft>
+                <a:spcPct val="0"/>
+              </a:spcAft>
+              <a:buChar char="•"/>
+              <a:defRPr sz="2400">
+                <a:solidFill>
+                  <a:schemeClr val="tx1"/>
+                </a:solidFill>
+                <a:latin typeface="Times New Roman" panose="02020603050405020304" pitchFamily="18" charset="0"/>
+                <a:ea typeface="MS PGothic" panose="020B0600070205080204" pitchFamily="34" charset="-128"/>
+              </a:defRPr>
+            </a:lvl7pPr>
+            <a:lvl8pPr marL="3429000" indent="-228600" algn="r" eaLnBrk="0" fontAlgn="base" hangingPunct="0">
+              <a:spcBef>
+                <a:spcPct val="0"/>
+              </a:spcBef>
+              <a:spcAft>
+                <a:spcPct val="0"/>
+              </a:spcAft>
+              <a:buChar char="•"/>
+              <a:defRPr sz="2400">
+                <a:solidFill>
+                  <a:schemeClr val="tx1"/>
+                </a:solidFill>
+                <a:latin typeface="Times New Roman" panose="02020603050405020304" pitchFamily="18" charset="0"/>
+                <a:ea typeface="MS PGothic" panose="020B0600070205080204" pitchFamily="34" charset="-128"/>
+              </a:defRPr>
+            </a:lvl8pPr>
+            <a:lvl9pPr marL="3886200" indent="-228600" algn="r" eaLnBrk="0" fontAlgn="base" hangingPunct="0">
+              <a:spcBef>
+                <a:spcPct val="0"/>
+              </a:spcBef>
+              <a:spcAft>
+                <a:spcPct val="0"/>
+              </a:spcAft>
+              <a:buChar char="•"/>
+              <a:defRPr sz="2400">
+                <a:solidFill>
+                  <a:schemeClr val="tx1"/>
+                </a:solidFill>
+                <a:latin typeface="Times New Roman" panose="02020603050405020304" pitchFamily="18" charset="0"/>
+                <a:ea typeface="MS PGothic" panose="020B0600070205080204" pitchFamily="34" charset="-128"/>
+              </a:defRPr>
+            </a:lvl9pPr>
+          </a:lstStyle>
+          <a:p>
+            <a:pPr algn="ctr" eaLnBrk="1" hangingPunct="1">
+              <a:spcBef>
+                <a:spcPct val="50000"/>
+              </a:spcBef>
+              <a:buFontTx/>
+              <a:buNone/>
+            </a:pPr>
+            <a:r>
+              <a:rPr lang="en-GB" sz="1200" dirty="0">
+                <a:latin typeface="+mn-lt"/>
+              </a:rPr>
+              <a:t>pay</a:t>
+            </a:r>
+          </a:p>
+        </p:txBody>
+      </p:sp>
+      <p:sp>
+        <p:nvSpPr>
+          <p:cNvPr id="62" name="Text Box 25">
+            <a:extLst>
+              <a:ext uri="{FF2B5EF4-FFF2-40B4-BE49-F238E27FC236}">
+                <a16:creationId xmlns:a16="http://schemas.microsoft.com/office/drawing/2014/main" id="{A6D97D23-2B18-48CC-8831-361C20C91DA2}"/>
+              </a:ext>
+            </a:extLst>
+          </p:cNvPr>
+          <p:cNvSpPr txBox="1">
+            <a:spLocks noChangeArrowheads="1"/>
+          </p:cNvSpPr>
+          <p:nvPr/>
+        </p:nvSpPr>
+        <p:spPr bwMode="auto">
+          <a:xfrm>
+            <a:off x="6268988" y="2858079"/>
+            <a:ext cx="1252537" cy="276999"/>
+          </a:xfrm>
+          <a:prstGeom prst="rect">
+            <a:avLst/>
+          </a:prstGeom>
+          <a:noFill/>
+          <a:ln>
+            <a:noFill/>
+          </a:ln>
+          <a:extLst>
+            <a:ext uri="{909E8E84-426E-40dd-AFC4-6F175D3DCCD1}">
+              <a14:hiddenFill xmlns="" xmlns:a14="http://schemas.microsoft.com/office/drawing/2010/main">
+                <a:solidFill>
+                  <a:srgbClr val="FFFFFF"/>
+                </a:solidFill>
+              </a14:hiddenFill>
+            </a:ext>
+            <a:ext uri="{91240B29-F687-4f45-9708-019B960494DF}">
+              <a14:hiddenLine xmlns="" xmlns:a14="http://schemas.microsoft.com/office/drawing/2010/main" w="9525">
+                <a:solidFill>
+                  <a:srgbClr val="000000"/>
+                </a:solidFill>
+                <a:miter lim="800000"/>
+                <a:headEnd/>
+                <a:tailEnd/>
+              </a14:hiddenLine>
+            </a:ext>
+          </a:extLst>
+        </p:spPr>
+        <p:txBody>
+          <a:bodyPr>
+            <a:spAutoFit/>
+          </a:bodyPr>
+          <a:lstStyle>
+            <a:lvl1pPr>
+              <a:defRPr sz="2400">
+                <a:solidFill>
+                  <a:schemeClr val="tx1"/>
+                </a:solidFill>
+                <a:latin typeface="Times New Roman" panose="02020603050405020304" pitchFamily="18" charset="0"/>
+                <a:ea typeface="MS PGothic" panose="020B0600070205080204" pitchFamily="34" charset="-128"/>
+              </a:defRPr>
+            </a:lvl1pPr>
+            <a:lvl2pPr marL="742950" indent="-285750">
+              <a:defRPr sz="2400">
+                <a:solidFill>
+                  <a:schemeClr val="tx1"/>
+                </a:solidFill>
+                <a:latin typeface="Times New Roman" panose="02020603050405020304" pitchFamily="18" charset="0"/>
+                <a:ea typeface="MS PGothic" panose="020B0600070205080204" pitchFamily="34" charset="-128"/>
+              </a:defRPr>
+            </a:lvl2pPr>
+            <a:lvl3pPr marL="1143000" indent="-228600">
+              <a:defRPr sz="2400">
+                <a:solidFill>
+                  <a:schemeClr val="tx1"/>
+                </a:solidFill>
+                <a:latin typeface="Times New Roman" panose="02020603050405020304" pitchFamily="18" charset="0"/>
+                <a:ea typeface="MS PGothic" panose="020B0600070205080204" pitchFamily="34" charset="-128"/>
+              </a:defRPr>
+            </a:lvl3pPr>
+            <a:lvl4pPr marL="1600200" indent="-228600">
+              <a:defRPr sz="2400">
+                <a:solidFill>
+                  <a:schemeClr val="tx1"/>
+                </a:solidFill>
+                <a:latin typeface="Times New Roman" panose="02020603050405020304" pitchFamily="18" charset="0"/>
+                <a:ea typeface="MS PGothic" panose="020B0600070205080204" pitchFamily="34" charset="-128"/>
+              </a:defRPr>
+            </a:lvl4pPr>
+            <a:lvl5pPr marL="2057400" indent="-228600">
+              <a:defRPr sz="2400">
+                <a:solidFill>
+                  <a:schemeClr val="tx1"/>
+                </a:solidFill>
+                <a:latin typeface="Times New Roman" panose="02020603050405020304" pitchFamily="18" charset="0"/>
+                <a:ea typeface="MS PGothic" panose="020B0600070205080204" pitchFamily="34" charset="-128"/>
+              </a:defRPr>
+            </a:lvl5pPr>
+            <a:lvl6pPr marL="2514600" indent="-228600" algn="r" eaLnBrk="0" fontAlgn="base" hangingPunct="0">
+              <a:spcBef>
+                <a:spcPct val="0"/>
+              </a:spcBef>
+              <a:spcAft>
+                <a:spcPct val="0"/>
+              </a:spcAft>
+              <a:buChar char="•"/>
+              <a:defRPr sz="2400">
+                <a:solidFill>
+                  <a:schemeClr val="tx1"/>
+                </a:solidFill>
+                <a:latin typeface="Times New Roman" panose="02020603050405020304" pitchFamily="18" charset="0"/>
+                <a:ea typeface="MS PGothic" panose="020B0600070205080204" pitchFamily="34" charset="-128"/>
+              </a:defRPr>
+            </a:lvl6pPr>
+            <a:lvl7pPr marL="2971800" indent="-228600" algn="r" eaLnBrk="0" fontAlgn="base" hangingPunct="0">
+              <a:spcBef>
+                <a:spcPct val="0"/>
+              </a:spcBef>
+              <a:spcAft>
+                <a:spcPct val="0"/>
+              </a:spcAft>
+              <a:buChar char="•"/>
+              <a:defRPr sz="2400">
+                <a:solidFill>
+                  <a:schemeClr val="tx1"/>
+                </a:solidFill>
+                <a:latin typeface="Times New Roman" panose="02020603050405020304" pitchFamily="18" charset="0"/>
+                <a:ea typeface="MS PGothic" panose="020B0600070205080204" pitchFamily="34" charset="-128"/>
+              </a:defRPr>
+            </a:lvl7pPr>
+            <a:lvl8pPr marL="3429000" indent="-228600" algn="r" eaLnBrk="0" fontAlgn="base" hangingPunct="0">
+              <a:spcBef>
+                <a:spcPct val="0"/>
+              </a:spcBef>
+              <a:spcAft>
+                <a:spcPct val="0"/>
+              </a:spcAft>
+              <a:buChar char="•"/>
+              <a:defRPr sz="2400">
+                <a:solidFill>
+                  <a:schemeClr val="tx1"/>
+                </a:solidFill>
+                <a:latin typeface="Times New Roman" panose="02020603050405020304" pitchFamily="18" charset="0"/>
+                <a:ea typeface="MS PGothic" panose="020B0600070205080204" pitchFamily="34" charset="-128"/>
+              </a:defRPr>
+            </a:lvl8pPr>
+            <a:lvl9pPr marL="3886200" indent="-228600" algn="r" eaLnBrk="0" fontAlgn="base" hangingPunct="0">
+              <a:spcBef>
+                <a:spcPct val="0"/>
+              </a:spcBef>
+              <a:spcAft>
+                <a:spcPct val="0"/>
+              </a:spcAft>
+              <a:buChar char="•"/>
+              <a:defRPr sz="2400">
+                <a:solidFill>
+                  <a:schemeClr val="tx1"/>
+                </a:solidFill>
+                <a:latin typeface="Times New Roman" panose="02020603050405020304" pitchFamily="18" charset="0"/>
+                <a:ea typeface="MS PGothic" panose="020B0600070205080204" pitchFamily="34" charset="-128"/>
+              </a:defRPr>
+            </a:lvl9pPr>
+          </a:lstStyle>
+          <a:p>
+            <a:pPr algn="ctr" eaLnBrk="1" hangingPunct="1">
+              <a:spcBef>
+                <a:spcPct val="50000"/>
+              </a:spcBef>
+              <a:buFontTx/>
+              <a:buNone/>
+            </a:pPr>
+            <a:r>
+              <a:rPr lang="en-GB" sz="1200" dirty="0">
+                <a:latin typeface="+mn-lt"/>
+              </a:rPr>
+              <a:t>dispatch</a:t>
+            </a:r>
+          </a:p>
+        </p:txBody>
+      </p:sp>
+      <p:sp>
+        <p:nvSpPr>
+          <p:cNvPr id="63" name="Text Box 25">
+            <a:extLst>
+              <a:ext uri="{FF2B5EF4-FFF2-40B4-BE49-F238E27FC236}">
+                <a16:creationId xmlns:a16="http://schemas.microsoft.com/office/drawing/2014/main" id="{34D23615-596D-4C09-A375-0373491EE140}"/>
+              </a:ext>
+            </a:extLst>
+          </p:cNvPr>
+          <p:cNvSpPr txBox="1">
+            <a:spLocks noChangeArrowheads="1"/>
+          </p:cNvSpPr>
+          <p:nvPr/>
+        </p:nvSpPr>
+        <p:spPr bwMode="auto">
+          <a:xfrm>
+            <a:off x="3813038" y="3849281"/>
+            <a:ext cx="1252537" cy="276999"/>
+          </a:xfrm>
+          <a:prstGeom prst="rect">
+            <a:avLst/>
+          </a:prstGeom>
+          <a:noFill/>
+          <a:ln>
+            <a:noFill/>
+          </a:ln>
+          <a:extLst>
+            <a:ext uri="{909E8E84-426E-40dd-AFC4-6F175D3DCCD1}">
+              <a14:hiddenFill xmlns="" xmlns:a14="http://schemas.microsoft.com/office/drawing/2010/main">
+                <a:solidFill>
+                  <a:srgbClr val="FFFFFF"/>
+                </a:solidFill>
+              </a14:hiddenFill>
+            </a:ext>
+            <a:ext uri="{91240B29-F687-4f45-9708-019B960494DF}">
+              <a14:hiddenLine xmlns="" xmlns:a14="http://schemas.microsoft.com/office/drawing/2010/main" w="9525">
+                <a:solidFill>
+                  <a:srgbClr val="000000"/>
+                </a:solidFill>
+                <a:miter lim="800000"/>
+                <a:headEnd/>
+                <a:tailEnd/>
+              </a14:hiddenLine>
+            </a:ext>
+          </a:extLst>
+        </p:spPr>
+        <p:txBody>
+          <a:bodyPr>
+            <a:spAutoFit/>
+          </a:bodyPr>
+          <a:lstStyle>
+            <a:lvl1pPr>
+              <a:defRPr sz="2400">
+                <a:solidFill>
+                  <a:schemeClr val="tx1"/>
+                </a:solidFill>
+                <a:latin typeface="Times New Roman" panose="02020603050405020304" pitchFamily="18" charset="0"/>
+                <a:ea typeface="MS PGothic" panose="020B0600070205080204" pitchFamily="34" charset="-128"/>
+              </a:defRPr>
+            </a:lvl1pPr>
+            <a:lvl2pPr marL="742950" indent="-285750">
+              <a:defRPr sz="2400">
+                <a:solidFill>
+                  <a:schemeClr val="tx1"/>
+                </a:solidFill>
+                <a:latin typeface="Times New Roman" panose="02020603050405020304" pitchFamily="18" charset="0"/>
+                <a:ea typeface="MS PGothic" panose="020B0600070205080204" pitchFamily="34" charset="-128"/>
+              </a:defRPr>
+            </a:lvl2pPr>
+            <a:lvl3pPr marL="1143000" indent="-228600">
+              <a:defRPr sz="2400">
+                <a:solidFill>
+                  <a:schemeClr val="tx1"/>
+                </a:solidFill>
+                <a:latin typeface="Times New Roman" panose="02020603050405020304" pitchFamily="18" charset="0"/>
+                <a:ea typeface="MS PGothic" panose="020B0600070205080204" pitchFamily="34" charset="-128"/>
+              </a:defRPr>
+            </a:lvl3pPr>
+            <a:lvl4pPr marL="1600200" indent="-228600">
+              <a:defRPr sz="2400">
+                <a:solidFill>
+                  <a:schemeClr val="tx1"/>
+                </a:solidFill>
+                <a:latin typeface="Times New Roman" panose="02020603050405020304" pitchFamily="18" charset="0"/>
+                <a:ea typeface="MS PGothic" panose="020B0600070205080204" pitchFamily="34" charset="-128"/>
+              </a:defRPr>
+            </a:lvl4pPr>
+            <a:lvl5pPr marL="2057400" indent="-228600">
+              <a:defRPr sz="2400">
+                <a:solidFill>
+                  <a:schemeClr val="tx1"/>
+                </a:solidFill>
+                <a:latin typeface="Times New Roman" panose="02020603050405020304" pitchFamily="18" charset="0"/>
+                <a:ea typeface="MS PGothic" panose="020B0600070205080204" pitchFamily="34" charset="-128"/>
+              </a:defRPr>
+            </a:lvl5pPr>
+            <a:lvl6pPr marL="2514600" indent="-228600" algn="r" eaLnBrk="0" fontAlgn="base" hangingPunct="0">
+              <a:spcBef>
+                <a:spcPct val="0"/>
+              </a:spcBef>
+              <a:spcAft>
+                <a:spcPct val="0"/>
+              </a:spcAft>
+              <a:buChar char="•"/>
+              <a:defRPr sz="2400">
+                <a:solidFill>
+                  <a:schemeClr val="tx1"/>
+                </a:solidFill>
+                <a:latin typeface="Times New Roman" panose="02020603050405020304" pitchFamily="18" charset="0"/>
+                <a:ea typeface="MS PGothic" panose="020B0600070205080204" pitchFamily="34" charset="-128"/>
+              </a:defRPr>
+            </a:lvl6pPr>
+            <a:lvl7pPr marL="2971800" indent="-228600" algn="r" eaLnBrk="0" fontAlgn="base" hangingPunct="0">
+              <a:spcBef>
+                <a:spcPct val="0"/>
+              </a:spcBef>
+              <a:spcAft>
+                <a:spcPct val="0"/>
+              </a:spcAft>
+              <a:buChar char="•"/>
+              <a:defRPr sz="2400">
+                <a:solidFill>
+                  <a:schemeClr val="tx1"/>
+                </a:solidFill>
+                <a:latin typeface="Times New Roman" panose="02020603050405020304" pitchFamily="18" charset="0"/>
+                <a:ea typeface="MS PGothic" panose="020B0600070205080204" pitchFamily="34" charset="-128"/>
+              </a:defRPr>
+            </a:lvl7pPr>
+            <a:lvl8pPr marL="3429000" indent="-228600" algn="r" eaLnBrk="0" fontAlgn="base" hangingPunct="0">
+              <a:spcBef>
+                <a:spcPct val="0"/>
+              </a:spcBef>
+              <a:spcAft>
+                <a:spcPct val="0"/>
+              </a:spcAft>
+              <a:buChar char="•"/>
+              <a:defRPr sz="2400">
+                <a:solidFill>
+                  <a:schemeClr val="tx1"/>
+                </a:solidFill>
+                <a:latin typeface="Times New Roman" panose="02020603050405020304" pitchFamily="18" charset="0"/>
+                <a:ea typeface="MS PGothic" panose="020B0600070205080204" pitchFamily="34" charset="-128"/>
+              </a:defRPr>
+            </a:lvl8pPr>
+            <a:lvl9pPr marL="3886200" indent="-228600" algn="r" eaLnBrk="0" fontAlgn="base" hangingPunct="0">
+              <a:spcBef>
+                <a:spcPct val="0"/>
+              </a:spcBef>
+              <a:spcAft>
+                <a:spcPct val="0"/>
+              </a:spcAft>
+              <a:buChar char="•"/>
+              <a:defRPr sz="2400">
+                <a:solidFill>
+                  <a:schemeClr val="tx1"/>
+                </a:solidFill>
+                <a:latin typeface="Times New Roman" panose="02020603050405020304" pitchFamily="18" charset="0"/>
+                <a:ea typeface="MS PGothic" panose="020B0600070205080204" pitchFamily="34" charset="-128"/>
+              </a:defRPr>
+            </a:lvl9pPr>
+          </a:lstStyle>
+          <a:p>
+            <a:pPr algn="ctr" eaLnBrk="1" hangingPunct="1">
+              <a:spcBef>
+                <a:spcPct val="50000"/>
+              </a:spcBef>
+              <a:buFontTx/>
+              <a:buNone/>
+            </a:pPr>
+            <a:r>
+              <a:rPr lang="en-GB" sz="1200" dirty="0">
+                <a:latin typeface="+mn-lt"/>
+              </a:rPr>
+              <a:t>cancel</a:t>
+            </a:r>
+          </a:p>
+        </p:txBody>
+      </p:sp>
+      <p:sp>
+        <p:nvSpPr>
+          <p:cNvPr id="64" name="Text Box 25">
+            <a:extLst>
+              <a:ext uri="{FF2B5EF4-FFF2-40B4-BE49-F238E27FC236}">
+                <a16:creationId xmlns:a16="http://schemas.microsoft.com/office/drawing/2014/main" id="{15803AC3-024D-406F-8802-0D42A2462DB9}"/>
+              </a:ext>
+            </a:extLst>
+          </p:cNvPr>
+          <p:cNvSpPr txBox="1">
+            <a:spLocks noChangeArrowheads="1"/>
+          </p:cNvSpPr>
+          <p:nvPr/>
+        </p:nvSpPr>
+        <p:spPr bwMode="auto">
+          <a:xfrm>
+            <a:off x="7507732" y="3584748"/>
+            <a:ext cx="1252537" cy="276999"/>
+          </a:xfrm>
+          <a:prstGeom prst="rect">
+            <a:avLst/>
+          </a:prstGeom>
+          <a:noFill/>
+          <a:ln>
+            <a:noFill/>
+          </a:ln>
+          <a:extLst>
+            <a:ext uri="{909E8E84-426E-40dd-AFC4-6F175D3DCCD1}">
+              <a14:hiddenFill xmlns="" xmlns:a14="http://schemas.microsoft.com/office/drawing/2010/main">
+                <a:solidFill>
+                  <a:srgbClr val="FFFFFF"/>
+                </a:solidFill>
+              </a14:hiddenFill>
+            </a:ext>
+            <a:ext uri="{91240B29-F687-4f45-9708-019B960494DF}">
+              <a14:hiddenLine xmlns="" xmlns:a14="http://schemas.microsoft.com/office/drawing/2010/main" w="9525">
+                <a:solidFill>
+                  <a:srgbClr val="000000"/>
+                </a:solidFill>
+                <a:miter lim="800000"/>
+                <a:headEnd/>
+                <a:tailEnd/>
+              </a14:hiddenLine>
+            </a:ext>
+          </a:extLst>
+        </p:spPr>
+        <p:txBody>
+          <a:bodyPr>
+            <a:spAutoFit/>
+          </a:bodyPr>
+          <a:lstStyle>
+            <a:lvl1pPr>
+              <a:defRPr sz="2400">
+                <a:solidFill>
+                  <a:schemeClr val="tx1"/>
+                </a:solidFill>
+                <a:latin typeface="Times New Roman" panose="02020603050405020304" pitchFamily="18" charset="0"/>
+                <a:ea typeface="MS PGothic" panose="020B0600070205080204" pitchFamily="34" charset="-128"/>
+              </a:defRPr>
+            </a:lvl1pPr>
+            <a:lvl2pPr marL="742950" indent="-285750">
+              <a:defRPr sz="2400">
+                <a:solidFill>
+                  <a:schemeClr val="tx1"/>
+                </a:solidFill>
+                <a:latin typeface="Times New Roman" panose="02020603050405020304" pitchFamily="18" charset="0"/>
+                <a:ea typeface="MS PGothic" panose="020B0600070205080204" pitchFamily="34" charset="-128"/>
+              </a:defRPr>
+            </a:lvl2pPr>
+            <a:lvl3pPr marL="1143000" indent="-228600">
+              <a:defRPr sz="2400">
+                <a:solidFill>
+                  <a:schemeClr val="tx1"/>
+                </a:solidFill>
+                <a:latin typeface="Times New Roman" panose="02020603050405020304" pitchFamily="18" charset="0"/>
+                <a:ea typeface="MS PGothic" panose="020B0600070205080204" pitchFamily="34" charset="-128"/>
+              </a:defRPr>
+            </a:lvl3pPr>
+            <a:lvl4pPr marL="1600200" indent="-228600">
+              <a:defRPr sz="2400">
+                <a:solidFill>
+                  <a:schemeClr val="tx1"/>
+                </a:solidFill>
+                <a:latin typeface="Times New Roman" panose="02020603050405020304" pitchFamily="18" charset="0"/>
+                <a:ea typeface="MS PGothic" panose="020B0600070205080204" pitchFamily="34" charset="-128"/>
+              </a:defRPr>
+            </a:lvl4pPr>
+            <a:lvl5pPr marL="2057400" indent="-228600">
+              <a:defRPr sz="2400">
+                <a:solidFill>
+                  <a:schemeClr val="tx1"/>
+                </a:solidFill>
+                <a:latin typeface="Times New Roman" panose="02020603050405020304" pitchFamily="18" charset="0"/>
+                <a:ea typeface="MS PGothic" panose="020B0600070205080204" pitchFamily="34" charset="-128"/>
+              </a:defRPr>
+            </a:lvl5pPr>
+            <a:lvl6pPr marL="2514600" indent="-228600" algn="r" eaLnBrk="0" fontAlgn="base" hangingPunct="0">
+              <a:spcBef>
+                <a:spcPct val="0"/>
+              </a:spcBef>
+              <a:spcAft>
+                <a:spcPct val="0"/>
+              </a:spcAft>
+              <a:buChar char="•"/>
+              <a:defRPr sz="2400">
+                <a:solidFill>
+                  <a:schemeClr val="tx1"/>
+                </a:solidFill>
+                <a:latin typeface="Times New Roman" panose="02020603050405020304" pitchFamily="18" charset="0"/>
+                <a:ea typeface="MS PGothic" panose="020B0600070205080204" pitchFamily="34" charset="-128"/>
+              </a:defRPr>
+            </a:lvl6pPr>
+            <a:lvl7pPr marL="2971800" indent="-228600" algn="r" eaLnBrk="0" fontAlgn="base" hangingPunct="0">
+              <a:spcBef>
+                <a:spcPct val="0"/>
+              </a:spcBef>
+              <a:spcAft>
+                <a:spcPct val="0"/>
+              </a:spcAft>
+              <a:buChar char="•"/>
+              <a:defRPr sz="2400">
+                <a:solidFill>
+                  <a:schemeClr val="tx1"/>
+                </a:solidFill>
+                <a:latin typeface="Times New Roman" panose="02020603050405020304" pitchFamily="18" charset="0"/>
+                <a:ea typeface="MS PGothic" panose="020B0600070205080204" pitchFamily="34" charset="-128"/>
+              </a:defRPr>
+            </a:lvl7pPr>
+            <a:lvl8pPr marL="3429000" indent="-228600" algn="r" eaLnBrk="0" fontAlgn="base" hangingPunct="0">
+              <a:spcBef>
+                <a:spcPct val="0"/>
+              </a:spcBef>
+              <a:spcAft>
+                <a:spcPct val="0"/>
+              </a:spcAft>
+              <a:buChar char="•"/>
+              <a:defRPr sz="2400">
+                <a:solidFill>
+                  <a:schemeClr val="tx1"/>
+                </a:solidFill>
+                <a:latin typeface="Times New Roman" panose="02020603050405020304" pitchFamily="18" charset="0"/>
+                <a:ea typeface="MS PGothic" panose="020B0600070205080204" pitchFamily="34" charset="-128"/>
+              </a:defRPr>
+            </a:lvl8pPr>
+            <a:lvl9pPr marL="3886200" indent="-228600" algn="r" eaLnBrk="0" fontAlgn="base" hangingPunct="0">
+              <a:spcBef>
+                <a:spcPct val="0"/>
+              </a:spcBef>
+              <a:spcAft>
+                <a:spcPct val="0"/>
+              </a:spcAft>
+              <a:buChar char="•"/>
+              <a:defRPr sz="2400">
+                <a:solidFill>
+                  <a:schemeClr val="tx1"/>
+                </a:solidFill>
+                <a:latin typeface="Times New Roman" panose="02020603050405020304" pitchFamily="18" charset="0"/>
+                <a:ea typeface="MS PGothic" panose="020B0600070205080204" pitchFamily="34" charset="-128"/>
+              </a:defRPr>
+            </a:lvl9pPr>
+          </a:lstStyle>
+          <a:p>
+            <a:pPr algn="ctr" eaLnBrk="1" hangingPunct="1">
+              <a:spcBef>
+                <a:spcPct val="50000"/>
+              </a:spcBef>
+              <a:buFontTx/>
+              <a:buNone/>
+            </a:pPr>
+            <a:r>
+              <a:rPr lang="en-GB" sz="1200" dirty="0">
+                <a:latin typeface="+mn-lt"/>
+              </a:rPr>
+              <a:t>ship</a:t>
+            </a:r>
+          </a:p>
+        </p:txBody>
+      </p:sp>
+    </p:spTree>
+    <p:extLst>
+      <p:ext uri="{BB962C8B-B14F-4D97-AF65-F5344CB8AC3E}">
+        <p14:creationId xmlns:p14="http://schemas.microsoft.com/office/powerpoint/2010/main" val="2540385577"/>
+      </p:ext>
+    </p:extLst>
+  </p:cSld>
+  <p:clrMapOvr>
+    <a:masterClrMapping/>
+  </p:clrMapOvr>
+</p:sld>
+</file>
+
+<file path=ppt/slides/slide12.xml><?xml version="1.0" encoding="utf-8"?>
+<p:sld xmlns:a="http://schemas.openxmlformats.org/drawingml/2006/main" xmlns:r="http://schemas.openxmlformats.org/officeDocument/2006/relationships" xmlns:p="http://schemas.openxmlformats.org/presentationml/2006/main">
+  <p:cSld>
+    <p:spTree>
+      <p:nvGrpSpPr>
+        <p:cNvPr id="1" name=""/>
+        <p:cNvGrpSpPr/>
+        <p:nvPr/>
+      </p:nvGrpSpPr>
+      <p:grpSpPr>
+        <a:xfrm>
+          <a:off x="0" y="0"/>
+          <a:ext cx="0" cy="0"/>
+          <a:chOff x="0" y="0"/>
+          <a:chExt cx="0" cy="0"/>
+        </a:xfrm>
+      </p:grpSpPr>
+      <p:sp>
+        <p:nvSpPr>
+          <p:cNvPr id="6" name="Rectangle: Rounded Corners 5">
+            <a:extLst>
+              <a:ext uri="{FF2B5EF4-FFF2-40B4-BE49-F238E27FC236}">
+                <a16:creationId xmlns:a16="http://schemas.microsoft.com/office/drawing/2014/main" id="{C9C2E517-6DF8-4739-BD03-6E36EFCEECCD}"/>
+              </a:ext>
+            </a:extLst>
+          </p:cNvPr>
+          <p:cNvSpPr/>
+          <p:nvPr/>
+        </p:nvSpPr>
+        <p:spPr>
+          <a:xfrm>
+            <a:off x="3625233" y="2817910"/>
+            <a:ext cx="1211597" cy="487532"/>
+          </a:xfrm>
+          <a:prstGeom prst="roundRect">
+            <a:avLst>
+              <a:gd name="adj" fmla="val 45098"/>
+            </a:avLst>
+          </a:prstGeom>
+          <a:solidFill>
+            <a:schemeClr val="bg1"/>
+          </a:solidFill>
+          <a:ln w="19050">
+            <a:solidFill>
+              <a:schemeClr val="tx1"/>
+            </a:solidFill>
+          </a:ln>
+        </p:spPr>
+        <p:style>
+          <a:lnRef idx="2">
+            <a:schemeClr val="accent1">
+              <a:shade val="50000"/>
+            </a:schemeClr>
+          </a:lnRef>
+          <a:fillRef idx="1">
+            <a:schemeClr val="accent1"/>
+          </a:fillRef>
+          <a:effectRef idx="0">
+            <a:schemeClr val="accent1"/>
+          </a:effectRef>
+          <a:fontRef idx="minor">
+            <a:schemeClr val="lt1"/>
+          </a:fontRef>
+        </p:style>
+        <p:txBody>
+          <a:bodyPr rtlCol="0" anchor="ctr"/>
+          <a:lstStyle/>
+          <a:p>
+            <a:pPr algn="ctr"/>
+            <a:r>
+              <a:rPr lang="en-US" sz="1400" dirty="0">
+                <a:solidFill>
+                  <a:schemeClr val="tx1"/>
+                </a:solidFill>
+              </a:rPr>
+              <a:t>green</a:t>
+            </a:r>
+          </a:p>
+        </p:txBody>
+      </p:sp>
+      <p:sp>
+        <p:nvSpPr>
+          <p:cNvPr id="9" name="Rectangle: Rounded Corners 8">
+            <a:extLst>
+              <a:ext uri="{FF2B5EF4-FFF2-40B4-BE49-F238E27FC236}">
+                <a16:creationId xmlns:a16="http://schemas.microsoft.com/office/drawing/2014/main" id="{B7FBAB08-1202-4130-886F-7D2783443893}"/>
+              </a:ext>
+            </a:extLst>
+          </p:cNvPr>
+          <p:cNvSpPr/>
+          <p:nvPr/>
+        </p:nvSpPr>
+        <p:spPr>
+          <a:xfrm>
+            <a:off x="3625233" y="3862312"/>
+            <a:ext cx="1211597" cy="487532"/>
+          </a:xfrm>
+          <a:prstGeom prst="roundRect">
+            <a:avLst>
+              <a:gd name="adj" fmla="val 45098"/>
+            </a:avLst>
+          </a:prstGeom>
+          <a:solidFill>
+            <a:schemeClr val="bg1"/>
+          </a:solidFill>
+          <a:ln w="19050">
+            <a:solidFill>
+              <a:schemeClr val="tx1"/>
+            </a:solidFill>
+          </a:ln>
+        </p:spPr>
+        <p:style>
+          <a:lnRef idx="2">
+            <a:schemeClr val="accent1">
+              <a:shade val="50000"/>
+            </a:schemeClr>
+          </a:lnRef>
+          <a:fillRef idx="1">
+            <a:schemeClr val="accent1"/>
+          </a:fillRef>
+          <a:effectRef idx="0">
+            <a:schemeClr val="accent1"/>
+          </a:effectRef>
+          <a:fontRef idx="minor">
+            <a:schemeClr val="lt1"/>
+          </a:fontRef>
+        </p:style>
+        <p:txBody>
+          <a:bodyPr rtlCol="0" anchor="ctr"/>
+          <a:lstStyle/>
+          <a:p>
+            <a:pPr algn="ctr"/>
+            <a:r>
+              <a:rPr lang="en-US" sz="1400" dirty="0">
+                <a:solidFill>
+                  <a:schemeClr val="tx1"/>
+                </a:solidFill>
+              </a:rPr>
+              <a:t>orange</a:t>
+            </a:r>
+          </a:p>
+        </p:txBody>
+      </p:sp>
+      <p:sp>
+        <p:nvSpPr>
+          <p:cNvPr id="11" name="Oval 10">
+            <a:extLst>
+              <a:ext uri="{FF2B5EF4-FFF2-40B4-BE49-F238E27FC236}">
+                <a16:creationId xmlns:a16="http://schemas.microsoft.com/office/drawing/2014/main" id="{3AEEEB6D-B5C2-4E81-BE46-C01481DC2DC9}"/>
+              </a:ext>
+            </a:extLst>
+          </p:cNvPr>
+          <p:cNvSpPr/>
+          <p:nvPr/>
+        </p:nvSpPr>
+        <p:spPr>
+          <a:xfrm>
+            <a:off x="4150348" y="2378110"/>
+            <a:ext cx="161365" cy="161365"/>
+          </a:xfrm>
+          <a:prstGeom prst="ellipse">
+            <a:avLst/>
+          </a:prstGeom>
+          <a:solidFill>
+            <a:schemeClr val="tx1"/>
+          </a:solidFill>
+          <a:ln>
+            <a:noFill/>
+          </a:ln>
+        </p:spPr>
+        <p:style>
+          <a:lnRef idx="2">
+            <a:schemeClr val="accent1">
+              <a:shade val="50000"/>
+            </a:schemeClr>
+          </a:lnRef>
+          <a:fillRef idx="1">
+            <a:schemeClr val="accent1"/>
+          </a:fillRef>
+          <a:effectRef idx="0">
+            <a:schemeClr val="accent1"/>
+          </a:effectRef>
+          <a:fontRef idx="minor">
+            <a:schemeClr val="lt1"/>
+          </a:fontRef>
+        </p:style>
+        <p:txBody>
+          <a:bodyPr rtlCol="0" anchor="ctr"/>
+          <a:lstStyle/>
+          <a:p>
+            <a:pPr algn="ctr"/>
+            <a:endParaRPr lang="en-US"/>
+          </a:p>
+        </p:txBody>
+      </p:sp>
+      <p:sp>
+        <p:nvSpPr>
+          <p:cNvPr id="62" name="Text Box 25">
+            <a:extLst>
+              <a:ext uri="{FF2B5EF4-FFF2-40B4-BE49-F238E27FC236}">
+                <a16:creationId xmlns:a16="http://schemas.microsoft.com/office/drawing/2014/main" id="{A6D97D23-2B18-48CC-8831-361C20C91DA2}"/>
+              </a:ext>
+            </a:extLst>
+          </p:cNvPr>
+          <p:cNvSpPr txBox="1">
+            <a:spLocks noChangeArrowheads="1"/>
+          </p:cNvSpPr>
+          <p:nvPr/>
+        </p:nvSpPr>
+        <p:spPr bwMode="auto">
+          <a:xfrm>
+            <a:off x="3281394" y="3410708"/>
+            <a:ext cx="1252537" cy="276999"/>
+          </a:xfrm>
+          <a:prstGeom prst="rect">
+            <a:avLst/>
+          </a:prstGeom>
+          <a:noFill/>
+          <a:ln>
+            <a:noFill/>
+          </a:ln>
+          <a:extLst>
+            <a:ext uri="{909E8E84-426E-40dd-AFC4-6F175D3DCCD1}">
+              <a14:hiddenFill xmlns="" xmlns:a14="http://schemas.microsoft.com/office/drawing/2010/main">
+                <a:solidFill>
+                  <a:srgbClr val="FFFFFF"/>
+                </a:solidFill>
+              </a14:hiddenFill>
+            </a:ext>
+            <a:ext uri="{91240B29-F687-4f45-9708-019B960494DF}">
+              <a14:hiddenLine xmlns="" xmlns:a14="http://schemas.microsoft.com/office/drawing/2010/main" w="9525">
+                <a:solidFill>
+                  <a:srgbClr val="000000"/>
+                </a:solidFill>
+                <a:miter lim="800000"/>
+                <a:headEnd/>
+                <a:tailEnd/>
+              </a14:hiddenLine>
+            </a:ext>
+          </a:extLst>
+        </p:spPr>
+        <p:txBody>
+          <a:bodyPr>
+            <a:spAutoFit/>
+          </a:bodyPr>
+          <a:lstStyle>
+            <a:lvl1pPr>
+              <a:defRPr sz="2400">
+                <a:solidFill>
+                  <a:schemeClr val="tx1"/>
+                </a:solidFill>
+                <a:latin typeface="Times New Roman" panose="02020603050405020304" pitchFamily="18" charset="0"/>
+                <a:ea typeface="MS PGothic" panose="020B0600070205080204" pitchFamily="34" charset="-128"/>
+              </a:defRPr>
+            </a:lvl1pPr>
+            <a:lvl2pPr marL="742950" indent="-285750">
+              <a:defRPr sz="2400">
+                <a:solidFill>
+                  <a:schemeClr val="tx1"/>
+                </a:solidFill>
+                <a:latin typeface="Times New Roman" panose="02020603050405020304" pitchFamily="18" charset="0"/>
+                <a:ea typeface="MS PGothic" panose="020B0600070205080204" pitchFamily="34" charset="-128"/>
+              </a:defRPr>
+            </a:lvl2pPr>
+            <a:lvl3pPr marL="1143000" indent="-228600">
+              <a:defRPr sz="2400">
+                <a:solidFill>
+                  <a:schemeClr val="tx1"/>
+                </a:solidFill>
+                <a:latin typeface="Times New Roman" panose="02020603050405020304" pitchFamily="18" charset="0"/>
+                <a:ea typeface="MS PGothic" panose="020B0600070205080204" pitchFamily="34" charset="-128"/>
+              </a:defRPr>
+            </a:lvl3pPr>
+            <a:lvl4pPr marL="1600200" indent="-228600">
+              <a:defRPr sz="2400">
+                <a:solidFill>
+                  <a:schemeClr val="tx1"/>
+                </a:solidFill>
+                <a:latin typeface="Times New Roman" panose="02020603050405020304" pitchFamily="18" charset="0"/>
+                <a:ea typeface="MS PGothic" panose="020B0600070205080204" pitchFamily="34" charset="-128"/>
+              </a:defRPr>
+            </a:lvl4pPr>
+            <a:lvl5pPr marL="2057400" indent="-228600">
+              <a:defRPr sz="2400">
+                <a:solidFill>
+                  <a:schemeClr val="tx1"/>
+                </a:solidFill>
+                <a:latin typeface="Times New Roman" panose="02020603050405020304" pitchFamily="18" charset="0"/>
+                <a:ea typeface="MS PGothic" panose="020B0600070205080204" pitchFamily="34" charset="-128"/>
+              </a:defRPr>
+            </a:lvl5pPr>
+            <a:lvl6pPr marL="2514600" indent="-228600" algn="r" eaLnBrk="0" fontAlgn="base" hangingPunct="0">
+              <a:spcBef>
+                <a:spcPct val="0"/>
+              </a:spcBef>
+              <a:spcAft>
+                <a:spcPct val="0"/>
+              </a:spcAft>
+              <a:buChar char="•"/>
+              <a:defRPr sz="2400">
+                <a:solidFill>
+                  <a:schemeClr val="tx1"/>
+                </a:solidFill>
+                <a:latin typeface="Times New Roman" panose="02020603050405020304" pitchFamily="18" charset="0"/>
+                <a:ea typeface="MS PGothic" panose="020B0600070205080204" pitchFamily="34" charset="-128"/>
+              </a:defRPr>
+            </a:lvl6pPr>
+            <a:lvl7pPr marL="2971800" indent="-228600" algn="r" eaLnBrk="0" fontAlgn="base" hangingPunct="0">
+              <a:spcBef>
+                <a:spcPct val="0"/>
+              </a:spcBef>
+              <a:spcAft>
+                <a:spcPct val="0"/>
+              </a:spcAft>
+              <a:buChar char="•"/>
+              <a:defRPr sz="2400">
+                <a:solidFill>
+                  <a:schemeClr val="tx1"/>
+                </a:solidFill>
+                <a:latin typeface="Times New Roman" panose="02020603050405020304" pitchFamily="18" charset="0"/>
+                <a:ea typeface="MS PGothic" panose="020B0600070205080204" pitchFamily="34" charset="-128"/>
+              </a:defRPr>
+            </a:lvl7pPr>
+            <a:lvl8pPr marL="3429000" indent="-228600" algn="r" eaLnBrk="0" fontAlgn="base" hangingPunct="0">
+              <a:spcBef>
+                <a:spcPct val="0"/>
+              </a:spcBef>
+              <a:spcAft>
+                <a:spcPct val="0"/>
+              </a:spcAft>
+              <a:buChar char="•"/>
+              <a:defRPr sz="2400">
+                <a:solidFill>
+                  <a:schemeClr val="tx1"/>
+                </a:solidFill>
+                <a:latin typeface="Times New Roman" panose="02020603050405020304" pitchFamily="18" charset="0"/>
+                <a:ea typeface="MS PGothic" panose="020B0600070205080204" pitchFamily="34" charset="-128"/>
+              </a:defRPr>
+            </a:lvl8pPr>
+            <a:lvl9pPr marL="3886200" indent="-228600" algn="r" eaLnBrk="0" fontAlgn="base" hangingPunct="0">
+              <a:spcBef>
+                <a:spcPct val="0"/>
+              </a:spcBef>
+              <a:spcAft>
+                <a:spcPct val="0"/>
+              </a:spcAft>
+              <a:buChar char="•"/>
+              <a:defRPr sz="2400">
+                <a:solidFill>
+                  <a:schemeClr val="tx1"/>
+                </a:solidFill>
+                <a:latin typeface="Times New Roman" panose="02020603050405020304" pitchFamily="18" charset="0"/>
+                <a:ea typeface="MS PGothic" panose="020B0600070205080204" pitchFamily="34" charset="-128"/>
+              </a:defRPr>
+            </a:lvl9pPr>
+          </a:lstStyle>
+          <a:p>
+            <a:pPr algn="ctr" eaLnBrk="1" hangingPunct="1">
+              <a:spcBef>
+                <a:spcPct val="50000"/>
+              </a:spcBef>
+              <a:buFontTx/>
+              <a:buNone/>
+            </a:pPr>
+            <a:r>
+              <a:rPr lang="en-GB" sz="1200" dirty="0">
+                <a:latin typeface="+mn-lt"/>
+              </a:rPr>
+              <a:t>timeout</a:t>
+            </a:r>
+          </a:p>
+        </p:txBody>
+      </p:sp>
+      <p:cxnSp>
+        <p:nvCxnSpPr>
+          <p:cNvPr id="36" name="Straight Arrow Connector 35">
+            <a:extLst>
+              <a:ext uri="{FF2B5EF4-FFF2-40B4-BE49-F238E27FC236}">
+                <a16:creationId xmlns:a16="http://schemas.microsoft.com/office/drawing/2014/main" id="{478E77BA-8D20-4D9D-9524-992AF04618E0}"/>
+              </a:ext>
+            </a:extLst>
+          </p:cNvPr>
+          <p:cNvCxnSpPr>
+            <a:cxnSpLocks/>
+            <a:stCxn id="6" idx="2"/>
+            <a:endCxn id="9" idx="0"/>
+          </p:cNvCxnSpPr>
+          <p:nvPr/>
+        </p:nvCxnSpPr>
+        <p:spPr>
+          <a:xfrm>
+            <a:off x="4231032" y="3305442"/>
+            <a:ext cx="0" cy="556870"/>
+          </a:xfrm>
+          <a:prstGeom prst="straightConnector1">
+            <a:avLst/>
+          </a:prstGeom>
+          <a:ln w="19050">
+            <a:solidFill>
+              <a:schemeClr val="tx1"/>
+            </a:solidFill>
+            <a:tailEnd type="arrow"/>
+          </a:ln>
+        </p:spPr>
+        <p:style>
+          <a:lnRef idx="1">
+            <a:schemeClr val="accent1"/>
+          </a:lnRef>
+          <a:fillRef idx="0">
+            <a:schemeClr val="accent1"/>
+          </a:fillRef>
+          <a:effectRef idx="0">
+            <a:schemeClr val="accent1"/>
+          </a:effectRef>
+          <a:fontRef idx="minor">
+            <a:schemeClr val="tx1"/>
+          </a:fontRef>
+        </p:style>
+      </p:cxnSp>
+      <p:cxnSp>
+        <p:nvCxnSpPr>
+          <p:cNvPr id="40" name="Straight Arrow Connector 39">
+            <a:extLst>
+              <a:ext uri="{FF2B5EF4-FFF2-40B4-BE49-F238E27FC236}">
+                <a16:creationId xmlns:a16="http://schemas.microsoft.com/office/drawing/2014/main" id="{E675F7BF-16D3-4A81-AA99-132F860A0B9A}"/>
+              </a:ext>
+            </a:extLst>
+          </p:cNvPr>
+          <p:cNvCxnSpPr>
+            <a:cxnSpLocks/>
+            <a:stCxn id="11" idx="4"/>
+            <a:endCxn id="6" idx="0"/>
+          </p:cNvCxnSpPr>
+          <p:nvPr/>
+        </p:nvCxnSpPr>
+        <p:spPr>
+          <a:xfrm>
+            <a:off x="4231031" y="2539475"/>
+            <a:ext cx="1" cy="278435"/>
+          </a:xfrm>
+          <a:prstGeom prst="straightConnector1">
+            <a:avLst/>
+          </a:prstGeom>
+          <a:ln w="19050">
+            <a:solidFill>
+              <a:schemeClr val="tx1"/>
+            </a:solidFill>
+            <a:tailEnd type="arrow"/>
+          </a:ln>
+        </p:spPr>
+        <p:style>
+          <a:lnRef idx="1">
+            <a:schemeClr val="accent1"/>
+          </a:lnRef>
+          <a:fillRef idx="0">
+            <a:schemeClr val="accent1"/>
+          </a:fillRef>
+          <a:effectRef idx="0">
+            <a:schemeClr val="accent1"/>
+          </a:effectRef>
+          <a:fontRef idx="minor">
+            <a:schemeClr val="tx1"/>
+          </a:fontRef>
+        </p:style>
+      </p:cxnSp>
+      <p:cxnSp>
+        <p:nvCxnSpPr>
+          <p:cNvPr id="45" name="Connector: Elbow 44">
+            <a:extLst>
+              <a:ext uri="{FF2B5EF4-FFF2-40B4-BE49-F238E27FC236}">
+                <a16:creationId xmlns:a16="http://schemas.microsoft.com/office/drawing/2014/main" id="{9522B5B5-045C-4E7B-9D94-6891940CF4EA}"/>
+              </a:ext>
+            </a:extLst>
+          </p:cNvPr>
+          <p:cNvCxnSpPr>
+            <a:cxnSpLocks/>
+            <a:stCxn id="50" idx="3"/>
+            <a:endCxn id="6" idx="3"/>
+          </p:cNvCxnSpPr>
+          <p:nvPr/>
+        </p:nvCxnSpPr>
+        <p:spPr>
+          <a:xfrm flipV="1">
+            <a:off x="4836829" y="3061676"/>
+            <a:ext cx="1" cy="2091092"/>
+          </a:xfrm>
+          <a:prstGeom prst="bentConnector3">
+            <a:avLst>
+              <a:gd name="adj1" fmla="val 22860100000"/>
+            </a:avLst>
+          </a:prstGeom>
+          <a:ln w="19050">
+            <a:solidFill>
+              <a:schemeClr val="tx1"/>
+            </a:solidFill>
+            <a:tailEnd type="arrow"/>
+          </a:ln>
+        </p:spPr>
+        <p:style>
+          <a:lnRef idx="1">
+            <a:schemeClr val="accent1"/>
+          </a:lnRef>
+          <a:fillRef idx="0">
+            <a:schemeClr val="accent1"/>
+          </a:fillRef>
+          <a:effectRef idx="0">
+            <a:schemeClr val="accent1"/>
+          </a:effectRef>
+          <a:fontRef idx="minor">
+            <a:schemeClr val="tx1"/>
+          </a:fontRef>
+        </p:style>
+      </p:cxnSp>
+      <p:sp>
+        <p:nvSpPr>
+          <p:cNvPr id="49" name="Text Box 25">
+            <a:extLst>
+              <a:ext uri="{FF2B5EF4-FFF2-40B4-BE49-F238E27FC236}">
+                <a16:creationId xmlns:a16="http://schemas.microsoft.com/office/drawing/2014/main" id="{2CF68A09-BBCB-4133-8C7B-185A1A61141A}"/>
+              </a:ext>
+            </a:extLst>
+          </p:cNvPr>
+          <p:cNvSpPr txBox="1">
+            <a:spLocks noChangeArrowheads="1"/>
+          </p:cNvSpPr>
+          <p:nvPr/>
+        </p:nvSpPr>
+        <p:spPr bwMode="auto">
+          <a:xfrm>
+            <a:off x="4533931" y="5221391"/>
+            <a:ext cx="1252537" cy="276999"/>
+          </a:xfrm>
+          <a:prstGeom prst="rect">
+            <a:avLst/>
+          </a:prstGeom>
+          <a:noFill/>
+          <a:ln>
+            <a:noFill/>
+          </a:ln>
+          <a:extLst>
+            <a:ext uri="{909E8E84-426E-40dd-AFC4-6F175D3DCCD1}">
+              <a14:hiddenFill xmlns="" xmlns:a14="http://schemas.microsoft.com/office/drawing/2010/main">
+                <a:solidFill>
+                  <a:srgbClr val="FFFFFF"/>
+                </a:solidFill>
+              </a14:hiddenFill>
+            </a:ext>
+            <a:ext uri="{91240B29-F687-4f45-9708-019B960494DF}">
+              <a14:hiddenLine xmlns="" xmlns:a14="http://schemas.microsoft.com/office/drawing/2010/main" w="9525">
+                <a:solidFill>
+                  <a:srgbClr val="000000"/>
+                </a:solidFill>
+                <a:miter lim="800000"/>
+                <a:headEnd/>
+                <a:tailEnd/>
+              </a14:hiddenLine>
+            </a:ext>
+          </a:extLst>
+        </p:spPr>
+        <p:txBody>
+          <a:bodyPr>
+            <a:spAutoFit/>
+          </a:bodyPr>
+          <a:lstStyle>
+            <a:lvl1pPr>
+              <a:defRPr sz="2400">
+                <a:solidFill>
+                  <a:schemeClr val="tx1"/>
+                </a:solidFill>
+                <a:latin typeface="Times New Roman" panose="02020603050405020304" pitchFamily="18" charset="0"/>
+                <a:ea typeface="MS PGothic" panose="020B0600070205080204" pitchFamily="34" charset="-128"/>
+              </a:defRPr>
+            </a:lvl1pPr>
+            <a:lvl2pPr marL="742950" indent="-285750">
+              <a:defRPr sz="2400">
+                <a:solidFill>
+                  <a:schemeClr val="tx1"/>
+                </a:solidFill>
+                <a:latin typeface="Times New Roman" panose="02020603050405020304" pitchFamily="18" charset="0"/>
+                <a:ea typeface="MS PGothic" panose="020B0600070205080204" pitchFamily="34" charset="-128"/>
+              </a:defRPr>
+            </a:lvl2pPr>
+            <a:lvl3pPr marL="1143000" indent="-228600">
+              <a:defRPr sz="2400">
+                <a:solidFill>
+                  <a:schemeClr val="tx1"/>
+                </a:solidFill>
+                <a:latin typeface="Times New Roman" panose="02020603050405020304" pitchFamily="18" charset="0"/>
+                <a:ea typeface="MS PGothic" panose="020B0600070205080204" pitchFamily="34" charset="-128"/>
+              </a:defRPr>
+            </a:lvl3pPr>
+            <a:lvl4pPr marL="1600200" indent="-228600">
+              <a:defRPr sz="2400">
+                <a:solidFill>
+                  <a:schemeClr val="tx1"/>
+                </a:solidFill>
+                <a:latin typeface="Times New Roman" panose="02020603050405020304" pitchFamily="18" charset="0"/>
+                <a:ea typeface="MS PGothic" panose="020B0600070205080204" pitchFamily="34" charset="-128"/>
+              </a:defRPr>
+            </a:lvl4pPr>
+            <a:lvl5pPr marL="2057400" indent="-228600">
+              <a:defRPr sz="2400">
+                <a:solidFill>
+                  <a:schemeClr val="tx1"/>
+                </a:solidFill>
+                <a:latin typeface="Times New Roman" panose="02020603050405020304" pitchFamily="18" charset="0"/>
+                <a:ea typeface="MS PGothic" panose="020B0600070205080204" pitchFamily="34" charset="-128"/>
+              </a:defRPr>
+            </a:lvl5pPr>
+            <a:lvl6pPr marL="2514600" indent="-228600" algn="r" eaLnBrk="0" fontAlgn="base" hangingPunct="0">
+              <a:spcBef>
+                <a:spcPct val="0"/>
+              </a:spcBef>
+              <a:spcAft>
+                <a:spcPct val="0"/>
+              </a:spcAft>
+              <a:buChar char="•"/>
+              <a:defRPr sz="2400">
+                <a:solidFill>
+                  <a:schemeClr val="tx1"/>
+                </a:solidFill>
+                <a:latin typeface="Times New Roman" panose="02020603050405020304" pitchFamily="18" charset="0"/>
+                <a:ea typeface="MS PGothic" panose="020B0600070205080204" pitchFamily="34" charset="-128"/>
+              </a:defRPr>
+            </a:lvl6pPr>
+            <a:lvl7pPr marL="2971800" indent="-228600" algn="r" eaLnBrk="0" fontAlgn="base" hangingPunct="0">
+              <a:spcBef>
+                <a:spcPct val="0"/>
+              </a:spcBef>
+              <a:spcAft>
+                <a:spcPct val="0"/>
+              </a:spcAft>
+              <a:buChar char="•"/>
+              <a:defRPr sz="2400">
+                <a:solidFill>
+                  <a:schemeClr val="tx1"/>
+                </a:solidFill>
+                <a:latin typeface="Times New Roman" panose="02020603050405020304" pitchFamily="18" charset="0"/>
+                <a:ea typeface="MS PGothic" panose="020B0600070205080204" pitchFamily="34" charset="-128"/>
+              </a:defRPr>
+            </a:lvl7pPr>
+            <a:lvl8pPr marL="3429000" indent="-228600" algn="r" eaLnBrk="0" fontAlgn="base" hangingPunct="0">
+              <a:spcBef>
+                <a:spcPct val="0"/>
+              </a:spcBef>
+              <a:spcAft>
+                <a:spcPct val="0"/>
+              </a:spcAft>
+              <a:buChar char="•"/>
+              <a:defRPr sz="2400">
+                <a:solidFill>
+                  <a:schemeClr val="tx1"/>
+                </a:solidFill>
+                <a:latin typeface="Times New Roman" panose="02020603050405020304" pitchFamily="18" charset="0"/>
+                <a:ea typeface="MS PGothic" panose="020B0600070205080204" pitchFamily="34" charset="-128"/>
+              </a:defRPr>
+            </a:lvl8pPr>
+            <a:lvl9pPr marL="3886200" indent="-228600" algn="r" eaLnBrk="0" fontAlgn="base" hangingPunct="0">
+              <a:spcBef>
+                <a:spcPct val="0"/>
+              </a:spcBef>
+              <a:spcAft>
+                <a:spcPct val="0"/>
+              </a:spcAft>
+              <a:buChar char="•"/>
+              <a:defRPr sz="2400">
+                <a:solidFill>
+                  <a:schemeClr val="tx1"/>
+                </a:solidFill>
+                <a:latin typeface="Times New Roman" panose="02020603050405020304" pitchFamily="18" charset="0"/>
+                <a:ea typeface="MS PGothic" panose="020B0600070205080204" pitchFamily="34" charset="-128"/>
+              </a:defRPr>
+            </a:lvl9pPr>
+          </a:lstStyle>
+          <a:p>
+            <a:pPr algn="ctr" eaLnBrk="1" hangingPunct="1">
+              <a:spcBef>
+                <a:spcPct val="50000"/>
+              </a:spcBef>
+              <a:buFontTx/>
+              <a:buNone/>
+            </a:pPr>
+            <a:r>
+              <a:rPr lang="en-GB" sz="1200" dirty="0">
+                <a:latin typeface="+mn-lt"/>
+              </a:rPr>
+              <a:t>timeout</a:t>
+            </a:r>
+          </a:p>
+        </p:txBody>
+      </p:sp>
+      <p:sp>
+        <p:nvSpPr>
+          <p:cNvPr id="50" name="Rectangle: Rounded Corners 49">
+            <a:extLst>
+              <a:ext uri="{FF2B5EF4-FFF2-40B4-BE49-F238E27FC236}">
+                <a16:creationId xmlns:a16="http://schemas.microsoft.com/office/drawing/2014/main" id="{DFB49164-04CE-42E6-BDD8-A4C77671EDFB}"/>
+              </a:ext>
+            </a:extLst>
+          </p:cNvPr>
+          <p:cNvSpPr/>
+          <p:nvPr/>
+        </p:nvSpPr>
+        <p:spPr>
+          <a:xfrm>
+            <a:off x="3625232" y="4909002"/>
+            <a:ext cx="1211597" cy="487532"/>
+          </a:xfrm>
+          <a:prstGeom prst="roundRect">
+            <a:avLst>
+              <a:gd name="adj" fmla="val 45098"/>
+            </a:avLst>
+          </a:prstGeom>
+          <a:solidFill>
+            <a:schemeClr val="bg1"/>
+          </a:solidFill>
+          <a:ln w="19050">
+            <a:solidFill>
+              <a:schemeClr val="tx1"/>
+            </a:solidFill>
+          </a:ln>
+        </p:spPr>
+        <p:style>
+          <a:lnRef idx="2">
+            <a:schemeClr val="accent1">
+              <a:shade val="50000"/>
+            </a:schemeClr>
+          </a:lnRef>
+          <a:fillRef idx="1">
+            <a:schemeClr val="accent1"/>
+          </a:fillRef>
+          <a:effectRef idx="0">
+            <a:schemeClr val="accent1"/>
+          </a:effectRef>
+          <a:fontRef idx="minor">
+            <a:schemeClr val="lt1"/>
+          </a:fontRef>
+        </p:style>
+        <p:txBody>
+          <a:bodyPr rtlCol="0" anchor="ctr"/>
+          <a:lstStyle/>
+          <a:p>
+            <a:pPr algn="ctr"/>
+            <a:r>
+              <a:rPr lang="en-US" sz="1400" dirty="0">
+                <a:solidFill>
+                  <a:schemeClr val="tx1"/>
+                </a:solidFill>
+              </a:rPr>
+              <a:t>red</a:t>
+            </a:r>
+          </a:p>
+        </p:txBody>
+      </p:sp>
+      <p:sp>
+        <p:nvSpPr>
+          <p:cNvPr id="51" name="Oval 50">
+            <a:extLst>
+              <a:ext uri="{FF2B5EF4-FFF2-40B4-BE49-F238E27FC236}">
+                <a16:creationId xmlns:a16="http://schemas.microsoft.com/office/drawing/2014/main" id="{374D17E3-6D18-48BF-9E12-704DC1821D00}"/>
+              </a:ext>
+            </a:extLst>
+          </p:cNvPr>
+          <p:cNvSpPr/>
+          <p:nvPr/>
+        </p:nvSpPr>
+        <p:spPr>
+          <a:xfrm>
+            <a:off x="4110573" y="5712487"/>
+            <a:ext cx="240917" cy="240917"/>
+          </a:xfrm>
+          <a:prstGeom prst="ellipse">
+            <a:avLst/>
+          </a:prstGeom>
+          <a:solidFill>
+            <a:schemeClr val="tx1"/>
+          </a:solidFill>
+          <a:ln>
+            <a:noFill/>
+          </a:ln>
+        </p:spPr>
+        <p:style>
+          <a:lnRef idx="2">
+            <a:schemeClr val="accent1">
+              <a:shade val="50000"/>
+            </a:schemeClr>
+          </a:lnRef>
+          <a:fillRef idx="1">
+            <a:schemeClr val="accent1"/>
+          </a:fillRef>
+          <a:effectRef idx="0">
+            <a:schemeClr val="accent1"/>
+          </a:effectRef>
+          <a:fontRef idx="minor">
+            <a:schemeClr val="lt1"/>
+          </a:fontRef>
+        </p:style>
+        <p:txBody>
+          <a:bodyPr rtlCol="0" anchor="ctr"/>
+          <a:lstStyle/>
+          <a:p>
+            <a:pPr algn="ctr"/>
+            <a:endParaRPr lang="en-US"/>
+          </a:p>
+        </p:txBody>
+      </p:sp>
+      <p:sp>
+        <p:nvSpPr>
+          <p:cNvPr id="53" name="Oval 52">
+            <a:extLst>
+              <a:ext uri="{FF2B5EF4-FFF2-40B4-BE49-F238E27FC236}">
+                <a16:creationId xmlns:a16="http://schemas.microsoft.com/office/drawing/2014/main" id="{82E350E5-9282-472D-99B6-8A1127ACCCE8}"/>
+              </a:ext>
+            </a:extLst>
+          </p:cNvPr>
+          <p:cNvSpPr/>
+          <p:nvPr/>
+        </p:nvSpPr>
+        <p:spPr>
+          <a:xfrm>
+            <a:off x="4150348" y="5752262"/>
+            <a:ext cx="161365" cy="161365"/>
+          </a:xfrm>
+          <a:prstGeom prst="ellipse">
+            <a:avLst/>
+          </a:prstGeom>
+          <a:solidFill>
+            <a:schemeClr val="tx1"/>
+          </a:solidFill>
+          <a:ln w="25400">
+            <a:solidFill>
+              <a:schemeClr val="bg1"/>
+            </a:solidFill>
+          </a:ln>
+        </p:spPr>
+        <p:style>
+          <a:lnRef idx="2">
+            <a:schemeClr val="accent1">
+              <a:shade val="50000"/>
+            </a:schemeClr>
+          </a:lnRef>
+          <a:fillRef idx="1">
+            <a:schemeClr val="accent1"/>
+          </a:fillRef>
+          <a:effectRef idx="0">
+            <a:schemeClr val="accent1"/>
+          </a:effectRef>
+          <a:fontRef idx="minor">
+            <a:schemeClr val="lt1"/>
+          </a:fontRef>
+        </p:style>
+        <p:txBody>
+          <a:bodyPr rtlCol="0" anchor="ctr"/>
+          <a:lstStyle/>
+          <a:p>
+            <a:pPr algn="ctr"/>
+            <a:endParaRPr lang="en-US"/>
+          </a:p>
+        </p:txBody>
+      </p:sp>
+      <p:cxnSp>
+        <p:nvCxnSpPr>
+          <p:cNvPr id="54" name="Straight Arrow Connector 53">
+            <a:extLst>
+              <a:ext uri="{FF2B5EF4-FFF2-40B4-BE49-F238E27FC236}">
+                <a16:creationId xmlns:a16="http://schemas.microsoft.com/office/drawing/2014/main" id="{3B977661-0B08-46D0-AF22-940A0A1FD163}"/>
+              </a:ext>
+            </a:extLst>
+          </p:cNvPr>
+          <p:cNvCxnSpPr>
+            <a:cxnSpLocks/>
+            <a:stCxn id="50" idx="2"/>
+            <a:endCxn id="51" idx="0"/>
+          </p:cNvCxnSpPr>
+          <p:nvPr/>
+        </p:nvCxnSpPr>
+        <p:spPr>
+          <a:xfrm>
+            <a:off x="4231031" y="5396534"/>
+            <a:ext cx="1" cy="315953"/>
+          </a:xfrm>
+          <a:prstGeom prst="straightConnector1">
+            <a:avLst/>
+          </a:prstGeom>
+          <a:ln w="19050">
+            <a:solidFill>
+              <a:schemeClr val="tx1"/>
+            </a:solidFill>
+            <a:tailEnd type="arrow"/>
+          </a:ln>
+        </p:spPr>
+        <p:style>
+          <a:lnRef idx="1">
+            <a:schemeClr val="accent1"/>
+          </a:lnRef>
+          <a:fillRef idx="0">
+            <a:schemeClr val="accent1"/>
+          </a:fillRef>
+          <a:effectRef idx="0">
+            <a:schemeClr val="accent1"/>
+          </a:effectRef>
+          <a:fontRef idx="minor">
+            <a:schemeClr val="tx1"/>
+          </a:fontRef>
+        </p:style>
+      </p:cxnSp>
+      <p:sp>
+        <p:nvSpPr>
+          <p:cNvPr id="55" name="Text Box 25">
+            <a:extLst>
+              <a:ext uri="{FF2B5EF4-FFF2-40B4-BE49-F238E27FC236}">
+                <a16:creationId xmlns:a16="http://schemas.microsoft.com/office/drawing/2014/main" id="{42F5CAAE-AFDD-4B38-ADD4-FD91D3F6D011}"/>
+              </a:ext>
+            </a:extLst>
+          </p:cNvPr>
+          <p:cNvSpPr txBox="1">
+            <a:spLocks noChangeArrowheads="1"/>
+          </p:cNvSpPr>
+          <p:nvPr/>
+        </p:nvSpPr>
+        <p:spPr bwMode="auto">
+          <a:xfrm>
+            <a:off x="3281394" y="4454549"/>
+            <a:ext cx="1252537" cy="276999"/>
+          </a:xfrm>
+          <a:prstGeom prst="rect">
+            <a:avLst/>
+          </a:prstGeom>
+          <a:noFill/>
+          <a:ln>
+            <a:noFill/>
+          </a:ln>
+          <a:extLst>
+            <a:ext uri="{909E8E84-426E-40dd-AFC4-6F175D3DCCD1}">
+              <a14:hiddenFill xmlns="" xmlns:a14="http://schemas.microsoft.com/office/drawing/2010/main">
+                <a:solidFill>
+                  <a:srgbClr val="FFFFFF"/>
+                </a:solidFill>
+              </a14:hiddenFill>
+            </a:ext>
+            <a:ext uri="{91240B29-F687-4f45-9708-019B960494DF}">
+              <a14:hiddenLine xmlns="" xmlns:a14="http://schemas.microsoft.com/office/drawing/2010/main" w="9525">
+                <a:solidFill>
+                  <a:srgbClr val="000000"/>
+                </a:solidFill>
+                <a:miter lim="800000"/>
+                <a:headEnd/>
+                <a:tailEnd/>
+              </a14:hiddenLine>
+            </a:ext>
+          </a:extLst>
+        </p:spPr>
+        <p:txBody>
+          <a:bodyPr>
+            <a:spAutoFit/>
+          </a:bodyPr>
+          <a:lstStyle>
+            <a:lvl1pPr>
+              <a:defRPr sz="2400">
+                <a:solidFill>
+                  <a:schemeClr val="tx1"/>
+                </a:solidFill>
+                <a:latin typeface="Times New Roman" panose="02020603050405020304" pitchFamily="18" charset="0"/>
+                <a:ea typeface="MS PGothic" panose="020B0600070205080204" pitchFamily="34" charset="-128"/>
+              </a:defRPr>
+            </a:lvl1pPr>
+            <a:lvl2pPr marL="742950" indent="-285750">
+              <a:defRPr sz="2400">
+                <a:solidFill>
+                  <a:schemeClr val="tx1"/>
+                </a:solidFill>
+                <a:latin typeface="Times New Roman" panose="02020603050405020304" pitchFamily="18" charset="0"/>
+                <a:ea typeface="MS PGothic" panose="020B0600070205080204" pitchFamily="34" charset="-128"/>
+              </a:defRPr>
+            </a:lvl2pPr>
+            <a:lvl3pPr marL="1143000" indent="-228600">
+              <a:defRPr sz="2400">
+                <a:solidFill>
+                  <a:schemeClr val="tx1"/>
+                </a:solidFill>
+                <a:latin typeface="Times New Roman" panose="02020603050405020304" pitchFamily="18" charset="0"/>
+                <a:ea typeface="MS PGothic" panose="020B0600070205080204" pitchFamily="34" charset="-128"/>
+              </a:defRPr>
+            </a:lvl3pPr>
+            <a:lvl4pPr marL="1600200" indent="-228600">
+              <a:defRPr sz="2400">
+                <a:solidFill>
+                  <a:schemeClr val="tx1"/>
+                </a:solidFill>
+                <a:latin typeface="Times New Roman" panose="02020603050405020304" pitchFamily="18" charset="0"/>
+                <a:ea typeface="MS PGothic" panose="020B0600070205080204" pitchFamily="34" charset="-128"/>
+              </a:defRPr>
+            </a:lvl4pPr>
+            <a:lvl5pPr marL="2057400" indent="-228600">
+              <a:defRPr sz="2400">
+                <a:solidFill>
+                  <a:schemeClr val="tx1"/>
+                </a:solidFill>
+                <a:latin typeface="Times New Roman" panose="02020603050405020304" pitchFamily="18" charset="0"/>
+                <a:ea typeface="MS PGothic" panose="020B0600070205080204" pitchFamily="34" charset="-128"/>
+              </a:defRPr>
+            </a:lvl5pPr>
+            <a:lvl6pPr marL="2514600" indent="-228600" algn="r" eaLnBrk="0" fontAlgn="base" hangingPunct="0">
+              <a:spcBef>
+                <a:spcPct val="0"/>
+              </a:spcBef>
+              <a:spcAft>
+                <a:spcPct val="0"/>
+              </a:spcAft>
+              <a:buChar char="•"/>
+              <a:defRPr sz="2400">
+                <a:solidFill>
+                  <a:schemeClr val="tx1"/>
+                </a:solidFill>
+                <a:latin typeface="Times New Roman" panose="02020603050405020304" pitchFamily="18" charset="0"/>
+                <a:ea typeface="MS PGothic" panose="020B0600070205080204" pitchFamily="34" charset="-128"/>
+              </a:defRPr>
+            </a:lvl6pPr>
+            <a:lvl7pPr marL="2971800" indent="-228600" algn="r" eaLnBrk="0" fontAlgn="base" hangingPunct="0">
+              <a:spcBef>
+                <a:spcPct val="0"/>
+              </a:spcBef>
+              <a:spcAft>
+                <a:spcPct val="0"/>
+              </a:spcAft>
+              <a:buChar char="•"/>
+              <a:defRPr sz="2400">
+                <a:solidFill>
+                  <a:schemeClr val="tx1"/>
+                </a:solidFill>
+                <a:latin typeface="Times New Roman" panose="02020603050405020304" pitchFamily="18" charset="0"/>
+                <a:ea typeface="MS PGothic" panose="020B0600070205080204" pitchFamily="34" charset="-128"/>
+              </a:defRPr>
+            </a:lvl7pPr>
+            <a:lvl8pPr marL="3429000" indent="-228600" algn="r" eaLnBrk="0" fontAlgn="base" hangingPunct="0">
+              <a:spcBef>
+                <a:spcPct val="0"/>
+              </a:spcBef>
+              <a:spcAft>
+                <a:spcPct val="0"/>
+              </a:spcAft>
+              <a:buChar char="•"/>
+              <a:defRPr sz="2400">
+                <a:solidFill>
+                  <a:schemeClr val="tx1"/>
+                </a:solidFill>
+                <a:latin typeface="Times New Roman" panose="02020603050405020304" pitchFamily="18" charset="0"/>
+                <a:ea typeface="MS PGothic" panose="020B0600070205080204" pitchFamily="34" charset="-128"/>
+              </a:defRPr>
+            </a:lvl8pPr>
+            <a:lvl9pPr marL="3886200" indent="-228600" algn="r" eaLnBrk="0" fontAlgn="base" hangingPunct="0">
+              <a:spcBef>
+                <a:spcPct val="0"/>
+              </a:spcBef>
+              <a:spcAft>
+                <a:spcPct val="0"/>
+              </a:spcAft>
+              <a:buChar char="•"/>
+              <a:defRPr sz="2400">
+                <a:solidFill>
+                  <a:schemeClr val="tx1"/>
+                </a:solidFill>
+                <a:latin typeface="Times New Roman" panose="02020603050405020304" pitchFamily="18" charset="0"/>
+                <a:ea typeface="MS PGothic" panose="020B0600070205080204" pitchFamily="34" charset="-128"/>
+              </a:defRPr>
+            </a:lvl9pPr>
+          </a:lstStyle>
+          <a:p>
+            <a:pPr algn="ctr" eaLnBrk="1" hangingPunct="1">
+              <a:spcBef>
+                <a:spcPct val="50000"/>
+              </a:spcBef>
+              <a:buFontTx/>
+              <a:buNone/>
+            </a:pPr>
+            <a:r>
+              <a:rPr lang="en-GB" sz="1200" dirty="0">
+                <a:latin typeface="+mn-lt"/>
+              </a:rPr>
+              <a:t>timeout</a:t>
+            </a:r>
+          </a:p>
+        </p:txBody>
+      </p:sp>
+      <p:cxnSp>
+        <p:nvCxnSpPr>
+          <p:cNvPr id="56" name="Straight Arrow Connector 55">
+            <a:extLst>
+              <a:ext uri="{FF2B5EF4-FFF2-40B4-BE49-F238E27FC236}">
+                <a16:creationId xmlns:a16="http://schemas.microsoft.com/office/drawing/2014/main" id="{ECAE7E21-F49F-4AA6-B4EB-569102C39A05}"/>
+              </a:ext>
+            </a:extLst>
+          </p:cNvPr>
+          <p:cNvCxnSpPr>
+            <a:cxnSpLocks/>
+          </p:cNvCxnSpPr>
+          <p:nvPr/>
+        </p:nvCxnSpPr>
+        <p:spPr>
+          <a:xfrm>
+            <a:off x="4231032" y="4349283"/>
+            <a:ext cx="0" cy="556870"/>
+          </a:xfrm>
+          <a:prstGeom prst="straightConnector1">
+            <a:avLst/>
+          </a:prstGeom>
+          <a:ln w="19050">
+            <a:solidFill>
+              <a:schemeClr val="tx1"/>
+            </a:solidFill>
+            <a:tailEnd type="arrow"/>
+          </a:ln>
+        </p:spPr>
+        <p:style>
+          <a:lnRef idx="1">
+            <a:schemeClr val="accent1"/>
+          </a:lnRef>
+          <a:fillRef idx="0">
+            <a:schemeClr val="accent1"/>
+          </a:fillRef>
+          <a:effectRef idx="0">
+            <a:schemeClr val="accent1"/>
+          </a:effectRef>
+          <a:fontRef idx="minor">
+            <a:schemeClr val="tx1"/>
+          </a:fontRef>
+        </p:style>
+      </p:cxnSp>
+      <p:sp>
+        <p:nvSpPr>
+          <p:cNvPr id="58" name="Text Box 25">
+            <a:extLst>
+              <a:ext uri="{FF2B5EF4-FFF2-40B4-BE49-F238E27FC236}">
+                <a16:creationId xmlns:a16="http://schemas.microsoft.com/office/drawing/2014/main" id="{941C41B2-2A41-4AA0-992B-B9570BF9353F}"/>
+              </a:ext>
+            </a:extLst>
+          </p:cNvPr>
+          <p:cNvSpPr txBox="1">
+            <a:spLocks noChangeArrowheads="1"/>
+          </p:cNvSpPr>
+          <p:nvPr/>
+        </p:nvSpPr>
+        <p:spPr bwMode="auto">
+          <a:xfrm>
+            <a:off x="3532909" y="5393124"/>
+            <a:ext cx="951231" cy="276999"/>
+          </a:xfrm>
+          <a:prstGeom prst="rect">
+            <a:avLst/>
+          </a:prstGeom>
+          <a:noFill/>
+          <a:ln>
+            <a:noFill/>
+          </a:ln>
+          <a:extLst>
+            <a:ext uri="{909E8E84-426E-40dd-AFC4-6F175D3DCCD1}">
+              <a14:hiddenFill xmlns="" xmlns:a14="http://schemas.microsoft.com/office/drawing/2010/main">
+                <a:solidFill>
+                  <a:srgbClr val="FFFFFF"/>
+                </a:solidFill>
+              </a14:hiddenFill>
+            </a:ext>
+            <a:ext uri="{91240B29-F687-4f45-9708-019B960494DF}">
+              <a14:hiddenLine xmlns="" xmlns:a14="http://schemas.microsoft.com/office/drawing/2010/main" w="9525">
+                <a:solidFill>
+                  <a:srgbClr val="000000"/>
+                </a:solidFill>
+                <a:miter lim="800000"/>
+                <a:headEnd/>
+                <a:tailEnd/>
+              </a14:hiddenLine>
+            </a:ext>
+          </a:extLst>
+        </p:spPr>
+        <p:txBody>
+          <a:bodyPr wrap="square">
+            <a:spAutoFit/>
+          </a:bodyPr>
+          <a:lstStyle>
+            <a:lvl1pPr>
+              <a:defRPr sz="2400">
+                <a:solidFill>
+                  <a:schemeClr val="tx1"/>
+                </a:solidFill>
+                <a:latin typeface="Times New Roman" panose="02020603050405020304" pitchFamily="18" charset="0"/>
+                <a:ea typeface="MS PGothic" panose="020B0600070205080204" pitchFamily="34" charset="-128"/>
+              </a:defRPr>
+            </a:lvl1pPr>
+            <a:lvl2pPr marL="742950" indent="-285750">
+              <a:defRPr sz="2400">
+                <a:solidFill>
+                  <a:schemeClr val="tx1"/>
+                </a:solidFill>
+                <a:latin typeface="Times New Roman" panose="02020603050405020304" pitchFamily="18" charset="0"/>
+                <a:ea typeface="MS PGothic" panose="020B0600070205080204" pitchFamily="34" charset="-128"/>
+              </a:defRPr>
+            </a:lvl2pPr>
+            <a:lvl3pPr marL="1143000" indent="-228600">
+              <a:defRPr sz="2400">
+                <a:solidFill>
+                  <a:schemeClr val="tx1"/>
+                </a:solidFill>
+                <a:latin typeface="Times New Roman" panose="02020603050405020304" pitchFamily="18" charset="0"/>
+                <a:ea typeface="MS PGothic" panose="020B0600070205080204" pitchFamily="34" charset="-128"/>
+              </a:defRPr>
+            </a:lvl3pPr>
+            <a:lvl4pPr marL="1600200" indent="-228600">
+              <a:defRPr sz="2400">
+                <a:solidFill>
+                  <a:schemeClr val="tx1"/>
+                </a:solidFill>
+                <a:latin typeface="Times New Roman" panose="02020603050405020304" pitchFamily="18" charset="0"/>
+                <a:ea typeface="MS PGothic" panose="020B0600070205080204" pitchFamily="34" charset="-128"/>
+              </a:defRPr>
+            </a:lvl4pPr>
+            <a:lvl5pPr marL="2057400" indent="-228600">
+              <a:defRPr sz="2400">
+                <a:solidFill>
+                  <a:schemeClr val="tx1"/>
+                </a:solidFill>
+                <a:latin typeface="Times New Roman" panose="02020603050405020304" pitchFamily="18" charset="0"/>
+                <a:ea typeface="MS PGothic" panose="020B0600070205080204" pitchFamily="34" charset="-128"/>
+              </a:defRPr>
+            </a:lvl5pPr>
+            <a:lvl6pPr marL="2514600" indent="-228600" algn="r" eaLnBrk="0" fontAlgn="base" hangingPunct="0">
+              <a:spcBef>
+                <a:spcPct val="0"/>
+              </a:spcBef>
+              <a:spcAft>
+                <a:spcPct val="0"/>
+              </a:spcAft>
+              <a:buChar char="•"/>
+              <a:defRPr sz="2400">
+                <a:solidFill>
+                  <a:schemeClr val="tx1"/>
+                </a:solidFill>
+                <a:latin typeface="Times New Roman" panose="02020603050405020304" pitchFamily="18" charset="0"/>
+                <a:ea typeface="MS PGothic" panose="020B0600070205080204" pitchFamily="34" charset="-128"/>
+              </a:defRPr>
+            </a:lvl6pPr>
+            <a:lvl7pPr marL="2971800" indent="-228600" algn="r" eaLnBrk="0" fontAlgn="base" hangingPunct="0">
+              <a:spcBef>
+                <a:spcPct val="0"/>
+              </a:spcBef>
+              <a:spcAft>
+                <a:spcPct val="0"/>
+              </a:spcAft>
+              <a:buChar char="•"/>
+              <a:defRPr sz="2400">
+                <a:solidFill>
+                  <a:schemeClr val="tx1"/>
+                </a:solidFill>
+                <a:latin typeface="Times New Roman" panose="02020603050405020304" pitchFamily="18" charset="0"/>
+                <a:ea typeface="MS PGothic" panose="020B0600070205080204" pitchFamily="34" charset="-128"/>
+              </a:defRPr>
+            </a:lvl7pPr>
+            <a:lvl8pPr marL="3429000" indent="-228600" algn="r" eaLnBrk="0" fontAlgn="base" hangingPunct="0">
+              <a:spcBef>
+                <a:spcPct val="0"/>
+              </a:spcBef>
+              <a:spcAft>
+                <a:spcPct val="0"/>
+              </a:spcAft>
+              <a:buChar char="•"/>
+              <a:defRPr sz="2400">
+                <a:solidFill>
+                  <a:schemeClr val="tx1"/>
+                </a:solidFill>
+                <a:latin typeface="Times New Roman" panose="02020603050405020304" pitchFamily="18" charset="0"/>
+                <a:ea typeface="MS PGothic" panose="020B0600070205080204" pitchFamily="34" charset="-128"/>
+              </a:defRPr>
+            </a:lvl8pPr>
+            <a:lvl9pPr marL="3886200" indent="-228600" algn="r" eaLnBrk="0" fontAlgn="base" hangingPunct="0">
+              <a:spcBef>
+                <a:spcPct val="0"/>
+              </a:spcBef>
+              <a:spcAft>
+                <a:spcPct val="0"/>
+              </a:spcAft>
+              <a:buChar char="•"/>
+              <a:defRPr sz="2400">
+                <a:solidFill>
+                  <a:schemeClr val="tx1"/>
+                </a:solidFill>
+                <a:latin typeface="Times New Roman" panose="02020603050405020304" pitchFamily="18" charset="0"/>
+                <a:ea typeface="MS PGothic" panose="020B0600070205080204" pitchFamily="34" charset="-128"/>
+              </a:defRPr>
+            </a:lvl9pPr>
+          </a:lstStyle>
+          <a:p>
+            <a:pPr algn="ctr" eaLnBrk="1" hangingPunct="1">
+              <a:spcBef>
+                <a:spcPct val="50000"/>
+              </a:spcBef>
+              <a:buFontTx/>
+              <a:buNone/>
+            </a:pPr>
+            <a:r>
+              <a:rPr lang="en-GB" sz="1200" dirty="0">
+                <a:latin typeface="+mn-lt"/>
+              </a:rPr>
+              <a:t>off</a:t>
+            </a:r>
+          </a:p>
+        </p:txBody>
+      </p:sp>
+      <p:sp>
+        <p:nvSpPr>
+          <p:cNvPr id="59" name="Text Box 25">
+            <a:extLst>
+              <a:ext uri="{FF2B5EF4-FFF2-40B4-BE49-F238E27FC236}">
+                <a16:creationId xmlns:a16="http://schemas.microsoft.com/office/drawing/2014/main" id="{08A871A5-8897-4074-ADA7-FC31B095C4F3}"/>
+              </a:ext>
+            </a:extLst>
+          </p:cNvPr>
+          <p:cNvSpPr txBox="1">
+            <a:spLocks noChangeArrowheads="1"/>
+          </p:cNvSpPr>
+          <p:nvPr/>
+        </p:nvSpPr>
+        <p:spPr bwMode="auto">
+          <a:xfrm>
+            <a:off x="3382255" y="2497111"/>
+            <a:ext cx="1252537" cy="276999"/>
+          </a:xfrm>
+          <a:prstGeom prst="rect">
+            <a:avLst/>
+          </a:prstGeom>
+          <a:noFill/>
+          <a:ln>
+            <a:noFill/>
+          </a:ln>
+          <a:extLst>
+            <a:ext uri="{909E8E84-426E-40dd-AFC4-6F175D3DCCD1}">
+              <a14:hiddenFill xmlns="" xmlns:a14="http://schemas.microsoft.com/office/drawing/2010/main">
+                <a:solidFill>
+                  <a:srgbClr val="FFFFFF"/>
+                </a:solidFill>
+              </a14:hiddenFill>
+            </a:ext>
+            <a:ext uri="{91240B29-F687-4f45-9708-019B960494DF}">
+              <a14:hiddenLine xmlns="" xmlns:a14="http://schemas.microsoft.com/office/drawing/2010/main" w="9525">
+                <a:solidFill>
+                  <a:srgbClr val="000000"/>
+                </a:solidFill>
+                <a:miter lim="800000"/>
+                <a:headEnd/>
+                <a:tailEnd/>
+              </a14:hiddenLine>
+            </a:ext>
+          </a:extLst>
+        </p:spPr>
+        <p:txBody>
+          <a:bodyPr>
+            <a:spAutoFit/>
+          </a:bodyPr>
+          <a:lstStyle>
+            <a:lvl1pPr>
+              <a:defRPr sz="2400">
+                <a:solidFill>
+                  <a:schemeClr val="tx1"/>
+                </a:solidFill>
+                <a:latin typeface="Times New Roman" panose="02020603050405020304" pitchFamily="18" charset="0"/>
+                <a:ea typeface="MS PGothic" panose="020B0600070205080204" pitchFamily="34" charset="-128"/>
+              </a:defRPr>
+            </a:lvl1pPr>
+            <a:lvl2pPr marL="742950" indent="-285750">
+              <a:defRPr sz="2400">
+                <a:solidFill>
+                  <a:schemeClr val="tx1"/>
+                </a:solidFill>
+                <a:latin typeface="Times New Roman" panose="02020603050405020304" pitchFamily="18" charset="0"/>
+                <a:ea typeface="MS PGothic" panose="020B0600070205080204" pitchFamily="34" charset="-128"/>
+              </a:defRPr>
+            </a:lvl2pPr>
+            <a:lvl3pPr marL="1143000" indent="-228600">
+              <a:defRPr sz="2400">
+                <a:solidFill>
+                  <a:schemeClr val="tx1"/>
+                </a:solidFill>
+                <a:latin typeface="Times New Roman" panose="02020603050405020304" pitchFamily="18" charset="0"/>
+                <a:ea typeface="MS PGothic" panose="020B0600070205080204" pitchFamily="34" charset="-128"/>
+              </a:defRPr>
+            </a:lvl3pPr>
+            <a:lvl4pPr marL="1600200" indent="-228600">
+              <a:defRPr sz="2400">
+                <a:solidFill>
+                  <a:schemeClr val="tx1"/>
+                </a:solidFill>
+                <a:latin typeface="Times New Roman" panose="02020603050405020304" pitchFamily="18" charset="0"/>
+                <a:ea typeface="MS PGothic" panose="020B0600070205080204" pitchFamily="34" charset="-128"/>
+              </a:defRPr>
+            </a:lvl4pPr>
+            <a:lvl5pPr marL="2057400" indent="-228600">
+              <a:defRPr sz="2400">
+                <a:solidFill>
+                  <a:schemeClr val="tx1"/>
+                </a:solidFill>
+                <a:latin typeface="Times New Roman" panose="02020603050405020304" pitchFamily="18" charset="0"/>
+                <a:ea typeface="MS PGothic" panose="020B0600070205080204" pitchFamily="34" charset="-128"/>
+              </a:defRPr>
+            </a:lvl5pPr>
+            <a:lvl6pPr marL="2514600" indent="-228600" algn="r" eaLnBrk="0" fontAlgn="base" hangingPunct="0">
+              <a:spcBef>
+                <a:spcPct val="0"/>
+              </a:spcBef>
+              <a:spcAft>
+                <a:spcPct val="0"/>
+              </a:spcAft>
+              <a:buChar char="•"/>
+              <a:defRPr sz="2400">
+                <a:solidFill>
+                  <a:schemeClr val="tx1"/>
+                </a:solidFill>
+                <a:latin typeface="Times New Roman" panose="02020603050405020304" pitchFamily="18" charset="0"/>
+                <a:ea typeface="MS PGothic" panose="020B0600070205080204" pitchFamily="34" charset="-128"/>
+              </a:defRPr>
+            </a:lvl6pPr>
+            <a:lvl7pPr marL="2971800" indent="-228600" algn="r" eaLnBrk="0" fontAlgn="base" hangingPunct="0">
+              <a:spcBef>
+                <a:spcPct val="0"/>
+              </a:spcBef>
+              <a:spcAft>
+                <a:spcPct val="0"/>
+              </a:spcAft>
+              <a:buChar char="•"/>
+              <a:defRPr sz="2400">
+                <a:solidFill>
+                  <a:schemeClr val="tx1"/>
+                </a:solidFill>
+                <a:latin typeface="Times New Roman" panose="02020603050405020304" pitchFamily="18" charset="0"/>
+                <a:ea typeface="MS PGothic" panose="020B0600070205080204" pitchFamily="34" charset="-128"/>
+              </a:defRPr>
+            </a:lvl7pPr>
+            <a:lvl8pPr marL="3429000" indent="-228600" algn="r" eaLnBrk="0" fontAlgn="base" hangingPunct="0">
+              <a:spcBef>
+                <a:spcPct val="0"/>
+              </a:spcBef>
+              <a:spcAft>
+                <a:spcPct val="0"/>
+              </a:spcAft>
+              <a:buChar char="•"/>
+              <a:defRPr sz="2400">
+                <a:solidFill>
+                  <a:schemeClr val="tx1"/>
+                </a:solidFill>
+                <a:latin typeface="Times New Roman" panose="02020603050405020304" pitchFamily="18" charset="0"/>
+                <a:ea typeface="MS PGothic" panose="020B0600070205080204" pitchFamily="34" charset="-128"/>
+              </a:defRPr>
+            </a:lvl8pPr>
+            <a:lvl9pPr marL="3886200" indent="-228600" algn="r" eaLnBrk="0" fontAlgn="base" hangingPunct="0">
+              <a:spcBef>
+                <a:spcPct val="0"/>
+              </a:spcBef>
+              <a:spcAft>
+                <a:spcPct val="0"/>
+              </a:spcAft>
+              <a:buChar char="•"/>
+              <a:defRPr sz="2400">
+                <a:solidFill>
+                  <a:schemeClr val="tx1"/>
+                </a:solidFill>
+                <a:latin typeface="Times New Roman" panose="02020603050405020304" pitchFamily="18" charset="0"/>
+                <a:ea typeface="MS PGothic" panose="020B0600070205080204" pitchFamily="34" charset="-128"/>
+              </a:defRPr>
+            </a:lvl9pPr>
+          </a:lstStyle>
+          <a:p>
+            <a:pPr algn="ctr" eaLnBrk="1" hangingPunct="1">
+              <a:spcBef>
+                <a:spcPct val="50000"/>
+              </a:spcBef>
+              <a:buFontTx/>
+              <a:buNone/>
+            </a:pPr>
+            <a:r>
+              <a:rPr lang="en-GB" sz="1200" dirty="0">
+                <a:latin typeface="+mn-lt"/>
+              </a:rPr>
+              <a:t>on</a:t>
+            </a:r>
+          </a:p>
+        </p:txBody>
+      </p:sp>
+      <p:sp>
+        <p:nvSpPr>
+          <p:cNvPr id="65" name="Rectangle: Rounded Corners 64">
+            <a:extLst>
+              <a:ext uri="{FF2B5EF4-FFF2-40B4-BE49-F238E27FC236}">
+                <a16:creationId xmlns:a16="http://schemas.microsoft.com/office/drawing/2014/main" id="{129198AD-0C60-41FF-8142-6E5BD2D80CEF}"/>
+              </a:ext>
+            </a:extLst>
+          </p:cNvPr>
+          <p:cNvSpPr/>
+          <p:nvPr/>
+        </p:nvSpPr>
+        <p:spPr>
+          <a:xfrm>
+            <a:off x="8744487" y="2774109"/>
+            <a:ext cx="1658838" cy="1005025"/>
+          </a:xfrm>
+          <a:prstGeom prst="roundRect">
+            <a:avLst>
+              <a:gd name="adj" fmla="val 23299"/>
+            </a:avLst>
+          </a:prstGeom>
+          <a:solidFill>
+            <a:schemeClr val="bg1"/>
+          </a:solidFill>
+          <a:ln w="19050">
+            <a:solidFill>
+              <a:schemeClr val="tx1"/>
+            </a:solidFill>
+          </a:ln>
+        </p:spPr>
+        <p:style>
+          <a:lnRef idx="2">
+            <a:schemeClr val="accent1">
+              <a:shade val="50000"/>
+            </a:schemeClr>
+          </a:lnRef>
+          <a:fillRef idx="1">
+            <a:schemeClr val="accent1"/>
+          </a:fillRef>
+          <a:effectRef idx="0">
+            <a:schemeClr val="accent1"/>
+          </a:effectRef>
+          <a:fontRef idx="minor">
+            <a:schemeClr val="lt1"/>
+          </a:fontRef>
+        </p:style>
+        <p:txBody>
+          <a:bodyPr rtlCol="0" anchor="ctr"/>
+          <a:lstStyle/>
+          <a:p>
+            <a:pPr algn="ctr"/>
+            <a:endParaRPr lang="en-US" sz="1400" dirty="0">
+              <a:solidFill>
+                <a:schemeClr val="tx1"/>
+              </a:solidFill>
+            </a:endParaRPr>
+          </a:p>
+        </p:txBody>
+      </p:sp>
+      <p:sp>
+        <p:nvSpPr>
+          <p:cNvPr id="66" name="Text Box 25">
+            <a:extLst>
+              <a:ext uri="{FF2B5EF4-FFF2-40B4-BE49-F238E27FC236}">
+                <a16:creationId xmlns:a16="http://schemas.microsoft.com/office/drawing/2014/main" id="{9A41AE4E-2545-4267-AECD-84391C6872C5}"/>
+              </a:ext>
+            </a:extLst>
+          </p:cNvPr>
+          <p:cNvSpPr txBox="1">
+            <a:spLocks noChangeArrowheads="1"/>
+          </p:cNvSpPr>
+          <p:nvPr/>
+        </p:nvSpPr>
+        <p:spPr bwMode="auto">
+          <a:xfrm>
+            <a:off x="8946525" y="2814692"/>
+            <a:ext cx="1252537" cy="307777"/>
+          </a:xfrm>
+          <a:prstGeom prst="rect">
+            <a:avLst/>
+          </a:prstGeom>
+          <a:noFill/>
+          <a:ln>
+            <a:noFill/>
+          </a:ln>
+          <a:extLst>
+            <a:ext uri="{909E8E84-426E-40dd-AFC4-6F175D3DCCD1}">
+              <a14:hiddenFill xmlns="" xmlns:a14="http://schemas.microsoft.com/office/drawing/2010/main">
+                <a:solidFill>
+                  <a:srgbClr val="FFFFFF"/>
+                </a:solidFill>
+              </a14:hiddenFill>
+            </a:ext>
+            <a:ext uri="{91240B29-F687-4f45-9708-019B960494DF}">
+              <a14:hiddenLine xmlns="" xmlns:a14="http://schemas.microsoft.com/office/drawing/2010/main" w="9525">
+                <a:solidFill>
+                  <a:srgbClr val="000000"/>
+                </a:solidFill>
+                <a:miter lim="800000"/>
+                <a:headEnd/>
+                <a:tailEnd/>
+              </a14:hiddenLine>
+            </a:ext>
+          </a:extLst>
+        </p:spPr>
+        <p:txBody>
+          <a:bodyPr>
+            <a:spAutoFit/>
+          </a:bodyPr>
+          <a:lstStyle>
+            <a:lvl1pPr>
+              <a:defRPr sz="2400">
+                <a:solidFill>
+                  <a:schemeClr val="tx1"/>
+                </a:solidFill>
+                <a:latin typeface="Times New Roman" panose="02020603050405020304" pitchFamily="18" charset="0"/>
+                <a:ea typeface="MS PGothic" panose="020B0600070205080204" pitchFamily="34" charset="-128"/>
+              </a:defRPr>
+            </a:lvl1pPr>
+            <a:lvl2pPr marL="742950" indent="-285750">
+              <a:defRPr sz="2400">
+                <a:solidFill>
+                  <a:schemeClr val="tx1"/>
+                </a:solidFill>
+                <a:latin typeface="Times New Roman" panose="02020603050405020304" pitchFamily="18" charset="0"/>
+                <a:ea typeface="MS PGothic" panose="020B0600070205080204" pitchFamily="34" charset="-128"/>
+              </a:defRPr>
+            </a:lvl2pPr>
+            <a:lvl3pPr marL="1143000" indent="-228600">
+              <a:defRPr sz="2400">
+                <a:solidFill>
+                  <a:schemeClr val="tx1"/>
+                </a:solidFill>
+                <a:latin typeface="Times New Roman" panose="02020603050405020304" pitchFamily="18" charset="0"/>
+                <a:ea typeface="MS PGothic" panose="020B0600070205080204" pitchFamily="34" charset="-128"/>
+              </a:defRPr>
+            </a:lvl3pPr>
+            <a:lvl4pPr marL="1600200" indent="-228600">
+              <a:defRPr sz="2400">
+                <a:solidFill>
+                  <a:schemeClr val="tx1"/>
+                </a:solidFill>
+                <a:latin typeface="Times New Roman" panose="02020603050405020304" pitchFamily="18" charset="0"/>
+                <a:ea typeface="MS PGothic" panose="020B0600070205080204" pitchFamily="34" charset="-128"/>
+              </a:defRPr>
+            </a:lvl4pPr>
+            <a:lvl5pPr marL="2057400" indent="-228600">
+              <a:defRPr sz="2400">
+                <a:solidFill>
+                  <a:schemeClr val="tx1"/>
+                </a:solidFill>
+                <a:latin typeface="Times New Roman" panose="02020603050405020304" pitchFamily="18" charset="0"/>
+                <a:ea typeface="MS PGothic" panose="020B0600070205080204" pitchFamily="34" charset="-128"/>
+              </a:defRPr>
+            </a:lvl5pPr>
+            <a:lvl6pPr marL="2514600" indent="-228600" algn="r" eaLnBrk="0" fontAlgn="base" hangingPunct="0">
+              <a:spcBef>
+                <a:spcPct val="0"/>
+              </a:spcBef>
+              <a:spcAft>
+                <a:spcPct val="0"/>
+              </a:spcAft>
+              <a:buChar char="•"/>
+              <a:defRPr sz="2400">
+                <a:solidFill>
+                  <a:schemeClr val="tx1"/>
+                </a:solidFill>
+                <a:latin typeface="Times New Roman" panose="02020603050405020304" pitchFamily="18" charset="0"/>
+                <a:ea typeface="MS PGothic" panose="020B0600070205080204" pitchFamily="34" charset="-128"/>
+              </a:defRPr>
+            </a:lvl6pPr>
+            <a:lvl7pPr marL="2971800" indent="-228600" algn="r" eaLnBrk="0" fontAlgn="base" hangingPunct="0">
+              <a:spcBef>
+                <a:spcPct val="0"/>
+              </a:spcBef>
+              <a:spcAft>
+                <a:spcPct val="0"/>
+              </a:spcAft>
+              <a:buChar char="•"/>
+              <a:defRPr sz="2400">
+                <a:solidFill>
+                  <a:schemeClr val="tx1"/>
+                </a:solidFill>
+                <a:latin typeface="Times New Roman" panose="02020603050405020304" pitchFamily="18" charset="0"/>
+                <a:ea typeface="MS PGothic" panose="020B0600070205080204" pitchFamily="34" charset="-128"/>
+              </a:defRPr>
+            </a:lvl7pPr>
+            <a:lvl8pPr marL="3429000" indent="-228600" algn="r" eaLnBrk="0" fontAlgn="base" hangingPunct="0">
+              <a:spcBef>
+                <a:spcPct val="0"/>
+              </a:spcBef>
+              <a:spcAft>
+                <a:spcPct val="0"/>
+              </a:spcAft>
+              <a:buChar char="•"/>
+              <a:defRPr sz="2400">
+                <a:solidFill>
+                  <a:schemeClr val="tx1"/>
+                </a:solidFill>
+                <a:latin typeface="Times New Roman" panose="02020603050405020304" pitchFamily="18" charset="0"/>
+                <a:ea typeface="MS PGothic" panose="020B0600070205080204" pitchFamily="34" charset="-128"/>
+              </a:defRPr>
+            </a:lvl8pPr>
+            <a:lvl9pPr marL="3886200" indent="-228600" algn="r" eaLnBrk="0" fontAlgn="base" hangingPunct="0">
+              <a:spcBef>
+                <a:spcPct val="0"/>
+              </a:spcBef>
+              <a:spcAft>
+                <a:spcPct val="0"/>
+              </a:spcAft>
+              <a:buChar char="•"/>
+              <a:defRPr sz="2400">
+                <a:solidFill>
+                  <a:schemeClr val="tx1"/>
+                </a:solidFill>
+                <a:latin typeface="Times New Roman" panose="02020603050405020304" pitchFamily="18" charset="0"/>
+                <a:ea typeface="MS PGothic" panose="020B0600070205080204" pitchFamily="34" charset="-128"/>
+              </a:defRPr>
+            </a:lvl9pPr>
+          </a:lstStyle>
+          <a:p>
+            <a:pPr algn="ctr" eaLnBrk="1" hangingPunct="1">
+              <a:spcBef>
+                <a:spcPct val="50000"/>
+              </a:spcBef>
+              <a:buFontTx/>
+              <a:buNone/>
+            </a:pPr>
+            <a:r>
+              <a:rPr lang="en-GB" sz="1400" b="1" dirty="0">
+                <a:latin typeface="+mn-lt"/>
+              </a:rPr>
+              <a:t>dispatched</a:t>
+            </a:r>
+          </a:p>
+        </p:txBody>
+      </p:sp>
+      <p:cxnSp>
+        <p:nvCxnSpPr>
+          <p:cNvPr id="68" name="Straight Arrow Connector 67">
+            <a:extLst>
+              <a:ext uri="{FF2B5EF4-FFF2-40B4-BE49-F238E27FC236}">
+                <a16:creationId xmlns:a16="http://schemas.microsoft.com/office/drawing/2014/main" id="{5F3DBC0B-BD00-4301-B508-07A1796EA80B}"/>
+              </a:ext>
+            </a:extLst>
+          </p:cNvPr>
+          <p:cNvCxnSpPr>
+            <a:cxnSpLocks/>
+          </p:cNvCxnSpPr>
+          <p:nvPr/>
+        </p:nvCxnSpPr>
+        <p:spPr>
+          <a:xfrm flipH="1">
+            <a:off x="8744487" y="3132274"/>
+            <a:ext cx="1658838" cy="0"/>
+          </a:xfrm>
+          <a:prstGeom prst="straightConnector1">
+            <a:avLst/>
+          </a:prstGeom>
+          <a:ln w="19050">
+            <a:solidFill>
+              <a:schemeClr val="tx1"/>
+            </a:solidFill>
+            <a:tailEnd type="none"/>
+          </a:ln>
+        </p:spPr>
+        <p:style>
+          <a:lnRef idx="1">
+            <a:schemeClr val="accent1"/>
+          </a:lnRef>
+          <a:fillRef idx="0">
+            <a:schemeClr val="accent1"/>
+          </a:fillRef>
+          <a:effectRef idx="0">
+            <a:schemeClr val="accent1"/>
+          </a:effectRef>
+          <a:fontRef idx="minor">
+            <a:schemeClr val="tx1"/>
+          </a:fontRef>
+        </p:style>
+      </p:cxnSp>
+      <p:sp>
+        <p:nvSpPr>
+          <p:cNvPr id="69" name="Text Box 25">
+            <a:extLst>
+              <a:ext uri="{FF2B5EF4-FFF2-40B4-BE49-F238E27FC236}">
+                <a16:creationId xmlns:a16="http://schemas.microsoft.com/office/drawing/2014/main" id="{C0A18A6E-0C1B-46C7-9152-1263B6719B87}"/>
+              </a:ext>
+            </a:extLst>
+          </p:cNvPr>
+          <p:cNvSpPr txBox="1">
+            <a:spLocks noChangeArrowheads="1"/>
+          </p:cNvSpPr>
+          <p:nvPr/>
+        </p:nvSpPr>
+        <p:spPr bwMode="auto">
+          <a:xfrm>
+            <a:off x="8714069" y="3142726"/>
+            <a:ext cx="1798639" cy="523220"/>
+          </a:xfrm>
+          <a:prstGeom prst="rect">
+            <a:avLst/>
+          </a:prstGeom>
+          <a:noFill/>
+          <a:ln>
+            <a:noFill/>
+          </a:ln>
+          <a:extLst>
+            <a:ext uri="{909E8E84-426E-40dd-AFC4-6F175D3DCCD1}">
+              <a14:hiddenFill xmlns="" xmlns:a14="http://schemas.microsoft.com/office/drawing/2010/main">
+                <a:solidFill>
+                  <a:srgbClr val="FFFFFF"/>
+                </a:solidFill>
+              </a14:hiddenFill>
+            </a:ext>
+            <a:ext uri="{91240B29-F687-4f45-9708-019B960494DF}">
+              <a14:hiddenLine xmlns="" xmlns:a14="http://schemas.microsoft.com/office/drawing/2010/main" w="9525">
+                <a:solidFill>
+                  <a:srgbClr val="000000"/>
+                </a:solidFill>
+                <a:miter lim="800000"/>
+                <a:headEnd/>
+                <a:tailEnd/>
+              </a14:hiddenLine>
+            </a:ext>
+          </a:extLst>
+        </p:spPr>
+        <p:txBody>
+          <a:bodyPr wrap="square">
+            <a:spAutoFit/>
+          </a:bodyPr>
+          <a:lstStyle>
+            <a:lvl1pPr>
+              <a:defRPr sz="2400">
+                <a:solidFill>
+                  <a:schemeClr val="tx1"/>
+                </a:solidFill>
+                <a:latin typeface="Times New Roman" panose="02020603050405020304" pitchFamily="18" charset="0"/>
+                <a:ea typeface="MS PGothic" panose="020B0600070205080204" pitchFamily="34" charset="-128"/>
+              </a:defRPr>
+            </a:lvl1pPr>
+            <a:lvl2pPr marL="742950" indent="-285750">
+              <a:defRPr sz="2400">
+                <a:solidFill>
+                  <a:schemeClr val="tx1"/>
+                </a:solidFill>
+                <a:latin typeface="Times New Roman" panose="02020603050405020304" pitchFamily="18" charset="0"/>
+                <a:ea typeface="MS PGothic" panose="020B0600070205080204" pitchFamily="34" charset="-128"/>
+              </a:defRPr>
+            </a:lvl2pPr>
+            <a:lvl3pPr marL="1143000" indent="-228600">
+              <a:defRPr sz="2400">
+                <a:solidFill>
+                  <a:schemeClr val="tx1"/>
+                </a:solidFill>
+                <a:latin typeface="Times New Roman" panose="02020603050405020304" pitchFamily="18" charset="0"/>
+                <a:ea typeface="MS PGothic" panose="020B0600070205080204" pitchFamily="34" charset="-128"/>
+              </a:defRPr>
+            </a:lvl3pPr>
+            <a:lvl4pPr marL="1600200" indent="-228600">
+              <a:defRPr sz="2400">
+                <a:solidFill>
+                  <a:schemeClr val="tx1"/>
+                </a:solidFill>
+                <a:latin typeface="Times New Roman" panose="02020603050405020304" pitchFamily="18" charset="0"/>
+                <a:ea typeface="MS PGothic" panose="020B0600070205080204" pitchFamily="34" charset="-128"/>
+              </a:defRPr>
+            </a:lvl4pPr>
+            <a:lvl5pPr marL="2057400" indent="-228600">
+              <a:defRPr sz="2400">
+                <a:solidFill>
+                  <a:schemeClr val="tx1"/>
+                </a:solidFill>
+                <a:latin typeface="Times New Roman" panose="02020603050405020304" pitchFamily="18" charset="0"/>
+                <a:ea typeface="MS PGothic" panose="020B0600070205080204" pitchFamily="34" charset="-128"/>
+              </a:defRPr>
+            </a:lvl5pPr>
+            <a:lvl6pPr marL="2514600" indent="-228600" algn="r" eaLnBrk="0" fontAlgn="base" hangingPunct="0">
+              <a:spcBef>
+                <a:spcPct val="0"/>
+              </a:spcBef>
+              <a:spcAft>
+                <a:spcPct val="0"/>
+              </a:spcAft>
+              <a:buChar char="•"/>
+              <a:defRPr sz="2400">
+                <a:solidFill>
+                  <a:schemeClr val="tx1"/>
+                </a:solidFill>
+                <a:latin typeface="Times New Roman" panose="02020603050405020304" pitchFamily="18" charset="0"/>
+                <a:ea typeface="MS PGothic" panose="020B0600070205080204" pitchFamily="34" charset="-128"/>
+              </a:defRPr>
+            </a:lvl6pPr>
+            <a:lvl7pPr marL="2971800" indent="-228600" algn="r" eaLnBrk="0" fontAlgn="base" hangingPunct="0">
+              <a:spcBef>
+                <a:spcPct val="0"/>
+              </a:spcBef>
+              <a:spcAft>
+                <a:spcPct val="0"/>
+              </a:spcAft>
+              <a:buChar char="•"/>
+              <a:defRPr sz="2400">
+                <a:solidFill>
+                  <a:schemeClr val="tx1"/>
+                </a:solidFill>
+                <a:latin typeface="Times New Roman" panose="02020603050405020304" pitchFamily="18" charset="0"/>
+                <a:ea typeface="MS PGothic" panose="020B0600070205080204" pitchFamily="34" charset="-128"/>
+              </a:defRPr>
+            </a:lvl7pPr>
+            <a:lvl8pPr marL="3429000" indent="-228600" algn="r" eaLnBrk="0" fontAlgn="base" hangingPunct="0">
+              <a:spcBef>
+                <a:spcPct val="0"/>
+              </a:spcBef>
+              <a:spcAft>
+                <a:spcPct val="0"/>
+              </a:spcAft>
+              <a:buChar char="•"/>
+              <a:defRPr sz="2400">
+                <a:solidFill>
+                  <a:schemeClr val="tx1"/>
+                </a:solidFill>
+                <a:latin typeface="Times New Roman" panose="02020603050405020304" pitchFamily="18" charset="0"/>
+                <a:ea typeface="MS PGothic" panose="020B0600070205080204" pitchFamily="34" charset="-128"/>
+              </a:defRPr>
+            </a:lvl8pPr>
+            <a:lvl9pPr marL="3886200" indent="-228600" algn="r" eaLnBrk="0" fontAlgn="base" hangingPunct="0">
+              <a:spcBef>
+                <a:spcPct val="0"/>
+              </a:spcBef>
+              <a:spcAft>
+                <a:spcPct val="0"/>
+              </a:spcAft>
+              <a:buChar char="•"/>
+              <a:defRPr sz="2400">
+                <a:solidFill>
+                  <a:schemeClr val="tx1"/>
+                </a:solidFill>
+                <a:latin typeface="Times New Roman" panose="02020603050405020304" pitchFamily="18" charset="0"/>
+                <a:ea typeface="MS PGothic" panose="020B0600070205080204" pitchFamily="34" charset="-128"/>
+              </a:defRPr>
+            </a:lvl9pPr>
+          </a:lstStyle>
+          <a:p>
+            <a:pPr eaLnBrk="1" hangingPunct="1">
+              <a:spcBef>
+                <a:spcPct val="50000"/>
+              </a:spcBef>
+              <a:buFontTx/>
+              <a:buNone/>
+            </a:pPr>
+            <a:r>
+              <a:rPr lang="en-GB" sz="1400" dirty="0">
+                <a:latin typeface="+mn-lt"/>
+              </a:rPr>
+              <a:t>entry / </a:t>
+            </a:r>
+            <a:r>
+              <a:rPr lang="en-GB" sz="1400" dirty="0" err="1">
+                <a:latin typeface="+mn-lt"/>
+              </a:rPr>
+              <a:t>sendSms</a:t>
+            </a:r>
+            <a:r>
+              <a:rPr lang="en-GB" sz="1400" dirty="0">
+                <a:latin typeface="+mn-lt"/>
+              </a:rPr>
+              <a:t>()</a:t>
+            </a:r>
+            <a:br>
+              <a:rPr lang="en-GB" sz="1400" dirty="0">
+                <a:latin typeface="+mn-lt"/>
+              </a:rPr>
+            </a:br>
+            <a:r>
+              <a:rPr lang="en-GB" sz="1400" dirty="0">
+                <a:latin typeface="+mn-lt"/>
+              </a:rPr>
+              <a:t>exit / </a:t>
+            </a:r>
+            <a:r>
+              <a:rPr lang="en-GB" sz="1400" dirty="0" err="1">
+                <a:latin typeface="+mn-lt"/>
+              </a:rPr>
+              <a:t>logCompleted</a:t>
+            </a:r>
+            <a:r>
+              <a:rPr lang="en-GB" sz="1400" dirty="0">
+                <a:latin typeface="+mn-lt"/>
+              </a:rPr>
+              <a:t>()</a:t>
+            </a:r>
+          </a:p>
+        </p:txBody>
+      </p:sp>
+      <p:sp>
+        <p:nvSpPr>
+          <p:cNvPr id="70" name="Rectangle: Rounded Corners 69">
+            <a:extLst>
+              <a:ext uri="{FF2B5EF4-FFF2-40B4-BE49-F238E27FC236}">
+                <a16:creationId xmlns:a16="http://schemas.microsoft.com/office/drawing/2014/main" id="{7C27B74C-B186-403B-ACF6-09DFCF3C4C70}"/>
+              </a:ext>
+            </a:extLst>
+          </p:cNvPr>
+          <p:cNvSpPr/>
+          <p:nvPr/>
+        </p:nvSpPr>
+        <p:spPr>
+          <a:xfrm>
+            <a:off x="8138688" y="4278379"/>
+            <a:ext cx="1211597" cy="487532"/>
+          </a:xfrm>
+          <a:prstGeom prst="roundRect">
+            <a:avLst>
+              <a:gd name="adj" fmla="val 45098"/>
+            </a:avLst>
+          </a:prstGeom>
+          <a:solidFill>
+            <a:schemeClr val="bg1"/>
+          </a:solidFill>
+          <a:ln w="19050">
+            <a:solidFill>
+              <a:schemeClr val="tx1"/>
+            </a:solidFill>
+          </a:ln>
+        </p:spPr>
+        <p:style>
+          <a:lnRef idx="2">
+            <a:schemeClr val="accent1">
+              <a:shade val="50000"/>
+            </a:schemeClr>
+          </a:lnRef>
+          <a:fillRef idx="1">
+            <a:schemeClr val="accent1"/>
+          </a:fillRef>
+          <a:effectRef idx="0">
+            <a:schemeClr val="accent1"/>
+          </a:effectRef>
+          <a:fontRef idx="minor">
+            <a:schemeClr val="lt1"/>
+          </a:fontRef>
+        </p:style>
+        <p:txBody>
+          <a:bodyPr rtlCol="0" anchor="ctr"/>
+          <a:lstStyle/>
+          <a:p>
+            <a:pPr algn="ctr"/>
+            <a:r>
+              <a:rPr lang="en-US" sz="1400" dirty="0">
+                <a:solidFill>
+                  <a:schemeClr val="tx1"/>
+                </a:solidFill>
+              </a:rPr>
+              <a:t>delivered</a:t>
+            </a:r>
+          </a:p>
+        </p:txBody>
+      </p:sp>
+      <p:sp>
+        <p:nvSpPr>
+          <p:cNvPr id="71" name="Rectangle: Rounded Corners 70">
+            <a:extLst>
+              <a:ext uri="{FF2B5EF4-FFF2-40B4-BE49-F238E27FC236}">
+                <a16:creationId xmlns:a16="http://schemas.microsoft.com/office/drawing/2014/main" id="{5EDA0D78-DB9D-4F50-A646-368F5E21E4EF}"/>
+              </a:ext>
+            </a:extLst>
+          </p:cNvPr>
+          <p:cNvSpPr/>
+          <p:nvPr/>
+        </p:nvSpPr>
+        <p:spPr>
+          <a:xfrm>
+            <a:off x="9817991" y="4278379"/>
+            <a:ext cx="1211597" cy="487532"/>
+          </a:xfrm>
+          <a:prstGeom prst="roundRect">
+            <a:avLst>
+              <a:gd name="adj" fmla="val 45098"/>
+            </a:avLst>
+          </a:prstGeom>
+          <a:solidFill>
+            <a:schemeClr val="bg1"/>
+          </a:solidFill>
+          <a:ln w="19050">
+            <a:solidFill>
+              <a:schemeClr val="tx1"/>
+            </a:solidFill>
+          </a:ln>
+        </p:spPr>
+        <p:style>
+          <a:lnRef idx="2">
+            <a:schemeClr val="accent1">
+              <a:shade val="50000"/>
+            </a:schemeClr>
+          </a:lnRef>
+          <a:fillRef idx="1">
+            <a:schemeClr val="accent1"/>
+          </a:fillRef>
+          <a:effectRef idx="0">
+            <a:schemeClr val="accent1"/>
+          </a:effectRef>
+          <a:fontRef idx="minor">
+            <a:schemeClr val="lt1"/>
+          </a:fontRef>
+        </p:style>
+        <p:txBody>
+          <a:bodyPr rtlCol="0" anchor="ctr"/>
+          <a:lstStyle/>
+          <a:p>
+            <a:pPr algn="ctr"/>
+            <a:r>
+              <a:rPr lang="en-US" sz="1400" dirty="0">
+                <a:solidFill>
+                  <a:schemeClr val="tx1"/>
+                </a:solidFill>
+              </a:rPr>
+              <a:t>partially</a:t>
+            </a:r>
+            <a:br>
+              <a:rPr lang="en-US" sz="1400" dirty="0">
+                <a:solidFill>
+                  <a:schemeClr val="tx1"/>
+                </a:solidFill>
+              </a:rPr>
+            </a:br>
+            <a:r>
+              <a:rPr lang="en-US" sz="1400" dirty="0">
+                <a:solidFill>
+                  <a:schemeClr val="tx1"/>
+                </a:solidFill>
+              </a:rPr>
+              <a:t>delivered</a:t>
+            </a:r>
+          </a:p>
+        </p:txBody>
+      </p:sp>
+      <p:cxnSp>
+        <p:nvCxnSpPr>
+          <p:cNvPr id="73" name="Connector: Elbow 72">
+            <a:extLst>
+              <a:ext uri="{FF2B5EF4-FFF2-40B4-BE49-F238E27FC236}">
+                <a16:creationId xmlns:a16="http://schemas.microsoft.com/office/drawing/2014/main" id="{F71B1712-31D8-4BCB-A4EF-637C99695B0E}"/>
+              </a:ext>
+            </a:extLst>
+          </p:cNvPr>
+          <p:cNvCxnSpPr>
+            <a:cxnSpLocks/>
+            <a:stCxn id="65" idx="2"/>
+            <a:endCxn id="70" idx="0"/>
+          </p:cNvCxnSpPr>
+          <p:nvPr/>
+        </p:nvCxnSpPr>
+        <p:spPr>
+          <a:xfrm rot="5400000">
+            <a:off x="8909575" y="3614047"/>
+            <a:ext cx="499245" cy="829419"/>
+          </a:xfrm>
+          <a:prstGeom prst="bentConnector3">
+            <a:avLst>
+              <a:gd name="adj1" fmla="val 50000"/>
+            </a:avLst>
+          </a:prstGeom>
+          <a:ln w="19050">
+            <a:solidFill>
+              <a:schemeClr val="tx1"/>
+            </a:solidFill>
+            <a:tailEnd type="arrow"/>
+          </a:ln>
+        </p:spPr>
+        <p:style>
+          <a:lnRef idx="1">
+            <a:schemeClr val="accent1"/>
+          </a:lnRef>
+          <a:fillRef idx="0">
+            <a:schemeClr val="accent1"/>
+          </a:fillRef>
+          <a:effectRef idx="0">
+            <a:schemeClr val="accent1"/>
+          </a:effectRef>
+          <a:fontRef idx="minor">
+            <a:schemeClr val="tx1"/>
+          </a:fontRef>
+        </p:style>
+      </p:cxnSp>
+      <p:sp>
+        <p:nvSpPr>
+          <p:cNvPr id="74" name="Text Box 25">
+            <a:extLst>
+              <a:ext uri="{FF2B5EF4-FFF2-40B4-BE49-F238E27FC236}">
+                <a16:creationId xmlns:a16="http://schemas.microsoft.com/office/drawing/2014/main" id="{C5A9E5CE-31FD-46E7-B0E4-0EBF76DA4E9C}"/>
+              </a:ext>
+            </a:extLst>
+          </p:cNvPr>
+          <p:cNvSpPr txBox="1">
+            <a:spLocks noChangeArrowheads="1"/>
+          </p:cNvSpPr>
+          <p:nvPr/>
+        </p:nvSpPr>
+        <p:spPr bwMode="auto">
+          <a:xfrm>
+            <a:off x="7512419" y="3664685"/>
+            <a:ext cx="1252537" cy="461665"/>
+          </a:xfrm>
+          <a:prstGeom prst="rect">
+            <a:avLst/>
+          </a:prstGeom>
+          <a:noFill/>
+          <a:ln>
+            <a:noFill/>
+          </a:ln>
+          <a:extLst>
+            <a:ext uri="{909E8E84-426E-40dd-AFC4-6F175D3DCCD1}">
+              <a14:hiddenFill xmlns="" xmlns:a14="http://schemas.microsoft.com/office/drawing/2010/main">
+                <a:solidFill>
+                  <a:srgbClr val="FFFFFF"/>
+                </a:solidFill>
+              </a14:hiddenFill>
+            </a:ext>
+            <a:ext uri="{91240B29-F687-4f45-9708-019B960494DF}">
+              <a14:hiddenLine xmlns="" xmlns:a14="http://schemas.microsoft.com/office/drawing/2010/main" w="9525">
+                <a:solidFill>
+                  <a:srgbClr val="000000"/>
+                </a:solidFill>
+                <a:miter lim="800000"/>
+                <a:headEnd/>
+                <a:tailEnd/>
+              </a14:hiddenLine>
+            </a:ext>
+          </a:extLst>
+        </p:spPr>
+        <p:txBody>
+          <a:bodyPr>
+            <a:spAutoFit/>
+          </a:bodyPr>
+          <a:lstStyle>
+            <a:lvl1pPr>
+              <a:defRPr sz="2400">
+                <a:solidFill>
+                  <a:schemeClr val="tx1"/>
+                </a:solidFill>
+                <a:latin typeface="Times New Roman" panose="02020603050405020304" pitchFamily="18" charset="0"/>
+                <a:ea typeface="MS PGothic" panose="020B0600070205080204" pitchFamily="34" charset="-128"/>
+              </a:defRPr>
+            </a:lvl1pPr>
+            <a:lvl2pPr marL="742950" indent="-285750">
+              <a:defRPr sz="2400">
+                <a:solidFill>
+                  <a:schemeClr val="tx1"/>
+                </a:solidFill>
+                <a:latin typeface="Times New Roman" panose="02020603050405020304" pitchFamily="18" charset="0"/>
+                <a:ea typeface="MS PGothic" panose="020B0600070205080204" pitchFamily="34" charset="-128"/>
+              </a:defRPr>
+            </a:lvl2pPr>
+            <a:lvl3pPr marL="1143000" indent="-228600">
+              <a:defRPr sz="2400">
+                <a:solidFill>
+                  <a:schemeClr val="tx1"/>
+                </a:solidFill>
+                <a:latin typeface="Times New Roman" panose="02020603050405020304" pitchFamily="18" charset="0"/>
+                <a:ea typeface="MS PGothic" panose="020B0600070205080204" pitchFamily="34" charset="-128"/>
+              </a:defRPr>
+            </a:lvl3pPr>
+            <a:lvl4pPr marL="1600200" indent="-228600">
+              <a:defRPr sz="2400">
+                <a:solidFill>
+                  <a:schemeClr val="tx1"/>
+                </a:solidFill>
+                <a:latin typeface="Times New Roman" panose="02020603050405020304" pitchFamily="18" charset="0"/>
+                <a:ea typeface="MS PGothic" panose="020B0600070205080204" pitchFamily="34" charset="-128"/>
+              </a:defRPr>
+            </a:lvl4pPr>
+            <a:lvl5pPr marL="2057400" indent="-228600">
+              <a:defRPr sz="2400">
+                <a:solidFill>
+                  <a:schemeClr val="tx1"/>
+                </a:solidFill>
+                <a:latin typeface="Times New Roman" panose="02020603050405020304" pitchFamily="18" charset="0"/>
+                <a:ea typeface="MS PGothic" panose="020B0600070205080204" pitchFamily="34" charset="-128"/>
+              </a:defRPr>
+            </a:lvl5pPr>
+            <a:lvl6pPr marL="2514600" indent="-228600" algn="r" eaLnBrk="0" fontAlgn="base" hangingPunct="0">
+              <a:spcBef>
+                <a:spcPct val="0"/>
+              </a:spcBef>
+              <a:spcAft>
+                <a:spcPct val="0"/>
+              </a:spcAft>
+              <a:buChar char="•"/>
+              <a:defRPr sz="2400">
+                <a:solidFill>
+                  <a:schemeClr val="tx1"/>
+                </a:solidFill>
+                <a:latin typeface="Times New Roman" panose="02020603050405020304" pitchFamily="18" charset="0"/>
+                <a:ea typeface="MS PGothic" panose="020B0600070205080204" pitchFamily="34" charset="-128"/>
+              </a:defRPr>
+            </a:lvl6pPr>
+            <a:lvl7pPr marL="2971800" indent="-228600" algn="r" eaLnBrk="0" fontAlgn="base" hangingPunct="0">
+              <a:spcBef>
+                <a:spcPct val="0"/>
+              </a:spcBef>
+              <a:spcAft>
+                <a:spcPct val="0"/>
+              </a:spcAft>
+              <a:buChar char="•"/>
+              <a:defRPr sz="2400">
+                <a:solidFill>
+                  <a:schemeClr val="tx1"/>
+                </a:solidFill>
+                <a:latin typeface="Times New Roman" panose="02020603050405020304" pitchFamily="18" charset="0"/>
+                <a:ea typeface="MS PGothic" panose="020B0600070205080204" pitchFamily="34" charset="-128"/>
+              </a:defRPr>
+            </a:lvl7pPr>
+            <a:lvl8pPr marL="3429000" indent="-228600" algn="r" eaLnBrk="0" fontAlgn="base" hangingPunct="0">
+              <a:spcBef>
+                <a:spcPct val="0"/>
+              </a:spcBef>
+              <a:spcAft>
+                <a:spcPct val="0"/>
+              </a:spcAft>
+              <a:buChar char="•"/>
+              <a:defRPr sz="2400">
+                <a:solidFill>
+                  <a:schemeClr val="tx1"/>
+                </a:solidFill>
+                <a:latin typeface="Times New Roman" panose="02020603050405020304" pitchFamily="18" charset="0"/>
+                <a:ea typeface="MS PGothic" panose="020B0600070205080204" pitchFamily="34" charset="-128"/>
+              </a:defRPr>
+            </a:lvl8pPr>
+            <a:lvl9pPr marL="3886200" indent="-228600" algn="r" eaLnBrk="0" fontAlgn="base" hangingPunct="0">
+              <a:spcBef>
+                <a:spcPct val="0"/>
+              </a:spcBef>
+              <a:spcAft>
+                <a:spcPct val="0"/>
+              </a:spcAft>
+              <a:buChar char="•"/>
+              <a:defRPr sz="2400">
+                <a:solidFill>
+                  <a:schemeClr val="tx1"/>
+                </a:solidFill>
+                <a:latin typeface="Times New Roman" panose="02020603050405020304" pitchFamily="18" charset="0"/>
+                <a:ea typeface="MS PGothic" panose="020B0600070205080204" pitchFamily="34" charset="-128"/>
+              </a:defRPr>
+            </a:lvl9pPr>
+          </a:lstStyle>
+          <a:p>
+            <a:pPr algn="ctr" eaLnBrk="1" hangingPunct="1">
+              <a:spcBef>
+                <a:spcPct val="50000"/>
+              </a:spcBef>
+              <a:buFontTx/>
+              <a:buNone/>
+            </a:pPr>
+            <a:r>
+              <a:rPr lang="en-GB" sz="1200" dirty="0">
+                <a:latin typeface="+mn-lt"/>
+              </a:rPr>
+              <a:t>delivered</a:t>
+            </a:r>
+            <a:br>
+              <a:rPr lang="en-GB" sz="1200" dirty="0">
+                <a:latin typeface="+mn-lt"/>
+              </a:rPr>
+            </a:br>
+            <a:r>
+              <a:rPr lang="en-GB" sz="1200" dirty="0">
+                <a:latin typeface="+mn-lt"/>
+              </a:rPr>
+              <a:t>[remaining=0]</a:t>
+            </a:r>
+          </a:p>
+        </p:txBody>
+      </p:sp>
+      <p:cxnSp>
+        <p:nvCxnSpPr>
+          <p:cNvPr id="75" name="Connector: Elbow 74">
+            <a:extLst>
+              <a:ext uri="{FF2B5EF4-FFF2-40B4-BE49-F238E27FC236}">
+                <a16:creationId xmlns:a16="http://schemas.microsoft.com/office/drawing/2014/main" id="{F91480BE-E970-4583-8711-2C24A4B79574}"/>
+              </a:ext>
+            </a:extLst>
+          </p:cNvPr>
+          <p:cNvCxnSpPr>
+            <a:cxnSpLocks/>
+            <a:stCxn id="65" idx="2"/>
+            <a:endCxn id="71" idx="0"/>
+          </p:cNvCxnSpPr>
+          <p:nvPr/>
+        </p:nvCxnSpPr>
+        <p:spPr>
+          <a:xfrm rot="16200000" flipH="1">
+            <a:off x="9749226" y="3603814"/>
+            <a:ext cx="499245" cy="849884"/>
+          </a:xfrm>
+          <a:prstGeom prst="bentConnector3">
+            <a:avLst>
+              <a:gd name="adj1" fmla="val 50000"/>
+            </a:avLst>
+          </a:prstGeom>
+          <a:ln w="19050">
+            <a:solidFill>
+              <a:schemeClr val="tx1"/>
+            </a:solidFill>
+            <a:tailEnd type="arrow"/>
+          </a:ln>
+        </p:spPr>
+        <p:style>
+          <a:lnRef idx="1">
+            <a:schemeClr val="accent1"/>
+          </a:lnRef>
+          <a:fillRef idx="0">
+            <a:schemeClr val="accent1"/>
+          </a:fillRef>
+          <a:effectRef idx="0">
+            <a:schemeClr val="accent1"/>
+          </a:effectRef>
+          <a:fontRef idx="minor">
+            <a:schemeClr val="tx1"/>
+          </a:fontRef>
+        </p:style>
+      </p:cxnSp>
+      <p:sp>
+        <p:nvSpPr>
+          <p:cNvPr id="77" name="Text Box 25">
+            <a:extLst>
+              <a:ext uri="{FF2B5EF4-FFF2-40B4-BE49-F238E27FC236}">
+                <a16:creationId xmlns:a16="http://schemas.microsoft.com/office/drawing/2014/main" id="{54BE1BFC-2A76-45F4-B020-7C28FAEEB94D}"/>
+              </a:ext>
+            </a:extLst>
+          </p:cNvPr>
+          <p:cNvSpPr txBox="1">
+            <a:spLocks noChangeArrowheads="1"/>
+          </p:cNvSpPr>
+          <p:nvPr/>
+        </p:nvSpPr>
+        <p:spPr bwMode="auto">
+          <a:xfrm>
+            <a:off x="10382856" y="3660667"/>
+            <a:ext cx="1252537" cy="461665"/>
+          </a:xfrm>
+          <a:prstGeom prst="rect">
+            <a:avLst/>
+          </a:prstGeom>
+          <a:noFill/>
+          <a:ln>
+            <a:noFill/>
+          </a:ln>
+          <a:extLst>
+            <a:ext uri="{909E8E84-426E-40dd-AFC4-6F175D3DCCD1}">
+              <a14:hiddenFill xmlns="" xmlns:a14="http://schemas.microsoft.com/office/drawing/2010/main">
+                <a:solidFill>
+                  <a:srgbClr val="FFFFFF"/>
+                </a:solidFill>
+              </a14:hiddenFill>
+            </a:ext>
+            <a:ext uri="{91240B29-F687-4f45-9708-019B960494DF}">
+              <a14:hiddenLine xmlns="" xmlns:a14="http://schemas.microsoft.com/office/drawing/2010/main" w="9525">
+                <a:solidFill>
+                  <a:srgbClr val="000000"/>
+                </a:solidFill>
+                <a:miter lim="800000"/>
+                <a:headEnd/>
+                <a:tailEnd/>
+              </a14:hiddenLine>
+            </a:ext>
+          </a:extLst>
+        </p:spPr>
+        <p:txBody>
+          <a:bodyPr>
+            <a:spAutoFit/>
+          </a:bodyPr>
+          <a:lstStyle>
+            <a:lvl1pPr>
+              <a:defRPr sz="2400">
+                <a:solidFill>
+                  <a:schemeClr val="tx1"/>
+                </a:solidFill>
+                <a:latin typeface="Times New Roman" panose="02020603050405020304" pitchFamily="18" charset="0"/>
+                <a:ea typeface="MS PGothic" panose="020B0600070205080204" pitchFamily="34" charset="-128"/>
+              </a:defRPr>
+            </a:lvl1pPr>
+            <a:lvl2pPr marL="742950" indent="-285750">
+              <a:defRPr sz="2400">
+                <a:solidFill>
+                  <a:schemeClr val="tx1"/>
+                </a:solidFill>
+                <a:latin typeface="Times New Roman" panose="02020603050405020304" pitchFamily="18" charset="0"/>
+                <a:ea typeface="MS PGothic" panose="020B0600070205080204" pitchFamily="34" charset="-128"/>
+              </a:defRPr>
+            </a:lvl2pPr>
+            <a:lvl3pPr marL="1143000" indent="-228600">
+              <a:defRPr sz="2400">
+                <a:solidFill>
+                  <a:schemeClr val="tx1"/>
+                </a:solidFill>
+                <a:latin typeface="Times New Roman" panose="02020603050405020304" pitchFamily="18" charset="0"/>
+                <a:ea typeface="MS PGothic" panose="020B0600070205080204" pitchFamily="34" charset="-128"/>
+              </a:defRPr>
+            </a:lvl3pPr>
+            <a:lvl4pPr marL="1600200" indent="-228600">
+              <a:defRPr sz="2400">
+                <a:solidFill>
+                  <a:schemeClr val="tx1"/>
+                </a:solidFill>
+                <a:latin typeface="Times New Roman" panose="02020603050405020304" pitchFamily="18" charset="0"/>
+                <a:ea typeface="MS PGothic" panose="020B0600070205080204" pitchFamily="34" charset="-128"/>
+              </a:defRPr>
+            </a:lvl4pPr>
+            <a:lvl5pPr marL="2057400" indent="-228600">
+              <a:defRPr sz="2400">
+                <a:solidFill>
+                  <a:schemeClr val="tx1"/>
+                </a:solidFill>
+                <a:latin typeface="Times New Roman" panose="02020603050405020304" pitchFamily="18" charset="0"/>
+                <a:ea typeface="MS PGothic" panose="020B0600070205080204" pitchFamily="34" charset="-128"/>
+              </a:defRPr>
+            </a:lvl5pPr>
+            <a:lvl6pPr marL="2514600" indent="-228600" algn="r" eaLnBrk="0" fontAlgn="base" hangingPunct="0">
+              <a:spcBef>
+                <a:spcPct val="0"/>
+              </a:spcBef>
+              <a:spcAft>
+                <a:spcPct val="0"/>
+              </a:spcAft>
+              <a:buChar char="•"/>
+              <a:defRPr sz="2400">
+                <a:solidFill>
+                  <a:schemeClr val="tx1"/>
+                </a:solidFill>
+                <a:latin typeface="Times New Roman" panose="02020603050405020304" pitchFamily="18" charset="0"/>
+                <a:ea typeface="MS PGothic" panose="020B0600070205080204" pitchFamily="34" charset="-128"/>
+              </a:defRPr>
+            </a:lvl6pPr>
+            <a:lvl7pPr marL="2971800" indent="-228600" algn="r" eaLnBrk="0" fontAlgn="base" hangingPunct="0">
+              <a:spcBef>
+                <a:spcPct val="0"/>
+              </a:spcBef>
+              <a:spcAft>
+                <a:spcPct val="0"/>
+              </a:spcAft>
+              <a:buChar char="•"/>
+              <a:defRPr sz="2400">
+                <a:solidFill>
+                  <a:schemeClr val="tx1"/>
+                </a:solidFill>
+                <a:latin typeface="Times New Roman" panose="02020603050405020304" pitchFamily="18" charset="0"/>
+                <a:ea typeface="MS PGothic" panose="020B0600070205080204" pitchFamily="34" charset="-128"/>
+              </a:defRPr>
+            </a:lvl7pPr>
+            <a:lvl8pPr marL="3429000" indent="-228600" algn="r" eaLnBrk="0" fontAlgn="base" hangingPunct="0">
+              <a:spcBef>
+                <a:spcPct val="0"/>
+              </a:spcBef>
+              <a:spcAft>
+                <a:spcPct val="0"/>
+              </a:spcAft>
+              <a:buChar char="•"/>
+              <a:defRPr sz="2400">
+                <a:solidFill>
+                  <a:schemeClr val="tx1"/>
+                </a:solidFill>
+                <a:latin typeface="Times New Roman" panose="02020603050405020304" pitchFamily="18" charset="0"/>
+                <a:ea typeface="MS PGothic" panose="020B0600070205080204" pitchFamily="34" charset="-128"/>
+              </a:defRPr>
+            </a:lvl8pPr>
+            <a:lvl9pPr marL="3886200" indent="-228600" algn="r" eaLnBrk="0" fontAlgn="base" hangingPunct="0">
+              <a:spcBef>
+                <a:spcPct val="0"/>
+              </a:spcBef>
+              <a:spcAft>
+                <a:spcPct val="0"/>
+              </a:spcAft>
+              <a:buChar char="•"/>
+              <a:defRPr sz="2400">
+                <a:solidFill>
+                  <a:schemeClr val="tx1"/>
+                </a:solidFill>
+                <a:latin typeface="Times New Roman" panose="02020603050405020304" pitchFamily="18" charset="0"/>
+                <a:ea typeface="MS PGothic" panose="020B0600070205080204" pitchFamily="34" charset="-128"/>
+              </a:defRPr>
+            </a:lvl9pPr>
+          </a:lstStyle>
+          <a:p>
+            <a:pPr algn="ctr" eaLnBrk="1" hangingPunct="1">
+              <a:spcBef>
+                <a:spcPct val="50000"/>
+              </a:spcBef>
+              <a:buFontTx/>
+              <a:buNone/>
+            </a:pPr>
+            <a:r>
+              <a:rPr lang="en-GB" sz="1200" dirty="0">
+                <a:latin typeface="+mn-lt"/>
+              </a:rPr>
+              <a:t>delivered</a:t>
+            </a:r>
+            <a:br>
+              <a:rPr lang="en-GB" sz="1200" dirty="0">
+                <a:latin typeface="+mn-lt"/>
+              </a:rPr>
+            </a:br>
+            <a:r>
+              <a:rPr lang="en-GB" sz="1200" dirty="0">
+                <a:latin typeface="+mn-lt"/>
+              </a:rPr>
+              <a:t>[remaining &gt; 0]</a:t>
+            </a:r>
+          </a:p>
+        </p:txBody>
+      </p:sp>
+    </p:spTree>
+    <p:extLst>
+      <p:ext uri="{BB962C8B-B14F-4D97-AF65-F5344CB8AC3E}">
+        <p14:creationId xmlns:p14="http://schemas.microsoft.com/office/powerpoint/2010/main" val="4119475234"/>
       </p:ext>
     </p:extLst>
   </p:cSld>
@@ -5298,7 +12549,7 @@
             </a:ln>
             <a:extLst>
               <a:ext uri="{909E8E84-426E-40dd-AFC4-6F175D3DCCD1}">
-                <a14:hiddenFill xmlns:a14="http://schemas.microsoft.com/office/drawing/2010/main" xmlns="">
+                <a14:hiddenFill xmlns="" xmlns:a14="http://schemas.microsoft.com/office/drawing/2010/main">
                   <a:solidFill>
                     <a:srgbClr val="FFFFFF"/>
                   </a:solidFill>
@@ -5457,7 +12708,7 @@
             </a:ln>
             <a:extLst>
               <a:ext uri="{909E8E84-426E-40dd-AFC4-6F175D3DCCD1}">
-                <a14:hiddenFill xmlns:a14="http://schemas.microsoft.com/office/drawing/2010/main" xmlns="">
+                <a14:hiddenFill xmlns="" xmlns:a14="http://schemas.microsoft.com/office/drawing/2010/main">
                   <a:noFill/>
                 </a14:hiddenFill>
               </a:ext>
@@ -5504,7 +12755,7 @@
             </a:ln>
             <a:extLst>
               <a:ext uri="{909E8E84-426E-40dd-AFC4-6F175D3DCCD1}">
-                <a14:hiddenFill xmlns:a14="http://schemas.microsoft.com/office/drawing/2010/main" xmlns="">
+                <a14:hiddenFill xmlns="" xmlns:a14="http://schemas.microsoft.com/office/drawing/2010/main">
                   <a:noFill/>
                 </a14:hiddenFill>
               </a:ext>
@@ -5551,7 +12802,7 @@
             </a:ln>
             <a:extLst>
               <a:ext uri="{909E8E84-426E-40dd-AFC4-6F175D3DCCD1}">
-                <a14:hiddenFill xmlns:a14="http://schemas.microsoft.com/office/drawing/2010/main" xmlns="">
+                <a14:hiddenFill xmlns="" xmlns:a14="http://schemas.microsoft.com/office/drawing/2010/main">
                   <a:noFill/>
                 </a14:hiddenFill>
               </a:ext>
@@ -5598,7 +12849,7 @@
             </a:ln>
             <a:extLst>
               <a:ext uri="{909E8E84-426E-40dd-AFC4-6F175D3DCCD1}">
-                <a14:hiddenFill xmlns:a14="http://schemas.microsoft.com/office/drawing/2010/main" xmlns="">
+                <a14:hiddenFill xmlns="" xmlns:a14="http://schemas.microsoft.com/office/drawing/2010/main">
                   <a:noFill/>
                 </a14:hiddenFill>
               </a:ext>
@@ -5641,14 +12892,14 @@
           </a:ln>
           <a:extLst>
             <a:ext uri="{909E8E84-426E-40dd-AFC4-6F175D3DCCD1}">
-              <a14:hiddenFill xmlns:a14="http://schemas.microsoft.com/office/drawing/2010/main" xmlns="">
+              <a14:hiddenFill xmlns="" xmlns:a14="http://schemas.microsoft.com/office/drawing/2010/main">
                 <a:solidFill>
                   <a:srgbClr val="FFFFFF"/>
                 </a:solidFill>
               </a14:hiddenFill>
             </a:ext>
             <a:ext uri="{91240B29-F687-4f45-9708-019B960494DF}">
-              <a14:hiddenLine xmlns:a14="http://schemas.microsoft.com/office/drawing/2010/main" xmlns="" w="9525">
+              <a14:hiddenLine xmlns="" xmlns:a14="http://schemas.microsoft.com/office/drawing/2010/main" w="9525">
                 <a:solidFill>
                   <a:srgbClr val="000000"/>
                 </a:solidFill>
@@ -5942,7 +13193,7 @@
           </a:ln>
           <a:extLst>
             <a:ext uri="{909E8E84-426E-40dd-AFC4-6F175D3DCCD1}">
-              <a14:hiddenFill xmlns:a14="http://schemas.microsoft.com/office/drawing/2010/main" xmlns="">
+              <a14:hiddenFill xmlns="" xmlns:a14="http://schemas.microsoft.com/office/drawing/2010/main">
                 <a:noFill/>
               </a14:hiddenFill>
             </a:ext>
@@ -6011,7 +13262,7 @@
             </a:ln>
             <a:extLst>
               <a:ext uri="{909E8E84-426E-40dd-AFC4-6F175D3DCCD1}">
-                <a14:hiddenFill xmlns:a14="http://schemas.microsoft.com/office/drawing/2010/main" xmlns="">
+                <a14:hiddenFill xmlns="" xmlns:a14="http://schemas.microsoft.com/office/drawing/2010/main">
                   <a:solidFill>
                     <a:srgbClr val="FFFFFF"/>
                   </a:solidFill>
@@ -6170,7 +13421,7 @@
             </a:ln>
             <a:extLst>
               <a:ext uri="{909E8E84-426E-40dd-AFC4-6F175D3DCCD1}">
-                <a14:hiddenFill xmlns:a14="http://schemas.microsoft.com/office/drawing/2010/main" xmlns="">
+                <a14:hiddenFill xmlns="" xmlns:a14="http://schemas.microsoft.com/office/drawing/2010/main">
                   <a:noFill/>
                 </a14:hiddenFill>
               </a:ext>
@@ -6217,7 +13468,7 @@
             </a:ln>
             <a:extLst>
               <a:ext uri="{909E8E84-426E-40dd-AFC4-6F175D3DCCD1}">
-                <a14:hiddenFill xmlns:a14="http://schemas.microsoft.com/office/drawing/2010/main" xmlns="">
+                <a14:hiddenFill xmlns="" xmlns:a14="http://schemas.microsoft.com/office/drawing/2010/main">
                   <a:noFill/>
                 </a14:hiddenFill>
               </a:ext>
@@ -6264,7 +13515,7 @@
             </a:ln>
             <a:extLst>
               <a:ext uri="{909E8E84-426E-40dd-AFC4-6F175D3DCCD1}">
-                <a14:hiddenFill xmlns:a14="http://schemas.microsoft.com/office/drawing/2010/main" xmlns="">
+                <a14:hiddenFill xmlns="" xmlns:a14="http://schemas.microsoft.com/office/drawing/2010/main">
                   <a:noFill/>
                 </a14:hiddenFill>
               </a:ext>
@@ -6311,7 +13562,7 @@
             </a:ln>
             <a:extLst>
               <a:ext uri="{909E8E84-426E-40dd-AFC4-6F175D3DCCD1}">
-                <a14:hiddenFill xmlns:a14="http://schemas.microsoft.com/office/drawing/2010/main" xmlns="">
+                <a14:hiddenFill xmlns="" xmlns:a14="http://schemas.microsoft.com/office/drawing/2010/main">
                   <a:noFill/>
                 </a14:hiddenFill>
               </a:ext>
@@ -6354,14 +13605,14 @@
           </a:ln>
           <a:extLst>
             <a:ext uri="{909E8E84-426E-40dd-AFC4-6F175D3DCCD1}">
-              <a14:hiddenFill xmlns:a14="http://schemas.microsoft.com/office/drawing/2010/main" xmlns="">
+              <a14:hiddenFill xmlns="" xmlns:a14="http://schemas.microsoft.com/office/drawing/2010/main">
                 <a:solidFill>
                   <a:srgbClr val="FFFFFF"/>
                 </a:solidFill>
               </a14:hiddenFill>
             </a:ext>
             <a:ext uri="{91240B29-F687-4f45-9708-019B960494DF}">
-              <a14:hiddenLine xmlns:a14="http://schemas.microsoft.com/office/drawing/2010/main" xmlns="" w="9525">
+              <a14:hiddenLine xmlns="" xmlns:a14="http://schemas.microsoft.com/office/drawing/2010/main" w="9525">
                 <a:solidFill>
                   <a:srgbClr val="000000"/>
                 </a:solidFill>
@@ -6591,7 +13842,7 @@
           </a:ln>
           <a:extLst>
             <a:ext uri="{909E8E84-426E-40dd-AFC4-6F175D3DCCD1}">
-              <a14:hiddenFill xmlns:a14="http://schemas.microsoft.com/office/drawing/2010/main" xmlns="">
+              <a14:hiddenFill xmlns="" xmlns:a14="http://schemas.microsoft.com/office/drawing/2010/main">
                 <a:noFill/>
               </a14:hiddenFill>
             </a:ext>
@@ -6811,7 +14062,7 @@
           </a:ln>
           <a:extLst>
             <a:ext uri="{909E8E84-426E-40dd-AFC4-6F175D3DCCD1}">
-              <a14:hiddenFill xmlns:a14="http://schemas.microsoft.com/office/drawing/2010/main" xmlns="">
+              <a14:hiddenFill xmlns="" xmlns:a14="http://schemas.microsoft.com/office/drawing/2010/main">
                 <a:noFill/>
               </a14:hiddenFill>
             </a:ext>
@@ -7071,7 +14322,7 @@
           </a:ln>
           <a:extLst>
             <a:ext uri="{909E8E84-426E-40dd-AFC4-6F175D3DCCD1}">
-              <a14:hiddenFill xmlns:a14="http://schemas.microsoft.com/office/drawing/2010/main" xmlns="">
+              <a14:hiddenFill xmlns="" xmlns:a14="http://schemas.microsoft.com/office/drawing/2010/main">
                 <a:noFill/>
               </a14:hiddenFill>
             </a:ext>
@@ -7172,7 +14423,7 @@
           </a:ln>
           <a:extLst>
             <a:ext uri="{909E8E84-426E-40dd-AFC4-6F175D3DCCD1}">
-              <a14:hiddenFill xmlns:a14="http://schemas.microsoft.com/office/drawing/2010/main" xmlns="">
+              <a14:hiddenFill xmlns="" xmlns:a14="http://schemas.microsoft.com/office/drawing/2010/main">
                 <a:noFill/>
               </a14:hiddenFill>
             </a:ext>
@@ -7219,7 +14470,7 @@
           </a:ln>
           <a:extLst>
             <a:ext uri="{909E8E84-426E-40dd-AFC4-6F175D3DCCD1}">
-              <a14:hiddenFill xmlns:a14="http://schemas.microsoft.com/office/drawing/2010/main" xmlns="">
+              <a14:hiddenFill xmlns="" xmlns:a14="http://schemas.microsoft.com/office/drawing/2010/main">
                 <a:noFill/>
               </a14:hiddenFill>
             </a:ext>
@@ -7266,7 +14517,7 @@
           </a:ln>
           <a:extLst>
             <a:ext uri="{909E8E84-426E-40dd-AFC4-6F175D3DCCD1}">
-              <a14:hiddenFill xmlns:a14="http://schemas.microsoft.com/office/drawing/2010/main" xmlns="">
+              <a14:hiddenFill xmlns="" xmlns:a14="http://schemas.microsoft.com/office/drawing/2010/main">
                 <a:noFill/>
               </a14:hiddenFill>
             </a:ext>
@@ -7308,14 +14559,14 @@
           </a:ln>
           <a:extLst>
             <a:ext uri="{909E8E84-426E-40dd-AFC4-6F175D3DCCD1}">
-              <a14:hiddenFill xmlns:a14="http://schemas.microsoft.com/office/drawing/2010/main" xmlns="">
+              <a14:hiddenFill xmlns="" xmlns:a14="http://schemas.microsoft.com/office/drawing/2010/main">
                 <a:solidFill>
                   <a:srgbClr val="FFFFFF"/>
                 </a:solidFill>
               </a14:hiddenFill>
             </a:ext>
             <a:ext uri="{91240B29-F687-4f45-9708-019B960494DF}">
-              <a14:hiddenLine xmlns:a14="http://schemas.microsoft.com/office/drawing/2010/main" xmlns="" w="9525">
+              <a14:hiddenLine xmlns="" xmlns:a14="http://schemas.microsoft.com/office/drawing/2010/main" w="9525">
                 <a:solidFill>
                   <a:srgbClr val="000000"/>
                 </a:solidFill>
@@ -7486,14 +14737,14 @@
           </a:ln>
           <a:extLst>
             <a:ext uri="{909E8E84-426E-40dd-AFC4-6F175D3DCCD1}">
-              <a14:hiddenFill xmlns:a14="http://schemas.microsoft.com/office/drawing/2010/main" xmlns="">
+              <a14:hiddenFill xmlns="" xmlns:a14="http://schemas.microsoft.com/office/drawing/2010/main">
                 <a:solidFill>
                   <a:srgbClr val="FFFFFF"/>
                 </a:solidFill>
               </a14:hiddenFill>
             </a:ext>
             <a:ext uri="{91240B29-F687-4f45-9708-019B960494DF}">
-              <a14:hiddenLine xmlns:a14="http://schemas.microsoft.com/office/drawing/2010/main" xmlns="" w="9525">
+              <a14:hiddenLine xmlns="" xmlns:a14="http://schemas.microsoft.com/office/drawing/2010/main" w="9525">
                 <a:solidFill>
                   <a:srgbClr val="000000"/>
                 </a:solidFill>
@@ -7664,14 +14915,14 @@
           </a:ln>
           <a:extLst>
             <a:ext uri="{909E8E84-426E-40dd-AFC4-6F175D3DCCD1}">
-              <a14:hiddenFill xmlns:a14="http://schemas.microsoft.com/office/drawing/2010/main" xmlns="">
+              <a14:hiddenFill xmlns="" xmlns:a14="http://schemas.microsoft.com/office/drawing/2010/main">
                 <a:solidFill>
                   <a:srgbClr val="FFFFFF"/>
                 </a:solidFill>
               </a14:hiddenFill>
             </a:ext>
             <a:ext uri="{91240B29-F687-4f45-9708-019B960494DF}">
-              <a14:hiddenLine xmlns:a14="http://schemas.microsoft.com/office/drawing/2010/main" xmlns="" w="9525">
+              <a14:hiddenLine xmlns="" xmlns:a14="http://schemas.microsoft.com/office/drawing/2010/main" w="9525">
                 <a:solidFill>
                   <a:srgbClr val="000000"/>
                 </a:solidFill>
@@ -7842,14 +15093,14 @@
           </a:ln>
           <a:extLst>
             <a:ext uri="{909E8E84-426E-40dd-AFC4-6F175D3DCCD1}">
-              <a14:hiddenFill xmlns:a14="http://schemas.microsoft.com/office/drawing/2010/main" xmlns="">
+              <a14:hiddenFill xmlns="" xmlns:a14="http://schemas.microsoft.com/office/drawing/2010/main">
                 <a:solidFill>
                   <a:srgbClr val="FFFFFF"/>
                 </a:solidFill>
               </a14:hiddenFill>
             </a:ext>
             <a:ext uri="{91240B29-F687-4f45-9708-019B960494DF}">
-              <a14:hiddenLine xmlns:a14="http://schemas.microsoft.com/office/drawing/2010/main" xmlns="" w="9525">
+              <a14:hiddenLine xmlns="" xmlns:a14="http://schemas.microsoft.com/office/drawing/2010/main" w="9525">
                 <a:solidFill>
                   <a:srgbClr val="000000"/>
                 </a:solidFill>
@@ -8086,7 +15337,7 @@
           </a:ln>
           <a:extLst>
             <a:ext uri="{909E8E84-426E-40dd-AFC4-6F175D3DCCD1}">
-              <a14:hiddenFill xmlns:a14="http://schemas.microsoft.com/office/drawing/2010/main" xmlns="">
+              <a14:hiddenFill xmlns="" xmlns:a14="http://schemas.microsoft.com/office/drawing/2010/main">
                 <a:noFill/>
               </a14:hiddenFill>
             </a:ext>
@@ -9627,14 +16878,14 @@
           </a:ln>
           <a:extLst>
             <a:ext uri="{909E8E84-426E-40dd-AFC4-6F175D3DCCD1}">
-              <a14:hiddenFill xmlns:a14="http://schemas.microsoft.com/office/drawing/2010/main" xmlns="">
+              <a14:hiddenFill xmlns="" xmlns:a14="http://schemas.microsoft.com/office/drawing/2010/main">
                 <a:solidFill>
                   <a:srgbClr val="FFFFFF"/>
                 </a:solidFill>
               </a14:hiddenFill>
             </a:ext>
             <a:ext uri="{91240B29-F687-4f45-9708-019B960494DF}">
-              <a14:hiddenLine xmlns:a14="http://schemas.microsoft.com/office/drawing/2010/main" xmlns="" w="9525">
+              <a14:hiddenLine xmlns="" xmlns:a14="http://schemas.microsoft.com/office/drawing/2010/main" w="9525">
                 <a:solidFill>
                   <a:srgbClr val="000000"/>
                 </a:solidFill>
@@ -9805,14 +17056,14 @@
           </a:ln>
           <a:extLst>
             <a:ext uri="{909E8E84-426E-40dd-AFC4-6F175D3DCCD1}">
-              <a14:hiddenFill xmlns:a14="http://schemas.microsoft.com/office/drawing/2010/main" xmlns="">
+              <a14:hiddenFill xmlns="" xmlns:a14="http://schemas.microsoft.com/office/drawing/2010/main">
                 <a:solidFill>
                   <a:srgbClr val="FFFFFF"/>
                 </a:solidFill>
               </a14:hiddenFill>
             </a:ext>
             <a:ext uri="{91240B29-F687-4f45-9708-019B960494DF}">
-              <a14:hiddenLine xmlns:a14="http://schemas.microsoft.com/office/drawing/2010/main" xmlns="" w="9525">
+              <a14:hiddenLine xmlns="" xmlns:a14="http://schemas.microsoft.com/office/drawing/2010/main" w="9525">
                 <a:solidFill>
                   <a:srgbClr val="000000"/>
                 </a:solidFill>
@@ -10663,7 +17914,7 @@
           </a:ln>
           <a:extLst>
             <a:ext uri="{909E8E84-426E-40dd-AFC4-6F175D3DCCD1}">
-              <a14:hiddenFill xmlns:a14="http://schemas.microsoft.com/office/drawing/2010/main" xmlns="">
+              <a14:hiddenFill xmlns="" xmlns:a14="http://schemas.microsoft.com/office/drawing/2010/main">
                 <a:noFill/>
               </a14:hiddenFill>
             </a:ext>
@@ -10764,7 +18015,7 @@
           </a:ln>
           <a:extLst>
             <a:ext uri="{909E8E84-426E-40dd-AFC4-6F175D3DCCD1}">
-              <a14:hiddenFill xmlns:a14="http://schemas.microsoft.com/office/drawing/2010/main" xmlns="">
+              <a14:hiddenFill xmlns="" xmlns:a14="http://schemas.microsoft.com/office/drawing/2010/main">
                 <a:noFill/>
               </a14:hiddenFill>
             </a:ext>
@@ -10811,7 +18062,7 @@
           </a:ln>
           <a:extLst>
             <a:ext uri="{909E8E84-426E-40dd-AFC4-6F175D3DCCD1}">
-              <a14:hiddenFill xmlns:a14="http://schemas.microsoft.com/office/drawing/2010/main" xmlns="">
+              <a14:hiddenFill xmlns="" xmlns:a14="http://schemas.microsoft.com/office/drawing/2010/main">
                 <a:noFill/>
               </a14:hiddenFill>
             </a:ext>
@@ -10858,7 +18109,7 @@
           </a:ln>
           <a:extLst>
             <a:ext uri="{909E8E84-426E-40dd-AFC4-6F175D3DCCD1}">
-              <a14:hiddenFill xmlns:a14="http://schemas.microsoft.com/office/drawing/2010/main" xmlns="">
+              <a14:hiddenFill xmlns="" xmlns:a14="http://schemas.microsoft.com/office/drawing/2010/main">
                 <a:noFill/>
               </a14:hiddenFill>
             </a:ext>
@@ -10966,7 +18217,7 @@
           </a:ln>
           <a:extLst>
             <a:ext uri="{909E8E84-426E-40dd-AFC4-6F175D3DCCD1}">
-              <a14:hiddenFill xmlns:a14="http://schemas.microsoft.com/office/drawing/2010/main" xmlns="">
+              <a14:hiddenFill xmlns="" xmlns:a14="http://schemas.microsoft.com/office/drawing/2010/main">
                 <a:noFill/>
               </a14:hiddenFill>
             </a:ext>
@@ -11287,7 +18538,7 @@
           </a:ln>
           <a:extLst>
             <a:ext uri="{909E8E84-426E-40dd-AFC4-6F175D3DCCD1}">
-              <a14:hiddenFill xmlns:a14="http://schemas.microsoft.com/office/drawing/2010/main" xmlns="">
+              <a14:hiddenFill xmlns="" xmlns:a14="http://schemas.microsoft.com/office/drawing/2010/main">
                 <a:noFill/>
               </a14:hiddenFill>
             </a:ext>
@@ -11388,7 +18639,7 @@
           </a:ln>
           <a:extLst>
             <a:ext uri="{909E8E84-426E-40dd-AFC4-6F175D3DCCD1}">
-              <a14:hiddenFill xmlns:a14="http://schemas.microsoft.com/office/drawing/2010/main" xmlns="">
+              <a14:hiddenFill xmlns="" xmlns:a14="http://schemas.microsoft.com/office/drawing/2010/main">
                 <a:noFill/>
               </a14:hiddenFill>
             </a:ext>
@@ -11435,7 +18686,7 @@
           </a:ln>
           <a:extLst>
             <a:ext uri="{909E8E84-426E-40dd-AFC4-6F175D3DCCD1}">
-              <a14:hiddenFill xmlns:a14="http://schemas.microsoft.com/office/drawing/2010/main" xmlns="">
+              <a14:hiddenFill xmlns="" xmlns:a14="http://schemas.microsoft.com/office/drawing/2010/main">
                 <a:noFill/>
               </a14:hiddenFill>
             </a:ext>
@@ -11482,7 +18733,7 @@
           </a:ln>
           <a:extLst>
             <a:ext uri="{909E8E84-426E-40dd-AFC4-6F175D3DCCD1}">
-              <a14:hiddenFill xmlns:a14="http://schemas.microsoft.com/office/drawing/2010/main" xmlns="">
+              <a14:hiddenFill xmlns="" xmlns:a14="http://schemas.microsoft.com/office/drawing/2010/main">
                 <a:noFill/>
               </a14:hiddenFill>
             </a:ext>
@@ -11590,7 +18841,7 @@
           </a:ln>
           <a:extLst>
             <a:ext uri="{909E8E84-426E-40dd-AFC4-6F175D3DCCD1}">
-              <a14:hiddenFill xmlns:a14="http://schemas.microsoft.com/office/drawing/2010/main" xmlns="">
+              <a14:hiddenFill xmlns="" xmlns:a14="http://schemas.microsoft.com/office/drawing/2010/main">
                 <a:noFill/>
               </a14:hiddenFill>
             </a:ext>
@@ -11764,7 +19015,7 @@
           </a:ln>
           <a:extLst>
             <a:ext uri="{909E8E84-426E-40dd-AFC4-6F175D3DCCD1}">
-              <a14:hiddenFill xmlns:a14="http://schemas.microsoft.com/office/drawing/2010/main" xmlns="">
+              <a14:hiddenFill xmlns="" xmlns:a14="http://schemas.microsoft.com/office/drawing/2010/main">
                 <a:noFill/>
               </a14:hiddenFill>
             </a:ext>
@@ -11865,7 +19116,7 @@
           </a:ln>
           <a:extLst>
             <a:ext uri="{909E8E84-426E-40dd-AFC4-6F175D3DCCD1}">
-              <a14:hiddenFill xmlns:a14="http://schemas.microsoft.com/office/drawing/2010/main" xmlns="">
+              <a14:hiddenFill xmlns="" xmlns:a14="http://schemas.microsoft.com/office/drawing/2010/main">
                 <a:noFill/>
               </a14:hiddenFill>
             </a:ext>
@@ -11912,7 +19163,7 @@
           </a:ln>
           <a:extLst>
             <a:ext uri="{909E8E84-426E-40dd-AFC4-6F175D3DCCD1}">
-              <a14:hiddenFill xmlns:a14="http://schemas.microsoft.com/office/drawing/2010/main" xmlns="">
+              <a14:hiddenFill xmlns="" xmlns:a14="http://schemas.microsoft.com/office/drawing/2010/main">
                 <a:noFill/>
               </a14:hiddenFill>
             </a:ext>
@@ -11999,14 +19250,14 @@
           </a:ln>
           <a:extLst>
             <a:ext uri="{909E8E84-426E-40dd-AFC4-6F175D3DCCD1}">
-              <a14:hiddenFill xmlns:a14="http://schemas.microsoft.com/office/drawing/2010/main" xmlns="">
+              <a14:hiddenFill xmlns="" xmlns:a14="http://schemas.microsoft.com/office/drawing/2010/main">
                 <a:solidFill>
                   <a:srgbClr val="FFFFFF"/>
                 </a:solidFill>
               </a14:hiddenFill>
             </a:ext>
             <a:ext uri="{91240B29-F687-4f45-9708-019B960494DF}">
-              <a14:hiddenLine xmlns:a14="http://schemas.microsoft.com/office/drawing/2010/main" xmlns="" w="9525">
+              <a14:hiddenLine xmlns="" xmlns:a14="http://schemas.microsoft.com/office/drawing/2010/main" w="9525">
                 <a:solidFill>
                   <a:srgbClr val="000000"/>
                 </a:solidFill>
@@ -12177,14 +19428,14 @@
           </a:ln>
           <a:extLst>
             <a:ext uri="{909E8E84-426E-40dd-AFC4-6F175D3DCCD1}">
-              <a14:hiddenFill xmlns:a14="http://schemas.microsoft.com/office/drawing/2010/main" xmlns="">
+              <a14:hiddenFill xmlns="" xmlns:a14="http://schemas.microsoft.com/office/drawing/2010/main">
                 <a:solidFill>
                   <a:srgbClr val="FFFFFF"/>
                 </a:solidFill>
               </a14:hiddenFill>
             </a:ext>
             <a:ext uri="{91240B29-F687-4f45-9708-019B960494DF}">
-              <a14:hiddenLine xmlns:a14="http://schemas.microsoft.com/office/drawing/2010/main" xmlns="" w="9525">
+              <a14:hiddenLine xmlns="" xmlns:a14="http://schemas.microsoft.com/office/drawing/2010/main" w="9525">
                 <a:solidFill>
                   <a:srgbClr val="000000"/>
                 </a:solidFill>
@@ -12473,7 +19724,7 @@
             </a:ln>
             <a:extLst>
               <a:ext uri="{909E8E84-426E-40dd-AFC4-6F175D3DCCD1}">
-                <a14:hiddenFill xmlns:a14="http://schemas.microsoft.com/office/drawing/2010/main" xmlns="">
+                <a14:hiddenFill xmlns="" xmlns:a14="http://schemas.microsoft.com/office/drawing/2010/main">
                   <a:solidFill>
                     <a:srgbClr val="FFFFFF"/>
                   </a:solidFill>
@@ -12632,7 +19883,7 @@
             </a:ln>
             <a:extLst>
               <a:ext uri="{909E8E84-426E-40dd-AFC4-6F175D3DCCD1}">
-                <a14:hiddenFill xmlns:a14="http://schemas.microsoft.com/office/drawing/2010/main" xmlns="">
+                <a14:hiddenFill xmlns="" xmlns:a14="http://schemas.microsoft.com/office/drawing/2010/main">
                   <a:noFill/>
                 </a14:hiddenFill>
               </a:ext>
@@ -12679,7 +19930,7 @@
             </a:ln>
             <a:extLst>
               <a:ext uri="{909E8E84-426E-40dd-AFC4-6F175D3DCCD1}">
-                <a14:hiddenFill xmlns:a14="http://schemas.microsoft.com/office/drawing/2010/main" xmlns="">
+                <a14:hiddenFill xmlns="" xmlns:a14="http://schemas.microsoft.com/office/drawing/2010/main">
                   <a:noFill/>
                 </a14:hiddenFill>
               </a:ext>
@@ -12726,7 +19977,7 @@
             </a:ln>
             <a:extLst>
               <a:ext uri="{909E8E84-426E-40dd-AFC4-6F175D3DCCD1}">
-                <a14:hiddenFill xmlns:a14="http://schemas.microsoft.com/office/drawing/2010/main" xmlns="">
+                <a14:hiddenFill xmlns="" xmlns:a14="http://schemas.microsoft.com/office/drawing/2010/main">
                   <a:noFill/>
                 </a14:hiddenFill>
               </a:ext>
@@ -12773,7 +20024,7 @@
             </a:ln>
             <a:extLst>
               <a:ext uri="{909E8E84-426E-40dd-AFC4-6F175D3DCCD1}">
-                <a14:hiddenFill xmlns:a14="http://schemas.microsoft.com/office/drawing/2010/main" xmlns="">
+                <a14:hiddenFill xmlns="" xmlns:a14="http://schemas.microsoft.com/office/drawing/2010/main">
                   <a:noFill/>
                 </a14:hiddenFill>
               </a:ext>
@@ -12816,14 +20067,14 @@
           </a:ln>
           <a:extLst>
             <a:ext uri="{909E8E84-426E-40dd-AFC4-6F175D3DCCD1}">
-              <a14:hiddenFill xmlns:a14="http://schemas.microsoft.com/office/drawing/2010/main" xmlns="">
+              <a14:hiddenFill xmlns="" xmlns:a14="http://schemas.microsoft.com/office/drawing/2010/main">
                 <a:solidFill>
                   <a:srgbClr val="FFFFFF"/>
                 </a:solidFill>
               </a14:hiddenFill>
             </a:ext>
             <a:ext uri="{91240B29-F687-4f45-9708-019B960494DF}">
-              <a14:hiddenLine xmlns:a14="http://schemas.microsoft.com/office/drawing/2010/main" xmlns="" w="9525">
+              <a14:hiddenLine xmlns="" xmlns:a14="http://schemas.microsoft.com/office/drawing/2010/main" w="9525">
                 <a:solidFill>
                   <a:srgbClr val="000000"/>
                 </a:solidFill>
@@ -13281,14 +20532,14 @@
           </a:ln>
           <a:extLst>
             <a:ext uri="{909E8E84-426E-40dd-AFC4-6F175D3DCCD1}">
-              <a14:hiddenFill xmlns:a14="http://schemas.microsoft.com/office/drawing/2010/main" xmlns="">
+              <a14:hiddenFill xmlns="" xmlns:a14="http://schemas.microsoft.com/office/drawing/2010/main">
                 <a:solidFill>
                   <a:srgbClr val="FFFFFF"/>
                 </a:solidFill>
               </a14:hiddenFill>
             </a:ext>
             <a:ext uri="{91240B29-F687-4f45-9708-019B960494DF}">
-              <a14:hiddenLine xmlns:a14="http://schemas.microsoft.com/office/drawing/2010/main" xmlns="" w="9525">
+              <a14:hiddenLine xmlns="" xmlns:a14="http://schemas.microsoft.com/office/drawing/2010/main" w="9525">
                 <a:solidFill>
                   <a:srgbClr val="000000"/>
                 </a:solidFill>
@@ -13459,14 +20710,14 @@
           </a:ln>
           <a:extLst>
             <a:ext uri="{909E8E84-426E-40dd-AFC4-6F175D3DCCD1}">
-              <a14:hiddenFill xmlns:a14="http://schemas.microsoft.com/office/drawing/2010/main" xmlns="">
+              <a14:hiddenFill xmlns="" xmlns:a14="http://schemas.microsoft.com/office/drawing/2010/main">
                 <a:solidFill>
                   <a:srgbClr val="FFFFFF"/>
                 </a:solidFill>
               </a14:hiddenFill>
             </a:ext>
             <a:ext uri="{91240B29-F687-4f45-9708-019B960494DF}">
-              <a14:hiddenLine xmlns:a14="http://schemas.microsoft.com/office/drawing/2010/main" xmlns="" w="9525">
+              <a14:hiddenLine xmlns="" xmlns:a14="http://schemas.microsoft.com/office/drawing/2010/main" w="9525">
                 <a:solidFill>
                   <a:srgbClr val="000000"/>
                 </a:solidFill>
@@ -13681,14 +20932,14 @@
           </a:ln>
           <a:extLst>
             <a:ext uri="{909E8E84-426E-40dd-AFC4-6F175D3DCCD1}">
-              <a14:hiddenFill xmlns:a14="http://schemas.microsoft.com/office/drawing/2010/main" xmlns="">
+              <a14:hiddenFill xmlns="" xmlns:a14="http://schemas.microsoft.com/office/drawing/2010/main">
                 <a:solidFill>
                   <a:srgbClr val="FFFFFF"/>
                 </a:solidFill>
               </a14:hiddenFill>
             </a:ext>
             <a:ext uri="{91240B29-F687-4f45-9708-019B960494DF}">
-              <a14:hiddenLine xmlns:a14="http://schemas.microsoft.com/office/drawing/2010/main" xmlns="" w="9525">
+              <a14:hiddenLine xmlns="" xmlns:a14="http://schemas.microsoft.com/office/drawing/2010/main" w="9525">
                 <a:solidFill>
                   <a:srgbClr val="000000"/>
                 </a:solidFill>
@@ -13903,14 +21154,14 @@
           </a:ln>
           <a:extLst>
             <a:ext uri="{909E8E84-426E-40dd-AFC4-6F175D3DCCD1}">
-              <a14:hiddenFill xmlns:a14="http://schemas.microsoft.com/office/drawing/2010/main" xmlns="">
+              <a14:hiddenFill xmlns="" xmlns:a14="http://schemas.microsoft.com/office/drawing/2010/main">
                 <a:solidFill>
                   <a:srgbClr val="FFFFFF"/>
                 </a:solidFill>
               </a14:hiddenFill>
             </a:ext>
             <a:ext uri="{91240B29-F687-4f45-9708-019B960494DF}">
-              <a14:hiddenLine xmlns:a14="http://schemas.microsoft.com/office/drawing/2010/main" xmlns="" w="9525">
+              <a14:hiddenLine xmlns="" xmlns:a14="http://schemas.microsoft.com/office/drawing/2010/main" w="9525">
                 <a:solidFill>
                   <a:srgbClr val="000000"/>
                 </a:solidFill>
@@ -14127,14 +21378,14 @@
           </a:ln>
           <a:extLst>
             <a:ext uri="{909E8E84-426E-40dd-AFC4-6F175D3DCCD1}">
-              <a14:hiddenFill xmlns:a14="http://schemas.microsoft.com/office/drawing/2010/main" xmlns="">
+              <a14:hiddenFill xmlns="" xmlns:a14="http://schemas.microsoft.com/office/drawing/2010/main">
                 <a:solidFill>
                   <a:srgbClr val="FFFFFF"/>
                 </a:solidFill>
               </a14:hiddenFill>
             </a:ext>
             <a:ext uri="{91240B29-F687-4f45-9708-019B960494DF}">
-              <a14:hiddenLine xmlns:a14="http://schemas.microsoft.com/office/drawing/2010/main" xmlns="" w="9525">
+              <a14:hiddenLine xmlns="" xmlns:a14="http://schemas.microsoft.com/office/drawing/2010/main" w="9525">
                 <a:solidFill>
                   <a:srgbClr val="000000"/>
                 </a:solidFill>
@@ -14423,7 +21674,7 @@
             </a:ln>
             <a:extLst>
               <a:ext uri="{909E8E84-426E-40dd-AFC4-6F175D3DCCD1}">
-                <a14:hiddenFill xmlns:a14="http://schemas.microsoft.com/office/drawing/2010/main" xmlns="">
+                <a14:hiddenFill xmlns="" xmlns:a14="http://schemas.microsoft.com/office/drawing/2010/main">
                   <a:solidFill>
                     <a:srgbClr val="FFFFFF"/>
                   </a:solidFill>
@@ -14582,7 +21833,7 @@
             </a:ln>
             <a:extLst>
               <a:ext uri="{909E8E84-426E-40dd-AFC4-6F175D3DCCD1}">
-                <a14:hiddenFill xmlns:a14="http://schemas.microsoft.com/office/drawing/2010/main" xmlns="">
+                <a14:hiddenFill xmlns="" xmlns:a14="http://schemas.microsoft.com/office/drawing/2010/main">
                   <a:noFill/>
                 </a14:hiddenFill>
               </a:ext>
@@ -14629,7 +21880,7 @@
             </a:ln>
             <a:extLst>
               <a:ext uri="{909E8E84-426E-40dd-AFC4-6F175D3DCCD1}">
-                <a14:hiddenFill xmlns:a14="http://schemas.microsoft.com/office/drawing/2010/main" xmlns="">
+                <a14:hiddenFill xmlns="" xmlns:a14="http://schemas.microsoft.com/office/drawing/2010/main">
                   <a:noFill/>
                 </a14:hiddenFill>
               </a:ext>
@@ -14676,7 +21927,7 @@
             </a:ln>
             <a:extLst>
               <a:ext uri="{909E8E84-426E-40dd-AFC4-6F175D3DCCD1}">
-                <a14:hiddenFill xmlns:a14="http://schemas.microsoft.com/office/drawing/2010/main" xmlns="">
+                <a14:hiddenFill xmlns="" xmlns:a14="http://schemas.microsoft.com/office/drawing/2010/main">
                   <a:noFill/>
                 </a14:hiddenFill>
               </a:ext>
@@ -14723,7 +21974,7 @@
             </a:ln>
             <a:extLst>
               <a:ext uri="{909E8E84-426E-40dd-AFC4-6F175D3DCCD1}">
-                <a14:hiddenFill xmlns:a14="http://schemas.microsoft.com/office/drawing/2010/main" xmlns="">
+                <a14:hiddenFill xmlns="" xmlns:a14="http://schemas.microsoft.com/office/drawing/2010/main">
                   <a:noFill/>
                 </a14:hiddenFill>
               </a:ext>
@@ -14766,14 +22017,14 @@
           </a:ln>
           <a:extLst>
             <a:ext uri="{909E8E84-426E-40dd-AFC4-6F175D3DCCD1}">
-              <a14:hiddenFill xmlns:a14="http://schemas.microsoft.com/office/drawing/2010/main" xmlns="">
+              <a14:hiddenFill xmlns="" xmlns:a14="http://schemas.microsoft.com/office/drawing/2010/main">
                 <a:solidFill>
                   <a:srgbClr val="FFFFFF"/>
                 </a:solidFill>
               </a14:hiddenFill>
             </a:ext>
             <a:ext uri="{91240B29-F687-4f45-9708-019B960494DF}">
-              <a14:hiddenLine xmlns:a14="http://schemas.microsoft.com/office/drawing/2010/main" xmlns="" w="9525">
+              <a14:hiddenLine xmlns="" xmlns:a14="http://schemas.microsoft.com/office/drawing/2010/main" w="9525">
                 <a:solidFill>
                   <a:srgbClr val="000000"/>
                 </a:solidFill>
@@ -15775,14 +23026,14 @@
           </a:ln>
           <a:extLst>
             <a:ext uri="{909E8E84-426E-40dd-AFC4-6F175D3DCCD1}">
-              <a14:hiddenFill xmlns:a14="http://schemas.microsoft.com/office/drawing/2010/main" xmlns="">
+              <a14:hiddenFill xmlns="" xmlns:a14="http://schemas.microsoft.com/office/drawing/2010/main">
                 <a:solidFill>
                   <a:srgbClr val="FFFFFF"/>
                 </a:solidFill>
               </a14:hiddenFill>
             </a:ext>
             <a:ext uri="{91240B29-F687-4f45-9708-019B960494DF}">
-              <a14:hiddenLine xmlns:a14="http://schemas.microsoft.com/office/drawing/2010/main" xmlns="" w="9525">
+              <a14:hiddenLine xmlns="" xmlns:a14="http://schemas.microsoft.com/office/drawing/2010/main" w="9525">
                 <a:solidFill>
                   <a:srgbClr val="000000"/>
                 </a:solidFill>
@@ -15959,14 +23210,14 @@
           </a:ln>
           <a:extLst>
             <a:ext uri="{909E8E84-426E-40dd-AFC4-6F175D3DCCD1}">
-              <a14:hiddenFill xmlns:a14="http://schemas.microsoft.com/office/drawing/2010/main" xmlns="">
+              <a14:hiddenFill xmlns="" xmlns:a14="http://schemas.microsoft.com/office/drawing/2010/main">
                 <a:solidFill>
                   <a:srgbClr val="FFFFFF"/>
                 </a:solidFill>
               </a14:hiddenFill>
             </a:ext>
             <a:ext uri="{91240B29-F687-4f45-9708-019B960494DF}">
-              <a14:hiddenLine xmlns:a14="http://schemas.microsoft.com/office/drawing/2010/main" xmlns="" w="9525">
+              <a14:hiddenLine xmlns="" xmlns:a14="http://schemas.microsoft.com/office/drawing/2010/main" w="9525">
                 <a:solidFill>
                   <a:srgbClr val="000000"/>
                 </a:solidFill>
@@ -16143,14 +23394,14 @@
           </a:ln>
           <a:extLst>
             <a:ext uri="{909E8E84-426E-40dd-AFC4-6F175D3DCCD1}">
-              <a14:hiddenFill xmlns:a14="http://schemas.microsoft.com/office/drawing/2010/main" xmlns="">
+              <a14:hiddenFill xmlns="" xmlns:a14="http://schemas.microsoft.com/office/drawing/2010/main">
                 <a:solidFill>
                   <a:srgbClr val="FFFFFF"/>
                 </a:solidFill>
               </a14:hiddenFill>
             </a:ext>
             <a:ext uri="{91240B29-F687-4f45-9708-019B960494DF}">
-              <a14:hiddenLine xmlns:a14="http://schemas.microsoft.com/office/drawing/2010/main" xmlns="" w="9525">
+              <a14:hiddenLine xmlns="" xmlns:a14="http://schemas.microsoft.com/office/drawing/2010/main" w="9525">
                 <a:solidFill>
                   <a:srgbClr val="000000"/>
                 </a:solidFill>
@@ -16327,14 +23578,14 @@
           </a:ln>
           <a:extLst>
             <a:ext uri="{909E8E84-426E-40dd-AFC4-6F175D3DCCD1}">
-              <a14:hiddenFill xmlns:a14="http://schemas.microsoft.com/office/drawing/2010/main" xmlns="">
+              <a14:hiddenFill xmlns="" xmlns:a14="http://schemas.microsoft.com/office/drawing/2010/main">
                 <a:solidFill>
                   <a:srgbClr val="FFFFFF"/>
                 </a:solidFill>
               </a14:hiddenFill>
             </a:ext>
             <a:ext uri="{91240B29-F687-4f45-9708-019B960494DF}">
-              <a14:hiddenLine xmlns:a14="http://schemas.microsoft.com/office/drawing/2010/main" xmlns="" w="9525">
+              <a14:hiddenLine xmlns="" xmlns:a14="http://schemas.microsoft.com/office/drawing/2010/main" w="9525">
                 <a:solidFill>
                   <a:srgbClr val="000000"/>
                 </a:solidFill>
@@ -16511,14 +23762,14 @@
           </a:ln>
           <a:extLst>
             <a:ext uri="{909E8E84-426E-40dd-AFC4-6F175D3DCCD1}">
-              <a14:hiddenFill xmlns:a14="http://schemas.microsoft.com/office/drawing/2010/main" xmlns="">
+              <a14:hiddenFill xmlns="" xmlns:a14="http://schemas.microsoft.com/office/drawing/2010/main">
                 <a:solidFill>
                   <a:srgbClr val="FFFFFF"/>
                 </a:solidFill>
               </a14:hiddenFill>
             </a:ext>
             <a:ext uri="{91240B29-F687-4f45-9708-019B960494DF}">
-              <a14:hiddenLine xmlns:a14="http://schemas.microsoft.com/office/drawing/2010/main" xmlns="" w="9525">
+              <a14:hiddenLine xmlns="" xmlns:a14="http://schemas.microsoft.com/office/drawing/2010/main" w="9525">
                 <a:solidFill>
                   <a:srgbClr val="000000"/>
                 </a:solidFill>
@@ -16692,14 +23943,14 @@
           </a:ln>
           <a:extLst>
             <a:ext uri="{909E8E84-426E-40dd-AFC4-6F175D3DCCD1}">
-              <a14:hiddenFill xmlns:a14="http://schemas.microsoft.com/office/drawing/2010/main" xmlns="">
+              <a14:hiddenFill xmlns="" xmlns:a14="http://schemas.microsoft.com/office/drawing/2010/main">
                 <a:solidFill>
                   <a:srgbClr val="FFFFFF"/>
                 </a:solidFill>
               </a14:hiddenFill>
             </a:ext>
             <a:ext uri="{91240B29-F687-4f45-9708-019B960494DF}">
-              <a14:hiddenLine xmlns:a14="http://schemas.microsoft.com/office/drawing/2010/main" xmlns="" w="9525">
+              <a14:hiddenLine xmlns="" xmlns:a14="http://schemas.microsoft.com/office/drawing/2010/main" w="9525">
                 <a:solidFill>
                   <a:srgbClr val="000000"/>
                 </a:solidFill>

--- a/software-engineering/slides/uml.pptx
+++ b/software-engineering/slides/uml.pptx
@@ -270,7 +270,7 @@
           <a:p>
             <a:fld id="{9B5DFB4D-25A4-4008-8635-D2632B3E843C}" type="datetimeFigureOut">
               <a:rPr lang="en-US" smtClean="0"/>
-              <a:t>2/3/2019</a:t>
+              <a:t>1/13/2020</a:t>
             </a:fld>
             <a:endParaRPr lang="en-US"/>
           </a:p>
@@ -468,7 +468,7 @@
           <a:p>
             <a:fld id="{9B5DFB4D-25A4-4008-8635-D2632B3E843C}" type="datetimeFigureOut">
               <a:rPr lang="en-US" smtClean="0"/>
-              <a:t>2/3/2019</a:t>
+              <a:t>1/13/2020</a:t>
             </a:fld>
             <a:endParaRPr lang="en-US"/>
           </a:p>
@@ -676,7 +676,7 @@
           <a:p>
             <a:fld id="{9B5DFB4D-25A4-4008-8635-D2632B3E843C}" type="datetimeFigureOut">
               <a:rPr lang="en-US" smtClean="0"/>
-              <a:t>2/3/2019</a:t>
+              <a:t>1/13/2020</a:t>
             </a:fld>
             <a:endParaRPr lang="en-US"/>
           </a:p>
@@ -874,7 +874,7 @@
           <a:p>
             <a:fld id="{9B5DFB4D-25A4-4008-8635-D2632B3E843C}" type="datetimeFigureOut">
               <a:rPr lang="en-US" smtClean="0"/>
-              <a:t>2/3/2019</a:t>
+              <a:t>1/13/2020</a:t>
             </a:fld>
             <a:endParaRPr lang="en-US"/>
           </a:p>
@@ -1149,7 +1149,7 @@
           <a:p>
             <a:fld id="{9B5DFB4D-25A4-4008-8635-D2632B3E843C}" type="datetimeFigureOut">
               <a:rPr lang="en-US" smtClean="0"/>
-              <a:t>2/3/2019</a:t>
+              <a:t>1/13/2020</a:t>
             </a:fld>
             <a:endParaRPr lang="en-US"/>
           </a:p>
@@ -1414,7 +1414,7 @@
           <a:p>
             <a:fld id="{9B5DFB4D-25A4-4008-8635-D2632B3E843C}" type="datetimeFigureOut">
               <a:rPr lang="en-US" smtClean="0"/>
-              <a:t>2/3/2019</a:t>
+              <a:t>1/13/2020</a:t>
             </a:fld>
             <a:endParaRPr lang="en-US"/>
           </a:p>
@@ -1826,7 +1826,7 @@
           <a:p>
             <a:fld id="{9B5DFB4D-25A4-4008-8635-D2632B3E843C}" type="datetimeFigureOut">
               <a:rPr lang="en-US" smtClean="0"/>
-              <a:t>2/3/2019</a:t>
+              <a:t>1/13/2020</a:t>
             </a:fld>
             <a:endParaRPr lang="en-US"/>
           </a:p>
@@ -1967,7 +1967,7 @@
           <a:p>
             <a:fld id="{9B5DFB4D-25A4-4008-8635-D2632B3E843C}" type="datetimeFigureOut">
               <a:rPr lang="en-US" smtClean="0"/>
-              <a:t>2/3/2019</a:t>
+              <a:t>1/13/2020</a:t>
             </a:fld>
             <a:endParaRPr lang="en-US"/>
           </a:p>
@@ -2080,7 +2080,7 @@
           <a:p>
             <a:fld id="{9B5DFB4D-25A4-4008-8635-D2632B3E843C}" type="datetimeFigureOut">
               <a:rPr lang="en-US" smtClean="0"/>
-              <a:t>2/3/2019</a:t>
+              <a:t>1/13/2020</a:t>
             </a:fld>
             <a:endParaRPr lang="en-US"/>
           </a:p>
@@ -2391,7 +2391,7 @@
           <a:p>
             <a:fld id="{9B5DFB4D-25A4-4008-8635-D2632B3E843C}" type="datetimeFigureOut">
               <a:rPr lang="en-US" smtClean="0"/>
-              <a:t>2/3/2019</a:t>
+              <a:t>1/13/2020</a:t>
             </a:fld>
             <a:endParaRPr lang="en-US"/>
           </a:p>
@@ -2679,7 +2679,7 @@
           <a:p>
             <a:fld id="{9B5DFB4D-25A4-4008-8635-D2632B3E843C}" type="datetimeFigureOut">
               <a:rPr lang="en-US" smtClean="0"/>
-              <a:t>2/3/2019</a:t>
+              <a:t>1/13/2020</a:t>
             </a:fld>
             <a:endParaRPr lang="en-US"/>
           </a:p>
@@ -2920,7 +2920,7 @@
           <a:p>
             <a:fld id="{9B5DFB4D-25A4-4008-8635-D2632B3E843C}" type="datetimeFigureOut">
               <a:rPr lang="en-US" smtClean="0"/>
-              <a:t>2/3/2019</a:t>
+              <a:t>1/13/2020</a:t>
             </a:fld>
             <a:endParaRPr lang="en-US"/>
           </a:p>
@@ -3392,7 +3392,7 @@
             </a:ln>
             <a:extLst>
               <a:ext uri="{909E8E84-426E-40dd-AFC4-6F175D3DCCD1}">
-                <a14:hiddenFill xmlns="" xmlns:a14="http://schemas.microsoft.com/office/drawing/2010/main">
+                <a14:hiddenFill xmlns:a14="http://schemas.microsoft.com/office/drawing/2010/main" xmlns="">
                   <a:solidFill>
                     <a:srgbClr val="FFFFFF"/>
                   </a:solidFill>
@@ -3551,7 +3551,7 @@
             </a:ln>
             <a:extLst>
               <a:ext uri="{909E8E84-426E-40dd-AFC4-6F175D3DCCD1}">
-                <a14:hiddenFill xmlns="" xmlns:a14="http://schemas.microsoft.com/office/drawing/2010/main">
+                <a14:hiddenFill xmlns:a14="http://schemas.microsoft.com/office/drawing/2010/main" xmlns="">
                   <a:noFill/>
                 </a14:hiddenFill>
               </a:ext>
@@ -3598,7 +3598,7 @@
             </a:ln>
             <a:extLst>
               <a:ext uri="{909E8E84-426E-40dd-AFC4-6F175D3DCCD1}">
-                <a14:hiddenFill xmlns="" xmlns:a14="http://schemas.microsoft.com/office/drawing/2010/main">
+                <a14:hiddenFill xmlns:a14="http://schemas.microsoft.com/office/drawing/2010/main" xmlns="">
                   <a:noFill/>
                 </a14:hiddenFill>
               </a:ext>
@@ -3645,7 +3645,7 @@
             </a:ln>
             <a:extLst>
               <a:ext uri="{909E8E84-426E-40dd-AFC4-6F175D3DCCD1}">
-                <a14:hiddenFill xmlns="" xmlns:a14="http://schemas.microsoft.com/office/drawing/2010/main">
+                <a14:hiddenFill xmlns:a14="http://schemas.microsoft.com/office/drawing/2010/main" xmlns="">
                   <a:noFill/>
                 </a14:hiddenFill>
               </a:ext>
@@ -3692,7 +3692,7 @@
             </a:ln>
             <a:extLst>
               <a:ext uri="{909E8E84-426E-40dd-AFC4-6F175D3DCCD1}">
-                <a14:hiddenFill xmlns="" xmlns:a14="http://schemas.microsoft.com/office/drawing/2010/main">
+                <a14:hiddenFill xmlns:a14="http://schemas.microsoft.com/office/drawing/2010/main" xmlns="">
                   <a:noFill/>
                 </a14:hiddenFill>
               </a:ext>
@@ -3735,14 +3735,14 @@
           </a:ln>
           <a:extLst>
             <a:ext uri="{909E8E84-426E-40dd-AFC4-6F175D3DCCD1}">
-              <a14:hiddenFill xmlns="" xmlns:a14="http://schemas.microsoft.com/office/drawing/2010/main">
+              <a14:hiddenFill xmlns:a14="http://schemas.microsoft.com/office/drawing/2010/main" xmlns="">
                 <a:solidFill>
                   <a:srgbClr val="FFFFFF"/>
                 </a:solidFill>
               </a14:hiddenFill>
             </a:ext>
             <a:ext uri="{91240B29-F687-4f45-9708-019B960494DF}">
-              <a14:hiddenLine xmlns="" xmlns:a14="http://schemas.microsoft.com/office/drawing/2010/main" w="9525">
+              <a14:hiddenLine xmlns:a14="http://schemas.microsoft.com/office/drawing/2010/main" xmlns="" w="9525">
                 <a:solidFill>
                   <a:srgbClr val="000000"/>
                 </a:solidFill>
@@ -3918,7 +3918,7 @@
           </a:ln>
           <a:extLst>
             <a:ext uri="{909E8E84-426E-40dd-AFC4-6F175D3DCCD1}">
-              <a14:hiddenFill xmlns="" xmlns:a14="http://schemas.microsoft.com/office/drawing/2010/main">
+              <a14:hiddenFill xmlns:a14="http://schemas.microsoft.com/office/drawing/2010/main" xmlns="">
                 <a:solidFill>
                   <a:srgbClr val="FFFFFF"/>
                 </a:solidFill>
@@ -4077,7 +4077,7 @@
           </a:ln>
           <a:extLst>
             <a:ext uri="{909E8E84-426E-40dd-AFC4-6F175D3DCCD1}">
-              <a14:hiddenFill xmlns="" xmlns:a14="http://schemas.microsoft.com/office/drawing/2010/main">
+              <a14:hiddenFill xmlns:a14="http://schemas.microsoft.com/office/drawing/2010/main" xmlns="">
                 <a:noFill/>
               </a14:hiddenFill>
             </a:ext>
@@ -4419,7 +4419,7 @@
           </a:ln>
           <a:extLst>
             <a:ext uri="{909E8E84-426E-40dd-AFC4-6F175D3DCCD1}">
-              <a14:hiddenFill xmlns="" xmlns:a14="http://schemas.microsoft.com/office/drawing/2010/main">
+              <a14:hiddenFill xmlns:a14="http://schemas.microsoft.com/office/drawing/2010/main" xmlns="">
                 <a:noFill/>
               </a14:hiddenFill>
             </a:ext>
@@ -4466,7 +4466,7 @@
           </a:ln>
           <a:extLst>
             <a:ext uri="{909E8E84-426E-40dd-AFC4-6F175D3DCCD1}">
-              <a14:hiddenFill xmlns="" xmlns:a14="http://schemas.microsoft.com/office/drawing/2010/main">
+              <a14:hiddenFill xmlns:a14="http://schemas.microsoft.com/office/drawing/2010/main" xmlns="">
                 <a:noFill/>
               </a14:hiddenFill>
             </a:ext>
@@ -4513,7 +4513,7 @@
           </a:ln>
           <a:extLst>
             <a:ext uri="{909E8E84-426E-40dd-AFC4-6F175D3DCCD1}">
-              <a14:hiddenFill xmlns="" xmlns:a14="http://schemas.microsoft.com/office/drawing/2010/main">
+              <a14:hiddenFill xmlns:a14="http://schemas.microsoft.com/office/drawing/2010/main" xmlns="">
                 <a:noFill/>
               </a14:hiddenFill>
             </a:ext>
@@ -4582,7 +4582,7 @@
             </a:ln>
             <a:extLst>
               <a:ext uri="{909E8E84-426E-40dd-AFC4-6F175D3DCCD1}">
-                <a14:hiddenFill xmlns="" xmlns:a14="http://schemas.microsoft.com/office/drawing/2010/main">
+                <a14:hiddenFill xmlns:a14="http://schemas.microsoft.com/office/drawing/2010/main" xmlns="">
                   <a:solidFill>
                     <a:srgbClr val="FFFFFF"/>
                   </a:solidFill>
@@ -4741,7 +4741,7 @@
             </a:ln>
             <a:extLst>
               <a:ext uri="{909E8E84-426E-40dd-AFC4-6F175D3DCCD1}">
-                <a14:hiddenFill xmlns="" xmlns:a14="http://schemas.microsoft.com/office/drawing/2010/main">
+                <a14:hiddenFill xmlns:a14="http://schemas.microsoft.com/office/drawing/2010/main" xmlns="">
                   <a:noFill/>
                 </a14:hiddenFill>
               </a:ext>
@@ -4788,7 +4788,7 @@
             </a:ln>
             <a:extLst>
               <a:ext uri="{909E8E84-426E-40dd-AFC4-6F175D3DCCD1}">
-                <a14:hiddenFill xmlns="" xmlns:a14="http://schemas.microsoft.com/office/drawing/2010/main">
+                <a14:hiddenFill xmlns:a14="http://schemas.microsoft.com/office/drawing/2010/main" xmlns="">
                   <a:noFill/>
                 </a14:hiddenFill>
               </a:ext>
@@ -4835,7 +4835,7 @@
             </a:ln>
             <a:extLst>
               <a:ext uri="{909E8E84-426E-40dd-AFC4-6F175D3DCCD1}">
-                <a14:hiddenFill xmlns="" xmlns:a14="http://schemas.microsoft.com/office/drawing/2010/main">
+                <a14:hiddenFill xmlns:a14="http://schemas.microsoft.com/office/drawing/2010/main" xmlns="">
                   <a:noFill/>
                 </a14:hiddenFill>
               </a:ext>
@@ -4882,7 +4882,7 @@
             </a:ln>
             <a:extLst>
               <a:ext uri="{909E8E84-426E-40dd-AFC4-6F175D3DCCD1}">
-                <a14:hiddenFill xmlns="" xmlns:a14="http://schemas.microsoft.com/office/drawing/2010/main">
+                <a14:hiddenFill xmlns:a14="http://schemas.microsoft.com/office/drawing/2010/main" xmlns="">
                   <a:noFill/>
                 </a14:hiddenFill>
               </a:ext>
@@ -4925,14 +4925,14 @@
           </a:ln>
           <a:extLst>
             <a:ext uri="{909E8E84-426E-40dd-AFC4-6F175D3DCCD1}">
-              <a14:hiddenFill xmlns="" xmlns:a14="http://schemas.microsoft.com/office/drawing/2010/main">
+              <a14:hiddenFill xmlns:a14="http://schemas.microsoft.com/office/drawing/2010/main" xmlns="">
                 <a:solidFill>
                   <a:srgbClr val="FFFFFF"/>
                 </a:solidFill>
               </a14:hiddenFill>
             </a:ext>
             <a:ext uri="{91240B29-F687-4f45-9708-019B960494DF}">
-              <a14:hiddenLine xmlns="" xmlns:a14="http://schemas.microsoft.com/office/drawing/2010/main" w="9525">
+              <a14:hiddenLine xmlns:a14="http://schemas.microsoft.com/office/drawing/2010/main" xmlns="" w="9525">
                 <a:solidFill>
                   <a:srgbClr val="000000"/>
                 </a:solidFill>
@@ -5108,7 +5108,7 @@
           </a:ln>
           <a:extLst>
             <a:ext uri="{909E8E84-426E-40dd-AFC4-6F175D3DCCD1}">
-              <a14:hiddenFill xmlns="" xmlns:a14="http://schemas.microsoft.com/office/drawing/2010/main">
+              <a14:hiddenFill xmlns:a14="http://schemas.microsoft.com/office/drawing/2010/main" xmlns="">
                 <a:noFill/>
               </a14:hiddenFill>
             </a:ext>
@@ -5155,7 +5155,7 @@
           </a:ln>
           <a:extLst>
             <a:ext uri="{909E8E84-426E-40dd-AFC4-6F175D3DCCD1}">
-              <a14:hiddenFill xmlns="" xmlns:a14="http://schemas.microsoft.com/office/drawing/2010/main">
+              <a14:hiddenFill xmlns:a14="http://schemas.microsoft.com/office/drawing/2010/main" xmlns="">
                 <a:noFill/>
               </a14:hiddenFill>
             </a:ext>
@@ -5202,7 +5202,7 @@
           </a:ln>
           <a:extLst>
             <a:ext uri="{909E8E84-426E-40dd-AFC4-6F175D3DCCD1}">
-              <a14:hiddenFill xmlns="" xmlns:a14="http://schemas.microsoft.com/office/drawing/2010/main">
+              <a14:hiddenFill xmlns:a14="http://schemas.microsoft.com/office/drawing/2010/main" xmlns="">
                 <a:noFill/>
               </a14:hiddenFill>
             </a:ext>
@@ -5362,7 +5362,7 @@
             </a:ln>
             <a:extLst>
               <a:ext uri="{909E8E84-426E-40dd-AFC4-6F175D3DCCD1}">
-                <a14:hiddenFill xmlns="" xmlns:a14="http://schemas.microsoft.com/office/drawing/2010/main">
+                <a14:hiddenFill xmlns:a14="http://schemas.microsoft.com/office/drawing/2010/main" xmlns="">
                   <a:solidFill>
                     <a:srgbClr val="FFFFFF"/>
                   </a:solidFill>
@@ -5521,7 +5521,7 @@
             </a:ln>
             <a:extLst>
               <a:ext uri="{909E8E84-426E-40dd-AFC4-6F175D3DCCD1}">
-                <a14:hiddenFill xmlns="" xmlns:a14="http://schemas.microsoft.com/office/drawing/2010/main">
+                <a14:hiddenFill xmlns:a14="http://schemas.microsoft.com/office/drawing/2010/main" xmlns="">
                   <a:noFill/>
                 </a14:hiddenFill>
               </a:ext>
@@ -5568,7 +5568,7 @@
             </a:ln>
             <a:extLst>
               <a:ext uri="{909E8E84-426E-40dd-AFC4-6F175D3DCCD1}">
-                <a14:hiddenFill xmlns="" xmlns:a14="http://schemas.microsoft.com/office/drawing/2010/main">
+                <a14:hiddenFill xmlns:a14="http://schemas.microsoft.com/office/drawing/2010/main" xmlns="">
                   <a:noFill/>
                 </a14:hiddenFill>
               </a:ext>
@@ -5615,7 +5615,7 @@
             </a:ln>
             <a:extLst>
               <a:ext uri="{909E8E84-426E-40dd-AFC4-6F175D3DCCD1}">
-                <a14:hiddenFill xmlns="" xmlns:a14="http://schemas.microsoft.com/office/drawing/2010/main">
+                <a14:hiddenFill xmlns:a14="http://schemas.microsoft.com/office/drawing/2010/main" xmlns="">
                   <a:noFill/>
                 </a14:hiddenFill>
               </a:ext>
@@ -5662,7 +5662,7 @@
             </a:ln>
             <a:extLst>
               <a:ext uri="{909E8E84-426E-40dd-AFC4-6F175D3DCCD1}">
-                <a14:hiddenFill xmlns="" xmlns:a14="http://schemas.microsoft.com/office/drawing/2010/main">
+                <a14:hiddenFill xmlns:a14="http://schemas.microsoft.com/office/drawing/2010/main" xmlns="">
                   <a:noFill/>
                 </a14:hiddenFill>
               </a:ext>
@@ -5705,14 +5705,14 @@
           </a:ln>
           <a:extLst>
             <a:ext uri="{909E8E84-426E-40dd-AFC4-6F175D3DCCD1}">
-              <a14:hiddenFill xmlns="" xmlns:a14="http://schemas.microsoft.com/office/drawing/2010/main">
+              <a14:hiddenFill xmlns:a14="http://schemas.microsoft.com/office/drawing/2010/main" xmlns="">
                 <a:solidFill>
                   <a:srgbClr val="FFFFFF"/>
                 </a:solidFill>
               </a14:hiddenFill>
             </a:ext>
             <a:ext uri="{91240B29-F687-4f45-9708-019B960494DF}">
-              <a14:hiddenLine xmlns="" xmlns:a14="http://schemas.microsoft.com/office/drawing/2010/main" w="9525">
+              <a14:hiddenLine xmlns:a14="http://schemas.microsoft.com/office/drawing/2010/main" xmlns="" w="9525">
                 <a:solidFill>
                   <a:srgbClr val="000000"/>
                 </a:solidFill>
@@ -6714,14 +6714,14 @@
           </a:ln>
           <a:extLst>
             <a:ext uri="{909E8E84-426E-40dd-AFC4-6F175D3DCCD1}">
-              <a14:hiddenFill xmlns="" xmlns:a14="http://schemas.microsoft.com/office/drawing/2010/main">
+              <a14:hiddenFill xmlns:a14="http://schemas.microsoft.com/office/drawing/2010/main" xmlns="">
                 <a:solidFill>
                   <a:srgbClr val="FFFFFF"/>
                 </a:solidFill>
               </a14:hiddenFill>
             </a:ext>
             <a:ext uri="{91240B29-F687-4f45-9708-019B960494DF}">
-              <a14:hiddenLine xmlns="" xmlns:a14="http://schemas.microsoft.com/office/drawing/2010/main" w="9525">
+              <a14:hiddenLine xmlns:a14="http://schemas.microsoft.com/office/drawing/2010/main" xmlns="" w="9525">
                 <a:solidFill>
                   <a:srgbClr val="000000"/>
                 </a:solidFill>
@@ -6898,14 +6898,14 @@
           </a:ln>
           <a:extLst>
             <a:ext uri="{909E8E84-426E-40dd-AFC4-6F175D3DCCD1}">
-              <a14:hiddenFill xmlns="" xmlns:a14="http://schemas.microsoft.com/office/drawing/2010/main">
+              <a14:hiddenFill xmlns:a14="http://schemas.microsoft.com/office/drawing/2010/main" xmlns="">
                 <a:solidFill>
                   <a:srgbClr val="FFFFFF"/>
                 </a:solidFill>
               </a14:hiddenFill>
             </a:ext>
             <a:ext uri="{91240B29-F687-4f45-9708-019B960494DF}">
-              <a14:hiddenLine xmlns="" xmlns:a14="http://schemas.microsoft.com/office/drawing/2010/main" w="9525">
+              <a14:hiddenLine xmlns:a14="http://schemas.microsoft.com/office/drawing/2010/main" xmlns="" w="9525">
                 <a:solidFill>
                   <a:srgbClr val="000000"/>
                 </a:solidFill>
@@ -7082,14 +7082,14 @@
           </a:ln>
           <a:extLst>
             <a:ext uri="{909E8E84-426E-40dd-AFC4-6F175D3DCCD1}">
-              <a14:hiddenFill xmlns="" xmlns:a14="http://schemas.microsoft.com/office/drawing/2010/main">
+              <a14:hiddenFill xmlns:a14="http://schemas.microsoft.com/office/drawing/2010/main" xmlns="">
                 <a:solidFill>
                   <a:srgbClr val="FFFFFF"/>
                 </a:solidFill>
               </a14:hiddenFill>
             </a:ext>
             <a:ext uri="{91240B29-F687-4f45-9708-019B960494DF}">
-              <a14:hiddenLine xmlns="" xmlns:a14="http://schemas.microsoft.com/office/drawing/2010/main" w="9525">
+              <a14:hiddenLine xmlns:a14="http://schemas.microsoft.com/office/drawing/2010/main" xmlns="" w="9525">
                 <a:solidFill>
                   <a:srgbClr val="000000"/>
                 </a:solidFill>
@@ -7266,14 +7266,14 @@
           </a:ln>
           <a:extLst>
             <a:ext uri="{909E8E84-426E-40dd-AFC4-6F175D3DCCD1}">
-              <a14:hiddenFill xmlns="" xmlns:a14="http://schemas.microsoft.com/office/drawing/2010/main">
+              <a14:hiddenFill xmlns:a14="http://schemas.microsoft.com/office/drawing/2010/main" xmlns="">
                 <a:solidFill>
                   <a:srgbClr val="FFFFFF"/>
                 </a:solidFill>
               </a14:hiddenFill>
             </a:ext>
             <a:ext uri="{91240B29-F687-4f45-9708-019B960494DF}">
-              <a14:hiddenLine xmlns="" xmlns:a14="http://schemas.microsoft.com/office/drawing/2010/main" w="9525">
+              <a14:hiddenLine xmlns:a14="http://schemas.microsoft.com/office/drawing/2010/main" xmlns="" w="9525">
                 <a:solidFill>
                   <a:srgbClr val="000000"/>
                 </a:solidFill>
@@ -7450,14 +7450,14 @@
           </a:ln>
           <a:extLst>
             <a:ext uri="{909E8E84-426E-40dd-AFC4-6F175D3DCCD1}">
-              <a14:hiddenFill xmlns="" xmlns:a14="http://schemas.microsoft.com/office/drawing/2010/main">
+              <a14:hiddenFill xmlns:a14="http://schemas.microsoft.com/office/drawing/2010/main" xmlns="">
                 <a:solidFill>
                   <a:srgbClr val="FFFFFF"/>
                 </a:solidFill>
               </a14:hiddenFill>
             </a:ext>
             <a:ext uri="{91240B29-F687-4f45-9708-019B960494DF}">
-              <a14:hiddenLine xmlns="" xmlns:a14="http://schemas.microsoft.com/office/drawing/2010/main" w="9525">
+              <a14:hiddenLine xmlns:a14="http://schemas.microsoft.com/office/drawing/2010/main" xmlns="" w="9525">
                 <a:solidFill>
                   <a:srgbClr val="000000"/>
                 </a:solidFill>
@@ -7631,14 +7631,14 @@
           </a:ln>
           <a:extLst>
             <a:ext uri="{909E8E84-426E-40dd-AFC4-6F175D3DCCD1}">
-              <a14:hiddenFill xmlns="" xmlns:a14="http://schemas.microsoft.com/office/drawing/2010/main">
+              <a14:hiddenFill xmlns:a14="http://schemas.microsoft.com/office/drawing/2010/main" xmlns="">
                 <a:solidFill>
                   <a:srgbClr val="FFFFFF"/>
                 </a:solidFill>
               </a14:hiddenFill>
             </a:ext>
             <a:ext uri="{91240B29-F687-4f45-9708-019B960494DF}">
-              <a14:hiddenLine xmlns="" xmlns:a14="http://schemas.microsoft.com/office/drawing/2010/main" w="9525">
+              <a14:hiddenLine xmlns:a14="http://schemas.microsoft.com/office/drawing/2010/main" xmlns="" w="9525">
                 <a:solidFill>
                   <a:srgbClr val="000000"/>
                 </a:solidFill>
@@ -8995,14 +8995,14 @@
           </a:ln>
           <a:extLst>
             <a:ext uri="{909E8E84-426E-40dd-AFC4-6F175D3DCCD1}">
-              <a14:hiddenFill xmlns="" xmlns:a14="http://schemas.microsoft.com/office/drawing/2010/main">
+              <a14:hiddenFill xmlns:a14="http://schemas.microsoft.com/office/drawing/2010/main" xmlns="">
                 <a:solidFill>
                   <a:srgbClr val="FFFFFF"/>
                 </a:solidFill>
               </a14:hiddenFill>
             </a:ext>
             <a:ext uri="{91240B29-F687-4f45-9708-019B960494DF}">
-              <a14:hiddenLine xmlns="" xmlns:a14="http://schemas.microsoft.com/office/drawing/2010/main" w="9525">
+              <a14:hiddenLine xmlns:a14="http://schemas.microsoft.com/office/drawing/2010/main" xmlns="" w="9525">
                 <a:solidFill>
                   <a:srgbClr val="000000"/>
                 </a:solidFill>
@@ -9173,14 +9173,14 @@
           </a:ln>
           <a:extLst>
             <a:ext uri="{909E8E84-426E-40dd-AFC4-6F175D3DCCD1}">
-              <a14:hiddenFill xmlns="" xmlns:a14="http://schemas.microsoft.com/office/drawing/2010/main">
+              <a14:hiddenFill xmlns:a14="http://schemas.microsoft.com/office/drawing/2010/main" xmlns="">
                 <a:solidFill>
                   <a:srgbClr val="FFFFFF"/>
                 </a:solidFill>
               </a14:hiddenFill>
             </a:ext>
             <a:ext uri="{91240B29-F687-4f45-9708-019B960494DF}">
-              <a14:hiddenLine xmlns="" xmlns:a14="http://schemas.microsoft.com/office/drawing/2010/main" w="9525">
+              <a14:hiddenLine xmlns:a14="http://schemas.microsoft.com/office/drawing/2010/main" xmlns="" w="9525">
                 <a:solidFill>
                   <a:srgbClr val="000000"/>
                 </a:solidFill>
@@ -9351,14 +9351,14 @@
           </a:ln>
           <a:extLst>
             <a:ext uri="{909E8E84-426E-40dd-AFC4-6F175D3DCCD1}">
-              <a14:hiddenFill xmlns="" xmlns:a14="http://schemas.microsoft.com/office/drawing/2010/main">
+              <a14:hiddenFill xmlns:a14="http://schemas.microsoft.com/office/drawing/2010/main" xmlns="">
                 <a:solidFill>
                   <a:srgbClr val="FFFFFF"/>
                 </a:solidFill>
               </a14:hiddenFill>
             </a:ext>
             <a:ext uri="{91240B29-F687-4f45-9708-019B960494DF}">
-              <a14:hiddenLine xmlns="" xmlns:a14="http://schemas.microsoft.com/office/drawing/2010/main" w="9525">
+              <a14:hiddenLine xmlns:a14="http://schemas.microsoft.com/office/drawing/2010/main" xmlns="" w="9525">
                 <a:solidFill>
                   <a:srgbClr val="000000"/>
                 </a:solidFill>
@@ -9529,14 +9529,14 @@
           </a:ln>
           <a:extLst>
             <a:ext uri="{909E8E84-426E-40dd-AFC4-6F175D3DCCD1}">
-              <a14:hiddenFill xmlns="" xmlns:a14="http://schemas.microsoft.com/office/drawing/2010/main">
+              <a14:hiddenFill xmlns:a14="http://schemas.microsoft.com/office/drawing/2010/main" xmlns="">
                 <a:solidFill>
                   <a:srgbClr val="FFFFFF"/>
                 </a:solidFill>
               </a14:hiddenFill>
             </a:ext>
             <a:ext uri="{91240B29-F687-4f45-9708-019B960494DF}">
-              <a14:hiddenLine xmlns="" xmlns:a14="http://schemas.microsoft.com/office/drawing/2010/main" w="9525">
+              <a14:hiddenLine xmlns:a14="http://schemas.microsoft.com/office/drawing/2010/main" xmlns="" w="9525">
                 <a:solidFill>
                   <a:srgbClr val="000000"/>
                 </a:solidFill>
@@ -9707,14 +9707,14 @@
           </a:ln>
           <a:extLst>
             <a:ext uri="{909E8E84-426E-40dd-AFC4-6F175D3DCCD1}">
-              <a14:hiddenFill xmlns="" xmlns:a14="http://schemas.microsoft.com/office/drawing/2010/main">
+              <a14:hiddenFill xmlns:a14="http://schemas.microsoft.com/office/drawing/2010/main" xmlns="">
                 <a:solidFill>
                   <a:srgbClr val="FFFFFF"/>
                 </a:solidFill>
               </a14:hiddenFill>
             </a:ext>
             <a:ext uri="{91240B29-F687-4f45-9708-019B960494DF}">
-              <a14:hiddenLine xmlns="" xmlns:a14="http://schemas.microsoft.com/office/drawing/2010/main" w="9525">
+              <a14:hiddenLine xmlns:a14="http://schemas.microsoft.com/office/drawing/2010/main" xmlns="" w="9525">
                 <a:solidFill>
                   <a:srgbClr val="000000"/>
                 </a:solidFill>
@@ -10093,14 +10093,14 @@
           </a:ln>
           <a:extLst>
             <a:ext uri="{909E8E84-426E-40dd-AFC4-6F175D3DCCD1}">
-              <a14:hiddenFill xmlns="" xmlns:a14="http://schemas.microsoft.com/office/drawing/2010/main">
+              <a14:hiddenFill xmlns:a14="http://schemas.microsoft.com/office/drawing/2010/main" xmlns="">
                 <a:solidFill>
                   <a:srgbClr val="FFFFFF"/>
                 </a:solidFill>
               </a14:hiddenFill>
             </a:ext>
             <a:ext uri="{91240B29-F687-4f45-9708-019B960494DF}">
-              <a14:hiddenLine xmlns="" xmlns:a14="http://schemas.microsoft.com/office/drawing/2010/main" w="9525">
+              <a14:hiddenLine xmlns:a14="http://schemas.microsoft.com/office/drawing/2010/main" xmlns="" w="9525">
                 <a:solidFill>
                   <a:srgbClr val="000000"/>
                 </a:solidFill>
@@ -10411,14 +10411,14 @@
           </a:ln>
           <a:extLst>
             <a:ext uri="{909E8E84-426E-40dd-AFC4-6F175D3DCCD1}">
-              <a14:hiddenFill xmlns="" xmlns:a14="http://schemas.microsoft.com/office/drawing/2010/main">
+              <a14:hiddenFill xmlns:a14="http://schemas.microsoft.com/office/drawing/2010/main" xmlns="">
                 <a:solidFill>
                   <a:srgbClr val="FFFFFF"/>
                 </a:solidFill>
               </a14:hiddenFill>
             </a:ext>
             <a:ext uri="{91240B29-F687-4f45-9708-019B960494DF}">
-              <a14:hiddenLine xmlns="" xmlns:a14="http://schemas.microsoft.com/office/drawing/2010/main" w="9525">
+              <a14:hiddenLine xmlns:a14="http://schemas.microsoft.com/office/drawing/2010/main" xmlns="" w="9525">
                 <a:solidFill>
                   <a:srgbClr val="000000"/>
                 </a:solidFill>
@@ -10804,14 +10804,14 @@
           </a:ln>
           <a:extLst>
             <a:ext uri="{909E8E84-426E-40dd-AFC4-6F175D3DCCD1}">
-              <a14:hiddenFill xmlns="" xmlns:a14="http://schemas.microsoft.com/office/drawing/2010/main">
+              <a14:hiddenFill xmlns:a14="http://schemas.microsoft.com/office/drawing/2010/main" xmlns="">
                 <a:solidFill>
                   <a:srgbClr val="FFFFFF"/>
                 </a:solidFill>
               </a14:hiddenFill>
             </a:ext>
             <a:ext uri="{91240B29-F687-4f45-9708-019B960494DF}">
-              <a14:hiddenLine xmlns="" xmlns:a14="http://schemas.microsoft.com/office/drawing/2010/main" w="9525">
+              <a14:hiddenLine xmlns:a14="http://schemas.microsoft.com/office/drawing/2010/main" xmlns="" w="9525">
                 <a:solidFill>
                   <a:srgbClr val="000000"/>
                 </a:solidFill>
@@ -11026,14 +11026,14 @@
           </a:ln>
           <a:extLst>
             <a:ext uri="{909E8E84-426E-40dd-AFC4-6F175D3DCCD1}">
-              <a14:hiddenFill xmlns="" xmlns:a14="http://schemas.microsoft.com/office/drawing/2010/main">
+              <a14:hiddenFill xmlns:a14="http://schemas.microsoft.com/office/drawing/2010/main" xmlns="">
                 <a:solidFill>
                   <a:srgbClr val="FFFFFF"/>
                 </a:solidFill>
               </a14:hiddenFill>
             </a:ext>
             <a:ext uri="{91240B29-F687-4f45-9708-019B960494DF}">
-              <a14:hiddenLine xmlns="" xmlns:a14="http://schemas.microsoft.com/office/drawing/2010/main" w="9525">
+              <a14:hiddenLine xmlns:a14="http://schemas.microsoft.com/office/drawing/2010/main" xmlns="" w="9525">
                 <a:solidFill>
                   <a:srgbClr val="000000"/>
                 </a:solidFill>
@@ -11204,14 +11204,14 @@
           </a:ln>
           <a:extLst>
             <a:ext uri="{909E8E84-426E-40dd-AFC4-6F175D3DCCD1}">
-              <a14:hiddenFill xmlns="" xmlns:a14="http://schemas.microsoft.com/office/drawing/2010/main">
+              <a14:hiddenFill xmlns:a14="http://schemas.microsoft.com/office/drawing/2010/main" xmlns="">
                 <a:solidFill>
                   <a:srgbClr val="FFFFFF"/>
                 </a:solidFill>
               </a14:hiddenFill>
             </a:ext>
             <a:ext uri="{91240B29-F687-4f45-9708-019B960494DF}">
-              <a14:hiddenLine xmlns="" xmlns:a14="http://schemas.microsoft.com/office/drawing/2010/main" w="9525">
+              <a14:hiddenLine xmlns:a14="http://schemas.microsoft.com/office/drawing/2010/main" xmlns="" w="9525">
                 <a:solidFill>
                   <a:srgbClr val="000000"/>
                 </a:solidFill>
@@ -11442,14 +11442,14 @@
           </a:ln>
           <a:extLst>
             <a:ext uri="{909E8E84-426E-40dd-AFC4-6F175D3DCCD1}">
-              <a14:hiddenFill xmlns="" xmlns:a14="http://schemas.microsoft.com/office/drawing/2010/main">
+              <a14:hiddenFill xmlns:a14="http://schemas.microsoft.com/office/drawing/2010/main" xmlns="">
                 <a:solidFill>
                   <a:srgbClr val="FFFFFF"/>
                 </a:solidFill>
               </a14:hiddenFill>
             </a:ext>
             <a:ext uri="{91240B29-F687-4f45-9708-019B960494DF}">
-              <a14:hiddenLine xmlns="" xmlns:a14="http://schemas.microsoft.com/office/drawing/2010/main" w="9525">
+              <a14:hiddenLine xmlns:a14="http://schemas.microsoft.com/office/drawing/2010/main" xmlns="" w="9525">
                 <a:solidFill>
                   <a:srgbClr val="000000"/>
                 </a:solidFill>
@@ -11664,14 +11664,14 @@
           </a:ln>
           <a:extLst>
             <a:ext uri="{909E8E84-426E-40dd-AFC4-6F175D3DCCD1}">
-              <a14:hiddenFill xmlns="" xmlns:a14="http://schemas.microsoft.com/office/drawing/2010/main">
+              <a14:hiddenFill xmlns:a14="http://schemas.microsoft.com/office/drawing/2010/main" xmlns="">
                 <a:solidFill>
                   <a:srgbClr val="FFFFFF"/>
                 </a:solidFill>
               </a14:hiddenFill>
             </a:ext>
             <a:ext uri="{91240B29-F687-4f45-9708-019B960494DF}">
-              <a14:hiddenLine xmlns="" xmlns:a14="http://schemas.microsoft.com/office/drawing/2010/main" w="9525">
+              <a14:hiddenLine xmlns:a14="http://schemas.microsoft.com/office/drawing/2010/main" xmlns="" w="9525">
                 <a:solidFill>
                   <a:srgbClr val="000000"/>
                 </a:solidFill>
@@ -12066,14 +12066,14 @@
           </a:ln>
           <a:extLst>
             <a:ext uri="{909E8E84-426E-40dd-AFC4-6F175D3DCCD1}">
-              <a14:hiddenFill xmlns="" xmlns:a14="http://schemas.microsoft.com/office/drawing/2010/main">
+              <a14:hiddenFill xmlns:a14="http://schemas.microsoft.com/office/drawing/2010/main" xmlns="">
                 <a:solidFill>
                   <a:srgbClr val="FFFFFF"/>
                 </a:solidFill>
               </a14:hiddenFill>
             </a:ext>
             <a:ext uri="{91240B29-F687-4f45-9708-019B960494DF}">
-              <a14:hiddenLine xmlns="" xmlns:a14="http://schemas.microsoft.com/office/drawing/2010/main" w="9525">
+              <a14:hiddenLine xmlns:a14="http://schemas.microsoft.com/office/drawing/2010/main" xmlns="" w="9525">
                 <a:solidFill>
                   <a:srgbClr val="000000"/>
                 </a:solidFill>
@@ -12303,14 +12303,14 @@
           </a:ln>
           <a:extLst>
             <a:ext uri="{909E8E84-426E-40dd-AFC4-6F175D3DCCD1}">
-              <a14:hiddenFill xmlns="" xmlns:a14="http://schemas.microsoft.com/office/drawing/2010/main">
+              <a14:hiddenFill xmlns:a14="http://schemas.microsoft.com/office/drawing/2010/main" xmlns="">
                 <a:solidFill>
                   <a:srgbClr val="FFFFFF"/>
                 </a:solidFill>
               </a14:hiddenFill>
             </a:ext>
             <a:ext uri="{91240B29-F687-4f45-9708-019B960494DF}">
-              <a14:hiddenLine xmlns="" xmlns:a14="http://schemas.microsoft.com/office/drawing/2010/main" w="9525">
+              <a14:hiddenLine xmlns:a14="http://schemas.microsoft.com/office/drawing/2010/main" xmlns="" w="9525">
                 <a:solidFill>
                   <a:srgbClr val="000000"/>
                 </a:solidFill>
@@ -12510,7 +12510,7 @@
         </p:nvGrpSpPr>
         <p:grpSpPr bwMode="auto">
           <a:xfrm>
-            <a:off x="1227702" y="2687768"/>
+            <a:off x="3082620" y="4299503"/>
             <a:ext cx="417512" cy="725438"/>
             <a:chOff x="480" y="2640"/>
             <a:chExt cx="288" cy="576"/>
@@ -12549,7 +12549,7 @@
             </a:ln>
             <a:extLst>
               <a:ext uri="{909E8E84-426E-40dd-AFC4-6F175D3DCCD1}">
-                <a14:hiddenFill xmlns="" xmlns:a14="http://schemas.microsoft.com/office/drawing/2010/main">
+                <a14:hiddenFill xmlns:a14="http://schemas.microsoft.com/office/drawing/2010/main" xmlns="">
                   <a:solidFill>
                     <a:srgbClr val="FFFFFF"/>
                   </a:solidFill>
@@ -12708,7 +12708,7 @@
             </a:ln>
             <a:extLst>
               <a:ext uri="{909E8E84-426E-40dd-AFC4-6F175D3DCCD1}">
-                <a14:hiddenFill xmlns="" xmlns:a14="http://schemas.microsoft.com/office/drawing/2010/main">
+                <a14:hiddenFill xmlns:a14="http://schemas.microsoft.com/office/drawing/2010/main" xmlns="">
                   <a:noFill/>
                 </a14:hiddenFill>
               </a:ext>
@@ -12755,7 +12755,7 @@
             </a:ln>
             <a:extLst>
               <a:ext uri="{909E8E84-426E-40dd-AFC4-6F175D3DCCD1}">
-                <a14:hiddenFill xmlns="" xmlns:a14="http://schemas.microsoft.com/office/drawing/2010/main">
+                <a14:hiddenFill xmlns:a14="http://schemas.microsoft.com/office/drawing/2010/main" xmlns="">
                   <a:noFill/>
                 </a14:hiddenFill>
               </a:ext>
@@ -12802,7 +12802,7 @@
             </a:ln>
             <a:extLst>
               <a:ext uri="{909E8E84-426E-40dd-AFC4-6F175D3DCCD1}">
-                <a14:hiddenFill xmlns="" xmlns:a14="http://schemas.microsoft.com/office/drawing/2010/main">
+                <a14:hiddenFill xmlns:a14="http://schemas.microsoft.com/office/drawing/2010/main" xmlns="">
                   <a:noFill/>
                 </a14:hiddenFill>
               </a:ext>
@@ -12849,7 +12849,7 @@
             </a:ln>
             <a:extLst>
               <a:ext uri="{909E8E84-426E-40dd-AFC4-6F175D3DCCD1}">
-                <a14:hiddenFill xmlns="" xmlns:a14="http://schemas.microsoft.com/office/drawing/2010/main">
+                <a14:hiddenFill xmlns:a14="http://schemas.microsoft.com/office/drawing/2010/main" xmlns="">
                   <a:noFill/>
                 </a14:hiddenFill>
               </a:ext>
@@ -12880,7 +12880,7 @@
         </p:nvSpPr>
         <p:spPr bwMode="auto">
           <a:xfrm>
-            <a:off x="810188" y="3450791"/>
+            <a:off x="2665106" y="5062526"/>
             <a:ext cx="1252537" cy="338554"/>
           </a:xfrm>
           <a:prstGeom prst="rect">
@@ -12892,14 +12892,14 @@
           </a:ln>
           <a:extLst>
             <a:ext uri="{909E8E84-426E-40dd-AFC4-6F175D3DCCD1}">
-              <a14:hiddenFill xmlns="" xmlns:a14="http://schemas.microsoft.com/office/drawing/2010/main">
+              <a14:hiddenFill xmlns:a14="http://schemas.microsoft.com/office/drawing/2010/main" xmlns="">
                 <a:solidFill>
                   <a:srgbClr val="FFFFFF"/>
                 </a:solidFill>
               </a14:hiddenFill>
             </a:ext>
             <a:ext uri="{91240B29-F687-4f45-9708-019B960494DF}">
-              <a14:hiddenLine xmlns="" xmlns:a14="http://schemas.microsoft.com/office/drawing/2010/main" w="9525">
+              <a14:hiddenLine xmlns:a14="http://schemas.microsoft.com/office/drawing/2010/main" xmlns="" w="9525">
                 <a:solidFill>
                   <a:srgbClr val="000000"/>
                 </a:solidFill>
@@ -13175,9 +13175,9 @@
           <p:nvPr/>
         </p:nvSpPr>
         <p:spPr bwMode="auto">
-          <a:xfrm flipH="1" flipV="1">
-            <a:off x="1436455" y="1641147"/>
-            <a:ext cx="0" cy="785772"/>
+          <a:xfrm rot="5400000" flipH="1" flipV="1">
+            <a:off x="4973760" y="3787273"/>
+            <a:ext cx="0" cy="1749897"/>
           </a:xfrm>
           <a:prstGeom prst="line">
             <a:avLst/>
@@ -13193,7 +13193,7 @@
           </a:ln>
           <a:extLst>
             <a:ext uri="{909E8E84-426E-40dd-AFC4-6F175D3DCCD1}">
-              <a14:hiddenFill xmlns="" xmlns:a14="http://schemas.microsoft.com/office/drawing/2010/main">
+              <a14:hiddenFill xmlns:a14="http://schemas.microsoft.com/office/drawing/2010/main" xmlns="">
                 <a:noFill/>
               </a14:hiddenFill>
             </a:ext>
@@ -13203,7 +13203,7 @@
           <a:bodyPr/>
           <a:lstStyle/>
           <a:p>
-            <a:endParaRPr lang="en-GB"/>
+            <a:endParaRPr lang="en-GB" dirty="0"/>
           </a:p>
         </p:txBody>
       </p:sp>
@@ -13223,7 +13223,7 @@
         </p:nvGrpSpPr>
         <p:grpSpPr bwMode="auto">
           <a:xfrm>
-            <a:off x="1227702" y="383110"/>
+            <a:off x="6513514" y="4299502"/>
             <a:ext cx="417512" cy="725438"/>
             <a:chOff x="480" y="2640"/>
             <a:chExt cx="288" cy="576"/>
@@ -13262,7 +13262,7 @@
             </a:ln>
             <a:extLst>
               <a:ext uri="{909E8E84-426E-40dd-AFC4-6F175D3DCCD1}">
-                <a14:hiddenFill xmlns="" xmlns:a14="http://schemas.microsoft.com/office/drawing/2010/main">
+                <a14:hiddenFill xmlns:a14="http://schemas.microsoft.com/office/drawing/2010/main" xmlns="">
                   <a:solidFill>
                     <a:srgbClr val="FFFFFF"/>
                   </a:solidFill>
@@ -13421,7 +13421,7 @@
             </a:ln>
             <a:extLst>
               <a:ext uri="{909E8E84-426E-40dd-AFC4-6F175D3DCCD1}">
-                <a14:hiddenFill xmlns="" xmlns:a14="http://schemas.microsoft.com/office/drawing/2010/main">
+                <a14:hiddenFill xmlns:a14="http://schemas.microsoft.com/office/drawing/2010/main" xmlns="">
                   <a:noFill/>
                 </a14:hiddenFill>
               </a:ext>
@@ -13468,7 +13468,7 @@
             </a:ln>
             <a:extLst>
               <a:ext uri="{909E8E84-426E-40dd-AFC4-6F175D3DCCD1}">
-                <a14:hiddenFill xmlns="" xmlns:a14="http://schemas.microsoft.com/office/drawing/2010/main">
+                <a14:hiddenFill xmlns:a14="http://schemas.microsoft.com/office/drawing/2010/main" xmlns="">
                   <a:noFill/>
                 </a14:hiddenFill>
               </a:ext>
@@ -13515,7 +13515,7 @@
             </a:ln>
             <a:extLst>
               <a:ext uri="{909E8E84-426E-40dd-AFC4-6F175D3DCCD1}">
-                <a14:hiddenFill xmlns="" xmlns:a14="http://schemas.microsoft.com/office/drawing/2010/main">
+                <a14:hiddenFill xmlns:a14="http://schemas.microsoft.com/office/drawing/2010/main" xmlns="">
                   <a:noFill/>
                 </a14:hiddenFill>
               </a:ext>
@@ -13562,7 +13562,7 @@
             </a:ln>
             <a:extLst>
               <a:ext uri="{909E8E84-426E-40dd-AFC4-6F175D3DCCD1}">
-                <a14:hiddenFill xmlns="" xmlns:a14="http://schemas.microsoft.com/office/drawing/2010/main">
+                <a14:hiddenFill xmlns:a14="http://schemas.microsoft.com/office/drawing/2010/main" xmlns="">
                   <a:noFill/>
                 </a14:hiddenFill>
               </a:ext>
@@ -13593,7 +13593,7 @@
         </p:nvSpPr>
         <p:spPr bwMode="auto">
           <a:xfrm>
-            <a:off x="810188" y="1146133"/>
+            <a:off x="6096000" y="5062525"/>
             <a:ext cx="1252537" cy="338554"/>
           </a:xfrm>
           <a:prstGeom prst="rect">
@@ -13605,14 +13605,14 @@
           </a:ln>
           <a:extLst>
             <a:ext uri="{909E8E84-426E-40dd-AFC4-6F175D3DCCD1}">
-              <a14:hiddenFill xmlns="" xmlns:a14="http://schemas.microsoft.com/office/drawing/2010/main">
+              <a14:hiddenFill xmlns:a14="http://schemas.microsoft.com/office/drawing/2010/main" xmlns="">
                 <a:solidFill>
                   <a:srgbClr val="FFFFFF"/>
                 </a:solidFill>
               </a14:hiddenFill>
             </a:ext>
             <a:ext uri="{91240B29-F687-4f45-9708-019B960494DF}">
-              <a14:hiddenLine xmlns="" xmlns:a14="http://schemas.microsoft.com/office/drawing/2010/main" w="9525">
+              <a14:hiddenLine xmlns:a14="http://schemas.microsoft.com/office/drawing/2010/main" xmlns="" w="9525">
                 <a:solidFill>
                   <a:srgbClr val="000000"/>
                 </a:solidFill>
@@ -13768,8 +13768,8 @@
           <p:nvPr/>
         </p:nvSpPr>
         <p:spPr>
-          <a:xfrm>
-            <a:off x="1349292" y="1554859"/>
+          <a:xfrm rot="5400000">
+            <a:off x="5818747" y="4580251"/>
             <a:ext cx="174326" cy="163940"/>
           </a:xfrm>
           <a:prstGeom prst="triangle">
@@ -13842,7 +13842,7 @@
           </a:ln>
           <a:extLst>
             <a:ext uri="{909E8E84-426E-40dd-AFC4-6F175D3DCCD1}">
-              <a14:hiddenFill xmlns="" xmlns:a14="http://schemas.microsoft.com/office/drawing/2010/main">
+              <a14:hiddenFill xmlns:a14="http://schemas.microsoft.com/office/drawing/2010/main" xmlns="">
                 <a:noFill/>
               </a14:hiddenFill>
             </a:ext>
@@ -13964,7 +13964,7 @@
                   <a:schemeClr val="tx1"/>
                 </a:solidFill>
               </a:rPr>
-              <a:t>Login</a:t>
+              <a:t>Upload slides</a:t>
             </a:r>
           </a:p>
         </p:txBody>
@@ -14023,7 +14023,7 @@
                   <a:schemeClr val="tx1"/>
                 </a:solidFill>
               </a:rPr>
-              <a:t>Upload slides</a:t>
+              <a:t>Get help on uploading</a:t>
             </a:r>
           </a:p>
         </p:txBody>
@@ -14062,7 +14062,7 @@
           </a:ln>
           <a:extLst>
             <a:ext uri="{909E8E84-426E-40dd-AFC4-6F175D3DCCD1}">
-              <a14:hiddenFill xmlns="" xmlns:a14="http://schemas.microsoft.com/office/drawing/2010/main">
+              <a14:hiddenFill xmlns:a14="http://schemas.microsoft.com/office/drawing/2010/main" xmlns="">
                 <a:noFill/>
               </a14:hiddenFill>
             </a:ext>
@@ -14073,6 +14073,524 @@
           <a:lstStyle/>
           <a:p>
             <a:endParaRPr lang="en-GB"/>
+          </a:p>
+        </p:txBody>
+      </p:sp>
+      <p:sp>
+        <p:nvSpPr>
+          <p:cNvPr id="25" name="Oval 24">
+            <a:extLst>
+              <a:ext uri="{FF2B5EF4-FFF2-40B4-BE49-F238E27FC236}">
+                <a16:creationId xmlns:a16="http://schemas.microsoft.com/office/drawing/2014/main" id="{E88A89CE-2785-4DA7-A2C6-54B57BF7078B}"/>
+              </a:ext>
+            </a:extLst>
+          </p:cNvPr>
+          <p:cNvSpPr/>
+          <p:nvPr/>
+        </p:nvSpPr>
+        <p:spPr>
+          <a:xfrm>
+            <a:off x="6457594" y="745829"/>
+            <a:ext cx="1661310" cy="778097"/>
+          </a:xfrm>
+          <a:prstGeom prst="ellipse">
+            <a:avLst/>
+          </a:prstGeom>
+          <a:noFill/>
+          <a:ln w="19050">
+            <a:solidFill>
+              <a:schemeClr val="tx1"/>
+            </a:solidFill>
+          </a:ln>
+        </p:spPr>
+        <p:style>
+          <a:lnRef idx="2">
+            <a:schemeClr val="accent1">
+              <a:shade val="50000"/>
+            </a:schemeClr>
+          </a:lnRef>
+          <a:fillRef idx="1">
+            <a:schemeClr val="accent1"/>
+          </a:fillRef>
+          <a:effectRef idx="0">
+            <a:schemeClr val="accent1"/>
+          </a:effectRef>
+          <a:fontRef idx="minor">
+            <a:schemeClr val="lt1"/>
+          </a:fontRef>
+        </p:style>
+        <p:txBody>
+          <a:bodyPr rtlCol="0" anchor="ctr"/>
+          <a:lstStyle/>
+          <a:p>
+            <a:pPr algn="ctr"/>
+            <a:r>
+              <a:rPr lang="en-US" sz="1400" dirty="0">
+                <a:solidFill>
+                  <a:schemeClr val="tx1"/>
+                </a:solidFill>
+              </a:rPr>
+              <a:t>Login</a:t>
+            </a:r>
+          </a:p>
+        </p:txBody>
+      </p:sp>
+      <p:sp>
+        <p:nvSpPr>
+          <p:cNvPr id="26" name="Oval 25">
+            <a:extLst>
+              <a:ext uri="{FF2B5EF4-FFF2-40B4-BE49-F238E27FC236}">
+                <a16:creationId xmlns:a16="http://schemas.microsoft.com/office/drawing/2014/main" id="{0F08A9EB-6D94-4FA4-9F76-19015D3C426F}"/>
+              </a:ext>
+            </a:extLst>
+          </p:cNvPr>
+          <p:cNvSpPr/>
+          <p:nvPr/>
+        </p:nvSpPr>
+        <p:spPr>
+          <a:xfrm>
+            <a:off x="6490645" y="2419227"/>
+            <a:ext cx="1661311" cy="778097"/>
+          </a:xfrm>
+          <a:prstGeom prst="ellipse">
+            <a:avLst/>
+          </a:prstGeom>
+          <a:noFill/>
+          <a:ln w="19050">
+            <a:solidFill>
+              <a:schemeClr val="tx1"/>
+            </a:solidFill>
+          </a:ln>
+        </p:spPr>
+        <p:style>
+          <a:lnRef idx="2">
+            <a:schemeClr val="accent1">
+              <a:shade val="50000"/>
+            </a:schemeClr>
+          </a:lnRef>
+          <a:fillRef idx="1">
+            <a:schemeClr val="accent1"/>
+          </a:fillRef>
+          <a:effectRef idx="0">
+            <a:schemeClr val="accent1"/>
+          </a:effectRef>
+          <a:fontRef idx="minor">
+            <a:schemeClr val="lt1"/>
+          </a:fontRef>
+        </p:style>
+        <p:txBody>
+          <a:bodyPr rtlCol="0" anchor="ctr"/>
+          <a:lstStyle/>
+          <a:p>
+            <a:pPr algn="ctr"/>
+            <a:r>
+              <a:rPr lang="en-US" sz="1400" dirty="0">
+                <a:solidFill>
+                  <a:schemeClr val="tx1"/>
+                </a:solidFill>
+              </a:rPr>
+              <a:t>Upload slides</a:t>
+            </a:r>
+          </a:p>
+        </p:txBody>
+      </p:sp>
+      <p:sp>
+        <p:nvSpPr>
+          <p:cNvPr id="27" name="Line 26">
+            <a:extLst>
+              <a:ext uri="{FF2B5EF4-FFF2-40B4-BE49-F238E27FC236}">
+                <a16:creationId xmlns:a16="http://schemas.microsoft.com/office/drawing/2014/main" id="{1D7DA5B1-B786-4844-BE96-04600AEBBEC6}"/>
+              </a:ext>
+            </a:extLst>
+          </p:cNvPr>
+          <p:cNvSpPr>
+            <a:spLocks noChangeShapeType="1"/>
+          </p:cNvSpPr>
+          <p:nvPr/>
+        </p:nvSpPr>
+        <p:spPr bwMode="auto">
+          <a:xfrm flipH="1" flipV="1">
+            <a:off x="7288250" y="1523926"/>
+            <a:ext cx="0" cy="902993"/>
+          </a:xfrm>
+          <a:prstGeom prst="line">
+            <a:avLst/>
+          </a:prstGeom>
+          <a:noFill/>
+          <a:ln w="19050">
+            <a:solidFill>
+              <a:schemeClr val="tx1"/>
+            </a:solidFill>
+            <a:prstDash val="sysDot"/>
+            <a:round/>
+            <a:headEnd type="none"/>
+            <a:tailEnd type="arrow" w="lg" len="lg"/>
+          </a:ln>
+          <a:extLst>
+            <a:ext uri="{909E8E84-426E-40dd-AFC4-6F175D3DCCD1}">
+              <a14:hiddenFill xmlns:a14="http://schemas.microsoft.com/office/drawing/2010/main" xmlns="">
+                <a:noFill/>
+              </a14:hiddenFill>
+            </a:ext>
+          </a:extLst>
+        </p:spPr>
+        <p:txBody>
+          <a:bodyPr/>
+          <a:lstStyle/>
+          <a:p>
+            <a:endParaRPr lang="en-GB"/>
+          </a:p>
+        </p:txBody>
+      </p:sp>
+      <p:sp>
+        <p:nvSpPr>
+          <p:cNvPr id="28" name="Text Box 25">
+            <a:extLst>
+              <a:ext uri="{FF2B5EF4-FFF2-40B4-BE49-F238E27FC236}">
+                <a16:creationId xmlns:a16="http://schemas.microsoft.com/office/drawing/2014/main" id="{64993DEC-9091-4F3A-B949-DFF4D51E4122}"/>
+              </a:ext>
+            </a:extLst>
+          </p:cNvPr>
+          <p:cNvSpPr txBox="1">
+            <a:spLocks noChangeArrowheads="1"/>
+          </p:cNvSpPr>
+          <p:nvPr/>
+        </p:nvSpPr>
+        <p:spPr bwMode="auto">
+          <a:xfrm>
+            <a:off x="5080314" y="1808743"/>
+            <a:ext cx="1252537" cy="338554"/>
+          </a:xfrm>
+          <a:prstGeom prst="rect">
+            <a:avLst/>
+          </a:prstGeom>
+          <a:noFill/>
+          <a:ln>
+            <a:noFill/>
+          </a:ln>
+          <a:extLst>
+            <a:ext uri="{909E8E84-426E-40dd-AFC4-6F175D3DCCD1}">
+              <a14:hiddenFill xmlns:a14="http://schemas.microsoft.com/office/drawing/2010/main" xmlns="">
+                <a:solidFill>
+                  <a:srgbClr val="FFFFFF"/>
+                </a:solidFill>
+              </a14:hiddenFill>
+            </a:ext>
+            <a:ext uri="{91240B29-F687-4f45-9708-019B960494DF}">
+              <a14:hiddenLine xmlns:a14="http://schemas.microsoft.com/office/drawing/2010/main" xmlns="" w="9525">
+                <a:solidFill>
+                  <a:srgbClr val="000000"/>
+                </a:solidFill>
+                <a:miter lim="800000"/>
+                <a:headEnd/>
+                <a:tailEnd/>
+              </a14:hiddenLine>
+            </a:ext>
+          </a:extLst>
+        </p:spPr>
+        <p:txBody>
+          <a:bodyPr>
+            <a:spAutoFit/>
+          </a:bodyPr>
+          <a:lstStyle>
+            <a:lvl1pPr>
+              <a:defRPr sz="2400">
+                <a:solidFill>
+                  <a:schemeClr val="tx1"/>
+                </a:solidFill>
+                <a:latin typeface="Times New Roman" panose="02020603050405020304" pitchFamily="18" charset="0"/>
+                <a:ea typeface="MS PGothic" panose="020B0600070205080204" pitchFamily="34" charset="-128"/>
+              </a:defRPr>
+            </a:lvl1pPr>
+            <a:lvl2pPr marL="742950" indent="-285750">
+              <a:defRPr sz="2400">
+                <a:solidFill>
+                  <a:schemeClr val="tx1"/>
+                </a:solidFill>
+                <a:latin typeface="Times New Roman" panose="02020603050405020304" pitchFamily="18" charset="0"/>
+                <a:ea typeface="MS PGothic" panose="020B0600070205080204" pitchFamily="34" charset="-128"/>
+              </a:defRPr>
+            </a:lvl2pPr>
+            <a:lvl3pPr marL="1143000" indent="-228600">
+              <a:defRPr sz="2400">
+                <a:solidFill>
+                  <a:schemeClr val="tx1"/>
+                </a:solidFill>
+                <a:latin typeface="Times New Roman" panose="02020603050405020304" pitchFamily="18" charset="0"/>
+                <a:ea typeface="MS PGothic" panose="020B0600070205080204" pitchFamily="34" charset="-128"/>
+              </a:defRPr>
+            </a:lvl3pPr>
+            <a:lvl4pPr marL="1600200" indent="-228600">
+              <a:defRPr sz="2400">
+                <a:solidFill>
+                  <a:schemeClr val="tx1"/>
+                </a:solidFill>
+                <a:latin typeface="Times New Roman" panose="02020603050405020304" pitchFamily="18" charset="0"/>
+                <a:ea typeface="MS PGothic" panose="020B0600070205080204" pitchFamily="34" charset="-128"/>
+              </a:defRPr>
+            </a:lvl4pPr>
+            <a:lvl5pPr marL="2057400" indent="-228600">
+              <a:defRPr sz="2400">
+                <a:solidFill>
+                  <a:schemeClr val="tx1"/>
+                </a:solidFill>
+                <a:latin typeface="Times New Roman" panose="02020603050405020304" pitchFamily="18" charset="0"/>
+                <a:ea typeface="MS PGothic" panose="020B0600070205080204" pitchFamily="34" charset="-128"/>
+              </a:defRPr>
+            </a:lvl5pPr>
+            <a:lvl6pPr marL="2514600" indent="-228600" algn="r" eaLnBrk="0" fontAlgn="base" hangingPunct="0">
+              <a:spcBef>
+                <a:spcPct val="0"/>
+              </a:spcBef>
+              <a:spcAft>
+                <a:spcPct val="0"/>
+              </a:spcAft>
+              <a:buChar char="•"/>
+              <a:defRPr sz="2400">
+                <a:solidFill>
+                  <a:schemeClr val="tx1"/>
+                </a:solidFill>
+                <a:latin typeface="Times New Roman" panose="02020603050405020304" pitchFamily="18" charset="0"/>
+                <a:ea typeface="MS PGothic" panose="020B0600070205080204" pitchFamily="34" charset="-128"/>
+              </a:defRPr>
+            </a:lvl6pPr>
+            <a:lvl7pPr marL="2971800" indent="-228600" algn="r" eaLnBrk="0" fontAlgn="base" hangingPunct="0">
+              <a:spcBef>
+                <a:spcPct val="0"/>
+              </a:spcBef>
+              <a:spcAft>
+                <a:spcPct val="0"/>
+              </a:spcAft>
+              <a:buChar char="•"/>
+              <a:defRPr sz="2400">
+                <a:solidFill>
+                  <a:schemeClr val="tx1"/>
+                </a:solidFill>
+                <a:latin typeface="Times New Roman" panose="02020603050405020304" pitchFamily="18" charset="0"/>
+                <a:ea typeface="MS PGothic" panose="020B0600070205080204" pitchFamily="34" charset="-128"/>
+              </a:defRPr>
+            </a:lvl7pPr>
+            <a:lvl8pPr marL="3429000" indent="-228600" algn="r" eaLnBrk="0" fontAlgn="base" hangingPunct="0">
+              <a:spcBef>
+                <a:spcPct val="0"/>
+              </a:spcBef>
+              <a:spcAft>
+                <a:spcPct val="0"/>
+              </a:spcAft>
+              <a:buChar char="•"/>
+              <a:defRPr sz="2400">
+                <a:solidFill>
+                  <a:schemeClr val="tx1"/>
+                </a:solidFill>
+                <a:latin typeface="Times New Roman" panose="02020603050405020304" pitchFamily="18" charset="0"/>
+                <a:ea typeface="MS PGothic" panose="020B0600070205080204" pitchFamily="34" charset="-128"/>
+              </a:defRPr>
+            </a:lvl8pPr>
+            <a:lvl9pPr marL="3886200" indent="-228600" algn="r" eaLnBrk="0" fontAlgn="base" hangingPunct="0">
+              <a:spcBef>
+                <a:spcPct val="0"/>
+              </a:spcBef>
+              <a:spcAft>
+                <a:spcPct val="0"/>
+              </a:spcAft>
+              <a:buChar char="•"/>
+              <a:defRPr sz="2400">
+                <a:solidFill>
+                  <a:schemeClr val="tx1"/>
+                </a:solidFill>
+                <a:latin typeface="Times New Roman" panose="02020603050405020304" pitchFamily="18" charset="0"/>
+                <a:ea typeface="MS PGothic" panose="020B0600070205080204" pitchFamily="34" charset="-128"/>
+              </a:defRPr>
+            </a:lvl9pPr>
+          </a:lstStyle>
+          <a:p>
+            <a:pPr algn="ctr">
+              <a:spcBef>
+                <a:spcPct val="50000"/>
+              </a:spcBef>
+            </a:pPr>
+            <a:r>
+              <a:rPr lang="en-GB" sz="1600" dirty="0">
+                <a:latin typeface="+mn-lt"/>
+              </a:rPr>
+              <a:t>«extend»</a:t>
+            </a:r>
+          </a:p>
+        </p:txBody>
+      </p:sp>
+      <p:sp>
+        <p:nvSpPr>
+          <p:cNvPr id="29" name="Text Box 25">
+            <a:extLst>
+              <a:ext uri="{FF2B5EF4-FFF2-40B4-BE49-F238E27FC236}">
+                <a16:creationId xmlns:a16="http://schemas.microsoft.com/office/drawing/2014/main" id="{9BD360B3-D2B8-4CD3-81E3-F1EB065DA787}"/>
+              </a:ext>
+            </a:extLst>
+          </p:cNvPr>
+          <p:cNvSpPr txBox="1">
+            <a:spLocks noChangeArrowheads="1"/>
+          </p:cNvSpPr>
+          <p:nvPr/>
+        </p:nvSpPr>
+        <p:spPr bwMode="auto">
+          <a:xfrm>
+            <a:off x="7193716" y="1808743"/>
+            <a:ext cx="1252537" cy="338554"/>
+          </a:xfrm>
+          <a:prstGeom prst="rect">
+            <a:avLst/>
+          </a:prstGeom>
+          <a:noFill/>
+          <a:ln>
+            <a:noFill/>
+          </a:ln>
+          <a:extLst>
+            <a:ext uri="{909E8E84-426E-40dd-AFC4-6F175D3DCCD1}">
+              <a14:hiddenFill xmlns:a14="http://schemas.microsoft.com/office/drawing/2010/main" xmlns="">
+                <a:solidFill>
+                  <a:srgbClr val="FFFFFF"/>
+                </a:solidFill>
+              </a14:hiddenFill>
+            </a:ext>
+            <a:ext uri="{91240B29-F687-4f45-9708-019B960494DF}">
+              <a14:hiddenLine xmlns:a14="http://schemas.microsoft.com/office/drawing/2010/main" xmlns="" w="9525">
+                <a:solidFill>
+                  <a:srgbClr val="000000"/>
+                </a:solidFill>
+                <a:miter lim="800000"/>
+                <a:headEnd/>
+                <a:tailEnd/>
+              </a14:hiddenLine>
+            </a:ext>
+          </a:extLst>
+        </p:spPr>
+        <p:txBody>
+          <a:bodyPr>
+            <a:spAutoFit/>
+          </a:bodyPr>
+          <a:lstStyle>
+            <a:lvl1pPr>
+              <a:defRPr sz="2400">
+                <a:solidFill>
+                  <a:schemeClr val="tx1"/>
+                </a:solidFill>
+                <a:latin typeface="Times New Roman" panose="02020603050405020304" pitchFamily="18" charset="0"/>
+                <a:ea typeface="MS PGothic" panose="020B0600070205080204" pitchFamily="34" charset="-128"/>
+              </a:defRPr>
+            </a:lvl1pPr>
+            <a:lvl2pPr marL="742950" indent="-285750">
+              <a:defRPr sz="2400">
+                <a:solidFill>
+                  <a:schemeClr val="tx1"/>
+                </a:solidFill>
+                <a:latin typeface="Times New Roman" panose="02020603050405020304" pitchFamily="18" charset="0"/>
+                <a:ea typeface="MS PGothic" panose="020B0600070205080204" pitchFamily="34" charset="-128"/>
+              </a:defRPr>
+            </a:lvl2pPr>
+            <a:lvl3pPr marL="1143000" indent="-228600">
+              <a:defRPr sz="2400">
+                <a:solidFill>
+                  <a:schemeClr val="tx1"/>
+                </a:solidFill>
+                <a:latin typeface="Times New Roman" panose="02020603050405020304" pitchFamily="18" charset="0"/>
+                <a:ea typeface="MS PGothic" panose="020B0600070205080204" pitchFamily="34" charset="-128"/>
+              </a:defRPr>
+            </a:lvl3pPr>
+            <a:lvl4pPr marL="1600200" indent="-228600">
+              <a:defRPr sz="2400">
+                <a:solidFill>
+                  <a:schemeClr val="tx1"/>
+                </a:solidFill>
+                <a:latin typeface="Times New Roman" panose="02020603050405020304" pitchFamily="18" charset="0"/>
+                <a:ea typeface="MS PGothic" panose="020B0600070205080204" pitchFamily="34" charset="-128"/>
+              </a:defRPr>
+            </a:lvl4pPr>
+            <a:lvl5pPr marL="2057400" indent="-228600">
+              <a:defRPr sz="2400">
+                <a:solidFill>
+                  <a:schemeClr val="tx1"/>
+                </a:solidFill>
+                <a:latin typeface="Times New Roman" panose="02020603050405020304" pitchFamily="18" charset="0"/>
+                <a:ea typeface="MS PGothic" panose="020B0600070205080204" pitchFamily="34" charset="-128"/>
+              </a:defRPr>
+            </a:lvl5pPr>
+            <a:lvl6pPr marL="2514600" indent="-228600" algn="r" eaLnBrk="0" fontAlgn="base" hangingPunct="0">
+              <a:spcBef>
+                <a:spcPct val="0"/>
+              </a:spcBef>
+              <a:spcAft>
+                <a:spcPct val="0"/>
+              </a:spcAft>
+              <a:buChar char="•"/>
+              <a:defRPr sz="2400">
+                <a:solidFill>
+                  <a:schemeClr val="tx1"/>
+                </a:solidFill>
+                <a:latin typeface="Times New Roman" panose="02020603050405020304" pitchFamily="18" charset="0"/>
+                <a:ea typeface="MS PGothic" panose="020B0600070205080204" pitchFamily="34" charset="-128"/>
+              </a:defRPr>
+            </a:lvl6pPr>
+            <a:lvl7pPr marL="2971800" indent="-228600" algn="r" eaLnBrk="0" fontAlgn="base" hangingPunct="0">
+              <a:spcBef>
+                <a:spcPct val="0"/>
+              </a:spcBef>
+              <a:spcAft>
+                <a:spcPct val="0"/>
+              </a:spcAft>
+              <a:buChar char="•"/>
+              <a:defRPr sz="2400">
+                <a:solidFill>
+                  <a:schemeClr val="tx1"/>
+                </a:solidFill>
+                <a:latin typeface="Times New Roman" panose="02020603050405020304" pitchFamily="18" charset="0"/>
+                <a:ea typeface="MS PGothic" panose="020B0600070205080204" pitchFamily="34" charset="-128"/>
+              </a:defRPr>
+            </a:lvl7pPr>
+            <a:lvl8pPr marL="3429000" indent="-228600" algn="r" eaLnBrk="0" fontAlgn="base" hangingPunct="0">
+              <a:spcBef>
+                <a:spcPct val="0"/>
+              </a:spcBef>
+              <a:spcAft>
+                <a:spcPct val="0"/>
+              </a:spcAft>
+              <a:buChar char="•"/>
+              <a:defRPr sz="2400">
+                <a:solidFill>
+                  <a:schemeClr val="tx1"/>
+                </a:solidFill>
+                <a:latin typeface="Times New Roman" panose="02020603050405020304" pitchFamily="18" charset="0"/>
+                <a:ea typeface="MS PGothic" panose="020B0600070205080204" pitchFamily="34" charset="-128"/>
+              </a:defRPr>
+            </a:lvl8pPr>
+            <a:lvl9pPr marL="3886200" indent="-228600" algn="r" eaLnBrk="0" fontAlgn="base" hangingPunct="0">
+              <a:spcBef>
+                <a:spcPct val="0"/>
+              </a:spcBef>
+              <a:spcAft>
+                <a:spcPct val="0"/>
+              </a:spcAft>
+              <a:buChar char="•"/>
+              <a:defRPr sz="2400">
+                <a:solidFill>
+                  <a:schemeClr val="tx1"/>
+                </a:solidFill>
+                <a:latin typeface="Times New Roman" panose="02020603050405020304" pitchFamily="18" charset="0"/>
+                <a:ea typeface="MS PGothic" panose="020B0600070205080204" pitchFamily="34" charset="-128"/>
+              </a:defRPr>
+            </a:lvl9pPr>
+          </a:lstStyle>
+          <a:p>
+            <a:pPr algn="ctr">
+              <a:spcBef>
+                <a:spcPct val="50000"/>
+              </a:spcBef>
+            </a:pPr>
+            <a:r>
+              <a:rPr lang="en-GB" sz="1600" dirty="0">
+                <a:latin typeface="+mn-lt"/>
+              </a:rPr>
+              <a:t>«include»</a:t>
+            </a:r>
           </a:p>
         </p:txBody>
       </p:sp>
@@ -14322,7 +14840,7 @@
           </a:ln>
           <a:extLst>
             <a:ext uri="{909E8E84-426E-40dd-AFC4-6F175D3DCCD1}">
-              <a14:hiddenFill xmlns="" xmlns:a14="http://schemas.microsoft.com/office/drawing/2010/main">
+              <a14:hiddenFill xmlns:a14="http://schemas.microsoft.com/office/drawing/2010/main" xmlns="">
                 <a:noFill/>
               </a14:hiddenFill>
             </a:ext>
@@ -14423,7 +14941,7 @@
           </a:ln>
           <a:extLst>
             <a:ext uri="{909E8E84-426E-40dd-AFC4-6F175D3DCCD1}">
-              <a14:hiddenFill xmlns="" xmlns:a14="http://schemas.microsoft.com/office/drawing/2010/main">
+              <a14:hiddenFill xmlns:a14="http://schemas.microsoft.com/office/drawing/2010/main" xmlns="">
                 <a:noFill/>
               </a14:hiddenFill>
             </a:ext>
@@ -14470,7 +14988,7 @@
           </a:ln>
           <a:extLst>
             <a:ext uri="{909E8E84-426E-40dd-AFC4-6F175D3DCCD1}">
-              <a14:hiddenFill xmlns="" xmlns:a14="http://schemas.microsoft.com/office/drawing/2010/main">
+              <a14:hiddenFill xmlns:a14="http://schemas.microsoft.com/office/drawing/2010/main" xmlns="">
                 <a:noFill/>
               </a14:hiddenFill>
             </a:ext>
@@ -14517,7 +15035,7 @@
           </a:ln>
           <a:extLst>
             <a:ext uri="{909E8E84-426E-40dd-AFC4-6F175D3DCCD1}">
-              <a14:hiddenFill xmlns="" xmlns:a14="http://schemas.microsoft.com/office/drawing/2010/main">
+              <a14:hiddenFill xmlns:a14="http://schemas.microsoft.com/office/drawing/2010/main" xmlns="">
                 <a:noFill/>
               </a14:hiddenFill>
             </a:ext>
@@ -14559,14 +15077,14 @@
           </a:ln>
           <a:extLst>
             <a:ext uri="{909E8E84-426E-40dd-AFC4-6F175D3DCCD1}">
-              <a14:hiddenFill xmlns="" xmlns:a14="http://schemas.microsoft.com/office/drawing/2010/main">
+              <a14:hiddenFill xmlns:a14="http://schemas.microsoft.com/office/drawing/2010/main" xmlns="">
                 <a:solidFill>
                   <a:srgbClr val="FFFFFF"/>
                 </a:solidFill>
               </a14:hiddenFill>
             </a:ext>
             <a:ext uri="{91240B29-F687-4f45-9708-019B960494DF}">
-              <a14:hiddenLine xmlns="" xmlns:a14="http://schemas.microsoft.com/office/drawing/2010/main" w="9525">
+              <a14:hiddenLine xmlns:a14="http://schemas.microsoft.com/office/drawing/2010/main" xmlns="" w="9525">
                 <a:solidFill>
                   <a:srgbClr val="000000"/>
                 </a:solidFill>
@@ -14737,14 +15255,14 @@
           </a:ln>
           <a:extLst>
             <a:ext uri="{909E8E84-426E-40dd-AFC4-6F175D3DCCD1}">
-              <a14:hiddenFill xmlns="" xmlns:a14="http://schemas.microsoft.com/office/drawing/2010/main">
+              <a14:hiddenFill xmlns:a14="http://schemas.microsoft.com/office/drawing/2010/main" xmlns="">
                 <a:solidFill>
                   <a:srgbClr val="FFFFFF"/>
                 </a:solidFill>
               </a14:hiddenFill>
             </a:ext>
             <a:ext uri="{91240B29-F687-4f45-9708-019B960494DF}">
-              <a14:hiddenLine xmlns="" xmlns:a14="http://schemas.microsoft.com/office/drawing/2010/main" w="9525">
+              <a14:hiddenLine xmlns:a14="http://schemas.microsoft.com/office/drawing/2010/main" xmlns="" w="9525">
                 <a:solidFill>
                   <a:srgbClr val="000000"/>
                 </a:solidFill>
@@ -14915,14 +15433,14 @@
           </a:ln>
           <a:extLst>
             <a:ext uri="{909E8E84-426E-40dd-AFC4-6F175D3DCCD1}">
-              <a14:hiddenFill xmlns="" xmlns:a14="http://schemas.microsoft.com/office/drawing/2010/main">
+              <a14:hiddenFill xmlns:a14="http://schemas.microsoft.com/office/drawing/2010/main" xmlns="">
                 <a:solidFill>
                   <a:srgbClr val="FFFFFF"/>
                 </a:solidFill>
               </a14:hiddenFill>
             </a:ext>
             <a:ext uri="{91240B29-F687-4f45-9708-019B960494DF}">
-              <a14:hiddenLine xmlns="" xmlns:a14="http://schemas.microsoft.com/office/drawing/2010/main" w="9525">
+              <a14:hiddenLine xmlns:a14="http://schemas.microsoft.com/office/drawing/2010/main" xmlns="" w="9525">
                 <a:solidFill>
                   <a:srgbClr val="000000"/>
                 </a:solidFill>
@@ -15093,14 +15611,14 @@
           </a:ln>
           <a:extLst>
             <a:ext uri="{909E8E84-426E-40dd-AFC4-6F175D3DCCD1}">
-              <a14:hiddenFill xmlns="" xmlns:a14="http://schemas.microsoft.com/office/drawing/2010/main">
+              <a14:hiddenFill xmlns:a14="http://schemas.microsoft.com/office/drawing/2010/main" xmlns="">
                 <a:solidFill>
                   <a:srgbClr val="FFFFFF"/>
                 </a:solidFill>
               </a14:hiddenFill>
             </a:ext>
             <a:ext uri="{91240B29-F687-4f45-9708-019B960494DF}">
-              <a14:hiddenLine xmlns="" xmlns:a14="http://schemas.microsoft.com/office/drawing/2010/main" w="9525">
+              <a14:hiddenLine xmlns:a14="http://schemas.microsoft.com/office/drawing/2010/main" xmlns="" w="9525">
                 <a:solidFill>
                   <a:srgbClr val="000000"/>
                 </a:solidFill>
@@ -15337,7 +15855,7 @@
           </a:ln>
           <a:extLst>
             <a:ext uri="{909E8E84-426E-40dd-AFC4-6F175D3DCCD1}">
-              <a14:hiddenFill xmlns="" xmlns:a14="http://schemas.microsoft.com/office/drawing/2010/main">
+              <a14:hiddenFill xmlns:a14="http://schemas.microsoft.com/office/drawing/2010/main" xmlns="">
                 <a:noFill/>
               </a14:hiddenFill>
             </a:ext>
@@ -16878,14 +17396,14 @@
           </a:ln>
           <a:extLst>
             <a:ext uri="{909E8E84-426E-40dd-AFC4-6F175D3DCCD1}">
-              <a14:hiddenFill xmlns="" xmlns:a14="http://schemas.microsoft.com/office/drawing/2010/main">
+              <a14:hiddenFill xmlns:a14="http://schemas.microsoft.com/office/drawing/2010/main" xmlns="">
                 <a:solidFill>
                   <a:srgbClr val="FFFFFF"/>
                 </a:solidFill>
               </a14:hiddenFill>
             </a:ext>
             <a:ext uri="{91240B29-F687-4f45-9708-019B960494DF}">
-              <a14:hiddenLine xmlns="" xmlns:a14="http://schemas.microsoft.com/office/drawing/2010/main" w="9525">
+              <a14:hiddenLine xmlns:a14="http://schemas.microsoft.com/office/drawing/2010/main" xmlns="" w="9525">
                 <a:solidFill>
                   <a:srgbClr val="000000"/>
                 </a:solidFill>
@@ -17056,14 +17574,14 @@
           </a:ln>
           <a:extLst>
             <a:ext uri="{909E8E84-426E-40dd-AFC4-6F175D3DCCD1}">
-              <a14:hiddenFill xmlns="" xmlns:a14="http://schemas.microsoft.com/office/drawing/2010/main">
+              <a14:hiddenFill xmlns:a14="http://schemas.microsoft.com/office/drawing/2010/main" xmlns="">
                 <a:solidFill>
                   <a:srgbClr val="FFFFFF"/>
                 </a:solidFill>
               </a14:hiddenFill>
             </a:ext>
             <a:ext uri="{91240B29-F687-4f45-9708-019B960494DF}">
-              <a14:hiddenLine xmlns="" xmlns:a14="http://schemas.microsoft.com/office/drawing/2010/main" w="9525">
+              <a14:hiddenLine xmlns:a14="http://schemas.microsoft.com/office/drawing/2010/main" xmlns="" w="9525">
                 <a:solidFill>
                   <a:srgbClr val="000000"/>
                 </a:solidFill>
@@ -17914,7 +18432,7 @@
           </a:ln>
           <a:extLst>
             <a:ext uri="{909E8E84-426E-40dd-AFC4-6F175D3DCCD1}">
-              <a14:hiddenFill xmlns="" xmlns:a14="http://schemas.microsoft.com/office/drawing/2010/main">
+              <a14:hiddenFill xmlns:a14="http://schemas.microsoft.com/office/drawing/2010/main" xmlns="">
                 <a:noFill/>
               </a14:hiddenFill>
             </a:ext>
@@ -18015,7 +18533,7 @@
           </a:ln>
           <a:extLst>
             <a:ext uri="{909E8E84-426E-40dd-AFC4-6F175D3DCCD1}">
-              <a14:hiddenFill xmlns="" xmlns:a14="http://schemas.microsoft.com/office/drawing/2010/main">
+              <a14:hiddenFill xmlns:a14="http://schemas.microsoft.com/office/drawing/2010/main" xmlns="">
                 <a:noFill/>
               </a14:hiddenFill>
             </a:ext>
@@ -18062,7 +18580,7 @@
           </a:ln>
           <a:extLst>
             <a:ext uri="{909E8E84-426E-40dd-AFC4-6F175D3DCCD1}">
-              <a14:hiddenFill xmlns="" xmlns:a14="http://schemas.microsoft.com/office/drawing/2010/main">
+              <a14:hiddenFill xmlns:a14="http://schemas.microsoft.com/office/drawing/2010/main" xmlns="">
                 <a:noFill/>
               </a14:hiddenFill>
             </a:ext>
@@ -18109,7 +18627,7 @@
           </a:ln>
           <a:extLst>
             <a:ext uri="{909E8E84-426E-40dd-AFC4-6F175D3DCCD1}">
-              <a14:hiddenFill xmlns="" xmlns:a14="http://schemas.microsoft.com/office/drawing/2010/main">
+              <a14:hiddenFill xmlns:a14="http://schemas.microsoft.com/office/drawing/2010/main" xmlns="">
                 <a:noFill/>
               </a14:hiddenFill>
             </a:ext>
@@ -18217,7 +18735,7 @@
           </a:ln>
           <a:extLst>
             <a:ext uri="{909E8E84-426E-40dd-AFC4-6F175D3DCCD1}">
-              <a14:hiddenFill xmlns="" xmlns:a14="http://schemas.microsoft.com/office/drawing/2010/main">
+              <a14:hiddenFill xmlns:a14="http://schemas.microsoft.com/office/drawing/2010/main" xmlns="">
                 <a:noFill/>
               </a14:hiddenFill>
             </a:ext>
@@ -18538,7 +19056,7 @@
           </a:ln>
           <a:extLst>
             <a:ext uri="{909E8E84-426E-40dd-AFC4-6F175D3DCCD1}">
-              <a14:hiddenFill xmlns="" xmlns:a14="http://schemas.microsoft.com/office/drawing/2010/main">
+              <a14:hiddenFill xmlns:a14="http://schemas.microsoft.com/office/drawing/2010/main" xmlns="">
                 <a:noFill/>
               </a14:hiddenFill>
             </a:ext>
@@ -18639,7 +19157,7 @@
           </a:ln>
           <a:extLst>
             <a:ext uri="{909E8E84-426E-40dd-AFC4-6F175D3DCCD1}">
-              <a14:hiddenFill xmlns="" xmlns:a14="http://schemas.microsoft.com/office/drawing/2010/main">
+              <a14:hiddenFill xmlns:a14="http://schemas.microsoft.com/office/drawing/2010/main" xmlns="">
                 <a:noFill/>
               </a14:hiddenFill>
             </a:ext>
@@ -18686,7 +19204,7 @@
           </a:ln>
           <a:extLst>
             <a:ext uri="{909E8E84-426E-40dd-AFC4-6F175D3DCCD1}">
-              <a14:hiddenFill xmlns="" xmlns:a14="http://schemas.microsoft.com/office/drawing/2010/main">
+              <a14:hiddenFill xmlns:a14="http://schemas.microsoft.com/office/drawing/2010/main" xmlns="">
                 <a:noFill/>
               </a14:hiddenFill>
             </a:ext>
@@ -18733,7 +19251,7 @@
           </a:ln>
           <a:extLst>
             <a:ext uri="{909E8E84-426E-40dd-AFC4-6F175D3DCCD1}">
-              <a14:hiddenFill xmlns="" xmlns:a14="http://schemas.microsoft.com/office/drawing/2010/main">
+              <a14:hiddenFill xmlns:a14="http://schemas.microsoft.com/office/drawing/2010/main" xmlns="">
                 <a:noFill/>
               </a14:hiddenFill>
             </a:ext>
@@ -18841,7 +19359,7 @@
           </a:ln>
           <a:extLst>
             <a:ext uri="{909E8E84-426E-40dd-AFC4-6F175D3DCCD1}">
-              <a14:hiddenFill xmlns="" xmlns:a14="http://schemas.microsoft.com/office/drawing/2010/main">
+              <a14:hiddenFill xmlns:a14="http://schemas.microsoft.com/office/drawing/2010/main" xmlns="">
                 <a:noFill/>
               </a14:hiddenFill>
             </a:ext>
@@ -19015,7 +19533,7 @@
           </a:ln>
           <a:extLst>
             <a:ext uri="{909E8E84-426E-40dd-AFC4-6F175D3DCCD1}">
-              <a14:hiddenFill xmlns="" xmlns:a14="http://schemas.microsoft.com/office/drawing/2010/main">
+              <a14:hiddenFill xmlns:a14="http://schemas.microsoft.com/office/drawing/2010/main" xmlns="">
                 <a:noFill/>
               </a14:hiddenFill>
             </a:ext>
@@ -19116,7 +19634,7 @@
           </a:ln>
           <a:extLst>
             <a:ext uri="{909E8E84-426E-40dd-AFC4-6F175D3DCCD1}">
-              <a14:hiddenFill xmlns="" xmlns:a14="http://schemas.microsoft.com/office/drawing/2010/main">
+              <a14:hiddenFill xmlns:a14="http://schemas.microsoft.com/office/drawing/2010/main" xmlns="">
                 <a:noFill/>
               </a14:hiddenFill>
             </a:ext>
@@ -19163,7 +19681,7 @@
           </a:ln>
           <a:extLst>
             <a:ext uri="{909E8E84-426E-40dd-AFC4-6F175D3DCCD1}">
-              <a14:hiddenFill xmlns="" xmlns:a14="http://schemas.microsoft.com/office/drawing/2010/main">
+              <a14:hiddenFill xmlns:a14="http://schemas.microsoft.com/office/drawing/2010/main" xmlns="">
                 <a:noFill/>
               </a14:hiddenFill>
             </a:ext>
@@ -19250,14 +19768,14 @@
           </a:ln>
           <a:extLst>
             <a:ext uri="{909E8E84-426E-40dd-AFC4-6F175D3DCCD1}">
-              <a14:hiddenFill xmlns="" xmlns:a14="http://schemas.microsoft.com/office/drawing/2010/main">
+              <a14:hiddenFill xmlns:a14="http://schemas.microsoft.com/office/drawing/2010/main" xmlns="">
                 <a:solidFill>
                   <a:srgbClr val="FFFFFF"/>
                 </a:solidFill>
               </a14:hiddenFill>
             </a:ext>
             <a:ext uri="{91240B29-F687-4f45-9708-019B960494DF}">
-              <a14:hiddenLine xmlns="" xmlns:a14="http://schemas.microsoft.com/office/drawing/2010/main" w="9525">
+              <a14:hiddenLine xmlns:a14="http://schemas.microsoft.com/office/drawing/2010/main" xmlns="" w="9525">
                 <a:solidFill>
                   <a:srgbClr val="000000"/>
                 </a:solidFill>
@@ -19428,14 +19946,14 @@
           </a:ln>
           <a:extLst>
             <a:ext uri="{909E8E84-426E-40dd-AFC4-6F175D3DCCD1}">
-              <a14:hiddenFill xmlns="" xmlns:a14="http://schemas.microsoft.com/office/drawing/2010/main">
+              <a14:hiddenFill xmlns:a14="http://schemas.microsoft.com/office/drawing/2010/main" xmlns="">
                 <a:solidFill>
                   <a:srgbClr val="FFFFFF"/>
                 </a:solidFill>
               </a14:hiddenFill>
             </a:ext>
             <a:ext uri="{91240B29-F687-4f45-9708-019B960494DF}">
-              <a14:hiddenLine xmlns="" xmlns:a14="http://schemas.microsoft.com/office/drawing/2010/main" w="9525">
+              <a14:hiddenLine xmlns:a14="http://schemas.microsoft.com/office/drawing/2010/main" xmlns="" w="9525">
                 <a:solidFill>
                   <a:srgbClr val="000000"/>
                 </a:solidFill>
@@ -19724,7 +20242,7 @@
             </a:ln>
             <a:extLst>
               <a:ext uri="{909E8E84-426E-40dd-AFC4-6F175D3DCCD1}">
-                <a14:hiddenFill xmlns="" xmlns:a14="http://schemas.microsoft.com/office/drawing/2010/main">
+                <a14:hiddenFill xmlns:a14="http://schemas.microsoft.com/office/drawing/2010/main" xmlns="">
                   <a:solidFill>
                     <a:srgbClr val="FFFFFF"/>
                   </a:solidFill>
@@ -19883,7 +20401,7 @@
             </a:ln>
             <a:extLst>
               <a:ext uri="{909E8E84-426E-40dd-AFC4-6F175D3DCCD1}">
-                <a14:hiddenFill xmlns="" xmlns:a14="http://schemas.microsoft.com/office/drawing/2010/main">
+                <a14:hiddenFill xmlns:a14="http://schemas.microsoft.com/office/drawing/2010/main" xmlns="">
                   <a:noFill/>
                 </a14:hiddenFill>
               </a:ext>
@@ -19930,7 +20448,7 @@
             </a:ln>
             <a:extLst>
               <a:ext uri="{909E8E84-426E-40dd-AFC4-6F175D3DCCD1}">
-                <a14:hiddenFill xmlns="" xmlns:a14="http://schemas.microsoft.com/office/drawing/2010/main">
+                <a14:hiddenFill xmlns:a14="http://schemas.microsoft.com/office/drawing/2010/main" xmlns="">
                   <a:noFill/>
                 </a14:hiddenFill>
               </a:ext>
@@ -19977,7 +20495,7 @@
             </a:ln>
             <a:extLst>
               <a:ext uri="{909E8E84-426E-40dd-AFC4-6F175D3DCCD1}">
-                <a14:hiddenFill xmlns="" xmlns:a14="http://schemas.microsoft.com/office/drawing/2010/main">
+                <a14:hiddenFill xmlns:a14="http://schemas.microsoft.com/office/drawing/2010/main" xmlns="">
                   <a:noFill/>
                 </a14:hiddenFill>
               </a:ext>
@@ -20024,7 +20542,7 @@
             </a:ln>
             <a:extLst>
               <a:ext uri="{909E8E84-426E-40dd-AFC4-6F175D3DCCD1}">
-                <a14:hiddenFill xmlns="" xmlns:a14="http://schemas.microsoft.com/office/drawing/2010/main">
+                <a14:hiddenFill xmlns:a14="http://schemas.microsoft.com/office/drawing/2010/main" xmlns="">
                   <a:noFill/>
                 </a14:hiddenFill>
               </a:ext>
@@ -20067,14 +20585,14 @@
           </a:ln>
           <a:extLst>
             <a:ext uri="{909E8E84-426E-40dd-AFC4-6F175D3DCCD1}">
-              <a14:hiddenFill xmlns="" xmlns:a14="http://schemas.microsoft.com/office/drawing/2010/main">
+              <a14:hiddenFill xmlns:a14="http://schemas.microsoft.com/office/drawing/2010/main" xmlns="">
                 <a:solidFill>
                   <a:srgbClr val="FFFFFF"/>
                 </a:solidFill>
               </a14:hiddenFill>
             </a:ext>
             <a:ext uri="{91240B29-F687-4f45-9708-019B960494DF}">
-              <a14:hiddenLine xmlns="" xmlns:a14="http://schemas.microsoft.com/office/drawing/2010/main" w="9525">
+              <a14:hiddenLine xmlns:a14="http://schemas.microsoft.com/office/drawing/2010/main" xmlns="" w="9525">
                 <a:solidFill>
                   <a:srgbClr val="000000"/>
                 </a:solidFill>
@@ -20532,14 +21050,14 @@
           </a:ln>
           <a:extLst>
             <a:ext uri="{909E8E84-426E-40dd-AFC4-6F175D3DCCD1}">
-              <a14:hiddenFill xmlns="" xmlns:a14="http://schemas.microsoft.com/office/drawing/2010/main">
+              <a14:hiddenFill xmlns:a14="http://schemas.microsoft.com/office/drawing/2010/main" xmlns="">
                 <a:solidFill>
                   <a:srgbClr val="FFFFFF"/>
                 </a:solidFill>
               </a14:hiddenFill>
             </a:ext>
             <a:ext uri="{91240B29-F687-4f45-9708-019B960494DF}">
-              <a14:hiddenLine xmlns="" xmlns:a14="http://schemas.microsoft.com/office/drawing/2010/main" w="9525">
+              <a14:hiddenLine xmlns:a14="http://schemas.microsoft.com/office/drawing/2010/main" xmlns="" w="9525">
                 <a:solidFill>
                   <a:srgbClr val="000000"/>
                 </a:solidFill>
@@ -20710,14 +21228,14 @@
           </a:ln>
           <a:extLst>
             <a:ext uri="{909E8E84-426E-40dd-AFC4-6F175D3DCCD1}">
-              <a14:hiddenFill xmlns="" xmlns:a14="http://schemas.microsoft.com/office/drawing/2010/main">
+              <a14:hiddenFill xmlns:a14="http://schemas.microsoft.com/office/drawing/2010/main" xmlns="">
                 <a:solidFill>
                   <a:srgbClr val="FFFFFF"/>
                 </a:solidFill>
               </a14:hiddenFill>
             </a:ext>
             <a:ext uri="{91240B29-F687-4f45-9708-019B960494DF}">
-              <a14:hiddenLine xmlns="" xmlns:a14="http://schemas.microsoft.com/office/drawing/2010/main" w="9525">
+              <a14:hiddenLine xmlns:a14="http://schemas.microsoft.com/office/drawing/2010/main" xmlns="" w="9525">
                 <a:solidFill>
                   <a:srgbClr val="000000"/>
                 </a:solidFill>
@@ -20932,14 +21450,14 @@
           </a:ln>
           <a:extLst>
             <a:ext uri="{909E8E84-426E-40dd-AFC4-6F175D3DCCD1}">
-              <a14:hiddenFill xmlns="" xmlns:a14="http://schemas.microsoft.com/office/drawing/2010/main">
+              <a14:hiddenFill xmlns:a14="http://schemas.microsoft.com/office/drawing/2010/main" xmlns="">
                 <a:solidFill>
                   <a:srgbClr val="FFFFFF"/>
                 </a:solidFill>
               </a14:hiddenFill>
             </a:ext>
             <a:ext uri="{91240B29-F687-4f45-9708-019B960494DF}">
-              <a14:hiddenLine xmlns="" xmlns:a14="http://schemas.microsoft.com/office/drawing/2010/main" w="9525">
+              <a14:hiddenLine xmlns:a14="http://schemas.microsoft.com/office/drawing/2010/main" xmlns="" w="9525">
                 <a:solidFill>
                   <a:srgbClr val="000000"/>
                 </a:solidFill>
@@ -21154,14 +21672,14 @@
           </a:ln>
           <a:extLst>
             <a:ext uri="{909E8E84-426E-40dd-AFC4-6F175D3DCCD1}">
-              <a14:hiddenFill xmlns="" xmlns:a14="http://schemas.microsoft.com/office/drawing/2010/main">
+              <a14:hiddenFill xmlns:a14="http://schemas.microsoft.com/office/drawing/2010/main" xmlns="">
                 <a:solidFill>
                   <a:srgbClr val="FFFFFF"/>
                 </a:solidFill>
               </a14:hiddenFill>
             </a:ext>
             <a:ext uri="{91240B29-F687-4f45-9708-019B960494DF}">
-              <a14:hiddenLine xmlns="" xmlns:a14="http://schemas.microsoft.com/office/drawing/2010/main" w="9525">
+              <a14:hiddenLine xmlns:a14="http://schemas.microsoft.com/office/drawing/2010/main" xmlns="" w="9525">
                 <a:solidFill>
                   <a:srgbClr val="000000"/>
                 </a:solidFill>
@@ -21378,14 +21896,14 @@
           </a:ln>
           <a:extLst>
             <a:ext uri="{909E8E84-426E-40dd-AFC4-6F175D3DCCD1}">
-              <a14:hiddenFill xmlns="" xmlns:a14="http://schemas.microsoft.com/office/drawing/2010/main">
+              <a14:hiddenFill xmlns:a14="http://schemas.microsoft.com/office/drawing/2010/main" xmlns="">
                 <a:solidFill>
                   <a:srgbClr val="FFFFFF"/>
                 </a:solidFill>
               </a14:hiddenFill>
             </a:ext>
             <a:ext uri="{91240B29-F687-4f45-9708-019B960494DF}">
-              <a14:hiddenLine xmlns="" xmlns:a14="http://schemas.microsoft.com/office/drawing/2010/main" w="9525">
+              <a14:hiddenLine xmlns:a14="http://schemas.microsoft.com/office/drawing/2010/main" xmlns="" w="9525">
                 <a:solidFill>
                   <a:srgbClr val="000000"/>
                 </a:solidFill>
@@ -21674,7 +22192,7 @@
             </a:ln>
             <a:extLst>
               <a:ext uri="{909E8E84-426E-40dd-AFC4-6F175D3DCCD1}">
-                <a14:hiddenFill xmlns="" xmlns:a14="http://schemas.microsoft.com/office/drawing/2010/main">
+                <a14:hiddenFill xmlns:a14="http://schemas.microsoft.com/office/drawing/2010/main" xmlns="">
                   <a:solidFill>
                     <a:srgbClr val="FFFFFF"/>
                   </a:solidFill>
@@ -21833,7 +22351,7 @@
             </a:ln>
             <a:extLst>
               <a:ext uri="{909E8E84-426E-40dd-AFC4-6F175D3DCCD1}">
-                <a14:hiddenFill xmlns="" xmlns:a14="http://schemas.microsoft.com/office/drawing/2010/main">
+                <a14:hiddenFill xmlns:a14="http://schemas.microsoft.com/office/drawing/2010/main" xmlns="">
                   <a:noFill/>
                 </a14:hiddenFill>
               </a:ext>
@@ -21880,7 +22398,7 @@
             </a:ln>
             <a:extLst>
               <a:ext uri="{909E8E84-426E-40dd-AFC4-6F175D3DCCD1}">
-                <a14:hiddenFill xmlns="" xmlns:a14="http://schemas.microsoft.com/office/drawing/2010/main">
+                <a14:hiddenFill xmlns:a14="http://schemas.microsoft.com/office/drawing/2010/main" xmlns="">
                   <a:noFill/>
                 </a14:hiddenFill>
               </a:ext>
@@ -21927,7 +22445,7 @@
             </a:ln>
             <a:extLst>
               <a:ext uri="{909E8E84-426E-40dd-AFC4-6F175D3DCCD1}">
-                <a14:hiddenFill xmlns="" xmlns:a14="http://schemas.microsoft.com/office/drawing/2010/main">
+                <a14:hiddenFill xmlns:a14="http://schemas.microsoft.com/office/drawing/2010/main" xmlns="">
                   <a:noFill/>
                 </a14:hiddenFill>
               </a:ext>
@@ -21974,7 +22492,7 @@
             </a:ln>
             <a:extLst>
               <a:ext uri="{909E8E84-426E-40dd-AFC4-6F175D3DCCD1}">
-                <a14:hiddenFill xmlns="" xmlns:a14="http://schemas.microsoft.com/office/drawing/2010/main">
+                <a14:hiddenFill xmlns:a14="http://schemas.microsoft.com/office/drawing/2010/main" xmlns="">
                   <a:noFill/>
                 </a14:hiddenFill>
               </a:ext>
@@ -22017,14 +22535,14 @@
           </a:ln>
           <a:extLst>
             <a:ext uri="{909E8E84-426E-40dd-AFC4-6F175D3DCCD1}">
-              <a14:hiddenFill xmlns="" xmlns:a14="http://schemas.microsoft.com/office/drawing/2010/main">
+              <a14:hiddenFill xmlns:a14="http://schemas.microsoft.com/office/drawing/2010/main" xmlns="">
                 <a:solidFill>
                   <a:srgbClr val="FFFFFF"/>
                 </a:solidFill>
               </a14:hiddenFill>
             </a:ext>
             <a:ext uri="{91240B29-F687-4f45-9708-019B960494DF}">
-              <a14:hiddenLine xmlns="" xmlns:a14="http://schemas.microsoft.com/office/drawing/2010/main" w="9525">
+              <a14:hiddenLine xmlns:a14="http://schemas.microsoft.com/office/drawing/2010/main" xmlns="" w="9525">
                 <a:solidFill>
                   <a:srgbClr val="000000"/>
                 </a:solidFill>
@@ -23026,14 +23544,14 @@
           </a:ln>
           <a:extLst>
             <a:ext uri="{909E8E84-426E-40dd-AFC4-6F175D3DCCD1}">
-              <a14:hiddenFill xmlns="" xmlns:a14="http://schemas.microsoft.com/office/drawing/2010/main">
+              <a14:hiddenFill xmlns:a14="http://schemas.microsoft.com/office/drawing/2010/main" xmlns="">
                 <a:solidFill>
                   <a:srgbClr val="FFFFFF"/>
                 </a:solidFill>
               </a14:hiddenFill>
             </a:ext>
             <a:ext uri="{91240B29-F687-4f45-9708-019B960494DF}">
-              <a14:hiddenLine xmlns="" xmlns:a14="http://schemas.microsoft.com/office/drawing/2010/main" w="9525">
+              <a14:hiddenLine xmlns:a14="http://schemas.microsoft.com/office/drawing/2010/main" xmlns="" w="9525">
                 <a:solidFill>
                   <a:srgbClr val="000000"/>
                 </a:solidFill>
@@ -23210,14 +23728,14 @@
           </a:ln>
           <a:extLst>
             <a:ext uri="{909E8E84-426E-40dd-AFC4-6F175D3DCCD1}">
-              <a14:hiddenFill xmlns="" xmlns:a14="http://schemas.microsoft.com/office/drawing/2010/main">
+              <a14:hiddenFill xmlns:a14="http://schemas.microsoft.com/office/drawing/2010/main" xmlns="">
                 <a:solidFill>
                   <a:srgbClr val="FFFFFF"/>
                 </a:solidFill>
               </a14:hiddenFill>
             </a:ext>
             <a:ext uri="{91240B29-F687-4f45-9708-019B960494DF}">
-              <a14:hiddenLine xmlns="" xmlns:a14="http://schemas.microsoft.com/office/drawing/2010/main" w="9525">
+              <a14:hiddenLine xmlns:a14="http://schemas.microsoft.com/office/drawing/2010/main" xmlns="" w="9525">
                 <a:solidFill>
                   <a:srgbClr val="000000"/>
                 </a:solidFill>
@@ -23394,14 +23912,14 @@
           </a:ln>
           <a:extLst>
             <a:ext uri="{909E8E84-426E-40dd-AFC4-6F175D3DCCD1}">
-              <a14:hiddenFill xmlns="" xmlns:a14="http://schemas.microsoft.com/office/drawing/2010/main">
+              <a14:hiddenFill xmlns:a14="http://schemas.microsoft.com/office/drawing/2010/main" xmlns="">
                 <a:solidFill>
                   <a:srgbClr val="FFFFFF"/>
                 </a:solidFill>
               </a14:hiddenFill>
             </a:ext>
             <a:ext uri="{91240B29-F687-4f45-9708-019B960494DF}">
-              <a14:hiddenLine xmlns="" xmlns:a14="http://schemas.microsoft.com/office/drawing/2010/main" w="9525">
+              <a14:hiddenLine xmlns:a14="http://schemas.microsoft.com/office/drawing/2010/main" xmlns="" w="9525">
                 <a:solidFill>
                   <a:srgbClr val="000000"/>
                 </a:solidFill>
@@ -23578,14 +24096,14 @@
           </a:ln>
           <a:extLst>
             <a:ext uri="{909E8E84-426E-40dd-AFC4-6F175D3DCCD1}">
-              <a14:hiddenFill xmlns="" xmlns:a14="http://schemas.microsoft.com/office/drawing/2010/main">
+              <a14:hiddenFill xmlns:a14="http://schemas.microsoft.com/office/drawing/2010/main" xmlns="">
                 <a:solidFill>
                   <a:srgbClr val="FFFFFF"/>
                 </a:solidFill>
               </a14:hiddenFill>
             </a:ext>
             <a:ext uri="{91240B29-F687-4f45-9708-019B960494DF}">
-              <a14:hiddenLine xmlns="" xmlns:a14="http://schemas.microsoft.com/office/drawing/2010/main" w="9525">
+              <a14:hiddenLine xmlns:a14="http://schemas.microsoft.com/office/drawing/2010/main" xmlns="" w="9525">
                 <a:solidFill>
                   <a:srgbClr val="000000"/>
                 </a:solidFill>
@@ -23762,14 +24280,14 @@
           </a:ln>
           <a:extLst>
             <a:ext uri="{909E8E84-426E-40dd-AFC4-6F175D3DCCD1}">
-              <a14:hiddenFill xmlns="" xmlns:a14="http://schemas.microsoft.com/office/drawing/2010/main">
+              <a14:hiddenFill xmlns:a14="http://schemas.microsoft.com/office/drawing/2010/main" xmlns="">
                 <a:solidFill>
                   <a:srgbClr val="FFFFFF"/>
                 </a:solidFill>
               </a14:hiddenFill>
             </a:ext>
             <a:ext uri="{91240B29-F687-4f45-9708-019B960494DF}">
-              <a14:hiddenLine xmlns="" xmlns:a14="http://schemas.microsoft.com/office/drawing/2010/main" w="9525">
+              <a14:hiddenLine xmlns:a14="http://schemas.microsoft.com/office/drawing/2010/main" xmlns="" w="9525">
                 <a:solidFill>
                   <a:srgbClr val="000000"/>
                 </a:solidFill>
@@ -23943,14 +24461,14 @@
           </a:ln>
           <a:extLst>
             <a:ext uri="{909E8E84-426E-40dd-AFC4-6F175D3DCCD1}">
-              <a14:hiddenFill xmlns="" xmlns:a14="http://schemas.microsoft.com/office/drawing/2010/main">
+              <a14:hiddenFill xmlns:a14="http://schemas.microsoft.com/office/drawing/2010/main" xmlns="">
                 <a:solidFill>
                   <a:srgbClr val="FFFFFF"/>
                 </a:solidFill>
               </a14:hiddenFill>
             </a:ext>
             <a:ext uri="{91240B29-F687-4f45-9708-019B960494DF}">
-              <a14:hiddenLine xmlns="" xmlns:a14="http://schemas.microsoft.com/office/drawing/2010/main" w="9525">
+              <a14:hiddenLine xmlns:a14="http://schemas.microsoft.com/office/drawing/2010/main" xmlns="" w="9525">
                 <a:solidFill>
                   <a:srgbClr val="000000"/>
                 </a:solidFill>
